--- a/資料/発表資料.pptx
+++ b/資料/発表資料.pptx
@@ -23,6 +23,7 @@
     <p:sldId id="265" r:id="rId16"/>
     <p:sldId id="266" r:id="rId17"/>
     <p:sldId id="267" r:id="rId18"/>
+    <p:sldId id="268" r:id="rId19"/>
   </p:sldIdLst>
   <p:sldSz cx="10080625" cy="7559675"/>
   <p:notesSz cx="7559675" cy="10691812"/>
@@ -253,7 +254,7 @@
           </a:bodyPr>
           <a:p>
             <a:pPr algn="r"/>
-            <a:fld id="{5890B8F0-2838-4489-B458-47133ECD381F}" type="slidenum">
+            <a:fld id="{2A41829B-F29D-4032-AC6B-AA9F008CA335}" type="slidenum">
               <a:rPr b="0" lang="en-US" sz="1400" spc="-1" strike="noStrike">
                 <a:latin typeface="Times New Roman"/>
               </a:rPr>
@@ -290,7 +291,7 @@
       </p:grpSpPr>
       <p:sp>
         <p:nvSpPr>
-          <p:cNvPr id="262" name="PlaceHolder 1"/>
+          <p:cNvPr id="291" name="PlaceHolder 1"/>
           <p:cNvSpPr>
             <a:spLocks noGrp="1"/>
           </p:cNvSpPr>
@@ -301,16 +302,16 @@
         <p:spPr>
           <a:xfrm>
             <a:off x="1107000" y="812520"/>
-            <a:ext cx="5343840" cy="4007520"/>
-          </a:xfrm>
-          <a:prstGeom prst="rect">
-            <a:avLst/>
-          </a:prstGeom>
-        </p:spPr>
-      </p:sp>
-      <p:sp>
-        <p:nvSpPr>
-          <p:cNvPr id="263" name="PlaceHolder 2"/>
+            <a:ext cx="5343480" cy="4007160"/>
+          </a:xfrm>
+          <a:prstGeom prst="rect">
+            <a:avLst/>
+          </a:prstGeom>
+        </p:spPr>
+      </p:sp>
+      <p:sp>
+        <p:nvSpPr>
+          <p:cNvPr id="292" name="PlaceHolder 2"/>
           <p:cNvSpPr>
             <a:spLocks noGrp="1"/>
           </p:cNvSpPr>
@@ -321,7 +322,7 @@
         <p:spPr>
           <a:xfrm>
             <a:off x="756000" y="5078520"/>
-            <a:ext cx="6046200" cy="4811040"/>
+            <a:ext cx="6045840" cy="4811040"/>
           </a:xfrm>
           <a:prstGeom prst="rect">
             <a:avLst/>
@@ -332,7 +333,7 @@
             <a:spAutoFit/>
           </a:bodyPr>
           <a:p>
-            <a:pPr marL="216000" indent="-214920">
+            <a:pPr marL="216000" indent="-214560">
               <a:lnSpc>
                 <a:spcPct val="100000"/>
               </a:lnSpc>
@@ -348,7 +349,7 @@
             </a:endParaRPr>
           </a:p>
           <a:p>
-            <a:pPr marL="216000" indent="-214920">
+            <a:pPr marL="216000" indent="-214560">
               <a:lnSpc>
                 <a:spcPct val="100000"/>
               </a:lnSpc>
@@ -358,7 +359,7 @@
             </a:endParaRPr>
           </a:p>
           <a:p>
-            <a:pPr marL="216000" indent="-214920">
+            <a:pPr marL="216000" indent="-214560">
               <a:lnSpc>
                 <a:spcPct val="100000"/>
               </a:lnSpc>
@@ -374,7 +375,7 @@
             </a:endParaRPr>
           </a:p>
           <a:p>
-            <a:pPr marL="216000" indent="-214920">
+            <a:pPr marL="216000" indent="-214560">
               <a:lnSpc>
                 <a:spcPct val="100000"/>
               </a:lnSpc>
@@ -408,7 +409,7 @@
             </a:endParaRPr>
           </a:p>
           <a:p>
-            <a:pPr marL="216000" indent="-214920">
+            <a:pPr marL="216000" indent="-214560">
               <a:lnSpc>
                 <a:spcPct val="100000"/>
               </a:lnSpc>
@@ -443,7 +444,7 @@
       </p:grpSpPr>
       <p:sp>
         <p:nvSpPr>
-          <p:cNvPr id="264" name="PlaceHolder 1"/>
+          <p:cNvPr id="293" name="PlaceHolder 1"/>
           <p:cNvSpPr>
             <a:spLocks noGrp="1"/>
           </p:cNvSpPr>
@@ -454,16 +455,16 @@
         <p:spPr>
           <a:xfrm>
             <a:off x="1107000" y="812520"/>
-            <a:ext cx="5343840" cy="4007520"/>
-          </a:xfrm>
-          <a:prstGeom prst="rect">
-            <a:avLst/>
-          </a:prstGeom>
-        </p:spPr>
-      </p:sp>
-      <p:sp>
-        <p:nvSpPr>
-          <p:cNvPr id="265" name="PlaceHolder 2"/>
+            <a:ext cx="5343480" cy="4007160"/>
+          </a:xfrm>
+          <a:prstGeom prst="rect">
+            <a:avLst/>
+          </a:prstGeom>
+        </p:spPr>
+      </p:sp>
+      <p:sp>
+        <p:nvSpPr>
+          <p:cNvPr id="294" name="PlaceHolder 2"/>
           <p:cNvSpPr>
             <a:spLocks noGrp="1"/>
           </p:cNvSpPr>
@@ -474,7 +475,7 @@
         <p:spPr>
           <a:xfrm>
             <a:off x="756000" y="5078520"/>
-            <a:ext cx="6046200" cy="4811040"/>
+            <a:ext cx="6045840" cy="4811040"/>
           </a:xfrm>
           <a:prstGeom prst="rect">
             <a:avLst/>
@@ -485,7 +486,7 @@
             <a:spAutoFit/>
           </a:bodyPr>
           <a:p>
-            <a:pPr marL="216000" indent="-214920">
+            <a:pPr marL="216000" indent="-214560">
               <a:lnSpc>
                 <a:spcPct val="100000"/>
               </a:lnSpc>
@@ -501,7 +502,7 @@
             </a:endParaRPr>
           </a:p>
           <a:p>
-            <a:pPr marL="216000" indent="-214920">
+            <a:pPr marL="216000" indent="-214560">
               <a:lnSpc>
                 <a:spcPct val="100000"/>
               </a:lnSpc>
@@ -511,7 +512,7 @@
             </a:endParaRPr>
           </a:p>
           <a:p>
-            <a:pPr marL="216000" indent="-214920">
+            <a:pPr marL="216000" indent="-214560">
               <a:lnSpc>
                 <a:spcPct val="100000"/>
               </a:lnSpc>
@@ -527,7 +528,7 @@
             </a:endParaRPr>
           </a:p>
           <a:p>
-            <a:pPr marL="216000" indent="-214920">
+            <a:pPr marL="216000" indent="-214560">
               <a:lnSpc>
                 <a:spcPct val="100000"/>
               </a:lnSpc>
@@ -561,7 +562,7 @@
             </a:endParaRPr>
           </a:p>
           <a:p>
-            <a:pPr marL="216000" indent="-214920">
+            <a:pPr marL="216000" indent="-214560">
               <a:lnSpc>
                 <a:spcPct val="100000"/>
               </a:lnSpc>
@@ -629,7 +630,7 @@
         <p:spPr>
           <a:xfrm>
             <a:off x="504000" y="261720"/>
-            <a:ext cx="9071640" cy="1341000"/>
+            <a:ext cx="9071280" cy="1341000"/>
           </a:xfrm>
           <a:prstGeom prst="rect">
             <a:avLst/>
@@ -660,7 +661,7 @@
         <p:spPr>
           <a:xfrm>
             <a:off x="504000" y="1768680"/>
-            <a:ext cx="4426560" cy="2090880"/>
+            <a:ext cx="2159640" cy="2090520"/>
           </a:xfrm>
           <a:prstGeom prst="rect">
             <a:avLst/>
@@ -689,8 +690,8 @@
         </p:nvSpPr>
         <p:spPr>
           <a:xfrm>
-            <a:off x="504000" y="4058640"/>
-            <a:ext cx="4426560" cy="2090880"/>
+            <a:off x="504000" y="4058280"/>
+            <a:ext cx="2159640" cy="2090520"/>
           </a:xfrm>
           <a:prstGeom prst="rect">
             <a:avLst/>
@@ -742,7 +743,7 @@
         <p:spPr>
           <a:xfrm>
             <a:off x="504000" y="261720"/>
-            <a:ext cx="9071640" cy="1341000"/>
+            <a:ext cx="9071280" cy="1341000"/>
           </a:xfrm>
           <a:prstGeom prst="rect">
             <a:avLst/>
@@ -773,7 +774,7 @@
         <p:spPr>
           <a:xfrm>
             <a:off x="504000" y="1768680"/>
-            <a:ext cx="2160000" cy="2090880"/>
+            <a:ext cx="1053720" cy="2090520"/>
           </a:xfrm>
           <a:prstGeom prst="rect">
             <a:avLst/>
@@ -781,7 +782,7 @@
         </p:spPr>
         <p:txBody>
           <a:bodyPr lIns="0" rIns="0" tIns="0" bIns="0">
-            <a:normAutofit/>
+            <a:normAutofit fontScale="27000"/>
           </a:bodyPr>
           <a:p>
             <a:endParaRPr b="0" lang="en-US" sz="3200" spc="-1" strike="noStrike">
@@ -802,8 +803,8 @@
         </p:nvSpPr>
         <p:spPr>
           <a:xfrm>
-            <a:off x="2772360" y="1768680"/>
-            <a:ext cx="2160000" cy="2090880"/>
+            <a:off x="1610640" y="1768680"/>
+            <a:ext cx="1053720" cy="2090520"/>
           </a:xfrm>
           <a:prstGeom prst="rect">
             <a:avLst/>
@@ -811,7 +812,7 @@
         </p:spPr>
         <p:txBody>
           <a:bodyPr lIns="0" rIns="0" tIns="0" bIns="0">
-            <a:normAutofit/>
+            <a:normAutofit fontScale="27000"/>
           </a:bodyPr>
           <a:p>
             <a:endParaRPr b="0" lang="en-US" sz="3200" spc="-1" strike="noStrike">
@@ -832,8 +833,8 @@
         </p:nvSpPr>
         <p:spPr>
           <a:xfrm>
-            <a:off x="504000" y="4058640"/>
-            <a:ext cx="2160000" cy="2090880"/>
+            <a:off x="504000" y="4058280"/>
+            <a:ext cx="1053720" cy="2090520"/>
           </a:xfrm>
           <a:prstGeom prst="rect">
             <a:avLst/>
@@ -841,7 +842,7 @@
         </p:spPr>
         <p:txBody>
           <a:bodyPr lIns="0" rIns="0" tIns="0" bIns="0">
-            <a:normAutofit/>
+            <a:normAutofit fontScale="27000"/>
           </a:bodyPr>
           <a:p>
             <a:endParaRPr b="0" lang="en-US" sz="3200" spc="-1" strike="noStrike">
@@ -862,8 +863,8 @@
         </p:nvSpPr>
         <p:spPr>
           <a:xfrm>
-            <a:off x="2772360" y="4058640"/>
-            <a:ext cx="2160000" cy="2090880"/>
+            <a:off x="1610640" y="4058280"/>
+            <a:ext cx="1053720" cy="2090520"/>
           </a:xfrm>
           <a:prstGeom prst="rect">
             <a:avLst/>
@@ -871,7 +872,7 @@
         </p:spPr>
         <p:txBody>
           <a:bodyPr lIns="0" rIns="0" tIns="0" bIns="0">
-            <a:normAutofit/>
+            <a:normAutofit fontScale="27000"/>
           </a:bodyPr>
           <a:p>
             <a:endParaRPr b="0" lang="en-US" sz="3200" spc="-1" strike="noStrike">
@@ -915,7 +916,7 @@
         <p:spPr>
           <a:xfrm>
             <a:off x="504000" y="261720"/>
-            <a:ext cx="9071640" cy="1341000"/>
+            <a:ext cx="9071280" cy="1341000"/>
           </a:xfrm>
           <a:prstGeom prst="rect">
             <a:avLst/>
@@ -946,7 +947,7 @@
         <p:spPr>
           <a:xfrm>
             <a:off x="504000" y="1768680"/>
-            <a:ext cx="1425240" cy="2090880"/>
+            <a:ext cx="695160" cy="2090520"/>
           </a:xfrm>
           <a:prstGeom prst="rect">
             <a:avLst/>
@@ -954,7 +955,7 @@
         </p:spPr>
         <p:txBody>
           <a:bodyPr lIns="0" rIns="0" tIns="0" bIns="0">
-            <a:normAutofit fontScale="78000"/>
+            <a:normAutofit fontScale="24000"/>
           </a:bodyPr>
           <a:p>
             <a:endParaRPr b="0" lang="en-US" sz="3200" spc="-1" strike="noStrike">
@@ -975,8 +976,8 @@
         </p:nvSpPr>
         <p:spPr>
           <a:xfrm>
-            <a:off x="2000880" y="1768680"/>
-            <a:ext cx="1425240" cy="2090880"/>
+            <a:off x="1234440" y="1768680"/>
+            <a:ext cx="695160" cy="2090520"/>
           </a:xfrm>
           <a:prstGeom prst="rect">
             <a:avLst/>
@@ -984,7 +985,7 @@
         </p:spPr>
         <p:txBody>
           <a:bodyPr lIns="0" rIns="0" tIns="0" bIns="0">
-            <a:normAutofit fontScale="78000"/>
+            <a:normAutofit fontScale="24000"/>
           </a:bodyPr>
           <a:p>
             <a:endParaRPr b="0" lang="en-US" sz="3200" spc="-1" strike="noStrike">
@@ -1005,8 +1006,8 @@
         </p:nvSpPr>
         <p:spPr>
           <a:xfrm>
-            <a:off x="3497760" y="1768680"/>
-            <a:ext cx="1425240" cy="2090880"/>
+            <a:off x="1964520" y="1768680"/>
+            <a:ext cx="695160" cy="2090520"/>
           </a:xfrm>
           <a:prstGeom prst="rect">
             <a:avLst/>
@@ -1014,7 +1015,7 @@
         </p:spPr>
         <p:txBody>
           <a:bodyPr lIns="0" rIns="0" tIns="0" bIns="0">
-            <a:normAutofit fontScale="78000"/>
+            <a:normAutofit fontScale="24000"/>
           </a:bodyPr>
           <a:p>
             <a:endParaRPr b="0" lang="en-US" sz="3200" spc="-1" strike="noStrike">
@@ -1035,8 +1036,8 @@
         </p:nvSpPr>
         <p:spPr>
           <a:xfrm>
-            <a:off x="504000" y="4058640"/>
-            <a:ext cx="1425240" cy="2090880"/>
+            <a:off x="504000" y="4058280"/>
+            <a:ext cx="695160" cy="2090520"/>
           </a:xfrm>
           <a:prstGeom prst="rect">
             <a:avLst/>
@@ -1044,7 +1045,7 @@
         </p:spPr>
         <p:txBody>
           <a:bodyPr lIns="0" rIns="0" tIns="0" bIns="0">
-            <a:normAutofit fontScale="78000"/>
+            <a:normAutofit fontScale="24000"/>
           </a:bodyPr>
           <a:p>
             <a:endParaRPr b="0" lang="en-US" sz="3200" spc="-1" strike="noStrike">
@@ -1065,8 +1066,8 @@
         </p:nvSpPr>
         <p:spPr>
           <a:xfrm>
-            <a:off x="2000880" y="4058640"/>
-            <a:ext cx="1425240" cy="2090880"/>
+            <a:off x="1234440" y="4058280"/>
+            <a:ext cx="695160" cy="2090520"/>
           </a:xfrm>
           <a:prstGeom prst="rect">
             <a:avLst/>
@@ -1074,7 +1075,7 @@
         </p:spPr>
         <p:txBody>
           <a:bodyPr lIns="0" rIns="0" tIns="0" bIns="0">
-            <a:normAutofit fontScale="78000"/>
+            <a:normAutofit fontScale="24000"/>
           </a:bodyPr>
           <a:p>
             <a:endParaRPr b="0" lang="en-US" sz="3200" spc="-1" strike="noStrike">
@@ -1095,8 +1096,8 @@
         </p:nvSpPr>
         <p:spPr>
           <a:xfrm>
-            <a:off x="3497760" y="4058640"/>
-            <a:ext cx="1425240" cy="2090880"/>
+            <a:off x="1964520" y="4058280"/>
+            <a:ext cx="695160" cy="2090520"/>
           </a:xfrm>
           <a:prstGeom prst="rect">
             <a:avLst/>
@@ -1104,7 +1105,7 @@
         </p:spPr>
         <p:txBody>
           <a:bodyPr lIns="0" rIns="0" tIns="0" bIns="0">
-            <a:normAutofit fontScale="78000"/>
+            <a:normAutofit fontScale="24000"/>
           </a:bodyPr>
           <a:p>
             <a:endParaRPr b="0" lang="en-US" sz="3200" spc="-1" strike="noStrike">
@@ -1170,7 +1171,7 @@
         <p:spPr>
           <a:xfrm>
             <a:off x="504000" y="261720"/>
-            <a:ext cx="9071640" cy="1341000"/>
+            <a:ext cx="9071280" cy="1341000"/>
           </a:xfrm>
           <a:prstGeom prst="rect">
             <a:avLst/>
@@ -1201,7 +1202,7 @@
         <p:spPr>
           <a:xfrm>
             <a:off x="504000" y="1768680"/>
-            <a:ext cx="4426560" cy="4383720"/>
+            <a:ext cx="2159640" cy="4383360"/>
           </a:xfrm>
           <a:prstGeom prst="rect">
             <a:avLst/>
@@ -1254,7 +1255,7 @@
         <p:spPr>
           <a:xfrm>
             <a:off x="504000" y="261720"/>
-            <a:ext cx="9071640" cy="1341000"/>
+            <a:ext cx="9071280" cy="1341000"/>
           </a:xfrm>
           <a:prstGeom prst="rect">
             <a:avLst/>
@@ -1285,7 +1286,7 @@
         <p:spPr>
           <a:xfrm>
             <a:off x="504000" y="1768680"/>
-            <a:ext cx="4426560" cy="4383720"/>
+            <a:ext cx="2159640" cy="4383360"/>
           </a:xfrm>
           <a:prstGeom prst="rect">
             <a:avLst/>
@@ -1337,7 +1338,7 @@
         <p:spPr>
           <a:xfrm>
             <a:off x="504000" y="261720"/>
-            <a:ext cx="9071640" cy="1341000"/>
+            <a:ext cx="9071280" cy="1341000"/>
           </a:xfrm>
           <a:prstGeom prst="rect">
             <a:avLst/>
@@ -1368,7 +1369,7 @@
         <p:spPr>
           <a:xfrm>
             <a:off x="504000" y="1768680"/>
-            <a:ext cx="2160000" cy="4383720"/>
+            <a:ext cx="1053720" cy="4383360"/>
           </a:xfrm>
           <a:prstGeom prst="rect">
             <a:avLst/>
@@ -1376,7 +1377,7 @@
         </p:spPr>
         <p:txBody>
           <a:bodyPr lIns="0" rIns="0" tIns="0" bIns="0">
-            <a:normAutofit/>
+            <a:normAutofit fontScale="84000"/>
           </a:bodyPr>
           <a:p>
             <a:endParaRPr b="0" lang="en-US" sz="3200" spc="-1" strike="noStrike">
@@ -1397,8 +1398,8 @@
         </p:nvSpPr>
         <p:spPr>
           <a:xfrm>
-            <a:off x="2772360" y="1768680"/>
-            <a:ext cx="2160000" cy="4383720"/>
+            <a:off x="1610640" y="1768680"/>
+            <a:ext cx="1053720" cy="4383360"/>
           </a:xfrm>
           <a:prstGeom prst="rect">
             <a:avLst/>
@@ -1406,7 +1407,7 @@
         </p:spPr>
         <p:txBody>
           <a:bodyPr lIns="0" rIns="0" tIns="0" bIns="0">
-            <a:normAutofit/>
+            <a:normAutofit fontScale="84000"/>
           </a:bodyPr>
           <a:p>
             <a:endParaRPr b="0" lang="en-US" sz="3200" spc="-1" strike="noStrike">
@@ -1450,7 +1451,7 @@
         <p:spPr>
           <a:xfrm>
             <a:off x="504000" y="261720"/>
-            <a:ext cx="9071640" cy="1341000"/>
+            <a:ext cx="9071280" cy="1341000"/>
           </a:xfrm>
           <a:prstGeom prst="rect">
             <a:avLst/>
@@ -1503,7 +1504,7 @@
         <p:spPr>
           <a:xfrm>
             <a:off x="504000" y="261720"/>
-            <a:ext cx="9071640" cy="6217560"/>
+            <a:ext cx="9071280" cy="6217560"/>
           </a:xfrm>
           <a:prstGeom prst="rect">
             <a:avLst/>
@@ -1556,7 +1557,7 @@
         <p:spPr>
           <a:xfrm>
             <a:off x="504000" y="261720"/>
-            <a:ext cx="9071640" cy="1341000"/>
+            <a:ext cx="9071280" cy="1341000"/>
           </a:xfrm>
           <a:prstGeom prst="rect">
             <a:avLst/>
@@ -1587,7 +1588,7 @@
         <p:spPr>
           <a:xfrm>
             <a:off x="504000" y="1768680"/>
-            <a:ext cx="2160000" cy="2090880"/>
+            <a:ext cx="1053720" cy="2090520"/>
           </a:xfrm>
           <a:prstGeom prst="rect">
             <a:avLst/>
@@ -1595,7 +1596,7 @@
         </p:spPr>
         <p:txBody>
           <a:bodyPr lIns="0" rIns="0" tIns="0" bIns="0">
-            <a:normAutofit/>
+            <a:normAutofit fontScale="27000"/>
           </a:bodyPr>
           <a:p>
             <a:endParaRPr b="0" lang="en-US" sz="3200" spc="-1" strike="noStrike">
@@ -1616,8 +1617,8 @@
         </p:nvSpPr>
         <p:spPr>
           <a:xfrm>
-            <a:off x="2772360" y="1768680"/>
-            <a:ext cx="2160000" cy="4383720"/>
+            <a:off x="1610640" y="1768680"/>
+            <a:ext cx="1053720" cy="4383360"/>
           </a:xfrm>
           <a:prstGeom prst="rect">
             <a:avLst/>
@@ -1625,7 +1626,7 @@
         </p:spPr>
         <p:txBody>
           <a:bodyPr lIns="0" rIns="0" tIns="0" bIns="0">
-            <a:normAutofit/>
+            <a:normAutofit fontScale="84000"/>
           </a:bodyPr>
           <a:p>
             <a:endParaRPr b="0" lang="en-US" sz="3200" spc="-1" strike="noStrike">
@@ -1646,8 +1647,8 @@
         </p:nvSpPr>
         <p:spPr>
           <a:xfrm>
-            <a:off x="504000" y="4058640"/>
-            <a:ext cx="2160000" cy="2090880"/>
+            <a:off x="504000" y="4058280"/>
+            <a:ext cx="1053720" cy="2090520"/>
           </a:xfrm>
           <a:prstGeom prst="rect">
             <a:avLst/>
@@ -1655,7 +1656,7 @@
         </p:spPr>
         <p:txBody>
           <a:bodyPr lIns="0" rIns="0" tIns="0" bIns="0">
-            <a:normAutofit/>
+            <a:normAutofit fontScale="27000"/>
           </a:bodyPr>
           <a:p>
             <a:endParaRPr b="0" lang="en-US" sz="3200" spc="-1" strike="noStrike">
@@ -1699,7 +1700,7 @@
         <p:spPr>
           <a:xfrm>
             <a:off x="504000" y="261720"/>
-            <a:ext cx="9071640" cy="1341000"/>
+            <a:ext cx="9071280" cy="1341000"/>
           </a:xfrm>
           <a:prstGeom prst="rect">
             <a:avLst/>
@@ -1730,7 +1731,7 @@
         <p:spPr>
           <a:xfrm>
             <a:off x="504000" y="1768680"/>
-            <a:ext cx="4426560" cy="4383720"/>
+            <a:ext cx="2159640" cy="4383360"/>
           </a:xfrm>
           <a:prstGeom prst="rect">
             <a:avLst/>
@@ -1783,7 +1784,7 @@
         <p:spPr>
           <a:xfrm>
             <a:off x="504000" y="261720"/>
-            <a:ext cx="9071640" cy="1341000"/>
+            <a:ext cx="9071280" cy="1341000"/>
           </a:xfrm>
           <a:prstGeom prst="rect">
             <a:avLst/>
@@ -1814,7 +1815,7 @@
         <p:spPr>
           <a:xfrm>
             <a:off x="504000" y="1768680"/>
-            <a:ext cx="2160000" cy="4383720"/>
+            <a:ext cx="1053720" cy="4383360"/>
           </a:xfrm>
           <a:prstGeom prst="rect">
             <a:avLst/>
@@ -1822,7 +1823,7 @@
         </p:spPr>
         <p:txBody>
           <a:bodyPr lIns="0" rIns="0" tIns="0" bIns="0">
-            <a:normAutofit/>
+            <a:normAutofit fontScale="84000"/>
           </a:bodyPr>
           <a:p>
             <a:endParaRPr b="0" lang="en-US" sz="3200" spc="-1" strike="noStrike">
@@ -1843,8 +1844,8 @@
         </p:nvSpPr>
         <p:spPr>
           <a:xfrm>
-            <a:off x="2772360" y="1768680"/>
-            <a:ext cx="2160000" cy="2090880"/>
+            <a:off x="1610640" y="1768680"/>
+            <a:ext cx="1053720" cy="2090520"/>
           </a:xfrm>
           <a:prstGeom prst="rect">
             <a:avLst/>
@@ -1852,7 +1853,7 @@
         </p:spPr>
         <p:txBody>
           <a:bodyPr lIns="0" rIns="0" tIns="0" bIns="0">
-            <a:normAutofit/>
+            <a:normAutofit fontScale="27000"/>
           </a:bodyPr>
           <a:p>
             <a:endParaRPr b="0" lang="en-US" sz="3200" spc="-1" strike="noStrike">
@@ -1873,8 +1874,8 @@
         </p:nvSpPr>
         <p:spPr>
           <a:xfrm>
-            <a:off x="2772360" y="4058640"/>
-            <a:ext cx="2160000" cy="2090880"/>
+            <a:off x="1610640" y="4058280"/>
+            <a:ext cx="1053720" cy="2090520"/>
           </a:xfrm>
           <a:prstGeom prst="rect">
             <a:avLst/>
@@ -1882,7 +1883,7 @@
         </p:spPr>
         <p:txBody>
           <a:bodyPr lIns="0" rIns="0" tIns="0" bIns="0">
-            <a:normAutofit/>
+            <a:normAutofit fontScale="27000"/>
           </a:bodyPr>
           <a:p>
             <a:endParaRPr b="0" lang="en-US" sz="3200" spc="-1" strike="noStrike">
@@ -1926,7 +1927,7 @@
         <p:spPr>
           <a:xfrm>
             <a:off x="504000" y="261720"/>
-            <a:ext cx="9071640" cy="1341000"/>
+            <a:ext cx="9071280" cy="1341000"/>
           </a:xfrm>
           <a:prstGeom prst="rect">
             <a:avLst/>
@@ -1957,7 +1958,7 @@
         <p:spPr>
           <a:xfrm>
             <a:off x="504000" y="1768680"/>
-            <a:ext cx="2160000" cy="2090880"/>
+            <a:ext cx="1053720" cy="2090520"/>
           </a:xfrm>
           <a:prstGeom prst="rect">
             <a:avLst/>
@@ -1965,7 +1966,7 @@
         </p:spPr>
         <p:txBody>
           <a:bodyPr lIns="0" rIns="0" tIns="0" bIns="0">
-            <a:normAutofit/>
+            <a:normAutofit fontScale="27000"/>
           </a:bodyPr>
           <a:p>
             <a:endParaRPr b="0" lang="en-US" sz="3200" spc="-1" strike="noStrike">
@@ -1986,8 +1987,8 @@
         </p:nvSpPr>
         <p:spPr>
           <a:xfrm>
-            <a:off x="2772360" y="1768680"/>
-            <a:ext cx="2160000" cy="2090880"/>
+            <a:off x="1610640" y="1768680"/>
+            <a:ext cx="1053720" cy="2090520"/>
           </a:xfrm>
           <a:prstGeom prst="rect">
             <a:avLst/>
@@ -1995,7 +1996,7 @@
         </p:spPr>
         <p:txBody>
           <a:bodyPr lIns="0" rIns="0" tIns="0" bIns="0">
-            <a:normAutofit/>
+            <a:normAutofit fontScale="27000"/>
           </a:bodyPr>
           <a:p>
             <a:endParaRPr b="0" lang="en-US" sz="3200" spc="-1" strike="noStrike">
@@ -2016,8 +2017,8 @@
         </p:nvSpPr>
         <p:spPr>
           <a:xfrm>
-            <a:off x="504000" y="4058640"/>
-            <a:ext cx="4426560" cy="2090880"/>
+            <a:off x="504000" y="4058280"/>
+            <a:ext cx="2159640" cy="2090520"/>
           </a:xfrm>
           <a:prstGeom prst="rect">
             <a:avLst/>
@@ -2069,7 +2070,7 @@
         <p:spPr>
           <a:xfrm>
             <a:off x="504000" y="261720"/>
-            <a:ext cx="9071640" cy="1341000"/>
+            <a:ext cx="9071280" cy="1341000"/>
           </a:xfrm>
           <a:prstGeom prst="rect">
             <a:avLst/>
@@ -2100,7 +2101,7 @@
         <p:spPr>
           <a:xfrm>
             <a:off x="504000" y="1768680"/>
-            <a:ext cx="4426560" cy="2090880"/>
+            <a:ext cx="2159640" cy="2090520"/>
           </a:xfrm>
           <a:prstGeom prst="rect">
             <a:avLst/>
@@ -2129,8 +2130,8 @@
         </p:nvSpPr>
         <p:spPr>
           <a:xfrm>
-            <a:off x="504000" y="4058640"/>
-            <a:ext cx="4426560" cy="2090880"/>
+            <a:off x="504000" y="4058280"/>
+            <a:ext cx="2159640" cy="2090520"/>
           </a:xfrm>
           <a:prstGeom prst="rect">
             <a:avLst/>
@@ -2182,7 +2183,7 @@
         <p:spPr>
           <a:xfrm>
             <a:off x="504000" y="261720"/>
-            <a:ext cx="9071640" cy="1341000"/>
+            <a:ext cx="9071280" cy="1341000"/>
           </a:xfrm>
           <a:prstGeom prst="rect">
             <a:avLst/>
@@ -2213,7 +2214,7 @@
         <p:spPr>
           <a:xfrm>
             <a:off x="504000" y="1768680"/>
-            <a:ext cx="2160000" cy="2090880"/>
+            <a:ext cx="1053720" cy="2090520"/>
           </a:xfrm>
           <a:prstGeom prst="rect">
             <a:avLst/>
@@ -2221,7 +2222,7 @@
         </p:spPr>
         <p:txBody>
           <a:bodyPr lIns="0" rIns="0" tIns="0" bIns="0">
-            <a:normAutofit/>
+            <a:normAutofit fontScale="27000"/>
           </a:bodyPr>
           <a:p>
             <a:endParaRPr b="0" lang="en-US" sz="3200" spc="-1" strike="noStrike">
@@ -2242,8 +2243,8 @@
         </p:nvSpPr>
         <p:spPr>
           <a:xfrm>
-            <a:off x="2772360" y="1768680"/>
-            <a:ext cx="2160000" cy="2090880"/>
+            <a:off x="1610640" y="1768680"/>
+            <a:ext cx="1053720" cy="2090520"/>
           </a:xfrm>
           <a:prstGeom prst="rect">
             <a:avLst/>
@@ -2251,7 +2252,7 @@
         </p:spPr>
         <p:txBody>
           <a:bodyPr lIns="0" rIns="0" tIns="0" bIns="0">
-            <a:normAutofit/>
+            <a:normAutofit fontScale="27000"/>
           </a:bodyPr>
           <a:p>
             <a:endParaRPr b="0" lang="en-US" sz="3200" spc="-1" strike="noStrike">
@@ -2272,8 +2273,8 @@
         </p:nvSpPr>
         <p:spPr>
           <a:xfrm>
-            <a:off x="504000" y="4058640"/>
-            <a:ext cx="2160000" cy="2090880"/>
+            <a:off x="504000" y="4058280"/>
+            <a:ext cx="1053720" cy="2090520"/>
           </a:xfrm>
           <a:prstGeom prst="rect">
             <a:avLst/>
@@ -2281,7 +2282,7 @@
         </p:spPr>
         <p:txBody>
           <a:bodyPr lIns="0" rIns="0" tIns="0" bIns="0">
-            <a:normAutofit/>
+            <a:normAutofit fontScale="27000"/>
           </a:bodyPr>
           <a:p>
             <a:endParaRPr b="0" lang="en-US" sz="3200" spc="-1" strike="noStrike">
@@ -2302,8 +2303,8 @@
         </p:nvSpPr>
         <p:spPr>
           <a:xfrm>
-            <a:off x="2772360" y="4058640"/>
-            <a:ext cx="2160000" cy="2090880"/>
+            <a:off x="1610640" y="4058280"/>
+            <a:ext cx="1053720" cy="2090520"/>
           </a:xfrm>
           <a:prstGeom prst="rect">
             <a:avLst/>
@@ -2311,7 +2312,7 @@
         </p:spPr>
         <p:txBody>
           <a:bodyPr lIns="0" rIns="0" tIns="0" bIns="0">
-            <a:normAutofit/>
+            <a:normAutofit fontScale="27000"/>
           </a:bodyPr>
           <a:p>
             <a:endParaRPr b="0" lang="en-US" sz="3200" spc="-1" strike="noStrike">
@@ -2355,7 +2356,7 @@
         <p:spPr>
           <a:xfrm>
             <a:off x="504000" y="261720"/>
-            <a:ext cx="9071640" cy="1341000"/>
+            <a:ext cx="9071280" cy="1341000"/>
           </a:xfrm>
           <a:prstGeom prst="rect">
             <a:avLst/>
@@ -2386,7 +2387,7 @@
         <p:spPr>
           <a:xfrm>
             <a:off x="504000" y="1768680"/>
-            <a:ext cx="1425240" cy="2090880"/>
+            <a:ext cx="695160" cy="2090520"/>
           </a:xfrm>
           <a:prstGeom prst="rect">
             <a:avLst/>
@@ -2394,7 +2395,7 @@
         </p:spPr>
         <p:txBody>
           <a:bodyPr lIns="0" rIns="0" tIns="0" bIns="0">
-            <a:normAutofit fontScale="78000"/>
+            <a:normAutofit fontScale="24000"/>
           </a:bodyPr>
           <a:p>
             <a:endParaRPr b="0" lang="en-US" sz="3200" spc="-1" strike="noStrike">
@@ -2415,8 +2416,8 @@
         </p:nvSpPr>
         <p:spPr>
           <a:xfrm>
-            <a:off x="2000880" y="1768680"/>
-            <a:ext cx="1425240" cy="2090880"/>
+            <a:off x="1234440" y="1768680"/>
+            <a:ext cx="695160" cy="2090520"/>
           </a:xfrm>
           <a:prstGeom prst="rect">
             <a:avLst/>
@@ -2424,7 +2425,7 @@
         </p:spPr>
         <p:txBody>
           <a:bodyPr lIns="0" rIns="0" tIns="0" bIns="0">
-            <a:normAutofit fontScale="78000"/>
+            <a:normAutofit fontScale="24000"/>
           </a:bodyPr>
           <a:p>
             <a:endParaRPr b="0" lang="en-US" sz="3200" spc="-1" strike="noStrike">
@@ -2445,8 +2446,8 @@
         </p:nvSpPr>
         <p:spPr>
           <a:xfrm>
-            <a:off x="3497760" y="1768680"/>
-            <a:ext cx="1425240" cy="2090880"/>
+            <a:off x="1964520" y="1768680"/>
+            <a:ext cx="695160" cy="2090520"/>
           </a:xfrm>
           <a:prstGeom prst="rect">
             <a:avLst/>
@@ -2454,7 +2455,7 @@
         </p:spPr>
         <p:txBody>
           <a:bodyPr lIns="0" rIns="0" tIns="0" bIns="0">
-            <a:normAutofit fontScale="78000"/>
+            <a:normAutofit fontScale="24000"/>
           </a:bodyPr>
           <a:p>
             <a:endParaRPr b="0" lang="en-US" sz="3200" spc="-1" strike="noStrike">
@@ -2475,8 +2476,8 @@
         </p:nvSpPr>
         <p:spPr>
           <a:xfrm>
-            <a:off x="504000" y="4058640"/>
-            <a:ext cx="1425240" cy="2090880"/>
+            <a:off x="504000" y="4058280"/>
+            <a:ext cx="695160" cy="2090520"/>
           </a:xfrm>
           <a:prstGeom prst="rect">
             <a:avLst/>
@@ -2484,7 +2485,7 @@
         </p:spPr>
         <p:txBody>
           <a:bodyPr lIns="0" rIns="0" tIns="0" bIns="0">
-            <a:normAutofit fontScale="78000"/>
+            <a:normAutofit fontScale="24000"/>
           </a:bodyPr>
           <a:p>
             <a:endParaRPr b="0" lang="en-US" sz="3200" spc="-1" strike="noStrike">
@@ -2505,8 +2506,8 @@
         </p:nvSpPr>
         <p:spPr>
           <a:xfrm>
-            <a:off x="2000880" y="4058640"/>
-            <a:ext cx="1425240" cy="2090880"/>
+            <a:off x="1234440" y="4058280"/>
+            <a:ext cx="695160" cy="2090520"/>
           </a:xfrm>
           <a:prstGeom prst="rect">
             <a:avLst/>
@@ -2514,7 +2515,7 @@
         </p:spPr>
         <p:txBody>
           <a:bodyPr lIns="0" rIns="0" tIns="0" bIns="0">
-            <a:normAutofit fontScale="78000"/>
+            <a:normAutofit fontScale="24000"/>
           </a:bodyPr>
           <a:p>
             <a:endParaRPr b="0" lang="en-US" sz="3200" spc="-1" strike="noStrike">
@@ -2535,8 +2536,8 @@
         </p:nvSpPr>
         <p:spPr>
           <a:xfrm>
-            <a:off x="3497760" y="4058640"/>
-            <a:ext cx="1425240" cy="2090880"/>
+            <a:off x="1964520" y="4058280"/>
+            <a:ext cx="695160" cy="2090520"/>
           </a:xfrm>
           <a:prstGeom prst="rect">
             <a:avLst/>
@@ -2544,7 +2545,7 @@
         </p:spPr>
         <p:txBody>
           <a:bodyPr lIns="0" rIns="0" tIns="0" bIns="0">
-            <a:normAutofit fontScale="78000"/>
+            <a:normAutofit fontScale="24000"/>
           </a:bodyPr>
           <a:p>
             <a:endParaRPr b="0" lang="en-US" sz="3200" spc="-1" strike="noStrike">
@@ -2610,7 +2611,7 @@
         <p:spPr>
           <a:xfrm>
             <a:off x="504000" y="261720"/>
-            <a:ext cx="9071640" cy="1341000"/>
+            <a:ext cx="9071280" cy="1341000"/>
           </a:xfrm>
           <a:prstGeom prst="rect">
             <a:avLst/>
@@ -2641,7 +2642,7 @@
         <p:spPr>
           <a:xfrm>
             <a:off x="504000" y="1768680"/>
-            <a:ext cx="4426560" cy="4383720"/>
+            <a:ext cx="2159640" cy="4383360"/>
           </a:xfrm>
           <a:prstGeom prst="rect">
             <a:avLst/>
@@ -2694,7 +2695,7 @@
         <p:spPr>
           <a:xfrm>
             <a:off x="504000" y="261720"/>
-            <a:ext cx="9071640" cy="1341000"/>
+            <a:ext cx="9071280" cy="1341000"/>
           </a:xfrm>
           <a:prstGeom prst="rect">
             <a:avLst/>
@@ -2725,7 +2726,7 @@
         <p:spPr>
           <a:xfrm>
             <a:off x="504000" y="1768680"/>
-            <a:ext cx="4426560" cy="4383720"/>
+            <a:ext cx="2159640" cy="4383360"/>
           </a:xfrm>
           <a:prstGeom prst="rect">
             <a:avLst/>
@@ -2777,7 +2778,7 @@
         <p:spPr>
           <a:xfrm>
             <a:off x="504000" y="261720"/>
-            <a:ext cx="9071640" cy="1341000"/>
+            <a:ext cx="9071280" cy="1341000"/>
           </a:xfrm>
           <a:prstGeom prst="rect">
             <a:avLst/>
@@ -2808,7 +2809,7 @@
         <p:spPr>
           <a:xfrm>
             <a:off x="504000" y="1768680"/>
-            <a:ext cx="2160000" cy="4383720"/>
+            <a:ext cx="1053720" cy="4383360"/>
           </a:xfrm>
           <a:prstGeom prst="rect">
             <a:avLst/>
@@ -2816,7 +2817,7 @@
         </p:spPr>
         <p:txBody>
           <a:bodyPr lIns="0" rIns="0" tIns="0" bIns="0">
-            <a:normAutofit/>
+            <a:normAutofit fontScale="84000"/>
           </a:bodyPr>
           <a:p>
             <a:endParaRPr b="0" lang="en-US" sz="3200" spc="-1" strike="noStrike">
@@ -2837,8 +2838,8 @@
         </p:nvSpPr>
         <p:spPr>
           <a:xfrm>
-            <a:off x="2772360" y="1768680"/>
-            <a:ext cx="2160000" cy="4383720"/>
+            <a:off x="1610640" y="1768680"/>
+            <a:ext cx="1053720" cy="4383360"/>
           </a:xfrm>
           <a:prstGeom prst="rect">
             <a:avLst/>
@@ -2846,7 +2847,7 @@
         </p:spPr>
         <p:txBody>
           <a:bodyPr lIns="0" rIns="0" tIns="0" bIns="0">
-            <a:normAutofit/>
+            <a:normAutofit fontScale="84000"/>
           </a:bodyPr>
           <a:p>
             <a:endParaRPr b="0" lang="en-US" sz="3200" spc="-1" strike="noStrike">
@@ -2890,7 +2891,7 @@
         <p:spPr>
           <a:xfrm>
             <a:off x="504000" y="261720"/>
-            <a:ext cx="9071640" cy="1341000"/>
+            <a:ext cx="9071280" cy="1341000"/>
           </a:xfrm>
           <a:prstGeom prst="rect">
             <a:avLst/>
@@ -2943,7 +2944,7 @@
         <p:spPr>
           <a:xfrm>
             <a:off x="504000" y="261720"/>
-            <a:ext cx="9071640" cy="1341000"/>
+            <a:ext cx="9071280" cy="1341000"/>
           </a:xfrm>
           <a:prstGeom prst="rect">
             <a:avLst/>
@@ -2974,7 +2975,7 @@
         <p:spPr>
           <a:xfrm>
             <a:off x="504000" y="1768680"/>
-            <a:ext cx="4426560" cy="4383720"/>
+            <a:ext cx="2159640" cy="4383360"/>
           </a:xfrm>
           <a:prstGeom prst="rect">
             <a:avLst/>
@@ -3026,7 +3027,7 @@
         <p:spPr>
           <a:xfrm>
             <a:off x="504000" y="261720"/>
-            <a:ext cx="9071640" cy="6217560"/>
+            <a:ext cx="9071280" cy="6217560"/>
           </a:xfrm>
           <a:prstGeom prst="rect">
             <a:avLst/>
@@ -3079,7 +3080,7 @@
         <p:spPr>
           <a:xfrm>
             <a:off x="504000" y="261720"/>
-            <a:ext cx="9071640" cy="1341000"/>
+            <a:ext cx="9071280" cy="1341000"/>
           </a:xfrm>
           <a:prstGeom prst="rect">
             <a:avLst/>
@@ -3110,7 +3111,7 @@
         <p:spPr>
           <a:xfrm>
             <a:off x="504000" y="1768680"/>
-            <a:ext cx="2160000" cy="2090880"/>
+            <a:ext cx="1053720" cy="2090520"/>
           </a:xfrm>
           <a:prstGeom prst="rect">
             <a:avLst/>
@@ -3118,7 +3119,7 @@
         </p:spPr>
         <p:txBody>
           <a:bodyPr lIns="0" rIns="0" tIns="0" bIns="0">
-            <a:normAutofit/>
+            <a:normAutofit fontScale="27000"/>
           </a:bodyPr>
           <a:p>
             <a:endParaRPr b="0" lang="en-US" sz="3200" spc="-1" strike="noStrike">
@@ -3139,8 +3140,8 @@
         </p:nvSpPr>
         <p:spPr>
           <a:xfrm>
-            <a:off x="2772360" y="1768680"/>
-            <a:ext cx="2160000" cy="4383720"/>
+            <a:off x="1610640" y="1768680"/>
+            <a:ext cx="1053720" cy="4383360"/>
           </a:xfrm>
           <a:prstGeom prst="rect">
             <a:avLst/>
@@ -3148,7 +3149,7 @@
         </p:spPr>
         <p:txBody>
           <a:bodyPr lIns="0" rIns="0" tIns="0" bIns="0">
-            <a:normAutofit/>
+            <a:normAutofit fontScale="84000"/>
           </a:bodyPr>
           <a:p>
             <a:endParaRPr b="0" lang="en-US" sz="3200" spc="-1" strike="noStrike">
@@ -3169,8 +3170,8 @@
         </p:nvSpPr>
         <p:spPr>
           <a:xfrm>
-            <a:off x="504000" y="4058640"/>
-            <a:ext cx="2160000" cy="2090880"/>
+            <a:off x="504000" y="4058280"/>
+            <a:ext cx="1053720" cy="2090520"/>
           </a:xfrm>
           <a:prstGeom prst="rect">
             <a:avLst/>
@@ -3178,7 +3179,7 @@
         </p:spPr>
         <p:txBody>
           <a:bodyPr lIns="0" rIns="0" tIns="0" bIns="0">
-            <a:normAutofit/>
+            <a:normAutofit fontScale="27000"/>
           </a:bodyPr>
           <a:p>
             <a:endParaRPr b="0" lang="en-US" sz="3200" spc="-1" strike="noStrike">
@@ -3222,7 +3223,7 @@
         <p:spPr>
           <a:xfrm>
             <a:off x="504000" y="261720"/>
-            <a:ext cx="9071640" cy="1341000"/>
+            <a:ext cx="9071280" cy="1341000"/>
           </a:xfrm>
           <a:prstGeom prst="rect">
             <a:avLst/>
@@ -3253,7 +3254,7 @@
         <p:spPr>
           <a:xfrm>
             <a:off x="504000" y="1768680"/>
-            <a:ext cx="2160000" cy="4383720"/>
+            <a:ext cx="1053720" cy="4383360"/>
           </a:xfrm>
           <a:prstGeom prst="rect">
             <a:avLst/>
@@ -3261,7 +3262,7 @@
         </p:spPr>
         <p:txBody>
           <a:bodyPr lIns="0" rIns="0" tIns="0" bIns="0">
-            <a:normAutofit/>
+            <a:normAutofit fontScale="84000"/>
           </a:bodyPr>
           <a:p>
             <a:endParaRPr b="0" lang="en-US" sz="3200" spc="-1" strike="noStrike">
@@ -3282,8 +3283,8 @@
         </p:nvSpPr>
         <p:spPr>
           <a:xfrm>
-            <a:off x="2772360" y="1768680"/>
-            <a:ext cx="2160000" cy="2090880"/>
+            <a:off x="1610640" y="1768680"/>
+            <a:ext cx="1053720" cy="2090520"/>
           </a:xfrm>
           <a:prstGeom prst="rect">
             <a:avLst/>
@@ -3291,7 +3292,7 @@
         </p:spPr>
         <p:txBody>
           <a:bodyPr lIns="0" rIns="0" tIns="0" bIns="0">
-            <a:normAutofit/>
+            <a:normAutofit fontScale="27000"/>
           </a:bodyPr>
           <a:p>
             <a:endParaRPr b="0" lang="en-US" sz="3200" spc="-1" strike="noStrike">
@@ -3312,8 +3313,8 @@
         </p:nvSpPr>
         <p:spPr>
           <a:xfrm>
-            <a:off x="2772360" y="4058640"/>
-            <a:ext cx="2160000" cy="2090880"/>
+            <a:off x="1610640" y="4058280"/>
+            <a:ext cx="1053720" cy="2090520"/>
           </a:xfrm>
           <a:prstGeom prst="rect">
             <a:avLst/>
@@ -3321,7 +3322,7 @@
         </p:spPr>
         <p:txBody>
           <a:bodyPr lIns="0" rIns="0" tIns="0" bIns="0">
-            <a:normAutofit/>
+            <a:normAutofit fontScale="27000"/>
           </a:bodyPr>
           <a:p>
             <a:endParaRPr b="0" lang="en-US" sz="3200" spc="-1" strike="noStrike">
@@ -3365,7 +3366,7 @@
         <p:spPr>
           <a:xfrm>
             <a:off x="504000" y="261720"/>
-            <a:ext cx="9071640" cy="1341000"/>
+            <a:ext cx="9071280" cy="1341000"/>
           </a:xfrm>
           <a:prstGeom prst="rect">
             <a:avLst/>
@@ -3396,7 +3397,7 @@
         <p:spPr>
           <a:xfrm>
             <a:off x="504000" y="1768680"/>
-            <a:ext cx="2160000" cy="2090880"/>
+            <a:ext cx="1053720" cy="2090520"/>
           </a:xfrm>
           <a:prstGeom prst="rect">
             <a:avLst/>
@@ -3404,7 +3405,7 @@
         </p:spPr>
         <p:txBody>
           <a:bodyPr lIns="0" rIns="0" tIns="0" bIns="0">
-            <a:normAutofit/>
+            <a:normAutofit fontScale="27000"/>
           </a:bodyPr>
           <a:p>
             <a:endParaRPr b="0" lang="en-US" sz="3200" spc="-1" strike="noStrike">
@@ -3425,8 +3426,8 @@
         </p:nvSpPr>
         <p:spPr>
           <a:xfrm>
-            <a:off x="2772360" y="1768680"/>
-            <a:ext cx="2160000" cy="2090880"/>
+            <a:off x="1610640" y="1768680"/>
+            <a:ext cx="1053720" cy="2090520"/>
           </a:xfrm>
           <a:prstGeom prst="rect">
             <a:avLst/>
@@ -3434,7 +3435,7 @@
         </p:spPr>
         <p:txBody>
           <a:bodyPr lIns="0" rIns="0" tIns="0" bIns="0">
-            <a:normAutofit/>
+            <a:normAutofit fontScale="27000"/>
           </a:bodyPr>
           <a:p>
             <a:endParaRPr b="0" lang="en-US" sz="3200" spc="-1" strike="noStrike">
@@ -3455,8 +3456,8 @@
         </p:nvSpPr>
         <p:spPr>
           <a:xfrm>
-            <a:off x="504000" y="4058640"/>
-            <a:ext cx="4426560" cy="2090880"/>
+            <a:off x="504000" y="4058280"/>
+            <a:ext cx="2159640" cy="2090520"/>
           </a:xfrm>
           <a:prstGeom prst="rect">
             <a:avLst/>
@@ -3508,7 +3509,7 @@
         <p:spPr>
           <a:xfrm>
             <a:off x="504000" y="261720"/>
-            <a:ext cx="9071640" cy="1341000"/>
+            <a:ext cx="9071280" cy="1341000"/>
           </a:xfrm>
           <a:prstGeom prst="rect">
             <a:avLst/>
@@ -3539,7 +3540,7 @@
         <p:spPr>
           <a:xfrm>
             <a:off x="504000" y="1768680"/>
-            <a:ext cx="4426560" cy="2090880"/>
+            <a:ext cx="2159640" cy="2090520"/>
           </a:xfrm>
           <a:prstGeom prst="rect">
             <a:avLst/>
@@ -3568,8 +3569,8 @@
         </p:nvSpPr>
         <p:spPr>
           <a:xfrm>
-            <a:off x="504000" y="4058640"/>
-            <a:ext cx="4426560" cy="2090880"/>
+            <a:off x="504000" y="4058280"/>
+            <a:ext cx="2159640" cy="2090520"/>
           </a:xfrm>
           <a:prstGeom prst="rect">
             <a:avLst/>
@@ -3621,7 +3622,7 @@
         <p:spPr>
           <a:xfrm>
             <a:off x="504000" y="261720"/>
-            <a:ext cx="9071640" cy="1341000"/>
+            <a:ext cx="9071280" cy="1341000"/>
           </a:xfrm>
           <a:prstGeom prst="rect">
             <a:avLst/>
@@ -3652,7 +3653,7 @@
         <p:spPr>
           <a:xfrm>
             <a:off x="504000" y="1768680"/>
-            <a:ext cx="2160000" cy="2090880"/>
+            <a:ext cx="1053720" cy="2090520"/>
           </a:xfrm>
           <a:prstGeom prst="rect">
             <a:avLst/>
@@ -3660,7 +3661,7 @@
         </p:spPr>
         <p:txBody>
           <a:bodyPr lIns="0" rIns="0" tIns="0" bIns="0">
-            <a:normAutofit/>
+            <a:normAutofit fontScale="27000"/>
           </a:bodyPr>
           <a:p>
             <a:endParaRPr b="0" lang="en-US" sz="3200" spc="-1" strike="noStrike">
@@ -3681,8 +3682,8 @@
         </p:nvSpPr>
         <p:spPr>
           <a:xfrm>
-            <a:off x="2772360" y="1768680"/>
-            <a:ext cx="2160000" cy="2090880"/>
+            <a:off x="1610640" y="1768680"/>
+            <a:ext cx="1053720" cy="2090520"/>
           </a:xfrm>
           <a:prstGeom prst="rect">
             <a:avLst/>
@@ -3690,7 +3691,7 @@
         </p:spPr>
         <p:txBody>
           <a:bodyPr lIns="0" rIns="0" tIns="0" bIns="0">
-            <a:normAutofit/>
+            <a:normAutofit fontScale="27000"/>
           </a:bodyPr>
           <a:p>
             <a:endParaRPr b="0" lang="en-US" sz="3200" spc="-1" strike="noStrike">
@@ -3711,8 +3712,8 @@
         </p:nvSpPr>
         <p:spPr>
           <a:xfrm>
-            <a:off x="504000" y="4058640"/>
-            <a:ext cx="2160000" cy="2090880"/>
+            <a:off x="504000" y="4058280"/>
+            <a:ext cx="1053720" cy="2090520"/>
           </a:xfrm>
           <a:prstGeom prst="rect">
             <a:avLst/>
@@ -3720,7 +3721,7 @@
         </p:spPr>
         <p:txBody>
           <a:bodyPr lIns="0" rIns="0" tIns="0" bIns="0">
-            <a:normAutofit/>
+            <a:normAutofit fontScale="27000"/>
           </a:bodyPr>
           <a:p>
             <a:endParaRPr b="0" lang="en-US" sz="3200" spc="-1" strike="noStrike">
@@ -3741,8 +3742,8 @@
         </p:nvSpPr>
         <p:spPr>
           <a:xfrm>
-            <a:off x="2772360" y="4058640"/>
-            <a:ext cx="2160000" cy="2090880"/>
+            <a:off x="1610640" y="4058280"/>
+            <a:ext cx="1053720" cy="2090520"/>
           </a:xfrm>
           <a:prstGeom prst="rect">
             <a:avLst/>
@@ -3750,7 +3751,7 @@
         </p:spPr>
         <p:txBody>
           <a:bodyPr lIns="0" rIns="0" tIns="0" bIns="0">
-            <a:normAutofit/>
+            <a:normAutofit fontScale="27000"/>
           </a:bodyPr>
           <a:p>
             <a:endParaRPr b="0" lang="en-US" sz="3200" spc="-1" strike="noStrike">
@@ -3794,7 +3795,7 @@
         <p:spPr>
           <a:xfrm>
             <a:off x="504000" y="261720"/>
-            <a:ext cx="9071640" cy="1341000"/>
+            <a:ext cx="9071280" cy="1341000"/>
           </a:xfrm>
           <a:prstGeom prst="rect">
             <a:avLst/>
@@ -3825,7 +3826,7 @@
         <p:spPr>
           <a:xfrm>
             <a:off x="504000" y="1768680"/>
-            <a:ext cx="1425240" cy="2090880"/>
+            <a:ext cx="695160" cy="2090520"/>
           </a:xfrm>
           <a:prstGeom prst="rect">
             <a:avLst/>
@@ -3833,7 +3834,7 @@
         </p:spPr>
         <p:txBody>
           <a:bodyPr lIns="0" rIns="0" tIns="0" bIns="0">
-            <a:normAutofit fontScale="78000"/>
+            <a:normAutofit fontScale="24000"/>
           </a:bodyPr>
           <a:p>
             <a:endParaRPr b="0" lang="en-US" sz="3200" spc="-1" strike="noStrike">
@@ -3854,8 +3855,8 @@
         </p:nvSpPr>
         <p:spPr>
           <a:xfrm>
-            <a:off x="2000880" y="1768680"/>
-            <a:ext cx="1425240" cy="2090880"/>
+            <a:off x="1234440" y="1768680"/>
+            <a:ext cx="695160" cy="2090520"/>
           </a:xfrm>
           <a:prstGeom prst="rect">
             <a:avLst/>
@@ -3863,7 +3864,7 @@
         </p:spPr>
         <p:txBody>
           <a:bodyPr lIns="0" rIns="0" tIns="0" bIns="0">
-            <a:normAutofit fontScale="78000"/>
+            <a:normAutofit fontScale="24000"/>
           </a:bodyPr>
           <a:p>
             <a:endParaRPr b="0" lang="en-US" sz="3200" spc="-1" strike="noStrike">
@@ -3884,8 +3885,8 @@
         </p:nvSpPr>
         <p:spPr>
           <a:xfrm>
-            <a:off x="3497760" y="1768680"/>
-            <a:ext cx="1425240" cy="2090880"/>
+            <a:off x="1964520" y="1768680"/>
+            <a:ext cx="695160" cy="2090520"/>
           </a:xfrm>
           <a:prstGeom prst="rect">
             <a:avLst/>
@@ -3893,7 +3894,7 @@
         </p:spPr>
         <p:txBody>
           <a:bodyPr lIns="0" rIns="0" tIns="0" bIns="0">
-            <a:normAutofit fontScale="78000"/>
+            <a:normAutofit fontScale="24000"/>
           </a:bodyPr>
           <a:p>
             <a:endParaRPr b="0" lang="en-US" sz="3200" spc="-1" strike="noStrike">
@@ -3914,8 +3915,8 @@
         </p:nvSpPr>
         <p:spPr>
           <a:xfrm>
-            <a:off x="504000" y="4058640"/>
-            <a:ext cx="1425240" cy="2090880"/>
+            <a:off x="504000" y="4058280"/>
+            <a:ext cx="695160" cy="2090520"/>
           </a:xfrm>
           <a:prstGeom prst="rect">
             <a:avLst/>
@@ -3923,7 +3924,7 @@
         </p:spPr>
         <p:txBody>
           <a:bodyPr lIns="0" rIns="0" tIns="0" bIns="0">
-            <a:normAutofit fontScale="78000"/>
+            <a:normAutofit fontScale="24000"/>
           </a:bodyPr>
           <a:p>
             <a:endParaRPr b="0" lang="en-US" sz="3200" spc="-1" strike="noStrike">
@@ -3944,8 +3945,8 @@
         </p:nvSpPr>
         <p:spPr>
           <a:xfrm>
-            <a:off x="2000880" y="4058640"/>
-            <a:ext cx="1425240" cy="2090880"/>
+            <a:off x="1234440" y="4058280"/>
+            <a:ext cx="695160" cy="2090520"/>
           </a:xfrm>
           <a:prstGeom prst="rect">
             <a:avLst/>
@@ -3953,7 +3954,7 @@
         </p:spPr>
         <p:txBody>
           <a:bodyPr lIns="0" rIns="0" tIns="0" bIns="0">
-            <a:normAutofit fontScale="78000"/>
+            <a:normAutofit fontScale="24000"/>
           </a:bodyPr>
           <a:p>
             <a:endParaRPr b="0" lang="en-US" sz="3200" spc="-1" strike="noStrike">
@@ -3974,8 +3975,8 @@
         </p:nvSpPr>
         <p:spPr>
           <a:xfrm>
-            <a:off x="3497760" y="4058640"/>
-            <a:ext cx="1425240" cy="2090880"/>
+            <a:off x="1964520" y="4058280"/>
+            <a:ext cx="695160" cy="2090520"/>
           </a:xfrm>
           <a:prstGeom prst="rect">
             <a:avLst/>
@@ -3983,7 +3984,7 @@
         </p:spPr>
         <p:txBody>
           <a:bodyPr lIns="0" rIns="0" tIns="0" bIns="0">
-            <a:normAutofit fontScale="78000"/>
+            <a:normAutofit fontScale="24000"/>
           </a:bodyPr>
           <a:p>
             <a:endParaRPr b="0" lang="en-US" sz="3200" spc="-1" strike="noStrike">
@@ -4049,7 +4050,7 @@
         <p:spPr>
           <a:xfrm>
             <a:off x="504000" y="261720"/>
-            <a:ext cx="9071640" cy="1341000"/>
+            <a:ext cx="9071280" cy="1341000"/>
           </a:xfrm>
           <a:prstGeom prst="rect">
             <a:avLst/>
@@ -4080,7 +4081,7 @@
         <p:spPr>
           <a:xfrm>
             <a:off x="504000" y="1768680"/>
-            <a:ext cx="4426560" cy="4383720"/>
+            <a:ext cx="2159640" cy="4383360"/>
           </a:xfrm>
           <a:prstGeom prst="rect">
             <a:avLst/>
@@ -4133,7 +4134,7 @@
         <p:spPr>
           <a:xfrm>
             <a:off x="504000" y="261720"/>
-            <a:ext cx="9071640" cy="1341000"/>
+            <a:ext cx="9071280" cy="1341000"/>
           </a:xfrm>
           <a:prstGeom prst="rect">
             <a:avLst/>
@@ -4164,7 +4165,7 @@
         <p:spPr>
           <a:xfrm>
             <a:off x="504000" y="1768680"/>
-            <a:ext cx="4426560" cy="4383720"/>
+            <a:ext cx="2159640" cy="4383360"/>
           </a:xfrm>
           <a:prstGeom prst="rect">
             <a:avLst/>
@@ -4216,7 +4217,7 @@
         <p:spPr>
           <a:xfrm>
             <a:off x="504000" y="261720"/>
-            <a:ext cx="9071640" cy="1341000"/>
+            <a:ext cx="9071280" cy="1341000"/>
           </a:xfrm>
           <a:prstGeom prst="rect">
             <a:avLst/>
@@ -4247,7 +4248,7 @@
         <p:spPr>
           <a:xfrm>
             <a:off x="504000" y="1768680"/>
-            <a:ext cx="2160000" cy="4383720"/>
+            <a:ext cx="1053720" cy="4383360"/>
           </a:xfrm>
           <a:prstGeom prst="rect">
             <a:avLst/>
@@ -4255,7 +4256,7 @@
         </p:spPr>
         <p:txBody>
           <a:bodyPr lIns="0" rIns="0" tIns="0" bIns="0">
-            <a:normAutofit/>
+            <a:normAutofit fontScale="84000"/>
           </a:bodyPr>
           <a:p>
             <a:endParaRPr b="0" lang="en-US" sz="3200" spc="-1" strike="noStrike">
@@ -4276,8 +4277,8 @@
         </p:nvSpPr>
         <p:spPr>
           <a:xfrm>
-            <a:off x="2772360" y="1768680"/>
-            <a:ext cx="2160000" cy="4383720"/>
+            <a:off x="1610640" y="1768680"/>
+            <a:ext cx="1053720" cy="4383360"/>
           </a:xfrm>
           <a:prstGeom prst="rect">
             <a:avLst/>
@@ -4285,7 +4286,7 @@
         </p:spPr>
         <p:txBody>
           <a:bodyPr lIns="0" rIns="0" tIns="0" bIns="0">
-            <a:normAutofit/>
+            <a:normAutofit fontScale="84000"/>
           </a:bodyPr>
           <a:p>
             <a:endParaRPr b="0" lang="en-US" sz="3200" spc="-1" strike="noStrike">
@@ -4329,7 +4330,7 @@
         <p:spPr>
           <a:xfrm>
             <a:off x="504000" y="261720"/>
-            <a:ext cx="9071640" cy="1341000"/>
+            <a:ext cx="9071280" cy="1341000"/>
           </a:xfrm>
           <a:prstGeom prst="rect">
             <a:avLst/>
@@ -4360,7 +4361,7 @@
         <p:spPr>
           <a:xfrm>
             <a:off x="504000" y="1768680"/>
-            <a:ext cx="2160000" cy="4383720"/>
+            <a:ext cx="1053720" cy="4383360"/>
           </a:xfrm>
           <a:prstGeom prst="rect">
             <a:avLst/>
@@ -4368,7 +4369,7 @@
         </p:spPr>
         <p:txBody>
           <a:bodyPr lIns="0" rIns="0" tIns="0" bIns="0">
-            <a:normAutofit/>
+            <a:normAutofit fontScale="84000"/>
           </a:bodyPr>
           <a:p>
             <a:endParaRPr b="0" lang="en-US" sz="3200" spc="-1" strike="noStrike">
@@ -4389,8 +4390,8 @@
         </p:nvSpPr>
         <p:spPr>
           <a:xfrm>
-            <a:off x="2772360" y="1768680"/>
-            <a:ext cx="2160000" cy="4383720"/>
+            <a:off x="1610640" y="1768680"/>
+            <a:ext cx="1053720" cy="4383360"/>
           </a:xfrm>
           <a:prstGeom prst="rect">
             <a:avLst/>
@@ -4398,7 +4399,7 @@
         </p:spPr>
         <p:txBody>
           <a:bodyPr lIns="0" rIns="0" tIns="0" bIns="0">
-            <a:normAutofit/>
+            <a:normAutofit fontScale="84000"/>
           </a:bodyPr>
           <a:p>
             <a:endParaRPr b="0" lang="en-US" sz="3200" spc="-1" strike="noStrike">
@@ -4442,7 +4443,7 @@
         <p:spPr>
           <a:xfrm>
             <a:off x="504000" y="261720"/>
-            <a:ext cx="9071640" cy="1341000"/>
+            <a:ext cx="9071280" cy="1341000"/>
           </a:xfrm>
           <a:prstGeom prst="rect">
             <a:avLst/>
@@ -4495,7 +4496,7 @@
         <p:spPr>
           <a:xfrm>
             <a:off x="504000" y="261720"/>
-            <a:ext cx="9071640" cy="6217560"/>
+            <a:ext cx="9071280" cy="6217560"/>
           </a:xfrm>
           <a:prstGeom prst="rect">
             <a:avLst/>
@@ -4548,7 +4549,7 @@
         <p:spPr>
           <a:xfrm>
             <a:off x="504000" y="261720"/>
-            <a:ext cx="9071640" cy="1341000"/>
+            <a:ext cx="9071280" cy="1341000"/>
           </a:xfrm>
           <a:prstGeom prst="rect">
             <a:avLst/>
@@ -4579,7 +4580,7 @@
         <p:spPr>
           <a:xfrm>
             <a:off x="504000" y="1768680"/>
-            <a:ext cx="2160000" cy="2090880"/>
+            <a:ext cx="1053720" cy="2090520"/>
           </a:xfrm>
           <a:prstGeom prst="rect">
             <a:avLst/>
@@ -4587,7 +4588,7 @@
         </p:spPr>
         <p:txBody>
           <a:bodyPr lIns="0" rIns="0" tIns="0" bIns="0">
-            <a:normAutofit/>
+            <a:normAutofit fontScale="27000"/>
           </a:bodyPr>
           <a:p>
             <a:endParaRPr b="0" lang="en-US" sz="3200" spc="-1" strike="noStrike">
@@ -4608,8 +4609,8 @@
         </p:nvSpPr>
         <p:spPr>
           <a:xfrm>
-            <a:off x="2772360" y="1768680"/>
-            <a:ext cx="2160000" cy="4383720"/>
+            <a:off x="1610640" y="1768680"/>
+            <a:ext cx="1053720" cy="4383360"/>
           </a:xfrm>
           <a:prstGeom prst="rect">
             <a:avLst/>
@@ -4617,7 +4618,7 @@
         </p:spPr>
         <p:txBody>
           <a:bodyPr lIns="0" rIns="0" tIns="0" bIns="0">
-            <a:normAutofit/>
+            <a:normAutofit fontScale="84000"/>
           </a:bodyPr>
           <a:p>
             <a:endParaRPr b="0" lang="en-US" sz="3200" spc="-1" strike="noStrike">
@@ -4638,8 +4639,8 @@
         </p:nvSpPr>
         <p:spPr>
           <a:xfrm>
-            <a:off x="504000" y="4058640"/>
-            <a:ext cx="2160000" cy="2090880"/>
+            <a:off x="504000" y="4058280"/>
+            <a:ext cx="1053720" cy="2090520"/>
           </a:xfrm>
           <a:prstGeom prst="rect">
             <a:avLst/>
@@ -4647,7 +4648,7 @@
         </p:spPr>
         <p:txBody>
           <a:bodyPr lIns="0" rIns="0" tIns="0" bIns="0">
-            <a:normAutofit/>
+            <a:normAutofit fontScale="27000"/>
           </a:bodyPr>
           <a:p>
             <a:endParaRPr b="0" lang="en-US" sz="3200" spc="-1" strike="noStrike">
@@ -4691,7 +4692,7 @@
         <p:spPr>
           <a:xfrm>
             <a:off x="504000" y="261720"/>
-            <a:ext cx="9071640" cy="1341000"/>
+            <a:ext cx="9071280" cy="1341000"/>
           </a:xfrm>
           <a:prstGeom prst="rect">
             <a:avLst/>
@@ -4722,7 +4723,7 @@
         <p:spPr>
           <a:xfrm>
             <a:off x="504000" y="1768680"/>
-            <a:ext cx="2160000" cy="4383720"/>
+            <a:ext cx="1053720" cy="4383360"/>
           </a:xfrm>
           <a:prstGeom prst="rect">
             <a:avLst/>
@@ -4730,7 +4731,7 @@
         </p:spPr>
         <p:txBody>
           <a:bodyPr lIns="0" rIns="0" tIns="0" bIns="0">
-            <a:normAutofit/>
+            <a:normAutofit fontScale="84000"/>
           </a:bodyPr>
           <a:p>
             <a:endParaRPr b="0" lang="en-US" sz="3200" spc="-1" strike="noStrike">
@@ -4751,8 +4752,8 @@
         </p:nvSpPr>
         <p:spPr>
           <a:xfrm>
-            <a:off x="2772360" y="1768680"/>
-            <a:ext cx="2160000" cy="2090880"/>
+            <a:off x="1610640" y="1768680"/>
+            <a:ext cx="1053720" cy="2090520"/>
           </a:xfrm>
           <a:prstGeom prst="rect">
             <a:avLst/>
@@ -4760,7 +4761,7 @@
         </p:spPr>
         <p:txBody>
           <a:bodyPr lIns="0" rIns="0" tIns="0" bIns="0">
-            <a:normAutofit/>
+            <a:normAutofit fontScale="27000"/>
           </a:bodyPr>
           <a:p>
             <a:endParaRPr b="0" lang="en-US" sz="3200" spc="-1" strike="noStrike">
@@ -4781,8 +4782,8 @@
         </p:nvSpPr>
         <p:spPr>
           <a:xfrm>
-            <a:off x="2772360" y="4058640"/>
-            <a:ext cx="2160000" cy="2090880"/>
+            <a:off x="1610640" y="4058280"/>
+            <a:ext cx="1053720" cy="2090520"/>
           </a:xfrm>
           <a:prstGeom prst="rect">
             <a:avLst/>
@@ -4790,7 +4791,7 @@
         </p:spPr>
         <p:txBody>
           <a:bodyPr lIns="0" rIns="0" tIns="0" bIns="0">
-            <a:normAutofit/>
+            <a:normAutofit fontScale="27000"/>
           </a:bodyPr>
           <a:p>
             <a:endParaRPr b="0" lang="en-US" sz="3200" spc="-1" strike="noStrike">
@@ -4834,7 +4835,7 @@
         <p:spPr>
           <a:xfrm>
             <a:off x="504000" y="261720"/>
-            <a:ext cx="9071640" cy="1341000"/>
+            <a:ext cx="9071280" cy="1341000"/>
           </a:xfrm>
           <a:prstGeom prst="rect">
             <a:avLst/>
@@ -4865,7 +4866,7 @@
         <p:spPr>
           <a:xfrm>
             <a:off x="504000" y="1768680"/>
-            <a:ext cx="2160000" cy="2090880"/>
+            <a:ext cx="1053720" cy="2090520"/>
           </a:xfrm>
           <a:prstGeom prst="rect">
             <a:avLst/>
@@ -4873,7 +4874,7 @@
         </p:spPr>
         <p:txBody>
           <a:bodyPr lIns="0" rIns="0" tIns="0" bIns="0">
-            <a:normAutofit/>
+            <a:normAutofit fontScale="27000"/>
           </a:bodyPr>
           <a:p>
             <a:endParaRPr b="0" lang="en-US" sz="3200" spc="-1" strike="noStrike">
@@ -4894,8 +4895,8 @@
         </p:nvSpPr>
         <p:spPr>
           <a:xfrm>
-            <a:off x="2772360" y="1768680"/>
-            <a:ext cx="2160000" cy="2090880"/>
+            <a:off x="1610640" y="1768680"/>
+            <a:ext cx="1053720" cy="2090520"/>
           </a:xfrm>
           <a:prstGeom prst="rect">
             <a:avLst/>
@@ -4903,7 +4904,7 @@
         </p:spPr>
         <p:txBody>
           <a:bodyPr lIns="0" rIns="0" tIns="0" bIns="0">
-            <a:normAutofit/>
+            <a:normAutofit fontScale="27000"/>
           </a:bodyPr>
           <a:p>
             <a:endParaRPr b="0" lang="en-US" sz="3200" spc="-1" strike="noStrike">
@@ -4924,8 +4925,8 @@
         </p:nvSpPr>
         <p:spPr>
           <a:xfrm>
-            <a:off x="504000" y="4058640"/>
-            <a:ext cx="4426560" cy="2090880"/>
+            <a:off x="504000" y="4058280"/>
+            <a:ext cx="2159640" cy="2090520"/>
           </a:xfrm>
           <a:prstGeom prst="rect">
             <a:avLst/>
@@ -4977,7 +4978,7 @@
         <p:spPr>
           <a:xfrm>
             <a:off x="504000" y="261720"/>
-            <a:ext cx="9071640" cy="1341000"/>
+            <a:ext cx="9071280" cy="1341000"/>
           </a:xfrm>
           <a:prstGeom prst="rect">
             <a:avLst/>
@@ -5008,7 +5009,7 @@
         <p:spPr>
           <a:xfrm>
             <a:off x="504000" y="1768680"/>
-            <a:ext cx="4426560" cy="2090880"/>
+            <a:ext cx="2159640" cy="2090520"/>
           </a:xfrm>
           <a:prstGeom prst="rect">
             <a:avLst/>
@@ -5037,8 +5038,8 @@
         </p:nvSpPr>
         <p:spPr>
           <a:xfrm>
-            <a:off x="504000" y="4058640"/>
-            <a:ext cx="4426560" cy="2090880"/>
+            <a:off x="504000" y="4058280"/>
+            <a:ext cx="2159640" cy="2090520"/>
           </a:xfrm>
           <a:prstGeom prst="rect">
             <a:avLst/>
@@ -5090,7 +5091,7 @@
         <p:spPr>
           <a:xfrm>
             <a:off x="504000" y="261720"/>
-            <a:ext cx="9071640" cy="1341000"/>
+            <a:ext cx="9071280" cy="1341000"/>
           </a:xfrm>
           <a:prstGeom prst="rect">
             <a:avLst/>
@@ -5121,7 +5122,7 @@
         <p:spPr>
           <a:xfrm>
             <a:off x="504000" y="1768680"/>
-            <a:ext cx="2160000" cy="2090880"/>
+            <a:ext cx="1053720" cy="2090520"/>
           </a:xfrm>
           <a:prstGeom prst="rect">
             <a:avLst/>
@@ -5129,7 +5130,7 @@
         </p:spPr>
         <p:txBody>
           <a:bodyPr lIns="0" rIns="0" tIns="0" bIns="0">
-            <a:normAutofit/>
+            <a:normAutofit fontScale="27000"/>
           </a:bodyPr>
           <a:p>
             <a:endParaRPr b="0" lang="en-US" sz="3200" spc="-1" strike="noStrike">
@@ -5150,8 +5151,8 @@
         </p:nvSpPr>
         <p:spPr>
           <a:xfrm>
-            <a:off x="2772360" y="1768680"/>
-            <a:ext cx="2160000" cy="2090880"/>
+            <a:off x="1610640" y="1768680"/>
+            <a:ext cx="1053720" cy="2090520"/>
           </a:xfrm>
           <a:prstGeom prst="rect">
             <a:avLst/>
@@ -5159,7 +5160,7 @@
         </p:spPr>
         <p:txBody>
           <a:bodyPr lIns="0" rIns="0" tIns="0" bIns="0">
-            <a:normAutofit/>
+            <a:normAutofit fontScale="27000"/>
           </a:bodyPr>
           <a:p>
             <a:endParaRPr b="0" lang="en-US" sz="3200" spc="-1" strike="noStrike">
@@ -5180,8 +5181,8 @@
         </p:nvSpPr>
         <p:spPr>
           <a:xfrm>
-            <a:off x="504000" y="4058640"/>
-            <a:ext cx="2160000" cy="2090880"/>
+            <a:off x="504000" y="4058280"/>
+            <a:ext cx="1053720" cy="2090520"/>
           </a:xfrm>
           <a:prstGeom prst="rect">
             <a:avLst/>
@@ -5189,7 +5190,7 @@
         </p:spPr>
         <p:txBody>
           <a:bodyPr lIns="0" rIns="0" tIns="0" bIns="0">
-            <a:normAutofit/>
+            <a:normAutofit fontScale="27000"/>
           </a:bodyPr>
           <a:p>
             <a:endParaRPr b="0" lang="en-US" sz="3200" spc="-1" strike="noStrike">
@@ -5210,8 +5211,8 @@
         </p:nvSpPr>
         <p:spPr>
           <a:xfrm>
-            <a:off x="2772360" y="4058640"/>
-            <a:ext cx="2160000" cy="2090880"/>
+            <a:off x="1610640" y="4058280"/>
+            <a:ext cx="1053720" cy="2090520"/>
           </a:xfrm>
           <a:prstGeom prst="rect">
             <a:avLst/>
@@ -5219,7 +5220,7 @@
         </p:spPr>
         <p:txBody>
           <a:bodyPr lIns="0" rIns="0" tIns="0" bIns="0">
-            <a:normAutofit/>
+            <a:normAutofit fontScale="27000"/>
           </a:bodyPr>
           <a:p>
             <a:endParaRPr b="0" lang="en-US" sz="3200" spc="-1" strike="noStrike">
@@ -5263,7 +5264,7 @@
         <p:spPr>
           <a:xfrm>
             <a:off x="504000" y="261720"/>
-            <a:ext cx="9071640" cy="1341000"/>
+            <a:ext cx="9071280" cy="1341000"/>
           </a:xfrm>
           <a:prstGeom prst="rect">
             <a:avLst/>
@@ -5294,7 +5295,7 @@
         <p:spPr>
           <a:xfrm>
             <a:off x="504000" y="1768680"/>
-            <a:ext cx="1425240" cy="2090880"/>
+            <a:ext cx="695160" cy="2090520"/>
           </a:xfrm>
           <a:prstGeom prst="rect">
             <a:avLst/>
@@ -5302,7 +5303,7 @@
         </p:spPr>
         <p:txBody>
           <a:bodyPr lIns="0" rIns="0" tIns="0" bIns="0">
-            <a:normAutofit fontScale="78000"/>
+            <a:normAutofit fontScale="24000"/>
           </a:bodyPr>
           <a:p>
             <a:endParaRPr b="0" lang="en-US" sz="3200" spc="-1" strike="noStrike">
@@ -5323,8 +5324,8 @@
         </p:nvSpPr>
         <p:spPr>
           <a:xfrm>
-            <a:off x="2000880" y="1768680"/>
-            <a:ext cx="1425240" cy="2090880"/>
+            <a:off x="1234440" y="1768680"/>
+            <a:ext cx="695160" cy="2090520"/>
           </a:xfrm>
           <a:prstGeom prst="rect">
             <a:avLst/>
@@ -5332,7 +5333,7 @@
         </p:spPr>
         <p:txBody>
           <a:bodyPr lIns="0" rIns="0" tIns="0" bIns="0">
-            <a:normAutofit fontScale="78000"/>
+            <a:normAutofit fontScale="24000"/>
           </a:bodyPr>
           <a:p>
             <a:endParaRPr b="0" lang="en-US" sz="3200" spc="-1" strike="noStrike">
@@ -5353,8 +5354,8 @@
         </p:nvSpPr>
         <p:spPr>
           <a:xfrm>
-            <a:off x="3497760" y="1768680"/>
-            <a:ext cx="1425240" cy="2090880"/>
+            <a:off x="1964520" y="1768680"/>
+            <a:ext cx="695160" cy="2090520"/>
           </a:xfrm>
           <a:prstGeom prst="rect">
             <a:avLst/>
@@ -5362,7 +5363,7 @@
         </p:spPr>
         <p:txBody>
           <a:bodyPr lIns="0" rIns="0" tIns="0" bIns="0">
-            <a:normAutofit fontScale="78000"/>
+            <a:normAutofit fontScale="24000"/>
           </a:bodyPr>
           <a:p>
             <a:endParaRPr b="0" lang="en-US" sz="3200" spc="-1" strike="noStrike">
@@ -5383,8 +5384,8 @@
         </p:nvSpPr>
         <p:spPr>
           <a:xfrm>
-            <a:off x="504000" y="4058640"/>
-            <a:ext cx="1425240" cy="2090880"/>
+            <a:off x="504000" y="4058280"/>
+            <a:ext cx="695160" cy="2090520"/>
           </a:xfrm>
           <a:prstGeom prst="rect">
             <a:avLst/>
@@ -5392,7 +5393,7 @@
         </p:spPr>
         <p:txBody>
           <a:bodyPr lIns="0" rIns="0" tIns="0" bIns="0">
-            <a:normAutofit fontScale="78000"/>
+            <a:normAutofit fontScale="24000"/>
           </a:bodyPr>
           <a:p>
             <a:endParaRPr b="0" lang="en-US" sz="3200" spc="-1" strike="noStrike">
@@ -5413,8 +5414,8 @@
         </p:nvSpPr>
         <p:spPr>
           <a:xfrm>
-            <a:off x="2000880" y="4058640"/>
-            <a:ext cx="1425240" cy="2090880"/>
+            <a:off x="1234440" y="4058280"/>
+            <a:ext cx="695160" cy="2090520"/>
           </a:xfrm>
           <a:prstGeom prst="rect">
             <a:avLst/>
@@ -5422,7 +5423,7 @@
         </p:spPr>
         <p:txBody>
           <a:bodyPr lIns="0" rIns="0" tIns="0" bIns="0">
-            <a:normAutofit fontScale="78000"/>
+            <a:normAutofit fontScale="24000"/>
           </a:bodyPr>
           <a:p>
             <a:endParaRPr b="0" lang="en-US" sz="3200" spc="-1" strike="noStrike">
@@ -5443,8 +5444,8 @@
         </p:nvSpPr>
         <p:spPr>
           <a:xfrm>
-            <a:off x="3497760" y="4058640"/>
-            <a:ext cx="1425240" cy="2090880"/>
+            <a:off x="1964520" y="4058280"/>
+            <a:ext cx="695160" cy="2090520"/>
           </a:xfrm>
           <a:prstGeom prst="rect">
             <a:avLst/>
@@ -5452,7 +5453,7 @@
         </p:spPr>
         <p:txBody>
           <a:bodyPr lIns="0" rIns="0" tIns="0" bIns="0">
-            <a:normAutofit fontScale="78000"/>
+            <a:normAutofit fontScale="24000"/>
           </a:bodyPr>
           <a:p>
             <a:endParaRPr b="0" lang="en-US" sz="3200" spc="-1" strike="noStrike">
@@ -5496,7 +5497,7 @@
         <p:spPr>
           <a:xfrm>
             <a:off x="504000" y="261720"/>
-            <a:ext cx="9071640" cy="1341000"/>
+            <a:ext cx="9071280" cy="1341000"/>
           </a:xfrm>
           <a:prstGeom prst="rect">
             <a:avLst/>
@@ -5549,7 +5550,7 @@
         <p:spPr>
           <a:xfrm>
             <a:off x="504000" y="261720"/>
-            <a:ext cx="9071640" cy="6217560"/>
+            <a:ext cx="9071280" cy="6217560"/>
           </a:xfrm>
           <a:prstGeom prst="rect">
             <a:avLst/>
@@ -5602,7 +5603,7 @@
         <p:spPr>
           <a:xfrm>
             <a:off x="504000" y="261720"/>
-            <a:ext cx="9071640" cy="1341000"/>
+            <a:ext cx="9071280" cy="1341000"/>
           </a:xfrm>
           <a:prstGeom prst="rect">
             <a:avLst/>
@@ -5633,7 +5634,7 @@
         <p:spPr>
           <a:xfrm>
             <a:off x="504000" y="1768680"/>
-            <a:ext cx="2160000" cy="2090880"/>
+            <a:ext cx="1053720" cy="2090520"/>
           </a:xfrm>
           <a:prstGeom prst="rect">
             <a:avLst/>
@@ -5641,7 +5642,7 @@
         </p:spPr>
         <p:txBody>
           <a:bodyPr lIns="0" rIns="0" tIns="0" bIns="0">
-            <a:normAutofit/>
+            <a:normAutofit fontScale="27000"/>
           </a:bodyPr>
           <a:p>
             <a:endParaRPr b="0" lang="en-US" sz="3200" spc="-1" strike="noStrike">
@@ -5662,8 +5663,8 @@
         </p:nvSpPr>
         <p:spPr>
           <a:xfrm>
-            <a:off x="2772360" y="1768680"/>
-            <a:ext cx="2160000" cy="4383720"/>
+            <a:off x="1610640" y="1768680"/>
+            <a:ext cx="1053720" cy="4383360"/>
           </a:xfrm>
           <a:prstGeom prst="rect">
             <a:avLst/>
@@ -5671,7 +5672,7 @@
         </p:spPr>
         <p:txBody>
           <a:bodyPr lIns="0" rIns="0" tIns="0" bIns="0">
-            <a:normAutofit/>
+            <a:normAutofit fontScale="84000"/>
           </a:bodyPr>
           <a:p>
             <a:endParaRPr b="0" lang="en-US" sz="3200" spc="-1" strike="noStrike">
@@ -5692,8 +5693,8 @@
         </p:nvSpPr>
         <p:spPr>
           <a:xfrm>
-            <a:off x="504000" y="4058640"/>
-            <a:ext cx="2160000" cy="2090880"/>
+            <a:off x="504000" y="4058280"/>
+            <a:ext cx="1053720" cy="2090520"/>
           </a:xfrm>
           <a:prstGeom prst="rect">
             <a:avLst/>
@@ -5701,7 +5702,7 @@
         </p:spPr>
         <p:txBody>
           <a:bodyPr lIns="0" rIns="0" tIns="0" bIns="0">
-            <a:normAutofit/>
+            <a:normAutofit fontScale="27000"/>
           </a:bodyPr>
           <a:p>
             <a:endParaRPr b="0" lang="en-US" sz="3200" spc="-1" strike="noStrike">
@@ -5745,7 +5746,7 @@
         <p:spPr>
           <a:xfrm>
             <a:off x="504000" y="261720"/>
-            <a:ext cx="9071640" cy="1341000"/>
+            <a:ext cx="9071280" cy="1341000"/>
           </a:xfrm>
           <a:prstGeom prst="rect">
             <a:avLst/>
@@ -5776,7 +5777,7 @@
         <p:spPr>
           <a:xfrm>
             <a:off x="504000" y="1768680"/>
-            <a:ext cx="2160000" cy="4383720"/>
+            <a:ext cx="1053720" cy="4383360"/>
           </a:xfrm>
           <a:prstGeom prst="rect">
             <a:avLst/>
@@ -5784,7 +5785,7 @@
         </p:spPr>
         <p:txBody>
           <a:bodyPr lIns="0" rIns="0" tIns="0" bIns="0">
-            <a:normAutofit/>
+            <a:normAutofit fontScale="84000"/>
           </a:bodyPr>
           <a:p>
             <a:endParaRPr b="0" lang="en-US" sz="3200" spc="-1" strike="noStrike">
@@ -5805,8 +5806,8 @@
         </p:nvSpPr>
         <p:spPr>
           <a:xfrm>
-            <a:off x="2772360" y="1768680"/>
-            <a:ext cx="2160000" cy="2090880"/>
+            <a:off x="1610640" y="1768680"/>
+            <a:ext cx="1053720" cy="2090520"/>
           </a:xfrm>
           <a:prstGeom prst="rect">
             <a:avLst/>
@@ -5814,7 +5815,7 @@
         </p:spPr>
         <p:txBody>
           <a:bodyPr lIns="0" rIns="0" tIns="0" bIns="0">
-            <a:normAutofit/>
+            <a:normAutofit fontScale="27000"/>
           </a:bodyPr>
           <a:p>
             <a:endParaRPr b="0" lang="en-US" sz="3200" spc="-1" strike="noStrike">
@@ -5835,8 +5836,8 @@
         </p:nvSpPr>
         <p:spPr>
           <a:xfrm>
-            <a:off x="2772360" y="4058640"/>
-            <a:ext cx="2160000" cy="2090880"/>
+            <a:off x="1610640" y="4058280"/>
+            <a:ext cx="1053720" cy="2090520"/>
           </a:xfrm>
           <a:prstGeom prst="rect">
             <a:avLst/>
@@ -5844,7 +5845,7 @@
         </p:spPr>
         <p:txBody>
           <a:bodyPr lIns="0" rIns="0" tIns="0" bIns="0">
-            <a:normAutofit/>
+            <a:normAutofit fontScale="27000"/>
           </a:bodyPr>
           <a:p>
             <a:endParaRPr b="0" lang="en-US" sz="3200" spc="-1" strike="noStrike">
@@ -5888,7 +5889,7 @@
         <p:spPr>
           <a:xfrm>
             <a:off x="504000" y="261720"/>
-            <a:ext cx="9071640" cy="1341000"/>
+            <a:ext cx="9071280" cy="1341000"/>
           </a:xfrm>
           <a:prstGeom prst="rect">
             <a:avLst/>
@@ -5919,7 +5920,7 @@
         <p:spPr>
           <a:xfrm>
             <a:off x="504000" y="1768680"/>
-            <a:ext cx="2160000" cy="2090880"/>
+            <a:ext cx="1053720" cy="2090520"/>
           </a:xfrm>
           <a:prstGeom prst="rect">
             <a:avLst/>
@@ -5927,7 +5928,7 @@
         </p:spPr>
         <p:txBody>
           <a:bodyPr lIns="0" rIns="0" tIns="0" bIns="0">
-            <a:normAutofit/>
+            <a:normAutofit fontScale="27000"/>
           </a:bodyPr>
           <a:p>
             <a:endParaRPr b="0" lang="en-US" sz="3200" spc="-1" strike="noStrike">
@@ -5948,8 +5949,8 @@
         </p:nvSpPr>
         <p:spPr>
           <a:xfrm>
-            <a:off x="2772360" y="1768680"/>
-            <a:ext cx="2160000" cy="2090880"/>
+            <a:off x="1610640" y="1768680"/>
+            <a:ext cx="1053720" cy="2090520"/>
           </a:xfrm>
           <a:prstGeom prst="rect">
             <a:avLst/>
@@ -5957,7 +5958,7 @@
         </p:spPr>
         <p:txBody>
           <a:bodyPr lIns="0" rIns="0" tIns="0" bIns="0">
-            <a:normAutofit/>
+            <a:normAutofit fontScale="27000"/>
           </a:bodyPr>
           <a:p>
             <a:endParaRPr b="0" lang="en-US" sz="3200" spc="-1" strike="noStrike">
@@ -5978,8 +5979,8 @@
         </p:nvSpPr>
         <p:spPr>
           <a:xfrm>
-            <a:off x="504000" y="4058640"/>
-            <a:ext cx="4426560" cy="2090880"/>
+            <a:off x="504000" y="4058280"/>
+            <a:ext cx="2159640" cy="2090520"/>
           </a:xfrm>
           <a:prstGeom prst="rect">
             <a:avLst/>
@@ -6027,7 +6028,7 @@
         <p:spPr>
           <a:xfrm>
             <a:off x="0" y="3150000"/>
-            <a:ext cx="9718560" cy="1258560"/>
+            <a:ext cx="9718200" cy="1258200"/>
           </a:xfrm>
           <a:prstGeom prst="rect">
             <a:avLst/>
@@ -6344,7 +6345,7 @@
         <p:spPr>
           <a:xfrm>
             <a:off x="0" y="180000"/>
-            <a:ext cx="9718560" cy="1258560"/>
+            <a:ext cx="9718200" cy="1258200"/>
           </a:xfrm>
           <a:prstGeom prst="rect">
             <a:avLst/>
@@ -6372,7 +6373,7 @@
         <p:spPr>
           <a:xfrm>
             <a:off x="7560000" y="6840000"/>
-            <a:ext cx="2518560" cy="538560"/>
+            <a:ext cx="2518200" cy="538200"/>
           </a:xfrm>
           <a:prstGeom prst="rect">
             <a:avLst/>
@@ -6400,7 +6401,7 @@
         <p:spPr>
           <a:xfrm>
             <a:off x="900000" y="6840000"/>
-            <a:ext cx="6478560" cy="538560"/>
+            <a:ext cx="6478200" cy="538200"/>
           </a:xfrm>
           <a:prstGeom prst="rect">
             <a:avLst/>
@@ -6428,7 +6429,7 @@
         <p:spPr>
           <a:xfrm>
             <a:off x="180000" y="6840000"/>
-            <a:ext cx="538560" cy="538560"/>
+            <a:ext cx="538200" cy="538200"/>
           </a:xfrm>
           <a:prstGeom prst="rect">
             <a:avLst/>
@@ -6458,7 +6459,7 @@
         <p:spPr>
           <a:xfrm>
             <a:off x="504000" y="261720"/>
-            <a:ext cx="9071640" cy="1341000"/>
+            <a:ext cx="9071280" cy="1341000"/>
           </a:xfrm>
           <a:prstGeom prst="rect">
             <a:avLst/>
@@ -6494,7 +6495,7 @@
         <p:spPr>
           <a:xfrm>
             <a:off x="504000" y="1768680"/>
-            <a:ext cx="4426560" cy="4383720"/>
+            <a:ext cx="2159640" cy="4383360"/>
           </a:xfrm>
           <a:prstGeom prst="rect">
             <a:avLst/>
@@ -6502,7 +6503,7 @@
         </p:spPr>
         <p:txBody>
           <a:bodyPr lIns="0" rIns="0" tIns="0" bIns="0">
-            <a:normAutofit fontScale="94000"/>
+            <a:normAutofit fontScale="11000"/>
           </a:bodyPr>
           <a:p>
             <a:pPr marL="432000" indent="-324000">
@@ -6708,8 +6709,8 @@
         </p:nvSpPr>
         <p:spPr>
           <a:xfrm>
-            <a:off x="5152680" y="1768680"/>
-            <a:ext cx="4426560" cy="4383720"/>
+            <a:off x="2772360" y="1768680"/>
+            <a:ext cx="2159640" cy="4383360"/>
           </a:xfrm>
           <a:prstGeom prst="rect">
             <a:avLst/>
@@ -6717,7 +6718,7 @@
         </p:spPr>
         <p:txBody>
           <a:bodyPr lIns="0" rIns="0" tIns="0" bIns="0">
-            <a:normAutofit fontScale="94000"/>
+            <a:normAutofit fontScale="11000"/>
           </a:bodyPr>
           <a:p>
             <a:pPr marL="432000" indent="-324000">
@@ -6957,7 +6958,7 @@
         <p:spPr>
           <a:xfrm>
             <a:off x="0" y="180000"/>
-            <a:ext cx="9718560" cy="1258560"/>
+            <a:ext cx="9718200" cy="1258200"/>
           </a:xfrm>
           <a:prstGeom prst="rect">
             <a:avLst/>
@@ -6985,7 +6986,7 @@
         <p:spPr>
           <a:xfrm>
             <a:off x="7560000" y="6840000"/>
-            <a:ext cx="2518560" cy="538560"/>
+            <a:ext cx="2518200" cy="538200"/>
           </a:xfrm>
           <a:prstGeom prst="rect">
             <a:avLst/>
@@ -7013,7 +7014,7 @@
         <p:spPr>
           <a:xfrm>
             <a:off x="900000" y="6840000"/>
-            <a:ext cx="6478560" cy="538560"/>
+            <a:ext cx="6478200" cy="538200"/>
           </a:xfrm>
           <a:prstGeom prst="rect">
             <a:avLst/>
@@ -7041,7 +7042,7 @@
         <p:spPr>
           <a:xfrm>
             <a:off x="180000" y="6840000"/>
-            <a:ext cx="538560" cy="538560"/>
+            <a:ext cx="538200" cy="538200"/>
           </a:xfrm>
           <a:prstGeom prst="rect">
             <a:avLst/>
@@ -7356,7 +7357,7 @@
         <p:spPr>
           <a:xfrm>
             <a:off x="0" y="180000"/>
-            <a:ext cx="9718560" cy="1258560"/>
+            <a:ext cx="9718200" cy="1258200"/>
           </a:xfrm>
           <a:prstGeom prst="rect">
             <a:avLst/>
@@ -7384,7 +7385,7 @@
         <p:spPr>
           <a:xfrm>
             <a:off x="7560000" y="6840000"/>
-            <a:ext cx="2518560" cy="538560"/>
+            <a:ext cx="2518200" cy="538200"/>
           </a:xfrm>
           <a:prstGeom prst="rect">
             <a:avLst/>
@@ -7412,7 +7413,7 @@
         <p:spPr>
           <a:xfrm>
             <a:off x="900000" y="6840000"/>
-            <a:ext cx="6478560" cy="538560"/>
+            <a:ext cx="6478200" cy="538200"/>
           </a:xfrm>
           <a:prstGeom prst="rect">
             <a:avLst/>
@@ -7440,7 +7441,7 @@
         <p:spPr>
           <a:xfrm>
             <a:off x="180000" y="6840000"/>
-            <a:ext cx="538560" cy="538560"/>
+            <a:ext cx="538200" cy="538200"/>
           </a:xfrm>
           <a:prstGeom prst="rect">
             <a:avLst/>
@@ -7470,7 +7471,7 @@
         <p:spPr>
           <a:xfrm>
             <a:off x="504000" y="261720"/>
-            <a:ext cx="9071640" cy="1341000"/>
+            <a:ext cx="9071280" cy="1341000"/>
           </a:xfrm>
           <a:prstGeom prst="rect">
             <a:avLst/>
@@ -7506,7 +7507,7 @@
         <p:spPr>
           <a:xfrm>
             <a:off x="504000" y="1768680"/>
-            <a:ext cx="4426560" cy="4383720"/>
+            <a:ext cx="2159640" cy="4383360"/>
           </a:xfrm>
           <a:prstGeom prst="rect">
             <a:avLst/>
@@ -7514,7 +7515,7 @@
         </p:spPr>
         <p:txBody>
           <a:bodyPr lIns="0" rIns="0" tIns="0" bIns="0">
-            <a:normAutofit fontScale="94000"/>
+            <a:normAutofit fontScale="11000"/>
           </a:bodyPr>
           <a:p>
             <a:pPr marL="432000" indent="-324000">
@@ -7720,8 +7721,8 @@
         </p:nvSpPr>
         <p:spPr>
           <a:xfrm>
-            <a:off x="5152680" y="1768680"/>
-            <a:ext cx="4426560" cy="4383720"/>
+            <a:off x="2772360" y="1768680"/>
+            <a:ext cx="2159640" cy="4383360"/>
           </a:xfrm>
           <a:prstGeom prst="rect">
             <a:avLst/>
@@ -7729,7 +7730,7 @@
         </p:spPr>
         <p:txBody>
           <a:bodyPr lIns="0" rIns="0" tIns="0" bIns="0">
-            <a:normAutofit fontScale="94000"/>
+            <a:normAutofit fontScale="11000"/>
           </a:bodyPr>
           <a:p>
             <a:pPr marL="432000" indent="-324000">
@@ -7969,7 +7970,7 @@
         <p:spPr>
           <a:xfrm>
             <a:off x="360000" y="3330000"/>
-            <a:ext cx="9358560" cy="898560"/>
+            <a:ext cx="9358200" cy="898200"/>
           </a:xfrm>
           <a:prstGeom prst="rect">
             <a:avLst/>
@@ -8030,7 +8031,7 @@
         <p:spPr>
           <a:xfrm>
             <a:off x="540000" y="4680000"/>
-            <a:ext cx="9178560" cy="2518560"/>
+            <a:ext cx="9178200" cy="2518200"/>
           </a:xfrm>
           <a:prstGeom prst="rect">
             <a:avLst/>
@@ -8120,8 +8121,8 @@
         </p:nvSpPr>
         <p:spPr>
           <a:xfrm rot="21586200">
-            <a:off x="6771240" y="4673880"/>
-            <a:ext cx="3015720" cy="1944360"/>
+            <a:off x="6770880" y="4673880"/>
+            <a:ext cx="3015360" cy="1944000"/>
           </a:xfrm>
           <a:prstGeom prst="rect">
             <a:avLst/>
@@ -8152,7 +8153,7 @@
         <p:spPr>
           <a:xfrm>
             <a:off x="504000" y="2952000"/>
-            <a:ext cx="5903640" cy="3743640"/>
+            <a:ext cx="5903280" cy="3743280"/>
           </a:xfrm>
           <a:prstGeom prst="rect">
             <a:avLst/>
@@ -8183,7 +8184,7 @@
         <p:spPr>
           <a:xfrm>
             <a:off x="504000" y="596520"/>
-            <a:ext cx="9071640" cy="671040"/>
+            <a:ext cx="9071280" cy="670680"/>
           </a:xfrm>
           <a:prstGeom prst="rect">
             <a:avLst/>
@@ -8211,15 +8212,33 @@
             </a:pPr>
             <a:r>
               <a:rPr b="0" lang="en-US" sz="4400" spc="-1" strike="noStrike">
-                <a:latin typeface="Arial"/>
+                <a:solidFill>
+                  <a:srgbClr val="000000"/>
+                </a:solidFill>
+                <a:latin typeface="Arial"/>
+                <a:ea typeface="DejaVu Sans"/>
               </a:rPr>
               <a:t>git</a:t>
             </a:r>
             <a:r>
               <a:rPr b="0" lang="en-US" sz="4400" spc="-1" strike="noStrike">
-                <a:latin typeface="Arial"/>
+                <a:solidFill>
+                  <a:srgbClr val="000000"/>
+                </a:solidFill>
+                <a:latin typeface="Arial"/>
+                <a:ea typeface="DejaVu Sans"/>
               </a:rPr>
               <a:t>のコマンド</a:t>
+            </a:r>
+            <a:r>
+              <a:rPr b="0" lang="en-US" sz="4400" spc="-1" strike="noStrike">
+                <a:solidFill>
+                  <a:srgbClr val="000000"/>
+                </a:solidFill>
+                <a:latin typeface="Arial"/>
+                <a:ea typeface="DejaVu Sans"/>
+              </a:rPr>
+              <a:t>fix</a:t>
             </a:r>
             <a:endParaRPr b="0" lang="en-US" sz="4400" spc="-1" strike="noStrike">
               <a:latin typeface="Arial"/>
@@ -8236,7 +8255,7 @@
         <p:spPr>
           <a:xfrm>
             <a:off x="1080000" y="4824000"/>
-            <a:ext cx="935640" cy="1295640"/>
+            <a:ext cx="935280" cy="1295280"/>
           </a:xfrm>
           <a:prstGeom prst="foldedCorner">
             <a:avLst>
@@ -8268,7 +8287,7 @@
         <p:spPr>
           <a:xfrm>
             <a:off x="2016000" y="5873040"/>
-            <a:ext cx="1386000" cy="363960"/>
+            <a:ext cx="1385640" cy="363960"/>
           </a:xfrm>
           <a:prstGeom prst="rect">
             <a:avLst/>
@@ -8296,7 +8315,11 @@
             </a:pPr>
             <a:r>
               <a:rPr b="0" lang="en-US" sz="1800" spc="-1" strike="noStrike">
-                <a:latin typeface="Arial"/>
+                <a:solidFill>
+                  <a:srgbClr val="000000"/>
+                </a:solidFill>
+                <a:latin typeface="Arial"/>
+                <a:ea typeface="DejaVu Sans"/>
               </a:rPr>
               <a:t>ワークツリー</a:t>
             </a:r>
@@ -8371,7 +8394,7 @@
         <p:spPr>
           <a:xfrm>
             <a:off x="665280" y="3600000"/>
-            <a:ext cx="2286360" cy="363960"/>
+            <a:ext cx="2286000" cy="363960"/>
           </a:xfrm>
           <a:prstGeom prst="rect">
             <a:avLst/>
@@ -8399,7 +8422,11 @@
             </a:pPr>
             <a:r>
               <a:rPr b="0" lang="en-US" sz="1800" spc="-1" strike="noStrike">
-                <a:latin typeface="Arial"/>
+                <a:solidFill>
+                  <a:srgbClr val="000000"/>
+                </a:solidFill>
+                <a:latin typeface="Arial"/>
+                <a:ea typeface="DejaVu Sans"/>
               </a:rPr>
               <a:t>スナップショットを記録</a:t>
             </a:r>
@@ -8418,7 +8445,7 @@
         <p:spPr>
           <a:xfrm>
             <a:off x="3137040" y="4909680"/>
-            <a:ext cx="2190600" cy="363960"/>
+            <a:ext cx="2190240" cy="363960"/>
           </a:xfrm>
           <a:prstGeom prst="rect">
             <a:avLst/>
@@ -8446,13 +8473,21 @@
             </a:pPr>
             <a:r>
               <a:rPr b="0" lang="en-US" sz="1800" spc="-1" strike="noStrike">
-                <a:latin typeface="Arial"/>
+                <a:solidFill>
+                  <a:srgbClr val="000000"/>
+                </a:solidFill>
+                <a:latin typeface="Arial"/>
+                <a:ea typeface="DejaVu Sans"/>
               </a:rPr>
               <a:t>Github</a:t>
             </a:r>
             <a:r>
               <a:rPr b="0" lang="en-US" sz="1800" spc="-1" strike="noStrike">
-                <a:latin typeface="Arial"/>
+                <a:solidFill>
+                  <a:srgbClr val="000000"/>
+                </a:solidFill>
+                <a:latin typeface="Arial"/>
+                <a:ea typeface="DejaVu Sans"/>
               </a:rPr>
               <a:t>の記録を反映</a:t>
             </a:r>
@@ -8471,7 +8506,7 @@
         <p:spPr>
           <a:xfrm>
             <a:off x="3600000" y="3600000"/>
-            <a:ext cx="1367640" cy="719640"/>
+            <a:ext cx="1367280" cy="719280"/>
           </a:xfrm>
           <a:prstGeom prst="flowChartMagneticDisk">
             <a:avLst/>
@@ -8501,7 +8536,7 @@
         <p:spPr>
           <a:xfrm>
             <a:off x="3312000" y="3209040"/>
-            <a:ext cx="1951200" cy="363960"/>
+            <a:ext cx="1950840" cy="363960"/>
           </a:xfrm>
           <a:prstGeom prst="rect">
             <a:avLst/>
@@ -8529,7 +8564,11 @@
             </a:pPr>
             <a:r>
               <a:rPr b="0" lang="en-US" sz="1800" spc="-1" strike="noStrike">
-                <a:latin typeface="Arial"/>
+                <a:solidFill>
+                  <a:srgbClr val="000000"/>
+                </a:solidFill>
+                <a:latin typeface="Arial"/>
+                <a:ea typeface="DejaVu Sans"/>
               </a:rPr>
               <a:t>ローカルレポジトリ</a:t>
             </a:r>
@@ -8548,7 +8587,7 @@
         <p:spPr>
           <a:xfrm>
             <a:off x="792000" y="2808000"/>
-            <a:ext cx="1223640" cy="503640"/>
+            <a:ext cx="1223280" cy="503280"/>
           </a:xfrm>
           <a:prstGeom prst="rect">
             <a:avLst/>
@@ -8659,7 +8698,7 @@
         <p:spPr>
           <a:xfrm>
             <a:off x="6696000" y="2304000"/>
-            <a:ext cx="1943640" cy="719640"/>
+            <a:ext cx="1943280" cy="719280"/>
           </a:xfrm>
           <a:prstGeom prst="flowChartMagneticDisk">
             <a:avLst/>
@@ -8689,7 +8728,7 @@
         <p:spPr>
           <a:xfrm>
             <a:off x="6730560" y="1985040"/>
-            <a:ext cx="1837080" cy="363960"/>
+            <a:ext cx="1836720" cy="363960"/>
           </a:xfrm>
           <a:prstGeom prst="rect">
             <a:avLst/>
@@ -8717,7 +8756,11 @@
             </a:pPr>
             <a:r>
               <a:rPr b="0" lang="en-US" sz="1800" spc="-1" strike="noStrike">
-                <a:latin typeface="Arial"/>
+                <a:solidFill>
+                  <a:srgbClr val="000000"/>
+                </a:solidFill>
+                <a:latin typeface="Arial"/>
+                <a:ea typeface="DejaVu Sans"/>
               </a:rPr>
               <a:t>リモートリポジトリ</a:t>
             </a:r>
@@ -8736,7 +8779,7 @@
         <p:spPr>
           <a:xfrm>
             <a:off x="8856000" y="5688000"/>
-            <a:ext cx="575640" cy="791640"/>
+            <a:ext cx="575280" cy="791280"/>
           </a:xfrm>
           <a:prstGeom prst="foldedCorner">
             <a:avLst>
@@ -8768,7 +8811,7 @@
         <p:spPr>
           <a:xfrm>
             <a:off x="7488000" y="4824000"/>
-            <a:ext cx="863640" cy="503640"/>
+            <a:ext cx="863280" cy="503280"/>
           </a:xfrm>
           <a:prstGeom prst="flowChartMagneticDisk">
             <a:avLst/>
@@ -8910,7 +8953,7 @@
         <p:spPr>
           <a:xfrm>
             <a:off x="8496000" y="4392000"/>
-            <a:ext cx="1223640" cy="503640"/>
+            <a:ext cx="1223280" cy="503280"/>
           </a:xfrm>
           <a:prstGeom prst="rect">
             <a:avLst/>
@@ -8995,7 +9038,7 @@
         <p:spPr>
           <a:xfrm>
             <a:off x="504000" y="383040"/>
-            <a:ext cx="9071640" cy="1098000"/>
+            <a:ext cx="9071280" cy="1097640"/>
           </a:xfrm>
           <a:prstGeom prst="rect">
             <a:avLst/>
@@ -9023,26 +9066,42 @@
             </a:pPr>
             <a:r>
               <a:rPr b="0" lang="en-US" sz="3600" spc="-1" strike="noStrike">
-                <a:latin typeface="Arial"/>
+                <a:solidFill>
+                  <a:srgbClr val="000000"/>
+                </a:solidFill>
+                <a:latin typeface="Arial"/>
+                <a:ea typeface="DejaVu Sans"/>
               </a:rPr>
               <a:t>ローカルは</a:t>
             </a:r>
             <a:r>
               <a:rPr b="0" lang="en-US" sz="3600" spc="-1" strike="noStrike">
-                <a:latin typeface="Arial"/>
+                <a:solidFill>
+                  <a:srgbClr val="000000"/>
+                </a:solidFill>
+                <a:latin typeface="Arial"/>
+                <a:ea typeface="DejaVu Sans"/>
               </a:rPr>
               <a:t>3</a:t>
             </a:r>
             <a:r>
               <a:rPr b="0" lang="en-US" sz="3600" spc="-1" strike="noStrike">
-                <a:latin typeface="Arial"/>
+                <a:solidFill>
+                  <a:srgbClr val="000000"/>
+                </a:solidFill>
+                <a:latin typeface="Arial"/>
+                <a:ea typeface="DejaVu Sans"/>
               </a:rPr>
               <a:t>つのステージに分かれている</a:t>
             </a:r>
             <a:br/>
             <a:r>
               <a:rPr b="0" lang="en-US" sz="3600" spc="-1" strike="noStrike">
-                <a:latin typeface="Arial"/>
+                <a:solidFill>
+                  <a:srgbClr val="000000"/>
+                </a:solidFill>
+                <a:latin typeface="Arial"/>
+                <a:ea typeface="DejaVu Sans"/>
               </a:rPr>
               <a:t>ワークツリー→ステージ→ローカルレポジトリ</a:t>
             </a:r>
@@ -9065,7 +9124,7 @@
         <p:spPr>
           <a:xfrm>
             <a:off x="504000" y="1881000"/>
-            <a:ext cx="9318600" cy="4454640"/>
+            <a:ext cx="9318240" cy="4454280"/>
           </a:xfrm>
           <a:prstGeom prst="rect">
             <a:avLst/>
@@ -9084,7 +9143,7 @@
         <p:spPr>
           <a:xfrm>
             <a:off x="2520000" y="4896000"/>
-            <a:ext cx="791640" cy="1079640"/>
+            <a:ext cx="791280" cy="1079280"/>
           </a:xfrm>
           <a:prstGeom prst="flowChartPunchedCard">
             <a:avLst/>
@@ -9114,7 +9173,7 @@
         <p:spPr>
           <a:xfrm>
             <a:off x="3816000" y="5112000"/>
-            <a:ext cx="2710080" cy="363960"/>
+            <a:ext cx="2709720" cy="363960"/>
           </a:xfrm>
           <a:prstGeom prst="rect">
             <a:avLst/>
@@ -9142,7 +9201,11 @@
             </a:pPr>
             <a:r>
               <a:rPr b="0" lang="en-US" sz="1800" spc="-1" strike="noStrike">
-                <a:latin typeface="Arial"/>
+                <a:solidFill>
+                  <a:srgbClr val="000000"/>
+                </a:solidFill>
+                <a:latin typeface="Arial"/>
+                <a:ea typeface="DejaVu Sans"/>
               </a:rPr>
               <a:t>ファイルを変更する作業場</a:t>
             </a:r>
@@ -9161,7 +9224,7 @@
         <p:spPr>
           <a:xfrm>
             <a:off x="2029680" y="6017040"/>
-            <a:ext cx="1641960" cy="363960"/>
+            <a:ext cx="1641600" cy="363960"/>
           </a:xfrm>
           <a:prstGeom prst="rect">
             <a:avLst/>
@@ -9189,7 +9252,11 @@
             </a:pPr>
             <a:r>
               <a:rPr b="0" lang="en-US" sz="1800" spc="-1" strike="noStrike">
-                <a:latin typeface="Arial"/>
+                <a:solidFill>
+                  <a:srgbClr val="000000"/>
+                </a:solidFill>
+                <a:latin typeface="Arial"/>
+                <a:ea typeface="DejaVu Sans"/>
               </a:rPr>
               <a:t>ファイルの変更</a:t>
             </a:r>
@@ -9208,7 +9275,7 @@
         <p:spPr>
           <a:xfrm>
             <a:off x="4248000" y="3528000"/>
-            <a:ext cx="1367640" cy="791640"/>
+            <a:ext cx="1367280" cy="791280"/>
           </a:xfrm>
           <a:prstGeom prst="flowChartMagneticDisk">
             <a:avLst/>
@@ -9216,11 +9283,10 @@
           <a:solidFill>
             <a:srgbClr val="dedce6"/>
           </a:solidFill>
-          <a:ln cap="rnd">
+          <a:ln>
             <a:solidFill>
               <a:srgbClr val="3465a4"/>
             </a:solidFill>
-            <a:custDash/>
           </a:ln>
         </p:spPr>
         <p:style>
@@ -9239,7 +9305,7 @@
         <p:spPr>
           <a:xfrm>
             <a:off x="2971080" y="3312000"/>
-            <a:ext cx="1132560" cy="638280"/>
+            <a:ext cx="1132200" cy="638280"/>
           </a:xfrm>
           <a:prstGeom prst="rect">
             <a:avLst/>
@@ -9267,13 +9333,21 @@
             </a:pPr>
             <a:r>
               <a:rPr b="0" lang="en-US" sz="1800" spc="-1" strike="noStrike">
-                <a:latin typeface="Arial"/>
+                <a:solidFill>
+                  <a:srgbClr val="000000"/>
+                </a:solidFill>
+                <a:latin typeface="Arial"/>
+                <a:ea typeface="DejaVu Sans"/>
               </a:rPr>
               <a:t>  </a:t>
             </a:r>
             <a:r>
               <a:rPr b="0" lang="en-US" sz="1800" spc="-1" strike="noStrike">
-                <a:latin typeface="Arial"/>
+                <a:solidFill>
+                  <a:srgbClr val="000000"/>
+                </a:solidFill>
+                <a:latin typeface="Arial"/>
+                <a:ea typeface="DejaVu Sans"/>
               </a:rPr>
               <a:t>追加</a:t>
             </a:r>
@@ -9289,7 +9363,11 @@
             </a:pPr>
             <a:r>
               <a:rPr b="0" lang="en-US" sz="1800" spc="-1" strike="noStrike">
-                <a:latin typeface="Arial"/>
+                <a:solidFill>
+                  <a:srgbClr val="000000"/>
+                </a:solidFill>
+                <a:latin typeface="Arial"/>
+                <a:ea typeface="DejaVu Sans"/>
               </a:rPr>
               <a:t>Git add</a:t>
             </a:r>
@@ -9308,7 +9386,7 @@
         <p:spPr>
           <a:xfrm>
             <a:off x="5857560" y="3528000"/>
-            <a:ext cx="2356560" cy="363960"/>
+            <a:ext cx="2356200" cy="363960"/>
           </a:xfrm>
           <a:prstGeom prst="rect">
             <a:avLst/>
@@ -9336,7 +9414,11 @@
             </a:pPr>
             <a:r>
               <a:rPr b="0" lang="en-US" sz="1800" spc="-1" strike="noStrike">
-                <a:latin typeface="Arial"/>
+                <a:solidFill>
+                  <a:srgbClr val="000000"/>
+                </a:solidFill>
+                <a:latin typeface="Arial"/>
+                <a:ea typeface="DejaVu Sans"/>
               </a:rPr>
               <a:t>コミットする変更を準備</a:t>
             </a:r>
@@ -9411,7 +9493,7 @@
         <p:spPr>
           <a:xfrm>
             <a:off x="6408000" y="2088000"/>
-            <a:ext cx="1295640" cy="719640"/>
+            <a:ext cx="1295280" cy="719280"/>
           </a:xfrm>
           <a:prstGeom prst="can">
             <a:avLst>
@@ -9443,7 +9525,7 @@
         <p:spPr>
           <a:xfrm>
             <a:off x="4752000" y="2088000"/>
-            <a:ext cx="1272960" cy="638280"/>
+            <a:ext cx="1272600" cy="638280"/>
           </a:xfrm>
           <a:prstGeom prst="rect">
             <a:avLst/>
@@ -9471,13 +9553,21 @@
             </a:pPr>
             <a:r>
               <a:rPr b="0" lang="en-US" sz="1800" spc="-1" strike="noStrike">
-                <a:latin typeface="Arial"/>
+                <a:solidFill>
+                  <a:srgbClr val="000000"/>
+                </a:solidFill>
+                <a:latin typeface="Arial"/>
+                <a:ea typeface="DejaVu Sans"/>
               </a:rPr>
               <a:t>   </a:t>
             </a:r>
             <a:r>
               <a:rPr b="0" lang="en-US" sz="1800" spc="-1" strike="noStrike">
-                <a:latin typeface="Arial"/>
+                <a:solidFill>
+                  <a:srgbClr val="000000"/>
+                </a:solidFill>
+                <a:latin typeface="Arial"/>
+                <a:ea typeface="DejaVu Sans"/>
               </a:rPr>
               <a:t>コミット</a:t>
             </a:r>
@@ -9493,7 +9583,11 @@
             </a:pPr>
             <a:r>
               <a:rPr b="0" lang="en-US" sz="1800" spc="-1" strike="noStrike">
-                <a:latin typeface="Arial"/>
+                <a:solidFill>
+                  <a:srgbClr val="000000"/>
+                </a:solidFill>
+                <a:latin typeface="Arial"/>
+                <a:ea typeface="DejaVu Sans"/>
               </a:rPr>
               <a:t>Git commit</a:t>
             </a:r>
@@ -9542,7 +9636,7 @@
         <p:spPr>
           <a:xfrm>
             <a:off x="504000" y="596520"/>
-            <a:ext cx="9071640" cy="671040"/>
+            <a:ext cx="9071280" cy="670680"/>
           </a:xfrm>
           <a:prstGeom prst="rect">
             <a:avLst/>
@@ -9570,13 +9664,21 @@
             </a:pPr>
             <a:r>
               <a:rPr b="0" lang="en-US" sz="4400" spc="-1" strike="noStrike">
-                <a:latin typeface="Arial"/>
+                <a:solidFill>
+                  <a:srgbClr val="000000"/>
+                </a:solidFill>
+                <a:latin typeface="Arial"/>
+                <a:ea typeface="DejaVu Sans"/>
               </a:rPr>
               <a:t>Git</a:t>
             </a:r>
             <a:r>
               <a:rPr b="0" lang="en-US" sz="4400" spc="-1" strike="noStrike">
-                <a:latin typeface="Arial"/>
+                <a:solidFill>
+                  <a:srgbClr val="000000"/>
+                </a:solidFill>
+                <a:latin typeface="Arial"/>
+                <a:ea typeface="DejaVu Sans"/>
               </a:rPr>
               <a:t>のデータの持ち方</a:t>
             </a:r>
@@ -9599,7 +9701,7 @@
         <p:spPr>
           <a:xfrm>
             <a:off x="504000" y="1881000"/>
-            <a:ext cx="9143640" cy="4454640"/>
+            <a:ext cx="9143280" cy="4454280"/>
           </a:xfrm>
           <a:prstGeom prst="rect">
             <a:avLst/>
@@ -9618,7 +9720,7 @@
         <p:spPr>
           <a:xfrm>
             <a:off x="864000" y="5400000"/>
-            <a:ext cx="647640" cy="791640"/>
+            <a:ext cx="647280" cy="791280"/>
           </a:xfrm>
           <a:prstGeom prst="flowChartPunchedCard">
             <a:avLst/>
@@ -9648,7 +9750,7 @@
         <p:spPr>
           <a:xfrm>
             <a:off x="720000" y="3960000"/>
-            <a:ext cx="864000" cy="432000"/>
+            <a:ext cx="863640" cy="431640"/>
           </a:xfrm>
           <a:prstGeom prst="can">
             <a:avLst>
@@ -9680,7 +9782,7 @@
         <p:spPr>
           <a:xfrm>
             <a:off x="720000" y="2520000"/>
-            <a:ext cx="864000" cy="432000"/>
+            <a:ext cx="863640" cy="431640"/>
           </a:xfrm>
           <a:prstGeom prst="can">
             <a:avLst>
@@ -9705,14 +9807,14 @@
       </p:sp>
       <p:sp>
         <p:nvSpPr>
-          <p:cNvPr id="244" name="TextShape 5"/>
-          <p:cNvSpPr txBox="1"/>
+          <p:cNvPr id="244" name="CustomShape 5"/>
+          <p:cNvSpPr/>
           <p:nvPr/>
         </p:nvSpPr>
         <p:spPr>
           <a:xfrm>
             <a:off x="2160000" y="5616000"/>
-            <a:ext cx="1296000" cy="360000"/>
+            <a:ext cx="1295640" cy="363960"/>
           </a:xfrm>
           <a:prstGeom prst="rect">
             <a:avLst/>
@@ -9722,11 +9824,22 @@
             <a:noFill/>
           </a:ln>
         </p:spPr>
+        <p:style>
+          <a:lnRef idx="0"/>
+          <a:fillRef idx="0"/>
+          <a:effectRef idx="0"/>
+          <a:fontRef idx="minor"/>
+        </p:style>
         <p:txBody>
           <a:bodyPr lIns="90000" rIns="90000" tIns="45000" bIns="45000">
             <a:spAutoFit/>
           </a:bodyPr>
           <a:p>
+            <a:pPr>
+              <a:lnSpc>
+                <a:spcPct val="100000"/>
+              </a:lnSpc>
+            </a:pPr>
             <a:r>
               <a:rPr b="0" lang="en-US" sz="1800" spc="-1" strike="noStrike">
                 <a:latin typeface="Arial"/>
@@ -9776,7 +9889,7 @@
         <p:spPr>
           <a:xfrm>
             <a:off x="1872000" y="2016000"/>
-            <a:ext cx="1800000" cy="1008000"/>
+            <a:ext cx="1799640" cy="1007640"/>
           </a:xfrm>
           <a:prstGeom prst="rect">
             <a:avLst/>
@@ -9801,16 +9914,28 @@
             <a:noAutofit/>
           </a:bodyPr>
           <a:p>
-            <a:pPr algn="ctr"/>
+            <a:pPr algn="ctr">
+              <a:lnSpc>
+                <a:spcPct val="100000"/>
+              </a:lnSpc>
+            </a:pPr>
             <a:r>
               <a:rPr b="0" lang="en-US" sz="1800" spc="-1" strike="noStrike">
-                <a:latin typeface="Arial"/>
+                <a:solidFill>
+                  <a:srgbClr val="000000"/>
+                </a:solidFill>
+                <a:latin typeface="Arial"/>
+                <a:ea typeface="DejaVu Sans"/>
               </a:rPr>
               <a:t>Index.html</a:t>
             </a:r>
             <a:r>
               <a:rPr b="0" lang="en-US" sz="1800" spc="-1" strike="noStrike">
-                <a:latin typeface="Arial"/>
+                <a:solidFill>
+                  <a:srgbClr val="000000"/>
+                </a:solidFill>
+                <a:latin typeface="Arial"/>
+                <a:ea typeface="DejaVu Sans"/>
               </a:rPr>
               <a:t>の</a:t>
             </a:r>
@@ -9819,10 +9944,18 @@
             </a:endParaRPr>
           </a:p>
           <a:p>
-            <a:pPr algn="ctr"/>
+            <a:pPr algn="ctr">
+              <a:lnSpc>
+                <a:spcPct val="100000"/>
+              </a:lnSpc>
+            </a:pPr>
             <a:r>
               <a:rPr b="0" lang="en-US" sz="1800" spc="-1" strike="noStrike">
-                <a:latin typeface="Arial"/>
+                <a:solidFill>
+                  <a:srgbClr val="000000"/>
+                </a:solidFill>
+                <a:latin typeface="Arial"/>
+                <a:ea typeface="DejaVu Sans"/>
               </a:rPr>
               <a:t>ファイル内容</a:t>
             </a:r>
@@ -9831,10 +9964,18 @@
             </a:endParaRPr>
           </a:p>
           <a:p>
-            <a:pPr algn="ctr"/>
+            <a:pPr algn="ctr">
+              <a:lnSpc>
+                <a:spcPct val="100000"/>
+              </a:lnSpc>
+            </a:pPr>
             <a:r>
               <a:rPr b="0" lang="en-US" sz="1800" spc="-1" strike="noStrike">
-                <a:latin typeface="Arial"/>
+                <a:solidFill>
+                  <a:srgbClr val="000000"/>
+                </a:solidFill>
+                <a:latin typeface="Arial"/>
+                <a:ea typeface="DejaVu Sans"/>
               </a:rPr>
               <a:t>を圧縮</a:t>
             </a:r>
@@ -9853,7 +9994,7 @@
         <p:spPr>
           <a:xfrm>
             <a:off x="2016000" y="1584360"/>
-            <a:ext cx="1511640" cy="503640"/>
+            <a:ext cx="1511280" cy="503280"/>
           </a:xfrm>
           <a:prstGeom prst="rect">
             <a:avLst/>
@@ -9918,7 +10059,7 @@
         <p:spPr>
           <a:xfrm>
             <a:off x="3960000" y="2016000"/>
-            <a:ext cx="2736000" cy="1008000"/>
+            <a:ext cx="2735640" cy="1007640"/>
           </a:xfrm>
           <a:prstGeom prst="rect">
             <a:avLst/>
@@ -9943,16 +10084,28 @@
             <a:noAutofit/>
           </a:bodyPr>
           <a:p>
-            <a:pPr algn="ctr"/>
+            <a:pPr algn="ctr">
+              <a:lnSpc>
+                <a:spcPct val="100000"/>
+              </a:lnSpc>
+            </a:pPr>
             <a:r>
               <a:rPr b="0" lang="en-US" sz="1800" spc="-1" strike="noStrike">
-                <a:latin typeface="Arial"/>
+                <a:solidFill>
+                  <a:srgbClr val="000000"/>
+                </a:solidFill>
+                <a:latin typeface="Arial"/>
+                <a:ea typeface="DejaVu Sans"/>
               </a:rPr>
               <a:t>Index.html</a:t>
             </a:r>
             <a:r>
               <a:rPr b="0" lang="en-US" sz="1800" spc="-1" strike="noStrike">
-                <a:latin typeface="Arial"/>
+                <a:solidFill>
+                  <a:srgbClr val="000000"/>
+                </a:solidFill>
+                <a:latin typeface="Arial"/>
+                <a:ea typeface="DejaVu Sans"/>
               </a:rPr>
               <a:t>の</a:t>
             </a:r>
@@ -9961,10 +10114,18 @@
             </a:endParaRPr>
           </a:p>
           <a:p>
-            <a:pPr algn="ctr"/>
+            <a:pPr algn="ctr">
+              <a:lnSpc>
+                <a:spcPct val="100000"/>
+              </a:lnSpc>
+            </a:pPr>
             <a:r>
               <a:rPr b="0" lang="en-US" sz="1800" spc="-1" strike="noStrike">
-                <a:latin typeface="Arial"/>
+                <a:solidFill>
+                  <a:srgbClr val="000000"/>
+                </a:solidFill>
+                <a:latin typeface="Arial"/>
+                <a:ea typeface="DejaVu Sans"/>
               </a:rPr>
               <a:t>ファイル内容</a:t>
             </a:r>
@@ -9973,10 +10134,18 @@
             </a:endParaRPr>
           </a:p>
           <a:p>
-            <a:pPr algn="ctr"/>
+            <a:pPr algn="ctr">
+              <a:lnSpc>
+                <a:spcPct val="100000"/>
+              </a:lnSpc>
+            </a:pPr>
             <a:r>
               <a:rPr b="0" lang="en-US" sz="1800" spc="-1" strike="noStrike">
-                <a:latin typeface="Arial"/>
+                <a:solidFill>
+                  <a:srgbClr val="000000"/>
+                </a:solidFill>
+                <a:latin typeface="Arial"/>
+                <a:ea typeface="DejaVu Sans"/>
               </a:rPr>
               <a:t>を圧縮</a:t>
             </a:r>
@@ -9995,7 +10164,7 @@
         <p:spPr>
           <a:xfrm>
             <a:off x="4536360" y="1584360"/>
-            <a:ext cx="1511640" cy="503640"/>
+            <a:ext cx="1511280" cy="503280"/>
           </a:xfrm>
           <a:prstGeom prst="rect">
             <a:avLst/>
@@ -10078,7 +10247,7 @@
         <p:spPr>
           <a:xfrm>
             <a:off x="3672000" y="3960000"/>
-            <a:ext cx="2736000" cy="576000"/>
+            <a:ext cx="2735640" cy="575640"/>
           </a:xfrm>
           <a:prstGeom prst="rect">
             <a:avLst/>
@@ -10103,22 +10272,38 @@
             <a:noAutofit/>
           </a:bodyPr>
           <a:p>
-            <a:pPr algn="ctr"/>
+            <a:pPr algn="ctr">
+              <a:lnSpc>
+                <a:spcPct val="100000"/>
+              </a:lnSpc>
+            </a:pPr>
             <a:r>
               <a:rPr b="0" lang="en-US" sz="1800" spc="-1" strike="noStrike">
-                <a:latin typeface="Arial"/>
+                <a:solidFill>
+                  <a:srgbClr val="000000"/>
+                </a:solidFill>
+                <a:latin typeface="Arial"/>
+                <a:ea typeface="DejaVu Sans"/>
               </a:rPr>
               <a:t>Index.html</a:t>
             </a:r>
             <a:r>
               <a:rPr b="0" lang="en-US" sz="1800" spc="-1" strike="noStrike">
-                <a:latin typeface="Arial"/>
+                <a:solidFill>
+                  <a:srgbClr val="000000"/>
+                </a:solidFill>
+                <a:latin typeface="Arial"/>
+                <a:ea typeface="DejaVu Sans"/>
               </a:rPr>
               <a:t>　圧縮ファイル</a:t>
             </a:r>
             <a:r>
               <a:rPr b="0" lang="en-US" sz="1800" spc="-1" strike="noStrike">
-                <a:latin typeface="Arial"/>
+                <a:solidFill>
+                  <a:srgbClr val="000000"/>
+                </a:solidFill>
+                <a:latin typeface="Arial"/>
+                <a:ea typeface="DejaVu Sans"/>
               </a:rPr>
               <a:t>A</a:t>
             </a:r>
@@ -10137,7 +10322,7 @@
         <p:spPr>
           <a:xfrm>
             <a:off x="4320360" y="3528360"/>
-            <a:ext cx="1511640" cy="503640"/>
+            <a:ext cx="1511280" cy="503280"/>
           </a:xfrm>
           <a:prstGeom prst="rect">
             <a:avLst/>
@@ -10213,14 +10398,14 @@
       </p:sp>
       <p:sp>
         <p:nvSpPr>
-          <p:cNvPr id="254" name="TextShape 15"/>
-          <p:cNvSpPr txBox="1"/>
+          <p:cNvPr id="254" name="CustomShape 15"/>
+          <p:cNvSpPr/>
           <p:nvPr/>
         </p:nvSpPr>
         <p:spPr>
           <a:xfrm>
             <a:off x="6264000" y="3456000"/>
-            <a:ext cx="1296000" cy="360000"/>
+            <a:ext cx="1295640" cy="363960"/>
           </a:xfrm>
           <a:prstGeom prst="rect">
             <a:avLst/>
@@ -10230,11 +10415,22 @@
             <a:noFill/>
           </a:ln>
         </p:spPr>
+        <p:style>
+          <a:lnRef idx="0"/>
+          <a:fillRef idx="0"/>
+          <a:effectRef idx="0"/>
+          <a:fontRef idx="minor"/>
+        </p:style>
         <p:txBody>
           <a:bodyPr lIns="90000" rIns="90000" tIns="45000" bIns="45000">
             <a:spAutoFit/>
           </a:bodyPr>
           <a:p>
+            <a:pPr>
+              <a:lnSpc>
+                <a:spcPct val="100000"/>
+              </a:lnSpc>
+            </a:pPr>
             <a:r>
               <a:rPr b="0" lang="en-US" sz="1800" spc="-1" strike="noStrike">
                 <a:latin typeface="Arial"/>
@@ -10255,8 +10451,8 @@
         </p:nvSpPr>
         <p:spPr>
           <a:xfrm>
-            <a:off x="6912000" y="2016000"/>
-            <a:ext cx="2448000" cy="1008000"/>
+            <a:off x="6912000" y="1944000"/>
+            <a:ext cx="2448000" cy="1152000"/>
           </a:xfrm>
           <a:prstGeom prst="rect">
             <a:avLst/>
@@ -10281,9 +10477,18 @@
             <a:noAutofit/>
           </a:bodyPr>
           <a:p>
+            <a:pPr>
+              <a:lnSpc>
+                <a:spcPct val="100000"/>
+              </a:lnSpc>
+            </a:pPr>
             <a:r>
               <a:rPr b="0" lang="en-US" sz="1800" spc="-1" strike="noStrike">
-                <a:latin typeface="Arial"/>
+                <a:solidFill>
+                  <a:srgbClr val="000000"/>
+                </a:solidFill>
+                <a:latin typeface="Arial"/>
+                <a:ea typeface="DejaVu Sans"/>
               </a:rPr>
               <a:t>ツリー１</a:t>
             </a:r>
@@ -10292,9 +10497,18 @@
             </a:endParaRPr>
           </a:p>
           <a:p>
+            <a:pPr>
+              <a:lnSpc>
+                <a:spcPct val="100000"/>
+              </a:lnSpc>
+            </a:pPr>
             <a:r>
               <a:rPr b="0" lang="en-US" sz="1800" spc="-1" strike="noStrike">
-                <a:latin typeface="Arial"/>
+                <a:solidFill>
+                  <a:srgbClr val="000000"/>
+                </a:solidFill>
+                <a:latin typeface="Arial"/>
+                <a:ea typeface="DejaVu Sans"/>
               </a:rPr>
               <a:t>作成者</a:t>
             </a:r>
@@ -10303,9 +10517,18 @@
             </a:endParaRPr>
           </a:p>
           <a:p>
+            <a:pPr>
+              <a:lnSpc>
+                <a:spcPct val="100000"/>
+              </a:lnSpc>
+            </a:pPr>
             <a:r>
               <a:rPr b="0" lang="en-US" sz="1800" spc="-1" strike="noStrike">
-                <a:latin typeface="Arial"/>
+                <a:solidFill>
+                  <a:srgbClr val="000000"/>
+                </a:solidFill>
+                <a:latin typeface="Arial"/>
+                <a:ea typeface="DejaVu Sans"/>
               </a:rPr>
               <a:t>日付</a:t>
             </a:r>
@@ -10314,9 +10537,18 @@
             </a:endParaRPr>
           </a:p>
           <a:p>
+            <a:pPr>
+              <a:lnSpc>
+                <a:spcPct val="100000"/>
+              </a:lnSpc>
+            </a:pPr>
             <a:r>
               <a:rPr b="0" lang="en-US" sz="1800" spc="-1" strike="noStrike">
-                <a:latin typeface="Arial"/>
+                <a:solidFill>
+                  <a:srgbClr val="000000"/>
+                </a:solidFill>
+                <a:latin typeface="Arial"/>
+                <a:ea typeface="DejaVu Sans"/>
               </a:rPr>
               <a:t>コミットメッセージ</a:t>
             </a:r>
@@ -10328,14 +10560,14 @@
       </p:sp>
       <p:sp>
         <p:nvSpPr>
-          <p:cNvPr id="256" name="TextShape 17"/>
-          <p:cNvSpPr txBox="1"/>
+          <p:cNvPr id="256" name="CustomShape 17"/>
+          <p:cNvSpPr/>
           <p:nvPr/>
         </p:nvSpPr>
         <p:spPr>
           <a:xfrm>
             <a:off x="2520000" y="3888000"/>
-            <a:ext cx="1296000" cy="360000"/>
+            <a:ext cx="1295640" cy="363960"/>
           </a:xfrm>
           <a:prstGeom prst="rect">
             <a:avLst/>
@@ -10345,11 +10577,22 @@
             <a:noFill/>
           </a:ln>
         </p:spPr>
+        <p:style>
+          <a:lnRef idx="0"/>
+          <a:fillRef idx="0"/>
+          <a:effectRef idx="0"/>
+          <a:fontRef idx="minor"/>
+        </p:style>
         <p:txBody>
           <a:bodyPr lIns="90000" rIns="90000" tIns="45000" bIns="45000">
             <a:spAutoFit/>
           </a:bodyPr>
           <a:p>
+            <a:pPr>
+              <a:lnSpc>
+                <a:spcPct val="100000"/>
+              </a:lnSpc>
+            </a:pPr>
             <a:r>
               <a:rPr b="0" lang="en-US" sz="1800" spc="-1" strike="noStrike">
                 <a:latin typeface="Arial"/>
@@ -10364,14 +10607,14 @@
       </p:sp>
       <p:sp>
         <p:nvSpPr>
-          <p:cNvPr id="257" name="TextShape 18"/>
-          <p:cNvSpPr txBox="1"/>
+          <p:cNvPr id="257" name="CustomShape 18"/>
+          <p:cNvSpPr/>
           <p:nvPr/>
         </p:nvSpPr>
         <p:spPr>
           <a:xfrm>
             <a:off x="2448000" y="3672000"/>
-            <a:ext cx="432000" cy="360000"/>
+            <a:ext cx="431640" cy="363960"/>
           </a:xfrm>
           <a:prstGeom prst="rect">
             <a:avLst/>
@@ -10381,11 +10624,22 @@
             <a:noFill/>
           </a:ln>
         </p:spPr>
+        <p:style>
+          <a:lnRef idx="0"/>
+          <a:fillRef idx="0"/>
+          <a:effectRef idx="0"/>
+          <a:fontRef idx="minor"/>
+        </p:style>
         <p:txBody>
           <a:bodyPr lIns="90000" rIns="90000" tIns="45000" bIns="45000">
             <a:spAutoFit/>
           </a:bodyPr>
           <a:p>
+            <a:pPr>
+              <a:lnSpc>
+                <a:spcPct val="100000"/>
+              </a:lnSpc>
+            </a:pPr>
             <a:r>
               <a:rPr b="0" lang="en-US" sz="1800" spc="-1" strike="noStrike">
                 <a:latin typeface="Arial"/>
@@ -10400,14 +10654,14 @@
       </p:sp>
       <p:sp>
         <p:nvSpPr>
-          <p:cNvPr id="258" name="TextShape 19"/>
-          <p:cNvSpPr txBox="1"/>
+          <p:cNvPr id="258" name="CustomShape 19"/>
+          <p:cNvSpPr/>
           <p:nvPr/>
         </p:nvSpPr>
         <p:spPr>
           <a:xfrm>
             <a:off x="3312000" y="3168000"/>
-            <a:ext cx="576000" cy="547560"/>
+            <a:ext cx="575640" cy="425520"/>
           </a:xfrm>
           <a:prstGeom prst="rect">
             <a:avLst/>
@@ -10417,11 +10671,22 @@
             <a:noFill/>
           </a:ln>
         </p:spPr>
+        <p:style>
+          <a:lnRef idx="0"/>
+          <a:fillRef idx="0"/>
+          <a:effectRef idx="0"/>
+          <a:fontRef idx="minor"/>
+        </p:style>
         <p:txBody>
           <a:bodyPr lIns="90000" rIns="90000" tIns="45000" bIns="45000">
             <a:spAutoFit/>
           </a:bodyPr>
           <a:p>
+            <a:pPr>
+              <a:lnSpc>
+                <a:spcPct val="100000"/>
+              </a:lnSpc>
+            </a:pPr>
             <a:r>
               <a:rPr b="0" lang="en-US" sz="1800" spc="-1" strike="noStrike">
                 <a:latin typeface="Arial"/>
@@ -10442,14 +10707,14 @@
       </p:sp>
       <p:sp>
         <p:nvSpPr>
-          <p:cNvPr id="259" name="TextShape 20"/>
-          <p:cNvSpPr txBox="1"/>
+          <p:cNvPr id="259" name="CustomShape 20"/>
+          <p:cNvSpPr/>
           <p:nvPr/>
         </p:nvSpPr>
         <p:spPr>
           <a:xfrm>
             <a:off x="6336000" y="3168000"/>
-            <a:ext cx="432000" cy="360000"/>
+            <a:ext cx="431640" cy="363960"/>
           </a:xfrm>
           <a:prstGeom prst="rect">
             <a:avLst/>
@@ -10459,11 +10724,22 @@
             <a:noFill/>
           </a:ln>
         </p:spPr>
+        <p:style>
+          <a:lnRef idx="0"/>
+          <a:fillRef idx="0"/>
+          <a:effectRef idx="0"/>
+          <a:fontRef idx="minor"/>
+        </p:style>
         <p:txBody>
           <a:bodyPr lIns="90000" rIns="90000" tIns="45000" bIns="45000">
             <a:spAutoFit/>
           </a:bodyPr>
           <a:p>
+            <a:pPr>
+              <a:lnSpc>
+                <a:spcPct val="100000"/>
+              </a:lnSpc>
+            </a:pPr>
             <a:r>
               <a:rPr b="0" lang="en-US" sz="1800" spc="-1" strike="noStrike">
                 <a:latin typeface="Arial"/>
@@ -10478,14 +10754,14 @@
       </p:sp>
       <p:sp>
         <p:nvSpPr>
-          <p:cNvPr id="260" name="TextShape 21"/>
-          <p:cNvSpPr txBox="1"/>
+          <p:cNvPr id="260" name="CustomShape 21"/>
+          <p:cNvSpPr/>
           <p:nvPr/>
         </p:nvSpPr>
         <p:spPr>
           <a:xfrm>
             <a:off x="6048000" y="2232000"/>
-            <a:ext cx="576000" cy="597960"/>
+            <a:ext cx="575640" cy="425520"/>
           </a:xfrm>
           <a:prstGeom prst="rect">
             <a:avLst/>
@@ -10495,11 +10771,22 @@
             <a:noFill/>
           </a:ln>
         </p:spPr>
+        <p:style>
+          <a:lnRef idx="0"/>
+          <a:fillRef idx="0"/>
+          <a:effectRef idx="0"/>
+          <a:fontRef idx="minor"/>
+        </p:style>
         <p:txBody>
           <a:bodyPr lIns="90000" rIns="90000" tIns="45000" bIns="45000">
             <a:spAutoFit/>
           </a:bodyPr>
           <a:p>
+            <a:pPr>
+              <a:lnSpc>
+                <a:spcPct val="100000"/>
+              </a:lnSpc>
+            </a:pPr>
             <a:r>
               <a:rPr b="0" lang="en-US" sz="1800" spc="-1" strike="noStrike">
                 <a:latin typeface="Arial"/>
@@ -10527,7 +10814,7 @@
         <p:spPr>
           <a:xfrm>
             <a:off x="7848360" y="1584360"/>
-            <a:ext cx="1511640" cy="503640"/>
+            <a:ext cx="1511280" cy="503280"/>
           </a:xfrm>
           <a:prstGeom prst="rect">
             <a:avLst/>
@@ -10568,6 +10855,1619 @@
               <a:t>コミット１</a:t>
             </a:r>
             <a:endParaRPr b="0" lang="en-US" sz="1800" spc="-1" strike="noStrike">
+              <a:latin typeface="Arial"/>
+            </a:endParaRPr>
+          </a:p>
+        </p:txBody>
+      </p:sp>
+    </p:spTree>
+  </p:cSld>
+  <mc:AlternateContent>
+    <mc:Choice Requires="p14">
+      <p:transition spd="slow" p14:dur="2000"/>
+    </mc:Choice>
+    <mc:Fallback>
+      <p:transition spd="slow"/>
+    </mc:Fallback>
+  </mc:AlternateContent>
+</p:sld>
+</file>
+
+<file path=ppt/slides/slide13.xml><?xml version="1.0" encoding="utf-8"?>
+<p:sld xmlns:a="http://schemas.openxmlformats.org/drawingml/2006/main" xmlns:p="http://schemas.openxmlformats.org/presentationml/2006/main" xmlns:r="http://schemas.openxmlformats.org/officeDocument/2006/relationships" xmlns:p14="http://schemas.microsoft.com/office/powerpoint/2010/main" xmlns:p15="http://schemas.microsoft.com/office/powerpoint/2012/main" xmlns:mc="http://schemas.openxmlformats.org/markup-compatibility/2006">
+  <p:cSld>
+    <p:spTree>
+      <p:nvGrpSpPr>
+        <p:cNvPr id="1" name=""/>
+        <p:cNvGrpSpPr/>
+        <p:nvPr/>
+      </p:nvGrpSpPr>
+      <p:grpSpPr>
+        <a:xfrm>
+          <a:off x="0" y="0"/>
+          <a:ext cx="0" cy="0"/>
+          <a:chOff x="0" y="0"/>
+          <a:chExt cx="0" cy="0"/>
+        </a:xfrm>
+      </p:grpSpPr>
+      <p:sp>
+        <p:nvSpPr>
+          <p:cNvPr id="262" name="CustomShape 1"/>
+          <p:cNvSpPr/>
+          <p:nvPr/>
+        </p:nvSpPr>
+        <p:spPr>
+          <a:xfrm>
+            <a:off x="504000" y="596520"/>
+            <a:ext cx="9071280" cy="670680"/>
+          </a:xfrm>
+          <a:prstGeom prst="rect">
+            <a:avLst/>
+          </a:prstGeom>
+          <a:noFill/>
+          <a:ln>
+            <a:noFill/>
+          </a:ln>
+        </p:spPr>
+        <p:style>
+          <a:lnRef idx="0"/>
+          <a:fillRef idx="0"/>
+          <a:effectRef idx="0"/>
+          <a:fontRef idx="minor"/>
+        </p:style>
+        <p:txBody>
+          <a:bodyPr lIns="0" rIns="0" tIns="0" bIns="0" anchor="ctr">
+            <a:spAutoFit/>
+          </a:bodyPr>
+          <a:p>
+            <a:pPr algn="ctr">
+              <a:lnSpc>
+                <a:spcPct val="100000"/>
+              </a:lnSpc>
+            </a:pPr>
+            <a:r>
+              <a:rPr b="0" lang="en-US" sz="4400" spc="-1" strike="noStrike">
+                <a:solidFill>
+                  <a:srgbClr val="000000"/>
+                </a:solidFill>
+                <a:latin typeface="Arial"/>
+                <a:ea typeface="DejaVu Sans"/>
+              </a:rPr>
+              <a:t>Git</a:t>
+            </a:r>
+            <a:r>
+              <a:rPr b="0" lang="en-US" sz="4400" spc="-1" strike="noStrike">
+                <a:solidFill>
+                  <a:srgbClr val="000000"/>
+                </a:solidFill>
+                <a:latin typeface="Arial"/>
+                <a:ea typeface="DejaVu Sans"/>
+              </a:rPr>
+              <a:t>のデータの持ち方</a:t>
+            </a:r>
+            <a:endParaRPr b="0" lang="en-US" sz="4400" spc="-1" strike="noStrike">
+              <a:latin typeface="Arial"/>
+            </a:endParaRPr>
+          </a:p>
+        </p:txBody>
+      </p:sp>
+      <p:pic>
+        <p:nvPicPr>
+          <p:cNvPr id="263" name="" descr=""/>
+          <p:cNvPicPr/>
+          <p:nvPr/>
+        </p:nvPicPr>
+        <p:blipFill>
+          <a:blip r:embed="rId1"/>
+          <a:stretch/>
+        </p:blipFill>
+        <p:spPr>
+          <a:xfrm>
+            <a:off x="432000" y="1846080"/>
+            <a:ext cx="9215280" cy="4489200"/>
+          </a:xfrm>
+          <a:prstGeom prst="rect">
+            <a:avLst/>
+          </a:prstGeom>
+          <a:ln>
+            <a:noFill/>
+          </a:ln>
+        </p:spPr>
+      </p:pic>
+      <p:sp>
+        <p:nvSpPr>
+          <p:cNvPr id="264" name="CustomShape 2"/>
+          <p:cNvSpPr/>
+          <p:nvPr/>
+        </p:nvSpPr>
+        <p:spPr>
+          <a:xfrm>
+            <a:off x="864000" y="5400000"/>
+            <a:ext cx="647280" cy="791280"/>
+          </a:xfrm>
+          <a:prstGeom prst="flowChartPunchedCard">
+            <a:avLst/>
+          </a:prstGeom>
+          <a:solidFill>
+            <a:srgbClr val="729fcf"/>
+          </a:solidFill>
+          <a:ln>
+            <a:solidFill>
+              <a:srgbClr val="3465a4"/>
+            </a:solidFill>
+          </a:ln>
+        </p:spPr>
+        <p:style>
+          <a:lnRef idx="0"/>
+          <a:fillRef idx="0"/>
+          <a:effectRef idx="0"/>
+          <a:fontRef idx="minor"/>
+        </p:style>
+      </p:sp>
+      <p:sp>
+        <p:nvSpPr>
+          <p:cNvPr id="265" name="CustomShape 3"/>
+          <p:cNvSpPr/>
+          <p:nvPr/>
+        </p:nvSpPr>
+        <p:spPr>
+          <a:xfrm>
+            <a:off x="720000" y="3960000"/>
+            <a:ext cx="863640" cy="431640"/>
+          </a:xfrm>
+          <a:prstGeom prst="can">
+            <a:avLst>
+              <a:gd name="adj" fmla="val 25000"/>
+            </a:avLst>
+          </a:prstGeom>
+          <a:solidFill>
+            <a:srgbClr val="b4c7dc"/>
+          </a:solidFill>
+          <a:ln>
+            <a:solidFill>
+              <a:srgbClr val="3465a4"/>
+            </a:solidFill>
+          </a:ln>
+        </p:spPr>
+        <p:style>
+          <a:lnRef idx="0"/>
+          <a:fillRef idx="0"/>
+          <a:effectRef idx="0"/>
+          <a:fontRef idx="minor"/>
+        </p:style>
+      </p:sp>
+      <p:sp>
+        <p:nvSpPr>
+          <p:cNvPr id="266" name="CustomShape 4"/>
+          <p:cNvSpPr/>
+          <p:nvPr/>
+        </p:nvSpPr>
+        <p:spPr>
+          <a:xfrm>
+            <a:off x="720000" y="2520000"/>
+            <a:ext cx="863640" cy="431640"/>
+          </a:xfrm>
+          <a:prstGeom prst="can">
+            <a:avLst>
+              <a:gd name="adj" fmla="val 25000"/>
+            </a:avLst>
+          </a:prstGeom>
+          <a:solidFill>
+            <a:srgbClr val="729fcf"/>
+          </a:solidFill>
+          <a:ln>
+            <a:solidFill>
+              <a:srgbClr val="3465a4"/>
+            </a:solidFill>
+          </a:ln>
+        </p:spPr>
+        <p:style>
+          <a:lnRef idx="0"/>
+          <a:fillRef idx="0"/>
+          <a:effectRef idx="0"/>
+          <a:fontRef idx="minor"/>
+        </p:style>
+      </p:sp>
+      <p:sp>
+        <p:nvSpPr>
+          <p:cNvPr id="267" name="CustomShape 5"/>
+          <p:cNvSpPr/>
+          <p:nvPr/>
+        </p:nvSpPr>
+        <p:spPr>
+          <a:xfrm>
+            <a:off x="3960000" y="5612040"/>
+            <a:ext cx="1295640" cy="363960"/>
+          </a:xfrm>
+          <a:prstGeom prst="rect">
+            <a:avLst/>
+          </a:prstGeom>
+          <a:noFill/>
+          <a:ln>
+            <a:noFill/>
+          </a:ln>
+        </p:spPr>
+        <p:style>
+          <a:lnRef idx="0"/>
+          <a:fillRef idx="0"/>
+          <a:effectRef idx="0"/>
+          <a:fontRef idx="minor"/>
+        </p:style>
+        <p:txBody>
+          <a:bodyPr lIns="90000" rIns="90000" tIns="45000" bIns="45000">
+            <a:spAutoFit/>
+          </a:bodyPr>
+          <a:p>
+            <a:pPr>
+              <a:lnSpc>
+                <a:spcPct val="100000"/>
+              </a:lnSpc>
+            </a:pPr>
+            <a:r>
+              <a:rPr b="0" lang="en-US" sz="1800" spc="-1" strike="noStrike">
+                <a:latin typeface="Arial"/>
+              </a:rPr>
+              <a:t>Index.html</a:t>
+            </a:r>
+            <a:endParaRPr b="0" lang="en-US" sz="1800" spc="-1" strike="noStrike">
+              <a:latin typeface="Arial"/>
+            </a:endParaRPr>
+          </a:p>
+        </p:txBody>
+      </p:sp>
+      <p:sp>
+        <p:nvSpPr>
+          <p:cNvPr id="268" name="Line 6"/>
+          <p:cNvSpPr/>
+          <p:nvPr/>
+        </p:nvSpPr>
+        <p:spPr>
+          <a:xfrm flipV="1">
+            <a:off x="2520000" y="3096000"/>
+            <a:ext cx="0" cy="2376000"/>
+          </a:xfrm>
+          <a:prstGeom prst="line">
+            <a:avLst/>
+          </a:prstGeom>
+          <a:ln>
+            <a:solidFill>
+              <a:srgbClr val="3465a4"/>
+            </a:solidFill>
+            <a:tailEnd len="med" type="triangle" w="med"/>
+          </a:ln>
+        </p:spPr>
+        <p:style>
+          <a:lnRef idx="0"/>
+          <a:fillRef idx="0"/>
+          <a:effectRef idx="0"/>
+          <a:fontRef idx="minor"/>
+        </p:style>
+      </p:sp>
+      <p:sp>
+        <p:nvSpPr>
+          <p:cNvPr id="269" name="CustomShape 7"/>
+          <p:cNvSpPr/>
+          <p:nvPr/>
+        </p:nvSpPr>
+        <p:spPr>
+          <a:xfrm>
+            <a:off x="1656000" y="2736000"/>
+            <a:ext cx="2088000" cy="360000"/>
+          </a:xfrm>
+          <a:prstGeom prst="rect">
+            <a:avLst/>
+          </a:prstGeom>
+          <a:solidFill>
+            <a:srgbClr val="dee7e5"/>
+          </a:solidFill>
+          <a:ln>
+            <a:solidFill>
+              <a:srgbClr val="3465a4"/>
+            </a:solidFill>
+          </a:ln>
+        </p:spPr>
+        <p:style>
+          <a:lnRef idx="0"/>
+          <a:fillRef idx="0"/>
+          <a:effectRef idx="0"/>
+          <a:fontRef idx="minor"/>
+        </p:style>
+        <p:txBody>
+          <a:bodyPr wrap="none" lIns="90000" rIns="90000" tIns="45000" bIns="45000" anchor="ctr">
+            <a:noAutofit/>
+          </a:bodyPr>
+          <a:p>
+            <a:pPr algn="ctr">
+              <a:lnSpc>
+                <a:spcPct val="100000"/>
+              </a:lnSpc>
+            </a:pPr>
+            <a:r>
+              <a:rPr b="1" lang="en-US" sz="1800" spc="-1" strike="noStrike">
+                <a:solidFill>
+                  <a:srgbClr val="ff0000"/>
+                </a:solidFill>
+                <a:latin typeface="Arial"/>
+                <a:ea typeface="DejaVu Sans"/>
+              </a:rPr>
+              <a:t>Index2.html</a:t>
+            </a:r>
+            <a:r>
+              <a:rPr b="1" lang="en-US" sz="1800" spc="-1" strike="noStrike">
+                <a:solidFill>
+                  <a:srgbClr val="ff0000"/>
+                </a:solidFill>
+                <a:latin typeface="Arial"/>
+                <a:ea typeface="DejaVu Sans"/>
+              </a:rPr>
+              <a:t>の圧縮</a:t>
+            </a:r>
+            <a:endParaRPr b="1" lang="en-US" sz="1800" spc="-1" strike="noStrike">
+              <a:solidFill>
+                <a:srgbClr val="ff0000"/>
+              </a:solidFill>
+              <a:latin typeface="Arial"/>
+            </a:endParaRPr>
+          </a:p>
+        </p:txBody>
+      </p:sp>
+      <p:sp>
+        <p:nvSpPr>
+          <p:cNvPr id="270" name="CustomShape 8"/>
+          <p:cNvSpPr/>
+          <p:nvPr/>
+        </p:nvSpPr>
+        <p:spPr>
+          <a:xfrm>
+            <a:off x="1800000" y="2448000"/>
+            <a:ext cx="1511280" cy="359280"/>
+          </a:xfrm>
+          <a:prstGeom prst="rect">
+            <a:avLst/>
+          </a:prstGeom>
+          <a:solidFill>
+            <a:srgbClr val="729fcf"/>
+          </a:solidFill>
+          <a:ln>
+            <a:solidFill>
+              <a:srgbClr val="3465a4"/>
+            </a:solidFill>
+          </a:ln>
+        </p:spPr>
+        <p:style>
+          <a:lnRef idx="0"/>
+          <a:fillRef idx="0"/>
+          <a:effectRef idx="0"/>
+          <a:fontRef idx="minor"/>
+        </p:style>
+        <p:txBody>
+          <a:bodyPr wrap="none" lIns="90000" rIns="90000" tIns="45000" bIns="45000" anchor="ctr">
+            <a:noAutofit/>
+          </a:bodyPr>
+          <a:p>
+            <a:pPr algn="ctr">
+              <a:lnSpc>
+                <a:spcPct val="100000"/>
+              </a:lnSpc>
+            </a:pPr>
+            <a:r>
+              <a:rPr b="0" lang="en-US" sz="1800" spc="-1" strike="noStrike">
+                <a:solidFill>
+                  <a:srgbClr val="000000"/>
+                </a:solidFill>
+                <a:latin typeface="Arial"/>
+                <a:ea typeface="DejaVu Sans"/>
+              </a:rPr>
+              <a:t>圧縮ファイル</a:t>
+            </a:r>
+            <a:r>
+              <a:rPr b="0" lang="en-US" sz="1800" spc="-1" strike="noStrike">
+                <a:solidFill>
+                  <a:srgbClr val="000000"/>
+                </a:solidFill>
+                <a:latin typeface="Arial"/>
+                <a:ea typeface="DejaVu Sans"/>
+              </a:rPr>
+              <a:t>B</a:t>
+            </a:r>
+            <a:endParaRPr b="0" lang="en-US" sz="1800" spc="-1" strike="noStrike">
+              <a:solidFill>
+                <a:srgbClr val="c9211e"/>
+              </a:solidFill>
+              <a:latin typeface="Arial"/>
+            </a:endParaRPr>
+          </a:p>
+        </p:txBody>
+      </p:sp>
+      <p:sp>
+        <p:nvSpPr>
+          <p:cNvPr id="271" name="CustomShape 9"/>
+          <p:cNvSpPr/>
+          <p:nvPr/>
+        </p:nvSpPr>
+        <p:spPr>
+          <a:xfrm>
+            <a:off x="3960000" y="2592000"/>
+            <a:ext cx="2735640" cy="647640"/>
+          </a:xfrm>
+          <a:prstGeom prst="rect">
+            <a:avLst/>
+          </a:prstGeom>
+          <a:solidFill>
+            <a:srgbClr val="dee7e5"/>
+          </a:solidFill>
+          <a:ln>
+            <a:solidFill>
+              <a:srgbClr val="3465a4"/>
+            </a:solidFill>
+          </a:ln>
+        </p:spPr>
+        <p:style>
+          <a:lnRef idx="0"/>
+          <a:fillRef idx="0"/>
+          <a:effectRef idx="0"/>
+          <a:fontRef idx="minor"/>
+        </p:style>
+        <p:txBody>
+          <a:bodyPr wrap="none" lIns="90000" rIns="90000" tIns="45000" bIns="45000" anchor="ctr">
+            <a:noAutofit/>
+          </a:bodyPr>
+          <a:p>
+            <a:pPr algn="ctr">
+              <a:lnSpc>
+                <a:spcPct val="100000"/>
+              </a:lnSpc>
+            </a:pPr>
+            <a:r>
+              <a:rPr b="0" lang="en-US" sz="1800" spc="-1" strike="noStrike">
+                <a:solidFill>
+                  <a:srgbClr val="000000"/>
+                </a:solidFill>
+                <a:latin typeface="Arial"/>
+                <a:ea typeface="DejaVu Sans"/>
+              </a:rPr>
+              <a:t>Index.html </a:t>
+            </a:r>
+            <a:r>
+              <a:rPr b="0" lang="en-US" sz="1800" spc="-1" strike="noStrike">
+                <a:solidFill>
+                  <a:srgbClr val="000000"/>
+                </a:solidFill>
+                <a:latin typeface="Arial"/>
+                <a:ea typeface="DejaVu Sans"/>
+              </a:rPr>
+              <a:t>圧縮ファイル</a:t>
+            </a:r>
+            <a:r>
+              <a:rPr b="0" lang="en-US" sz="1800" spc="-1" strike="noStrike">
+                <a:solidFill>
+                  <a:srgbClr val="000000"/>
+                </a:solidFill>
+                <a:latin typeface="Arial"/>
+                <a:ea typeface="DejaVu Sans"/>
+              </a:rPr>
+              <a:t>A</a:t>
+            </a:r>
+            <a:endParaRPr b="0" lang="en-US" sz="1800" spc="-1" strike="noStrike">
+              <a:latin typeface="Arial"/>
+            </a:endParaRPr>
+          </a:p>
+          <a:p>
+            <a:pPr algn="ctr">
+              <a:lnSpc>
+                <a:spcPct val="100000"/>
+              </a:lnSpc>
+            </a:pPr>
+            <a:r>
+              <a:rPr b="1" lang="en-US" sz="1800" spc="-1" strike="noStrike">
+                <a:solidFill>
+                  <a:srgbClr val="c9211e"/>
+                </a:solidFill>
+                <a:latin typeface="Arial"/>
+                <a:ea typeface="DejaVu Sans"/>
+              </a:rPr>
+              <a:t>Index2.html </a:t>
+            </a:r>
+            <a:r>
+              <a:rPr b="1" lang="en-US" sz="1800" spc="-1" strike="noStrike">
+                <a:solidFill>
+                  <a:srgbClr val="c9211e"/>
+                </a:solidFill>
+                <a:latin typeface="Arial"/>
+                <a:ea typeface="DejaVu Sans"/>
+              </a:rPr>
+              <a:t>圧縮ファイル</a:t>
+            </a:r>
+            <a:r>
+              <a:rPr b="1" lang="en-US" sz="1800" spc="-1" strike="noStrike">
+                <a:solidFill>
+                  <a:srgbClr val="c9211e"/>
+                </a:solidFill>
+                <a:latin typeface="Arial"/>
+                <a:ea typeface="DejaVu Sans"/>
+              </a:rPr>
+              <a:t>B</a:t>
+            </a:r>
+            <a:endParaRPr b="0" lang="en-US" sz="1800" spc="-1" strike="noStrike">
+              <a:latin typeface="Arial"/>
+            </a:endParaRPr>
+          </a:p>
+        </p:txBody>
+      </p:sp>
+      <p:sp>
+        <p:nvSpPr>
+          <p:cNvPr id="272" name="CustomShape 10"/>
+          <p:cNvSpPr/>
+          <p:nvPr/>
+        </p:nvSpPr>
+        <p:spPr>
+          <a:xfrm>
+            <a:off x="4608720" y="2304720"/>
+            <a:ext cx="1439280" cy="359280"/>
+          </a:xfrm>
+          <a:prstGeom prst="rect">
+            <a:avLst/>
+          </a:prstGeom>
+          <a:solidFill>
+            <a:srgbClr val="729fcf"/>
+          </a:solidFill>
+          <a:ln>
+            <a:solidFill>
+              <a:srgbClr val="3465a4"/>
+            </a:solidFill>
+          </a:ln>
+        </p:spPr>
+        <p:style>
+          <a:lnRef idx="0"/>
+          <a:fillRef idx="0"/>
+          <a:effectRef idx="0"/>
+          <a:fontRef idx="minor"/>
+        </p:style>
+        <p:txBody>
+          <a:bodyPr wrap="none" lIns="90000" rIns="90000" tIns="45000" bIns="45000" anchor="ctr">
+            <a:noAutofit/>
+          </a:bodyPr>
+          <a:p>
+            <a:pPr algn="ctr">
+              <a:lnSpc>
+                <a:spcPct val="100000"/>
+              </a:lnSpc>
+            </a:pPr>
+            <a:r>
+              <a:rPr b="0" lang="en-US" sz="1800" spc="-1" strike="noStrike">
+                <a:solidFill>
+                  <a:srgbClr val="000000"/>
+                </a:solidFill>
+                <a:latin typeface="Arial"/>
+                <a:ea typeface="DejaVu Sans"/>
+              </a:rPr>
+              <a:t>ツリー</a:t>
+            </a:r>
+            <a:r>
+              <a:rPr b="0" lang="en-US" sz="1800" spc="-1" strike="noStrike">
+                <a:solidFill>
+                  <a:srgbClr val="000000"/>
+                </a:solidFill>
+                <a:latin typeface="Arial"/>
+                <a:ea typeface="DejaVu Sans"/>
+              </a:rPr>
+              <a:t>2</a:t>
+            </a:r>
+            <a:endParaRPr b="0" lang="en-US" sz="1800" spc="-1" strike="noStrike">
+              <a:latin typeface="Arial"/>
+            </a:endParaRPr>
+          </a:p>
+        </p:txBody>
+      </p:sp>
+      <p:sp>
+        <p:nvSpPr>
+          <p:cNvPr id="273" name="Line 11"/>
+          <p:cNvSpPr/>
+          <p:nvPr/>
+        </p:nvSpPr>
+        <p:spPr>
+          <a:xfrm>
+            <a:off x="3096000" y="3240000"/>
+            <a:ext cx="720000" cy="504000"/>
+          </a:xfrm>
+          <a:prstGeom prst="line">
+            <a:avLst/>
+          </a:prstGeom>
+          <a:ln>
+            <a:solidFill>
+              <a:srgbClr val="3465a4"/>
+            </a:solidFill>
+            <a:tailEnd len="med" type="triangle" w="med"/>
+          </a:ln>
+        </p:spPr>
+        <p:style>
+          <a:lnRef idx="0"/>
+          <a:fillRef idx="0"/>
+          <a:effectRef idx="0"/>
+          <a:fontRef idx="minor"/>
+        </p:style>
+      </p:sp>
+      <p:sp>
+        <p:nvSpPr>
+          <p:cNvPr id="274" name="CustomShape 12"/>
+          <p:cNvSpPr/>
+          <p:nvPr/>
+        </p:nvSpPr>
+        <p:spPr>
+          <a:xfrm>
+            <a:off x="3672000" y="3960000"/>
+            <a:ext cx="2735640" cy="648000"/>
+          </a:xfrm>
+          <a:prstGeom prst="rect">
+            <a:avLst/>
+          </a:prstGeom>
+          <a:solidFill>
+            <a:srgbClr val="dee7e5"/>
+          </a:solidFill>
+          <a:ln>
+            <a:solidFill>
+              <a:srgbClr val="3465a4"/>
+            </a:solidFill>
+          </a:ln>
+        </p:spPr>
+        <p:style>
+          <a:lnRef idx="0"/>
+          <a:fillRef idx="0"/>
+          <a:effectRef idx="0"/>
+          <a:fontRef idx="minor"/>
+        </p:style>
+        <p:txBody>
+          <a:bodyPr wrap="none" lIns="90000" rIns="90000" tIns="45000" bIns="45000" anchor="ctr">
+            <a:noAutofit/>
+          </a:bodyPr>
+          <a:p>
+            <a:pPr algn="ctr">
+              <a:lnSpc>
+                <a:spcPct val="100000"/>
+              </a:lnSpc>
+            </a:pPr>
+            <a:r>
+              <a:rPr b="0" lang="en-US" sz="1800" spc="-1" strike="noStrike">
+                <a:solidFill>
+                  <a:srgbClr val="000000"/>
+                </a:solidFill>
+                <a:latin typeface="Arial"/>
+                <a:ea typeface="DejaVu Sans"/>
+              </a:rPr>
+              <a:t>Index.html</a:t>
+            </a:r>
+            <a:r>
+              <a:rPr b="0" lang="en-US" sz="1800" spc="-1" strike="noStrike">
+                <a:solidFill>
+                  <a:srgbClr val="000000"/>
+                </a:solidFill>
+                <a:latin typeface="Arial"/>
+                <a:ea typeface="DejaVu Sans"/>
+              </a:rPr>
+              <a:t>　圧縮ファイル</a:t>
+            </a:r>
+            <a:r>
+              <a:rPr b="0" lang="en-US" sz="1800" spc="-1" strike="noStrike">
+                <a:solidFill>
+                  <a:srgbClr val="000000"/>
+                </a:solidFill>
+                <a:latin typeface="Arial"/>
+                <a:ea typeface="DejaVu Sans"/>
+              </a:rPr>
+              <a:t>A</a:t>
+            </a:r>
+            <a:endParaRPr b="0" lang="en-US" sz="1800" spc="-1" strike="noStrike">
+              <a:latin typeface="Arial"/>
+            </a:endParaRPr>
+          </a:p>
+          <a:p>
+            <a:pPr algn="ctr">
+              <a:lnSpc>
+                <a:spcPct val="100000"/>
+              </a:lnSpc>
+            </a:pPr>
+            <a:r>
+              <a:rPr b="0" lang="en-US" sz="1800" spc="-1" strike="noStrike">
+                <a:solidFill>
+                  <a:srgbClr val="c9211e"/>
+                </a:solidFill>
+                <a:latin typeface="Arial"/>
+                <a:ea typeface="DejaVu Sans"/>
+              </a:rPr>
+              <a:t>Index2.html </a:t>
+            </a:r>
+            <a:r>
+              <a:rPr b="0" lang="en-US" sz="1800" spc="-1" strike="noStrike">
+                <a:solidFill>
+                  <a:srgbClr val="c9211e"/>
+                </a:solidFill>
+                <a:latin typeface="Arial"/>
+                <a:ea typeface="DejaVu Sans"/>
+              </a:rPr>
+              <a:t>圧縮ファイル</a:t>
+            </a:r>
+            <a:r>
+              <a:rPr b="0" lang="en-US" sz="1800" spc="-1" strike="noStrike">
+                <a:solidFill>
+                  <a:srgbClr val="c9211e"/>
+                </a:solidFill>
+                <a:latin typeface="Arial"/>
+                <a:ea typeface="DejaVu Sans"/>
+              </a:rPr>
+              <a:t>B</a:t>
+            </a:r>
+            <a:endParaRPr b="0" lang="en-US" sz="1800" spc="-1" strike="noStrike">
+              <a:latin typeface="Arial"/>
+            </a:endParaRPr>
+          </a:p>
+        </p:txBody>
+      </p:sp>
+      <p:sp>
+        <p:nvSpPr>
+          <p:cNvPr id="275" name="CustomShape 13"/>
+          <p:cNvSpPr/>
+          <p:nvPr/>
+        </p:nvSpPr>
+        <p:spPr>
+          <a:xfrm>
+            <a:off x="4320360" y="3600360"/>
+            <a:ext cx="1511280" cy="431640"/>
+          </a:xfrm>
+          <a:prstGeom prst="rect">
+            <a:avLst/>
+          </a:prstGeom>
+          <a:solidFill>
+            <a:srgbClr val="729fcf"/>
+          </a:solidFill>
+          <a:ln>
+            <a:solidFill>
+              <a:srgbClr val="3465a4"/>
+            </a:solidFill>
+          </a:ln>
+        </p:spPr>
+        <p:style>
+          <a:lnRef idx="0"/>
+          <a:fillRef idx="0"/>
+          <a:effectRef idx="0"/>
+          <a:fontRef idx="minor"/>
+        </p:style>
+        <p:txBody>
+          <a:bodyPr wrap="none" lIns="90000" rIns="90000" tIns="45000" bIns="45000" anchor="ctr">
+            <a:noAutofit/>
+          </a:bodyPr>
+          <a:p>
+            <a:pPr algn="ctr">
+              <a:lnSpc>
+                <a:spcPct val="100000"/>
+              </a:lnSpc>
+            </a:pPr>
+            <a:r>
+              <a:rPr b="0" lang="en-US" sz="1800" spc="-1" strike="noStrike">
+                <a:solidFill>
+                  <a:srgbClr val="000000"/>
+                </a:solidFill>
+                <a:latin typeface="Arial"/>
+                <a:ea typeface="DejaVu Sans"/>
+              </a:rPr>
+              <a:t>インデックス</a:t>
+            </a:r>
+            <a:endParaRPr b="0" lang="en-US" sz="1800" spc="-1" strike="noStrike">
+              <a:latin typeface="Arial"/>
+            </a:endParaRPr>
+          </a:p>
+        </p:txBody>
+      </p:sp>
+      <p:sp>
+        <p:nvSpPr>
+          <p:cNvPr id="276" name="Line 14"/>
+          <p:cNvSpPr/>
+          <p:nvPr/>
+        </p:nvSpPr>
+        <p:spPr>
+          <a:xfrm flipV="1">
+            <a:off x="6120000" y="3312000"/>
+            <a:ext cx="0" cy="576000"/>
+          </a:xfrm>
+          <a:prstGeom prst="line">
+            <a:avLst/>
+          </a:prstGeom>
+          <a:ln>
+            <a:solidFill>
+              <a:srgbClr val="3465a4"/>
+            </a:solidFill>
+            <a:tailEnd len="med" type="triangle" w="med"/>
+          </a:ln>
+        </p:spPr>
+        <p:style>
+          <a:lnRef idx="0"/>
+          <a:fillRef idx="0"/>
+          <a:effectRef idx="0"/>
+          <a:fontRef idx="minor"/>
+        </p:style>
+      </p:sp>
+      <p:sp>
+        <p:nvSpPr>
+          <p:cNvPr id="277" name="CustomShape 15"/>
+          <p:cNvSpPr/>
+          <p:nvPr/>
+        </p:nvSpPr>
+        <p:spPr>
+          <a:xfrm>
+            <a:off x="6264000" y="3600000"/>
+            <a:ext cx="1295640" cy="363960"/>
+          </a:xfrm>
+          <a:prstGeom prst="rect">
+            <a:avLst/>
+          </a:prstGeom>
+          <a:noFill/>
+          <a:ln>
+            <a:noFill/>
+          </a:ln>
+        </p:spPr>
+        <p:style>
+          <a:lnRef idx="0"/>
+          <a:fillRef idx="0"/>
+          <a:effectRef idx="0"/>
+          <a:fontRef idx="minor"/>
+        </p:style>
+        <p:txBody>
+          <a:bodyPr lIns="90000" rIns="90000" tIns="45000" bIns="45000">
+            <a:spAutoFit/>
+          </a:bodyPr>
+          <a:p>
+            <a:pPr>
+              <a:lnSpc>
+                <a:spcPct val="100000"/>
+              </a:lnSpc>
+            </a:pPr>
+            <a:r>
+              <a:rPr b="0" lang="en-US" sz="1800" spc="-1" strike="noStrike">
+                <a:latin typeface="Arial"/>
+              </a:rPr>
+              <a:t>Git commit</a:t>
+            </a:r>
+            <a:endParaRPr b="0" lang="en-US" sz="1800" spc="-1" strike="noStrike">
+              <a:latin typeface="Arial"/>
+            </a:endParaRPr>
+          </a:p>
+        </p:txBody>
+      </p:sp>
+      <p:sp>
+        <p:nvSpPr>
+          <p:cNvPr id="278" name="CustomShape 16"/>
+          <p:cNvSpPr/>
+          <p:nvPr/>
+        </p:nvSpPr>
+        <p:spPr>
+          <a:xfrm>
+            <a:off x="6912000" y="1944000"/>
+            <a:ext cx="2448000" cy="1368000"/>
+          </a:xfrm>
+          <a:prstGeom prst="rect">
+            <a:avLst/>
+          </a:prstGeom>
+          <a:solidFill>
+            <a:srgbClr val="dee7e5"/>
+          </a:solidFill>
+          <a:ln>
+            <a:solidFill>
+              <a:srgbClr val="3465a4"/>
+            </a:solidFill>
+          </a:ln>
+        </p:spPr>
+        <p:style>
+          <a:lnRef idx="0"/>
+          <a:fillRef idx="0"/>
+          <a:effectRef idx="0"/>
+          <a:fontRef idx="minor"/>
+        </p:style>
+        <p:txBody>
+          <a:bodyPr wrap="none" lIns="90000" rIns="90000" tIns="45000" bIns="45000" anchor="ctr">
+            <a:noAutofit/>
+          </a:bodyPr>
+          <a:p>
+            <a:pPr>
+              <a:lnSpc>
+                <a:spcPct val="100000"/>
+              </a:lnSpc>
+            </a:pPr>
+            <a:r>
+              <a:rPr b="0" lang="en-US" sz="1800" spc="-1" strike="noStrike">
+                <a:solidFill>
+                  <a:srgbClr val="c9211e"/>
+                </a:solidFill>
+                <a:latin typeface="Arial"/>
+                <a:ea typeface="DejaVu Sans"/>
+              </a:rPr>
+              <a:t>親コミット</a:t>
+            </a:r>
+            <a:r>
+              <a:rPr b="0" lang="en-US" sz="1800" spc="-1" strike="noStrike">
+                <a:solidFill>
+                  <a:srgbClr val="c9211e"/>
+                </a:solidFill>
+                <a:latin typeface="Arial"/>
+                <a:ea typeface="DejaVu Sans"/>
+              </a:rPr>
+              <a:t>1</a:t>
+            </a:r>
+            <a:endParaRPr b="0" lang="en-US" sz="1800" spc="-1" strike="noStrike">
+              <a:latin typeface="Arial"/>
+            </a:endParaRPr>
+          </a:p>
+          <a:p>
+            <a:pPr>
+              <a:lnSpc>
+                <a:spcPct val="100000"/>
+              </a:lnSpc>
+            </a:pPr>
+            <a:r>
+              <a:rPr b="0" lang="en-US" sz="1800" spc="-1" strike="noStrike">
+                <a:solidFill>
+                  <a:srgbClr val="c9211e"/>
+                </a:solidFill>
+                <a:latin typeface="Arial"/>
+                <a:ea typeface="DejaVu Sans"/>
+              </a:rPr>
+              <a:t>ツリー</a:t>
+            </a:r>
+            <a:r>
+              <a:rPr b="0" lang="en-US" sz="1800" spc="-1" strike="noStrike">
+                <a:solidFill>
+                  <a:srgbClr val="c9211e"/>
+                </a:solidFill>
+                <a:latin typeface="Arial"/>
+                <a:ea typeface="DejaVu Sans"/>
+              </a:rPr>
+              <a:t>2</a:t>
+            </a:r>
+            <a:endParaRPr b="0" lang="en-US" sz="1800" spc="-1" strike="noStrike">
+              <a:latin typeface="Arial"/>
+            </a:endParaRPr>
+          </a:p>
+          <a:p>
+            <a:pPr>
+              <a:lnSpc>
+                <a:spcPct val="100000"/>
+              </a:lnSpc>
+            </a:pPr>
+            <a:r>
+              <a:rPr b="0" lang="en-US" sz="1800" spc="-1" strike="noStrike">
+                <a:solidFill>
+                  <a:srgbClr val="000000"/>
+                </a:solidFill>
+                <a:latin typeface="Arial"/>
+                <a:ea typeface="DejaVu Sans"/>
+              </a:rPr>
+              <a:t>作成者</a:t>
+            </a:r>
+            <a:endParaRPr b="0" lang="en-US" sz="1800" spc="-1" strike="noStrike">
+              <a:latin typeface="Arial"/>
+            </a:endParaRPr>
+          </a:p>
+          <a:p>
+            <a:pPr>
+              <a:lnSpc>
+                <a:spcPct val="100000"/>
+              </a:lnSpc>
+            </a:pPr>
+            <a:r>
+              <a:rPr b="0" lang="en-US" sz="1800" spc="-1" strike="noStrike">
+                <a:solidFill>
+                  <a:srgbClr val="000000"/>
+                </a:solidFill>
+                <a:latin typeface="Arial"/>
+                <a:ea typeface="DejaVu Sans"/>
+              </a:rPr>
+              <a:t>日付</a:t>
+            </a:r>
+            <a:endParaRPr b="0" lang="en-US" sz="1800" spc="-1" strike="noStrike">
+              <a:latin typeface="Arial"/>
+            </a:endParaRPr>
+          </a:p>
+          <a:p>
+            <a:pPr>
+              <a:lnSpc>
+                <a:spcPct val="100000"/>
+              </a:lnSpc>
+            </a:pPr>
+            <a:r>
+              <a:rPr b="0" lang="en-US" sz="1800" spc="-1" strike="noStrike">
+                <a:solidFill>
+                  <a:srgbClr val="000000"/>
+                </a:solidFill>
+                <a:latin typeface="Arial"/>
+                <a:ea typeface="DejaVu Sans"/>
+              </a:rPr>
+              <a:t>コミットメッセージ</a:t>
+            </a:r>
+            <a:endParaRPr b="0" lang="en-US" sz="1800" spc="-1" strike="noStrike">
+              <a:latin typeface="Arial"/>
+            </a:endParaRPr>
+          </a:p>
+        </p:txBody>
+      </p:sp>
+      <p:sp>
+        <p:nvSpPr>
+          <p:cNvPr id="279" name="CustomShape 17"/>
+          <p:cNvSpPr/>
+          <p:nvPr/>
+        </p:nvSpPr>
+        <p:spPr>
+          <a:xfrm>
+            <a:off x="2520000" y="3888000"/>
+            <a:ext cx="1295640" cy="363960"/>
+          </a:xfrm>
+          <a:prstGeom prst="rect">
+            <a:avLst/>
+          </a:prstGeom>
+          <a:noFill/>
+          <a:ln>
+            <a:noFill/>
+          </a:ln>
+        </p:spPr>
+        <p:style>
+          <a:lnRef idx="0"/>
+          <a:fillRef idx="0"/>
+          <a:effectRef idx="0"/>
+          <a:fontRef idx="minor"/>
+        </p:style>
+        <p:txBody>
+          <a:bodyPr lIns="90000" rIns="90000" tIns="45000" bIns="45000">
+            <a:spAutoFit/>
+          </a:bodyPr>
+          <a:p>
+            <a:pPr>
+              <a:lnSpc>
+                <a:spcPct val="100000"/>
+              </a:lnSpc>
+            </a:pPr>
+            <a:r>
+              <a:rPr b="0" lang="en-US" sz="1800" spc="-1" strike="noStrike">
+                <a:latin typeface="Arial"/>
+              </a:rPr>
+              <a:t>Git add</a:t>
+            </a:r>
+            <a:endParaRPr b="0" lang="en-US" sz="1800" spc="-1" strike="noStrike">
+              <a:latin typeface="Arial"/>
+            </a:endParaRPr>
+          </a:p>
+        </p:txBody>
+      </p:sp>
+      <p:sp>
+        <p:nvSpPr>
+          <p:cNvPr id="280" name="CustomShape 18"/>
+          <p:cNvSpPr/>
+          <p:nvPr/>
+        </p:nvSpPr>
+        <p:spPr>
+          <a:xfrm>
+            <a:off x="2448000" y="3672000"/>
+            <a:ext cx="431640" cy="363960"/>
+          </a:xfrm>
+          <a:prstGeom prst="rect">
+            <a:avLst/>
+          </a:prstGeom>
+          <a:noFill/>
+          <a:ln>
+            <a:noFill/>
+          </a:ln>
+        </p:spPr>
+        <p:style>
+          <a:lnRef idx="0"/>
+          <a:fillRef idx="0"/>
+          <a:effectRef idx="0"/>
+          <a:fontRef idx="minor"/>
+        </p:style>
+        <p:txBody>
+          <a:bodyPr lIns="90000" rIns="90000" tIns="45000" bIns="45000">
+            <a:spAutoFit/>
+          </a:bodyPr>
+          <a:p>
+            <a:pPr>
+              <a:lnSpc>
+                <a:spcPct val="100000"/>
+              </a:lnSpc>
+            </a:pPr>
+            <a:r>
+              <a:rPr b="0" lang="en-US" sz="1800" spc="-1" strike="noStrike">
+                <a:latin typeface="Arial"/>
+              </a:rPr>
+              <a:t>⓵</a:t>
+            </a:r>
+            <a:endParaRPr b="0" lang="en-US" sz="1800" spc="-1" strike="noStrike">
+              <a:latin typeface="Arial"/>
+            </a:endParaRPr>
+          </a:p>
+        </p:txBody>
+      </p:sp>
+      <p:sp>
+        <p:nvSpPr>
+          <p:cNvPr id="281" name="CustomShape 19"/>
+          <p:cNvSpPr/>
+          <p:nvPr/>
+        </p:nvSpPr>
+        <p:spPr>
+          <a:xfrm>
+            <a:off x="3312000" y="3168000"/>
+            <a:ext cx="575640" cy="425520"/>
+          </a:xfrm>
+          <a:prstGeom prst="rect">
+            <a:avLst/>
+          </a:prstGeom>
+          <a:noFill/>
+          <a:ln>
+            <a:noFill/>
+          </a:ln>
+        </p:spPr>
+        <p:style>
+          <a:lnRef idx="0"/>
+          <a:fillRef idx="0"/>
+          <a:effectRef idx="0"/>
+          <a:fontRef idx="minor"/>
+        </p:style>
+        <p:txBody>
+          <a:bodyPr lIns="90000" rIns="90000" tIns="45000" bIns="45000">
+            <a:spAutoFit/>
+          </a:bodyPr>
+          <a:p>
+            <a:pPr>
+              <a:lnSpc>
+                <a:spcPct val="100000"/>
+              </a:lnSpc>
+            </a:pPr>
+            <a:r>
+              <a:rPr b="0" lang="en-US" sz="1800" spc="-1" strike="noStrike">
+                <a:latin typeface="Arial"/>
+              </a:rPr>
+              <a:t>⓵</a:t>
+            </a:r>
+            <a:r>
+              <a:rPr b="0" lang="en-US" sz="2200" spc="-1" strike="noStrike">
+                <a:latin typeface="Arial"/>
+              </a:rPr>
+              <a:t>’</a:t>
+            </a:r>
+            <a:endParaRPr b="0" lang="en-US" sz="2200" spc="-1" strike="noStrike">
+              <a:latin typeface="Arial"/>
+            </a:endParaRPr>
+          </a:p>
+        </p:txBody>
+      </p:sp>
+      <p:sp>
+        <p:nvSpPr>
+          <p:cNvPr id="282" name="CustomShape 20"/>
+          <p:cNvSpPr/>
+          <p:nvPr/>
+        </p:nvSpPr>
+        <p:spPr>
+          <a:xfrm>
+            <a:off x="6264360" y="3384000"/>
+            <a:ext cx="431640" cy="363960"/>
+          </a:xfrm>
+          <a:prstGeom prst="rect">
+            <a:avLst/>
+          </a:prstGeom>
+          <a:noFill/>
+          <a:ln>
+            <a:noFill/>
+          </a:ln>
+        </p:spPr>
+        <p:style>
+          <a:lnRef idx="0"/>
+          <a:fillRef idx="0"/>
+          <a:effectRef idx="0"/>
+          <a:fontRef idx="minor"/>
+        </p:style>
+        <p:txBody>
+          <a:bodyPr lIns="90000" rIns="90000" tIns="45000" bIns="45000">
+            <a:spAutoFit/>
+          </a:bodyPr>
+          <a:p>
+            <a:pPr>
+              <a:lnSpc>
+                <a:spcPct val="100000"/>
+              </a:lnSpc>
+            </a:pPr>
+            <a:r>
+              <a:rPr b="0" lang="en-US" sz="1800" spc="-1" strike="noStrike">
+                <a:latin typeface="Arial"/>
+              </a:rPr>
+              <a:t>⓶</a:t>
+            </a:r>
+            <a:endParaRPr b="0" lang="en-US" sz="1800" spc="-1" strike="noStrike">
+              <a:latin typeface="Arial"/>
+            </a:endParaRPr>
+          </a:p>
+        </p:txBody>
+      </p:sp>
+      <p:sp>
+        <p:nvSpPr>
+          <p:cNvPr id="283" name="CustomShape 21"/>
+          <p:cNvSpPr/>
+          <p:nvPr/>
+        </p:nvSpPr>
+        <p:spPr>
+          <a:xfrm>
+            <a:off x="6336360" y="2376000"/>
+            <a:ext cx="647640" cy="425520"/>
+          </a:xfrm>
+          <a:prstGeom prst="rect">
+            <a:avLst/>
+          </a:prstGeom>
+          <a:noFill/>
+          <a:ln>
+            <a:noFill/>
+          </a:ln>
+        </p:spPr>
+        <p:style>
+          <a:lnRef idx="0"/>
+          <a:fillRef idx="0"/>
+          <a:effectRef idx="0"/>
+          <a:fontRef idx="minor"/>
+        </p:style>
+        <p:txBody>
+          <a:bodyPr lIns="90000" rIns="90000" tIns="45000" bIns="45000">
+            <a:spAutoFit/>
+          </a:bodyPr>
+          <a:p>
+            <a:pPr>
+              <a:lnSpc>
+                <a:spcPct val="100000"/>
+              </a:lnSpc>
+            </a:pPr>
+            <a:r>
+              <a:rPr b="0" lang="en-US" sz="1800" spc="-1" strike="noStrike">
+                <a:latin typeface="Arial"/>
+              </a:rPr>
+              <a:t>⓶</a:t>
+            </a:r>
+            <a:r>
+              <a:rPr b="0" lang="en-US" sz="2200" spc="-1" strike="noStrike">
+                <a:latin typeface="Arial"/>
+              </a:rPr>
+              <a:t>’</a:t>
+            </a:r>
+            <a:endParaRPr b="0" lang="en-US" sz="2200" spc="-1" strike="noStrike">
+              <a:latin typeface="Arial"/>
+            </a:endParaRPr>
+          </a:p>
+        </p:txBody>
+      </p:sp>
+      <p:sp>
+        <p:nvSpPr>
+          <p:cNvPr id="284" name="CustomShape 22"/>
+          <p:cNvSpPr/>
+          <p:nvPr/>
+        </p:nvSpPr>
+        <p:spPr>
+          <a:xfrm>
+            <a:off x="8064720" y="1584000"/>
+            <a:ext cx="1511280" cy="503280"/>
+          </a:xfrm>
+          <a:prstGeom prst="rect">
+            <a:avLst/>
+          </a:prstGeom>
+          <a:solidFill>
+            <a:srgbClr val="729fcf"/>
+          </a:solidFill>
+          <a:ln>
+            <a:solidFill>
+              <a:srgbClr val="3465a4"/>
+            </a:solidFill>
+          </a:ln>
+        </p:spPr>
+        <p:style>
+          <a:lnRef idx="0"/>
+          <a:fillRef idx="0"/>
+          <a:effectRef idx="0"/>
+          <a:fontRef idx="minor"/>
+        </p:style>
+        <p:txBody>
+          <a:bodyPr wrap="none" lIns="90000" rIns="90000" tIns="45000" bIns="45000" anchor="ctr">
+            <a:noAutofit/>
+          </a:bodyPr>
+          <a:p>
+            <a:pPr algn="ctr">
+              <a:lnSpc>
+                <a:spcPct val="100000"/>
+              </a:lnSpc>
+            </a:pPr>
+            <a:r>
+              <a:rPr b="0" lang="en-US" sz="1800" spc="-1" strike="noStrike">
+                <a:solidFill>
+                  <a:srgbClr val="000000"/>
+                </a:solidFill>
+                <a:latin typeface="Arial"/>
+                <a:ea typeface="DejaVu Sans"/>
+              </a:rPr>
+              <a:t>コミット２</a:t>
+            </a:r>
+            <a:endParaRPr b="0" lang="en-US" sz="1800" spc="-1" strike="noStrike">
+              <a:latin typeface="Arial"/>
+            </a:endParaRPr>
+          </a:p>
+        </p:txBody>
+      </p:sp>
+      <p:sp>
+        <p:nvSpPr>
+          <p:cNvPr id="285" name="CustomShape 23"/>
+          <p:cNvSpPr/>
+          <p:nvPr/>
+        </p:nvSpPr>
+        <p:spPr>
+          <a:xfrm>
+            <a:off x="1872000" y="1881000"/>
+            <a:ext cx="1368000" cy="287280"/>
+          </a:xfrm>
+          <a:prstGeom prst="rect">
+            <a:avLst/>
+          </a:prstGeom>
+          <a:solidFill>
+            <a:srgbClr val="729fcf"/>
+          </a:solidFill>
+          <a:ln>
+            <a:solidFill>
+              <a:srgbClr val="3465a4"/>
+            </a:solidFill>
+          </a:ln>
+        </p:spPr>
+        <p:style>
+          <a:lnRef idx="0"/>
+          <a:fillRef idx="0"/>
+          <a:effectRef idx="0"/>
+          <a:fontRef idx="minor"/>
+        </p:style>
+        <p:txBody>
+          <a:bodyPr wrap="none" lIns="90000" rIns="90000" tIns="45000" bIns="45000" anchor="ctr">
+            <a:noAutofit/>
+          </a:bodyPr>
+          <a:p>
+            <a:pPr algn="ctr">
+              <a:lnSpc>
+                <a:spcPct val="100000"/>
+              </a:lnSpc>
+            </a:pPr>
+            <a:r>
+              <a:rPr b="0" lang="en-US" sz="1800" spc="-1" strike="noStrike">
+                <a:solidFill>
+                  <a:srgbClr val="000000"/>
+                </a:solidFill>
+                <a:latin typeface="Arial"/>
+                <a:ea typeface="DejaVu Sans"/>
+              </a:rPr>
+              <a:t>圧縮ファイル</a:t>
+            </a:r>
+            <a:r>
+              <a:rPr b="0" lang="en-US" sz="1800" spc="-1" strike="noStrike">
+                <a:solidFill>
+                  <a:srgbClr val="000000"/>
+                </a:solidFill>
+                <a:latin typeface="Arial"/>
+                <a:ea typeface="DejaVu Sans"/>
+              </a:rPr>
+              <a:t>A</a:t>
+            </a:r>
+            <a:endParaRPr b="0" lang="en-US" sz="1800" spc="-1" strike="noStrike">
+              <a:latin typeface="Arial"/>
+            </a:endParaRPr>
+          </a:p>
+        </p:txBody>
+      </p:sp>
+      <p:sp>
+        <p:nvSpPr>
+          <p:cNvPr id="286" name="CustomShape 24"/>
+          <p:cNvSpPr/>
+          <p:nvPr/>
+        </p:nvSpPr>
+        <p:spPr>
+          <a:xfrm>
+            <a:off x="3672000" y="1846080"/>
+            <a:ext cx="1368000" cy="287280"/>
+          </a:xfrm>
+          <a:prstGeom prst="rect">
+            <a:avLst/>
+          </a:prstGeom>
+          <a:solidFill>
+            <a:srgbClr val="729fcf"/>
+          </a:solidFill>
+          <a:ln>
+            <a:solidFill>
+              <a:srgbClr val="3465a4"/>
+            </a:solidFill>
+          </a:ln>
+        </p:spPr>
+        <p:style>
+          <a:lnRef idx="0"/>
+          <a:fillRef idx="0"/>
+          <a:effectRef idx="0"/>
+          <a:fontRef idx="minor"/>
+        </p:style>
+        <p:txBody>
+          <a:bodyPr wrap="none" lIns="90000" rIns="90000" tIns="45000" bIns="45000" anchor="ctr">
+            <a:noAutofit/>
+          </a:bodyPr>
+          <a:p>
+            <a:pPr algn="ctr">
+              <a:lnSpc>
+                <a:spcPct val="100000"/>
+              </a:lnSpc>
+            </a:pPr>
+            <a:r>
+              <a:rPr b="0" lang="en-US" sz="1800" spc="-1" strike="noStrike">
+                <a:solidFill>
+                  <a:srgbClr val="000000"/>
+                </a:solidFill>
+                <a:latin typeface="Arial"/>
+                <a:ea typeface="DejaVu Sans"/>
+              </a:rPr>
+              <a:t>ツリー１</a:t>
+            </a:r>
+            <a:endParaRPr b="0" lang="en-US" sz="1800" spc="-1" strike="noStrike">
+              <a:latin typeface="Arial"/>
+            </a:endParaRPr>
+          </a:p>
+        </p:txBody>
+      </p:sp>
+      <p:sp>
+        <p:nvSpPr>
+          <p:cNvPr id="287" name="CustomShape 25"/>
+          <p:cNvSpPr/>
+          <p:nvPr/>
+        </p:nvSpPr>
+        <p:spPr>
+          <a:xfrm>
+            <a:off x="5184000" y="1846080"/>
+            <a:ext cx="1368000" cy="287280"/>
+          </a:xfrm>
+          <a:prstGeom prst="rect">
+            <a:avLst/>
+          </a:prstGeom>
+          <a:solidFill>
+            <a:srgbClr val="729fcf"/>
+          </a:solidFill>
+          <a:ln>
+            <a:solidFill>
+              <a:srgbClr val="3465a4"/>
+            </a:solidFill>
+          </a:ln>
+        </p:spPr>
+        <p:style>
+          <a:lnRef idx="0"/>
+          <a:fillRef idx="0"/>
+          <a:effectRef idx="0"/>
+          <a:fontRef idx="minor"/>
+        </p:style>
+        <p:txBody>
+          <a:bodyPr wrap="none" lIns="90000" rIns="90000" tIns="45000" bIns="45000" anchor="ctr">
+            <a:noAutofit/>
+          </a:bodyPr>
+          <a:p>
+            <a:pPr algn="ctr">
+              <a:lnSpc>
+                <a:spcPct val="100000"/>
+              </a:lnSpc>
+            </a:pPr>
+            <a:r>
+              <a:rPr b="0" lang="en-US" sz="1800" spc="-1" strike="noStrike">
+                <a:solidFill>
+                  <a:srgbClr val="000000"/>
+                </a:solidFill>
+                <a:latin typeface="Arial"/>
+                <a:ea typeface="DejaVu Sans"/>
+              </a:rPr>
+              <a:t>コミット１</a:t>
+            </a:r>
+            <a:endParaRPr b="0" lang="en-US" sz="1800" spc="-1" strike="noStrike">
+              <a:latin typeface="Arial"/>
+            </a:endParaRPr>
+          </a:p>
+        </p:txBody>
+      </p:sp>
+      <p:sp>
+        <p:nvSpPr>
+          <p:cNvPr id="288" name="Line 26"/>
+          <p:cNvSpPr/>
+          <p:nvPr/>
+        </p:nvSpPr>
+        <p:spPr>
+          <a:xfrm flipH="1" flipV="1">
+            <a:off x="6624000" y="2016000"/>
+            <a:ext cx="360000" cy="72000"/>
+          </a:xfrm>
+          <a:prstGeom prst="line">
+            <a:avLst/>
+          </a:prstGeom>
+          <a:ln>
+            <a:solidFill>
+              <a:srgbClr val="3465a4"/>
+            </a:solidFill>
+            <a:tailEnd len="med" type="triangle" w="med"/>
+          </a:ln>
+        </p:spPr>
+        <p:style>
+          <a:lnRef idx="0"/>
+          <a:fillRef idx="0"/>
+          <a:effectRef idx="0"/>
+          <a:fontRef idx="minor"/>
+        </p:style>
+      </p:sp>
+      <p:sp>
+        <p:nvSpPr>
+          <p:cNvPr id="289" name="Line 27"/>
+          <p:cNvSpPr/>
+          <p:nvPr/>
+        </p:nvSpPr>
+        <p:spPr>
+          <a:xfrm flipH="1">
+            <a:off x="6120000" y="2304000"/>
+            <a:ext cx="792000" cy="144000"/>
+          </a:xfrm>
+          <a:prstGeom prst="line">
+            <a:avLst/>
+          </a:prstGeom>
+          <a:ln>
+            <a:solidFill>
+              <a:srgbClr val="3465a4"/>
+            </a:solidFill>
+            <a:tailEnd len="med" type="triangle" w="med"/>
+          </a:ln>
+        </p:spPr>
+        <p:style>
+          <a:lnRef idx="0"/>
+          <a:fillRef idx="0"/>
+          <a:effectRef idx="0"/>
+          <a:fontRef idx="minor"/>
+        </p:style>
+      </p:sp>
+      <p:sp>
+        <p:nvSpPr>
+          <p:cNvPr id="290" name="CustomShape 28"/>
+          <p:cNvSpPr/>
+          <p:nvPr/>
+        </p:nvSpPr>
+        <p:spPr>
+          <a:xfrm>
+            <a:off x="2160000" y="5616000"/>
+            <a:ext cx="1512000" cy="364680"/>
+          </a:xfrm>
+          <a:prstGeom prst="rect">
+            <a:avLst/>
+          </a:prstGeom>
+          <a:noFill/>
+          <a:ln>
+            <a:noFill/>
+          </a:ln>
+        </p:spPr>
+        <p:style>
+          <a:lnRef idx="0"/>
+          <a:fillRef idx="0"/>
+          <a:effectRef idx="0"/>
+          <a:fontRef idx="minor"/>
+        </p:style>
+        <p:txBody>
+          <a:bodyPr lIns="90000" rIns="90000" tIns="45000" bIns="45000">
+            <a:spAutoFit/>
+          </a:bodyPr>
+          <a:p>
+            <a:pPr>
+              <a:lnSpc>
+                <a:spcPct val="100000"/>
+              </a:lnSpc>
+            </a:pPr>
+            <a:r>
+              <a:rPr b="0" lang="en-US" sz="1800" spc="-1" strike="noStrike">
+                <a:solidFill>
+                  <a:srgbClr val="c9211e"/>
+                </a:solidFill>
+                <a:latin typeface="Arial"/>
+              </a:rPr>
+              <a:t>Index2.html</a:t>
+            </a:r>
+            <a:endParaRPr b="0" lang="en-US" sz="1800" spc="-1" strike="noStrike">
+              <a:solidFill>
+                <a:srgbClr val="c9211e"/>
+              </a:solidFill>
               <a:latin typeface="Arial"/>
             </a:endParaRPr>
           </a:p>
@@ -10612,7 +12512,7 @@
         <p:spPr>
           <a:xfrm>
             <a:off x="504000" y="596520"/>
-            <a:ext cx="9071280" cy="670680"/>
+            <a:ext cx="9070920" cy="670320"/>
           </a:xfrm>
           <a:prstGeom prst="rect">
             <a:avLst/>
@@ -10663,7 +12563,7 @@
         <p:spPr>
           <a:xfrm>
             <a:off x="504000" y="1944000"/>
-            <a:ext cx="9071280" cy="4208040"/>
+            <a:ext cx="9070920" cy="4207680"/>
           </a:xfrm>
           <a:prstGeom prst="rect">
             <a:avLst/>
@@ -10684,7 +12584,7 @@
             <a:normAutofit/>
           </a:bodyPr>
           <a:p>
-            <a:pPr marL="432000" indent="-323280">
+            <a:pPr marL="432000" indent="-322920">
               <a:lnSpc>
                 <a:spcPct val="100000"/>
               </a:lnSpc>
@@ -10723,7 +12623,7 @@
             </a:endParaRPr>
           </a:p>
           <a:p>
-            <a:pPr marL="432000" indent="-323280">
+            <a:pPr marL="432000" indent="-322920">
               <a:lnSpc>
                 <a:spcPct val="100000"/>
               </a:lnSpc>
@@ -10762,7 +12662,7 @@
             </a:endParaRPr>
           </a:p>
           <a:p>
-            <a:pPr marL="432000" indent="-323280">
+            <a:pPr marL="432000" indent="-322920">
               <a:lnSpc>
                 <a:spcPct val="100000"/>
               </a:lnSpc>
@@ -10841,7 +12741,7 @@
         <p:spPr>
           <a:xfrm>
             <a:off x="360000" y="360000"/>
-            <a:ext cx="9358560" cy="898560"/>
+            <a:ext cx="9358200" cy="898200"/>
           </a:xfrm>
           <a:prstGeom prst="rect">
             <a:avLst/>
@@ -10902,7 +12802,7 @@
         <p:spPr>
           <a:xfrm>
             <a:off x="360000" y="1980000"/>
-            <a:ext cx="9070560" cy="1042560"/>
+            <a:ext cx="9070200" cy="1042200"/>
           </a:xfrm>
           <a:prstGeom prst="rect">
             <a:avLst/>
@@ -10966,7 +12866,7 @@
         <p:spPr>
           <a:xfrm>
             <a:off x="2088000" y="4032000"/>
-            <a:ext cx="5665680" cy="363960"/>
+            <a:ext cx="5665320" cy="363960"/>
           </a:xfrm>
           <a:prstGeom prst="rect">
             <a:avLst/>
@@ -11047,7 +12947,7 @@
         <p:spPr>
           <a:xfrm>
             <a:off x="360000" y="360000"/>
-            <a:ext cx="9358560" cy="898560"/>
+            <a:ext cx="9358200" cy="898200"/>
           </a:xfrm>
           <a:prstGeom prst="rect">
             <a:avLst/>
@@ -11112,7 +13012,7 @@
         <p:spPr>
           <a:xfrm>
             <a:off x="864000" y="2880000"/>
-            <a:ext cx="4044600" cy="3670560"/>
+            <a:ext cx="4044240" cy="3670200"/>
           </a:xfrm>
           <a:prstGeom prst="rect">
             <a:avLst/>
@@ -11135,7 +13035,7 @@
         <p:spPr>
           <a:xfrm>
             <a:off x="4925160" y="2880000"/>
-            <a:ext cx="4074120" cy="3702960"/>
+            <a:ext cx="4073760" cy="3702600"/>
           </a:xfrm>
           <a:prstGeom prst="rect">
             <a:avLst/>
@@ -11154,7 +13054,7 @@
         <p:spPr>
           <a:xfrm>
             <a:off x="1584000" y="1800000"/>
-            <a:ext cx="6406560" cy="485640"/>
+            <a:ext cx="6406200" cy="485640"/>
           </a:xfrm>
           <a:prstGeom prst="rect">
             <a:avLst/>
@@ -11245,7 +13145,7 @@
         <p:spPr>
           <a:xfrm>
             <a:off x="360000" y="360000"/>
-            <a:ext cx="9358560" cy="898560"/>
+            <a:ext cx="9358200" cy="898200"/>
           </a:xfrm>
           <a:prstGeom prst="rect">
             <a:avLst/>
@@ -11306,7 +13206,7 @@
         <p:spPr>
           <a:xfrm>
             <a:off x="1584000" y="1800000"/>
-            <a:ext cx="6406560" cy="485640"/>
+            <a:ext cx="6406200" cy="485640"/>
           </a:xfrm>
           <a:prstGeom prst="rect">
             <a:avLst/>
@@ -11371,7 +13271,7 @@
         <p:spPr>
           <a:xfrm>
             <a:off x="864000" y="2808000"/>
-            <a:ext cx="4112280" cy="3742920"/>
+            <a:ext cx="4111920" cy="3742560"/>
           </a:xfrm>
           <a:prstGeom prst="rect">
             <a:avLst/>
@@ -11394,7 +13294,7 @@
         <p:spPr>
           <a:xfrm>
             <a:off x="5040000" y="2808000"/>
-            <a:ext cx="4135680" cy="3756240"/>
+            <a:ext cx="4135320" cy="3755880"/>
           </a:xfrm>
           <a:prstGeom prst="rect">
             <a:avLst/>
@@ -11443,7 +13343,7 @@
         <p:spPr>
           <a:xfrm>
             <a:off x="360000" y="360000"/>
-            <a:ext cx="9358560" cy="898560"/>
+            <a:ext cx="9358200" cy="898200"/>
           </a:xfrm>
           <a:prstGeom prst="rect">
             <a:avLst/>
@@ -11504,7 +13404,7 @@
         <p:spPr>
           <a:xfrm>
             <a:off x="360000" y="1980000"/>
-            <a:ext cx="9070560" cy="1042560"/>
+            <a:ext cx="9070200" cy="1042200"/>
           </a:xfrm>
           <a:prstGeom prst="rect">
             <a:avLst/>
@@ -11568,7 +13468,7 @@
         <p:spPr>
           <a:xfrm>
             <a:off x="1080000" y="4176000"/>
-            <a:ext cx="2303280" cy="1511280"/>
+            <a:ext cx="2302920" cy="1510920"/>
           </a:xfrm>
           <a:prstGeom prst="can">
             <a:avLst>
@@ -11625,7 +13525,7 @@
         <p:spPr>
           <a:xfrm>
             <a:off x="1872000" y="3672000"/>
-            <a:ext cx="503280" cy="363960"/>
+            <a:ext cx="502920" cy="363960"/>
           </a:xfrm>
           <a:prstGeom prst="rect">
             <a:avLst/>
@@ -11676,7 +13576,7 @@
         <p:spPr>
           <a:xfrm>
             <a:off x="3456000" y="3600000"/>
-            <a:ext cx="647280" cy="935280"/>
+            <a:ext cx="646920" cy="934920"/>
           </a:xfrm>
           <a:prstGeom prst="smileyFace">
             <a:avLst>
@@ -11708,7 +13608,7 @@
         <p:spPr>
           <a:xfrm>
             <a:off x="4104000" y="4824000"/>
-            <a:ext cx="1943280" cy="359280"/>
+            <a:ext cx="1942920" cy="358920"/>
           </a:xfrm>
           <a:custGeom>
             <a:avLst/>
@@ -11769,7 +13669,7 @@
         <p:spPr>
           <a:xfrm>
             <a:off x="4032000" y="4176000"/>
-            <a:ext cx="2375280" cy="363960"/>
+            <a:ext cx="2374920" cy="363960"/>
           </a:xfrm>
           <a:prstGeom prst="rect">
             <a:avLst/>
@@ -11820,7 +13720,7 @@
         <p:spPr>
           <a:xfrm>
             <a:off x="7056000" y="3888000"/>
-            <a:ext cx="1511280" cy="1799280"/>
+            <a:ext cx="1510920" cy="1798920"/>
           </a:xfrm>
           <a:prstGeom prst="flowChartPunchedCard">
             <a:avLst/>
@@ -11905,7 +13805,7 @@
         <p:spPr>
           <a:xfrm>
             <a:off x="504000" y="596520"/>
-            <a:ext cx="9071280" cy="670680"/>
+            <a:ext cx="9070920" cy="670320"/>
           </a:xfrm>
           <a:prstGeom prst="rect">
             <a:avLst/>
@@ -11970,7 +13870,7 @@
         <p:spPr>
           <a:xfrm>
             <a:off x="503640" y="1947960"/>
-            <a:ext cx="4426200" cy="4024440"/>
+            <a:ext cx="4425840" cy="4024080"/>
           </a:xfrm>
           <a:prstGeom prst="rect">
             <a:avLst/>
@@ -11993,7 +13893,7 @@
         <p:spPr>
           <a:xfrm>
             <a:off x="5152320" y="1950120"/>
-            <a:ext cx="4426200" cy="4020120"/>
+            <a:ext cx="4425840" cy="4019760"/>
           </a:xfrm>
           <a:prstGeom prst="rect">
             <a:avLst/>
@@ -12042,7 +13942,7 @@
         <p:spPr>
           <a:xfrm>
             <a:off x="504000" y="596520"/>
-            <a:ext cx="9071280" cy="670680"/>
+            <a:ext cx="9070920" cy="670320"/>
           </a:xfrm>
           <a:prstGeom prst="rect">
             <a:avLst/>
@@ -12107,7 +14007,7 @@
         <p:spPr>
           <a:xfrm>
             <a:off x="503640" y="1939320"/>
-            <a:ext cx="4426200" cy="4042080"/>
+            <a:ext cx="4425840" cy="4041720"/>
           </a:xfrm>
           <a:prstGeom prst="rect">
             <a:avLst/>
@@ -12130,7 +14030,7 @@
         <p:spPr>
           <a:xfrm>
             <a:off x="5152320" y="1941480"/>
-            <a:ext cx="4426200" cy="4037760"/>
+            <a:ext cx="4425840" cy="4037400"/>
           </a:xfrm>
           <a:prstGeom prst="rect">
             <a:avLst/>
@@ -12179,7 +14079,7 @@
         <p:spPr>
           <a:xfrm>
             <a:off x="504000" y="596520"/>
-            <a:ext cx="9071640" cy="671040"/>
+            <a:ext cx="9071280" cy="670680"/>
           </a:xfrm>
           <a:prstGeom prst="rect">
             <a:avLst/>
@@ -12207,13 +14107,21 @@
             </a:pPr>
             <a:r>
               <a:rPr b="0" lang="en-US" sz="4400" spc="-1" strike="noStrike">
-                <a:latin typeface="Arial"/>
+                <a:solidFill>
+                  <a:srgbClr val="000000"/>
+                </a:solidFill>
+                <a:latin typeface="Arial"/>
+                <a:ea typeface="DejaVu Sans"/>
               </a:rPr>
               <a:t>git</a:t>
             </a:r>
             <a:r>
               <a:rPr b="0" lang="en-US" sz="4400" spc="-1" strike="noStrike">
-                <a:latin typeface="Arial"/>
+                <a:solidFill>
+                  <a:srgbClr val="000000"/>
+                </a:solidFill>
+                <a:latin typeface="Arial"/>
+                <a:ea typeface="DejaVu Sans"/>
               </a:rPr>
               <a:t>のコマンド</a:t>
             </a:r>
@@ -12232,7 +14140,7 @@
         <p:spPr>
           <a:xfrm>
             <a:off x="504000" y="1768680"/>
-            <a:ext cx="8639640" cy="4383720"/>
+            <a:ext cx="8639280" cy="4383360"/>
           </a:xfrm>
           <a:prstGeom prst="rect">
             <a:avLst/>
@@ -12253,7 +14161,7 @@
             <a:normAutofit/>
           </a:bodyPr>
           <a:p>
-            <a:pPr marL="432000" indent="-323640">
+            <a:pPr marL="432000" indent="-323280">
               <a:lnSpc>
                 <a:spcPct val="100000"/>
               </a:lnSpc>
@@ -12269,43 +14177,71 @@
             </a:pPr>
             <a:r>
               <a:rPr b="0" lang="en-US" sz="3200" spc="-1" strike="noStrike">
-                <a:latin typeface="Arial"/>
+                <a:solidFill>
+                  <a:srgbClr val="000000"/>
+                </a:solidFill>
+                <a:latin typeface="Arial"/>
+                <a:ea typeface="DejaVu Sans"/>
               </a:rPr>
               <a:t>Add</a:t>
             </a:r>
             <a:r>
               <a:rPr b="0" lang="en-US" sz="3200" spc="-1" strike="noStrike">
-                <a:latin typeface="Arial"/>
+                <a:solidFill>
+                  <a:srgbClr val="000000"/>
+                </a:solidFill>
+                <a:latin typeface="Arial"/>
+                <a:ea typeface="DejaVu Sans"/>
               </a:rPr>
               <a:t>	</a:t>
             </a:r>
             <a:r>
               <a:rPr b="0" lang="en-US" sz="3200" spc="-1" strike="noStrike">
-                <a:latin typeface="Arial"/>
+                <a:solidFill>
+                  <a:srgbClr val="000000"/>
+                </a:solidFill>
+                <a:latin typeface="Arial"/>
+                <a:ea typeface="DejaVu Sans"/>
               </a:rPr>
               <a:t>	</a:t>
             </a:r>
             <a:r>
               <a:rPr b="0" lang="en-US" sz="3200" spc="-1" strike="noStrike">
-                <a:latin typeface="Arial"/>
+                <a:solidFill>
+                  <a:srgbClr val="000000"/>
+                </a:solidFill>
+                <a:latin typeface="Arial"/>
+                <a:ea typeface="DejaVu Sans"/>
               </a:rPr>
               <a:t>	</a:t>
             </a:r>
             <a:r>
               <a:rPr b="0" lang="en-US" sz="3200" spc="-1" strike="noStrike">
-                <a:latin typeface="Arial"/>
+                <a:solidFill>
+                  <a:srgbClr val="000000"/>
+                </a:solidFill>
+                <a:latin typeface="Arial"/>
+                <a:ea typeface="DejaVu Sans"/>
               </a:rPr>
               <a:t>(</a:t>
             </a:r>
             <a:r>
               <a:rPr b="0" lang="en-US" sz="3200" spc="-1" strike="noStrike">
-                <a:latin typeface="Arial"/>
+                <a:solidFill>
+                  <a:srgbClr val="000000"/>
+                </a:solidFill>
+                <a:latin typeface="Arial"/>
+                <a:ea typeface="DejaVu Sans"/>
               </a:rPr>
               <a:t>アッド</a:t>
             </a:r>
             <a:r>
               <a:rPr b="0" lang="en-US" sz="3200" spc="-1" strike="noStrike">
-                <a:latin typeface="Arial"/>
+                <a:solidFill>
+                  <a:srgbClr val="000000"/>
+                </a:solidFill>
+                <a:latin typeface="Arial"/>
+                <a:ea typeface="DejaVu Sans"/>
               </a:rPr>
               <a:t>)</a:t>
             </a:r>
@@ -12314,7 +14250,7 @@
             </a:endParaRPr>
           </a:p>
           <a:p>
-            <a:pPr marL="432000" indent="-323640">
+            <a:pPr marL="432000" indent="-323280">
               <a:lnSpc>
                 <a:spcPct val="100000"/>
               </a:lnSpc>
@@ -12330,19 +14266,31 @@
             </a:pPr>
             <a:r>
               <a:rPr b="0" lang="en-US" sz="3200" spc="-1" strike="noStrike">
-                <a:latin typeface="Arial"/>
+                <a:solidFill>
+                  <a:srgbClr val="000000"/>
+                </a:solidFill>
+                <a:latin typeface="Arial"/>
+                <a:ea typeface="DejaVu Sans"/>
               </a:rPr>
               <a:t>Commit</a:t>
             </a:r>
             <a:r>
               <a:rPr b="0" lang="en-US" sz="3200" spc="-1" strike="noStrike">
-                <a:latin typeface="Arial"/>
+                <a:solidFill>
+                  <a:srgbClr val="000000"/>
+                </a:solidFill>
+                <a:latin typeface="Arial"/>
+                <a:ea typeface="DejaVu Sans"/>
               </a:rPr>
               <a:t>	</a:t>
             </a:r>
             <a:r>
               <a:rPr b="0" lang="en-US" sz="3200" spc="-1" strike="noStrike">
-                <a:latin typeface="Arial"/>
+                <a:solidFill>
+                  <a:srgbClr val="000000"/>
+                </a:solidFill>
+                <a:latin typeface="Arial"/>
+                <a:ea typeface="DejaVu Sans"/>
               </a:rPr>
               <a:t>（コミット）</a:t>
             </a:r>
@@ -12351,7 +14299,7 @@
             </a:endParaRPr>
           </a:p>
           <a:p>
-            <a:pPr marL="432000" indent="-323640">
+            <a:pPr marL="432000" indent="-323280">
               <a:lnSpc>
                 <a:spcPct val="100000"/>
               </a:lnSpc>
@@ -12367,25 +14315,41 @@
             </a:pPr>
             <a:r>
               <a:rPr b="0" lang="en-US" sz="3200" spc="-1" strike="noStrike">
-                <a:latin typeface="Arial"/>
+                <a:solidFill>
+                  <a:srgbClr val="000000"/>
+                </a:solidFill>
+                <a:latin typeface="Arial"/>
+                <a:ea typeface="DejaVu Sans"/>
               </a:rPr>
               <a:t>Push</a:t>
             </a:r>
             <a:r>
               <a:rPr b="0" lang="en-US" sz="3200" spc="-1" strike="noStrike">
-                <a:latin typeface="Arial"/>
+                <a:solidFill>
+                  <a:srgbClr val="000000"/>
+                </a:solidFill>
+                <a:latin typeface="Arial"/>
+                <a:ea typeface="DejaVu Sans"/>
               </a:rPr>
               <a:t>	</a:t>
             </a:r>
             <a:r>
               <a:rPr b="0" lang="en-US" sz="3200" spc="-1" strike="noStrike">
-                <a:latin typeface="Arial"/>
+                <a:solidFill>
+                  <a:srgbClr val="000000"/>
+                </a:solidFill>
+                <a:latin typeface="Arial"/>
+                <a:ea typeface="DejaVu Sans"/>
               </a:rPr>
               <a:t>	</a:t>
             </a:r>
             <a:r>
               <a:rPr b="0" lang="en-US" sz="3200" spc="-1" strike="noStrike">
-                <a:latin typeface="Arial"/>
+                <a:solidFill>
+                  <a:srgbClr val="000000"/>
+                </a:solidFill>
+                <a:latin typeface="Arial"/>
+                <a:ea typeface="DejaVu Sans"/>
               </a:rPr>
               <a:t>（プッシュ）</a:t>
             </a:r>
@@ -12394,7 +14358,7 @@
             </a:endParaRPr>
           </a:p>
           <a:p>
-            <a:pPr marL="432000" indent="-323640">
+            <a:pPr marL="432000" indent="-323280">
               <a:lnSpc>
                 <a:spcPct val="100000"/>
               </a:lnSpc>
@@ -12410,25 +14374,41 @@
             </a:pPr>
             <a:r>
               <a:rPr b="0" lang="en-US" sz="3200" spc="-1" strike="noStrike">
-                <a:latin typeface="Arial"/>
+                <a:solidFill>
+                  <a:srgbClr val="000000"/>
+                </a:solidFill>
+                <a:latin typeface="Arial"/>
+                <a:ea typeface="DejaVu Sans"/>
               </a:rPr>
               <a:t>Fetch</a:t>
             </a:r>
             <a:r>
               <a:rPr b="0" lang="en-US" sz="3200" spc="-1" strike="noStrike">
-                <a:latin typeface="Arial"/>
+                <a:solidFill>
+                  <a:srgbClr val="000000"/>
+                </a:solidFill>
+                <a:latin typeface="Arial"/>
+                <a:ea typeface="DejaVu Sans"/>
               </a:rPr>
               <a:t>	</a:t>
             </a:r>
             <a:r>
               <a:rPr b="0" lang="en-US" sz="3200" spc="-1" strike="noStrike">
-                <a:latin typeface="Arial"/>
+                <a:solidFill>
+                  <a:srgbClr val="000000"/>
+                </a:solidFill>
+                <a:latin typeface="Arial"/>
+                <a:ea typeface="DejaVu Sans"/>
               </a:rPr>
               <a:t>	</a:t>
             </a:r>
             <a:r>
               <a:rPr b="0" lang="en-US" sz="3200" spc="-1" strike="noStrike">
-                <a:latin typeface="Arial"/>
+                <a:solidFill>
+                  <a:srgbClr val="000000"/>
+                </a:solidFill>
+                <a:latin typeface="Arial"/>
+                <a:ea typeface="DejaVu Sans"/>
               </a:rPr>
               <a:t>（フェッチ）</a:t>
             </a:r>
@@ -12437,7 +14417,7 @@
             </a:endParaRPr>
           </a:p>
           <a:p>
-            <a:pPr marL="432000" indent="-323640">
+            <a:pPr marL="432000" indent="-323280">
               <a:lnSpc>
                 <a:spcPct val="100000"/>
               </a:lnSpc>
@@ -12453,25 +14433,41 @@
             </a:pPr>
             <a:r>
               <a:rPr b="0" lang="en-US" sz="3200" spc="-1" strike="noStrike">
-                <a:latin typeface="Arial"/>
+                <a:solidFill>
+                  <a:srgbClr val="000000"/>
+                </a:solidFill>
+                <a:latin typeface="Arial"/>
+                <a:ea typeface="DejaVu Sans"/>
               </a:rPr>
               <a:t>Merge</a:t>
             </a:r>
             <a:r>
               <a:rPr b="0" lang="en-US" sz="3200" spc="-1" strike="noStrike">
-                <a:latin typeface="Arial"/>
+                <a:solidFill>
+                  <a:srgbClr val="000000"/>
+                </a:solidFill>
+                <a:latin typeface="Arial"/>
+                <a:ea typeface="DejaVu Sans"/>
               </a:rPr>
               <a:t>	</a:t>
             </a:r>
             <a:r>
               <a:rPr b="0" lang="en-US" sz="3200" spc="-1" strike="noStrike">
-                <a:latin typeface="Arial"/>
+                <a:solidFill>
+                  <a:srgbClr val="000000"/>
+                </a:solidFill>
+                <a:latin typeface="Arial"/>
+                <a:ea typeface="DejaVu Sans"/>
               </a:rPr>
               <a:t>	</a:t>
             </a:r>
             <a:r>
               <a:rPr b="0" lang="en-US" sz="3200" spc="-1" strike="noStrike">
-                <a:latin typeface="Arial"/>
+                <a:solidFill>
+                  <a:srgbClr val="000000"/>
+                </a:solidFill>
+                <a:latin typeface="Arial"/>
+                <a:ea typeface="DejaVu Sans"/>
               </a:rPr>
               <a:t>（マージ）</a:t>
             </a:r>
@@ -12480,7 +14476,7 @@
             </a:endParaRPr>
           </a:p>
           <a:p>
-            <a:pPr marL="432000" indent="-323640">
+            <a:pPr marL="432000" indent="-323280">
               <a:lnSpc>
                 <a:spcPct val="100000"/>
               </a:lnSpc>
@@ -12500,6 +14496,7 @@
                   <a:srgbClr val="808080"/>
                 </a:solidFill>
                 <a:latin typeface="Arial"/>
+                <a:ea typeface="DejaVu Sans"/>
               </a:rPr>
               <a:t>stash</a:t>
             </a:r>
@@ -12509,6 +14506,7 @@
                   <a:srgbClr val="808080"/>
                 </a:solidFill>
                 <a:latin typeface="Arial"/>
+                <a:ea typeface="DejaVu Sans"/>
               </a:rPr>
               <a:t>	</a:t>
             </a:r>
@@ -12518,6 +14516,7 @@
                   <a:srgbClr val="808080"/>
                 </a:solidFill>
                 <a:latin typeface="Arial"/>
+                <a:ea typeface="DejaVu Sans"/>
               </a:rPr>
               <a:t>	</a:t>
             </a:r>
@@ -12527,6 +14526,7 @@
                   <a:srgbClr val="808080"/>
                 </a:solidFill>
                 <a:latin typeface="Arial"/>
+                <a:ea typeface="DejaVu Sans"/>
               </a:rPr>
               <a:t>（スタッシュ）</a:t>
             </a:r>

--- a/資料/発表資料.pptx
+++ b/資料/発表資料.pptx
@@ -24,6 +24,8 @@
     <p:sldId id="266" r:id="rId17"/>
     <p:sldId id="267" r:id="rId18"/>
     <p:sldId id="268" r:id="rId19"/>
+    <p:sldId id="269" r:id="rId20"/>
+    <p:sldId id="270" r:id="rId21"/>
   </p:sldIdLst>
   <p:sldSz cx="10080625" cy="7559675"/>
   <p:notesSz cx="7559675" cy="10691812"/>
@@ -254,7 +256,7 @@
           </a:bodyPr>
           <a:p>
             <a:pPr algn="r"/>
-            <a:fld id="{2A41829B-F29D-4032-AC6B-AA9F008CA335}" type="slidenum">
+            <a:fld id="{7666F1A1-2FB3-4586-AEC5-A45057453E6E}" type="slidenum">
               <a:rPr b="0" lang="en-US" sz="1400" spc="-1" strike="noStrike">
                 <a:latin typeface="Times New Roman"/>
               </a:rPr>
@@ -291,7 +293,7 @@
       </p:grpSpPr>
       <p:sp>
         <p:nvSpPr>
-          <p:cNvPr id="291" name="PlaceHolder 1"/>
+          <p:cNvPr id="327" name="PlaceHolder 1"/>
           <p:cNvSpPr>
             <a:spLocks noGrp="1"/>
           </p:cNvSpPr>
@@ -302,16 +304,16 @@
         <p:spPr>
           <a:xfrm>
             <a:off x="1107000" y="812520"/>
-            <a:ext cx="5343480" cy="4007160"/>
-          </a:xfrm>
-          <a:prstGeom prst="rect">
-            <a:avLst/>
-          </a:prstGeom>
-        </p:spPr>
-      </p:sp>
-      <p:sp>
-        <p:nvSpPr>
-          <p:cNvPr id="292" name="PlaceHolder 2"/>
+            <a:ext cx="5343120" cy="4006800"/>
+          </a:xfrm>
+          <a:prstGeom prst="rect">
+            <a:avLst/>
+          </a:prstGeom>
+        </p:spPr>
+      </p:sp>
+      <p:sp>
+        <p:nvSpPr>
+          <p:cNvPr id="328" name="PlaceHolder 2"/>
           <p:cNvSpPr>
             <a:spLocks noGrp="1"/>
           </p:cNvSpPr>
@@ -322,7 +324,7 @@
         <p:spPr>
           <a:xfrm>
             <a:off x="756000" y="5078520"/>
-            <a:ext cx="6045840" cy="4811040"/>
+            <a:ext cx="6045480" cy="4811040"/>
           </a:xfrm>
           <a:prstGeom prst="rect">
             <a:avLst/>
@@ -333,7 +335,7 @@
             <a:spAutoFit/>
           </a:bodyPr>
           <a:p>
-            <a:pPr marL="216000" indent="-214560">
+            <a:pPr marL="216000" indent="-214200">
               <a:lnSpc>
                 <a:spcPct val="100000"/>
               </a:lnSpc>
@@ -349,7 +351,7 @@
             </a:endParaRPr>
           </a:p>
           <a:p>
-            <a:pPr marL="216000" indent="-214560">
+            <a:pPr marL="216000" indent="-214200">
               <a:lnSpc>
                 <a:spcPct val="100000"/>
               </a:lnSpc>
@@ -359,7 +361,7 @@
             </a:endParaRPr>
           </a:p>
           <a:p>
-            <a:pPr marL="216000" indent="-214560">
+            <a:pPr marL="216000" indent="-214200">
               <a:lnSpc>
                 <a:spcPct val="100000"/>
               </a:lnSpc>
@@ -375,7 +377,7 @@
             </a:endParaRPr>
           </a:p>
           <a:p>
-            <a:pPr marL="216000" indent="-214560">
+            <a:pPr marL="216000" indent="-214200">
               <a:lnSpc>
                 <a:spcPct val="100000"/>
               </a:lnSpc>
@@ -409,7 +411,7 @@
             </a:endParaRPr>
           </a:p>
           <a:p>
-            <a:pPr marL="216000" indent="-214560">
+            <a:pPr marL="216000" indent="-214200">
               <a:lnSpc>
                 <a:spcPct val="100000"/>
               </a:lnSpc>
@@ -444,7 +446,7 @@
       </p:grpSpPr>
       <p:sp>
         <p:nvSpPr>
-          <p:cNvPr id="293" name="PlaceHolder 1"/>
+          <p:cNvPr id="329" name="PlaceHolder 1"/>
           <p:cNvSpPr>
             <a:spLocks noGrp="1"/>
           </p:cNvSpPr>
@@ -455,16 +457,16 @@
         <p:spPr>
           <a:xfrm>
             <a:off x="1107000" y="812520"/>
-            <a:ext cx="5343480" cy="4007160"/>
-          </a:xfrm>
-          <a:prstGeom prst="rect">
-            <a:avLst/>
-          </a:prstGeom>
-        </p:spPr>
-      </p:sp>
-      <p:sp>
-        <p:nvSpPr>
-          <p:cNvPr id="294" name="PlaceHolder 2"/>
+            <a:ext cx="5343120" cy="4006800"/>
+          </a:xfrm>
+          <a:prstGeom prst="rect">
+            <a:avLst/>
+          </a:prstGeom>
+        </p:spPr>
+      </p:sp>
+      <p:sp>
+        <p:nvSpPr>
+          <p:cNvPr id="330" name="PlaceHolder 2"/>
           <p:cNvSpPr>
             <a:spLocks noGrp="1"/>
           </p:cNvSpPr>
@@ -475,7 +477,7 @@
         <p:spPr>
           <a:xfrm>
             <a:off x="756000" y="5078520"/>
-            <a:ext cx="6045840" cy="4811040"/>
+            <a:ext cx="6045480" cy="4811040"/>
           </a:xfrm>
           <a:prstGeom prst="rect">
             <a:avLst/>
@@ -486,7 +488,7 @@
             <a:spAutoFit/>
           </a:bodyPr>
           <a:p>
-            <a:pPr marL="216000" indent="-214560">
+            <a:pPr marL="216000" indent="-214200">
               <a:lnSpc>
                 <a:spcPct val="100000"/>
               </a:lnSpc>
@@ -502,7 +504,7 @@
             </a:endParaRPr>
           </a:p>
           <a:p>
-            <a:pPr marL="216000" indent="-214560">
+            <a:pPr marL="216000" indent="-214200">
               <a:lnSpc>
                 <a:spcPct val="100000"/>
               </a:lnSpc>
@@ -512,7 +514,7 @@
             </a:endParaRPr>
           </a:p>
           <a:p>
-            <a:pPr marL="216000" indent="-214560">
+            <a:pPr marL="216000" indent="-214200">
               <a:lnSpc>
                 <a:spcPct val="100000"/>
               </a:lnSpc>
@@ -528,7 +530,7 @@
             </a:endParaRPr>
           </a:p>
           <a:p>
-            <a:pPr marL="216000" indent="-214560">
+            <a:pPr marL="216000" indent="-214200">
               <a:lnSpc>
                 <a:spcPct val="100000"/>
               </a:lnSpc>
@@ -562,7 +564,7 @@
             </a:endParaRPr>
           </a:p>
           <a:p>
-            <a:pPr marL="216000" indent="-214560">
+            <a:pPr marL="216000" indent="-214200">
               <a:lnSpc>
                 <a:spcPct val="100000"/>
               </a:lnSpc>
@@ -630,7 +632,7 @@
         <p:spPr>
           <a:xfrm>
             <a:off x="504000" y="261720"/>
-            <a:ext cx="9071280" cy="1341000"/>
+            <a:ext cx="9070920" cy="1341000"/>
           </a:xfrm>
           <a:prstGeom prst="rect">
             <a:avLst/>
@@ -661,7 +663,7 @@
         <p:spPr>
           <a:xfrm>
             <a:off x="504000" y="1768680"/>
-            <a:ext cx="2159640" cy="2090520"/>
+            <a:ext cx="1053360" cy="2090520"/>
           </a:xfrm>
           <a:prstGeom prst="rect">
             <a:avLst/>
@@ -669,7 +671,7 @@
         </p:spPr>
         <p:txBody>
           <a:bodyPr lIns="0" rIns="0" tIns="0" bIns="0">
-            <a:normAutofit/>
+            <a:normAutofit fontScale="27000"/>
           </a:bodyPr>
           <a:p>
             <a:endParaRPr b="0" lang="en-US" sz="3200" spc="-1" strike="noStrike">
@@ -691,7 +693,7 @@
         <p:spPr>
           <a:xfrm>
             <a:off x="504000" y="4058280"/>
-            <a:ext cx="2159640" cy="2090520"/>
+            <a:ext cx="1053360" cy="2090520"/>
           </a:xfrm>
           <a:prstGeom prst="rect">
             <a:avLst/>
@@ -699,7 +701,7 @@
         </p:spPr>
         <p:txBody>
           <a:bodyPr lIns="0" rIns="0" tIns="0" bIns="0">
-            <a:normAutofit/>
+            <a:normAutofit fontScale="27000"/>
           </a:bodyPr>
           <a:p>
             <a:endParaRPr b="0" lang="en-US" sz="3200" spc="-1" strike="noStrike">
@@ -743,7 +745,7 @@
         <p:spPr>
           <a:xfrm>
             <a:off x="504000" y="261720"/>
-            <a:ext cx="9071280" cy="1341000"/>
+            <a:ext cx="9070920" cy="1341000"/>
           </a:xfrm>
           <a:prstGeom prst="rect">
             <a:avLst/>
@@ -774,7 +776,7 @@
         <p:spPr>
           <a:xfrm>
             <a:off x="504000" y="1768680"/>
-            <a:ext cx="1053720" cy="2090520"/>
+            <a:ext cx="513720" cy="2090520"/>
           </a:xfrm>
           <a:prstGeom prst="rect">
             <a:avLst/>
@@ -782,7 +784,7 @@
         </p:spPr>
         <p:txBody>
           <a:bodyPr lIns="0" rIns="0" tIns="0" bIns="0">
-            <a:normAutofit fontScale="27000"/>
+            <a:normAutofit fontScale="24000"/>
           </a:bodyPr>
           <a:p>
             <a:endParaRPr b="0" lang="en-US" sz="3200" spc="-1" strike="noStrike">
@@ -803,8 +805,8 @@
         </p:nvSpPr>
         <p:spPr>
           <a:xfrm>
-            <a:off x="1610640" y="1768680"/>
-            <a:ext cx="1053720" cy="2090520"/>
+            <a:off x="1043640" y="1768680"/>
+            <a:ext cx="513720" cy="2090520"/>
           </a:xfrm>
           <a:prstGeom prst="rect">
             <a:avLst/>
@@ -812,7 +814,7 @@
         </p:spPr>
         <p:txBody>
           <a:bodyPr lIns="0" rIns="0" tIns="0" bIns="0">
-            <a:normAutofit fontScale="27000"/>
+            <a:normAutofit fontScale="24000"/>
           </a:bodyPr>
           <a:p>
             <a:endParaRPr b="0" lang="en-US" sz="3200" spc="-1" strike="noStrike">
@@ -834,7 +836,7 @@
         <p:spPr>
           <a:xfrm>
             <a:off x="504000" y="4058280"/>
-            <a:ext cx="1053720" cy="2090520"/>
+            <a:ext cx="513720" cy="2090520"/>
           </a:xfrm>
           <a:prstGeom prst="rect">
             <a:avLst/>
@@ -842,7 +844,7 @@
         </p:spPr>
         <p:txBody>
           <a:bodyPr lIns="0" rIns="0" tIns="0" bIns="0">
-            <a:normAutofit fontScale="27000"/>
+            <a:normAutofit fontScale="24000"/>
           </a:bodyPr>
           <a:p>
             <a:endParaRPr b="0" lang="en-US" sz="3200" spc="-1" strike="noStrike">
@@ -863,8 +865,8 @@
         </p:nvSpPr>
         <p:spPr>
           <a:xfrm>
-            <a:off x="1610640" y="4058280"/>
-            <a:ext cx="1053720" cy="2090520"/>
+            <a:off x="1043640" y="4058280"/>
+            <a:ext cx="513720" cy="2090520"/>
           </a:xfrm>
           <a:prstGeom prst="rect">
             <a:avLst/>
@@ -872,7 +874,7 @@
         </p:spPr>
         <p:txBody>
           <a:bodyPr lIns="0" rIns="0" tIns="0" bIns="0">
-            <a:normAutofit fontScale="27000"/>
+            <a:normAutofit fontScale="24000"/>
           </a:bodyPr>
           <a:p>
             <a:endParaRPr b="0" lang="en-US" sz="3200" spc="-1" strike="noStrike">
@@ -916,7 +918,7 @@
         <p:spPr>
           <a:xfrm>
             <a:off x="504000" y="261720"/>
-            <a:ext cx="9071280" cy="1341000"/>
+            <a:ext cx="9070920" cy="1341000"/>
           </a:xfrm>
           <a:prstGeom prst="rect">
             <a:avLst/>
@@ -947,7 +949,7 @@
         <p:spPr>
           <a:xfrm>
             <a:off x="504000" y="1768680"/>
-            <a:ext cx="695160" cy="2090520"/>
+            <a:ext cx="338760" cy="2090520"/>
           </a:xfrm>
           <a:prstGeom prst="rect">
             <a:avLst/>
@@ -976,8 +978,8 @@
         </p:nvSpPr>
         <p:spPr>
           <a:xfrm>
-            <a:off x="1234440" y="1768680"/>
-            <a:ext cx="695160" cy="2090520"/>
+            <a:off x="860040" y="1768680"/>
+            <a:ext cx="338760" cy="2090520"/>
           </a:xfrm>
           <a:prstGeom prst="rect">
             <a:avLst/>
@@ -1006,8 +1008,8 @@
         </p:nvSpPr>
         <p:spPr>
           <a:xfrm>
-            <a:off x="1964520" y="1768680"/>
-            <a:ext cx="695160" cy="2090520"/>
+            <a:off x="1216080" y="1768680"/>
+            <a:ext cx="338760" cy="2090520"/>
           </a:xfrm>
           <a:prstGeom prst="rect">
             <a:avLst/>
@@ -1037,7 +1039,7 @@
         <p:spPr>
           <a:xfrm>
             <a:off x="504000" y="4058280"/>
-            <a:ext cx="695160" cy="2090520"/>
+            <a:ext cx="338760" cy="2090520"/>
           </a:xfrm>
           <a:prstGeom prst="rect">
             <a:avLst/>
@@ -1066,8 +1068,8 @@
         </p:nvSpPr>
         <p:spPr>
           <a:xfrm>
-            <a:off x="1234440" y="4058280"/>
-            <a:ext cx="695160" cy="2090520"/>
+            <a:off x="860040" y="4058280"/>
+            <a:ext cx="338760" cy="2090520"/>
           </a:xfrm>
           <a:prstGeom prst="rect">
             <a:avLst/>
@@ -1096,8 +1098,8 @@
         </p:nvSpPr>
         <p:spPr>
           <a:xfrm>
-            <a:off x="1964520" y="4058280"/>
-            <a:ext cx="695160" cy="2090520"/>
+            <a:off x="1216080" y="4058280"/>
+            <a:ext cx="338760" cy="2090520"/>
           </a:xfrm>
           <a:prstGeom prst="rect">
             <a:avLst/>
@@ -1171,7 +1173,7 @@
         <p:spPr>
           <a:xfrm>
             <a:off x="504000" y="261720"/>
-            <a:ext cx="9071280" cy="1341000"/>
+            <a:ext cx="9070920" cy="1341000"/>
           </a:xfrm>
           <a:prstGeom prst="rect">
             <a:avLst/>
@@ -1202,7 +1204,7 @@
         <p:spPr>
           <a:xfrm>
             <a:off x="504000" y="1768680"/>
-            <a:ext cx="2159640" cy="4383360"/>
+            <a:ext cx="1053360" cy="4383000"/>
           </a:xfrm>
           <a:prstGeom prst="rect">
             <a:avLst/>
@@ -1255,7 +1257,7 @@
         <p:spPr>
           <a:xfrm>
             <a:off x="504000" y="261720"/>
-            <a:ext cx="9071280" cy="1341000"/>
+            <a:ext cx="9070920" cy="1341000"/>
           </a:xfrm>
           <a:prstGeom prst="rect">
             <a:avLst/>
@@ -1286,7 +1288,7 @@
         <p:spPr>
           <a:xfrm>
             <a:off x="504000" y="1768680"/>
-            <a:ext cx="2159640" cy="4383360"/>
+            <a:ext cx="1053360" cy="4383000"/>
           </a:xfrm>
           <a:prstGeom prst="rect">
             <a:avLst/>
@@ -1294,7 +1296,7 @@
         </p:spPr>
         <p:txBody>
           <a:bodyPr lIns="0" rIns="0" tIns="0" bIns="0">
-            <a:normAutofit/>
+            <a:normAutofit fontScale="84000"/>
           </a:bodyPr>
           <a:p>
             <a:endParaRPr b="0" lang="en-US" sz="3200" spc="-1" strike="noStrike">
@@ -1338,7 +1340,7 @@
         <p:spPr>
           <a:xfrm>
             <a:off x="504000" y="261720"/>
-            <a:ext cx="9071280" cy="1341000"/>
+            <a:ext cx="9070920" cy="1341000"/>
           </a:xfrm>
           <a:prstGeom prst="rect">
             <a:avLst/>
@@ -1369,7 +1371,7 @@
         <p:spPr>
           <a:xfrm>
             <a:off x="504000" y="1768680"/>
-            <a:ext cx="1053720" cy="4383360"/>
+            <a:ext cx="513720" cy="4383000"/>
           </a:xfrm>
           <a:prstGeom prst="rect">
             <a:avLst/>
@@ -1377,7 +1379,7 @@
         </p:spPr>
         <p:txBody>
           <a:bodyPr lIns="0" rIns="0" tIns="0" bIns="0">
-            <a:normAutofit fontScale="84000"/>
+            <a:normAutofit fontScale="74000"/>
           </a:bodyPr>
           <a:p>
             <a:endParaRPr b="0" lang="en-US" sz="3200" spc="-1" strike="noStrike">
@@ -1398,8 +1400,8 @@
         </p:nvSpPr>
         <p:spPr>
           <a:xfrm>
-            <a:off x="1610640" y="1768680"/>
-            <a:ext cx="1053720" cy="4383360"/>
+            <a:off x="1043640" y="1768680"/>
+            <a:ext cx="513720" cy="4383000"/>
           </a:xfrm>
           <a:prstGeom prst="rect">
             <a:avLst/>
@@ -1407,7 +1409,7 @@
         </p:spPr>
         <p:txBody>
           <a:bodyPr lIns="0" rIns="0" tIns="0" bIns="0">
-            <a:normAutofit fontScale="84000"/>
+            <a:normAutofit fontScale="74000"/>
           </a:bodyPr>
           <a:p>
             <a:endParaRPr b="0" lang="en-US" sz="3200" spc="-1" strike="noStrike">
@@ -1451,7 +1453,7 @@
         <p:spPr>
           <a:xfrm>
             <a:off x="504000" y="261720"/>
-            <a:ext cx="9071280" cy="1341000"/>
+            <a:ext cx="9070920" cy="1341000"/>
           </a:xfrm>
           <a:prstGeom prst="rect">
             <a:avLst/>
@@ -1504,7 +1506,7 @@
         <p:spPr>
           <a:xfrm>
             <a:off x="504000" y="261720"/>
-            <a:ext cx="9071280" cy="6217560"/>
+            <a:ext cx="9070920" cy="6217560"/>
           </a:xfrm>
           <a:prstGeom prst="rect">
             <a:avLst/>
@@ -1557,7 +1559,7 @@
         <p:spPr>
           <a:xfrm>
             <a:off x="504000" y="261720"/>
-            <a:ext cx="9071280" cy="1341000"/>
+            <a:ext cx="9070920" cy="1341000"/>
           </a:xfrm>
           <a:prstGeom prst="rect">
             <a:avLst/>
@@ -1588,7 +1590,7 @@
         <p:spPr>
           <a:xfrm>
             <a:off x="504000" y="1768680"/>
-            <a:ext cx="1053720" cy="2090520"/>
+            <a:ext cx="513720" cy="2090520"/>
           </a:xfrm>
           <a:prstGeom prst="rect">
             <a:avLst/>
@@ -1596,7 +1598,7 @@
         </p:spPr>
         <p:txBody>
           <a:bodyPr lIns="0" rIns="0" tIns="0" bIns="0">
-            <a:normAutofit fontScale="27000"/>
+            <a:normAutofit fontScale="24000"/>
           </a:bodyPr>
           <a:p>
             <a:endParaRPr b="0" lang="en-US" sz="3200" spc="-1" strike="noStrike">
@@ -1617,8 +1619,8 @@
         </p:nvSpPr>
         <p:spPr>
           <a:xfrm>
-            <a:off x="1610640" y="1768680"/>
-            <a:ext cx="1053720" cy="4383360"/>
+            <a:off x="1043640" y="1768680"/>
+            <a:ext cx="513720" cy="4383000"/>
           </a:xfrm>
           <a:prstGeom prst="rect">
             <a:avLst/>
@@ -1626,7 +1628,7 @@
         </p:spPr>
         <p:txBody>
           <a:bodyPr lIns="0" rIns="0" tIns="0" bIns="0">
-            <a:normAutofit fontScale="84000"/>
+            <a:normAutofit fontScale="74000"/>
           </a:bodyPr>
           <a:p>
             <a:endParaRPr b="0" lang="en-US" sz="3200" spc="-1" strike="noStrike">
@@ -1648,7 +1650,7 @@
         <p:spPr>
           <a:xfrm>
             <a:off x="504000" y="4058280"/>
-            <a:ext cx="1053720" cy="2090520"/>
+            <a:ext cx="513720" cy="2090520"/>
           </a:xfrm>
           <a:prstGeom prst="rect">
             <a:avLst/>
@@ -1656,7 +1658,7 @@
         </p:spPr>
         <p:txBody>
           <a:bodyPr lIns="0" rIns="0" tIns="0" bIns="0">
-            <a:normAutofit fontScale="27000"/>
+            <a:normAutofit fontScale="24000"/>
           </a:bodyPr>
           <a:p>
             <a:endParaRPr b="0" lang="en-US" sz="3200" spc="-1" strike="noStrike">
@@ -1700,7 +1702,7 @@
         <p:spPr>
           <a:xfrm>
             <a:off x="504000" y="261720"/>
-            <a:ext cx="9071280" cy="1341000"/>
+            <a:ext cx="9070920" cy="1341000"/>
           </a:xfrm>
           <a:prstGeom prst="rect">
             <a:avLst/>
@@ -1731,7 +1733,7 @@
         <p:spPr>
           <a:xfrm>
             <a:off x="504000" y="1768680"/>
-            <a:ext cx="2159640" cy="4383360"/>
+            <a:ext cx="1053360" cy="4383000"/>
           </a:xfrm>
           <a:prstGeom prst="rect">
             <a:avLst/>
@@ -1784,7 +1786,7 @@
         <p:spPr>
           <a:xfrm>
             <a:off x="504000" y="261720"/>
-            <a:ext cx="9071280" cy="1341000"/>
+            <a:ext cx="9070920" cy="1341000"/>
           </a:xfrm>
           <a:prstGeom prst="rect">
             <a:avLst/>
@@ -1815,7 +1817,7 @@
         <p:spPr>
           <a:xfrm>
             <a:off x="504000" y="1768680"/>
-            <a:ext cx="1053720" cy="4383360"/>
+            <a:ext cx="513720" cy="4383000"/>
           </a:xfrm>
           <a:prstGeom prst="rect">
             <a:avLst/>
@@ -1823,7 +1825,7 @@
         </p:spPr>
         <p:txBody>
           <a:bodyPr lIns="0" rIns="0" tIns="0" bIns="0">
-            <a:normAutofit fontScale="84000"/>
+            <a:normAutofit fontScale="74000"/>
           </a:bodyPr>
           <a:p>
             <a:endParaRPr b="0" lang="en-US" sz="3200" spc="-1" strike="noStrike">
@@ -1844,8 +1846,8 @@
         </p:nvSpPr>
         <p:spPr>
           <a:xfrm>
-            <a:off x="1610640" y="1768680"/>
-            <a:ext cx="1053720" cy="2090520"/>
+            <a:off x="1043640" y="1768680"/>
+            <a:ext cx="513720" cy="2090520"/>
           </a:xfrm>
           <a:prstGeom prst="rect">
             <a:avLst/>
@@ -1853,7 +1855,7 @@
         </p:spPr>
         <p:txBody>
           <a:bodyPr lIns="0" rIns="0" tIns="0" bIns="0">
-            <a:normAutofit fontScale="27000"/>
+            <a:normAutofit fontScale="24000"/>
           </a:bodyPr>
           <a:p>
             <a:endParaRPr b="0" lang="en-US" sz="3200" spc="-1" strike="noStrike">
@@ -1874,8 +1876,8 @@
         </p:nvSpPr>
         <p:spPr>
           <a:xfrm>
-            <a:off x="1610640" y="4058280"/>
-            <a:ext cx="1053720" cy="2090520"/>
+            <a:off x="1043640" y="4058280"/>
+            <a:ext cx="513720" cy="2090520"/>
           </a:xfrm>
           <a:prstGeom prst="rect">
             <a:avLst/>
@@ -1883,7 +1885,7 @@
         </p:spPr>
         <p:txBody>
           <a:bodyPr lIns="0" rIns="0" tIns="0" bIns="0">
-            <a:normAutofit fontScale="27000"/>
+            <a:normAutofit fontScale="24000"/>
           </a:bodyPr>
           <a:p>
             <a:endParaRPr b="0" lang="en-US" sz="3200" spc="-1" strike="noStrike">
@@ -1927,7 +1929,7 @@
         <p:spPr>
           <a:xfrm>
             <a:off x="504000" y="261720"/>
-            <a:ext cx="9071280" cy="1341000"/>
+            <a:ext cx="9070920" cy="1341000"/>
           </a:xfrm>
           <a:prstGeom prst="rect">
             <a:avLst/>
@@ -1958,7 +1960,7 @@
         <p:spPr>
           <a:xfrm>
             <a:off x="504000" y="1768680"/>
-            <a:ext cx="1053720" cy="2090520"/>
+            <a:ext cx="513720" cy="2090520"/>
           </a:xfrm>
           <a:prstGeom prst="rect">
             <a:avLst/>
@@ -1966,7 +1968,7 @@
         </p:spPr>
         <p:txBody>
           <a:bodyPr lIns="0" rIns="0" tIns="0" bIns="0">
-            <a:normAutofit fontScale="27000"/>
+            <a:normAutofit fontScale="24000"/>
           </a:bodyPr>
           <a:p>
             <a:endParaRPr b="0" lang="en-US" sz="3200" spc="-1" strike="noStrike">
@@ -1987,8 +1989,8 @@
         </p:nvSpPr>
         <p:spPr>
           <a:xfrm>
-            <a:off x="1610640" y="1768680"/>
-            <a:ext cx="1053720" cy="2090520"/>
+            <a:off x="1043640" y="1768680"/>
+            <a:ext cx="513720" cy="2090520"/>
           </a:xfrm>
           <a:prstGeom prst="rect">
             <a:avLst/>
@@ -1996,7 +1998,7 @@
         </p:spPr>
         <p:txBody>
           <a:bodyPr lIns="0" rIns="0" tIns="0" bIns="0">
-            <a:normAutofit fontScale="27000"/>
+            <a:normAutofit fontScale="24000"/>
           </a:bodyPr>
           <a:p>
             <a:endParaRPr b="0" lang="en-US" sz="3200" spc="-1" strike="noStrike">
@@ -2018,7 +2020,7 @@
         <p:spPr>
           <a:xfrm>
             <a:off x="504000" y="4058280"/>
-            <a:ext cx="2159640" cy="2090520"/>
+            <a:ext cx="1053360" cy="2090520"/>
           </a:xfrm>
           <a:prstGeom prst="rect">
             <a:avLst/>
@@ -2026,7 +2028,7 @@
         </p:spPr>
         <p:txBody>
           <a:bodyPr lIns="0" rIns="0" tIns="0" bIns="0">
-            <a:normAutofit/>
+            <a:normAutofit fontScale="27000"/>
           </a:bodyPr>
           <a:p>
             <a:endParaRPr b="0" lang="en-US" sz="3200" spc="-1" strike="noStrike">
@@ -2070,7 +2072,7 @@
         <p:spPr>
           <a:xfrm>
             <a:off x="504000" y="261720"/>
-            <a:ext cx="9071280" cy="1341000"/>
+            <a:ext cx="9070920" cy="1341000"/>
           </a:xfrm>
           <a:prstGeom prst="rect">
             <a:avLst/>
@@ -2101,7 +2103,7 @@
         <p:spPr>
           <a:xfrm>
             <a:off x="504000" y="1768680"/>
-            <a:ext cx="2159640" cy="2090520"/>
+            <a:ext cx="1053360" cy="2090520"/>
           </a:xfrm>
           <a:prstGeom prst="rect">
             <a:avLst/>
@@ -2109,7 +2111,7 @@
         </p:spPr>
         <p:txBody>
           <a:bodyPr lIns="0" rIns="0" tIns="0" bIns="0">
-            <a:normAutofit/>
+            <a:normAutofit fontScale="27000"/>
           </a:bodyPr>
           <a:p>
             <a:endParaRPr b="0" lang="en-US" sz="3200" spc="-1" strike="noStrike">
@@ -2131,7 +2133,7 @@
         <p:spPr>
           <a:xfrm>
             <a:off x="504000" y="4058280"/>
-            <a:ext cx="2159640" cy="2090520"/>
+            <a:ext cx="1053360" cy="2090520"/>
           </a:xfrm>
           <a:prstGeom prst="rect">
             <a:avLst/>
@@ -2139,7 +2141,7 @@
         </p:spPr>
         <p:txBody>
           <a:bodyPr lIns="0" rIns="0" tIns="0" bIns="0">
-            <a:normAutofit/>
+            <a:normAutofit fontScale="27000"/>
           </a:bodyPr>
           <a:p>
             <a:endParaRPr b="0" lang="en-US" sz="3200" spc="-1" strike="noStrike">
@@ -2183,7 +2185,7 @@
         <p:spPr>
           <a:xfrm>
             <a:off x="504000" y="261720"/>
-            <a:ext cx="9071280" cy="1341000"/>
+            <a:ext cx="9070920" cy="1341000"/>
           </a:xfrm>
           <a:prstGeom prst="rect">
             <a:avLst/>
@@ -2214,7 +2216,7 @@
         <p:spPr>
           <a:xfrm>
             <a:off x="504000" y="1768680"/>
-            <a:ext cx="1053720" cy="2090520"/>
+            <a:ext cx="513720" cy="2090520"/>
           </a:xfrm>
           <a:prstGeom prst="rect">
             <a:avLst/>
@@ -2222,7 +2224,7 @@
         </p:spPr>
         <p:txBody>
           <a:bodyPr lIns="0" rIns="0" tIns="0" bIns="0">
-            <a:normAutofit fontScale="27000"/>
+            <a:normAutofit fontScale="24000"/>
           </a:bodyPr>
           <a:p>
             <a:endParaRPr b="0" lang="en-US" sz="3200" spc="-1" strike="noStrike">
@@ -2243,8 +2245,8 @@
         </p:nvSpPr>
         <p:spPr>
           <a:xfrm>
-            <a:off x="1610640" y="1768680"/>
-            <a:ext cx="1053720" cy="2090520"/>
+            <a:off x="1043640" y="1768680"/>
+            <a:ext cx="513720" cy="2090520"/>
           </a:xfrm>
           <a:prstGeom prst="rect">
             <a:avLst/>
@@ -2252,7 +2254,7 @@
         </p:spPr>
         <p:txBody>
           <a:bodyPr lIns="0" rIns="0" tIns="0" bIns="0">
-            <a:normAutofit fontScale="27000"/>
+            <a:normAutofit fontScale="24000"/>
           </a:bodyPr>
           <a:p>
             <a:endParaRPr b="0" lang="en-US" sz="3200" spc="-1" strike="noStrike">
@@ -2274,7 +2276,7 @@
         <p:spPr>
           <a:xfrm>
             <a:off x="504000" y="4058280"/>
-            <a:ext cx="1053720" cy="2090520"/>
+            <a:ext cx="513720" cy="2090520"/>
           </a:xfrm>
           <a:prstGeom prst="rect">
             <a:avLst/>
@@ -2282,7 +2284,7 @@
         </p:spPr>
         <p:txBody>
           <a:bodyPr lIns="0" rIns="0" tIns="0" bIns="0">
-            <a:normAutofit fontScale="27000"/>
+            <a:normAutofit fontScale="24000"/>
           </a:bodyPr>
           <a:p>
             <a:endParaRPr b="0" lang="en-US" sz="3200" spc="-1" strike="noStrike">
@@ -2303,8 +2305,8 @@
         </p:nvSpPr>
         <p:spPr>
           <a:xfrm>
-            <a:off x="1610640" y="4058280"/>
-            <a:ext cx="1053720" cy="2090520"/>
+            <a:off x="1043640" y="4058280"/>
+            <a:ext cx="513720" cy="2090520"/>
           </a:xfrm>
           <a:prstGeom prst="rect">
             <a:avLst/>
@@ -2312,7 +2314,7 @@
         </p:spPr>
         <p:txBody>
           <a:bodyPr lIns="0" rIns="0" tIns="0" bIns="0">
-            <a:normAutofit fontScale="27000"/>
+            <a:normAutofit fontScale="24000"/>
           </a:bodyPr>
           <a:p>
             <a:endParaRPr b="0" lang="en-US" sz="3200" spc="-1" strike="noStrike">
@@ -2356,7 +2358,7 @@
         <p:spPr>
           <a:xfrm>
             <a:off x="504000" y="261720"/>
-            <a:ext cx="9071280" cy="1341000"/>
+            <a:ext cx="9070920" cy="1341000"/>
           </a:xfrm>
           <a:prstGeom prst="rect">
             <a:avLst/>
@@ -2387,7 +2389,7 @@
         <p:spPr>
           <a:xfrm>
             <a:off x="504000" y="1768680"/>
-            <a:ext cx="695160" cy="2090520"/>
+            <a:ext cx="338760" cy="2090520"/>
           </a:xfrm>
           <a:prstGeom prst="rect">
             <a:avLst/>
@@ -2416,8 +2418,8 @@
         </p:nvSpPr>
         <p:spPr>
           <a:xfrm>
-            <a:off x="1234440" y="1768680"/>
-            <a:ext cx="695160" cy="2090520"/>
+            <a:off x="860040" y="1768680"/>
+            <a:ext cx="338760" cy="2090520"/>
           </a:xfrm>
           <a:prstGeom prst="rect">
             <a:avLst/>
@@ -2446,8 +2448,8 @@
         </p:nvSpPr>
         <p:spPr>
           <a:xfrm>
-            <a:off x="1964520" y="1768680"/>
-            <a:ext cx="695160" cy="2090520"/>
+            <a:off x="1216080" y="1768680"/>
+            <a:ext cx="338760" cy="2090520"/>
           </a:xfrm>
           <a:prstGeom prst="rect">
             <a:avLst/>
@@ -2477,7 +2479,7 @@
         <p:spPr>
           <a:xfrm>
             <a:off x="504000" y="4058280"/>
-            <a:ext cx="695160" cy="2090520"/>
+            <a:ext cx="338760" cy="2090520"/>
           </a:xfrm>
           <a:prstGeom prst="rect">
             <a:avLst/>
@@ -2506,8 +2508,8 @@
         </p:nvSpPr>
         <p:spPr>
           <a:xfrm>
-            <a:off x="1234440" y="4058280"/>
-            <a:ext cx="695160" cy="2090520"/>
+            <a:off x="860040" y="4058280"/>
+            <a:ext cx="338760" cy="2090520"/>
           </a:xfrm>
           <a:prstGeom prst="rect">
             <a:avLst/>
@@ -2536,8 +2538,8 @@
         </p:nvSpPr>
         <p:spPr>
           <a:xfrm>
-            <a:off x="1964520" y="4058280"/>
-            <a:ext cx="695160" cy="2090520"/>
+            <a:off x="1216080" y="4058280"/>
+            <a:ext cx="338760" cy="2090520"/>
           </a:xfrm>
           <a:prstGeom prst="rect">
             <a:avLst/>
@@ -2611,7 +2613,7 @@
         <p:spPr>
           <a:xfrm>
             <a:off x="504000" y="261720"/>
-            <a:ext cx="9071280" cy="1341000"/>
+            <a:ext cx="9070920" cy="1341000"/>
           </a:xfrm>
           <a:prstGeom prst="rect">
             <a:avLst/>
@@ -2642,7 +2644,7 @@
         <p:spPr>
           <a:xfrm>
             <a:off x="504000" y="1768680"/>
-            <a:ext cx="2159640" cy="4383360"/>
+            <a:ext cx="1053360" cy="4383000"/>
           </a:xfrm>
           <a:prstGeom prst="rect">
             <a:avLst/>
@@ -2695,7 +2697,7 @@
         <p:spPr>
           <a:xfrm>
             <a:off x="504000" y="261720"/>
-            <a:ext cx="9071280" cy="1341000"/>
+            <a:ext cx="9070920" cy="1341000"/>
           </a:xfrm>
           <a:prstGeom prst="rect">
             <a:avLst/>
@@ -2726,7 +2728,7 @@
         <p:spPr>
           <a:xfrm>
             <a:off x="504000" y="1768680"/>
-            <a:ext cx="2159640" cy="4383360"/>
+            <a:ext cx="1053360" cy="4383000"/>
           </a:xfrm>
           <a:prstGeom prst="rect">
             <a:avLst/>
@@ -2734,7 +2736,7 @@
         </p:spPr>
         <p:txBody>
           <a:bodyPr lIns="0" rIns="0" tIns="0" bIns="0">
-            <a:normAutofit/>
+            <a:normAutofit fontScale="84000"/>
           </a:bodyPr>
           <a:p>
             <a:endParaRPr b="0" lang="en-US" sz="3200" spc="-1" strike="noStrike">
@@ -2778,7 +2780,7 @@
         <p:spPr>
           <a:xfrm>
             <a:off x="504000" y="261720"/>
-            <a:ext cx="9071280" cy="1341000"/>
+            <a:ext cx="9070920" cy="1341000"/>
           </a:xfrm>
           <a:prstGeom prst="rect">
             <a:avLst/>
@@ -2809,7 +2811,7 @@
         <p:spPr>
           <a:xfrm>
             <a:off x="504000" y="1768680"/>
-            <a:ext cx="1053720" cy="4383360"/>
+            <a:ext cx="513720" cy="4383000"/>
           </a:xfrm>
           <a:prstGeom prst="rect">
             <a:avLst/>
@@ -2817,7 +2819,7 @@
         </p:spPr>
         <p:txBody>
           <a:bodyPr lIns="0" rIns="0" tIns="0" bIns="0">
-            <a:normAutofit fontScale="84000"/>
+            <a:normAutofit fontScale="74000"/>
           </a:bodyPr>
           <a:p>
             <a:endParaRPr b="0" lang="en-US" sz="3200" spc="-1" strike="noStrike">
@@ -2838,8 +2840,8 @@
         </p:nvSpPr>
         <p:spPr>
           <a:xfrm>
-            <a:off x="1610640" y="1768680"/>
-            <a:ext cx="1053720" cy="4383360"/>
+            <a:off x="1043640" y="1768680"/>
+            <a:ext cx="513720" cy="4383000"/>
           </a:xfrm>
           <a:prstGeom prst="rect">
             <a:avLst/>
@@ -2847,7 +2849,7 @@
         </p:spPr>
         <p:txBody>
           <a:bodyPr lIns="0" rIns="0" tIns="0" bIns="0">
-            <a:normAutofit fontScale="84000"/>
+            <a:normAutofit fontScale="74000"/>
           </a:bodyPr>
           <a:p>
             <a:endParaRPr b="0" lang="en-US" sz="3200" spc="-1" strike="noStrike">
@@ -2891,7 +2893,7 @@
         <p:spPr>
           <a:xfrm>
             <a:off x="504000" y="261720"/>
-            <a:ext cx="9071280" cy="1341000"/>
+            <a:ext cx="9070920" cy="1341000"/>
           </a:xfrm>
           <a:prstGeom prst="rect">
             <a:avLst/>
@@ -2944,7 +2946,7 @@
         <p:spPr>
           <a:xfrm>
             <a:off x="504000" y="261720"/>
-            <a:ext cx="9071280" cy="1341000"/>
+            <a:ext cx="9070920" cy="1341000"/>
           </a:xfrm>
           <a:prstGeom prst="rect">
             <a:avLst/>
@@ -2975,7 +2977,7 @@
         <p:spPr>
           <a:xfrm>
             <a:off x="504000" y="1768680"/>
-            <a:ext cx="2159640" cy="4383360"/>
+            <a:ext cx="1053360" cy="4383000"/>
           </a:xfrm>
           <a:prstGeom prst="rect">
             <a:avLst/>
@@ -2983,7 +2985,7 @@
         </p:spPr>
         <p:txBody>
           <a:bodyPr lIns="0" rIns="0" tIns="0" bIns="0">
-            <a:normAutofit/>
+            <a:normAutofit fontScale="84000"/>
           </a:bodyPr>
           <a:p>
             <a:endParaRPr b="0" lang="en-US" sz="3200" spc="-1" strike="noStrike">
@@ -3027,7 +3029,7 @@
         <p:spPr>
           <a:xfrm>
             <a:off x="504000" y="261720"/>
-            <a:ext cx="9071280" cy="6217560"/>
+            <a:ext cx="9070920" cy="6217560"/>
           </a:xfrm>
           <a:prstGeom prst="rect">
             <a:avLst/>
@@ -3080,7 +3082,7 @@
         <p:spPr>
           <a:xfrm>
             <a:off x="504000" y="261720"/>
-            <a:ext cx="9071280" cy="1341000"/>
+            <a:ext cx="9070920" cy="1341000"/>
           </a:xfrm>
           <a:prstGeom prst="rect">
             <a:avLst/>
@@ -3111,7 +3113,7 @@
         <p:spPr>
           <a:xfrm>
             <a:off x="504000" y="1768680"/>
-            <a:ext cx="1053720" cy="2090520"/>
+            <a:ext cx="513720" cy="2090520"/>
           </a:xfrm>
           <a:prstGeom prst="rect">
             <a:avLst/>
@@ -3119,7 +3121,7 @@
         </p:spPr>
         <p:txBody>
           <a:bodyPr lIns="0" rIns="0" tIns="0" bIns="0">
-            <a:normAutofit fontScale="27000"/>
+            <a:normAutofit fontScale="24000"/>
           </a:bodyPr>
           <a:p>
             <a:endParaRPr b="0" lang="en-US" sz="3200" spc="-1" strike="noStrike">
@@ -3140,8 +3142,8 @@
         </p:nvSpPr>
         <p:spPr>
           <a:xfrm>
-            <a:off x="1610640" y="1768680"/>
-            <a:ext cx="1053720" cy="4383360"/>
+            <a:off x="1043640" y="1768680"/>
+            <a:ext cx="513720" cy="4383000"/>
           </a:xfrm>
           <a:prstGeom prst="rect">
             <a:avLst/>
@@ -3149,7 +3151,7 @@
         </p:spPr>
         <p:txBody>
           <a:bodyPr lIns="0" rIns="0" tIns="0" bIns="0">
-            <a:normAutofit fontScale="84000"/>
+            <a:normAutofit fontScale="74000"/>
           </a:bodyPr>
           <a:p>
             <a:endParaRPr b="0" lang="en-US" sz="3200" spc="-1" strike="noStrike">
@@ -3171,7 +3173,7 @@
         <p:spPr>
           <a:xfrm>
             <a:off x="504000" y="4058280"/>
-            <a:ext cx="1053720" cy="2090520"/>
+            <a:ext cx="513720" cy="2090520"/>
           </a:xfrm>
           <a:prstGeom prst="rect">
             <a:avLst/>
@@ -3179,7 +3181,7 @@
         </p:spPr>
         <p:txBody>
           <a:bodyPr lIns="0" rIns="0" tIns="0" bIns="0">
-            <a:normAutofit fontScale="27000"/>
+            <a:normAutofit fontScale="24000"/>
           </a:bodyPr>
           <a:p>
             <a:endParaRPr b="0" lang="en-US" sz="3200" spc="-1" strike="noStrike">
@@ -3223,7 +3225,7 @@
         <p:spPr>
           <a:xfrm>
             <a:off x="504000" y="261720"/>
-            <a:ext cx="9071280" cy="1341000"/>
+            <a:ext cx="9070920" cy="1341000"/>
           </a:xfrm>
           <a:prstGeom prst="rect">
             <a:avLst/>
@@ -3254,7 +3256,7 @@
         <p:spPr>
           <a:xfrm>
             <a:off x="504000" y="1768680"/>
-            <a:ext cx="1053720" cy="4383360"/>
+            <a:ext cx="513720" cy="4383000"/>
           </a:xfrm>
           <a:prstGeom prst="rect">
             <a:avLst/>
@@ -3262,7 +3264,7 @@
         </p:spPr>
         <p:txBody>
           <a:bodyPr lIns="0" rIns="0" tIns="0" bIns="0">
-            <a:normAutofit fontScale="84000"/>
+            <a:normAutofit fontScale="74000"/>
           </a:bodyPr>
           <a:p>
             <a:endParaRPr b="0" lang="en-US" sz="3200" spc="-1" strike="noStrike">
@@ -3283,8 +3285,8 @@
         </p:nvSpPr>
         <p:spPr>
           <a:xfrm>
-            <a:off x="1610640" y="1768680"/>
-            <a:ext cx="1053720" cy="2090520"/>
+            <a:off x="1043640" y="1768680"/>
+            <a:ext cx="513720" cy="2090520"/>
           </a:xfrm>
           <a:prstGeom prst="rect">
             <a:avLst/>
@@ -3292,7 +3294,7 @@
         </p:spPr>
         <p:txBody>
           <a:bodyPr lIns="0" rIns="0" tIns="0" bIns="0">
-            <a:normAutofit fontScale="27000"/>
+            <a:normAutofit fontScale="24000"/>
           </a:bodyPr>
           <a:p>
             <a:endParaRPr b="0" lang="en-US" sz="3200" spc="-1" strike="noStrike">
@@ -3313,8 +3315,8 @@
         </p:nvSpPr>
         <p:spPr>
           <a:xfrm>
-            <a:off x="1610640" y="4058280"/>
-            <a:ext cx="1053720" cy="2090520"/>
+            <a:off x="1043640" y="4058280"/>
+            <a:ext cx="513720" cy="2090520"/>
           </a:xfrm>
           <a:prstGeom prst="rect">
             <a:avLst/>
@@ -3322,7 +3324,7 @@
         </p:spPr>
         <p:txBody>
           <a:bodyPr lIns="0" rIns="0" tIns="0" bIns="0">
-            <a:normAutofit fontScale="27000"/>
+            <a:normAutofit fontScale="24000"/>
           </a:bodyPr>
           <a:p>
             <a:endParaRPr b="0" lang="en-US" sz="3200" spc="-1" strike="noStrike">
@@ -3366,7 +3368,7 @@
         <p:spPr>
           <a:xfrm>
             <a:off x="504000" y="261720"/>
-            <a:ext cx="9071280" cy="1341000"/>
+            <a:ext cx="9070920" cy="1341000"/>
           </a:xfrm>
           <a:prstGeom prst="rect">
             <a:avLst/>
@@ -3397,7 +3399,7 @@
         <p:spPr>
           <a:xfrm>
             <a:off x="504000" y="1768680"/>
-            <a:ext cx="1053720" cy="2090520"/>
+            <a:ext cx="513720" cy="2090520"/>
           </a:xfrm>
           <a:prstGeom prst="rect">
             <a:avLst/>
@@ -3405,7 +3407,7 @@
         </p:spPr>
         <p:txBody>
           <a:bodyPr lIns="0" rIns="0" tIns="0" bIns="0">
-            <a:normAutofit fontScale="27000"/>
+            <a:normAutofit fontScale="24000"/>
           </a:bodyPr>
           <a:p>
             <a:endParaRPr b="0" lang="en-US" sz="3200" spc="-1" strike="noStrike">
@@ -3426,8 +3428,8 @@
         </p:nvSpPr>
         <p:spPr>
           <a:xfrm>
-            <a:off x="1610640" y="1768680"/>
-            <a:ext cx="1053720" cy="2090520"/>
+            <a:off x="1043640" y="1768680"/>
+            <a:ext cx="513720" cy="2090520"/>
           </a:xfrm>
           <a:prstGeom prst="rect">
             <a:avLst/>
@@ -3435,7 +3437,7 @@
         </p:spPr>
         <p:txBody>
           <a:bodyPr lIns="0" rIns="0" tIns="0" bIns="0">
-            <a:normAutofit fontScale="27000"/>
+            <a:normAutofit fontScale="24000"/>
           </a:bodyPr>
           <a:p>
             <a:endParaRPr b="0" lang="en-US" sz="3200" spc="-1" strike="noStrike">
@@ -3457,7 +3459,7 @@
         <p:spPr>
           <a:xfrm>
             <a:off x="504000" y="4058280"/>
-            <a:ext cx="2159640" cy="2090520"/>
+            <a:ext cx="1053360" cy="2090520"/>
           </a:xfrm>
           <a:prstGeom prst="rect">
             <a:avLst/>
@@ -3465,7 +3467,7 @@
         </p:spPr>
         <p:txBody>
           <a:bodyPr lIns="0" rIns="0" tIns="0" bIns="0">
-            <a:normAutofit/>
+            <a:normAutofit fontScale="27000"/>
           </a:bodyPr>
           <a:p>
             <a:endParaRPr b="0" lang="en-US" sz="3200" spc="-1" strike="noStrike">
@@ -3509,7 +3511,7 @@
         <p:spPr>
           <a:xfrm>
             <a:off x="504000" y="261720"/>
-            <a:ext cx="9071280" cy="1341000"/>
+            <a:ext cx="9070920" cy="1341000"/>
           </a:xfrm>
           <a:prstGeom prst="rect">
             <a:avLst/>
@@ -3540,7 +3542,7 @@
         <p:spPr>
           <a:xfrm>
             <a:off x="504000" y="1768680"/>
-            <a:ext cx="2159640" cy="2090520"/>
+            <a:ext cx="1053360" cy="2090520"/>
           </a:xfrm>
           <a:prstGeom prst="rect">
             <a:avLst/>
@@ -3548,7 +3550,7 @@
         </p:spPr>
         <p:txBody>
           <a:bodyPr lIns="0" rIns="0" tIns="0" bIns="0">
-            <a:normAutofit/>
+            <a:normAutofit fontScale="27000"/>
           </a:bodyPr>
           <a:p>
             <a:endParaRPr b="0" lang="en-US" sz="3200" spc="-1" strike="noStrike">
@@ -3570,7 +3572,7 @@
         <p:spPr>
           <a:xfrm>
             <a:off x="504000" y="4058280"/>
-            <a:ext cx="2159640" cy="2090520"/>
+            <a:ext cx="1053360" cy="2090520"/>
           </a:xfrm>
           <a:prstGeom prst="rect">
             <a:avLst/>
@@ -3578,7 +3580,7 @@
         </p:spPr>
         <p:txBody>
           <a:bodyPr lIns="0" rIns="0" tIns="0" bIns="0">
-            <a:normAutofit/>
+            <a:normAutofit fontScale="27000"/>
           </a:bodyPr>
           <a:p>
             <a:endParaRPr b="0" lang="en-US" sz="3200" spc="-1" strike="noStrike">
@@ -3622,7 +3624,7 @@
         <p:spPr>
           <a:xfrm>
             <a:off x="504000" y="261720"/>
-            <a:ext cx="9071280" cy="1341000"/>
+            <a:ext cx="9070920" cy="1341000"/>
           </a:xfrm>
           <a:prstGeom prst="rect">
             <a:avLst/>
@@ -3653,7 +3655,7 @@
         <p:spPr>
           <a:xfrm>
             <a:off x="504000" y="1768680"/>
-            <a:ext cx="1053720" cy="2090520"/>
+            <a:ext cx="513720" cy="2090520"/>
           </a:xfrm>
           <a:prstGeom prst="rect">
             <a:avLst/>
@@ -3661,7 +3663,7 @@
         </p:spPr>
         <p:txBody>
           <a:bodyPr lIns="0" rIns="0" tIns="0" bIns="0">
-            <a:normAutofit fontScale="27000"/>
+            <a:normAutofit fontScale="24000"/>
           </a:bodyPr>
           <a:p>
             <a:endParaRPr b="0" lang="en-US" sz="3200" spc="-1" strike="noStrike">
@@ -3682,8 +3684,8 @@
         </p:nvSpPr>
         <p:spPr>
           <a:xfrm>
-            <a:off x="1610640" y="1768680"/>
-            <a:ext cx="1053720" cy="2090520"/>
+            <a:off x="1043640" y="1768680"/>
+            <a:ext cx="513720" cy="2090520"/>
           </a:xfrm>
           <a:prstGeom prst="rect">
             <a:avLst/>
@@ -3691,7 +3693,7 @@
         </p:spPr>
         <p:txBody>
           <a:bodyPr lIns="0" rIns="0" tIns="0" bIns="0">
-            <a:normAutofit fontScale="27000"/>
+            <a:normAutofit fontScale="24000"/>
           </a:bodyPr>
           <a:p>
             <a:endParaRPr b="0" lang="en-US" sz="3200" spc="-1" strike="noStrike">
@@ -3713,7 +3715,7 @@
         <p:spPr>
           <a:xfrm>
             <a:off x="504000" y="4058280"/>
-            <a:ext cx="1053720" cy="2090520"/>
+            <a:ext cx="513720" cy="2090520"/>
           </a:xfrm>
           <a:prstGeom prst="rect">
             <a:avLst/>
@@ -3721,7 +3723,7 @@
         </p:spPr>
         <p:txBody>
           <a:bodyPr lIns="0" rIns="0" tIns="0" bIns="0">
-            <a:normAutofit fontScale="27000"/>
+            <a:normAutofit fontScale="24000"/>
           </a:bodyPr>
           <a:p>
             <a:endParaRPr b="0" lang="en-US" sz="3200" spc="-1" strike="noStrike">
@@ -3742,8 +3744,8 @@
         </p:nvSpPr>
         <p:spPr>
           <a:xfrm>
-            <a:off x="1610640" y="4058280"/>
-            <a:ext cx="1053720" cy="2090520"/>
+            <a:off x="1043640" y="4058280"/>
+            <a:ext cx="513720" cy="2090520"/>
           </a:xfrm>
           <a:prstGeom prst="rect">
             <a:avLst/>
@@ -3751,7 +3753,7 @@
         </p:spPr>
         <p:txBody>
           <a:bodyPr lIns="0" rIns="0" tIns="0" bIns="0">
-            <a:normAutofit fontScale="27000"/>
+            <a:normAutofit fontScale="24000"/>
           </a:bodyPr>
           <a:p>
             <a:endParaRPr b="0" lang="en-US" sz="3200" spc="-1" strike="noStrike">
@@ -3795,7 +3797,7 @@
         <p:spPr>
           <a:xfrm>
             <a:off x="504000" y="261720"/>
-            <a:ext cx="9071280" cy="1341000"/>
+            <a:ext cx="9070920" cy="1341000"/>
           </a:xfrm>
           <a:prstGeom prst="rect">
             <a:avLst/>
@@ -3826,7 +3828,7 @@
         <p:spPr>
           <a:xfrm>
             <a:off x="504000" y="1768680"/>
-            <a:ext cx="695160" cy="2090520"/>
+            <a:ext cx="338760" cy="2090520"/>
           </a:xfrm>
           <a:prstGeom prst="rect">
             <a:avLst/>
@@ -3855,8 +3857,8 @@
         </p:nvSpPr>
         <p:spPr>
           <a:xfrm>
-            <a:off x="1234440" y="1768680"/>
-            <a:ext cx="695160" cy="2090520"/>
+            <a:off x="860040" y="1768680"/>
+            <a:ext cx="338760" cy="2090520"/>
           </a:xfrm>
           <a:prstGeom prst="rect">
             <a:avLst/>
@@ -3885,8 +3887,8 @@
         </p:nvSpPr>
         <p:spPr>
           <a:xfrm>
-            <a:off x="1964520" y="1768680"/>
-            <a:ext cx="695160" cy="2090520"/>
+            <a:off x="1216080" y="1768680"/>
+            <a:ext cx="338760" cy="2090520"/>
           </a:xfrm>
           <a:prstGeom prst="rect">
             <a:avLst/>
@@ -3916,7 +3918,7 @@
         <p:spPr>
           <a:xfrm>
             <a:off x="504000" y="4058280"/>
-            <a:ext cx="695160" cy="2090520"/>
+            <a:ext cx="338760" cy="2090520"/>
           </a:xfrm>
           <a:prstGeom prst="rect">
             <a:avLst/>
@@ -3945,8 +3947,8 @@
         </p:nvSpPr>
         <p:spPr>
           <a:xfrm>
-            <a:off x="1234440" y="4058280"/>
-            <a:ext cx="695160" cy="2090520"/>
+            <a:off x="860040" y="4058280"/>
+            <a:ext cx="338760" cy="2090520"/>
           </a:xfrm>
           <a:prstGeom prst="rect">
             <a:avLst/>
@@ -3975,8 +3977,8 @@
         </p:nvSpPr>
         <p:spPr>
           <a:xfrm>
-            <a:off x="1964520" y="4058280"/>
-            <a:ext cx="695160" cy="2090520"/>
+            <a:off x="1216080" y="4058280"/>
+            <a:ext cx="338760" cy="2090520"/>
           </a:xfrm>
           <a:prstGeom prst="rect">
             <a:avLst/>
@@ -4050,7 +4052,7 @@
         <p:spPr>
           <a:xfrm>
             <a:off x="504000" y="261720"/>
-            <a:ext cx="9071280" cy="1341000"/>
+            <a:ext cx="9070920" cy="1341000"/>
           </a:xfrm>
           <a:prstGeom prst="rect">
             <a:avLst/>
@@ -4081,7 +4083,7 @@
         <p:spPr>
           <a:xfrm>
             <a:off x="504000" y="1768680"/>
-            <a:ext cx="2159640" cy="4383360"/>
+            <a:ext cx="1053360" cy="4383000"/>
           </a:xfrm>
           <a:prstGeom prst="rect">
             <a:avLst/>
@@ -4134,7 +4136,7 @@
         <p:spPr>
           <a:xfrm>
             <a:off x="504000" y="261720"/>
-            <a:ext cx="9071280" cy="1341000"/>
+            <a:ext cx="9070920" cy="1341000"/>
           </a:xfrm>
           <a:prstGeom prst="rect">
             <a:avLst/>
@@ -4165,7 +4167,7 @@
         <p:spPr>
           <a:xfrm>
             <a:off x="504000" y="1768680"/>
-            <a:ext cx="2159640" cy="4383360"/>
+            <a:ext cx="1053360" cy="4383000"/>
           </a:xfrm>
           <a:prstGeom prst="rect">
             <a:avLst/>
@@ -4173,7 +4175,7 @@
         </p:spPr>
         <p:txBody>
           <a:bodyPr lIns="0" rIns="0" tIns="0" bIns="0">
-            <a:normAutofit/>
+            <a:normAutofit fontScale="84000"/>
           </a:bodyPr>
           <a:p>
             <a:endParaRPr b="0" lang="en-US" sz="3200" spc="-1" strike="noStrike">
@@ -4217,7 +4219,7 @@
         <p:spPr>
           <a:xfrm>
             <a:off x="504000" y="261720"/>
-            <a:ext cx="9071280" cy="1341000"/>
+            <a:ext cx="9070920" cy="1341000"/>
           </a:xfrm>
           <a:prstGeom prst="rect">
             <a:avLst/>
@@ -4248,7 +4250,7 @@
         <p:spPr>
           <a:xfrm>
             <a:off x="504000" y="1768680"/>
-            <a:ext cx="1053720" cy="4383360"/>
+            <a:ext cx="513720" cy="4383000"/>
           </a:xfrm>
           <a:prstGeom prst="rect">
             <a:avLst/>
@@ -4256,7 +4258,7 @@
         </p:spPr>
         <p:txBody>
           <a:bodyPr lIns="0" rIns="0" tIns="0" bIns="0">
-            <a:normAutofit fontScale="84000"/>
+            <a:normAutofit fontScale="74000"/>
           </a:bodyPr>
           <a:p>
             <a:endParaRPr b="0" lang="en-US" sz="3200" spc="-1" strike="noStrike">
@@ -4277,8 +4279,8 @@
         </p:nvSpPr>
         <p:spPr>
           <a:xfrm>
-            <a:off x="1610640" y="1768680"/>
-            <a:ext cx="1053720" cy="4383360"/>
+            <a:off x="1043640" y="1768680"/>
+            <a:ext cx="513720" cy="4383000"/>
           </a:xfrm>
           <a:prstGeom prst="rect">
             <a:avLst/>
@@ -4286,7 +4288,7 @@
         </p:spPr>
         <p:txBody>
           <a:bodyPr lIns="0" rIns="0" tIns="0" bIns="0">
-            <a:normAutofit fontScale="84000"/>
+            <a:normAutofit fontScale="74000"/>
           </a:bodyPr>
           <a:p>
             <a:endParaRPr b="0" lang="en-US" sz="3200" spc="-1" strike="noStrike">
@@ -4330,7 +4332,7 @@
         <p:spPr>
           <a:xfrm>
             <a:off x="504000" y="261720"/>
-            <a:ext cx="9071280" cy="1341000"/>
+            <a:ext cx="9070920" cy="1341000"/>
           </a:xfrm>
           <a:prstGeom prst="rect">
             <a:avLst/>
@@ -4361,7 +4363,7 @@
         <p:spPr>
           <a:xfrm>
             <a:off x="504000" y="1768680"/>
-            <a:ext cx="1053720" cy="4383360"/>
+            <a:ext cx="513720" cy="4383000"/>
           </a:xfrm>
           <a:prstGeom prst="rect">
             <a:avLst/>
@@ -4369,7 +4371,7 @@
         </p:spPr>
         <p:txBody>
           <a:bodyPr lIns="0" rIns="0" tIns="0" bIns="0">
-            <a:normAutofit fontScale="84000"/>
+            <a:normAutofit fontScale="74000"/>
           </a:bodyPr>
           <a:p>
             <a:endParaRPr b="0" lang="en-US" sz="3200" spc="-1" strike="noStrike">
@@ -4390,8 +4392,8 @@
         </p:nvSpPr>
         <p:spPr>
           <a:xfrm>
-            <a:off x="1610640" y="1768680"/>
-            <a:ext cx="1053720" cy="4383360"/>
+            <a:off x="1043640" y="1768680"/>
+            <a:ext cx="513720" cy="4383000"/>
           </a:xfrm>
           <a:prstGeom prst="rect">
             <a:avLst/>
@@ -4399,7 +4401,7 @@
         </p:spPr>
         <p:txBody>
           <a:bodyPr lIns="0" rIns="0" tIns="0" bIns="0">
-            <a:normAutofit fontScale="84000"/>
+            <a:normAutofit fontScale="74000"/>
           </a:bodyPr>
           <a:p>
             <a:endParaRPr b="0" lang="en-US" sz="3200" spc="-1" strike="noStrike">
@@ -4443,7 +4445,7 @@
         <p:spPr>
           <a:xfrm>
             <a:off x="504000" y="261720"/>
-            <a:ext cx="9071280" cy="1341000"/>
+            <a:ext cx="9070920" cy="1341000"/>
           </a:xfrm>
           <a:prstGeom prst="rect">
             <a:avLst/>
@@ -4496,7 +4498,7 @@
         <p:spPr>
           <a:xfrm>
             <a:off x="504000" y="261720"/>
-            <a:ext cx="9071280" cy="6217560"/>
+            <a:ext cx="9070920" cy="6217560"/>
           </a:xfrm>
           <a:prstGeom prst="rect">
             <a:avLst/>
@@ -4549,7 +4551,7 @@
         <p:spPr>
           <a:xfrm>
             <a:off x="504000" y="261720"/>
-            <a:ext cx="9071280" cy="1341000"/>
+            <a:ext cx="9070920" cy="1341000"/>
           </a:xfrm>
           <a:prstGeom prst="rect">
             <a:avLst/>
@@ -4580,7 +4582,7 @@
         <p:spPr>
           <a:xfrm>
             <a:off x="504000" y="1768680"/>
-            <a:ext cx="1053720" cy="2090520"/>
+            <a:ext cx="513720" cy="2090520"/>
           </a:xfrm>
           <a:prstGeom prst="rect">
             <a:avLst/>
@@ -4588,7 +4590,7 @@
         </p:spPr>
         <p:txBody>
           <a:bodyPr lIns="0" rIns="0" tIns="0" bIns="0">
-            <a:normAutofit fontScale="27000"/>
+            <a:normAutofit fontScale="24000"/>
           </a:bodyPr>
           <a:p>
             <a:endParaRPr b="0" lang="en-US" sz="3200" spc="-1" strike="noStrike">
@@ -4609,8 +4611,8 @@
         </p:nvSpPr>
         <p:spPr>
           <a:xfrm>
-            <a:off x="1610640" y="1768680"/>
-            <a:ext cx="1053720" cy="4383360"/>
+            <a:off x="1043640" y="1768680"/>
+            <a:ext cx="513720" cy="4383000"/>
           </a:xfrm>
           <a:prstGeom prst="rect">
             <a:avLst/>
@@ -4618,7 +4620,7 @@
         </p:spPr>
         <p:txBody>
           <a:bodyPr lIns="0" rIns="0" tIns="0" bIns="0">
-            <a:normAutofit fontScale="84000"/>
+            <a:normAutofit fontScale="74000"/>
           </a:bodyPr>
           <a:p>
             <a:endParaRPr b="0" lang="en-US" sz="3200" spc="-1" strike="noStrike">
@@ -4640,7 +4642,7 @@
         <p:spPr>
           <a:xfrm>
             <a:off x="504000" y="4058280"/>
-            <a:ext cx="1053720" cy="2090520"/>
+            <a:ext cx="513720" cy="2090520"/>
           </a:xfrm>
           <a:prstGeom prst="rect">
             <a:avLst/>
@@ -4648,7 +4650,7 @@
         </p:spPr>
         <p:txBody>
           <a:bodyPr lIns="0" rIns="0" tIns="0" bIns="0">
-            <a:normAutofit fontScale="27000"/>
+            <a:normAutofit fontScale="24000"/>
           </a:bodyPr>
           <a:p>
             <a:endParaRPr b="0" lang="en-US" sz="3200" spc="-1" strike="noStrike">
@@ -4692,7 +4694,7 @@
         <p:spPr>
           <a:xfrm>
             <a:off x="504000" y="261720"/>
-            <a:ext cx="9071280" cy="1341000"/>
+            <a:ext cx="9070920" cy="1341000"/>
           </a:xfrm>
           <a:prstGeom prst="rect">
             <a:avLst/>
@@ -4723,7 +4725,7 @@
         <p:spPr>
           <a:xfrm>
             <a:off x="504000" y="1768680"/>
-            <a:ext cx="1053720" cy="4383360"/>
+            <a:ext cx="513720" cy="4383000"/>
           </a:xfrm>
           <a:prstGeom prst="rect">
             <a:avLst/>
@@ -4731,7 +4733,7 @@
         </p:spPr>
         <p:txBody>
           <a:bodyPr lIns="0" rIns="0" tIns="0" bIns="0">
-            <a:normAutofit fontScale="84000"/>
+            <a:normAutofit fontScale="74000"/>
           </a:bodyPr>
           <a:p>
             <a:endParaRPr b="0" lang="en-US" sz="3200" spc="-1" strike="noStrike">
@@ -4752,8 +4754,8 @@
         </p:nvSpPr>
         <p:spPr>
           <a:xfrm>
-            <a:off x="1610640" y="1768680"/>
-            <a:ext cx="1053720" cy="2090520"/>
+            <a:off x="1043640" y="1768680"/>
+            <a:ext cx="513720" cy="2090520"/>
           </a:xfrm>
           <a:prstGeom prst="rect">
             <a:avLst/>
@@ -4761,7 +4763,7 @@
         </p:spPr>
         <p:txBody>
           <a:bodyPr lIns="0" rIns="0" tIns="0" bIns="0">
-            <a:normAutofit fontScale="27000"/>
+            <a:normAutofit fontScale="24000"/>
           </a:bodyPr>
           <a:p>
             <a:endParaRPr b="0" lang="en-US" sz="3200" spc="-1" strike="noStrike">
@@ -4782,8 +4784,8 @@
         </p:nvSpPr>
         <p:spPr>
           <a:xfrm>
-            <a:off x="1610640" y="4058280"/>
-            <a:ext cx="1053720" cy="2090520"/>
+            <a:off x="1043640" y="4058280"/>
+            <a:ext cx="513720" cy="2090520"/>
           </a:xfrm>
           <a:prstGeom prst="rect">
             <a:avLst/>
@@ -4791,7 +4793,7 @@
         </p:spPr>
         <p:txBody>
           <a:bodyPr lIns="0" rIns="0" tIns="0" bIns="0">
-            <a:normAutofit fontScale="27000"/>
+            <a:normAutofit fontScale="24000"/>
           </a:bodyPr>
           <a:p>
             <a:endParaRPr b="0" lang="en-US" sz="3200" spc="-1" strike="noStrike">
@@ -4835,7 +4837,7 @@
         <p:spPr>
           <a:xfrm>
             <a:off x="504000" y="261720"/>
-            <a:ext cx="9071280" cy="1341000"/>
+            <a:ext cx="9070920" cy="1341000"/>
           </a:xfrm>
           <a:prstGeom prst="rect">
             <a:avLst/>
@@ -4866,7 +4868,7 @@
         <p:spPr>
           <a:xfrm>
             <a:off x="504000" y="1768680"/>
-            <a:ext cx="1053720" cy="2090520"/>
+            <a:ext cx="513720" cy="2090520"/>
           </a:xfrm>
           <a:prstGeom prst="rect">
             <a:avLst/>
@@ -4874,7 +4876,7 @@
         </p:spPr>
         <p:txBody>
           <a:bodyPr lIns="0" rIns="0" tIns="0" bIns="0">
-            <a:normAutofit fontScale="27000"/>
+            <a:normAutofit fontScale="24000"/>
           </a:bodyPr>
           <a:p>
             <a:endParaRPr b="0" lang="en-US" sz="3200" spc="-1" strike="noStrike">
@@ -4895,8 +4897,8 @@
         </p:nvSpPr>
         <p:spPr>
           <a:xfrm>
-            <a:off x="1610640" y="1768680"/>
-            <a:ext cx="1053720" cy="2090520"/>
+            <a:off x="1043640" y="1768680"/>
+            <a:ext cx="513720" cy="2090520"/>
           </a:xfrm>
           <a:prstGeom prst="rect">
             <a:avLst/>
@@ -4904,7 +4906,7 @@
         </p:spPr>
         <p:txBody>
           <a:bodyPr lIns="0" rIns="0" tIns="0" bIns="0">
-            <a:normAutofit fontScale="27000"/>
+            <a:normAutofit fontScale="24000"/>
           </a:bodyPr>
           <a:p>
             <a:endParaRPr b="0" lang="en-US" sz="3200" spc="-1" strike="noStrike">
@@ -4926,7 +4928,7 @@
         <p:spPr>
           <a:xfrm>
             <a:off x="504000" y="4058280"/>
-            <a:ext cx="2159640" cy="2090520"/>
+            <a:ext cx="1053360" cy="2090520"/>
           </a:xfrm>
           <a:prstGeom prst="rect">
             <a:avLst/>
@@ -4934,7 +4936,7 @@
         </p:spPr>
         <p:txBody>
           <a:bodyPr lIns="0" rIns="0" tIns="0" bIns="0">
-            <a:normAutofit/>
+            <a:normAutofit fontScale="27000"/>
           </a:bodyPr>
           <a:p>
             <a:endParaRPr b="0" lang="en-US" sz="3200" spc="-1" strike="noStrike">
@@ -4978,7 +4980,7 @@
         <p:spPr>
           <a:xfrm>
             <a:off x="504000" y="261720"/>
-            <a:ext cx="9071280" cy="1341000"/>
+            <a:ext cx="9070920" cy="1341000"/>
           </a:xfrm>
           <a:prstGeom prst="rect">
             <a:avLst/>
@@ -5009,7 +5011,7 @@
         <p:spPr>
           <a:xfrm>
             <a:off x="504000" y="1768680"/>
-            <a:ext cx="2159640" cy="2090520"/>
+            <a:ext cx="1053360" cy="2090520"/>
           </a:xfrm>
           <a:prstGeom prst="rect">
             <a:avLst/>
@@ -5017,7 +5019,7 @@
         </p:spPr>
         <p:txBody>
           <a:bodyPr lIns="0" rIns="0" tIns="0" bIns="0">
-            <a:normAutofit/>
+            <a:normAutofit fontScale="27000"/>
           </a:bodyPr>
           <a:p>
             <a:endParaRPr b="0" lang="en-US" sz="3200" spc="-1" strike="noStrike">
@@ -5039,7 +5041,7 @@
         <p:spPr>
           <a:xfrm>
             <a:off x="504000" y="4058280"/>
-            <a:ext cx="2159640" cy="2090520"/>
+            <a:ext cx="1053360" cy="2090520"/>
           </a:xfrm>
           <a:prstGeom prst="rect">
             <a:avLst/>
@@ -5047,7 +5049,7 @@
         </p:spPr>
         <p:txBody>
           <a:bodyPr lIns="0" rIns="0" tIns="0" bIns="0">
-            <a:normAutofit/>
+            <a:normAutofit fontScale="27000"/>
           </a:bodyPr>
           <a:p>
             <a:endParaRPr b="0" lang="en-US" sz="3200" spc="-1" strike="noStrike">
@@ -5091,7 +5093,7 @@
         <p:spPr>
           <a:xfrm>
             <a:off x="504000" y="261720"/>
-            <a:ext cx="9071280" cy="1341000"/>
+            <a:ext cx="9070920" cy="1341000"/>
           </a:xfrm>
           <a:prstGeom prst="rect">
             <a:avLst/>
@@ -5122,7 +5124,7 @@
         <p:spPr>
           <a:xfrm>
             <a:off x="504000" y="1768680"/>
-            <a:ext cx="1053720" cy="2090520"/>
+            <a:ext cx="513720" cy="2090520"/>
           </a:xfrm>
           <a:prstGeom prst="rect">
             <a:avLst/>
@@ -5130,7 +5132,7 @@
         </p:spPr>
         <p:txBody>
           <a:bodyPr lIns="0" rIns="0" tIns="0" bIns="0">
-            <a:normAutofit fontScale="27000"/>
+            <a:normAutofit fontScale="24000"/>
           </a:bodyPr>
           <a:p>
             <a:endParaRPr b="0" lang="en-US" sz="3200" spc="-1" strike="noStrike">
@@ -5151,8 +5153,8 @@
         </p:nvSpPr>
         <p:spPr>
           <a:xfrm>
-            <a:off x="1610640" y="1768680"/>
-            <a:ext cx="1053720" cy="2090520"/>
+            <a:off x="1043640" y="1768680"/>
+            <a:ext cx="513720" cy="2090520"/>
           </a:xfrm>
           <a:prstGeom prst="rect">
             <a:avLst/>
@@ -5160,7 +5162,7 @@
         </p:spPr>
         <p:txBody>
           <a:bodyPr lIns="0" rIns="0" tIns="0" bIns="0">
-            <a:normAutofit fontScale="27000"/>
+            <a:normAutofit fontScale="24000"/>
           </a:bodyPr>
           <a:p>
             <a:endParaRPr b="0" lang="en-US" sz="3200" spc="-1" strike="noStrike">
@@ -5182,7 +5184,7 @@
         <p:spPr>
           <a:xfrm>
             <a:off x="504000" y="4058280"/>
-            <a:ext cx="1053720" cy="2090520"/>
+            <a:ext cx="513720" cy="2090520"/>
           </a:xfrm>
           <a:prstGeom prst="rect">
             <a:avLst/>
@@ -5190,7 +5192,7 @@
         </p:spPr>
         <p:txBody>
           <a:bodyPr lIns="0" rIns="0" tIns="0" bIns="0">
-            <a:normAutofit fontScale="27000"/>
+            <a:normAutofit fontScale="24000"/>
           </a:bodyPr>
           <a:p>
             <a:endParaRPr b="0" lang="en-US" sz="3200" spc="-1" strike="noStrike">
@@ -5211,8 +5213,8 @@
         </p:nvSpPr>
         <p:spPr>
           <a:xfrm>
-            <a:off x="1610640" y="4058280"/>
-            <a:ext cx="1053720" cy="2090520"/>
+            <a:off x="1043640" y="4058280"/>
+            <a:ext cx="513720" cy="2090520"/>
           </a:xfrm>
           <a:prstGeom prst="rect">
             <a:avLst/>
@@ -5220,7 +5222,7 @@
         </p:spPr>
         <p:txBody>
           <a:bodyPr lIns="0" rIns="0" tIns="0" bIns="0">
-            <a:normAutofit fontScale="27000"/>
+            <a:normAutofit fontScale="24000"/>
           </a:bodyPr>
           <a:p>
             <a:endParaRPr b="0" lang="en-US" sz="3200" spc="-1" strike="noStrike">
@@ -5264,7 +5266,7 @@
         <p:spPr>
           <a:xfrm>
             <a:off x="504000" y="261720"/>
-            <a:ext cx="9071280" cy="1341000"/>
+            <a:ext cx="9070920" cy="1341000"/>
           </a:xfrm>
           <a:prstGeom prst="rect">
             <a:avLst/>
@@ -5295,7 +5297,7 @@
         <p:spPr>
           <a:xfrm>
             <a:off x="504000" y="1768680"/>
-            <a:ext cx="695160" cy="2090520"/>
+            <a:ext cx="338760" cy="2090520"/>
           </a:xfrm>
           <a:prstGeom prst="rect">
             <a:avLst/>
@@ -5324,8 +5326,8 @@
         </p:nvSpPr>
         <p:spPr>
           <a:xfrm>
-            <a:off x="1234440" y="1768680"/>
-            <a:ext cx="695160" cy="2090520"/>
+            <a:off x="860040" y="1768680"/>
+            <a:ext cx="338760" cy="2090520"/>
           </a:xfrm>
           <a:prstGeom prst="rect">
             <a:avLst/>
@@ -5354,8 +5356,8 @@
         </p:nvSpPr>
         <p:spPr>
           <a:xfrm>
-            <a:off x="1964520" y="1768680"/>
-            <a:ext cx="695160" cy="2090520"/>
+            <a:off x="1216080" y="1768680"/>
+            <a:ext cx="338760" cy="2090520"/>
           </a:xfrm>
           <a:prstGeom prst="rect">
             <a:avLst/>
@@ -5385,7 +5387,7 @@
         <p:spPr>
           <a:xfrm>
             <a:off x="504000" y="4058280"/>
-            <a:ext cx="695160" cy="2090520"/>
+            <a:ext cx="338760" cy="2090520"/>
           </a:xfrm>
           <a:prstGeom prst="rect">
             <a:avLst/>
@@ -5414,8 +5416,8 @@
         </p:nvSpPr>
         <p:spPr>
           <a:xfrm>
-            <a:off x="1234440" y="4058280"/>
-            <a:ext cx="695160" cy="2090520"/>
+            <a:off x="860040" y="4058280"/>
+            <a:ext cx="338760" cy="2090520"/>
           </a:xfrm>
           <a:prstGeom prst="rect">
             <a:avLst/>
@@ -5444,8 +5446,8 @@
         </p:nvSpPr>
         <p:spPr>
           <a:xfrm>
-            <a:off x="1964520" y="4058280"/>
-            <a:ext cx="695160" cy="2090520"/>
+            <a:off x="1216080" y="4058280"/>
+            <a:ext cx="338760" cy="2090520"/>
           </a:xfrm>
           <a:prstGeom prst="rect">
             <a:avLst/>
@@ -5497,7 +5499,7 @@
         <p:spPr>
           <a:xfrm>
             <a:off x="504000" y="261720"/>
-            <a:ext cx="9071280" cy="1341000"/>
+            <a:ext cx="9070920" cy="1341000"/>
           </a:xfrm>
           <a:prstGeom prst="rect">
             <a:avLst/>
@@ -5550,7 +5552,7 @@
         <p:spPr>
           <a:xfrm>
             <a:off x="504000" y="261720"/>
-            <a:ext cx="9071280" cy="6217560"/>
+            <a:ext cx="9070920" cy="6217560"/>
           </a:xfrm>
           <a:prstGeom prst="rect">
             <a:avLst/>
@@ -5603,7 +5605,7 @@
         <p:spPr>
           <a:xfrm>
             <a:off x="504000" y="261720"/>
-            <a:ext cx="9071280" cy="1341000"/>
+            <a:ext cx="9070920" cy="1341000"/>
           </a:xfrm>
           <a:prstGeom prst="rect">
             <a:avLst/>
@@ -5634,7 +5636,7 @@
         <p:spPr>
           <a:xfrm>
             <a:off x="504000" y="1768680"/>
-            <a:ext cx="1053720" cy="2090520"/>
+            <a:ext cx="513720" cy="2090520"/>
           </a:xfrm>
           <a:prstGeom prst="rect">
             <a:avLst/>
@@ -5642,7 +5644,7 @@
         </p:spPr>
         <p:txBody>
           <a:bodyPr lIns="0" rIns="0" tIns="0" bIns="0">
-            <a:normAutofit fontScale="27000"/>
+            <a:normAutofit fontScale="24000"/>
           </a:bodyPr>
           <a:p>
             <a:endParaRPr b="0" lang="en-US" sz="3200" spc="-1" strike="noStrike">
@@ -5663,8 +5665,8 @@
         </p:nvSpPr>
         <p:spPr>
           <a:xfrm>
-            <a:off x="1610640" y="1768680"/>
-            <a:ext cx="1053720" cy="4383360"/>
+            <a:off x="1043640" y="1768680"/>
+            <a:ext cx="513720" cy="4383000"/>
           </a:xfrm>
           <a:prstGeom prst="rect">
             <a:avLst/>
@@ -5672,7 +5674,7 @@
         </p:spPr>
         <p:txBody>
           <a:bodyPr lIns="0" rIns="0" tIns="0" bIns="0">
-            <a:normAutofit fontScale="84000"/>
+            <a:normAutofit fontScale="74000"/>
           </a:bodyPr>
           <a:p>
             <a:endParaRPr b="0" lang="en-US" sz="3200" spc="-1" strike="noStrike">
@@ -5694,7 +5696,7 @@
         <p:spPr>
           <a:xfrm>
             <a:off x="504000" y="4058280"/>
-            <a:ext cx="1053720" cy="2090520"/>
+            <a:ext cx="513720" cy="2090520"/>
           </a:xfrm>
           <a:prstGeom prst="rect">
             <a:avLst/>
@@ -5702,7 +5704,7 @@
         </p:spPr>
         <p:txBody>
           <a:bodyPr lIns="0" rIns="0" tIns="0" bIns="0">
-            <a:normAutofit fontScale="27000"/>
+            <a:normAutofit fontScale="24000"/>
           </a:bodyPr>
           <a:p>
             <a:endParaRPr b="0" lang="en-US" sz="3200" spc="-1" strike="noStrike">
@@ -5746,7 +5748,7 @@
         <p:spPr>
           <a:xfrm>
             <a:off x="504000" y="261720"/>
-            <a:ext cx="9071280" cy="1341000"/>
+            <a:ext cx="9070920" cy="1341000"/>
           </a:xfrm>
           <a:prstGeom prst="rect">
             <a:avLst/>
@@ -5777,7 +5779,7 @@
         <p:spPr>
           <a:xfrm>
             <a:off x="504000" y="1768680"/>
-            <a:ext cx="1053720" cy="4383360"/>
+            <a:ext cx="513720" cy="4383000"/>
           </a:xfrm>
           <a:prstGeom prst="rect">
             <a:avLst/>
@@ -5785,7 +5787,7 @@
         </p:spPr>
         <p:txBody>
           <a:bodyPr lIns="0" rIns="0" tIns="0" bIns="0">
-            <a:normAutofit fontScale="84000"/>
+            <a:normAutofit fontScale="74000"/>
           </a:bodyPr>
           <a:p>
             <a:endParaRPr b="0" lang="en-US" sz="3200" spc="-1" strike="noStrike">
@@ -5806,8 +5808,8 @@
         </p:nvSpPr>
         <p:spPr>
           <a:xfrm>
-            <a:off x="1610640" y="1768680"/>
-            <a:ext cx="1053720" cy="2090520"/>
+            <a:off x="1043640" y="1768680"/>
+            <a:ext cx="513720" cy="2090520"/>
           </a:xfrm>
           <a:prstGeom prst="rect">
             <a:avLst/>
@@ -5815,7 +5817,7 @@
         </p:spPr>
         <p:txBody>
           <a:bodyPr lIns="0" rIns="0" tIns="0" bIns="0">
-            <a:normAutofit fontScale="27000"/>
+            <a:normAutofit fontScale="24000"/>
           </a:bodyPr>
           <a:p>
             <a:endParaRPr b="0" lang="en-US" sz="3200" spc="-1" strike="noStrike">
@@ -5836,8 +5838,8 @@
         </p:nvSpPr>
         <p:spPr>
           <a:xfrm>
-            <a:off x="1610640" y="4058280"/>
-            <a:ext cx="1053720" cy="2090520"/>
+            <a:off x="1043640" y="4058280"/>
+            <a:ext cx="513720" cy="2090520"/>
           </a:xfrm>
           <a:prstGeom prst="rect">
             <a:avLst/>
@@ -5845,7 +5847,7 @@
         </p:spPr>
         <p:txBody>
           <a:bodyPr lIns="0" rIns="0" tIns="0" bIns="0">
-            <a:normAutofit fontScale="27000"/>
+            <a:normAutofit fontScale="24000"/>
           </a:bodyPr>
           <a:p>
             <a:endParaRPr b="0" lang="en-US" sz="3200" spc="-1" strike="noStrike">
@@ -5889,7 +5891,7 @@
         <p:spPr>
           <a:xfrm>
             <a:off x="504000" y="261720"/>
-            <a:ext cx="9071280" cy="1341000"/>
+            <a:ext cx="9070920" cy="1341000"/>
           </a:xfrm>
           <a:prstGeom prst="rect">
             <a:avLst/>
@@ -5920,7 +5922,7 @@
         <p:spPr>
           <a:xfrm>
             <a:off x="504000" y="1768680"/>
-            <a:ext cx="1053720" cy="2090520"/>
+            <a:ext cx="513720" cy="2090520"/>
           </a:xfrm>
           <a:prstGeom prst="rect">
             <a:avLst/>
@@ -5928,7 +5930,7 @@
         </p:spPr>
         <p:txBody>
           <a:bodyPr lIns="0" rIns="0" tIns="0" bIns="0">
-            <a:normAutofit fontScale="27000"/>
+            <a:normAutofit fontScale="24000"/>
           </a:bodyPr>
           <a:p>
             <a:endParaRPr b="0" lang="en-US" sz="3200" spc="-1" strike="noStrike">
@@ -5949,8 +5951,8 @@
         </p:nvSpPr>
         <p:spPr>
           <a:xfrm>
-            <a:off x="1610640" y="1768680"/>
-            <a:ext cx="1053720" cy="2090520"/>
+            <a:off x="1043640" y="1768680"/>
+            <a:ext cx="513720" cy="2090520"/>
           </a:xfrm>
           <a:prstGeom prst="rect">
             <a:avLst/>
@@ -5958,7 +5960,7 @@
         </p:spPr>
         <p:txBody>
           <a:bodyPr lIns="0" rIns="0" tIns="0" bIns="0">
-            <a:normAutofit fontScale="27000"/>
+            <a:normAutofit fontScale="24000"/>
           </a:bodyPr>
           <a:p>
             <a:endParaRPr b="0" lang="en-US" sz="3200" spc="-1" strike="noStrike">
@@ -5980,7 +5982,7 @@
         <p:spPr>
           <a:xfrm>
             <a:off x="504000" y="4058280"/>
-            <a:ext cx="2159640" cy="2090520"/>
+            <a:ext cx="1053360" cy="2090520"/>
           </a:xfrm>
           <a:prstGeom prst="rect">
             <a:avLst/>
@@ -5988,7 +5990,7 @@
         </p:spPr>
         <p:txBody>
           <a:bodyPr lIns="0" rIns="0" tIns="0" bIns="0">
-            <a:normAutofit/>
+            <a:normAutofit fontScale="27000"/>
           </a:bodyPr>
           <a:p>
             <a:endParaRPr b="0" lang="en-US" sz="3200" spc="-1" strike="noStrike">
@@ -6028,7 +6030,7 @@
         <p:spPr>
           <a:xfrm>
             <a:off x="0" y="3150000"/>
-            <a:ext cx="9718200" cy="1258200"/>
+            <a:ext cx="9717840" cy="1257840"/>
           </a:xfrm>
           <a:prstGeom prst="rect">
             <a:avLst/>
@@ -6345,7 +6347,7 @@
         <p:spPr>
           <a:xfrm>
             <a:off x="0" y="180000"/>
-            <a:ext cx="9718200" cy="1258200"/>
+            <a:ext cx="9717840" cy="1257840"/>
           </a:xfrm>
           <a:prstGeom prst="rect">
             <a:avLst/>
@@ -6373,7 +6375,7 @@
         <p:spPr>
           <a:xfrm>
             <a:off x="7560000" y="6840000"/>
-            <a:ext cx="2518200" cy="538200"/>
+            <a:ext cx="2517840" cy="537840"/>
           </a:xfrm>
           <a:prstGeom prst="rect">
             <a:avLst/>
@@ -6401,7 +6403,7 @@
         <p:spPr>
           <a:xfrm>
             <a:off x="900000" y="6840000"/>
-            <a:ext cx="6478200" cy="538200"/>
+            <a:ext cx="6477840" cy="537840"/>
           </a:xfrm>
           <a:prstGeom prst="rect">
             <a:avLst/>
@@ -6429,7 +6431,7 @@
         <p:spPr>
           <a:xfrm>
             <a:off x="180000" y="6840000"/>
-            <a:ext cx="538200" cy="538200"/>
+            <a:ext cx="537840" cy="537840"/>
           </a:xfrm>
           <a:prstGeom prst="rect">
             <a:avLst/>
@@ -6459,7 +6461,7 @@
         <p:spPr>
           <a:xfrm>
             <a:off x="504000" y="261720"/>
-            <a:ext cx="9071280" cy="1341000"/>
+            <a:ext cx="9070920" cy="1341000"/>
           </a:xfrm>
           <a:prstGeom prst="rect">
             <a:avLst/>
@@ -6495,7 +6497,7 @@
         <p:spPr>
           <a:xfrm>
             <a:off x="504000" y="1768680"/>
-            <a:ext cx="2159640" cy="4383360"/>
+            <a:ext cx="1053360" cy="4383000"/>
           </a:xfrm>
           <a:prstGeom prst="rect">
             <a:avLst/>
@@ -6503,7 +6505,7 @@
         </p:spPr>
         <p:txBody>
           <a:bodyPr lIns="0" rIns="0" tIns="0" bIns="0">
-            <a:normAutofit fontScale="11000"/>
+            <a:normAutofit fontScale="4000"/>
           </a:bodyPr>
           <a:p>
             <a:pPr marL="432000" indent="-324000">
@@ -6709,8 +6711,8 @@
         </p:nvSpPr>
         <p:spPr>
           <a:xfrm>
-            <a:off x="2772360" y="1768680"/>
-            <a:ext cx="2159640" cy="4383360"/>
+            <a:off x="1610640" y="1768680"/>
+            <a:ext cx="1053360" cy="4383000"/>
           </a:xfrm>
           <a:prstGeom prst="rect">
             <a:avLst/>
@@ -6718,7 +6720,7 @@
         </p:spPr>
         <p:txBody>
           <a:bodyPr lIns="0" rIns="0" tIns="0" bIns="0">
-            <a:normAutofit fontScale="11000"/>
+            <a:normAutofit fontScale="4000"/>
           </a:bodyPr>
           <a:p>
             <a:pPr marL="432000" indent="-324000">
@@ -6958,7 +6960,7 @@
         <p:spPr>
           <a:xfrm>
             <a:off x="0" y="180000"/>
-            <a:ext cx="9718200" cy="1258200"/>
+            <a:ext cx="9717840" cy="1257840"/>
           </a:xfrm>
           <a:prstGeom prst="rect">
             <a:avLst/>
@@ -6986,7 +6988,7 @@
         <p:spPr>
           <a:xfrm>
             <a:off x="7560000" y="6840000"/>
-            <a:ext cx="2518200" cy="538200"/>
+            <a:ext cx="2517840" cy="537840"/>
           </a:xfrm>
           <a:prstGeom prst="rect">
             <a:avLst/>
@@ -7014,7 +7016,7 @@
         <p:spPr>
           <a:xfrm>
             <a:off x="900000" y="6840000"/>
-            <a:ext cx="6478200" cy="538200"/>
+            <a:ext cx="6477840" cy="537840"/>
           </a:xfrm>
           <a:prstGeom prst="rect">
             <a:avLst/>
@@ -7042,7 +7044,7 @@
         <p:spPr>
           <a:xfrm>
             <a:off x="180000" y="6840000"/>
-            <a:ext cx="538200" cy="538200"/>
+            <a:ext cx="537840" cy="537840"/>
           </a:xfrm>
           <a:prstGeom prst="rect">
             <a:avLst/>
@@ -7357,7 +7359,7 @@
         <p:spPr>
           <a:xfrm>
             <a:off x="0" y="180000"/>
-            <a:ext cx="9718200" cy="1258200"/>
+            <a:ext cx="9717840" cy="1257840"/>
           </a:xfrm>
           <a:prstGeom prst="rect">
             <a:avLst/>
@@ -7385,7 +7387,7 @@
         <p:spPr>
           <a:xfrm>
             <a:off x="7560000" y="6840000"/>
-            <a:ext cx="2518200" cy="538200"/>
+            <a:ext cx="2517840" cy="537840"/>
           </a:xfrm>
           <a:prstGeom prst="rect">
             <a:avLst/>
@@ -7413,7 +7415,7 @@
         <p:spPr>
           <a:xfrm>
             <a:off x="900000" y="6840000"/>
-            <a:ext cx="6478200" cy="538200"/>
+            <a:ext cx="6477840" cy="537840"/>
           </a:xfrm>
           <a:prstGeom prst="rect">
             <a:avLst/>
@@ -7441,7 +7443,7 @@
         <p:spPr>
           <a:xfrm>
             <a:off x="180000" y="6840000"/>
-            <a:ext cx="538200" cy="538200"/>
+            <a:ext cx="537840" cy="537840"/>
           </a:xfrm>
           <a:prstGeom prst="rect">
             <a:avLst/>
@@ -7471,7 +7473,7 @@
         <p:spPr>
           <a:xfrm>
             <a:off x="504000" y="261720"/>
-            <a:ext cx="9071280" cy="1341000"/>
+            <a:ext cx="9070920" cy="1341000"/>
           </a:xfrm>
           <a:prstGeom prst="rect">
             <a:avLst/>
@@ -7507,7 +7509,7 @@
         <p:spPr>
           <a:xfrm>
             <a:off x="504000" y="1768680"/>
-            <a:ext cx="2159640" cy="4383360"/>
+            <a:ext cx="1053360" cy="4383000"/>
           </a:xfrm>
           <a:prstGeom prst="rect">
             <a:avLst/>
@@ -7515,7 +7517,7 @@
         </p:spPr>
         <p:txBody>
           <a:bodyPr lIns="0" rIns="0" tIns="0" bIns="0">
-            <a:normAutofit fontScale="11000"/>
+            <a:normAutofit fontScale="4000"/>
           </a:bodyPr>
           <a:p>
             <a:pPr marL="432000" indent="-324000">
@@ -7721,8 +7723,8 @@
         </p:nvSpPr>
         <p:spPr>
           <a:xfrm>
-            <a:off x="2772360" y="1768680"/>
-            <a:ext cx="2159640" cy="4383360"/>
+            <a:off x="1610640" y="1768680"/>
+            <a:ext cx="1053360" cy="4383000"/>
           </a:xfrm>
           <a:prstGeom prst="rect">
             <a:avLst/>
@@ -7730,7 +7732,7 @@
         </p:spPr>
         <p:txBody>
           <a:bodyPr lIns="0" rIns="0" tIns="0" bIns="0">
-            <a:normAutofit fontScale="11000"/>
+            <a:normAutofit fontScale="4000"/>
           </a:bodyPr>
           <a:p>
             <a:pPr marL="432000" indent="-324000">
@@ -7970,7 +7972,7 @@
         <p:spPr>
           <a:xfrm>
             <a:off x="360000" y="3330000"/>
-            <a:ext cx="9358200" cy="898200"/>
+            <a:ext cx="9357840" cy="897840"/>
           </a:xfrm>
           <a:prstGeom prst="rect">
             <a:avLst/>
@@ -8031,7 +8033,7 @@
         <p:spPr>
           <a:xfrm>
             <a:off x="540000" y="4680000"/>
-            <a:ext cx="9178200" cy="2518200"/>
+            <a:ext cx="9177840" cy="2517840"/>
           </a:xfrm>
           <a:prstGeom prst="rect">
             <a:avLst/>
@@ -8121,8 +8123,8 @@
         </p:nvSpPr>
         <p:spPr>
           <a:xfrm rot="21586200">
-            <a:off x="6770880" y="4673880"/>
-            <a:ext cx="3015360" cy="1944000"/>
+            <a:off x="6770520" y="4673880"/>
+            <a:ext cx="3015000" cy="1943640"/>
           </a:xfrm>
           <a:prstGeom prst="rect">
             <a:avLst/>
@@ -8153,7 +8155,7 @@
         <p:spPr>
           <a:xfrm>
             <a:off x="504000" y="2952000"/>
-            <a:ext cx="5903280" cy="3743280"/>
+            <a:ext cx="5902920" cy="3742920"/>
           </a:xfrm>
           <a:prstGeom prst="rect">
             <a:avLst/>
@@ -8184,7 +8186,7 @@
         <p:spPr>
           <a:xfrm>
             <a:off x="504000" y="596520"/>
-            <a:ext cx="9071280" cy="670680"/>
+            <a:ext cx="9070920" cy="670320"/>
           </a:xfrm>
           <a:prstGeom prst="rect">
             <a:avLst/>
@@ -8255,7 +8257,7 @@
         <p:spPr>
           <a:xfrm>
             <a:off x="1080000" y="4824000"/>
-            <a:ext cx="935280" cy="1295280"/>
+            <a:ext cx="934920" cy="1294920"/>
           </a:xfrm>
           <a:prstGeom prst="foldedCorner">
             <a:avLst>
@@ -8287,7 +8289,7 @@
         <p:spPr>
           <a:xfrm>
             <a:off x="2016000" y="5873040"/>
-            <a:ext cx="1385640" cy="363960"/>
+            <a:ext cx="1385280" cy="363960"/>
           </a:xfrm>
           <a:prstGeom prst="rect">
             <a:avLst/>
@@ -8394,7 +8396,7 @@
         <p:spPr>
           <a:xfrm>
             <a:off x="665280" y="3600000"/>
-            <a:ext cx="2286000" cy="363960"/>
+            <a:ext cx="2285640" cy="363960"/>
           </a:xfrm>
           <a:prstGeom prst="rect">
             <a:avLst/>
@@ -8445,7 +8447,7 @@
         <p:spPr>
           <a:xfrm>
             <a:off x="3137040" y="4909680"/>
-            <a:ext cx="2190240" cy="363960"/>
+            <a:ext cx="2189880" cy="363960"/>
           </a:xfrm>
           <a:prstGeom prst="rect">
             <a:avLst/>
@@ -8506,7 +8508,7 @@
         <p:spPr>
           <a:xfrm>
             <a:off x="3600000" y="3600000"/>
-            <a:ext cx="1367280" cy="719280"/>
+            <a:ext cx="1366920" cy="718920"/>
           </a:xfrm>
           <a:prstGeom prst="flowChartMagneticDisk">
             <a:avLst/>
@@ -8536,7 +8538,7 @@
         <p:spPr>
           <a:xfrm>
             <a:off x="3312000" y="3209040"/>
-            <a:ext cx="1950840" cy="363960"/>
+            <a:ext cx="1950480" cy="363960"/>
           </a:xfrm>
           <a:prstGeom prst="rect">
             <a:avLst/>
@@ -8587,7 +8589,7 @@
         <p:spPr>
           <a:xfrm>
             <a:off x="792000" y="2808000"/>
-            <a:ext cx="1223280" cy="503280"/>
+            <a:ext cx="1222920" cy="502920"/>
           </a:xfrm>
           <a:prstGeom prst="rect">
             <a:avLst/>
@@ -8698,7 +8700,7 @@
         <p:spPr>
           <a:xfrm>
             <a:off x="6696000" y="2304000"/>
-            <a:ext cx="1943280" cy="719280"/>
+            <a:ext cx="1942920" cy="718920"/>
           </a:xfrm>
           <a:prstGeom prst="flowChartMagneticDisk">
             <a:avLst/>
@@ -8728,7 +8730,7 @@
         <p:spPr>
           <a:xfrm>
             <a:off x="6730560" y="1985040"/>
-            <a:ext cx="1836720" cy="363960"/>
+            <a:ext cx="1836360" cy="363960"/>
           </a:xfrm>
           <a:prstGeom prst="rect">
             <a:avLst/>
@@ -8779,7 +8781,7 @@
         <p:spPr>
           <a:xfrm>
             <a:off x="8856000" y="5688000"/>
-            <a:ext cx="575280" cy="791280"/>
+            <a:ext cx="574920" cy="790920"/>
           </a:xfrm>
           <a:prstGeom prst="foldedCorner">
             <a:avLst>
@@ -8811,7 +8813,7 @@
         <p:spPr>
           <a:xfrm>
             <a:off x="7488000" y="4824000"/>
-            <a:ext cx="863280" cy="503280"/>
+            <a:ext cx="862920" cy="502920"/>
           </a:xfrm>
           <a:prstGeom prst="flowChartMagneticDisk">
             <a:avLst/>
@@ -8953,7 +8955,7 @@
         <p:spPr>
           <a:xfrm>
             <a:off x="8496000" y="4392000"/>
-            <a:ext cx="1223280" cy="503280"/>
+            <a:ext cx="1222920" cy="502920"/>
           </a:xfrm>
           <a:prstGeom prst="rect">
             <a:avLst/>
@@ -9038,7 +9040,7 @@
         <p:spPr>
           <a:xfrm>
             <a:off x="504000" y="383040"/>
-            <a:ext cx="9071280" cy="1097640"/>
+            <a:ext cx="9070920" cy="1097280"/>
           </a:xfrm>
           <a:prstGeom prst="rect">
             <a:avLst/>
@@ -9124,7 +9126,7 @@
         <p:spPr>
           <a:xfrm>
             <a:off x="504000" y="1881000"/>
-            <a:ext cx="9318240" cy="4454280"/>
+            <a:ext cx="9317880" cy="4453920"/>
           </a:xfrm>
           <a:prstGeom prst="rect">
             <a:avLst/>
@@ -9143,7 +9145,7 @@
         <p:spPr>
           <a:xfrm>
             <a:off x="2520000" y="4896000"/>
-            <a:ext cx="791280" cy="1079280"/>
+            <a:ext cx="790920" cy="1078920"/>
           </a:xfrm>
           <a:prstGeom prst="flowChartPunchedCard">
             <a:avLst/>
@@ -9173,7 +9175,7 @@
         <p:spPr>
           <a:xfrm>
             <a:off x="3816000" y="5112000"/>
-            <a:ext cx="2709720" cy="363960"/>
+            <a:ext cx="2709360" cy="363960"/>
           </a:xfrm>
           <a:prstGeom prst="rect">
             <a:avLst/>
@@ -9224,7 +9226,7 @@
         <p:spPr>
           <a:xfrm>
             <a:off x="2029680" y="6017040"/>
-            <a:ext cx="1641600" cy="363960"/>
+            <a:ext cx="1641240" cy="363960"/>
           </a:xfrm>
           <a:prstGeom prst="rect">
             <a:avLst/>
@@ -9275,7 +9277,7 @@
         <p:spPr>
           <a:xfrm>
             <a:off x="4248000" y="3528000"/>
-            <a:ext cx="1367280" cy="791280"/>
+            <a:ext cx="1366920" cy="790920"/>
           </a:xfrm>
           <a:prstGeom prst="flowChartMagneticDisk">
             <a:avLst/>
@@ -9305,7 +9307,7 @@
         <p:spPr>
           <a:xfrm>
             <a:off x="2971080" y="3312000"/>
-            <a:ext cx="1132200" cy="638280"/>
+            <a:ext cx="1131840" cy="638280"/>
           </a:xfrm>
           <a:prstGeom prst="rect">
             <a:avLst/>
@@ -9386,7 +9388,7 @@
         <p:spPr>
           <a:xfrm>
             <a:off x="5857560" y="3528000"/>
-            <a:ext cx="2356200" cy="363960"/>
+            <a:ext cx="2355840" cy="363960"/>
           </a:xfrm>
           <a:prstGeom prst="rect">
             <a:avLst/>
@@ -9493,7 +9495,7 @@
         <p:spPr>
           <a:xfrm>
             <a:off x="6408000" y="2088000"/>
-            <a:ext cx="1295280" cy="719280"/>
+            <a:ext cx="1294920" cy="718920"/>
           </a:xfrm>
           <a:prstGeom prst="can">
             <a:avLst>
@@ -9525,7 +9527,7 @@
         <p:spPr>
           <a:xfrm>
             <a:off x="4752000" y="2088000"/>
-            <a:ext cx="1272600" cy="638280"/>
+            <a:ext cx="1272240" cy="912600"/>
           </a:xfrm>
           <a:prstGeom prst="rect">
             <a:avLst/>
@@ -9636,7 +9638,7 @@
         <p:spPr>
           <a:xfrm>
             <a:off x="504000" y="596520"/>
-            <a:ext cx="9071280" cy="670680"/>
+            <a:ext cx="9070920" cy="670320"/>
           </a:xfrm>
           <a:prstGeom prst="rect">
             <a:avLst/>
@@ -9701,7 +9703,7 @@
         <p:spPr>
           <a:xfrm>
             <a:off x="504000" y="1881000"/>
-            <a:ext cx="9143280" cy="4454280"/>
+            <a:ext cx="9142920" cy="4453920"/>
           </a:xfrm>
           <a:prstGeom prst="rect">
             <a:avLst/>
@@ -9720,7 +9722,7 @@
         <p:spPr>
           <a:xfrm>
             <a:off x="864000" y="5400000"/>
-            <a:ext cx="647280" cy="791280"/>
+            <a:ext cx="646920" cy="790920"/>
           </a:xfrm>
           <a:prstGeom prst="flowChartPunchedCard">
             <a:avLst/>
@@ -9750,7 +9752,7 @@
         <p:spPr>
           <a:xfrm>
             <a:off x="720000" y="3960000"/>
-            <a:ext cx="863640" cy="431640"/>
+            <a:ext cx="863280" cy="431280"/>
           </a:xfrm>
           <a:prstGeom prst="can">
             <a:avLst>
@@ -9782,7 +9784,7 @@
         <p:spPr>
           <a:xfrm>
             <a:off x="720000" y="2520000"/>
-            <a:ext cx="863640" cy="431640"/>
+            <a:ext cx="863280" cy="431280"/>
           </a:xfrm>
           <a:prstGeom prst="can">
             <a:avLst>
@@ -9814,7 +9816,7 @@
         <p:spPr>
           <a:xfrm>
             <a:off x="2160000" y="5616000"/>
-            <a:ext cx="1295640" cy="363960"/>
+            <a:ext cx="1295280" cy="363960"/>
           </a:xfrm>
           <a:prstGeom prst="rect">
             <a:avLst/>
@@ -9842,7 +9844,11 @@
             </a:pPr>
             <a:r>
               <a:rPr b="0" lang="en-US" sz="1800" spc="-1" strike="noStrike">
-                <a:latin typeface="Arial"/>
+                <a:solidFill>
+                  <a:srgbClr val="000000"/>
+                </a:solidFill>
+                <a:latin typeface="Arial"/>
+                <a:ea typeface="DejaVu Sans"/>
               </a:rPr>
               <a:t>Index.html</a:t>
             </a:r>
@@ -9889,7 +9895,7 @@
         <p:spPr>
           <a:xfrm>
             <a:off x="1872000" y="2016000"/>
-            <a:ext cx="1799640" cy="1007640"/>
+            <a:ext cx="1799280" cy="1007280"/>
           </a:xfrm>
           <a:prstGeom prst="rect">
             <a:avLst/>
@@ -9994,7 +10000,7 @@
         <p:spPr>
           <a:xfrm>
             <a:off x="2016000" y="1584360"/>
-            <a:ext cx="1511280" cy="503280"/>
+            <a:ext cx="1510920" cy="502920"/>
           </a:xfrm>
           <a:prstGeom prst="rect">
             <a:avLst/>
@@ -10059,7 +10065,7 @@
         <p:spPr>
           <a:xfrm>
             <a:off x="3960000" y="2016000"/>
-            <a:ext cx="2735640" cy="1007640"/>
+            <a:ext cx="2735280" cy="1007280"/>
           </a:xfrm>
           <a:prstGeom prst="rect">
             <a:avLst/>
@@ -10164,7 +10170,7 @@
         <p:spPr>
           <a:xfrm>
             <a:off x="4536360" y="1584360"/>
-            <a:ext cx="1511280" cy="503280"/>
+            <a:ext cx="1510920" cy="502920"/>
           </a:xfrm>
           <a:prstGeom prst="rect">
             <a:avLst/>
@@ -10247,7 +10253,7 @@
         <p:spPr>
           <a:xfrm>
             <a:off x="3672000" y="3960000"/>
-            <a:ext cx="2735640" cy="575640"/>
+            <a:ext cx="2735280" cy="575280"/>
           </a:xfrm>
           <a:prstGeom prst="rect">
             <a:avLst/>
@@ -10322,7 +10328,7 @@
         <p:spPr>
           <a:xfrm>
             <a:off x="4320360" y="3528360"/>
-            <a:ext cx="1511280" cy="503280"/>
+            <a:ext cx="1510920" cy="502920"/>
           </a:xfrm>
           <a:prstGeom prst="rect">
             <a:avLst/>
@@ -10405,7 +10411,7 @@
         <p:spPr>
           <a:xfrm>
             <a:off x="6264000" y="3456000"/>
-            <a:ext cx="1295640" cy="363960"/>
+            <a:ext cx="1295280" cy="363960"/>
           </a:xfrm>
           <a:prstGeom prst="rect">
             <a:avLst/>
@@ -10433,7 +10439,11 @@
             </a:pPr>
             <a:r>
               <a:rPr b="0" lang="en-US" sz="1800" spc="-1" strike="noStrike">
-                <a:latin typeface="Arial"/>
+                <a:solidFill>
+                  <a:srgbClr val="000000"/>
+                </a:solidFill>
+                <a:latin typeface="Arial"/>
+                <a:ea typeface="DejaVu Sans"/>
               </a:rPr>
               <a:t>Git commit</a:t>
             </a:r>
@@ -10452,7 +10462,7 @@
         <p:spPr>
           <a:xfrm>
             <a:off x="6912000" y="1944000"/>
-            <a:ext cx="2448000" cy="1152000"/>
+            <a:ext cx="2447640" cy="1151640"/>
           </a:xfrm>
           <a:prstGeom prst="rect">
             <a:avLst/>
@@ -10567,7 +10577,7 @@
         <p:spPr>
           <a:xfrm>
             <a:off x="2520000" y="3888000"/>
-            <a:ext cx="1295640" cy="363960"/>
+            <a:ext cx="1295280" cy="363960"/>
           </a:xfrm>
           <a:prstGeom prst="rect">
             <a:avLst/>
@@ -10595,7 +10605,11 @@
             </a:pPr>
             <a:r>
               <a:rPr b="0" lang="en-US" sz="1800" spc="-1" strike="noStrike">
-                <a:latin typeface="Arial"/>
+                <a:solidFill>
+                  <a:srgbClr val="000000"/>
+                </a:solidFill>
+                <a:latin typeface="Arial"/>
+                <a:ea typeface="DejaVu Sans"/>
               </a:rPr>
               <a:t>Git add</a:t>
             </a:r>
@@ -10614,7 +10628,7 @@
         <p:spPr>
           <a:xfrm>
             <a:off x="2448000" y="3672000"/>
-            <a:ext cx="431640" cy="363960"/>
+            <a:ext cx="431280" cy="363960"/>
           </a:xfrm>
           <a:prstGeom prst="rect">
             <a:avLst/>
@@ -10642,7 +10656,11 @@
             </a:pPr>
             <a:r>
               <a:rPr b="0" lang="en-US" sz="1800" spc="-1" strike="noStrike">
-                <a:latin typeface="Arial"/>
+                <a:solidFill>
+                  <a:srgbClr val="000000"/>
+                </a:solidFill>
+                <a:latin typeface="Arial"/>
+                <a:ea typeface="DejaVu Sans"/>
               </a:rPr>
               <a:t>⓵</a:t>
             </a:r>
@@ -10661,7 +10679,7 @@
         <p:spPr>
           <a:xfrm>
             <a:off x="3312000" y="3168000"/>
-            <a:ext cx="575640" cy="425520"/>
+            <a:ext cx="575280" cy="425160"/>
           </a:xfrm>
           <a:prstGeom prst="rect">
             <a:avLst/>
@@ -10689,13 +10707,21 @@
             </a:pPr>
             <a:r>
               <a:rPr b="0" lang="en-US" sz="1800" spc="-1" strike="noStrike">
-                <a:latin typeface="Arial"/>
+                <a:solidFill>
+                  <a:srgbClr val="000000"/>
+                </a:solidFill>
+                <a:latin typeface="Arial"/>
+                <a:ea typeface="DejaVu Sans"/>
               </a:rPr>
               <a:t>⓵</a:t>
             </a:r>
             <a:r>
               <a:rPr b="0" lang="en-US" sz="2200" spc="-1" strike="noStrike">
-                <a:latin typeface="Arial"/>
+                <a:solidFill>
+                  <a:srgbClr val="000000"/>
+                </a:solidFill>
+                <a:latin typeface="Arial"/>
+                <a:ea typeface="DejaVu Sans"/>
               </a:rPr>
               <a:t>’</a:t>
             </a:r>
@@ -10714,7 +10740,7 @@
         <p:spPr>
           <a:xfrm>
             <a:off x="6336000" y="3168000"/>
-            <a:ext cx="431640" cy="363960"/>
+            <a:ext cx="431280" cy="363960"/>
           </a:xfrm>
           <a:prstGeom prst="rect">
             <a:avLst/>
@@ -10742,7 +10768,11 @@
             </a:pPr>
             <a:r>
               <a:rPr b="0" lang="en-US" sz="1800" spc="-1" strike="noStrike">
-                <a:latin typeface="Arial"/>
+                <a:solidFill>
+                  <a:srgbClr val="000000"/>
+                </a:solidFill>
+                <a:latin typeface="Arial"/>
+                <a:ea typeface="DejaVu Sans"/>
               </a:rPr>
               <a:t>⓶</a:t>
             </a:r>
@@ -10761,7 +10791,7 @@
         <p:spPr>
           <a:xfrm>
             <a:off x="6048000" y="2232000"/>
-            <a:ext cx="575640" cy="425520"/>
+            <a:ext cx="575280" cy="425160"/>
           </a:xfrm>
           <a:prstGeom prst="rect">
             <a:avLst/>
@@ -10789,13 +10819,21 @@
             </a:pPr>
             <a:r>
               <a:rPr b="0" lang="en-US" sz="1800" spc="-1" strike="noStrike">
-                <a:latin typeface="Arial"/>
+                <a:solidFill>
+                  <a:srgbClr val="000000"/>
+                </a:solidFill>
+                <a:latin typeface="Arial"/>
+                <a:ea typeface="DejaVu Sans"/>
               </a:rPr>
               <a:t>⓶</a:t>
             </a:r>
             <a:r>
               <a:rPr b="0" lang="en-US" sz="2200" spc="-1" strike="noStrike">
-                <a:latin typeface="Arial"/>
+                <a:solidFill>
+                  <a:srgbClr val="000000"/>
+                </a:solidFill>
+                <a:latin typeface="Arial"/>
+                <a:ea typeface="DejaVu Sans"/>
               </a:rPr>
               <a:t>’</a:t>
             </a:r>
@@ -10814,7 +10852,7 @@
         <p:spPr>
           <a:xfrm>
             <a:off x="7848360" y="1584360"/>
-            <a:ext cx="1511280" cy="503280"/>
+            <a:ext cx="1510920" cy="502920"/>
           </a:xfrm>
           <a:prstGeom prst="rect">
             <a:avLst/>
@@ -10899,7 +10937,7 @@
         <p:spPr>
           <a:xfrm>
             <a:off x="504000" y="596520"/>
-            <a:ext cx="9071280" cy="670680"/>
+            <a:ext cx="9070920" cy="670320"/>
           </a:xfrm>
           <a:prstGeom prst="rect">
             <a:avLst/>
@@ -10933,17 +10971,7 @@
                 <a:latin typeface="Arial"/>
                 <a:ea typeface="DejaVu Sans"/>
               </a:rPr>
-              <a:t>Git</a:t>
-            </a:r>
-            <a:r>
-              <a:rPr b="0" lang="en-US" sz="4400" spc="-1" strike="noStrike">
-                <a:solidFill>
-                  <a:srgbClr val="000000"/>
-                </a:solidFill>
-                <a:latin typeface="Arial"/>
-                <a:ea typeface="DejaVu Sans"/>
-              </a:rPr>
-              <a:t>のデータの持ち方</a:t>
+              <a:t>ファイルを追加したら</a:t>
             </a:r>
             <a:endParaRPr b="0" lang="en-US" sz="4400" spc="-1" strike="noStrike">
               <a:latin typeface="Arial"/>
@@ -10964,7 +10992,7 @@
         <p:spPr>
           <a:xfrm>
             <a:off x="432000" y="1846080"/>
-            <a:ext cx="9215280" cy="4489200"/>
+            <a:ext cx="9214920" cy="4488840"/>
           </a:xfrm>
           <a:prstGeom prst="rect">
             <a:avLst/>
@@ -10983,7 +11011,7 @@
         <p:spPr>
           <a:xfrm>
             <a:off x="864000" y="5400000"/>
-            <a:ext cx="647280" cy="791280"/>
+            <a:ext cx="646920" cy="790920"/>
           </a:xfrm>
           <a:prstGeom prst="flowChartPunchedCard">
             <a:avLst/>
@@ -11013,7 +11041,7 @@
         <p:spPr>
           <a:xfrm>
             <a:off x="720000" y="3960000"/>
-            <a:ext cx="863640" cy="431640"/>
+            <a:ext cx="863280" cy="431280"/>
           </a:xfrm>
           <a:prstGeom prst="can">
             <a:avLst>
@@ -11045,7 +11073,7 @@
         <p:spPr>
           <a:xfrm>
             <a:off x="720000" y="2520000"/>
-            <a:ext cx="863640" cy="431640"/>
+            <a:ext cx="863280" cy="431280"/>
           </a:xfrm>
           <a:prstGeom prst="can">
             <a:avLst>
@@ -11077,7 +11105,7 @@
         <p:spPr>
           <a:xfrm>
             <a:off x="3960000" y="5612040"/>
-            <a:ext cx="1295640" cy="363960"/>
+            <a:ext cx="1295280" cy="363960"/>
           </a:xfrm>
           <a:prstGeom prst="rect">
             <a:avLst/>
@@ -11105,7 +11133,11 @@
             </a:pPr>
             <a:r>
               <a:rPr b="0" lang="en-US" sz="1800" spc="-1" strike="noStrike">
-                <a:latin typeface="Arial"/>
+                <a:solidFill>
+                  <a:srgbClr val="000000"/>
+                </a:solidFill>
+                <a:latin typeface="Arial"/>
+                <a:ea typeface="DejaVu Sans"/>
               </a:rPr>
               <a:t>Index.html</a:t>
             </a:r>
@@ -11152,7 +11184,7 @@
         <p:spPr>
           <a:xfrm>
             <a:off x="1656000" y="2736000"/>
-            <a:ext cx="2088000" cy="360000"/>
+            <a:ext cx="2087640" cy="359640"/>
           </a:xfrm>
           <a:prstGeom prst="rect">
             <a:avLst/>
@@ -11202,10 +11234,7 @@
               </a:rPr>
               <a:t>の圧縮</a:t>
             </a:r>
-            <a:endParaRPr b="1" lang="en-US" sz="1800" spc="-1" strike="noStrike">
-              <a:solidFill>
-                <a:srgbClr val="ff0000"/>
-              </a:solidFill>
+            <a:endParaRPr b="0" lang="en-US" sz="1800" spc="-1" strike="noStrike">
               <a:latin typeface="Arial"/>
             </a:endParaRPr>
           </a:p>
@@ -11220,7 +11249,7 @@
         <p:spPr>
           <a:xfrm>
             <a:off x="1800000" y="2448000"/>
-            <a:ext cx="1511280" cy="359280"/>
+            <a:ext cx="1510920" cy="358920"/>
           </a:xfrm>
           <a:prstGeom prst="rect">
             <a:avLst/>
@@ -11271,9 +11300,6 @@
               <a:t>B</a:t>
             </a:r>
             <a:endParaRPr b="0" lang="en-US" sz="1800" spc="-1" strike="noStrike">
-              <a:solidFill>
-                <a:srgbClr val="c9211e"/>
-              </a:solidFill>
               <a:latin typeface="Arial"/>
             </a:endParaRPr>
           </a:p>
@@ -11288,7 +11314,7 @@
         <p:spPr>
           <a:xfrm>
             <a:off x="3960000" y="2592000"/>
-            <a:ext cx="2735640" cy="647640"/>
+            <a:ext cx="2735280" cy="647280"/>
           </a:xfrm>
           <a:prstGeom prst="rect">
             <a:avLst/>
@@ -11403,7 +11429,7 @@
         <p:spPr>
           <a:xfrm>
             <a:off x="4608720" y="2304720"/>
-            <a:ext cx="1439280" cy="359280"/>
+            <a:ext cx="1438920" cy="358920"/>
           </a:xfrm>
           <a:prstGeom prst="rect">
             <a:avLst/>
@@ -11496,7 +11522,7 @@
         <p:spPr>
           <a:xfrm>
             <a:off x="3672000" y="3960000"/>
-            <a:ext cx="2735640" cy="648000"/>
+            <a:ext cx="2735280" cy="647640"/>
           </a:xfrm>
           <a:prstGeom prst="rect">
             <a:avLst/>
@@ -11611,7 +11637,7 @@
         <p:spPr>
           <a:xfrm>
             <a:off x="4320360" y="3600360"/>
-            <a:ext cx="1511280" cy="431640"/>
+            <a:ext cx="1510920" cy="431280"/>
           </a:xfrm>
           <a:prstGeom prst="rect">
             <a:avLst/>
@@ -11694,7 +11720,7 @@
         <p:spPr>
           <a:xfrm>
             <a:off x="6264000" y="3600000"/>
-            <a:ext cx="1295640" cy="363960"/>
+            <a:ext cx="1295280" cy="363960"/>
           </a:xfrm>
           <a:prstGeom prst="rect">
             <a:avLst/>
@@ -11722,7 +11748,11 @@
             </a:pPr>
             <a:r>
               <a:rPr b="0" lang="en-US" sz="1800" spc="-1" strike="noStrike">
-                <a:latin typeface="Arial"/>
+                <a:solidFill>
+                  <a:srgbClr val="000000"/>
+                </a:solidFill>
+                <a:latin typeface="Arial"/>
+                <a:ea typeface="DejaVu Sans"/>
               </a:rPr>
               <a:t>Git commit</a:t>
             </a:r>
@@ -11741,7 +11771,7 @@
         <p:spPr>
           <a:xfrm>
             <a:off x="6912000" y="1944000"/>
-            <a:ext cx="2448000" cy="1368000"/>
+            <a:ext cx="2447640" cy="1367640"/>
           </a:xfrm>
           <a:prstGeom prst="rect">
             <a:avLst/>
@@ -11896,7 +11926,7 @@
         <p:spPr>
           <a:xfrm>
             <a:off x="2520000" y="3888000"/>
-            <a:ext cx="1295640" cy="363960"/>
+            <a:ext cx="1295280" cy="363960"/>
           </a:xfrm>
           <a:prstGeom prst="rect">
             <a:avLst/>
@@ -11924,7 +11954,11 @@
             </a:pPr>
             <a:r>
               <a:rPr b="0" lang="en-US" sz="1800" spc="-1" strike="noStrike">
-                <a:latin typeface="Arial"/>
+                <a:solidFill>
+                  <a:srgbClr val="000000"/>
+                </a:solidFill>
+                <a:latin typeface="Arial"/>
+                <a:ea typeface="DejaVu Sans"/>
               </a:rPr>
               <a:t>Git add</a:t>
             </a:r>
@@ -11943,7 +11977,7 @@
         <p:spPr>
           <a:xfrm>
             <a:off x="2448000" y="3672000"/>
-            <a:ext cx="431640" cy="363960"/>
+            <a:ext cx="431280" cy="363960"/>
           </a:xfrm>
           <a:prstGeom prst="rect">
             <a:avLst/>
@@ -11971,7 +12005,11 @@
             </a:pPr>
             <a:r>
               <a:rPr b="0" lang="en-US" sz="1800" spc="-1" strike="noStrike">
-                <a:latin typeface="Arial"/>
+                <a:solidFill>
+                  <a:srgbClr val="000000"/>
+                </a:solidFill>
+                <a:latin typeface="Arial"/>
+                <a:ea typeface="DejaVu Sans"/>
               </a:rPr>
               <a:t>⓵</a:t>
             </a:r>
@@ -11990,7 +12028,7 @@
         <p:spPr>
           <a:xfrm>
             <a:off x="3312000" y="3168000"/>
-            <a:ext cx="575640" cy="425520"/>
+            <a:ext cx="575280" cy="425160"/>
           </a:xfrm>
           <a:prstGeom prst="rect">
             <a:avLst/>
@@ -12018,13 +12056,21 @@
             </a:pPr>
             <a:r>
               <a:rPr b="0" lang="en-US" sz="1800" spc="-1" strike="noStrike">
-                <a:latin typeface="Arial"/>
+                <a:solidFill>
+                  <a:srgbClr val="000000"/>
+                </a:solidFill>
+                <a:latin typeface="Arial"/>
+                <a:ea typeface="DejaVu Sans"/>
               </a:rPr>
               <a:t>⓵</a:t>
             </a:r>
             <a:r>
               <a:rPr b="0" lang="en-US" sz="2200" spc="-1" strike="noStrike">
-                <a:latin typeface="Arial"/>
+                <a:solidFill>
+                  <a:srgbClr val="000000"/>
+                </a:solidFill>
+                <a:latin typeface="Arial"/>
+                <a:ea typeface="DejaVu Sans"/>
               </a:rPr>
               <a:t>’</a:t>
             </a:r>
@@ -12043,7 +12089,7 @@
         <p:spPr>
           <a:xfrm>
             <a:off x="6264360" y="3384000"/>
-            <a:ext cx="431640" cy="363960"/>
+            <a:ext cx="431280" cy="363960"/>
           </a:xfrm>
           <a:prstGeom prst="rect">
             <a:avLst/>
@@ -12071,7 +12117,11 @@
             </a:pPr>
             <a:r>
               <a:rPr b="0" lang="en-US" sz="1800" spc="-1" strike="noStrike">
-                <a:latin typeface="Arial"/>
+                <a:solidFill>
+                  <a:srgbClr val="000000"/>
+                </a:solidFill>
+                <a:latin typeface="Arial"/>
+                <a:ea typeface="DejaVu Sans"/>
               </a:rPr>
               <a:t>⓶</a:t>
             </a:r>
@@ -12090,7 +12140,7 @@
         <p:spPr>
           <a:xfrm>
             <a:off x="6336360" y="2376000"/>
-            <a:ext cx="647640" cy="425520"/>
+            <a:ext cx="647280" cy="425160"/>
           </a:xfrm>
           <a:prstGeom prst="rect">
             <a:avLst/>
@@ -12118,13 +12168,21 @@
             </a:pPr>
             <a:r>
               <a:rPr b="0" lang="en-US" sz="1800" spc="-1" strike="noStrike">
-                <a:latin typeface="Arial"/>
+                <a:solidFill>
+                  <a:srgbClr val="000000"/>
+                </a:solidFill>
+                <a:latin typeface="Arial"/>
+                <a:ea typeface="DejaVu Sans"/>
               </a:rPr>
               <a:t>⓶</a:t>
             </a:r>
             <a:r>
               <a:rPr b="0" lang="en-US" sz="2200" spc="-1" strike="noStrike">
-                <a:latin typeface="Arial"/>
+                <a:solidFill>
+                  <a:srgbClr val="000000"/>
+                </a:solidFill>
+                <a:latin typeface="Arial"/>
+                <a:ea typeface="DejaVu Sans"/>
               </a:rPr>
               <a:t>’</a:t>
             </a:r>
@@ -12143,7 +12201,7 @@
         <p:spPr>
           <a:xfrm>
             <a:off x="8064720" y="1584000"/>
-            <a:ext cx="1511280" cy="503280"/>
+            <a:ext cx="1510920" cy="502920"/>
           </a:xfrm>
           <a:prstGeom prst="rect">
             <a:avLst/>
@@ -12198,7 +12256,7 @@
         <p:spPr>
           <a:xfrm>
             <a:off x="1872000" y="1881000"/>
-            <a:ext cx="1368000" cy="287280"/>
+            <a:ext cx="1367640" cy="286920"/>
           </a:xfrm>
           <a:prstGeom prst="rect">
             <a:avLst/>
@@ -12263,7 +12321,7 @@
         <p:spPr>
           <a:xfrm>
             <a:off x="3672000" y="1846080"/>
-            <a:ext cx="1368000" cy="287280"/>
+            <a:ext cx="1367640" cy="286920"/>
           </a:xfrm>
           <a:prstGeom prst="rect">
             <a:avLst/>
@@ -12318,7 +12376,7 @@
         <p:spPr>
           <a:xfrm>
             <a:off x="5184000" y="1846080"/>
-            <a:ext cx="1368000" cy="287280"/>
+            <a:ext cx="1367640" cy="286920"/>
           </a:xfrm>
           <a:prstGeom prst="rect">
             <a:avLst/>
@@ -12429,7 +12487,7 @@
         <p:spPr>
           <a:xfrm>
             <a:off x="2160000" y="5616000"/>
-            <a:ext cx="1512000" cy="364680"/>
+            <a:ext cx="1511640" cy="364320"/>
           </a:xfrm>
           <a:prstGeom prst="rect">
             <a:avLst/>
@@ -12461,13 +12519,2133 @@
                   <a:srgbClr val="c9211e"/>
                 </a:solidFill>
                 <a:latin typeface="Arial"/>
+                <a:ea typeface="DejaVu Sans"/>
               </a:rPr>
               <a:t>Index2.html</a:t>
+            </a:r>
+            <a:endParaRPr b="0" lang="en-US" sz="1800" spc="-1" strike="noStrike">
+              <a:latin typeface="Arial"/>
+            </a:endParaRPr>
+          </a:p>
+        </p:txBody>
+      </p:sp>
+    </p:spTree>
+  </p:cSld>
+  <mc:AlternateContent>
+    <mc:Choice Requires="p14">
+      <p:transition spd="slow" p14:dur="2000"/>
+    </mc:Choice>
+    <mc:Fallback>
+      <p:transition spd="slow"/>
+    </mc:Fallback>
+  </mc:AlternateContent>
+</p:sld>
+</file>
+
+<file path=ppt/slides/slide14.xml><?xml version="1.0" encoding="utf-8"?>
+<p:sld xmlns:a="http://schemas.openxmlformats.org/drawingml/2006/main" xmlns:p="http://schemas.openxmlformats.org/presentationml/2006/main" xmlns:r="http://schemas.openxmlformats.org/officeDocument/2006/relationships" xmlns:p14="http://schemas.microsoft.com/office/powerpoint/2010/main" xmlns:p15="http://schemas.microsoft.com/office/powerpoint/2012/main" xmlns:mc="http://schemas.openxmlformats.org/markup-compatibility/2006">
+  <p:cSld>
+    <p:spTree>
+      <p:nvGrpSpPr>
+        <p:cNvPr id="1" name=""/>
+        <p:cNvGrpSpPr/>
+        <p:nvPr/>
+      </p:nvGrpSpPr>
+      <p:grpSpPr>
+        <a:xfrm>
+          <a:off x="0" y="0"/>
+          <a:ext cx="0" cy="0"/>
+          <a:chOff x="0" y="0"/>
+          <a:chExt cx="0" cy="0"/>
+        </a:xfrm>
+      </p:grpSpPr>
+      <p:sp>
+        <p:nvSpPr>
+          <p:cNvPr id="291" name="CustomShape 1"/>
+          <p:cNvSpPr/>
+          <p:nvPr/>
+        </p:nvSpPr>
+        <p:spPr>
+          <a:xfrm>
+            <a:off x="504000" y="596520"/>
+            <a:ext cx="9070920" cy="670320"/>
+          </a:xfrm>
+          <a:prstGeom prst="rect">
+            <a:avLst/>
+          </a:prstGeom>
+          <a:noFill/>
+          <a:ln>
+            <a:noFill/>
+          </a:ln>
+        </p:spPr>
+        <p:style>
+          <a:lnRef idx="0"/>
+          <a:fillRef idx="0"/>
+          <a:effectRef idx="0"/>
+          <a:fontRef idx="minor"/>
+        </p:style>
+        <p:txBody>
+          <a:bodyPr lIns="0" rIns="0" tIns="0" bIns="0" anchor="ctr">
+            <a:spAutoFit/>
+          </a:bodyPr>
+          <a:p>
+            <a:pPr algn="ctr">
+              <a:lnSpc>
+                <a:spcPct val="100000"/>
+              </a:lnSpc>
+            </a:pPr>
+            <a:r>
+              <a:rPr b="0" lang="en-US" sz="4400" spc="-1" strike="noStrike">
+                <a:solidFill>
+                  <a:srgbClr val="000000"/>
+                </a:solidFill>
+                <a:latin typeface="Arial"/>
+                <a:ea typeface="DejaVu Sans"/>
+              </a:rPr>
+              <a:t>ファイルを更新したら</a:t>
+            </a:r>
+            <a:endParaRPr b="0" lang="en-US" sz="4400" spc="-1" strike="noStrike">
+              <a:latin typeface="Arial"/>
+            </a:endParaRPr>
+          </a:p>
+        </p:txBody>
+      </p:sp>
+      <p:pic>
+        <p:nvPicPr>
+          <p:cNvPr id="292" name="" descr=""/>
+          <p:cNvPicPr/>
+          <p:nvPr/>
+        </p:nvPicPr>
+        <p:blipFill>
+          <a:blip r:embed="rId1"/>
+          <a:stretch/>
+        </p:blipFill>
+        <p:spPr>
+          <a:xfrm>
+            <a:off x="432000" y="1846080"/>
+            <a:ext cx="9214920" cy="4488840"/>
+          </a:xfrm>
+          <a:prstGeom prst="rect">
+            <a:avLst/>
+          </a:prstGeom>
+          <a:ln>
+            <a:noFill/>
+          </a:ln>
+        </p:spPr>
+      </p:pic>
+      <p:sp>
+        <p:nvSpPr>
+          <p:cNvPr id="293" name="CustomShape 2"/>
+          <p:cNvSpPr/>
+          <p:nvPr/>
+        </p:nvSpPr>
+        <p:spPr>
+          <a:xfrm>
+            <a:off x="864000" y="5400000"/>
+            <a:ext cx="646920" cy="790920"/>
+          </a:xfrm>
+          <a:prstGeom prst="flowChartPunchedCard">
+            <a:avLst/>
+          </a:prstGeom>
+          <a:solidFill>
+            <a:srgbClr val="729fcf"/>
+          </a:solidFill>
+          <a:ln>
+            <a:solidFill>
+              <a:srgbClr val="3465a4"/>
+            </a:solidFill>
+          </a:ln>
+        </p:spPr>
+        <p:style>
+          <a:lnRef idx="0"/>
+          <a:fillRef idx="0"/>
+          <a:effectRef idx="0"/>
+          <a:fontRef idx="minor"/>
+        </p:style>
+      </p:sp>
+      <p:sp>
+        <p:nvSpPr>
+          <p:cNvPr id="294" name="CustomShape 3"/>
+          <p:cNvSpPr/>
+          <p:nvPr/>
+        </p:nvSpPr>
+        <p:spPr>
+          <a:xfrm>
+            <a:off x="720000" y="3960000"/>
+            <a:ext cx="863280" cy="431280"/>
+          </a:xfrm>
+          <a:prstGeom prst="can">
+            <a:avLst>
+              <a:gd name="adj" fmla="val 25000"/>
+            </a:avLst>
+          </a:prstGeom>
+          <a:solidFill>
+            <a:srgbClr val="b4c7dc"/>
+          </a:solidFill>
+          <a:ln>
+            <a:solidFill>
+              <a:srgbClr val="3465a4"/>
+            </a:solidFill>
+          </a:ln>
+        </p:spPr>
+        <p:style>
+          <a:lnRef idx="0"/>
+          <a:fillRef idx="0"/>
+          <a:effectRef idx="0"/>
+          <a:fontRef idx="minor"/>
+        </p:style>
+      </p:sp>
+      <p:sp>
+        <p:nvSpPr>
+          <p:cNvPr id="295" name="CustomShape 4"/>
+          <p:cNvSpPr/>
+          <p:nvPr/>
+        </p:nvSpPr>
+        <p:spPr>
+          <a:xfrm>
+            <a:off x="720000" y="2520000"/>
+            <a:ext cx="863280" cy="431280"/>
+          </a:xfrm>
+          <a:prstGeom prst="can">
+            <a:avLst>
+              <a:gd name="adj" fmla="val 25000"/>
+            </a:avLst>
+          </a:prstGeom>
+          <a:solidFill>
+            <a:srgbClr val="729fcf"/>
+          </a:solidFill>
+          <a:ln>
+            <a:solidFill>
+              <a:srgbClr val="3465a4"/>
+            </a:solidFill>
+          </a:ln>
+        </p:spPr>
+        <p:style>
+          <a:lnRef idx="0"/>
+          <a:fillRef idx="0"/>
+          <a:effectRef idx="0"/>
+          <a:fontRef idx="minor"/>
+        </p:style>
+      </p:sp>
+      <p:sp>
+        <p:nvSpPr>
+          <p:cNvPr id="296" name="CustomShape 5"/>
+          <p:cNvSpPr/>
+          <p:nvPr/>
+        </p:nvSpPr>
+        <p:spPr>
+          <a:xfrm>
+            <a:off x="3960000" y="5612040"/>
+            <a:ext cx="1295280" cy="363960"/>
+          </a:xfrm>
+          <a:prstGeom prst="rect">
+            <a:avLst/>
+          </a:prstGeom>
+          <a:noFill/>
+          <a:ln>
+            <a:noFill/>
+          </a:ln>
+        </p:spPr>
+        <p:style>
+          <a:lnRef idx="0"/>
+          <a:fillRef idx="0"/>
+          <a:effectRef idx="0"/>
+          <a:fontRef idx="minor"/>
+        </p:style>
+        <p:txBody>
+          <a:bodyPr lIns="90000" rIns="90000" tIns="45000" bIns="45000">
+            <a:spAutoFit/>
+          </a:bodyPr>
+          <a:p>
+            <a:pPr>
+              <a:lnSpc>
+                <a:spcPct val="100000"/>
+              </a:lnSpc>
+            </a:pPr>
+            <a:r>
+              <a:rPr b="0" lang="en-US" sz="1800" spc="-1" strike="noStrike">
+                <a:solidFill>
+                  <a:srgbClr val="000000"/>
+                </a:solidFill>
+                <a:latin typeface="Arial"/>
+                <a:ea typeface="DejaVu Sans"/>
+              </a:rPr>
+              <a:t>Index.html</a:t>
+            </a:r>
+            <a:endParaRPr b="0" lang="en-US" sz="1800" spc="-1" strike="noStrike">
+              <a:latin typeface="Arial"/>
+            </a:endParaRPr>
+          </a:p>
+        </p:txBody>
+      </p:sp>
+      <p:sp>
+        <p:nvSpPr>
+          <p:cNvPr id="297" name="Line 6"/>
+          <p:cNvSpPr/>
+          <p:nvPr/>
+        </p:nvSpPr>
+        <p:spPr>
+          <a:xfrm flipV="1">
+            <a:off x="2448000" y="3260160"/>
+            <a:ext cx="0" cy="2207520"/>
+          </a:xfrm>
+          <a:prstGeom prst="line">
+            <a:avLst/>
+          </a:prstGeom>
+          <a:ln>
+            <a:solidFill>
+              <a:srgbClr val="3465a4"/>
+            </a:solidFill>
+            <a:tailEnd len="med" type="triangle" w="med"/>
+          </a:ln>
+        </p:spPr>
+        <p:style>
+          <a:lnRef idx="0"/>
+          <a:fillRef idx="0"/>
+          <a:effectRef idx="0"/>
+          <a:fontRef idx="minor"/>
+        </p:style>
+      </p:sp>
+      <p:sp>
+        <p:nvSpPr>
+          <p:cNvPr id="298" name="CustomShape 7"/>
+          <p:cNvSpPr/>
+          <p:nvPr/>
+        </p:nvSpPr>
+        <p:spPr>
+          <a:xfrm>
+            <a:off x="1521720" y="2736000"/>
+            <a:ext cx="2150280" cy="432000"/>
+          </a:xfrm>
+          <a:prstGeom prst="rect">
+            <a:avLst/>
+          </a:prstGeom>
+          <a:solidFill>
+            <a:srgbClr val="dee7e5"/>
+          </a:solidFill>
+          <a:ln>
+            <a:solidFill>
+              <a:srgbClr val="3465a4"/>
+            </a:solidFill>
+          </a:ln>
+        </p:spPr>
+        <p:style>
+          <a:lnRef idx="0"/>
+          <a:fillRef idx="0"/>
+          <a:effectRef idx="0"/>
+          <a:fontRef idx="minor"/>
+        </p:style>
+        <p:txBody>
+          <a:bodyPr wrap="none" lIns="90000" rIns="90000" tIns="45000" bIns="45000" anchor="ctr">
+            <a:noAutofit/>
+          </a:bodyPr>
+          <a:p>
+            <a:pPr algn="ctr">
+              <a:lnSpc>
+                <a:spcPct val="100000"/>
+              </a:lnSpc>
+            </a:pPr>
+            <a:r>
+              <a:rPr b="0" lang="en-US" sz="1800" spc="-1" strike="noStrike">
+                <a:solidFill>
+                  <a:srgbClr val="c9211e"/>
+                </a:solidFill>
+                <a:latin typeface="Arial"/>
+                <a:ea typeface="DejaVu Sans"/>
+              </a:rPr>
+              <a:t>Index2.html</a:t>
+            </a:r>
+            <a:r>
+              <a:rPr b="0" lang="en-US" sz="1800" spc="-1" strike="noStrike">
+                <a:solidFill>
+                  <a:srgbClr val="c9211e"/>
+                </a:solidFill>
+                <a:latin typeface="Arial"/>
+                <a:ea typeface="DejaVu Sans"/>
+              </a:rPr>
+              <a:t>の圧縮</a:t>
             </a:r>
             <a:endParaRPr b="0" lang="en-US" sz="1800" spc="-1" strike="noStrike">
               <a:solidFill>
                 <a:srgbClr val="c9211e"/>
               </a:solidFill>
+              <a:latin typeface="Arial"/>
+            </a:endParaRPr>
+          </a:p>
+        </p:txBody>
+      </p:sp>
+      <p:sp>
+        <p:nvSpPr>
+          <p:cNvPr id="299" name="CustomShape 8"/>
+          <p:cNvSpPr/>
+          <p:nvPr/>
+        </p:nvSpPr>
+        <p:spPr>
+          <a:xfrm>
+            <a:off x="2664000" y="2016000"/>
+            <a:ext cx="792000" cy="288000"/>
+          </a:xfrm>
+          <a:prstGeom prst="rect">
+            <a:avLst/>
+          </a:prstGeom>
+          <a:solidFill>
+            <a:srgbClr val="729fcf"/>
+          </a:solidFill>
+          <a:ln>
+            <a:solidFill>
+              <a:srgbClr val="3465a4"/>
+            </a:solidFill>
+          </a:ln>
+        </p:spPr>
+        <p:style>
+          <a:lnRef idx="0"/>
+          <a:fillRef idx="0"/>
+          <a:effectRef idx="0"/>
+          <a:fontRef idx="minor"/>
+        </p:style>
+        <p:txBody>
+          <a:bodyPr wrap="none" lIns="90000" rIns="90000" tIns="45000" bIns="45000" anchor="ctr">
+            <a:noAutofit/>
+          </a:bodyPr>
+          <a:p>
+            <a:pPr algn="ctr">
+              <a:lnSpc>
+                <a:spcPct val="100000"/>
+              </a:lnSpc>
+            </a:pPr>
+            <a:r>
+              <a:rPr b="0" lang="en-US" sz="1800" spc="-1" strike="noStrike">
+                <a:solidFill>
+                  <a:srgbClr val="000000"/>
+                </a:solidFill>
+                <a:latin typeface="Arial"/>
+                <a:ea typeface="DejaVu Sans"/>
+              </a:rPr>
+              <a:t>圧縮</a:t>
+            </a:r>
+            <a:r>
+              <a:rPr b="0" lang="en-US" sz="1800" spc="-1" strike="noStrike">
+                <a:solidFill>
+                  <a:srgbClr val="000000"/>
+                </a:solidFill>
+                <a:latin typeface="Arial"/>
+                <a:ea typeface="DejaVu Sans"/>
+              </a:rPr>
+              <a:t>B</a:t>
+            </a:r>
+            <a:endParaRPr b="0" lang="en-US" sz="1800" spc="-1" strike="noStrike">
+              <a:latin typeface="Arial"/>
+            </a:endParaRPr>
+          </a:p>
+        </p:txBody>
+      </p:sp>
+      <p:sp>
+        <p:nvSpPr>
+          <p:cNvPr id="300" name="CustomShape 9"/>
+          <p:cNvSpPr/>
+          <p:nvPr/>
+        </p:nvSpPr>
+        <p:spPr>
+          <a:xfrm>
+            <a:off x="3960000" y="2592000"/>
+            <a:ext cx="2735280" cy="647280"/>
+          </a:xfrm>
+          <a:prstGeom prst="rect">
+            <a:avLst/>
+          </a:prstGeom>
+          <a:solidFill>
+            <a:srgbClr val="dee7e5"/>
+          </a:solidFill>
+          <a:ln>
+            <a:solidFill>
+              <a:srgbClr val="3465a4"/>
+            </a:solidFill>
+          </a:ln>
+        </p:spPr>
+        <p:style>
+          <a:lnRef idx="0"/>
+          <a:fillRef idx="0"/>
+          <a:effectRef idx="0"/>
+          <a:fontRef idx="minor"/>
+        </p:style>
+        <p:txBody>
+          <a:bodyPr wrap="none" lIns="90000" rIns="90000" tIns="45000" bIns="45000" anchor="ctr">
+            <a:noAutofit/>
+          </a:bodyPr>
+          <a:p>
+            <a:pPr algn="ctr">
+              <a:lnSpc>
+                <a:spcPct val="100000"/>
+              </a:lnSpc>
+            </a:pPr>
+            <a:r>
+              <a:rPr b="0" lang="en-US" sz="1800" spc="-1" strike="noStrike">
+                <a:solidFill>
+                  <a:srgbClr val="000000"/>
+                </a:solidFill>
+                <a:latin typeface="Arial"/>
+                <a:ea typeface="DejaVu Sans"/>
+              </a:rPr>
+              <a:t>Index.html </a:t>
+            </a:r>
+            <a:r>
+              <a:rPr b="0" lang="en-US" sz="1800" spc="-1" strike="noStrike">
+                <a:solidFill>
+                  <a:srgbClr val="000000"/>
+                </a:solidFill>
+                <a:latin typeface="Arial"/>
+                <a:ea typeface="DejaVu Sans"/>
+              </a:rPr>
+              <a:t>圧縮ファイル</a:t>
+            </a:r>
+            <a:r>
+              <a:rPr b="0" lang="en-US" sz="1800" spc="-1" strike="noStrike">
+                <a:solidFill>
+                  <a:srgbClr val="000000"/>
+                </a:solidFill>
+                <a:latin typeface="Arial"/>
+                <a:ea typeface="DejaVu Sans"/>
+              </a:rPr>
+              <a:t>A</a:t>
+            </a:r>
+            <a:endParaRPr b="0" lang="en-US" sz="1800" spc="-1" strike="noStrike">
+              <a:latin typeface="Arial"/>
+            </a:endParaRPr>
+          </a:p>
+          <a:p>
+            <a:pPr algn="ctr">
+              <a:lnSpc>
+                <a:spcPct val="100000"/>
+              </a:lnSpc>
+            </a:pPr>
+            <a:r>
+              <a:rPr b="0" lang="en-US" sz="1800" spc="-1" strike="noStrike">
+                <a:solidFill>
+                  <a:srgbClr val="c9211e"/>
+                </a:solidFill>
+                <a:latin typeface="Arial"/>
+                <a:ea typeface="DejaVu Sans"/>
+              </a:rPr>
+              <a:t>Index2.html </a:t>
+            </a:r>
+            <a:r>
+              <a:rPr b="0" lang="en-US" sz="1800" spc="-1" strike="noStrike">
+                <a:solidFill>
+                  <a:srgbClr val="c9211e"/>
+                </a:solidFill>
+                <a:latin typeface="Arial"/>
+                <a:ea typeface="DejaVu Sans"/>
+              </a:rPr>
+              <a:t>圧縮ファイル</a:t>
+            </a:r>
+            <a:r>
+              <a:rPr b="0" lang="en-US" sz="1800" spc="-1" strike="noStrike">
+                <a:solidFill>
+                  <a:srgbClr val="c9211e"/>
+                </a:solidFill>
+                <a:latin typeface="Arial"/>
+                <a:ea typeface="DejaVu Sans"/>
+              </a:rPr>
+              <a:t>C</a:t>
+            </a:r>
+            <a:endParaRPr b="0" lang="en-US" sz="1800" spc="-1" strike="noStrike">
+              <a:latin typeface="Arial"/>
+            </a:endParaRPr>
+          </a:p>
+        </p:txBody>
+      </p:sp>
+      <p:sp>
+        <p:nvSpPr>
+          <p:cNvPr id="301" name="Line 10"/>
+          <p:cNvSpPr/>
+          <p:nvPr/>
+        </p:nvSpPr>
+        <p:spPr>
+          <a:xfrm>
+            <a:off x="3096000" y="3240000"/>
+            <a:ext cx="720000" cy="504000"/>
+          </a:xfrm>
+          <a:prstGeom prst="line">
+            <a:avLst/>
+          </a:prstGeom>
+          <a:ln>
+            <a:solidFill>
+              <a:srgbClr val="3465a4"/>
+            </a:solidFill>
+            <a:tailEnd len="med" type="triangle" w="med"/>
+          </a:ln>
+        </p:spPr>
+        <p:style>
+          <a:lnRef idx="0"/>
+          <a:fillRef idx="0"/>
+          <a:effectRef idx="0"/>
+          <a:fontRef idx="minor"/>
+        </p:style>
+      </p:sp>
+      <p:sp>
+        <p:nvSpPr>
+          <p:cNvPr id="302" name="CustomShape 11"/>
+          <p:cNvSpPr/>
+          <p:nvPr/>
+        </p:nvSpPr>
+        <p:spPr>
+          <a:xfrm>
+            <a:off x="3672000" y="3960000"/>
+            <a:ext cx="2735280" cy="647640"/>
+          </a:xfrm>
+          <a:prstGeom prst="rect">
+            <a:avLst/>
+          </a:prstGeom>
+          <a:solidFill>
+            <a:srgbClr val="dee7e5"/>
+          </a:solidFill>
+          <a:ln>
+            <a:solidFill>
+              <a:srgbClr val="3465a4"/>
+            </a:solidFill>
+          </a:ln>
+        </p:spPr>
+        <p:style>
+          <a:lnRef idx="0"/>
+          <a:fillRef idx="0"/>
+          <a:effectRef idx="0"/>
+          <a:fontRef idx="minor"/>
+        </p:style>
+        <p:txBody>
+          <a:bodyPr wrap="none" lIns="90000" rIns="90000" tIns="45000" bIns="45000" anchor="ctr">
+            <a:noAutofit/>
+          </a:bodyPr>
+          <a:p>
+            <a:pPr algn="ctr">
+              <a:lnSpc>
+                <a:spcPct val="100000"/>
+              </a:lnSpc>
+            </a:pPr>
+            <a:r>
+              <a:rPr b="0" lang="en-US" sz="1800" spc="-1" strike="noStrike">
+                <a:solidFill>
+                  <a:srgbClr val="000000"/>
+                </a:solidFill>
+                <a:latin typeface="Arial"/>
+                <a:ea typeface="DejaVu Sans"/>
+              </a:rPr>
+              <a:t>Index.html</a:t>
+            </a:r>
+            <a:r>
+              <a:rPr b="0" lang="en-US" sz="1800" spc="-1" strike="noStrike">
+                <a:solidFill>
+                  <a:srgbClr val="000000"/>
+                </a:solidFill>
+                <a:latin typeface="Arial"/>
+                <a:ea typeface="DejaVu Sans"/>
+              </a:rPr>
+              <a:t>　圧縮ファイル</a:t>
+            </a:r>
+            <a:r>
+              <a:rPr b="0" lang="en-US" sz="1800" spc="-1" strike="noStrike">
+                <a:solidFill>
+                  <a:srgbClr val="000000"/>
+                </a:solidFill>
+                <a:latin typeface="Arial"/>
+                <a:ea typeface="DejaVu Sans"/>
+              </a:rPr>
+              <a:t>A</a:t>
+            </a:r>
+            <a:endParaRPr b="0" lang="en-US" sz="1800" spc="-1" strike="noStrike">
+              <a:latin typeface="Arial"/>
+            </a:endParaRPr>
+          </a:p>
+          <a:p>
+            <a:pPr algn="ctr">
+              <a:lnSpc>
+                <a:spcPct val="100000"/>
+              </a:lnSpc>
+            </a:pPr>
+            <a:r>
+              <a:rPr b="0" lang="en-US" sz="1800" spc="-1" strike="noStrike">
+                <a:solidFill>
+                  <a:srgbClr val="c9211e"/>
+                </a:solidFill>
+                <a:latin typeface="Arial"/>
+                <a:ea typeface="DejaVu Sans"/>
+              </a:rPr>
+              <a:t>Index2.html </a:t>
+            </a:r>
+            <a:r>
+              <a:rPr b="0" lang="en-US" sz="1800" spc="-1" strike="noStrike">
+                <a:solidFill>
+                  <a:srgbClr val="c9211e"/>
+                </a:solidFill>
+                <a:latin typeface="Arial"/>
+                <a:ea typeface="DejaVu Sans"/>
+              </a:rPr>
+              <a:t>圧縮ファイル</a:t>
+            </a:r>
+            <a:r>
+              <a:rPr b="0" lang="en-US" sz="1800" spc="-1" strike="noStrike">
+                <a:solidFill>
+                  <a:srgbClr val="c9211e"/>
+                </a:solidFill>
+                <a:latin typeface="Arial"/>
+                <a:ea typeface="DejaVu Sans"/>
+              </a:rPr>
+              <a:t>C</a:t>
+            </a:r>
+            <a:endParaRPr b="0" lang="en-US" sz="1800" spc="-1" strike="noStrike">
+              <a:latin typeface="Arial"/>
+            </a:endParaRPr>
+          </a:p>
+        </p:txBody>
+      </p:sp>
+      <p:sp>
+        <p:nvSpPr>
+          <p:cNvPr id="303" name="CustomShape 12"/>
+          <p:cNvSpPr/>
+          <p:nvPr/>
+        </p:nvSpPr>
+        <p:spPr>
+          <a:xfrm>
+            <a:off x="4320360" y="3600360"/>
+            <a:ext cx="1510920" cy="431280"/>
+          </a:xfrm>
+          <a:prstGeom prst="rect">
+            <a:avLst/>
+          </a:prstGeom>
+          <a:solidFill>
+            <a:srgbClr val="729fcf"/>
+          </a:solidFill>
+          <a:ln>
+            <a:solidFill>
+              <a:srgbClr val="3465a4"/>
+            </a:solidFill>
+          </a:ln>
+        </p:spPr>
+        <p:style>
+          <a:lnRef idx="0"/>
+          <a:fillRef idx="0"/>
+          <a:effectRef idx="0"/>
+          <a:fontRef idx="minor"/>
+        </p:style>
+        <p:txBody>
+          <a:bodyPr wrap="none" lIns="90000" rIns="90000" tIns="45000" bIns="45000" anchor="ctr">
+            <a:noAutofit/>
+          </a:bodyPr>
+          <a:p>
+            <a:pPr algn="ctr">
+              <a:lnSpc>
+                <a:spcPct val="100000"/>
+              </a:lnSpc>
+            </a:pPr>
+            <a:r>
+              <a:rPr b="0" lang="en-US" sz="1800" spc="-1" strike="noStrike">
+                <a:solidFill>
+                  <a:srgbClr val="000000"/>
+                </a:solidFill>
+                <a:latin typeface="Arial"/>
+                <a:ea typeface="DejaVu Sans"/>
+              </a:rPr>
+              <a:t>インデックス</a:t>
+            </a:r>
+            <a:endParaRPr b="0" lang="en-US" sz="1800" spc="-1" strike="noStrike">
+              <a:latin typeface="Arial"/>
+            </a:endParaRPr>
+          </a:p>
+        </p:txBody>
+      </p:sp>
+      <p:sp>
+        <p:nvSpPr>
+          <p:cNvPr id="304" name="Line 13"/>
+          <p:cNvSpPr/>
+          <p:nvPr/>
+        </p:nvSpPr>
+        <p:spPr>
+          <a:xfrm flipV="1">
+            <a:off x="6120000" y="3312000"/>
+            <a:ext cx="0" cy="576000"/>
+          </a:xfrm>
+          <a:prstGeom prst="line">
+            <a:avLst/>
+          </a:prstGeom>
+          <a:ln>
+            <a:solidFill>
+              <a:srgbClr val="3465a4"/>
+            </a:solidFill>
+            <a:tailEnd len="med" type="triangle" w="med"/>
+          </a:ln>
+        </p:spPr>
+        <p:style>
+          <a:lnRef idx="0"/>
+          <a:fillRef idx="0"/>
+          <a:effectRef idx="0"/>
+          <a:fontRef idx="minor"/>
+        </p:style>
+      </p:sp>
+      <p:sp>
+        <p:nvSpPr>
+          <p:cNvPr id="305" name="CustomShape 14"/>
+          <p:cNvSpPr/>
+          <p:nvPr/>
+        </p:nvSpPr>
+        <p:spPr>
+          <a:xfrm>
+            <a:off x="6264000" y="3600000"/>
+            <a:ext cx="1295280" cy="363960"/>
+          </a:xfrm>
+          <a:prstGeom prst="rect">
+            <a:avLst/>
+          </a:prstGeom>
+          <a:noFill/>
+          <a:ln>
+            <a:noFill/>
+          </a:ln>
+        </p:spPr>
+        <p:style>
+          <a:lnRef idx="0"/>
+          <a:fillRef idx="0"/>
+          <a:effectRef idx="0"/>
+          <a:fontRef idx="minor"/>
+        </p:style>
+        <p:txBody>
+          <a:bodyPr lIns="90000" rIns="90000" tIns="45000" bIns="45000">
+            <a:spAutoFit/>
+          </a:bodyPr>
+          <a:p>
+            <a:pPr>
+              <a:lnSpc>
+                <a:spcPct val="100000"/>
+              </a:lnSpc>
+            </a:pPr>
+            <a:r>
+              <a:rPr b="0" lang="en-US" sz="1800" spc="-1" strike="noStrike">
+                <a:solidFill>
+                  <a:srgbClr val="000000"/>
+                </a:solidFill>
+                <a:latin typeface="Arial"/>
+                <a:ea typeface="DejaVu Sans"/>
+              </a:rPr>
+              <a:t>Git commit</a:t>
+            </a:r>
+            <a:endParaRPr b="0" lang="en-US" sz="1800" spc="-1" strike="noStrike">
+              <a:latin typeface="Arial"/>
+            </a:endParaRPr>
+          </a:p>
+        </p:txBody>
+      </p:sp>
+      <p:sp>
+        <p:nvSpPr>
+          <p:cNvPr id="306" name="CustomShape 15"/>
+          <p:cNvSpPr/>
+          <p:nvPr/>
+        </p:nvSpPr>
+        <p:spPr>
+          <a:xfrm>
+            <a:off x="6912000" y="1944000"/>
+            <a:ext cx="2447640" cy="1367640"/>
+          </a:xfrm>
+          <a:prstGeom prst="rect">
+            <a:avLst/>
+          </a:prstGeom>
+          <a:solidFill>
+            <a:srgbClr val="dee7e5"/>
+          </a:solidFill>
+          <a:ln>
+            <a:solidFill>
+              <a:srgbClr val="3465a4"/>
+            </a:solidFill>
+          </a:ln>
+        </p:spPr>
+        <p:style>
+          <a:lnRef idx="0"/>
+          <a:fillRef idx="0"/>
+          <a:effectRef idx="0"/>
+          <a:fontRef idx="minor"/>
+        </p:style>
+        <p:txBody>
+          <a:bodyPr wrap="none" lIns="90000" rIns="90000" tIns="45000" bIns="45000" anchor="ctr">
+            <a:noAutofit/>
+          </a:bodyPr>
+          <a:p>
+            <a:pPr>
+              <a:lnSpc>
+                <a:spcPct val="100000"/>
+              </a:lnSpc>
+            </a:pPr>
+            <a:r>
+              <a:rPr b="0" lang="en-US" sz="1800" spc="-1" strike="noStrike">
+                <a:solidFill>
+                  <a:srgbClr val="000000"/>
+                </a:solidFill>
+                <a:latin typeface="Arial"/>
+                <a:ea typeface="DejaVu Sans"/>
+              </a:rPr>
+              <a:t>親コミット</a:t>
+            </a:r>
+            <a:r>
+              <a:rPr b="0" lang="en-US" sz="1800" spc="-1" strike="noStrike">
+                <a:solidFill>
+                  <a:srgbClr val="000000"/>
+                </a:solidFill>
+                <a:latin typeface="Arial"/>
+                <a:ea typeface="DejaVu Sans"/>
+              </a:rPr>
+              <a:t>2</a:t>
+            </a:r>
+            <a:endParaRPr b="0" lang="en-US" sz="1800" spc="-1" strike="noStrike">
+              <a:latin typeface="Arial"/>
+            </a:endParaRPr>
+          </a:p>
+          <a:p>
+            <a:pPr>
+              <a:lnSpc>
+                <a:spcPct val="100000"/>
+              </a:lnSpc>
+            </a:pPr>
+            <a:r>
+              <a:rPr b="0" lang="en-US" sz="1800" spc="-1" strike="noStrike">
+                <a:solidFill>
+                  <a:srgbClr val="000000"/>
+                </a:solidFill>
+                <a:latin typeface="Arial"/>
+                <a:ea typeface="DejaVu Sans"/>
+              </a:rPr>
+              <a:t>ツリー</a:t>
+            </a:r>
+            <a:r>
+              <a:rPr b="0" lang="en-US" sz="1800" spc="-1" strike="noStrike">
+                <a:solidFill>
+                  <a:srgbClr val="000000"/>
+                </a:solidFill>
+                <a:latin typeface="Arial"/>
+                <a:ea typeface="DejaVu Sans"/>
+              </a:rPr>
+              <a:t>3</a:t>
+            </a:r>
+            <a:endParaRPr b="0" lang="en-US" sz="1800" spc="-1" strike="noStrike">
+              <a:latin typeface="Arial"/>
+            </a:endParaRPr>
+          </a:p>
+          <a:p>
+            <a:pPr>
+              <a:lnSpc>
+                <a:spcPct val="100000"/>
+              </a:lnSpc>
+            </a:pPr>
+            <a:r>
+              <a:rPr b="0" lang="en-US" sz="1800" spc="-1" strike="noStrike">
+                <a:solidFill>
+                  <a:srgbClr val="000000"/>
+                </a:solidFill>
+                <a:latin typeface="Arial"/>
+                <a:ea typeface="DejaVu Sans"/>
+              </a:rPr>
+              <a:t>作成者</a:t>
+            </a:r>
+            <a:endParaRPr b="0" lang="en-US" sz="1800" spc="-1" strike="noStrike">
+              <a:latin typeface="Arial"/>
+            </a:endParaRPr>
+          </a:p>
+          <a:p>
+            <a:pPr>
+              <a:lnSpc>
+                <a:spcPct val="100000"/>
+              </a:lnSpc>
+            </a:pPr>
+            <a:r>
+              <a:rPr b="0" lang="en-US" sz="1800" spc="-1" strike="noStrike">
+                <a:solidFill>
+                  <a:srgbClr val="000000"/>
+                </a:solidFill>
+                <a:latin typeface="Arial"/>
+                <a:ea typeface="DejaVu Sans"/>
+              </a:rPr>
+              <a:t>日付</a:t>
+            </a:r>
+            <a:endParaRPr b="0" lang="en-US" sz="1800" spc="-1" strike="noStrike">
+              <a:latin typeface="Arial"/>
+            </a:endParaRPr>
+          </a:p>
+          <a:p>
+            <a:pPr>
+              <a:lnSpc>
+                <a:spcPct val="100000"/>
+              </a:lnSpc>
+            </a:pPr>
+            <a:r>
+              <a:rPr b="0" lang="en-US" sz="1800" spc="-1" strike="noStrike">
+                <a:solidFill>
+                  <a:srgbClr val="000000"/>
+                </a:solidFill>
+                <a:latin typeface="Arial"/>
+                <a:ea typeface="DejaVu Sans"/>
+              </a:rPr>
+              <a:t>コミットメッセージ</a:t>
+            </a:r>
+            <a:endParaRPr b="0" lang="en-US" sz="1800" spc="-1" strike="noStrike">
+              <a:latin typeface="Arial"/>
+            </a:endParaRPr>
+          </a:p>
+        </p:txBody>
+      </p:sp>
+      <p:sp>
+        <p:nvSpPr>
+          <p:cNvPr id="307" name="CustomShape 16"/>
+          <p:cNvSpPr/>
+          <p:nvPr/>
+        </p:nvSpPr>
+        <p:spPr>
+          <a:xfrm>
+            <a:off x="2547720" y="3888000"/>
+            <a:ext cx="1267560" cy="363960"/>
+          </a:xfrm>
+          <a:prstGeom prst="rect">
+            <a:avLst/>
+          </a:prstGeom>
+          <a:noFill/>
+          <a:ln>
+            <a:noFill/>
+          </a:ln>
+        </p:spPr>
+        <p:style>
+          <a:lnRef idx="0"/>
+          <a:fillRef idx="0"/>
+          <a:effectRef idx="0"/>
+          <a:fontRef idx="minor"/>
+        </p:style>
+        <p:txBody>
+          <a:bodyPr lIns="90000" rIns="90000" tIns="45000" bIns="45000">
+            <a:spAutoFit/>
+          </a:bodyPr>
+          <a:p>
+            <a:pPr>
+              <a:lnSpc>
+                <a:spcPct val="100000"/>
+              </a:lnSpc>
+            </a:pPr>
+            <a:r>
+              <a:rPr b="0" lang="en-US" sz="1800" spc="-1" strike="noStrike">
+                <a:solidFill>
+                  <a:srgbClr val="000000"/>
+                </a:solidFill>
+                <a:latin typeface="Arial"/>
+                <a:ea typeface="DejaVu Sans"/>
+              </a:rPr>
+              <a:t>Git add</a:t>
+            </a:r>
+            <a:endParaRPr b="0" lang="en-US" sz="1800" spc="-1" strike="noStrike">
+              <a:latin typeface="Arial"/>
+            </a:endParaRPr>
+          </a:p>
+        </p:txBody>
+      </p:sp>
+      <p:sp>
+        <p:nvSpPr>
+          <p:cNvPr id="308" name="CustomShape 17"/>
+          <p:cNvSpPr/>
+          <p:nvPr/>
+        </p:nvSpPr>
+        <p:spPr>
+          <a:xfrm>
+            <a:off x="2448000" y="3672000"/>
+            <a:ext cx="431280" cy="363960"/>
+          </a:xfrm>
+          <a:prstGeom prst="rect">
+            <a:avLst/>
+          </a:prstGeom>
+          <a:noFill/>
+          <a:ln>
+            <a:noFill/>
+          </a:ln>
+        </p:spPr>
+        <p:style>
+          <a:lnRef idx="0"/>
+          <a:fillRef idx="0"/>
+          <a:effectRef idx="0"/>
+          <a:fontRef idx="minor"/>
+        </p:style>
+        <p:txBody>
+          <a:bodyPr lIns="90000" rIns="90000" tIns="45000" bIns="45000">
+            <a:spAutoFit/>
+          </a:bodyPr>
+          <a:p>
+            <a:pPr>
+              <a:lnSpc>
+                <a:spcPct val="100000"/>
+              </a:lnSpc>
+            </a:pPr>
+            <a:r>
+              <a:rPr b="0" lang="en-US" sz="1800" spc="-1" strike="noStrike">
+                <a:solidFill>
+                  <a:srgbClr val="000000"/>
+                </a:solidFill>
+                <a:latin typeface="Arial"/>
+                <a:ea typeface="DejaVu Sans"/>
+              </a:rPr>
+              <a:t>⓵</a:t>
+            </a:r>
+            <a:endParaRPr b="0" lang="en-US" sz="1800" spc="-1" strike="noStrike">
+              <a:latin typeface="Arial"/>
+            </a:endParaRPr>
+          </a:p>
+        </p:txBody>
+      </p:sp>
+      <p:sp>
+        <p:nvSpPr>
+          <p:cNvPr id="309" name="CustomShape 18"/>
+          <p:cNvSpPr/>
+          <p:nvPr/>
+        </p:nvSpPr>
+        <p:spPr>
+          <a:xfrm>
+            <a:off x="3312000" y="3168000"/>
+            <a:ext cx="575280" cy="425160"/>
+          </a:xfrm>
+          <a:prstGeom prst="rect">
+            <a:avLst/>
+          </a:prstGeom>
+          <a:noFill/>
+          <a:ln>
+            <a:noFill/>
+          </a:ln>
+        </p:spPr>
+        <p:style>
+          <a:lnRef idx="0"/>
+          <a:fillRef idx="0"/>
+          <a:effectRef idx="0"/>
+          <a:fontRef idx="minor"/>
+        </p:style>
+        <p:txBody>
+          <a:bodyPr lIns="90000" rIns="90000" tIns="45000" bIns="45000">
+            <a:spAutoFit/>
+          </a:bodyPr>
+          <a:p>
+            <a:pPr>
+              <a:lnSpc>
+                <a:spcPct val="100000"/>
+              </a:lnSpc>
+            </a:pPr>
+            <a:r>
+              <a:rPr b="0" lang="en-US" sz="1800" spc="-1" strike="noStrike">
+                <a:solidFill>
+                  <a:srgbClr val="000000"/>
+                </a:solidFill>
+                <a:latin typeface="Arial"/>
+                <a:ea typeface="DejaVu Sans"/>
+              </a:rPr>
+              <a:t>⓵</a:t>
+            </a:r>
+            <a:r>
+              <a:rPr b="0" lang="en-US" sz="2200" spc="-1" strike="noStrike">
+                <a:solidFill>
+                  <a:srgbClr val="000000"/>
+                </a:solidFill>
+                <a:latin typeface="Arial"/>
+                <a:ea typeface="DejaVu Sans"/>
+              </a:rPr>
+              <a:t>’</a:t>
+            </a:r>
+            <a:endParaRPr b="0" lang="en-US" sz="2200" spc="-1" strike="noStrike">
+              <a:latin typeface="Arial"/>
+            </a:endParaRPr>
+          </a:p>
+        </p:txBody>
+      </p:sp>
+      <p:sp>
+        <p:nvSpPr>
+          <p:cNvPr id="310" name="CustomShape 19"/>
+          <p:cNvSpPr/>
+          <p:nvPr/>
+        </p:nvSpPr>
+        <p:spPr>
+          <a:xfrm>
+            <a:off x="6264360" y="3384000"/>
+            <a:ext cx="431280" cy="363960"/>
+          </a:xfrm>
+          <a:prstGeom prst="rect">
+            <a:avLst/>
+          </a:prstGeom>
+          <a:noFill/>
+          <a:ln>
+            <a:noFill/>
+          </a:ln>
+        </p:spPr>
+        <p:style>
+          <a:lnRef idx="0"/>
+          <a:fillRef idx="0"/>
+          <a:effectRef idx="0"/>
+          <a:fontRef idx="minor"/>
+        </p:style>
+        <p:txBody>
+          <a:bodyPr lIns="90000" rIns="90000" tIns="45000" bIns="45000">
+            <a:spAutoFit/>
+          </a:bodyPr>
+          <a:p>
+            <a:pPr>
+              <a:lnSpc>
+                <a:spcPct val="100000"/>
+              </a:lnSpc>
+            </a:pPr>
+            <a:r>
+              <a:rPr b="0" lang="en-US" sz="1800" spc="-1" strike="noStrike">
+                <a:solidFill>
+                  <a:srgbClr val="000000"/>
+                </a:solidFill>
+                <a:latin typeface="Arial"/>
+                <a:ea typeface="DejaVu Sans"/>
+              </a:rPr>
+              <a:t>⓶</a:t>
+            </a:r>
+            <a:endParaRPr b="0" lang="en-US" sz="1800" spc="-1" strike="noStrike">
+              <a:latin typeface="Arial"/>
+            </a:endParaRPr>
+          </a:p>
+        </p:txBody>
+      </p:sp>
+      <p:sp>
+        <p:nvSpPr>
+          <p:cNvPr id="311" name="CustomShape 20"/>
+          <p:cNvSpPr/>
+          <p:nvPr/>
+        </p:nvSpPr>
+        <p:spPr>
+          <a:xfrm>
+            <a:off x="6336360" y="2376000"/>
+            <a:ext cx="647280" cy="425160"/>
+          </a:xfrm>
+          <a:prstGeom prst="rect">
+            <a:avLst/>
+          </a:prstGeom>
+          <a:noFill/>
+          <a:ln>
+            <a:noFill/>
+          </a:ln>
+        </p:spPr>
+        <p:style>
+          <a:lnRef idx="0"/>
+          <a:fillRef idx="0"/>
+          <a:effectRef idx="0"/>
+          <a:fontRef idx="minor"/>
+        </p:style>
+        <p:txBody>
+          <a:bodyPr lIns="90000" rIns="90000" tIns="45000" bIns="45000">
+            <a:spAutoFit/>
+          </a:bodyPr>
+          <a:p>
+            <a:pPr>
+              <a:lnSpc>
+                <a:spcPct val="100000"/>
+              </a:lnSpc>
+            </a:pPr>
+            <a:r>
+              <a:rPr b="0" lang="en-US" sz="1800" spc="-1" strike="noStrike">
+                <a:solidFill>
+                  <a:srgbClr val="000000"/>
+                </a:solidFill>
+                <a:latin typeface="Arial"/>
+                <a:ea typeface="DejaVu Sans"/>
+              </a:rPr>
+              <a:t>⓶</a:t>
+            </a:r>
+            <a:r>
+              <a:rPr b="0" lang="en-US" sz="2200" spc="-1" strike="noStrike">
+                <a:solidFill>
+                  <a:srgbClr val="000000"/>
+                </a:solidFill>
+                <a:latin typeface="Arial"/>
+                <a:ea typeface="DejaVu Sans"/>
+              </a:rPr>
+              <a:t>’</a:t>
+            </a:r>
+            <a:endParaRPr b="0" lang="en-US" sz="2200" spc="-1" strike="noStrike">
+              <a:latin typeface="Arial"/>
+            </a:endParaRPr>
+          </a:p>
+        </p:txBody>
+      </p:sp>
+      <p:sp>
+        <p:nvSpPr>
+          <p:cNvPr id="312" name="CustomShape 21"/>
+          <p:cNvSpPr/>
+          <p:nvPr/>
+        </p:nvSpPr>
+        <p:spPr>
+          <a:xfrm>
+            <a:off x="8064720" y="1584000"/>
+            <a:ext cx="1510920" cy="502920"/>
+          </a:xfrm>
+          <a:prstGeom prst="rect">
+            <a:avLst/>
+          </a:prstGeom>
+          <a:solidFill>
+            <a:srgbClr val="729fcf"/>
+          </a:solidFill>
+          <a:ln>
+            <a:solidFill>
+              <a:srgbClr val="3465a4"/>
+            </a:solidFill>
+          </a:ln>
+        </p:spPr>
+        <p:style>
+          <a:lnRef idx="0"/>
+          <a:fillRef idx="0"/>
+          <a:effectRef idx="0"/>
+          <a:fontRef idx="minor"/>
+        </p:style>
+        <p:txBody>
+          <a:bodyPr wrap="none" lIns="90000" rIns="90000" tIns="45000" bIns="45000" anchor="ctr">
+            <a:noAutofit/>
+          </a:bodyPr>
+          <a:p>
+            <a:pPr algn="ctr">
+              <a:lnSpc>
+                <a:spcPct val="100000"/>
+              </a:lnSpc>
+            </a:pPr>
+            <a:r>
+              <a:rPr b="0" lang="en-US" sz="1800" spc="-1" strike="noStrike">
+                <a:solidFill>
+                  <a:srgbClr val="000000"/>
+                </a:solidFill>
+                <a:latin typeface="Arial"/>
+                <a:ea typeface="DejaVu Sans"/>
+              </a:rPr>
+              <a:t>コミット</a:t>
+            </a:r>
+            <a:r>
+              <a:rPr b="0" lang="en-US" sz="1800" spc="-1" strike="noStrike">
+                <a:solidFill>
+                  <a:srgbClr val="000000"/>
+                </a:solidFill>
+                <a:latin typeface="Arial"/>
+                <a:ea typeface="DejaVu Sans"/>
+              </a:rPr>
+              <a:t>3</a:t>
+            </a:r>
+            <a:endParaRPr b="0" lang="en-US" sz="1800" spc="-1" strike="noStrike">
+              <a:latin typeface="Arial"/>
+            </a:endParaRPr>
+          </a:p>
+        </p:txBody>
+      </p:sp>
+      <p:sp>
+        <p:nvSpPr>
+          <p:cNvPr id="313" name="CustomShape 22"/>
+          <p:cNvSpPr/>
+          <p:nvPr/>
+        </p:nvSpPr>
+        <p:spPr>
+          <a:xfrm>
+            <a:off x="1800000" y="2017080"/>
+            <a:ext cx="720000" cy="286920"/>
+          </a:xfrm>
+          <a:prstGeom prst="rect">
+            <a:avLst/>
+          </a:prstGeom>
+          <a:solidFill>
+            <a:srgbClr val="729fcf"/>
+          </a:solidFill>
+          <a:ln>
+            <a:solidFill>
+              <a:srgbClr val="3465a4"/>
+            </a:solidFill>
+          </a:ln>
+        </p:spPr>
+        <p:style>
+          <a:lnRef idx="0"/>
+          <a:fillRef idx="0"/>
+          <a:effectRef idx="0"/>
+          <a:fontRef idx="minor"/>
+        </p:style>
+        <p:txBody>
+          <a:bodyPr wrap="none" lIns="90000" rIns="90000" tIns="45000" bIns="45000" anchor="ctr">
+            <a:noAutofit/>
+          </a:bodyPr>
+          <a:p>
+            <a:pPr algn="ctr">
+              <a:lnSpc>
+                <a:spcPct val="100000"/>
+              </a:lnSpc>
+            </a:pPr>
+            <a:r>
+              <a:rPr b="0" lang="en-US" sz="1800" spc="-1" strike="noStrike">
+                <a:solidFill>
+                  <a:srgbClr val="000000"/>
+                </a:solidFill>
+                <a:latin typeface="Arial"/>
+                <a:ea typeface="DejaVu Sans"/>
+              </a:rPr>
+              <a:t>圧縮</a:t>
+            </a:r>
+            <a:r>
+              <a:rPr b="0" lang="en-US" sz="1800" spc="-1" strike="noStrike">
+                <a:solidFill>
+                  <a:srgbClr val="000000"/>
+                </a:solidFill>
+                <a:latin typeface="Arial"/>
+                <a:ea typeface="DejaVu Sans"/>
+              </a:rPr>
+              <a:t>A</a:t>
+            </a:r>
+            <a:endParaRPr b="0" lang="en-US" sz="1800" spc="-1" strike="noStrike">
+              <a:latin typeface="Arial"/>
+            </a:endParaRPr>
+          </a:p>
+        </p:txBody>
+      </p:sp>
+      <p:sp>
+        <p:nvSpPr>
+          <p:cNvPr id="314" name="CustomShape 23"/>
+          <p:cNvSpPr/>
+          <p:nvPr/>
+        </p:nvSpPr>
+        <p:spPr>
+          <a:xfrm>
+            <a:off x="3672000" y="1657080"/>
+            <a:ext cx="720000" cy="286920"/>
+          </a:xfrm>
+          <a:prstGeom prst="rect">
+            <a:avLst/>
+          </a:prstGeom>
+          <a:solidFill>
+            <a:srgbClr val="729fcf"/>
+          </a:solidFill>
+          <a:ln>
+            <a:solidFill>
+              <a:srgbClr val="3465a4"/>
+            </a:solidFill>
+          </a:ln>
+        </p:spPr>
+        <p:style>
+          <a:lnRef idx="0"/>
+          <a:fillRef idx="0"/>
+          <a:effectRef idx="0"/>
+          <a:fontRef idx="minor"/>
+        </p:style>
+        <p:txBody>
+          <a:bodyPr wrap="none" lIns="90000" rIns="90000" tIns="45000" bIns="45000" anchor="ctr">
+            <a:noAutofit/>
+          </a:bodyPr>
+          <a:p>
+            <a:pPr algn="ctr">
+              <a:lnSpc>
+                <a:spcPct val="100000"/>
+              </a:lnSpc>
+            </a:pPr>
+            <a:r>
+              <a:rPr b="0" lang="en-US" sz="1800" spc="-1" strike="noStrike">
+                <a:solidFill>
+                  <a:srgbClr val="000000"/>
+                </a:solidFill>
+                <a:latin typeface="Arial"/>
+                <a:ea typeface="DejaVu Sans"/>
+              </a:rPr>
+              <a:t>ツリー１</a:t>
+            </a:r>
+            <a:endParaRPr b="0" lang="en-US" sz="1800" spc="-1" strike="noStrike">
+              <a:latin typeface="Arial"/>
+            </a:endParaRPr>
+          </a:p>
+        </p:txBody>
+      </p:sp>
+      <p:sp>
+        <p:nvSpPr>
+          <p:cNvPr id="315" name="CustomShape 24"/>
+          <p:cNvSpPr/>
+          <p:nvPr/>
+        </p:nvSpPr>
+        <p:spPr>
+          <a:xfrm>
+            <a:off x="5184000" y="1657080"/>
+            <a:ext cx="1367640" cy="286920"/>
+          </a:xfrm>
+          <a:prstGeom prst="rect">
+            <a:avLst/>
+          </a:prstGeom>
+          <a:solidFill>
+            <a:srgbClr val="729fcf"/>
+          </a:solidFill>
+          <a:ln>
+            <a:solidFill>
+              <a:srgbClr val="3465a4"/>
+            </a:solidFill>
+          </a:ln>
+        </p:spPr>
+        <p:style>
+          <a:lnRef idx="0"/>
+          <a:fillRef idx="0"/>
+          <a:effectRef idx="0"/>
+          <a:fontRef idx="minor"/>
+        </p:style>
+        <p:txBody>
+          <a:bodyPr wrap="none" lIns="90000" rIns="90000" tIns="45000" bIns="45000" anchor="ctr">
+            <a:noAutofit/>
+          </a:bodyPr>
+          <a:p>
+            <a:pPr algn="ctr">
+              <a:lnSpc>
+                <a:spcPct val="100000"/>
+              </a:lnSpc>
+            </a:pPr>
+            <a:r>
+              <a:rPr b="0" lang="en-US" sz="1800" spc="-1" strike="noStrike">
+                <a:solidFill>
+                  <a:srgbClr val="000000"/>
+                </a:solidFill>
+                <a:latin typeface="Arial"/>
+                <a:ea typeface="DejaVu Sans"/>
+              </a:rPr>
+              <a:t>コミット１</a:t>
+            </a:r>
+            <a:endParaRPr b="0" lang="en-US" sz="1800" spc="-1" strike="noStrike">
+              <a:latin typeface="Arial"/>
+            </a:endParaRPr>
+          </a:p>
+        </p:txBody>
+      </p:sp>
+      <p:sp>
+        <p:nvSpPr>
+          <p:cNvPr id="316" name="Line 25"/>
+          <p:cNvSpPr/>
+          <p:nvPr/>
+        </p:nvSpPr>
+        <p:spPr>
+          <a:xfrm flipH="1">
+            <a:off x="6480000" y="2088000"/>
+            <a:ext cx="504000" cy="288000"/>
+          </a:xfrm>
+          <a:prstGeom prst="line">
+            <a:avLst/>
+          </a:prstGeom>
+          <a:ln>
+            <a:solidFill>
+              <a:srgbClr val="3465a4"/>
+            </a:solidFill>
+            <a:tailEnd len="med" type="triangle" w="med"/>
+          </a:ln>
+        </p:spPr>
+        <p:style>
+          <a:lnRef idx="0"/>
+          <a:fillRef idx="0"/>
+          <a:effectRef idx="0"/>
+          <a:fontRef idx="minor"/>
+        </p:style>
+      </p:sp>
+      <p:sp>
+        <p:nvSpPr>
+          <p:cNvPr id="317" name="Line 26"/>
+          <p:cNvSpPr/>
+          <p:nvPr/>
+        </p:nvSpPr>
+        <p:spPr>
+          <a:xfrm flipH="1">
+            <a:off x="6624000" y="2376000"/>
+            <a:ext cx="432000" cy="504000"/>
+          </a:xfrm>
+          <a:prstGeom prst="line">
+            <a:avLst/>
+          </a:prstGeom>
+          <a:ln>
+            <a:solidFill>
+              <a:srgbClr val="3465a4"/>
+            </a:solidFill>
+            <a:tailEnd len="med" type="triangle" w="med"/>
+          </a:ln>
+        </p:spPr>
+        <p:style>
+          <a:lnRef idx="0"/>
+          <a:fillRef idx="0"/>
+          <a:effectRef idx="0"/>
+          <a:fontRef idx="minor"/>
+        </p:style>
+      </p:sp>
+      <p:sp>
+        <p:nvSpPr>
+          <p:cNvPr id="318" name="CustomShape 27"/>
+          <p:cNvSpPr/>
+          <p:nvPr/>
+        </p:nvSpPr>
+        <p:spPr>
+          <a:xfrm>
+            <a:off x="2160000" y="5467680"/>
+            <a:ext cx="1511640" cy="364320"/>
+          </a:xfrm>
+          <a:prstGeom prst="rect">
+            <a:avLst/>
+          </a:prstGeom>
+          <a:noFill/>
+          <a:ln>
+            <a:noFill/>
+          </a:ln>
+        </p:spPr>
+        <p:style>
+          <a:lnRef idx="0"/>
+          <a:fillRef idx="0"/>
+          <a:effectRef idx="0"/>
+          <a:fontRef idx="minor"/>
+        </p:style>
+        <p:txBody>
+          <a:bodyPr lIns="90000" rIns="90000" tIns="45000" bIns="45000">
+            <a:spAutoFit/>
+          </a:bodyPr>
+          <a:p>
+            <a:pPr>
+              <a:lnSpc>
+                <a:spcPct val="100000"/>
+              </a:lnSpc>
+            </a:pPr>
+            <a:r>
+              <a:rPr b="0" lang="en-US" sz="1800" spc="-1" strike="noStrike">
+                <a:solidFill>
+                  <a:srgbClr val="000000"/>
+                </a:solidFill>
+                <a:latin typeface="Arial"/>
+                <a:ea typeface="DejaVu Sans"/>
+              </a:rPr>
+              <a:t>Index2.html</a:t>
+            </a:r>
+            <a:endParaRPr b="0" lang="en-US" sz="1800" spc="-1" strike="noStrike">
+              <a:solidFill>
+                <a:srgbClr val="000000"/>
+              </a:solidFill>
+              <a:latin typeface="Arial"/>
+            </a:endParaRPr>
+          </a:p>
+        </p:txBody>
+      </p:sp>
+      <p:sp>
+        <p:nvSpPr>
+          <p:cNvPr id="319" name="CustomShape 28"/>
+          <p:cNvSpPr/>
+          <p:nvPr/>
+        </p:nvSpPr>
+        <p:spPr>
+          <a:xfrm>
+            <a:off x="2088000" y="5688000"/>
+            <a:ext cx="1511640" cy="364680"/>
+          </a:xfrm>
+          <a:prstGeom prst="rect">
+            <a:avLst/>
+          </a:prstGeom>
+          <a:noFill/>
+          <a:ln>
+            <a:noFill/>
+          </a:ln>
+        </p:spPr>
+        <p:style>
+          <a:lnRef idx="0"/>
+          <a:fillRef idx="0"/>
+          <a:effectRef idx="0"/>
+          <a:fontRef idx="minor"/>
+        </p:style>
+        <p:txBody>
+          <a:bodyPr lIns="90000" rIns="90000" tIns="45000" bIns="45000">
+            <a:spAutoFit/>
+          </a:bodyPr>
+          <a:p>
+            <a:pPr>
+              <a:lnSpc>
+                <a:spcPct val="100000"/>
+              </a:lnSpc>
+            </a:pPr>
+            <a:r>
+              <a:rPr b="1" lang="en-US" sz="1800" spc="-1" strike="noStrike">
+                <a:solidFill>
+                  <a:srgbClr val="c9211e"/>
+                </a:solidFill>
+                <a:latin typeface="Arial"/>
+                <a:ea typeface="DejaVu Sans"/>
+              </a:rPr>
+              <a:t>ファイルの変更</a:t>
+            </a:r>
+            <a:endParaRPr b="1" lang="en-US" sz="1800" spc="-1" strike="noStrike">
+              <a:solidFill>
+                <a:srgbClr val="c9211e"/>
+              </a:solidFill>
+              <a:latin typeface="Arial"/>
+            </a:endParaRPr>
+          </a:p>
+        </p:txBody>
+      </p:sp>
+      <p:sp>
+        <p:nvSpPr>
+          <p:cNvPr id="320" name="CustomShape 29"/>
+          <p:cNvSpPr/>
+          <p:nvPr/>
+        </p:nvSpPr>
+        <p:spPr>
+          <a:xfrm>
+            <a:off x="1872000" y="2448000"/>
+            <a:ext cx="1440000" cy="360000"/>
+          </a:xfrm>
+          <a:prstGeom prst="rect">
+            <a:avLst/>
+          </a:prstGeom>
+          <a:solidFill>
+            <a:srgbClr val="729fcf"/>
+          </a:solidFill>
+          <a:ln>
+            <a:solidFill>
+              <a:srgbClr val="3465a4"/>
+            </a:solidFill>
+          </a:ln>
+        </p:spPr>
+        <p:style>
+          <a:lnRef idx="0"/>
+          <a:fillRef idx="0"/>
+          <a:effectRef idx="0"/>
+          <a:fontRef idx="minor"/>
+        </p:style>
+        <p:txBody>
+          <a:bodyPr wrap="none" lIns="90000" rIns="90000" tIns="45000" bIns="45000" anchor="ctr">
+            <a:noAutofit/>
+          </a:bodyPr>
+          <a:p>
+            <a:pPr algn="ctr">
+              <a:lnSpc>
+                <a:spcPct val="100000"/>
+              </a:lnSpc>
+            </a:pPr>
+            <a:r>
+              <a:rPr b="0" lang="en-US" sz="1800" spc="-1" strike="noStrike">
+                <a:solidFill>
+                  <a:srgbClr val="000000"/>
+                </a:solidFill>
+                <a:latin typeface="Arial"/>
+                <a:ea typeface="DejaVu Sans"/>
+              </a:rPr>
+              <a:t>圧縮ファイル</a:t>
+            </a:r>
+            <a:r>
+              <a:rPr b="0" lang="en-US" sz="1800" spc="-1" strike="noStrike">
+                <a:solidFill>
+                  <a:srgbClr val="000000"/>
+                </a:solidFill>
+                <a:latin typeface="Arial"/>
+                <a:ea typeface="DejaVu Sans"/>
+              </a:rPr>
+              <a:t>C</a:t>
+            </a:r>
+            <a:endParaRPr b="0" lang="en-US" sz="1800" spc="-1" strike="noStrike">
+              <a:latin typeface="Arial"/>
+            </a:endParaRPr>
+          </a:p>
+        </p:txBody>
+      </p:sp>
+      <p:sp>
+        <p:nvSpPr>
+          <p:cNvPr id="321" name="CustomShape 30"/>
+          <p:cNvSpPr/>
+          <p:nvPr/>
+        </p:nvSpPr>
+        <p:spPr>
+          <a:xfrm>
+            <a:off x="4392000" y="1657080"/>
+            <a:ext cx="720000" cy="286920"/>
+          </a:xfrm>
+          <a:prstGeom prst="rect">
+            <a:avLst/>
+          </a:prstGeom>
+          <a:solidFill>
+            <a:srgbClr val="729fcf"/>
+          </a:solidFill>
+          <a:ln>
+            <a:solidFill>
+              <a:srgbClr val="3465a4"/>
+            </a:solidFill>
+          </a:ln>
+        </p:spPr>
+        <p:style>
+          <a:lnRef idx="0"/>
+          <a:fillRef idx="0"/>
+          <a:effectRef idx="0"/>
+          <a:fontRef idx="minor"/>
+        </p:style>
+        <p:txBody>
+          <a:bodyPr wrap="none" lIns="90000" rIns="90000" tIns="45000" bIns="45000" anchor="ctr">
+            <a:noAutofit/>
+          </a:bodyPr>
+          <a:p>
+            <a:pPr algn="ctr">
+              <a:lnSpc>
+                <a:spcPct val="100000"/>
+              </a:lnSpc>
+            </a:pPr>
+            <a:r>
+              <a:rPr b="0" lang="en-US" sz="1800" spc="-1" strike="noStrike">
+                <a:solidFill>
+                  <a:srgbClr val="000000"/>
+                </a:solidFill>
+                <a:latin typeface="Arial"/>
+                <a:ea typeface="DejaVu Sans"/>
+              </a:rPr>
+              <a:t>ツリー</a:t>
+            </a:r>
+            <a:r>
+              <a:rPr b="0" lang="en-US" sz="1800" spc="-1" strike="noStrike">
+                <a:solidFill>
+                  <a:srgbClr val="000000"/>
+                </a:solidFill>
+                <a:latin typeface="Arial"/>
+                <a:ea typeface="DejaVu Sans"/>
+              </a:rPr>
+              <a:t>2</a:t>
+            </a:r>
+            <a:endParaRPr b="0" lang="en-US" sz="1800" spc="-1" strike="noStrike">
+              <a:latin typeface="Arial"/>
+            </a:endParaRPr>
+          </a:p>
+        </p:txBody>
+      </p:sp>
+      <p:sp>
+        <p:nvSpPr>
+          <p:cNvPr id="322" name="CustomShape 31"/>
+          <p:cNvSpPr/>
+          <p:nvPr/>
+        </p:nvSpPr>
+        <p:spPr>
+          <a:xfrm>
+            <a:off x="5184000" y="2233080"/>
+            <a:ext cx="1367640" cy="286920"/>
+          </a:xfrm>
+          <a:prstGeom prst="rect">
+            <a:avLst/>
+          </a:prstGeom>
+          <a:solidFill>
+            <a:srgbClr val="729fcf"/>
+          </a:solidFill>
+          <a:ln>
+            <a:solidFill>
+              <a:srgbClr val="3465a4"/>
+            </a:solidFill>
+          </a:ln>
+        </p:spPr>
+        <p:style>
+          <a:lnRef idx="0"/>
+          <a:fillRef idx="0"/>
+          <a:effectRef idx="0"/>
+          <a:fontRef idx="minor"/>
+        </p:style>
+        <p:txBody>
+          <a:bodyPr wrap="none" lIns="90000" rIns="90000" tIns="45000" bIns="45000" anchor="ctr">
+            <a:noAutofit/>
+          </a:bodyPr>
+          <a:p>
+            <a:pPr algn="ctr">
+              <a:lnSpc>
+                <a:spcPct val="100000"/>
+              </a:lnSpc>
+            </a:pPr>
+            <a:r>
+              <a:rPr b="0" lang="en-US" sz="1800" spc="-1" strike="noStrike">
+                <a:solidFill>
+                  <a:srgbClr val="000000"/>
+                </a:solidFill>
+                <a:latin typeface="Arial"/>
+                <a:ea typeface="DejaVu Sans"/>
+              </a:rPr>
+              <a:t>コミット</a:t>
+            </a:r>
+            <a:r>
+              <a:rPr b="0" lang="en-US" sz="1800" spc="-1" strike="noStrike">
+                <a:solidFill>
+                  <a:srgbClr val="000000"/>
+                </a:solidFill>
+                <a:latin typeface="Arial"/>
+                <a:ea typeface="DejaVu Sans"/>
+              </a:rPr>
+              <a:t>2</a:t>
+            </a:r>
+            <a:endParaRPr b="0" lang="en-US" sz="1800" spc="-1" strike="noStrike">
+              <a:latin typeface="Arial"/>
+            </a:endParaRPr>
+          </a:p>
+        </p:txBody>
+      </p:sp>
+      <p:sp>
+        <p:nvSpPr>
+          <p:cNvPr id="323" name="Line 32"/>
+          <p:cNvSpPr/>
+          <p:nvPr/>
+        </p:nvSpPr>
+        <p:spPr>
+          <a:xfrm flipV="1">
+            <a:off x="6201000" y="1990080"/>
+            <a:ext cx="0" cy="243000"/>
+          </a:xfrm>
+          <a:prstGeom prst="line">
+            <a:avLst/>
+          </a:prstGeom>
+          <a:ln>
+            <a:solidFill>
+              <a:srgbClr val="3465a4"/>
+            </a:solidFill>
+            <a:tailEnd len="med" type="triangle" w="med"/>
+          </a:ln>
+        </p:spPr>
+        <p:style>
+          <a:lnRef idx="0"/>
+          <a:fillRef idx="0"/>
+          <a:effectRef idx="0"/>
+          <a:fontRef idx="minor"/>
+        </p:style>
+      </p:sp>
+      <p:sp>
+        <p:nvSpPr>
+          <p:cNvPr id="324" name="CustomShape 33"/>
+          <p:cNvSpPr/>
+          <p:nvPr/>
+        </p:nvSpPr>
+        <p:spPr>
+          <a:xfrm>
+            <a:off x="3600000" y="2304000"/>
+            <a:ext cx="1440000" cy="360000"/>
+          </a:xfrm>
+          <a:prstGeom prst="rect">
+            <a:avLst/>
+          </a:prstGeom>
+          <a:solidFill>
+            <a:srgbClr val="729fcf"/>
+          </a:solidFill>
+          <a:ln>
+            <a:solidFill>
+              <a:srgbClr val="3465a4"/>
+            </a:solidFill>
+          </a:ln>
+        </p:spPr>
+        <p:style>
+          <a:lnRef idx="0"/>
+          <a:fillRef idx="0"/>
+          <a:effectRef idx="0"/>
+          <a:fontRef idx="minor"/>
+        </p:style>
+        <p:txBody>
+          <a:bodyPr wrap="none" lIns="90000" rIns="90000" tIns="45000" bIns="45000" anchor="ctr">
+            <a:noAutofit/>
+          </a:bodyPr>
+          <a:p>
+            <a:pPr algn="ctr">
+              <a:lnSpc>
+                <a:spcPct val="100000"/>
+              </a:lnSpc>
+            </a:pPr>
+            <a:r>
+              <a:rPr b="0" lang="en-US" sz="1800" spc="-1" strike="noStrike">
+                <a:solidFill>
+                  <a:srgbClr val="000000"/>
+                </a:solidFill>
+                <a:latin typeface="Arial"/>
+                <a:ea typeface="DejaVu Sans"/>
+              </a:rPr>
+              <a:t>ツリー</a:t>
+            </a:r>
+            <a:r>
+              <a:rPr b="0" lang="en-US" sz="1800" spc="-1" strike="noStrike">
+                <a:solidFill>
+                  <a:srgbClr val="000000"/>
+                </a:solidFill>
+                <a:latin typeface="Arial"/>
+                <a:ea typeface="DejaVu Sans"/>
+              </a:rPr>
+              <a:t>3</a:t>
+            </a:r>
+            <a:endParaRPr b="0" lang="en-US" sz="1800" spc="-1" strike="noStrike">
+              <a:latin typeface="Arial"/>
+            </a:endParaRPr>
+          </a:p>
+        </p:txBody>
+      </p:sp>
+    </p:spTree>
+  </p:cSld>
+  <mc:AlternateContent>
+    <mc:Choice Requires="p14">
+      <p:transition spd="slow" p14:dur="2000"/>
+    </mc:Choice>
+    <mc:Fallback>
+      <p:transition spd="slow"/>
+    </mc:Fallback>
+  </mc:AlternateContent>
+</p:sld>
+</file>
+
+<file path=ppt/slides/slide15.xml><?xml version="1.0" encoding="utf-8"?>
+<p:sld xmlns:a="http://schemas.openxmlformats.org/drawingml/2006/main" xmlns:p="http://schemas.openxmlformats.org/presentationml/2006/main" xmlns:r="http://schemas.openxmlformats.org/officeDocument/2006/relationships" xmlns:p14="http://schemas.microsoft.com/office/powerpoint/2010/main" xmlns:p15="http://schemas.microsoft.com/office/powerpoint/2012/main" xmlns:mc="http://schemas.openxmlformats.org/markup-compatibility/2006">
+  <p:cSld>
+    <p:spTree>
+      <p:nvGrpSpPr>
+        <p:cNvPr id="1" name=""/>
+        <p:cNvGrpSpPr/>
+        <p:nvPr/>
+      </p:nvGrpSpPr>
+      <p:grpSpPr>
+        <a:xfrm>
+          <a:off x="0" y="0"/>
+          <a:ext cx="0" cy="0"/>
+          <a:chOff x="0" y="0"/>
+          <a:chExt cx="0" cy="0"/>
+        </a:xfrm>
+      </p:grpSpPr>
+      <p:sp>
+        <p:nvSpPr>
+          <p:cNvPr id="325" name="TextShape 1"/>
+          <p:cNvSpPr txBox="1"/>
+          <p:nvPr/>
+        </p:nvSpPr>
+        <p:spPr>
+          <a:xfrm>
+            <a:off x="504000" y="261720"/>
+            <a:ext cx="9070920" cy="1341000"/>
+          </a:xfrm>
+          <a:prstGeom prst="rect">
+            <a:avLst/>
+          </a:prstGeom>
+          <a:noFill/>
+          <a:ln>
+            <a:noFill/>
+          </a:ln>
+        </p:spPr>
+        <p:txBody>
+          <a:bodyPr lIns="0" rIns="0" tIns="0" bIns="0" anchor="ctr">
+            <a:spAutoFit/>
+          </a:bodyPr>
+          <a:p>
+            <a:pPr algn="ctr"/>
+            <a:r>
+              <a:rPr b="0" lang="en-US" sz="4400" spc="-1" strike="noStrike">
+                <a:latin typeface="Arial"/>
+              </a:rPr>
+              <a:t>Git</a:t>
+            </a:r>
+            <a:r>
+              <a:rPr b="0" lang="en-US" sz="4400" spc="-1" strike="noStrike">
+                <a:latin typeface="Arial"/>
+              </a:rPr>
+              <a:t>のデータ構造のまとめ</a:t>
+            </a:r>
+            <a:endParaRPr b="0" lang="en-US" sz="4400" spc="-1" strike="noStrike">
+              <a:latin typeface="Arial"/>
+            </a:endParaRPr>
+          </a:p>
+        </p:txBody>
+      </p:sp>
+      <p:sp>
+        <p:nvSpPr>
+          <p:cNvPr id="326" name="TextShape 2"/>
+          <p:cNvSpPr txBox="1"/>
+          <p:nvPr/>
+        </p:nvSpPr>
+        <p:spPr>
+          <a:xfrm>
+            <a:off x="504000" y="1768680"/>
+            <a:ext cx="9000000" cy="4383000"/>
+          </a:xfrm>
+          <a:prstGeom prst="rect">
+            <a:avLst/>
+          </a:prstGeom>
+          <a:noFill/>
+          <a:ln>
+            <a:noFill/>
+          </a:ln>
+        </p:spPr>
+        <p:txBody>
+          <a:bodyPr lIns="0" rIns="0" tIns="0" bIns="0">
+            <a:normAutofit/>
+          </a:bodyPr>
+          <a:p>
+            <a:pPr marL="432000" indent="-324000">
+              <a:spcBef>
+                <a:spcPts val="1417"/>
+              </a:spcBef>
+              <a:buClr>
+                <a:srgbClr val="000000"/>
+              </a:buClr>
+              <a:buSzPct val="45000"/>
+              <a:buFont typeface="Wingdings" charset="2"/>
+              <a:buChar char=""/>
+            </a:pPr>
+            <a:r>
+              <a:rPr b="0" lang="en-US" sz="3200" spc="-1" strike="noStrike">
+                <a:latin typeface="Arial"/>
+              </a:rPr>
+              <a:t>リポジトリに「圧縮ファイル」、「ツリー」、「コミット」ファイルを作成することで、データを保持している</a:t>
+            </a:r>
+            <a:endParaRPr b="0" lang="en-US" sz="3200" spc="-1" strike="noStrike">
+              <a:latin typeface="Arial"/>
+            </a:endParaRPr>
+          </a:p>
+          <a:p>
+            <a:pPr marL="432000" indent="-324000">
+              <a:spcBef>
+                <a:spcPts val="1417"/>
+              </a:spcBef>
+              <a:buClr>
+                <a:srgbClr val="000000"/>
+              </a:buClr>
+              <a:buSzPct val="45000"/>
+              <a:buFont typeface="Wingdings" charset="2"/>
+              <a:buChar char=""/>
+            </a:pPr>
+            <a:r>
+              <a:rPr b="0" lang="en-US" sz="3200" spc="-1" strike="noStrike">
+                <a:latin typeface="Arial"/>
+              </a:rPr>
+              <a:t>コミットが親コミットを持つことで変更履歴をたどることができる</a:t>
+            </a:r>
+            <a:endParaRPr b="0" lang="en-US" sz="3200" spc="-1" strike="noStrike">
+              <a:latin typeface="Arial"/>
+            </a:endParaRPr>
+          </a:p>
+          <a:p>
+            <a:pPr marL="432000" indent="-324000">
+              <a:spcBef>
+                <a:spcPts val="1417"/>
+              </a:spcBef>
+              <a:buClr>
+                <a:srgbClr val="000000"/>
+              </a:buClr>
+              <a:buSzPct val="45000"/>
+              <a:buFont typeface="Wingdings" charset="2"/>
+              <a:buChar char=""/>
+            </a:pPr>
+            <a:r>
+              <a:rPr b="0" lang="en-US" sz="3200" spc="-1" strike="noStrike">
+                <a:latin typeface="Arial"/>
+              </a:rPr>
+              <a:t>Git</a:t>
+            </a:r>
+            <a:r>
+              <a:rPr b="0" lang="en-US" sz="3200" spc="-1" strike="noStrike">
+                <a:latin typeface="Arial"/>
+              </a:rPr>
+              <a:t>の本質はデータを圧縮して、スナップショットで保存している</a:t>
+            </a:r>
+            <a:endParaRPr b="0" lang="en-US" sz="3200" spc="-1" strike="noStrike">
+              <a:latin typeface="Arial"/>
+            </a:endParaRPr>
+          </a:p>
+          <a:p>
+            <a:pPr marL="432000" indent="-324000">
+              <a:spcBef>
+                <a:spcPts val="1417"/>
+              </a:spcBef>
+              <a:buClr>
+                <a:srgbClr val="000000"/>
+              </a:buClr>
+              <a:buSzPct val="45000"/>
+              <a:buFont typeface="Wingdings" charset="2"/>
+              <a:buChar char=""/>
+            </a:pPr>
+            <a:r>
+              <a:rPr b="0" lang="en-US" sz="3200" spc="-1" strike="noStrike">
+                <a:latin typeface="Arial"/>
+              </a:rPr>
+              <a:t>Git</a:t>
+            </a:r>
+            <a:r>
+              <a:rPr b="0" lang="en-US" sz="3200" spc="-1" strike="noStrike">
+                <a:latin typeface="Arial"/>
+              </a:rPr>
+              <a:t>のコマンドは、そのデータに対して色々な操作を行っている</a:t>
+            </a:r>
+            <a:endParaRPr b="0" lang="en-US" sz="3200" spc="-1" strike="noStrike">
               <a:latin typeface="Arial"/>
             </a:endParaRPr>
           </a:p>
@@ -12512,7 +14690,7 @@
         <p:spPr>
           <a:xfrm>
             <a:off x="504000" y="596520"/>
-            <a:ext cx="9070920" cy="670320"/>
+            <a:ext cx="9070560" cy="669960"/>
           </a:xfrm>
           <a:prstGeom prst="rect">
             <a:avLst/>
@@ -12563,7 +14741,7 @@
         <p:spPr>
           <a:xfrm>
             <a:off x="504000" y="1944000"/>
-            <a:ext cx="9070920" cy="4207680"/>
+            <a:ext cx="9070560" cy="4207320"/>
           </a:xfrm>
           <a:prstGeom prst="rect">
             <a:avLst/>
@@ -12584,7 +14762,7 @@
             <a:normAutofit/>
           </a:bodyPr>
           <a:p>
-            <a:pPr marL="432000" indent="-322920">
+            <a:pPr marL="432000" indent="-322560">
               <a:lnSpc>
                 <a:spcPct val="100000"/>
               </a:lnSpc>
@@ -12623,7 +14801,7 @@
             </a:endParaRPr>
           </a:p>
           <a:p>
-            <a:pPr marL="432000" indent="-322920">
+            <a:pPr marL="432000" indent="-322560">
               <a:lnSpc>
                 <a:spcPct val="100000"/>
               </a:lnSpc>
@@ -12662,7 +14840,7 @@
             </a:endParaRPr>
           </a:p>
           <a:p>
-            <a:pPr marL="432000" indent="-322920">
+            <a:pPr marL="432000" indent="-322560">
               <a:lnSpc>
                 <a:spcPct val="100000"/>
               </a:lnSpc>
@@ -12741,7 +14919,7 @@
         <p:spPr>
           <a:xfrm>
             <a:off x="360000" y="360000"/>
-            <a:ext cx="9358200" cy="898200"/>
+            <a:ext cx="9357840" cy="897840"/>
           </a:xfrm>
           <a:prstGeom prst="rect">
             <a:avLst/>
@@ -12802,7 +14980,7 @@
         <p:spPr>
           <a:xfrm>
             <a:off x="360000" y="1980000"/>
-            <a:ext cx="9070200" cy="1042200"/>
+            <a:ext cx="9069840" cy="1041840"/>
           </a:xfrm>
           <a:prstGeom prst="rect">
             <a:avLst/>
@@ -12866,7 +15044,7 @@
         <p:spPr>
           <a:xfrm>
             <a:off x="2088000" y="4032000"/>
-            <a:ext cx="5665320" cy="363960"/>
+            <a:ext cx="5664960" cy="363960"/>
           </a:xfrm>
           <a:prstGeom prst="rect">
             <a:avLst/>
@@ -12947,7 +15125,7 @@
         <p:spPr>
           <a:xfrm>
             <a:off x="360000" y="360000"/>
-            <a:ext cx="9358200" cy="898200"/>
+            <a:ext cx="9357840" cy="897840"/>
           </a:xfrm>
           <a:prstGeom prst="rect">
             <a:avLst/>
@@ -13012,7 +15190,7 @@
         <p:spPr>
           <a:xfrm>
             <a:off x="864000" y="2880000"/>
-            <a:ext cx="4044240" cy="3670200"/>
+            <a:ext cx="4043880" cy="3669840"/>
           </a:xfrm>
           <a:prstGeom prst="rect">
             <a:avLst/>
@@ -13035,7 +15213,7 @@
         <p:spPr>
           <a:xfrm>
             <a:off x="4925160" y="2880000"/>
-            <a:ext cx="4073760" cy="3702600"/>
+            <a:ext cx="4073400" cy="3702240"/>
           </a:xfrm>
           <a:prstGeom prst="rect">
             <a:avLst/>
@@ -13054,7 +15232,7 @@
         <p:spPr>
           <a:xfrm>
             <a:off x="1584000" y="1800000"/>
-            <a:ext cx="6406200" cy="485640"/>
+            <a:ext cx="6405840" cy="485640"/>
           </a:xfrm>
           <a:prstGeom prst="rect">
             <a:avLst/>
@@ -13145,7 +15323,7 @@
         <p:spPr>
           <a:xfrm>
             <a:off x="360000" y="360000"/>
-            <a:ext cx="9358200" cy="898200"/>
+            <a:ext cx="9357840" cy="897840"/>
           </a:xfrm>
           <a:prstGeom prst="rect">
             <a:avLst/>
@@ -13206,7 +15384,7 @@
         <p:spPr>
           <a:xfrm>
             <a:off x="1584000" y="1800000"/>
-            <a:ext cx="6406200" cy="485640"/>
+            <a:ext cx="6405840" cy="485640"/>
           </a:xfrm>
           <a:prstGeom prst="rect">
             <a:avLst/>
@@ -13271,7 +15449,7 @@
         <p:spPr>
           <a:xfrm>
             <a:off x="864000" y="2808000"/>
-            <a:ext cx="4111920" cy="3742560"/>
+            <a:ext cx="4111560" cy="3742200"/>
           </a:xfrm>
           <a:prstGeom prst="rect">
             <a:avLst/>
@@ -13294,7 +15472,7 @@
         <p:spPr>
           <a:xfrm>
             <a:off x="5040000" y="2808000"/>
-            <a:ext cx="4135320" cy="3755880"/>
+            <a:ext cx="4134960" cy="3755520"/>
           </a:xfrm>
           <a:prstGeom prst="rect">
             <a:avLst/>
@@ -13343,7 +15521,7 @@
         <p:spPr>
           <a:xfrm>
             <a:off x="360000" y="360000"/>
-            <a:ext cx="9358200" cy="898200"/>
+            <a:ext cx="9357840" cy="897840"/>
           </a:xfrm>
           <a:prstGeom prst="rect">
             <a:avLst/>
@@ -13404,7 +15582,7 @@
         <p:spPr>
           <a:xfrm>
             <a:off x="360000" y="1980000"/>
-            <a:ext cx="9070200" cy="1042200"/>
+            <a:ext cx="9069840" cy="1041840"/>
           </a:xfrm>
           <a:prstGeom prst="rect">
             <a:avLst/>
@@ -13468,7 +15646,7 @@
         <p:spPr>
           <a:xfrm>
             <a:off x="1080000" y="4176000"/>
-            <a:ext cx="2302920" cy="1510920"/>
+            <a:ext cx="2302560" cy="1510560"/>
           </a:xfrm>
           <a:prstGeom prst="can">
             <a:avLst>
@@ -13525,7 +15703,7 @@
         <p:spPr>
           <a:xfrm>
             <a:off x="1872000" y="3672000"/>
-            <a:ext cx="502920" cy="363960"/>
+            <a:ext cx="502560" cy="363960"/>
           </a:xfrm>
           <a:prstGeom prst="rect">
             <a:avLst/>
@@ -13576,7 +15754,7 @@
         <p:spPr>
           <a:xfrm>
             <a:off x="3456000" y="3600000"/>
-            <a:ext cx="646920" cy="934920"/>
+            <a:ext cx="646560" cy="934560"/>
           </a:xfrm>
           <a:prstGeom prst="smileyFace">
             <a:avLst>
@@ -13608,7 +15786,7 @@
         <p:spPr>
           <a:xfrm>
             <a:off x="4104000" y="4824000"/>
-            <a:ext cx="1942920" cy="358920"/>
+            <a:ext cx="1942560" cy="358560"/>
           </a:xfrm>
           <a:custGeom>
             <a:avLst/>
@@ -13669,7 +15847,7 @@
         <p:spPr>
           <a:xfrm>
             <a:off x="4032000" y="4176000"/>
-            <a:ext cx="2374920" cy="363960"/>
+            <a:ext cx="2374560" cy="363960"/>
           </a:xfrm>
           <a:prstGeom prst="rect">
             <a:avLst/>
@@ -13720,7 +15898,7 @@
         <p:spPr>
           <a:xfrm>
             <a:off x="7056000" y="3888000"/>
-            <a:ext cx="1510920" cy="1798920"/>
+            <a:ext cx="1510560" cy="1798560"/>
           </a:xfrm>
           <a:prstGeom prst="flowChartPunchedCard">
             <a:avLst/>
@@ -13805,7 +15983,7 @@
         <p:spPr>
           <a:xfrm>
             <a:off x="504000" y="596520"/>
-            <a:ext cx="9070920" cy="670320"/>
+            <a:ext cx="9070560" cy="669960"/>
           </a:xfrm>
           <a:prstGeom prst="rect">
             <a:avLst/>
@@ -13870,7 +16048,7 @@
         <p:spPr>
           <a:xfrm>
             <a:off x="503640" y="1947960"/>
-            <a:ext cx="4425840" cy="4024080"/>
+            <a:ext cx="4425480" cy="4023720"/>
           </a:xfrm>
           <a:prstGeom prst="rect">
             <a:avLst/>
@@ -13893,7 +16071,7 @@
         <p:spPr>
           <a:xfrm>
             <a:off x="5152320" y="1950120"/>
-            <a:ext cx="4425840" cy="4019760"/>
+            <a:ext cx="4425480" cy="4019400"/>
           </a:xfrm>
           <a:prstGeom prst="rect">
             <a:avLst/>
@@ -13942,7 +16120,7 @@
         <p:spPr>
           <a:xfrm>
             <a:off x="504000" y="596520"/>
-            <a:ext cx="9070920" cy="670320"/>
+            <a:ext cx="9070560" cy="669960"/>
           </a:xfrm>
           <a:prstGeom prst="rect">
             <a:avLst/>
@@ -14007,7 +16185,7 @@
         <p:spPr>
           <a:xfrm>
             <a:off x="503640" y="1939320"/>
-            <a:ext cx="4425840" cy="4041720"/>
+            <a:ext cx="4425480" cy="4041360"/>
           </a:xfrm>
           <a:prstGeom prst="rect">
             <a:avLst/>
@@ -14030,7 +16208,7 @@
         <p:spPr>
           <a:xfrm>
             <a:off x="5152320" y="1941480"/>
-            <a:ext cx="4425840" cy="4037400"/>
+            <a:ext cx="4425480" cy="4037040"/>
           </a:xfrm>
           <a:prstGeom prst="rect">
             <a:avLst/>
@@ -14079,7 +16257,7 @@
         <p:spPr>
           <a:xfrm>
             <a:off x="504000" y="596520"/>
-            <a:ext cx="9071280" cy="670680"/>
+            <a:ext cx="9070920" cy="670320"/>
           </a:xfrm>
           <a:prstGeom prst="rect">
             <a:avLst/>
@@ -14140,7 +16318,7 @@
         <p:spPr>
           <a:xfrm>
             <a:off x="504000" y="1768680"/>
-            <a:ext cx="8639280" cy="4383360"/>
+            <a:ext cx="8638920" cy="4383000"/>
           </a:xfrm>
           <a:prstGeom prst="rect">
             <a:avLst/>
@@ -14161,7 +16339,7 @@
             <a:normAutofit/>
           </a:bodyPr>
           <a:p>
-            <a:pPr marL="432000" indent="-323280">
+            <a:pPr marL="432000" indent="-322920">
               <a:lnSpc>
                 <a:spcPct val="100000"/>
               </a:lnSpc>
@@ -14250,7 +16428,7 @@
             </a:endParaRPr>
           </a:p>
           <a:p>
-            <a:pPr marL="432000" indent="-323280">
+            <a:pPr marL="432000" indent="-322920">
               <a:lnSpc>
                 <a:spcPct val="100000"/>
               </a:lnSpc>
@@ -14299,7 +16477,7 @@
             </a:endParaRPr>
           </a:p>
           <a:p>
-            <a:pPr marL="432000" indent="-323280">
+            <a:pPr marL="432000" indent="-322920">
               <a:lnSpc>
                 <a:spcPct val="100000"/>
               </a:lnSpc>
@@ -14358,7 +16536,7 @@
             </a:endParaRPr>
           </a:p>
           <a:p>
-            <a:pPr marL="432000" indent="-323280">
+            <a:pPr marL="432000" indent="-322920">
               <a:lnSpc>
                 <a:spcPct val="100000"/>
               </a:lnSpc>
@@ -14417,7 +16595,7 @@
             </a:endParaRPr>
           </a:p>
           <a:p>
-            <a:pPr marL="432000" indent="-323280">
+            <a:pPr marL="432000" indent="-322920">
               <a:lnSpc>
                 <a:spcPct val="100000"/>
               </a:lnSpc>
@@ -14476,7 +16654,7 @@
             </a:endParaRPr>
           </a:p>
           <a:p>
-            <a:pPr marL="432000" indent="-323280">
+            <a:pPr marL="432000" indent="-322920">
               <a:lnSpc>
                 <a:spcPct val="100000"/>
               </a:lnSpc>

--- a/資料/発表資料.pptx
+++ b/資料/発表資料.pptx
@@ -26,6 +26,9 @@
     <p:sldId id="268" r:id="rId19"/>
     <p:sldId id="269" r:id="rId20"/>
     <p:sldId id="270" r:id="rId21"/>
+    <p:sldId id="271" r:id="rId22"/>
+    <p:sldId id="272" r:id="rId23"/>
+    <p:sldId id="273" r:id="rId24"/>
   </p:sldIdLst>
   <p:sldSz cx="10080625" cy="7559675"/>
   <p:notesSz cx="7559675" cy="10691812"/>
@@ -150,7 +153,7 @@
               <a:rPr b="0" lang="en-US" sz="1400" spc="-1" strike="noStrike">
                 <a:latin typeface="Times New Roman"/>
               </a:rPr>
-              <a:t> </a:t>
+              <a:t>&lt;ヘッダー&gt;</a:t>
             </a:r>
             <a:endParaRPr b="0" lang="en-US" sz="1400" spc="-1" strike="noStrike">
               <a:latin typeface="Times New Roman"/>
@@ -187,7 +190,7 @@
               <a:rPr b="0" lang="en-US" sz="1400" spc="-1" strike="noStrike">
                 <a:latin typeface="Times New Roman"/>
               </a:rPr>
-              <a:t> </a:t>
+              <a:t>&lt;日付/時刻&gt;</a:t>
             </a:r>
             <a:endParaRPr b="0" lang="en-US" sz="1400" spc="-1" strike="noStrike">
               <a:latin typeface="Times New Roman"/>
@@ -223,7 +226,7 @@
               <a:rPr b="0" lang="en-US" sz="1400" spc="-1" strike="noStrike">
                 <a:latin typeface="Times New Roman"/>
               </a:rPr>
-              <a:t> </a:t>
+              <a:t>&lt;フッター&gt;</a:t>
             </a:r>
             <a:endParaRPr b="0" lang="en-US" sz="1400" spc="-1" strike="noStrike">
               <a:latin typeface="Times New Roman"/>
@@ -256,11 +259,11 @@
           </a:bodyPr>
           <a:p>
             <a:pPr algn="r"/>
-            <a:fld id="{7666F1A1-2FB3-4586-AEC5-A45057453E6E}" type="slidenum">
+            <a:fld id="{1F041780-9A91-4294-AA4C-1C8C7FA15B28}" type="slidenum">
               <a:rPr b="0" lang="en-US" sz="1400" spc="-1" strike="noStrike">
                 <a:latin typeface="Times New Roman"/>
               </a:rPr>
-              <a:t>1</a:t>
+              <a:t>&lt;番号&gt;</a:t>
             </a:fld>
             <a:endParaRPr b="0" lang="en-US" sz="1400" spc="-1" strike="noStrike">
               <a:latin typeface="Times New Roman"/>
@@ -293,7 +296,7 @@
       </p:grpSpPr>
       <p:sp>
         <p:nvSpPr>
-          <p:cNvPr id="327" name="PlaceHolder 1"/>
+          <p:cNvPr id="343" name="PlaceHolder 1"/>
           <p:cNvSpPr>
             <a:spLocks noGrp="1"/>
           </p:cNvSpPr>
@@ -304,16 +307,16 @@
         <p:spPr>
           <a:xfrm>
             <a:off x="1107000" y="812520"/>
-            <a:ext cx="5343120" cy="4006800"/>
-          </a:xfrm>
-          <a:prstGeom prst="rect">
-            <a:avLst/>
-          </a:prstGeom>
-        </p:spPr>
-      </p:sp>
-      <p:sp>
-        <p:nvSpPr>
-          <p:cNvPr id="328" name="PlaceHolder 2"/>
+            <a:ext cx="5342400" cy="4006080"/>
+          </a:xfrm>
+          <a:prstGeom prst="rect">
+            <a:avLst/>
+          </a:prstGeom>
+        </p:spPr>
+      </p:sp>
+      <p:sp>
+        <p:nvSpPr>
+          <p:cNvPr id="344" name="PlaceHolder 2"/>
           <p:cNvSpPr>
             <a:spLocks noGrp="1"/>
           </p:cNvSpPr>
@@ -324,7 +327,7 @@
         <p:spPr>
           <a:xfrm>
             <a:off x="756000" y="5078520"/>
-            <a:ext cx="6045480" cy="4811040"/>
+            <a:ext cx="6044760" cy="4811040"/>
           </a:xfrm>
           <a:prstGeom prst="rect">
             <a:avLst/>
@@ -335,7 +338,7 @@
             <a:spAutoFit/>
           </a:bodyPr>
           <a:p>
-            <a:pPr marL="216000" indent="-214200">
+            <a:pPr marL="216000" indent="-213480">
               <a:lnSpc>
                 <a:spcPct val="100000"/>
               </a:lnSpc>
@@ -351,7 +354,7 @@
             </a:endParaRPr>
           </a:p>
           <a:p>
-            <a:pPr marL="216000" indent="-214200">
+            <a:pPr marL="216000" indent="-213480">
               <a:lnSpc>
                 <a:spcPct val="100000"/>
               </a:lnSpc>
@@ -361,7 +364,7 @@
             </a:endParaRPr>
           </a:p>
           <a:p>
-            <a:pPr marL="216000" indent="-214200">
+            <a:pPr marL="216000" indent="-213480">
               <a:lnSpc>
                 <a:spcPct val="100000"/>
               </a:lnSpc>
@@ -377,7 +380,7 @@
             </a:endParaRPr>
           </a:p>
           <a:p>
-            <a:pPr marL="216000" indent="-214200">
+            <a:pPr marL="216000" indent="-213480">
               <a:lnSpc>
                 <a:spcPct val="100000"/>
               </a:lnSpc>
@@ -411,7 +414,7 @@
             </a:endParaRPr>
           </a:p>
           <a:p>
-            <a:pPr marL="216000" indent="-214200">
+            <a:pPr marL="216000" indent="-213480">
               <a:lnSpc>
                 <a:spcPct val="100000"/>
               </a:lnSpc>
@@ -446,7 +449,7 @@
       </p:grpSpPr>
       <p:sp>
         <p:nvSpPr>
-          <p:cNvPr id="329" name="PlaceHolder 1"/>
+          <p:cNvPr id="345" name="PlaceHolder 1"/>
           <p:cNvSpPr>
             <a:spLocks noGrp="1"/>
           </p:cNvSpPr>
@@ -457,16 +460,16 @@
         <p:spPr>
           <a:xfrm>
             <a:off x="1107000" y="812520"/>
-            <a:ext cx="5343120" cy="4006800"/>
-          </a:xfrm>
-          <a:prstGeom prst="rect">
-            <a:avLst/>
-          </a:prstGeom>
-        </p:spPr>
-      </p:sp>
-      <p:sp>
-        <p:nvSpPr>
-          <p:cNvPr id="330" name="PlaceHolder 2"/>
+            <a:ext cx="5342400" cy="4006080"/>
+          </a:xfrm>
+          <a:prstGeom prst="rect">
+            <a:avLst/>
+          </a:prstGeom>
+        </p:spPr>
+      </p:sp>
+      <p:sp>
+        <p:nvSpPr>
+          <p:cNvPr id="346" name="PlaceHolder 2"/>
           <p:cNvSpPr>
             <a:spLocks noGrp="1"/>
           </p:cNvSpPr>
@@ -477,7 +480,7 @@
         <p:spPr>
           <a:xfrm>
             <a:off x="756000" y="5078520"/>
-            <a:ext cx="6045480" cy="4811040"/>
+            <a:ext cx="6044760" cy="4811040"/>
           </a:xfrm>
           <a:prstGeom prst="rect">
             <a:avLst/>
@@ -488,7 +491,7 @@
             <a:spAutoFit/>
           </a:bodyPr>
           <a:p>
-            <a:pPr marL="216000" indent="-214200">
+            <a:pPr marL="216000" indent="-213480">
               <a:lnSpc>
                 <a:spcPct val="100000"/>
               </a:lnSpc>
@@ -504,7 +507,7 @@
             </a:endParaRPr>
           </a:p>
           <a:p>
-            <a:pPr marL="216000" indent="-214200">
+            <a:pPr marL="216000" indent="-213480">
               <a:lnSpc>
                 <a:spcPct val="100000"/>
               </a:lnSpc>
@@ -514,7 +517,7 @@
             </a:endParaRPr>
           </a:p>
           <a:p>
-            <a:pPr marL="216000" indent="-214200">
+            <a:pPr marL="216000" indent="-213480">
               <a:lnSpc>
                 <a:spcPct val="100000"/>
               </a:lnSpc>
@@ -530,7 +533,7 @@
             </a:endParaRPr>
           </a:p>
           <a:p>
-            <a:pPr marL="216000" indent="-214200">
+            <a:pPr marL="216000" indent="-213480">
               <a:lnSpc>
                 <a:spcPct val="100000"/>
               </a:lnSpc>
@@ -564,7 +567,7 @@
             </a:endParaRPr>
           </a:p>
           <a:p>
-            <a:pPr marL="216000" indent="-214200">
+            <a:pPr marL="216000" indent="-213480">
               <a:lnSpc>
                 <a:spcPct val="100000"/>
               </a:lnSpc>
@@ -632,7 +635,7 @@
         <p:spPr>
           <a:xfrm>
             <a:off x="504000" y="261720"/>
-            <a:ext cx="9070920" cy="1341000"/>
+            <a:ext cx="9070200" cy="1341000"/>
           </a:xfrm>
           <a:prstGeom prst="rect">
             <a:avLst/>
@@ -663,7 +666,7 @@
         <p:spPr>
           <a:xfrm>
             <a:off x="504000" y="1768680"/>
-            <a:ext cx="1053360" cy="2090520"/>
+            <a:ext cx="249840" cy="2090160"/>
           </a:xfrm>
           <a:prstGeom prst="rect">
             <a:avLst/>
@@ -671,7 +674,7 @@
         </p:spPr>
         <p:txBody>
           <a:bodyPr lIns="0" rIns="0" tIns="0" bIns="0">
-            <a:normAutofit fontScale="27000"/>
+            <a:normAutofit fontScale="24000"/>
           </a:bodyPr>
           <a:p>
             <a:endParaRPr b="0" lang="en-US" sz="3200" spc="-1" strike="noStrike">
@@ -692,8 +695,8 @@
         </p:nvSpPr>
         <p:spPr>
           <a:xfrm>
-            <a:off x="504000" y="4058280"/>
-            <a:ext cx="1053360" cy="2090520"/>
+            <a:off x="504000" y="4057920"/>
+            <a:ext cx="249840" cy="2090160"/>
           </a:xfrm>
           <a:prstGeom prst="rect">
             <a:avLst/>
@@ -701,7 +704,7 @@
         </p:spPr>
         <p:txBody>
           <a:bodyPr lIns="0" rIns="0" tIns="0" bIns="0">
-            <a:normAutofit fontScale="27000"/>
+            <a:normAutofit fontScale="24000"/>
           </a:bodyPr>
           <a:p>
             <a:endParaRPr b="0" lang="en-US" sz="3200" spc="-1" strike="noStrike">
@@ -745,7 +748,7 @@
         <p:spPr>
           <a:xfrm>
             <a:off x="504000" y="261720"/>
-            <a:ext cx="9070920" cy="1341000"/>
+            <a:ext cx="9070200" cy="1341000"/>
           </a:xfrm>
           <a:prstGeom prst="rect">
             <a:avLst/>
@@ -776,7 +779,7 @@
         <p:spPr>
           <a:xfrm>
             <a:off x="504000" y="1768680"/>
-            <a:ext cx="513720" cy="2090520"/>
+            <a:ext cx="121680" cy="2090160"/>
           </a:xfrm>
           <a:prstGeom prst="rect">
             <a:avLst/>
@@ -805,8 +808,8 @@
         </p:nvSpPr>
         <p:spPr>
           <a:xfrm>
-            <a:off x="1043640" y="1768680"/>
-            <a:ext cx="513720" cy="2090520"/>
+            <a:off x="632160" y="1768680"/>
+            <a:ext cx="121680" cy="2090160"/>
           </a:xfrm>
           <a:prstGeom prst="rect">
             <a:avLst/>
@@ -835,8 +838,8 @@
         </p:nvSpPr>
         <p:spPr>
           <a:xfrm>
-            <a:off x="504000" y="4058280"/>
-            <a:ext cx="513720" cy="2090520"/>
+            <a:off x="504000" y="4057920"/>
+            <a:ext cx="121680" cy="2090160"/>
           </a:xfrm>
           <a:prstGeom prst="rect">
             <a:avLst/>
@@ -865,8 +868,8 @@
         </p:nvSpPr>
         <p:spPr>
           <a:xfrm>
-            <a:off x="1043640" y="4058280"/>
-            <a:ext cx="513720" cy="2090520"/>
+            <a:off x="632160" y="4057920"/>
+            <a:ext cx="121680" cy="2090160"/>
           </a:xfrm>
           <a:prstGeom prst="rect">
             <a:avLst/>
@@ -918,7 +921,7 @@
         <p:spPr>
           <a:xfrm>
             <a:off x="504000" y="261720"/>
-            <a:ext cx="9070920" cy="1341000"/>
+            <a:ext cx="9070200" cy="1341000"/>
           </a:xfrm>
           <a:prstGeom prst="rect">
             <a:avLst/>
@@ -949,7 +952,7 @@
         <p:spPr>
           <a:xfrm>
             <a:off x="504000" y="1768680"/>
-            <a:ext cx="338760" cy="2090520"/>
+            <a:ext cx="80280" cy="2090160"/>
           </a:xfrm>
           <a:prstGeom prst="rect">
             <a:avLst/>
@@ -978,8 +981,8 @@
         </p:nvSpPr>
         <p:spPr>
           <a:xfrm>
-            <a:off x="860040" y="1768680"/>
-            <a:ext cx="338760" cy="2090520"/>
+            <a:off x="588600" y="1768680"/>
+            <a:ext cx="80280" cy="2090160"/>
           </a:xfrm>
           <a:prstGeom prst="rect">
             <a:avLst/>
@@ -1008,8 +1011,8 @@
         </p:nvSpPr>
         <p:spPr>
           <a:xfrm>
-            <a:off x="1216080" y="1768680"/>
-            <a:ext cx="338760" cy="2090520"/>
+            <a:off x="673200" y="1768680"/>
+            <a:ext cx="80280" cy="2090160"/>
           </a:xfrm>
           <a:prstGeom prst="rect">
             <a:avLst/>
@@ -1038,8 +1041,8 @@
         </p:nvSpPr>
         <p:spPr>
           <a:xfrm>
-            <a:off x="504000" y="4058280"/>
-            <a:ext cx="338760" cy="2090520"/>
+            <a:off x="504000" y="4057920"/>
+            <a:ext cx="80280" cy="2090160"/>
           </a:xfrm>
           <a:prstGeom prst="rect">
             <a:avLst/>
@@ -1068,8 +1071,8 @@
         </p:nvSpPr>
         <p:spPr>
           <a:xfrm>
-            <a:off x="860040" y="4058280"/>
-            <a:ext cx="338760" cy="2090520"/>
+            <a:off x="588600" y="4057920"/>
+            <a:ext cx="80280" cy="2090160"/>
           </a:xfrm>
           <a:prstGeom prst="rect">
             <a:avLst/>
@@ -1098,8 +1101,8 @@
         </p:nvSpPr>
         <p:spPr>
           <a:xfrm>
-            <a:off x="1216080" y="4058280"/>
-            <a:ext cx="338760" cy="2090520"/>
+            <a:off x="673200" y="4057920"/>
+            <a:ext cx="80280" cy="2090160"/>
           </a:xfrm>
           <a:prstGeom prst="rect">
             <a:avLst/>
@@ -1173,7 +1176,7 @@
         <p:spPr>
           <a:xfrm>
             <a:off x="504000" y="261720"/>
-            <a:ext cx="9070920" cy="1341000"/>
+            <a:ext cx="9070200" cy="1341000"/>
           </a:xfrm>
           <a:prstGeom prst="rect">
             <a:avLst/>
@@ -1203,8 +1206,8 @@
         </p:nvSpPr>
         <p:spPr>
           <a:xfrm>
-            <a:off x="504000" y="1768680"/>
-            <a:ext cx="1053360" cy="4383000"/>
+            <a:off x="504000" y="1315440"/>
+            <a:ext cx="249840" cy="5288760"/>
           </a:xfrm>
           <a:prstGeom prst="rect">
             <a:avLst/>
@@ -1257,7 +1260,7 @@
         <p:spPr>
           <a:xfrm>
             <a:off x="504000" y="261720"/>
-            <a:ext cx="9070920" cy="1341000"/>
+            <a:ext cx="9070200" cy="1341000"/>
           </a:xfrm>
           <a:prstGeom prst="rect">
             <a:avLst/>
@@ -1288,7 +1291,7 @@
         <p:spPr>
           <a:xfrm>
             <a:off x="504000" y="1768680"/>
-            <a:ext cx="1053360" cy="4383000"/>
+            <a:ext cx="249840" cy="4382280"/>
           </a:xfrm>
           <a:prstGeom prst="rect">
             <a:avLst/>
@@ -1296,7 +1299,7 @@
         </p:spPr>
         <p:txBody>
           <a:bodyPr lIns="0" rIns="0" tIns="0" bIns="0">
-            <a:normAutofit fontScale="84000"/>
+            <a:normAutofit fontScale="74000"/>
           </a:bodyPr>
           <a:p>
             <a:endParaRPr b="0" lang="en-US" sz="3200" spc="-1" strike="noStrike">
@@ -1340,7 +1343,7 @@
         <p:spPr>
           <a:xfrm>
             <a:off x="504000" y="261720"/>
-            <a:ext cx="9070920" cy="1341000"/>
+            <a:ext cx="9070200" cy="1341000"/>
           </a:xfrm>
           <a:prstGeom prst="rect">
             <a:avLst/>
@@ -1371,7 +1374,7 @@
         <p:spPr>
           <a:xfrm>
             <a:off x="504000" y="1768680"/>
-            <a:ext cx="513720" cy="4383000"/>
+            <a:ext cx="121680" cy="4382280"/>
           </a:xfrm>
           <a:prstGeom prst="rect">
             <a:avLst/>
@@ -1400,8 +1403,8 @@
         </p:nvSpPr>
         <p:spPr>
           <a:xfrm>
-            <a:off x="1043640" y="1768680"/>
-            <a:ext cx="513720" cy="4383000"/>
+            <a:off x="632160" y="1768680"/>
+            <a:ext cx="121680" cy="4382280"/>
           </a:xfrm>
           <a:prstGeom prst="rect">
             <a:avLst/>
@@ -1453,7 +1456,7 @@
         <p:spPr>
           <a:xfrm>
             <a:off x="504000" y="261720"/>
-            <a:ext cx="9070920" cy="1341000"/>
+            <a:ext cx="9070200" cy="1341000"/>
           </a:xfrm>
           <a:prstGeom prst="rect">
             <a:avLst/>
@@ -1506,7 +1509,7 @@
         <p:spPr>
           <a:xfrm>
             <a:off x="504000" y="261720"/>
-            <a:ext cx="9070920" cy="6217560"/>
+            <a:ext cx="9070200" cy="6217560"/>
           </a:xfrm>
           <a:prstGeom prst="rect">
             <a:avLst/>
@@ -1559,7 +1562,7 @@
         <p:spPr>
           <a:xfrm>
             <a:off x="504000" y="261720"/>
-            <a:ext cx="9070920" cy="1341000"/>
+            <a:ext cx="9070200" cy="1341000"/>
           </a:xfrm>
           <a:prstGeom prst="rect">
             <a:avLst/>
@@ -1590,7 +1593,7 @@
         <p:spPr>
           <a:xfrm>
             <a:off x="504000" y="1768680"/>
-            <a:ext cx="513720" cy="2090520"/>
+            <a:ext cx="121680" cy="2090160"/>
           </a:xfrm>
           <a:prstGeom prst="rect">
             <a:avLst/>
@@ -1619,8 +1622,8 @@
         </p:nvSpPr>
         <p:spPr>
           <a:xfrm>
-            <a:off x="1043640" y="1768680"/>
-            <a:ext cx="513720" cy="4383000"/>
+            <a:off x="632160" y="1768680"/>
+            <a:ext cx="121680" cy="4382280"/>
           </a:xfrm>
           <a:prstGeom prst="rect">
             <a:avLst/>
@@ -1649,8 +1652,8 @@
         </p:nvSpPr>
         <p:spPr>
           <a:xfrm>
-            <a:off x="504000" y="4058280"/>
-            <a:ext cx="513720" cy="2090520"/>
+            <a:off x="504000" y="4057920"/>
+            <a:ext cx="121680" cy="2090160"/>
           </a:xfrm>
           <a:prstGeom prst="rect">
             <a:avLst/>
@@ -1702,7 +1705,7 @@
         <p:spPr>
           <a:xfrm>
             <a:off x="504000" y="261720"/>
-            <a:ext cx="9070920" cy="1341000"/>
+            <a:ext cx="9070200" cy="1341000"/>
           </a:xfrm>
           <a:prstGeom prst="rect">
             <a:avLst/>
@@ -1732,8 +1735,8 @@
         </p:nvSpPr>
         <p:spPr>
           <a:xfrm>
-            <a:off x="504000" y="1768680"/>
-            <a:ext cx="1053360" cy="4383000"/>
+            <a:off x="504000" y="1315440"/>
+            <a:ext cx="249840" cy="5288760"/>
           </a:xfrm>
           <a:prstGeom prst="rect">
             <a:avLst/>
@@ -1786,7 +1789,7 @@
         <p:spPr>
           <a:xfrm>
             <a:off x="504000" y="261720"/>
-            <a:ext cx="9070920" cy="1341000"/>
+            <a:ext cx="9070200" cy="1341000"/>
           </a:xfrm>
           <a:prstGeom prst="rect">
             <a:avLst/>
@@ -1817,7 +1820,7 @@
         <p:spPr>
           <a:xfrm>
             <a:off x="504000" y="1768680"/>
-            <a:ext cx="513720" cy="4383000"/>
+            <a:ext cx="121680" cy="4382280"/>
           </a:xfrm>
           <a:prstGeom prst="rect">
             <a:avLst/>
@@ -1846,8 +1849,8 @@
         </p:nvSpPr>
         <p:spPr>
           <a:xfrm>
-            <a:off x="1043640" y="1768680"/>
-            <a:ext cx="513720" cy="2090520"/>
+            <a:off x="632160" y="1768680"/>
+            <a:ext cx="121680" cy="2090160"/>
           </a:xfrm>
           <a:prstGeom prst="rect">
             <a:avLst/>
@@ -1876,8 +1879,8 @@
         </p:nvSpPr>
         <p:spPr>
           <a:xfrm>
-            <a:off x="1043640" y="4058280"/>
-            <a:ext cx="513720" cy="2090520"/>
+            <a:off x="632160" y="4057920"/>
+            <a:ext cx="121680" cy="2090160"/>
           </a:xfrm>
           <a:prstGeom prst="rect">
             <a:avLst/>
@@ -1929,7 +1932,7 @@
         <p:spPr>
           <a:xfrm>
             <a:off x="504000" y="261720"/>
-            <a:ext cx="9070920" cy="1341000"/>
+            <a:ext cx="9070200" cy="1341000"/>
           </a:xfrm>
           <a:prstGeom prst="rect">
             <a:avLst/>
@@ -1960,7 +1963,7 @@
         <p:spPr>
           <a:xfrm>
             <a:off x="504000" y="1768680"/>
-            <a:ext cx="513720" cy="2090520"/>
+            <a:ext cx="121680" cy="2090160"/>
           </a:xfrm>
           <a:prstGeom prst="rect">
             <a:avLst/>
@@ -1989,8 +1992,8 @@
         </p:nvSpPr>
         <p:spPr>
           <a:xfrm>
-            <a:off x="1043640" y="1768680"/>
-            <a:ext cx="513720" cy="2090520"/>
+            <a:off x="632160" y="1768680"/>
+            <a:ext cx="121680" cy="2090160"/>
           </a:xfrm>
           <a:prstGeom prst="rect">
             <a:avLst/>
@@ -2019,8 +2022,8 @@
         </p:nvSpPr>
         <p:spPr>
           <a:xfrm>
-            <a:off x="504000" y="4058280"/>
-            <a:ext cx="1053360" cy="2090520"/>
+            <a:off x="504000" y="4057920"/>
+            <a:ext cx="249840" cy="2090160"/>
           </a:xfrm>
           <a:prstGeom prst="rect">
             <a:avLst/>
@@ -2028,7 +2031,7 @@
         </p:spPr>
         <p:txBody>
           <a:bodyPr lIns="0" rIns="0" tIns="0" bIns="0">
-            <a:normAutofit fontScale="27000"/>
+            <a:normAutofit fontScale="24000"/>
           </a:bodyPr>
           <a:p>
             <a:endParaRPr b="0" lang="en-US" sz="3200" spc="-1" strike="noStrike">
@@ -2072,7 +2075,7 @@
         <p:spPr>
           <a:xfrm>
             <a:off x="504000" y="261720"/>
-            <a:ext cx="9070920" cy="1341000"/>
+            <a:ext cx="9070200" cy="1341000"/>
           </a:xfrm>
           <a:prstGeom prst="rect">
             <a:avLst/>
@@ -2103,7 +2106,7 @@
         <p:spPr>
           <a:xfrm>
             <a:off x="504000" y="1768680"/>
-            <a:ext cx="1053360" cy="2090520"/>
+            <a:ext cx="249840" cy="2090160"/>
           </a:xfrm>
           <a:prstGeom prst="rect">
             <a:avLst/>
@@ -2111,7 +2114,7 @@
         </p:spPr>
         <p:txBody>
           <a:bodyPr lIns="0" rIns="0" tIns="0" bIns="0">
-            <a:normAutofit fontScale="27000"/>
+            <a:normAutofit fontScale="24000"/>
           </a:bodyPr>
           <a:p>
             <a:endParaRPr b="0" lang="en-US" sz="3200" spc="-1" strike="noStrike">
@@ -2132,8 +2135,8 @@
         </p:nvSpPr>
         <p:spPr>
           <a:xfrm>
-            <a:off x="504000" y="4058280"/>
-            <a:ext cx="1053360" cy="2090520"/>
+            <a:off x="504000" y="4057920"/>
+            <a:ext cx="249840" cy="2090160"/>
           </a:xfrm>
           <a:prstGeom prst="rect">
             <a:avLst/>
@@ -2141,7 +2144,7 @@
         </p:spPr>
         <p:txBody>
           <a:bodyPr lIns="0" rIns="0" tIns="0" bIns="0">
-            <a:normAutofit fontScale="27000"/>
+            <a:normAutofit fontScale="24000"/>
           </a:bodyPr>
           <a:p>
             <a:endParaRPr b="0" lang="en-US" sz="3200" spc="-1" strike="noStrike">
@@ -2185,7 +2188,7 @@
         <p:spPr>
           <a:xfrm>
             <a:off x="504000" y="261720"/>
-            <a:ext cx="9070920" cy="1341000"/>
+            <a:ext cx="9070200" cy="1341000"/>
           </a:xfrm>
           <a:prstGeom prst="rect">
             <a:avLst/>
@@ -2216,7 +2219,7 @@
         <p:spPr>
           <a:xfrm>
             <a:off x="504000" y="1768680"/>
-            <a:ext cx="513720" cy="2090520"/>
+            <a:ext cx="121680" cy="2090160"/>
           </a:xfrm>
           <a:prstGeom prst="rect">
             <a:avLst/>
@@ -2245,8 +2248,8 @@
         </p:nvSpPr>
         <p:spPr>
           <a:xfrm>
-            <a:off x="1043640" y="1768680"/>
-            <a:ext cx="513720" cy="2090520"/>
+            <a:off x="632160" y="1768680"/>
+            <a:ext cx="121680" cy="2090160"/>
           </a:xfrm>
           <a:prstGeom prst="rect">
             <a:avLst/>
@@ -2275,8 +2278,8 @@
         </p:nvSpPr>
         <p:spPr>
           <a:xfrm>
-            <a:off x="504000" y="4058280"/>
-            <a:ext cx="513720" cy="2090520"/>
+            <a:off x="504000" y="4057920"/>
+            <a:ext cx="121680" cy="2090160"/>
           </a:xfrm>
           <a:prstGeom prst="rect">
             <a:avLst/>
@@ -2305,8 +2308,8 @@
         </p:nvSpPr>
         <p:spPr>
           <a:xfrm>
-            <a:off x="1043640" y="4058280"/>
-            <a:ext cx="513720" cy="2090520"/>
+            <a:off x="632160" y="4057920"/>
+            <a:ext cx="121680" cy="2090160"/>
           </a:xfrm>
           <a:prstGeom prst="rect">
             <a:avLst/>
@@ -2358,7 +2361,7 @@
         <p:spPr>
           <a:xfrm>
             <a:off x="504000" y="261720"/>
-            <a:ext cx="9070920" cy="1341000"/>
+            <a:ext cx="9070200" cy="1341000"/>
           </a:xfrm>
           <a:prstGeom prst="rect">
             <a:avLst/>
@@ -2389,7 +2392,7 @@
         <p:spPr>
           <a:xfrm>
             <a:off x="504000" y="1768680"/>
-            <a:ext cx="338760" cy="2090520"/>
+            <a:ext cx="80280" cy="2090160"/>
           </a:xfrm>
           <a:prstGeom prst="rect">
             <a:avLst/>
@@ -2418,8 +2421,8 @@
         </p:nvSpPr>
         <p:spPr>
           <a:xfrm>
-            <a:off x="860040" y="1768680"/>
-            <a:ext cx="338760" cy="2090520"/>
+            <a:off x="588600" y="1768680"/>
+            <a:ext cx="80280" cy="2090160"/>
           </a:xfrm>
           <a:prstGeom prst="rect">
             <a:avLst/>
@@ -2448,8 +2451,8 @@
         </p:nvSpPr>
         <p:spPr>
           <a:xfrm>
-            <a:off x="1216080" y="1768680"/>
-            <a:ext cx="338760" cy="2090520"/>
+            <a:off x="673200" y="1768680"/>
+            <a:ext cx="80280" cy="2090160"/>
           </a:xfrm>
           <a:prstGeom prst="rect">
             <a:avLst/>
@@ -2478,8 +2481,8 @@
         </p:nvSpPr>
         <p:spPr>
           <a:xfrm>
-            <a:off x="504000" y="4058280"/>
-            <a:ext cx="338760" cy="2090520"/>
+            <a:off x="504000" y="4057920"/>
+            <a:ext cx="80280" cy="2090160"/>
           </a:xfrm>
           <a:prstGeom prst="rect">
             <a:avLst/>
@@ -2508,8 +2511,8 @@
         </p:nvSpPr>
         <p:spPr>
           <a:xfrm>
-            <a:off x="860040" y="4058280"/>
-            <a:ext cx="338760" cy="2090520"/>
+            <a:off x="588600" y="4057920"/>
+            <a:ext cx="80280" cy="2090160"/>
           </a:xfrm>
           <a:prstGeom prst="rect">
             <a:avLst/>
@@ -2538,8 +2541,8 @@
         </p:nvSpPr>
         <p:spPr>
           <a:xfrm>
-            <a:off x="1216080" y="4058280"/>
-            <a:ext cx="338760" cy="2090520"/>
+            <a:off x="673200" y="4057920"/>
+            <a:ext cx="80280" cy="2090160"/>
           </a:xfrm>
           <a:prstGeom prst="rect">
             <a:avLst/>
@@ -2613,7 +2616,7 @@
         <p:spPr>
           <a:xfrm>
             <a:off x="504000" y="261720"/>
-            <a:ext cx="9070920" cy="1341000"/>
+            <a:ext cx="9070200" cy="1341000"/>
           </a:xfrm>
           <a:prstGeom prst="rect">
             <a:avLst/>
@@ -2643,8 +2646,8 @@
         </p:nvSpPr>
         <p:spPr>
           <a:xfrm>
-            <a:off x="504000" y="1768680"/>
-            <a:ext cx="1053360" cy="4383000"/>
+            <a:off x="504000" y="1315440"/>
+            <a:ext cx="249840" cy="5288760"/>
           </a:xfrm>
           <a:prstGeom prst="rect">
             <a:avLst/>
@@ -2697,7 +2700,7 @@
         <p:spPr>
           <a:xfrm>
             <a:off x="504000" y="261720"/>
-            <a:ext cx="9070920" cy="1341000"/>
+            <a:ext cx="9070200" cy="1341000"/>
           </a:xfrm>
           <a:prstGeom prst="rect">
             <a:avLst/>
@@ -2728,7 +2731,7 @@
         <p:spPr>
           <a:xfrm>
             <a:off x="504000" y="1768680"/>
-            <a:ext cx="1053360" cy="4383000"/>
+            <a:ext cx="249840" cy="4382280"/>
           </a:xfrm>
           <a:prstGeom prst="rect">
             <a:avLst/>
@@ -2736,7 +2739,7 @@
         </p:spPr>
         <p:txBody>
           <a:bodyPr lIns="0" rIns="0" tIns="0" bIns="0">
-            <a:normAutofit fontScale="84000"/>
+            <a:normAutofit fontScale="74000"/>
           </a:bodyPr>
           <a:p>
             <a:endParaRPr b="0" lang="en-US" sz="3200" spc="-1" strike="noStrike">
@@ -2780,7 +2783,7 @@
         <p:spPr>
           <a:xfrm>
             <a:off x="504000" y="261720"/>
-            <a:ext cx="9070920" cy="1341000"/>
+            <a:ext cx="9070200" cy="1341000"/>
           </a:xfrm>
           <a:prstGeom prst="rect">
             <a:avLst/>
@@ -2811,7 +2814,7 @@
         <p:spPr>
           <a:xfrm>
             <a:off x="504000" y="1768680"/>
-            <a:ext cx="513720" cy="4383000"/>
+            <a:ext cx="121680" cy="4382280"/>
           </a:xfrm>
           <a:prstGeom prst="rect">
             <a:avLst/>
@@ -2840,8 +2843,8 @@
         </p:nvSpPr>
         <p:spPr>
           <a:xfrm>
-            <a:off x="1043640" y="1768680"/>
-            <a:ext cx="513720" cy="4383000"/>
+            <a:off x="632160" y="1768680"/>
+            <a:ext cx="121680" cy="4382280"/>
           </a:xfrm>
           <a:prstGeom prst="rect">
             <a:avLst/>
@@ -2893,7 +2896,7 @@
         <p:spPr>
           <a:xfrm>
             <a:off x="504000" y="261720"/>
-            <a:ext cx="9070920" cy="1341000"/>
+            <a:ext cx="9070200" cy="1341000"/>
           </a:xfrm>
           <a:prstGeom prst="rect">
             <a:avLst/>
@@ -2946,7 +2949,7 @@
         <p:spPr>
           <a:xfrm>
             <a:off x="504000" y="261720"/>
-            <a:ext cx="9070920" cy="1341000"/>
+            <a:ext cx="9070200" cy="1341000"/>
           </a:xfrm>
           <a:prstGeom prst="rect">
             <a:avLst/>
@@ -2977,7 +2980,7 @@
         <p:spPr>
           <a:xfrm>
             <a:off x="504000" y="1768680"/>
-            <a:ext cx="1053360" cy="4383000"/>
+            <a:ext cx="249840" cy="4382280"/>
           </a:xfrm>
           <a:prstGeom prst="rect">
             <a:avLst/>
@@ -2985,7 +2988,7 @@
         </p:spPr>
         <p:txBody>
           <a:bodyPr lIns="0" rIns="0" tIns="0" bIns="0">
-            <a:normAutofit fontScale="84000"/>
+            <a:normAutofit fontScale="74000"/>
           </a:bodyPr>
           <a:p>
             <a:endParaRPr b="0" lang="en-US" sz="3200" spc="-1" strike="noStrike">
@@ -3029,7 +3032,7 @@
         <p:spPr>
           <a:xfrm>
             <a:off x="504000" y="261720"/>
-            <a:ext cx="9070920" cy="6217560"/>
+            <a:ext cx="9070200" cy="6217560"/>
           </a:xfrm>
           <a:prstGeom prst="rect">
             <a:avLst/>
@@ -3082,7 +3085,7 @@
         <p:spPr>
           <a:xfrm>
             <a:off x="504000" y="261720"/>
-            <a:ext cx="9070920" cy="1341000"/>
+            <a:ext cx="9070200" cy="1341000"/>
           </a:xfrm>
           <a:prstGeom prst="rect">
             <a:avLst/>
@@ -3113,7 +3116,7 @@
         <p:spPr>
           <a:xfrm>
             <a:off x="504000" y="1768680"/>
-            <a:ext cx="513720" cy="2090520"/>
+            <a:ext cx="121680" cy="2090160"/>
           </a:xfrm>
           <a:prstGeom prst="rect">
             <a:avLst/>
@@ -3142,8 +3145,8 @@
         </p:nvSpPr>
         <p:spPr>
           <a:xfrm>
-            <a:off x="1043640" y="1768680"/>
-            <a:ext cx="513720" cy="4383000"/>
+            <a:off x="632160" y="1768680"/>
+            <a:ext cx="121680" cy="4382280"/>
           </a:xfrm>
           <a:prstGeom prst="rect">
             <a:avLst/>
@@ -3172,8 +3175,8 @@
         </p:nvSpPr>
         <p:spPr>
           <a:xfrm>
-            <a:off x="504000" y="4058280"/>
-            <a:ext cx="513720" cy="2090520"/>
+            <a:off x="504000" y="4057920"/>
+            <a:ext cx="121680" cy="2090160"/>
           </a:xfrm>
           <a:prstGeom prst="rect">
             <a:avLst/>
@@ -3225,7 +3228,7 @@
         <p:spPr>
           <a:xfrm>
             <a:off x="504000" y="261720"/>
-            <a:ext cx="9070920" cy="1341000"/>
+            <a:ext cx="9070200" cy="1341000"/>
           </a:xfrm>
           <a:prstGeom prst="rect">
             <a:avLst/>
@@ -3256,7 +3259,7 @@
         <p:spPr>
           <a:xfrm>
             <a:off x="504000" y="1768680"/>
-            <a:ext cx="513720" cy="4383000"/>
+            <a:ext cx="121680" cy="4382280"/>
           </a:xfrm>
           <a:prstGeom prst="rect">
             <a:avLst/>
@@ -3285,8 +3288,8 @@
         </p:nvSpPr>
         <p:spPr>
           <a:xfrm>
-            <a:off x="1043640" y="1768680"/>
-            <a:ext cx="513720" cy="2090520"/>
+            <a:off x="632160" y="1768680"/>
+            <a:ext cx="121680" cy="2090160"/>
           </a:xfrm>
           <a:prstGeom prst="rect">
             <a:avLst/>
@@ -3315,8 +3318,8 @@
         </p:nvSpPr>
         <p:spPr>
           <a:xfrm>
-            <a:off x="1043640" y="4058280"/>
-            <a:ext cx="513720" cy="2090520"/>
+            <a:off x="632160" y="4057920"/>
+            <a:ext cx="121680" cy="2090160"/>
           </a:xfrm>
           <a:prstGeom prst="rect">
             <a:avLst/>
@@ -3368,7 +3371,7 @@
         <p:spPr>
           <a:xfrm>
             <a:off x="504000" y="261720"/>
-            <a:ext cx="9070920" cy="1341000"/>
+            <a:ext cx="9070200" cy="1341000"/>
           </a:xfrm>
           <a:prstGeom prst="rect">
             <a:avLst/>
@@ -3399,7 +3402,7 @@
         <p:spPr>
           <a:xfrm>
             <a:off x="504000" y="1768680"/>
-            <a:ext cx="513720" cy="2090520"/>
+            <a:ext cx="121680" cy="2090160"/>
           </a:xfrm>
           <a:prstGeom prst="rect">
             <a:avLst/>
@@ -3428,8 +3431,8 @@
         </p:nvSpPr>
         <p:spPr>
           <a:xfrm>
-            <a:off x="1043640" y="1768680"/>
-            <a:ext cx="513720" cy="2090520"/>
+            <a:off x="632160" y="1768680"/>
+            <a:ext cx="121680" cy="2090160"/>
           </a:xfrm>
           <a:prstGeom prst="rect">
             <a:avLst/>
@@ -3458,8 +3461,8 @@
         </p:nvSpPr>
         <p:spPr>
           <a:xfrm>
-            <a:off x="504000" y="4058280"/>
-            <a:ext cx="1053360" cy="2090520"/>
+            <a:off x="504000" y="4057920"/>
+            <a:ext cx="249840" cy="2090160"/>
           </a:xfrm>
           <a:prstGeom prst="rect">
             <a:avLst/>
@@ -3467,7 +3470,7 @@
         </p:spPr>
         <p:txBody>
           <a:bodyPr lIns="0" rIns="0" tIns="0" bIns="0">
-            <a:normAutofit fontScale="27000"/>
+            <a:normAutofit fontScale="24000"/>
           </a:bodyPr>
           <a:p>
             <a:endParaRPr b="0" lang="en-US" sz="3200" spc="-1" strike="noStrike">
@@ -3511,7 +3514,7 @@
         <p:spPr>
           <a:xfrm>
             <a:off x="504000" y="261720"/>
-            <a:ext cx="9070920" cy="1341000"/>
+            <a:ext cx="9070200" cy="1341000"/>
           </a:xfrm>
           <a:prstGeom prst="rect">
             <a:avLst/>
@@ -3542,7 +3545,7 @@
         <p:spPr>
           <a:xfrm>
             <a:off x="504000" y="1768680"/>
-            <a:ext cx="1053360" cy="2090520"/>
+            <a:ext cx="249840" cy="2090160"/>
           </a:xfrm>
           <a:prstGeom prst="rect">
             <a:avLst/>
@@ -3550,7 +3553,7 @@
         </p:spPr>
         <p:txBody>
           <a:bodyPr lIns="0" rIns="0" tIns="0" bIns="0">
-            <a:normAutofit fontScale="27000"/>
+            <a:normAutofit fontScale="24000"/>
           </a:bodyPr>
           <a:p>
             <a:endParaRPr b="0" lang="en-US" sz="3200" spc="-1" strike="noStrike">
@@ -3571,8 +3574,8 @@
         </p:nvSpPr>
         <p:spPr>
           <a:xfrm>
-            <a:off x="504000" y="4058280"/>
-            <a:ext cx="1053360" cy="2090520"/>
+            <a:off x="504000" y="4057920"/>
+            <a:ext cx="249840" cy="2090160"/>
           </a:xfrm>
           <a:prstGeom prst="rect">
             <a:avLst/>
@@ -3580,7 +3583,7 @@
         </p:spPr>
         <p:txBody>
           <a:bodyPr lIns="0" rIns="0" tIns="0" bIns="0">
-            <a:normAutofit fontScale="27000"/>
+            <a:normAutofit fontScale="24000"/>
           </a:bodyPr>
           <a:p>
             <a:endParaRPr b="0" lang="en-US" sz="3200" spc="-1" strike="noStrike">
@@ -3624,7 +3627,7 @@
         <p:spPr>
           <a:xfrm>
             <a:off x="504000" y="261720"/>
-            <a:ext cx="9070920" cy="1341000"/>
+            <a:ext cx="9070200" cy="1341000"/>
           </a:xfrm>
           <a:prstGeom prst="rect">
             <a:avLst/>
@@ -3655,7 +3658,7 @@
         <p:spPr>
           <a:xfrm>
             <a:off x="504000" y="1768680"/>
-            <a:ext cx="513720" cy="2090520"/>
+            <a:ext cx="121680" cy="2090160"/>
           </a:xfrm>
           <a:prstGeom prst="rect">
             <a:avLst/>
@@ -3684,8 +3687,8 @@
         </p:nvSpPr>
         <p:spPr>
           <a:xfrm>
-            <a:off x="1043640" y="1768680"/>
-            <a:ext cx="513720" cy="2090520"/>
+            <a:off x="632160" y="1768680"/>
+            <a:ext cx="121680" cy="2090160"/>
           </a:xfrm>
           <a:prstGeom prst="rect">
             <a:avLst/>
@@ -3714,8 +3717,8 @@
         </p:nvSpPr>
         <p:spPr>
           <a:xfrm>
-            <a:off x="504000" y="4058280"/>
-            <a:ext cx="513720" cy="2090520"/>
+            <a:off x="504000" y="4057920"/>
+            <a:ext cx="121680" cy="2090160"/>
           </a:xfrm>
           <a:prstGeom prst="rect">
             <a:avLst/>
@@ -3744,8 +3747,8 @@
         </p:nvSpPr>
         <p:spPr>
           <a:xfrm>
-            <a:off x="1043640" y="4058280"/>
-            <a:ext cx="513720" cy="2090520"/>
+            <a:off x="632160" y="4057920"/>
+            <a:ext cx="121680" cy="2090160"/>
           </a:xfrm>
           <a:prstGeom prst="rect">
             <a:avLst/>
@@ -3797,7 +3800,7 @@
         <p:spPr>
           <a:xfrm>
             <a:off x="504000" y="261720"/>
-            <a:ext cx="9070920" cy="1341000"/>
+            <a:ext cx="9070200" cy="1341000"/>
           </a:xfrm>
           <a:prstGeom prst="rect">
             <a:avLst/>
@@ -3828,7 +3831,7 @@
         <p:spPr>
           <a:xfrm>
             <a:off x="504000" y="1768680"/>
-            <a:ext cx="338760" cy="2090520"/>
+            <a:ext cx="80280" cy="2090160"/>
           </a:xfrm>
           <a:prstGeom prst="rect">
             <a:avLst/>
@@ -3857,8 +3860,8 @@
         </p:nvSpPr>
         <p:spPr>
           <a:xfrm>
-            <a:off x="860040" y="1768680"/>
-            <a:ext cx="338760" cy="2090520"/>
+            <a:off x="588600" y="1768680"/>
+            <a:ext cx="80280" cy="2090160"/>
           </a:xfrm>
           <a:prstGeom prst="rect">
             <a:avLst/>
@@ -3887,8 +3890,8 @@
         </p:nvSpPr>
         <p:spPr>
           <a:xfrm>
-            <a:off x="1216080" y="1768680"/>
-            <a:ext cx="338760" cy="2090520"/>
+            <a:off x="673200" y="1768680"/>
+            <a:ext cx="80280" cy="2090160"/>
           </a:xfrm>
           <a:prstGeom prst="rect">
             <a:avLst/>
@@ -3917,8 +3920,8 @@
         </p:nvSpPr>
         <p:spPr>
           <a:xfrm>
-            <a:off x="504000" y="4058280"/>
-            <a:ext cx="338760" cy="2090520"/>
+            <a:off x="504000" y="4057920"/>
+            <a:ext cx="80280" cy="2090160"/>
           </a:xfrm>
           <a:prstGeom prst="rect">
             <a:avLst/>
@@ -3947,8 +3950,8 @@
         </p:nvSpPr>
         <p:spPr>
           <a:xfrm>
-            <a:off x="860040" y="4058280"/>
-            <a:ext cx="338760" cy="2090520"/>
+            <a:off x="588600" y="4057920"/>
+            <a:ext cx="80280" cy="2090160"/>
           </a:xfrm>
           <a:prstGeom prst="rect">
             <a:avLst/>
@@ -3977,8 +3980,8 @@
         </p:nvSpPr>
         <p:spPr>
           <a:xfrm>
-            <a:off x="1216080" y="4058280"/>
-            <a:ext cx="338760" cy="2090520"/>
+            <a:off x="673200" y="4057920"/>
+            <a:ext cx="80280" cy="2090160"/>
           </a:xfrm>
           <a:prstGeom prst="rect">
             <a:avLst/>
@@ -4052,7 +4055,7 @@
         <p:spPr>
           <a:xfrm>
             <a:off x="504000" y="261720"/>
-            <a:ext cx="9070920" cy="1341000"/>
+            <a:ext cx="9070200" cy="1341000"/>
           </a:xfrm>
           <a:prstGeom prst="rect">
             <a:avLst/>
@@ -4082,8 +4085,8 @@
         </p:nvSpPr>
         <p:spPr>
           <a:xfrm>
-            <a:off x="504000" y="1768680"/>
-            <a:ext cx="1053360" cy="4383000"/>
+            <a:off x="504000" y="1315440"/>
+            <a:ext cx="249840" cy="5288760"/>
           </a:xfrm>
           <a:prstGeom prst="rect">
             <a:avLst/>
@@ -4136,7 +4139,7 @@
         <p:spPr>
           <a:xfrm>
             <a:off x="504000" y="261720"/>
-            <a:ext cx="9070920" cy="1341000"/>
+            <a:ext cx="9070200" cy="1341000"/>
           </a:xfrm>
           <a:prstGeom prst="rect">
             <a:avLst/>
@@ -4167,7 +4170,7 @@
         <p:spPr>
           <a:xfrm>
             <a:off x="504000" y="1768680"/>
-            <a:ext cx="1053360" cy="4383000"/>
+            <a:ext cx="249840" cy="4382280"/>
           </a:xfrm>
           <a:prstGeom prst="rect">
             <a:avLst/>
@@ -4175,7 +4178,7 @@
         </p:spPr>
         <p:txBody>
           <a:bodyPr lIns="0" rIns="0" tIns="0" bIns="0">
-            <a:normAutofit fontScale="84000"/>
+            <a:normAutofit fontScale="74000"/>
           </a:bodyPr>
           <a:p>
             <a:endParaRPr b="0" lang="en-US" sz="3200" spc="-1" strike="noStrike">
@@ -4219,7 +4222,7 @@
         <p:spPr>
           <a:xfrm>
             <a:off x="504000" y="261720"/>
-            <a:ext cx="9070920" cy="1341000"/>
+            <a:ext cx="9070200" cy="1341000"/>
           </a:xfrm>
           <a:prstGeom prst="rect">
             <a:avLst/>
@@ -4250,7 +4253,7 @@
         <p:spPr>
           <a:xfrm>
             <a:off x="504000" y="1768680"/>
-            <a:ext cx="513720" cy="4383000"/>
+            <a:ext cx="121680" cy="4382280"/>
           </a:xfrm>
           <a:prstGeom prst="rect">
             <a:avLst/>
@@ -4279,8 +4282,8 @@
         </p:nvSpPr>
         <p:spPr>
           <a:xfrm>
-            <a:off x="1043640" y="1768680"/>
-            <a:ext cx="513720" cy="4383000"/>
+            <a:off x="632160" y="1768680"/>
+            <a:ext cx="121680" cy="4382280"/>
           </a:xfrm>
           <a:prstGeom prst="rect">
             <a:avLst/>
@@ -4332,7 +4335,7 @@
         <p:spPr>
           <a:xfrm>
             <a:off x="504000" y="261720"/>
-            <a:ext cx="9070920" cy="1341000"/>
+            <a:ext cx="9070200" cy="1341000"/>
           </a:xfrm>
           <a:prstGeom prst="rect">
             <a:avLst/>
@@ -4363,7 +4366,7 @@
         <p:spPr>
           <a:xfrm>
             <a:off x="504000" y="1768680"/>
-            <a:ext cx="513720" cy="4383000"/>
+            <a:ext cx="121680" cy="4382280"/>
           </a:xfrm>
           <a:prstGeom prst="rect">
             <a:avLst/>
@@ -4392,8 +4395,8 @@
         </p:nvSpPr>
         <p:spPr>
           <a:xfrm>
-            <a:off x="1043640" y="1768680"/>
-            <a:ext cx="513720" cy="4383000"/>
+            <a:off x="632160" y="1768680"/>
+            <a:ext cx="121680" cy="4382280"/>
           </a:xfrm>
           <a:prstGeom prst="rect">
             <a:avLst/>
@@ -4445,7 +4448,7 @@
         <p:spPr>
           <a:xfrm>
             <a:off x="504000" y="261720"/>
-            <a:ext cx="9070920" cy="1341000"/>
+            <a:ext cx="9070200" cy="1341000"/>
           </a:xfrm>
           <a:prstGeom prst="rect">
             <a:avLst/>
@@ -4498,7 +4501,7 @@
         <p:spPr>
           <a:xfrm>
             <a:off x="504000" y="261720"/>
-            <a:ext cx="9070920" cy="6217560"/>
+            <a:ext cx="9070200" cy="6217560"/>
           </a:xfrm>
           <a:prstGeom prst="rect">
             <a:avLst/>
@@ -4551,7 +4554,7 @@
         <p:spPr>
           <a:xfrm>
             <a:off x="504000" y="261720"/>
-            <a:ext cx="9070920" cy="1341000"/>
+            <a:ext cx="9070200" cy="1341000"/>
           </a:xfrm>
           <a:prstGeom prst="rect">
             <a:avLst/>
@@ -4582,7 +4585,7 @@
         <p:spPr>
           <a:xfrm>
             <a:off x="504000" y="1768680"/>
-            <a:ext cx="513720" cy="2090520"/>
+            <a:ext cx="121680" cy="2090160"/>
           </a:xfrm>
           <a:prstGeom prst="rect">
             <a:avLst/>
@@ -4611,8 +4614,8 @@
         </p:nvSpPr>
         <p:spPr>
           <a:xfrm>
-            <a:off x="1043640" y="1768680"/>
-            <a:ext cx="513720" cy="4383000"/>
+            <a:off x="632160" y="1768680"/>
+            <a:ext cx="121680" cy="4382280"/>
           </a:xfrm>
           <a:prstGeom prst="rect">
             <a:avLst/>
@@ -4641,8 +4644,8 @@
         </p:nvSpPr>
         <p:spPr>
           <a:xfrm>
-            <a:off x="504000" y="4058280"/>
-            <a:ext cx="513720" cy="2090520"/>
+            <a:off x="504000" y="4057920"/>
+            <a:ext cx="121680" cy="2090160"/>
           </a:xfrm>
           <a:prstGeom prst="rect">
             <a:avLst/>
@@ -4694,7 +4697,7 @@
         <p:spPr>
           <a:xfrm>
             <a:off x="504000" y="261720"/>
-            <a:ext cx="9070920" cy="1341000"/>
+            <a:ext cx="9070200" cy="1341000"/>
           </a:xfrm>
           <a:prstGeom prst="rect">
             <a:avLst/>
@@ -4725,7 +4728,7 @@
         <p:spPr>
           <a:xfrm>
             <a:off x="504000" y="1768680"/>
-            <a:ext cx="513720" cy="4383000"/>
+            <a:ext cx="121680" cy="4382280"/>
           </a:xfrm>
           <a:prstGeom prst="rect">
             <a:avLst/>
@@ -4754,8 +4757,8 @@
         </p:nvSpPr>
         <p:spPr>
           <a:xfrm>
-            <a:off x="1043640" y="1768680"/>
-            <a:ext cx="513720" cy="2090520"/>
+            <a:off x="632160" y="1768680"/>
+            <a:ext cx="121680" cy="2090160"/>
           </a:xfrm>
           <a:prstGeom prst="rect">
             <a:avLst/>
@@ -4784,8 +4787,8 @@
         </p:nvSpPr>
         <p:spPr>
           <a:xfrm>
-            <a:off x="1043640" y="4058280"/>
-            <a:ext cx="513720" cy="2090520"/>
+            <a:off x="632160" y="4057920"/>
+            <a:ext cx="121680" cy="2090160"/>
           </a:xfrm>
           <a:prstGeom prst="rect">
             <a:avLst/>
@@ -4837,7 +4840,7 @@
         <p:spPr>
           <a:xfrm>
             <a:off x="504000" y="261720"/>
-            <a:ext cx="9070920" cy="1341000"/>
+            <a:ext cx="9070200" cy="1341000"/>
           </a:xfrm>
           <a:prstGeom prst="rect">
             <a:avLst/>
@@ -4868,7 +4871,7 @@
         <p:spPr>
           <a:xfrm>
             <a:off x="504000" y="1768680"/>
-            <a:ext cx="513720" cy="2090520"/>
+            <a:ext cx="121680" cy="2090160"/>
           </a:xfrm>
           <a:prstGeom prst="rect">
             <a:avLst/>
@@ -4897,8 +4900,8 @@
         </p:nvSpPr>
         <p:spPr>
           <a:xfrm>
-            <a:off x="1043640" y="1768680"/>
-            <a:ext cx="513720" cy="2090520"/>
+            <a:off x="632160" y="1768680"/>
+            <a:ext cx="121680" cy="2090160"/>
           </a:xfrm>
           <a:prstGeom prst="rect">
             <a:avLst/>
@@ -4927,8 +4930,8 @@
         </p:nvSpPr>
         <p:spPr>
           <a:xfrm>
-            <a:off x="504000" y="4058280"/>
-            <a:ext cx="1053360" cy="2090520"/>
+            <a:off x="504000" y="4057920"/>
+            <a:ext cx="249840" cy="2090160"/>
           </a:xfrm>
           <a:prstGeom prst="rect">
             <a:avLst/>
@@ -4936,7 +4939,7 @@
         </p:spPr>
         <p:txBody>
           <a:bodyPr lIns="0" rIns="0" tIns="0" bIns="0">
-            <a:normAutofit fontScale="27000"/>
+            <a:normAutofit fontScale="24000"/>
           </a:bodyPr>
           <a:p>
             <a:endParaRPr b="0" lang="en-US" sz="3200" spc="-1" strike="noStrike">
@@ -4980,7 +4983,7 @@
         <p:spPr>
           <a:xfrm>
             <a:off x="504000" y="261720"/>
-            <a:ext cx="9070920" cy="1341000"/>
+            <a:ext cx="9070200" cy="1341000"/>
           </a:xfrm>
           <a:prstGeom prst="rect">
             <a:avLst/>
@@ -5011,7 +5014,7 @@
         <p:spPr>
           <a:xfrm>
             <a:off x="504000" y="1768680"/>
-            <a:ext cx="1053360" cy="2090520"/>
+            <a:ext cx="249840" cy="2090160"/>
           </a:xfrm>
           <a:prstGeom prst="rect">
             <a:avLst/>
@@ -5019,7 +5022,7 @@
         </p:spPr>
         <p:txBody>
           <a:bodyPr lIns="0" rIns="0" tIns="0" bIns="0">
-            <a:normAutofit fontScale="27000"/>
+            <a:normAutofit fontScale="24000"/>
           </a:bodyPr>
           <a:p>
             <a:endParaRPr b="0" lang="en-US" sz="3200" spc="-1" strike="noStrike">
@@ -5040,8 +5043,8 @@
         </p:nvSpPr>
         <p:spPr>
           <a:xfrm>
-            <a:off x="504000" y="4058280"/>
-            <a:ext cx="1053360" cy="2090520"/>
+            <a:off x="504000" y="4057920"/>
+            <a:ext cx="249840" cy="2090160"/>
           </a:xfrm>
           <a:prstGeom prst="rect">
             <a:avLst/>
@@ -5049,7 +5052,7 @@
         </p:spPr>
         <p:txBody>
           <a:bodyPr lIns="0" rIns="0" tIns="0" bIns="0">
-            <a:normAutofit fontScale="27000"/>
+            <a:normAutofit fontScale="24000"/>
           </a:bodyPr>
           <a:p>
             <a:endParaRPr b="0" lang="en-US" sz="3200" spc="-1" strike="noStrike">
@@ -5093,7 +5096,7 @@
         <p:spPr>
           <a:xfrm>
             <a:off x="504000" y="261720"/>
-            <a:ext cx="9070920" cy="1341000"/>
+            <a:ext cx="9070200" cy="1341000"/>
           </a:xfrm>
           <a:prstGeom prst="rect">
             <a:avLst/>
@@ -5124,7 +5127,7 @@
         <p:spPr>
           <a:xfrm>
             <a:off x="504000" y="1768680"/>
-            <a:ext cx="513720" cy="2090520"/>
+            <a:ext cx="121680" cy="2090160"/>
           </a:xfrm>
           <a:prstGeom prst="rect">
             <a:avLst/>
@@ -5153,8 +5156,8 @@
         </p:nvSpPr>
         <p:spPr>
           <a:xfrm>
-            <a:off x="1043640" y="1768680"/>
-            <a:ext cx="513720" cy="2090520"/>
+            <a:off x="632160" y="1768680"/>
+            <a:ext cx="121680" cy="2090160"/>
           </a:xfrm>
           <a:prstGeom prst="rect">
             <a:avLst/>
@@ -5183,8 +5186,8 @@
         </p:nvSpPr>
         <p:spPr>
           <a:xfrm>
-            <a:off x="504000" y="4058280"/>
-            <a:ext cx="513720" cy="2090520"/>
+            <a:off x="504000" y="4057920"/>
+            <a:ext cx="121680" cy="2090160"/>
           </a:xfrm>
           <a:prstGeom prst="rect">
             <a:avLst/>
@@ -5213,8 +5216,8 @@
         </p:nvSpPr>
         <p:spPr>
           <a:xfrm>
-            <a:off x="1043640" y="4058280"/>
-            <a:ext cx="513720" cy="2090520"/>
+            <a:off x="632160" y="4057920"/>
+            <a:ext cx="121680" cy="2090160"/>
           </a:xfrm>
           <a:prstGeom prst="rect">
             <a:avLst/>
@@ -5266,7 +5269,7 @@
         <p:spPr>
           <a:xfrm>
             <a:off x="504000" y="261720"/>
-            <a:ext cx="9070920" cy="1341000"/>
+            <a:ext cx="9070200" cy="1341000"/>
           </a:xfrm>
           <a:prstGeom prst="rect">
             <a:avLst/>
@@ -5297,7 +5300,7 @@
         <p:spPr>
           <a:xfrm>
             <a:off x="504000" y="1768680"/>
-            <a:ext cx="338760" cy="2090520"/>
+            <a:ext cx="80280" cy="2090160"/>
           </a:xfrm>
           <a:prstGeom prst="rect">
             <a:avLst/>
@@ -5326,8 +5329,8 @@
         </p:nvSpPr>
         <p:spPr>
           <a:xfrm>
-            <a:off x="860040" y="1768680"/>
-            <a:ext cx="338760" cy="2090520"/>
+            <a:off x="588600" y="1768680"/>
+            <a:ext cx="80280" cy="2090160"/>
           </a:xfrm>
           <a:prstGeom prst="rect">
             <a:avLst/>
@@ -5356,8 +5359,8 @@
         </p:nvSpPr>
         <p:spPr>
           <a:xfrm>
-            <a:off x="1216080" y="1768680"/>
-            <a:ext cx="338760" cy="2090520"/>
+            <a:off x="673200" y="1768680"/>
+            <a:ext cx="80280" cy="2090160"/>
           </a:xfrm>
           <a:prstGeom prst="rect">
             <a:avLst/>
@@ -5386,8 +5389,8 @@
         </p:nvSpPr>
         <p:spPr>
           <a:xfrm>
-            <a:off x="504000" y="4058280"/>
-            <a:ext cx="338760" cy="2090520"/>
+            <a:off x="504000" y="4057920"/>
+            <a:ext cx="80280" cy="2090160"/>
           </a:xfrm>
           <a:prstGeom prst="rect">
             <a:avLst/>
@@ -5416,8 +5419,8 @@
         </p:nvSpPr>
         <p:spPr>
           <a:xfrm>
-            <a:off x="860040" y="4058280"/>
-            <a:ext cx="338760" cy="2090520"/>
+            <a:off x="588600" y="4057920"/>
+            <a:ext cx="80280" cy="2090160"/>
           </a:xfrm>
           <a:prstGeom prst="rect">
             <a:avLst/>
@@ -5446,8 +5449,8 @@
         </p:nvSpPr>
         <p:spPr>
           <a:xfrm>
-            <a:off x="1216080" y="4058280"/>
-            <a:ext cx="338760" cy="2090520"/>
+            <a:off x="673200" y="4057920"/>
+            <a:ext cx="80280" cy="2090160"/>
           </a:xfrm>
           <a:prstGeom prst="rect">
             <a:avLst/>
@@ -5499,7 +5502,7 @@
         <p:spPr>
           <a:xfrm>
             <a:off x="504000" y="261720"/>
-            <a:ext cx="9070920" cy="1341000"/>
+            <a:ext cx="9070200" cy="1341000"/>
           </a:xfrm>
           <a:prstGeom prst="rect">
             <a:avLst/>
@@ -5552,7 +5555,7 @@
         <p:spPr>
           <a:xfrm>
             <a:off x="504000" y="261720"/>
-            <a:ext cx="9070920" cy="6217560"/>
+            <a:ext cx="9070200" cy="6217560"/>
           </a:xfrm>
           <a:prstGeom prst="rect">
             <a:avLst/>
@@ -5605,7 +5608,7 @@
         <p:spPr>
           <a:xfrm>
             <a:off x="504000" y="261720"/>
-            <a:ext cx="9070920" cy="1341000"/>
+            <a:ext cx="9070200" cy="1341000"/>
           </a:xfrm>
           <a:prstGeom prst="rect">
             <a:avLst/>
@@ -5636,7 +5639,7 @@
         <p:spPr>
           <a:xfrm>
             <a:off x="504000" y="1768680"/>
-            <a:ext cx="513720" cy="2090520"/>
+            <a:ext cx="121680" cy="2090160"/>
           </a:xfrm>
           <a:prstGeom prst="rect">
             <a:avLst/>
@@ -5665,8 +5668,8 @@
         </p:nvSpPr>
         <p:spPr>
           <a:xfrm>
-            <a:off x="1043640" y="1768680"/>
-            <a:ext cx="513720" cy="4383000"/>
+            <a:off x="632160" y="1768680"/>
+            <a:ext cx="121680" cy="4382280"/>
           </a:xfrm>
           <a:prstGeom prst="rect">
             <a:avLst/>
@@ -5695,8 +5698,8 @@
         </p:nvSpPr>
         <p:spPr>
           <a:xfrm>
-            <a:off x="504000" y="4058280"/>
-            <a:ext cx="513720" cy="2090520"/>
+            <a:off x="504000" y="4057920"/>
+            <a:ext cx="121680" cy="2090160"/>
           </a:xfrm>
           <a:prstGeom prst="rect">
             <a:avLst/>
@@ -5748,7 +5751,7 @@
         <p:spPr>
           <a:xfrm>
             <a:off x="504000" y="261720"/>
-            <a:ext cx="9070920" cy="1341000"/>
+            <a:ext cx="9070200" cy="1341000"/>
           </a:xfrm>
           <a:prstGeom prst="rect">
             <a:avLst/>
@@ -5779,7 +5782,7 @@
         <p:spPr>
           <a:xfrm>
             <a:off x="504000" y="1768680"/>
-            <a:ext cx="513720" cy="4383000"/>
+            <a:ext cx="121680" cy="4382280"/>
           </a:xfrm>
           <a:prstGeom prst="rect">
             <a:avLst/>
@@ -5808,8 +5811,8 @@
         </p:nvSpPr>
         <p:spPr>
           <a:xfrm>
-            <a:off x="1043640" y="1768680"/>
-            <a:ext cx="513720" cy="2090520"/>
+            <a:off x="632160" y="1768680"/>
+            <a:ext cx="121680" cy="2090160"/>
           </a:xfrm>
           <a:prstGeom prst="rect">
             <a:avLst/>
@@ -5838,8 +5841,8 @@
         </p:nvSpPr>
         <p:spPr>
           <a:xfrm>
-            <a:off x="1043640" y="4058280"/>
-            <a:ext cx="513720" cy="2090520"/>
+            <a:off x="632160" y="4057920"/>
+            <a:ext cx="121680" cy="2090160"/>
           </a:xfrm>
           <a:prstGeom prst="rect">
             <a:avLst/>
@@ -5891,7 +5894,7 @@
         <p:spPr>
           <a:xfrm>
             <a:off x="504000" y="261720"/>
-            <a:ext cx="9070920" cy="1341000"/>
+            <a:ext cx="9070200" cy="1341000"/>
           </a:xfrm>
           <a:prstGeom prst="rect">
             <a:avLst/>
@@ -5922,7 +5925,7 @@
         <p:spPr>
           <a:xfrm>
             <a:off x="504000" y="1768680"/>
-            <a:ext cx="513720" cy="2090520"/>
+            <a:ext cx="121680" cy="2090160"/>
           </a:xfrm>
           <a:prstGeom prst="rect">
             <a:avLst/>
@@ -5951,8 +5954,8 @@
         </p:nvSpPr>
         <p:spPr>
           <a:xfrm>
-            <a:off x="1043640" y="1768680"/>
-            <a:ext cx="513720" cy="2090520"/>
+            <a:off x="632160" y="1768680"/>
+            <a:ext cx="121680" cy="2090160"/>
           </a:xfrm>
           <a:prstGeom prst="rect">
             <a:avLst/>
@@ -5981,8 +5984,8 @@
         </p:nvSpPr>
         <p:spPr>
           <a:xfrm>
-            <a:off x="504000" y="4058280"/>
-            <a:ext cx="1053360" cy="2090520"/>
+            <a:off x="504000" y="4057920"/>
+            <a:ext cx="249840" cy="2090160"/>
           </a:xfrm>
           <a:prstGeom prst="rect">
             <a:avLst/>
@@ -5990,7 +5993,7 @@
         </p:spPr>
         <p:txBody>
           <a:bodyPr lIns="0" rIns="0" tIns="0" bIns="0">
-            <a:normAutofit fontScale="27000"/>
+            <a:normAutofit fontScale="24000"/>
           </a:bodyPr>
           <a:p>
             <a:endParaRPr b="0" lang="en-US" sz="3200" spc="-1" strike="noStrike">
@@ -6030,7 +6033,7 @@
         <p:spPr>
           <a:xfrm>
             <a:off x="0" y="3150000"/>
-            <a:ext cx="9717840" cy="1257840"/>
+            <a:ext cx="9717120" cy="1257120"/>
           </a:xfrm>
           <a:prstGeom prst="rect">
             <a:avLst/>
@@ -6347,7 +6350,7 @@
         <p:spPr>
           <a:xfrm>
             <a:off x="0" y="180000"/>
-            <a:ext cx="9717840" cy="1257840"/>
+            <a:ext cx="9717120" cy="1257120"/>
           </a:xfrm>
           <a:prstGeom prst="rect">
             <a:avLst/>
@@ -6375,7 +6378,7 @@
         <p:spPr>
           <a:xfrm>
             <a:off x="7560000" y="6840000"/>
-            <a:ext cx="2517840" cy="537840"/>
+            <a:ext cx="2517120" cy="537120"/>
           </a:xfrm>
           <a:prstGeom prst="rect">
             <a:avLst/>
@@ -6403,7 +6406,7 @@
         <p:spPr>
           <a:xfrm>
             <a:off x="900000" y="6840000"/>
-            <a:ext cx="6477840" cy="537840"/>
+            <a:ext cx="6477120" cy="537120"/>
           </a:xfrm>
           <a:prstGeom prst="rect">
             <a:avLst/>
@@ -6431,7 +6434,7 @@
         <p:spPr>
           <a:xfrm>
             <a:off x="180000" y="6840000"/>
-            <a:ext cx="537840" cy="537840"/>
+            <a:ext cx="537120" cy="537120"/>
           </a:xfrm>
           <a:prstGeom prst="rect">
             <a:avLst/>
@@ -6461,7 +6464,7 @@
         <p:spPr>
           <a:xfrm>
             <a:off x="504000" y="261720"/>
-            <a:ext cx="9070920" cy="1341000"/>
+            <a:ext cx="9070200" cy="1341000"/>
           </a:xfrm>
           <a:prstGeom prst="rect">
             <a:avLst/>
@@ -6497,7 +6500,7 @@
         <p:spPr>
           <a:xfrm>
             <a:off x="504000" y="1768680"/>
-            <a:ext cx="1053360" cy="4383000"/>
+            <a:ext cx="249840" cy="4382280"/>
           </a:xfrm>
           <a:prstGeom prst="rect">
             <a:avLst/>
@@ -6711,8 +6714,8 @@
         </p:nvSpPr>
         <p:spPr>
           <a:xfrm>
-            <a:off x="1610640" y="1768680"/>
-            <a:ext cx="1053360" cy="4383000"/>
+            <a:off x="767160" y="1768680"/>
+            <a:ext cx="249840" cy="4382280"/>
           </a:xfrm>
           <a:prstGeom prst="rect">
             <a:avLst/>
@@ -6960,7 +6963,7 @@
         <p:spPr>
           <a:xfrm>
             <a:off x="0" y="180000"/>
-            <a:ext cx="9717840" cy="1257840"/>
+            <a:ext cx="9717120" cy="1257120"/>
           </a:xfrm>
           <a:prstGeom prst="rect">
             <a:avLst/>
@@ -6988,7 +6991,7 @@
         <p:spPr>
           <a:xfrm>
             <a:off x="7560000" y="6840000"/>
-            <a:ext cx="2517840" cy="537840"/>
+            <a:ext cx="2517120" cy="537120"/>
           </a:xfrm>
           <a:prstGeom prst="rect">
             <a:avLst/>
@@ -7016,7 +7019,7 @@
         <p:spPr>
           <a:xfrm>
             <a:off x="900000" y="6840000"/>
-            <a:ext cx="6477840" cy="537840"/>
+            <a:ext cx="6477120" cy="537120"/>
           </a:xfrm>
           <a:prstGeom prst="rect">
             <a:avLst/>
@@ -7044,7 +7047,7 @@
         <p:spPr>
           <a:xfrm>
             <a:off x="180000" y="6840000"/>
-            <a:ext cx="537840" cy="537840"/>
+            <a:ext cx="537120" cy="537120"/>
           </a:xfrm>
           <a:prstGeom prst="rect">
             <a:avLst/>
@@ -7359,7 +7362,7 @@
         <p:spPr>
           <a:xfrm>
             <a:off x="0" y="180000"/>
-            <a:ext cx="9717840" cy="1257840"/>
+            <a:ext cx="9717120" cy="1257120"/>
           </a:xfrm>
           <a:prstGeom prst="rect">
             <a:avLst/>
@@ -7387,7 +7390,7 @@
         <p:spPr>
           <a:xfrm>
             <a:off x="7560000" y="6840000"/>
-            <a:ext cx="2517840" cy="537840"/>
+            <a:ext cx="2517120" cy="537120"/>
           </a:xfrm>
           <a:prstGeom prst="rect">
             <a:avLst/>
@@ -7415,7 +7418,7 @@
         <p:spPr>
           <a:xfrm>
             <a:off x="900000" y="6840000"/>
-            <a:ext cx="6477840" cy="537840"/>
+            <a:ext cx="6477120" cy="537120"/>
           </a:xfrm>
           <a:prstGeom prst="rect">
             <a:avLst/>
@@ -7443,7 +7446,7 @@
         <p:spPr>
           <a:xfrm>
             <a:off x="180000" y="6840000"/>
-            <a:ext cx="537840" cy="537840"/>
+            <a:ext cx="537120" cy="537120"/>
           </a:xfrm>
           <a:prstGeom prst="rect">
             <a:avLst/>
@@ -7473,7 +7476,7 @@
         <p:spPr>
           <a:xfrm>
             <a:off x="504000" y="261720"/>
-            <a:ext cx="9070920" cy="1341000"/>
+            <a:ext cx="9070200" cy="1341000"/>
           </a:xfrm>
           <a:prstGeom prst="rect">
             <a:avLst/>
@@ -7509,7 +7512,7 @@
         <p:spPr>
           <a:xfrm>
             <a:off x="504000" y="1768680"/>
-            <a:ext cx="1053360" cy="4383000"/>
+            <a:ext cx="249840" cy="4382280"/>
           </a:xfrm>
           <a:prstGeom prst="rect">
             <a:avLst/>
@@ -7723,8 +7726,8 @@
         </p:nvSpPr>
         <p:spPr>
           <a:xfrm>
-            <a:off x="1610640" y="1768680"/>
-            <a:ext cx="1053360" cy="4383000"/>
+            <a:off x="767160" y="1768680"/>
+            <a:ext cx="249840" cy="4382280"/>
           </a:xfrm>
           <a:prstGeom prst="rect">
             <a:avLst/>
@@ -7972,7 +7975,7 @@
         <p:spPr>
           <a:xfrm>
             <a:off x="360000" y="3330000"/>
-            <a:ext cx="9357840" cy="897840"/>
+            <a:ext cx="9357120" cy="897120"/>
           </a:xfrm>
           <a:prstGeom prst="rect">
             <a:avLst/>
@@ -8033,7 +8036,7 @@
         <p:spPr>
           <a:xfrm>
             <a:off x="540000" y="4680000"/>
-            <a:ext cx="9177840" cy="2517840"/>
+            <a:ext cx="9177120" cy="2517120"/>
           </a:xfrm>
           <a:prstGeom prst="rect">
             <a:avLst/>
@@ -8123,8 +8126,8 @@
         </p:nvSpPr>
         <p:spPr>
           <a:xfrm rot="21586200">
-            <a:off x="6770520" y="4673880"/>
-            <a:ext cx="3015000" cy="1943640"/>
+            <a:off x="6769800" y="4673880"/>
+            <a:ext cx="3014280" cy="1942920"/>
           </a:xfrm>
           <a:prstGeom prst="rect">
             <a:avLst/>
@@ -8155,7 +8158,7 @@
         <p:spPr>
           <a:xfrm>
             <a:off x="504000" y="2952000"/>
-            <a:ext cx="5902920" cy="3742920"/>
+            <a:ext cx="5902200" cy="3742200"/>
           </a:xfrm>
           <a:prstGeom prst="rect">
             <a:avLst/>
@@ -8186,7 +8189,7 @@
         <p:spPr>
           <a:xfrm>
             <a:off x="504000" y="596520"/>
-            <a:ext cx="9070920" cy="670320"/>
+            <a:ext cx="9070200" cy="669600"/>
           </a:xfrm>
           <a:prstGeom prst="rect">
             <a:avLst/>
@@ -8257,7 +8260,7 @@
         <p:spPr>
           <a:xfrm>
             <a:off x="1080000" y="4824000"/>
-            <a:ext cx="934920" cy="1294920"/>
+            <a:ext cx="934200" cy="1294200"/>
           </a:xfrm>
           <a:prstGeom prst="foldedCorner">
             <a:avLst>
@@ -8289,7 +8292,7 @@
         <p:spPr>
           <a:xfrm>
             <a:off x="2016000" y="5873040"/>
-            <a:ext cx="1385280" cy="363960"/>
+            <a:ext cx="1384560" cy="363960"/>
           </a:xfrm>
           <a:prstGeom prst="rect">
             <a:avLst/>
@@ -8396,7 +8399,7 @@
         <p:spPr>
           <a:xfrm>
             <a:off x="665280" y="3600000"/>
-            <a:ext cx="2285640" cy="363960"/>
+            <a:ext cx="2284920" cy="363960"/>
           </a:xfrm>
           <a:prstGeom prst="rect">
             <a:avLst/>
@@ -8447,7 +8450,7 @@
         <p:spPr>
           <a:xfrm>
             <a:off x="3137040" y="4909680"/>
-            <a:ext cx="2189880" cy="363960"/>
+            <a:ext cx="2189160" cy="363960"/>
           </a:xfrm>
           <a:prstGeom prst="rect">
             <a:avLst/>
@@ -8508,7 +8511,7 @@
         <p:spPr>
           <a:xfrm>
             <a:off x="3600000" y="3600000"/>
-            <a:ext cx="1366920" cy="718920"/>
+            <a:ext cx="1366200" cy="718200"/>
           </a:xfrm>
           <a:prstGeom prst="flowChartMagneticDisk">
             <a:avLst/>
@@ -8538,7 +8541,7 @@
         <p:spPr>
           <a:xfrm>
             <a:off x="3312000" y="3209040"/>
-            <a:ext cx="1950480" cy="363960"/>
+            <a:ext cx="1949760" cy="363960"/>
           </a:xfrm>
           <a:prstGeom prst="rect">
             <a:avLst/>
@@ -8589,7 +8592,7 @@
         <p:spPr>
           <a:xfrm>
             <a:off x="792000" y="2808000"/>
-            <a:ext cx="1222920" cy="502920"/>
+            <a:ext cx="1222200" cy="502200"/>
           </a:xfrm>
           <a:prstGeom prst="rect">
             <a:avLst/>
@@ -8700,7 +8703,7 @@
         <p:spPr>
           <a:xfrm>
             <a:off x="6696000" y="2304000"/>
-            <a:ext cx="1942920" cy="718920"/>
+            <a:ext cx="1942200" cy="718200"/>
           </a:xfrm>
           <a:prstGeom prst="flowChartMagneticDisk">
             <a:avLst/>
@@ -8730,7 +8733,7 @@
         <p:spPr>
           <a:xfrm>
             <a:off x="6730560" y="1985040"/>
-            <a:ext cx="1836360" cy="363960"/>
+            <a:ext cx="1835640" cy="363960"/>
           </a:xfrm>
           <a:prstGeom prst="rect">
             <a:avLst/>
@@ -8781,7 +8784,7 @@
         <p:spPr>
           <a:xfrm>
             <a:off x="8856000" y="5688000"/>
-            <a:ext cx="574920" cy="790920"/>
+            <a:ext cx="574200" cy="790200"/>
           </a:xfrm>
           <a:prstGeom prst="foldedCorner">
             <a:avLst>
@@ -8813,7 +8816,7 @@
         <p:spPr>
           <a:xfrm>
             <a:off x="7488000" y="4824000"/>
-            <a:ext cx="862920" cy="502920"/>
+            <a:ext cx="862200" cy="502200"/>
           </a:xfrm>
           <a:prstGeom prst="flowChartMagneticDisk">
             <a:avLst/>
@@ -8955,7 +8958,7 @@
         <p:spPr>
           <a:xfrm>
             <a:off x="8496000" y="4392000"/>
-            <a:ext cx="1222920" cy="502920"/>
+            <a:ext cx="1222200" cy="502200"/>
           </a:xfrm>
           <a:prstGeom prst="rect">
             <a:avLst/>
@@ -9040,7 +9043,7 @@
         <p:spPr>
           <a:xfrm>
             <a:off x="504000" y="383040"/>
-            <a:ext cx="9070920" cy="1097280"/>
+            <a:ext cx="9070200" cy="1096560"/>
           </a:xfrm>
           <a:prstGeom prst="rect">
             <a:avLst/>
@@ -9126,7 +9129,7 @@
         <p:spPr>
           <a:xfrm>
             <a:off x="504000" y="1881000"/>
-            <a:ext cx="9317880" cy="4453920"/>
+            <a:ext cx="9317160" cy="4453200"/>
           </a:xfrm>
           <a:prstGeom prst="rect">
             <a:avLst/>
@@ -9145,7 +9148,7 @@
         <p:spPr>
           <a:xfrm>
             <a:off x="2520000" y="4896000"/>
-            <a:ext cx="790920" cy="1078920"/>
+            <a:ext cx="790200" cy="1078200"/>
           </a:xfrm>
           <a:prstGeom prst="flowChartPunchedCard">
             <a:avLst/>
@@ -9175,7 +9178,7 @@
         <p:spPr>
           <a:xfrm>
             <a:off x="3816000" y="5112000"/>
-            <a:ext cx="2709360" cy="363960"/>
+            <a:ext cx="2708640" cy="363960"/>
           </a:xfrm>
           <a:prstGeom prst="rect">
             <a:avLst/>
@@ -9226,7 +9229,7 @@
         <p:spPr>
           <a:xfrm>
             <a:off x="2029680" y="6017040"/>
-            <a:ext cx="1641240" cy="363960"/>
+            <a:ext cx="1640520" cy="363960"/>
           </a:xfrm>
           <a:prstGeom prst="rect">
             <a:avLst/>
@@ -9277,7 +9280,7 @@
         <p:spPr>
           <a:xfrm>
             <a:off x="4248000" y="3528000"/>
-            <a:ext cx="1366920" cy="790920"/>
+            <a:ext cx="1366200" cy="790200"/>
           </a:xfrm>
           <a:prstGeom prst="flowChartMagneticDisk">
             <a:avLst/>
@@ -9307,7 +9310,7 @@
         <p:spPr>
           <a:xfrm>
             <a:off x="2971080" y="3312000"/>
-            <a:ext cx="1131840" cy="638280"/>
+            <a:ext cx="1131120" cy="638280"/>
           </a:xfrm>
           <a:prstGeom prst="rect">
             <a:avLst/>
@@ -9388,7 +9391,7 @@
         <p:spPr>
           <a:xfrm>
             <a:off x="5857560" y="3528000"/>
-            <a:ext cx="2355840" cy="363960"/>
+            <a:ext cx="2355120" cy="363960"/>
           </a:xfrm>
           <a:prstGeom prst="rect">
             <a:avLst/>
@@ -9495,7 +9498,7 @@
         <p:spPr>
           <a:xfrm>
             <a:off x="6408000" y="2088000"/>
-            <a:ext cx="1294920" cy="718920"/>
+            <a:ext cx="1294200" cy="718200"/>
           </a:xfrm>
           <a:prstGeom prst="can">
             <a:avLst>
@@ -9527,7 +9530,7 @@
         <p:spPr>
           <a:xfrm>
             <a:off x="4752000" y="2088000"/>
-            <a:ext cx="1272240" cy="912600"/>
+            <a:ext cx="1271520" cy="912600"/>
           </a:xfrm>
           <a:prstGeom prst="rect">
             <a:avLst/>
@@ -9638,7 +9641,7 @@
         <p:spPr>
           <a:xfrm>
             <a:off x="504000" y="596520"/>
-            <a:ext cx="9070920" cy="670320"/>
+            <a:ext cx="9070200" cy="669600"/>
           </a:xfrm>
           <a:prstGeom prst="rect">
             <a:avLst/>
@@ -9703,7 +9706,7 @@
         <p:spPr>
           <a:xfrm>
             <a:off x="504000" y="1881000"/>
-            <a:ext cx="9142920" cy="4453920"/>
+            <a:ext cx="9142200" cy="4453200"/>
           </a:xfrm>
           <a:prstGeom prst="rect">
             <a:avLst/>
@@ -9722,7 +9725,7 @@
         <p:spPr>
           <a:xfrm>
             <a:off x="864000" y="5400000"/>
-            <a:ext cx="646920" cy="790920"/>
+            <a:ext cx="646200" cy="790200"/>
           </a:xfrm>
           <a:prstGeom prst="flowChartPunchedCard">
             <a:avLst/>
@@ -9752,7 +9755,7 @@
         <p:spPr>
           <a:xfrm>
             <a:off x="720000" y="3960000"/>
-            <a:ext cx="863280" cy="431280"/>
+            <a:ext cx="862560" cy="430560"/>
           </a:xfrm>
           <a:prstGeom prst="can">
             <a:avLst>
@@ -9784,7 +9787,7 @@
         <p:spPr>
           <a:xfrm>
             <a:off x="720000" y="2520000"/>
-            <a:ext cx="863280" cy="431280"/>
+            <a:ext cx="862560" cy="430560"/>
           </a:xfrm>
           <a:prstGeom prst="can">
             <a:avLst>
@@ -9816,7 +9819,7 @@
         <p:spPr>
           <a:xfrm>
             <a:off x="2160000" y="5616000"/>
-            <a:ext cx="1295280" cy="363960"/>
+            <a:ext cx="1294560" cy="363960"/>
           </a:xfrm>
           <a:prstGeom prst="rect">
             <a:avLst/>
@@ -9895,7 +9898,7 @@
         <p:spPr>
           <a:xfrm>
             <a:off x="1872000" y="2016000"/>
-            <a:ext cx="1799280" cy="1007280"/>
+            <a:ext cx="1798560" cy="1006560"/>
           </a:xfrm>
           <a:prstGeom prst="rect">
             <a:avLst/>
@@ -10000,7 +10003,7 @@
         <p:spPr>
           <a:xfrm>
             <a:off x="2016000" y="1584360"/>
-            <a:ext cx="1510920" cy="502920"/>
+            <a:ext cx="1510200" cy="502200"/>
           </a:xfrm>
           <a:prstGeom prst="rect">
             <a:avLst/>
@@ -10065,7 +10068,7 @@
         <p:spPr>
           <a:xfrm>
             <a:off x="3960000" y="2016000"/>
-            <a:ext cx="2735280" cy="1007280"/>
+            <a:ext cx="2734560" cy="1006560"/>
           </a:xfrm>
           <a:prstGeom prst="rect">
             <a:avLst/>
@@ -10170,7 +10173,7 @@
         <p:spPr>
           <a:xfrm>
             <a:off x="4536360" y="1584360"/>
-            <a:ext cx="1510920" cy="502920"/>
+            <a:ext cx="1510200" cy="502200"/>
           </a:xfrm>
           <a:prstGeom prst="rect">
             <a:avLst/>
@@ -10253,7 +10256,7 @@
         <p:spPr>
           <a:xfrm>
             <a:off x="3672000" y="3960000"/>
-            <a:ext cx="2735280" cy="575280"/>
+            <a:ext cx="2734560" cy="574560"/>
           </a:xfrm>
           <a:prstGeom prst="rect">
             <a:avLst/>
@@ -10328,7 +10331,7 @@
         <p:spPr>
           <a:xfrm>
             <a:off x="4320360" y="3528360"/>
-            <a:ext cx="1510920" cy="502920"/>
+            <a:ext cx="1510200" cy="502200"/>
           </a:xfrm>
           <a:prstGeom prst="rect">
             <a:avLst/>
@@ -10411,7 +10414,7 @@
         <p:spPr>
           <a:xfrm>
             <a:off x="6264000" y="3456000"/>
-            <a:ext cx="1295280" cy="363960"/>
+            <a:ext cx="1294560" cy="363960"/>
           </a:xfrm>
           <a:prstGeom prst="rect">
             <a:avLst/>
@@ -10462,7 +10465,7 @@
         <p:spPr>
           <a:xfrm>
             <a:off x="6912000" y="1944000"/>
-            <a:ext cx="2447640" cy="1151640"/>
+            <a:ext cx="2446920" cy="1150920"/>
           </a:xfrm>
           <a:prstGeom prst="rect">
             <a:avLst/>
@@ -10577,7 +10580,7 @@
         <p:spPr>
           <a:xfrm>
             <a:off x="2520000" y="3888000"/>
-            <a:ext cx="1295280" cy="363960"/>
+            <a:ext cx="1294560" cy="363960"/>
           </a:xfrm>
           <a:prstGeom prst="rect">
             <a:avLst/>
@@ -10628,7 +10631,7 @@
         <p:spPr>
           <a:xfrm>
             <a:off x="2448000" y="3672000"/>
-            <a:ext cx="431280" cy="363960"/>
+            <a:ext cx="430560" cy="363960"/>
           </a:xfrm>
           <a:prstGeom prst="rect">
             <a:avLst/>
@@ -10679,7 +10682,7 @@
         <p:spPr>
           <a:xfrm>
             <a:off x="3312000" y="3168000"/>
-            <a:ext cx="575280" cy="425160"/>
+            <a:ext cx="574560" cy="424800"/>
           </a:xfrm>
           <a:prstGeom prst="rect">
             <a:avLst/>
@@ -10740,7 +10743,7 @@
         <p:spPr>
           <a:xfrm>
             <a:off x="6336000" y="3168000"/>
-            <a:ext cx="431280" cy="363960"/>
+            <a:ext cx="430560" cy="363960"/>
           </a:xfrm>
           <a:prstGeom prst="rect">
             <a:avLst/>
@@ -10791,7 +10794,7 @@
         <p:spPr>
           <a:xfrm>
             <a:off x="6048000" y="2232000"/>
-            <a:ext cx="575280" cy="425160"/>
+            <a:ext cx="574560" cy="424800"/>
           </a:xfrm>
           <a:prstGeom prst="rect">
             <a:avLst/>
@@ -10852,7 +10855,7 @@
         <p:spPr>
           <a:xfrm>
             <a:off x="7848360" y="1584360"/>
-            <a:ext cx="1510920" cy="502920"/>
+            <a:ext cx="1510200" cy="502200"/>
           </a:xfrm>
           <a:prstGeom prst="rect">
             <a:avLst/>
@@ -10937,7 +10940,7 @@
         <p:spPr>
           <a:xfrm>
             <a:off x="504000" y="596520"/>
-            <a:ext cx="9070920" cy="670320"/>
+            <a:ext cx="9070200" cy="669600"/>
           </a:xfrm>
           <a:prstGeom prst="rect">
             <a:avLst/>
@@ -10992,7 +10995,7 @@
         <p:spPr>
           <a:xfrm>
             <a:off x="432000" y="1846080"/>
-            <a:ext cx="9214920" cy="4488840"/>
+            <a:ext cx="9214200" cy="4488120"/>
           </a:xfrm>
           <a:prstGeom prst="rect">
             <a:avLst/>
@@ -11011,7 +11014,7 @@
         <p:spPr>
           <a:xfrm>
             <a:off x="864000" y="5400000"/>
-            <a:ext cx="646920" cy="790920"/>
+            <a:ext cx="646200" cy="790200"/>
           </a:xfrm>
           <a:prstGeom prst="flowChartPunchedCard">
             <a:avLst/>
@@ -11041,7 +11044,7 @@
         <p:spPr>
           <a:xfrm>
             <a:off x="720000" y="3960000"/>
-            <a:ext cx="863280" cy="431280"/>
+            <a:ext cx="862560" cy="430560"/>
           </a:xfrm>
           <a:prstGeom prst="can">
             <a:avLst>
@@ -11073,7 +11076,7 @@
         <p:spPr>
           <a:xfrm>
             <a:off x="720000" y="2520000"/>
-            <a:ext cx="863280" cy="431280"/>
+            <a:ext cx="862560" cy="430560"/>
           </a:xfrm>
           <a:prstGeom prst="can">
             <a:avLst>
@@ -11105,7 +11108,7 @@
         <p:spPr>
           <a:xfrm>
             <a:off x="3960000" y="5612040"/>
-            <a:ext cx="1295280" cy="363960"/>
+            <a:ext cx="1294560" cy="363960"/>
           </a:xfrm>
           <a:prstGeom prst="rect">
             <a:avLst/>
@@ -11184,7 +11187,7 @@
         <p:spPr>
           <a:xfrm>
             <a:off x="1656000" y="2736000"/>
-            <a:ext cx="2087640" cy="359640"/>
+            <a:ext cx="2086920" cy="358920"/>
           </a:xfrm>
           <a:prstGeom prst="rect">
             <a:avLst/>
@@ -11249,7 +11252,7 @@
         <p:spPr>
           <a:xfrm>
             <a:off x="1800000" y="2448000"/>
-            <a:ext cx="1510920" cy="358920"/>
+            <a:ext cx="1510200" cy="358200"/>
           </a:xfrm>
           <a:prstGeom prst="rect">
             <a:avLst/>
@@ -11314,7 +11317,7 @@
         <p:spPr>
           <a:xfrm>
             <a:off x="3960000" y="2592000"/>
-            <a:ext cx="2735280" cy="647280"/>
+            <a:ext cx="2734560" cy="646560"/>
           </a:xfrm>
           <a:prstGeom prst="rect">
             <a:avLst/>
@@ -11429,7 +11432,7 @@
         <p:spPr>
           <a:xfrm>
             <a:off x="4608720" y="2304720"/>
-            <a:ext cx="1438920" cy="358920"/>
+            <a:ext cx="1438200" cy="358200"/>
           </a:xfrm>
           <a:prstGeom prst="rect">
             <a:avLst/>
@@ -11522,7 +11525,7 @@
         <p:spPr>
           <a:xfrm>
             <a:off x="3672000" y="3960000"/>
-            <a:ext cx="2735280" cy="647640"/>
+            <a:ext cx="2734560" cy="646920"/>
           </a:xfrm>
           <a:prstGeom prst="rect">
             <a:avLst/>
@@ -11637,7 +11640,7 @@
         <p:spPr>
           <a:xfrm>
             <a:off x="4320360" y="3600360"/>
-            <a:ext cx="1510920" cy="431280"/>
+            <a:ext cx="1510200" cy="430560"/>
           </a:xfrm>
           <a:prstGeom prst="rect">
             <a:avLst/>
@@ -11720,7 +11723,7 @@
         <p:spPr>
           <a:xfrm>
             <a:off x="6264000" y="3600000"/>
-            <a:ext cx="1295280" cy="363960"/>
+            <a:ext cx="1294560" cy="363960"/>
           </a:xfrm>
           <a:prstGeom prst="rect">
             <a:avLst/>
@@ -11771,7 +11774,7 @@
         <p:spPr>
           <a:xfrm>
             <a:off x="6912000" y="1944000"/>
-            <a:ext cx="2447640" cy="1367640"/>
+            <a:ext cx="2446920" cy="1366920"/>
           </a:xfrm>
           <a:prstGeom prst="rect">
             <a:avLst/>
@@ -11926,7 +11929,7 @@
         <p:spPr>
           <a:xfrm>
             <a:off x="2520000" y="3888000"/>
-            <a:ext cx="1295280" cy="363960"/>
+            <a:ext cx="1294560" cy="363960"/>
           </a:xfrm>
           <a:prstGeom prst="rect">
             <a:avLst/>
@@ -11977,7 +11980,7 @@
         <p:spPr>
           <a:xfrm>
             <a:off x="2448000" y="3672000"/>
-            <a:ext cx="431280" cy="363960"/>
+            <a:ext cx="430560" cy="363960"/>
           </a:xfrm>
           <a:prstGeom prst="rect">
             <a:avLst/>
@@ -12028,7 +12031,7 @@
         <p:spPr>
           <a:xfrm>
             <a:off x="3312000" y="3168000"/>
-            <a:ext cx="575280" cy="425160"/>
+            <a:ext cx="574560" cy="424800"/>
           </a:xfrm>
           <a:prstGeom prst="rect">
             <a:avLst/>
@@ -12089,7 +12092,7 @@
         <p:spPr>
           <a:xfrm>
             <a:off x="6264360" y="3384000"/>
-            <a:ext cx="431280" cy="363960"/>
+            <a:ext cx="430560" cy="363960"/>
           </a:xfrm>
           <a:prstGeom prst="rect">
             <a:avLst/>
@@ -12140,7 +12143,7 @@
         <p:spPr>
           <a:xfrm>
             <a:off x="6336360" y="2376000"/>
-            <a:ext cx="647280" cy="425160"/>
+            <a:ext cx="646560" cy="424800"/>
           </a:xfrm>
           <a:prstGeom prst="rect">
             <a:avLst/>
@@ -12201,7 +12204,7 @@
         <p:spPr>
           <a:xfrm>
             <a:off x="8064720" y="1584000"/>
-            <a:ext cx="1510920" cy="502920"/>
+            <a:ext cx="1510200" cy="502200"/>
           </a:xfrm>
           <a:prstGeom prst="rect">
             <a:avLst/>
@@ -12256,7 +12259,7 @@
         <p:spPr>
           <a:xfrm>
             <a:off x="1872000" y="1881000"/>
-            <a:ext cx="1367640" cy="286920"/>
+            <a:ext cx="1366920" cy="286200"/>
           </a:xfrm>
           <a:prstGeom prst="rect">
             <a:avLst/>
@@ -12321,7 +12324,7 @@
         <p:spPr>
           <a:xfrm>
             <a:off x="3672000" y="1846080"/>
-            <a:ext cx="1367640" cy="286920"/>
+            <a:ext cx="1366920" cy="286200"/>
           </a:xfrm>
           <a:prstGeom prst="rect">
             <a:avLst/>
@@ -12376,7 +12379,7 @@
         <p:spPr>
           <a:xfrm>
             <a:off x="5184000" y="1846080"/>
-            <a:ext cx="1367640" cy="286920"/>
+            <a:ext cx="1366920" cy="286200"/>
           </a:xfrm>
           <a:prstGeom prst="rect">
             <a:avLst/>
@@ -12487,7 +12490,7 @@
         <p:spPr>
           <a:xfrm>
             <a:off x="2160000" y="5616000"/>
-            <a:ext cx="1511640" cy="364320"/>
+            <a:ext cx="1510920" cy="363960"/>
           </a:xfrm>
           <a:prstGeom prst="rect">
             <a:avLst/>
@@ -12568,7 +12571,7 @@
         <p:spPr>
           <a:xfrm>
             <a:off x="504000" y="596520"/>
-            <a:ext cx="9070920" cy="670320"/>
+            <a:ext cx="9070200" cy="669600"/>
           </a:xfrm>
           <a:prstGeom prst="rect">
             <a:avLst/>
@@ -12623,7 +12626,7 @@
         <p:spPr>
           <a:xfrm>
             <a:off x="432000" y="1846080"/>
-            <a:ext cx="9214920" cy="4488840"/>
+            <a:ext cx="9214200" cy="4488120"/>
           </a:xfrm>
           <a:prstGeom prst="rect">
             <a:avLst/>
@@ -12642,7 +12645,7 @@
         <p:spPr>
           <a:xfrm>
             <a:off x="864000" y="5400000"/>
-            <a:ext cx="646920" cy="790920"/>
+            <a:ext cx="646200" cy="790200"/>
           </a:xfrm>
           <a:prstGeom prst="flowChartPunchedCard">
             <a:avLst/>
@@ -12672,7 +12675,7 @@
         <p:spPr>
           <a:xfrm>
             <a:off x="720000" y="3960000"/>
-            <a:ext cx="863280" cy="431280"/>
+            <a:ext cx="862560" cy="430560"/>
           </a:xfrm>
           <a:prstGeom prst="can">
             <a:avLst>
@@ -12704,7 +12707,7 @@
         <p:spPr>
           <a:xfrm>
             <a:off x="720000" y="2520000"/>
-            <a:ext cx="863280" cy="431280"/>
+            <a:ext cx="862560" cy="430560"/>
           </a:xfrm>
           <a:prstGeom prst="can">
             <a:avLst>
@@ -12736,7 +12739,7 @@
         <p:spPr>
           <a:xfrm>
             <a:off x="3960000" y="5612040"/>
-            <a:ext cx="1295280" cy="363960"/>
+            <a:ext cx="1294560" cy="363960"/>
           </a:xfrm>
           <a:prstGeom prst="rect">
             <a:avLst/>
@@ -12815,7 +12818,7 @@
         <p:spPr>
           <a:xfrm>
             <a:off x="1521720" y="2736000"/>
-            <a:ext cx="2150280" cy="432000"/>
+            <a:ext cx="2149560" cy="431280"/>
           </a:xfrm>
           <a:prstGeom prst="rect">
             <a:avLst/>
@@ -12866,9 +12869,6 @@
               <a:t>の圧縮</a:t>
             </a:r>
             <a:endParaRPr b="0" lang="en-US" sz="1800" spc="-1" strike="noStrike">
-              <a:solidFill>
-                <a:srgbClr val="c9211e"/>
-              </a:solidFill>
               <a:latin typeface="Arial"/>
             </a:endParaRPr>
           </a:p>
@@ -12883,7 +12883,7 @@
         <p:spPr>
           <a:xfrm>
             <a:off x="2664000" y="2016000"/>
-            <a:ext cx="792000" cy="288000"/>
+            <a:ext cx="791280" cy="287280"/>
           </a:xfrm>
           <a:prstGeom prst="rect">
             <a:avLst/>
@@ -12948,7 +12948,7 @@
         <p:spPr>
           <a:xfrm>
             <a:off x="3960000" y="2592000"/>
-            <a:ext cx="2735280" cy="647280"/>
+            <a:ext cx="2734560" cy="646560"/>
           </a:xfrm>
           <a:prstGeom prst="rect">
             <a:avLst/>
@@ -13091,7 +13091,7 @@
         <p:spPr>
           <a:xfrm>
             <a:off x="3672000" y="3960000"/>
-            <a:ext cx="2735280" cy="647640"/>
+            <a:ext cx="2734560" cy="646920"/>
           </a:xfrm>
           <a:prstGeom prst="rect">
             <a:avLst/>
@@ -13206,7 +13206,7 @@
         <p:spPr>
           <a:xfrm>
             <a:off x="4320360" y="3600360"/>
-            <a:ext cx="1510920" cy="431280"/>
+            <a:ext cx="1510200" cy="430560"/>
           </a:xfrm>
           <a:prstGeom prst="rect">
             <a:avLst/>
@@ -13289,7 +13289,7 @@
         <p:spPr>
           <a:xfrm>
             <a:off x="6264000" y="3600000"/>
-            <a:ext cx="1295280" cy="363960"/>
+            <a:ext cx="1294560" cy="363960"/>
           </a:xfrm>
           <a:prstGeom prst="rect">
             <a:avLst/>
@@ -13340,7 +13340,7 @@
         <p:spPr>
           <a:xfrm>
             <a:off x="6912000" y="1944000"/>
-            <a:ext cx="2447640" cy="1367640"/>
+            <a:ext cx="2446920" cy="1366920"/>
           </a:xfrm>
           <a:prstGeom prst="rect">
             <a:avLst/>
@@ -13495,7 +13495,7 @@
         <p:spPr>
           <a:xfrm>
             <a:off x="2547720" y="3888000"/>
-            <a:ext cx="1267560" cy="363960"/>
+            <a:ext cx="1266840" cy="363960"/>
           </a:xfrm>
           <a:prstGeom prst="rect">
             <a:avLst/>
@@ -13546,7 +13546,7 @@
         <p:spPr>
           <a:xfrm>
             <a:off x="2448000" y="3672000"/>
-            <a:ext cx="431280" cy="363960"/>
+            <a:ext cx="430560" cy="363960"/>
           </a:xfrm>
           <a:prstGeom prst="rect">
             <a:avLst/>
@@ -13597,7 +13597,7 @@
         <p:spPr>
           <a:xfrm>
             <a:off x="3312000" y="3168000"/>
-            <a:ext cx="575280" cy="425160"/>
+            <a:ext cx="574560" cy="424800"/>
           </a:xfrm>
           <a:prstGeom prst="rect">
             <a:avLst/>
@@ -13658,7 +13658,7 @@
         <p:spPr>
           <a:xfrm>
             <a:off x="6264360" y="3384000"/>
-            <a:ext cx="431280" cy="363960"/>
+            <a:ext cx="430560" cy="363960"/>
           </a:xfrm>
           <a:prstGeom prst="rect">
             <a:avLst/>
@@ -13709,7 +13709,7 @@
         <p:spPr>
           <a:xfrm>
             <a:off x="6336360" y="2376000"/>
-            <a:ext cx="647280" cy="425160"/>
+            <a:ext cx="646560" cy="424800"/>
           </a:xfrm>
           <a:prstGeom prst="rect">
             <a:avLst/>
@@ -13770,7 +13770,7 @@
         <p:spPr>
           <a:xfrm>
             <a:off x="8064720" y="1584000"/>
-            <a:ext cx="1510920" cy="502920"/>
+            <a:ext cx="1510200" cy="502200"/>
           </a:xfrm>
           <a:prstGeom prst="rect">
             <a:avLst/>
@@ -13835,7 +13835,7 @@
         <p:spPr>
           <a:xfrm>
             <a:off x="1800000" y="2017080"/>
-            <a:ext cx="720000" cy="286920"/>
+            <a:ext cx="719280" cy="286200"/>
           </a:xfrm>
           <a:prstGeom prst="rect">
             <a:avLst/>
@@ -13900,7 +13900,7 @@
         <p:spPr>
           <a:xfrm>
             <a:off x="3672000" y="1657080"/>
-            <a:ext cx="720000" cy="286920"/>
+            <a:ext cx="719280" cy="286200"/>
           </a:xfrm>
           <a:prstGeom prst="rect">
             <a:avLst/>
@@ -13955,7 +13955,7 @@
         <p:spPr>
           <a:xfrm>
             <a:off x="5184000" y="1657080"/>
-            <a:ext cx="1367640" cy="286920"/>
+            <a:ext cx="1366920" cy="286200"/>
           </a:xfrm>
           <a:prstGeom prst="rect">
             <a:avLst/>
@@ -14066,7 +14066,7 @@
         <p:spPr>
           <a:xfrm>
             <a:off x="2160000" y="5467680"/>
-            <a:ext cx="1511640" cy="364320"/>
+            <a:ext cx="1510920" cy="363960"/>
           </a:xfrm>
           <a:prstGeom prst="rect">
             <a:avLst/>
@@ -14103,9 +14103,6 @@
               <a:t>Index2.html</a:t>
             </a:r>
             <a:endParaRPr b="0" lang="en-US" sz="1800" spc="-1" strike="noStrike">
-              <a:solidFill>
-                <a:srgbClr val="000000"/>
-              </a:solidFill>
               <a:latin typeface="Arial"/>
             </a:endParaRPr>
           </a:p>
@@ -14120,7 +14117,7 @@
         <p:spPr>
           <a:xfrm>
             <a:off x="2088000" y="5688000"/>
-            <a:ext cx="1511640" cy="364680"/>
+            <a:ext cx="1510920" cy="363960"/>
           </a:xfrm>
           <a:prstGeom prst="rect">
             <a:avLst/>
@@ -14156,10 +14153,7 @@
               </a:rPr>
               <a:t>ファイルの変更</a:t>
             </a:r>
-            <a:endParaRPr b="1" lang="en-US" sz="1800" spc="-1" strike="noStrike">
-              <a:solidFill>
-                <a:srgbClr val="c9211e"/>
-              </a:solidFill>
+            <a:endParaRPr b="0" lang="en-US" sz="1800" spc="-1" strike="noStrike">
               <a:latin typeface="Arial"/>
             </a:endParaRPr>
           </a:p>
@@ -14174,7 +14168,7 @@
         <p:spPr>
           <a:xfrm>
             <a:off x="1872000" y="2448000"/>
-            <a:ext cx="1440000" cy="360000"/>
+            <a:ext cx="1439280" cy="359280"/>
           </a:xfrm>
           <a:prstGeom prst="rect">
             <a:avLst/>
@@ -14239,7 +14233,7 @@
         <p:spPr>
           <a:xfrm>
             <a:off x="4392000" y="1657080"/>
-            <a:ext cx="720000" cy="286920"/>
+            <a:ext cx="719280" cy="286200"/>
           </a:xfrm>
           <a:prstGeom prst="rect">
             <a:avLst/>
@@ -14304,7 +14298,7 @@
         <p:spPr>
           <a:xfrm>
             <a:off x="5184000" y="2233080"/>
-            <a:ext cx="1367640" cy="286920"/>
+            <a:ext cx="1366920" cy="286200"/>
           </a:xfrm>
           <a:prstGeom prst="rect">
             <a:avLst/>
@@ -14397,7 +14391,7 @@
         <p:spPr>
           <a:xfrm>
             <a:off x="3600000" y="2304000"/>
-            <a:ext cx="1440000" cy="360000"/>
+            <a:ext cx="1439280" cy="359280"/>
           </a:xfrm>
           <a:prstGeom prst="rect">
             <a:avLst/>
@@ -14485,14 +14479,14 @@
       </p:grpSpPr>
       <p:sp>
         <p:nvSpPr>
-          <p:cNvPr id="325" name="TextShape 1"/>
-          <p:cNvSpPr txBox="1"/>
+          <p:cNvPr id="325" name="CustomShape 1"/>
+          <p:cNvSpPr/>
           <p:nvPr/>
         </p:nvSpPr>
         <p:spPr>
           <a:xfrm>
-            <a:off x="504000" y="261720"/>
-            <a:ext cx="9070920" cy="1341000"/>
+            <a:off x="504000" y="596520"/>
+            <a:ext cx="9070200" cy="670680"/>
           </a:xfrm>
           <a:prstGeom prst="rect">
             <a:avLst/>
@@ -14502,21 +14496,39 @@
             <a:noFill/>
           </a:ln>
         </p:spPr>
+        <p:style>
+          <a:lnRef idx="0"/>
+          <a:fillRef idx="0"/>
+          <a:effectRef idx="0"/>
+          <a:fontRef idx="minor"/>
+        </p:style>
         <p:txBody>
           <a:bodyPr lIns="0" rIns="0" tIns="0" bIns="0" anchor="ctr">
             <a:spAutoFit/>
           </a:bodyPr>
           <a:p>
-            <a:pPr algn="ctr"/>
+            <a:pPr algn="ctr">
+              <a:lnSpc>
+                <a:spcPct val="100000"/>
+              </a:lnSpc>
+            </a:pPr>
             <a:r>
               <a:rPr b="0" lang="en-US" sz="4400" spc="-1" strike="noStrike">
-                <a:latin typeface="Arial"/>
+                <a:solidFill>
+                  <a:srgbClr val="000000"/>
+                </a:solidFill>
+                <a:latin typeface="Arial"/>
+                <a:ea typeface="DejaVu Sans"/>
               </a:rPr>
               <a:t>Git</a:t>
             </a:r>
             <a:r>
               <a:rPr b="0" lang="en-US" sz="4400" spc="-1" strike="noStrike">
-                <a:latin typeface="Arial"/>
+                <a:solidFill>
+                  <a:srgbClr val="000000"/>
+                </a:solidFill>
+                <a:latin typeface="Arial"/>
+                <a:ea typeface="DejaVu Sans"/>
               </a:rPr>
               <a:t>のデータ構造のまとめ</a:t>
             </a:r>
@@ -14528,14 +14540,14 @@
       </p:sp>
       <p:sp>
         <p:nvSpPr>
-          <p:cNvPr id="326" name="TextShape 2"/>
-          <p:cNvSpPr txBox="1"/>
+          <p:cNvPr id="326" name="CustomShape 2"/>
+          <p:cNvSpPr/>
           <p:nvPr/>
         </p:nvSpPr>
         <p:spPr>
           <a:xfrm>
             <a:off x="504000" y="1768680"/>
-            <a:ext cx="9000000" cy="4383000"/>
+            <a:ext cx="8999280" cy="4382280"/>
           </a:xfrm>
           <a:prstGeom prst="rect">
             <a:avLst/>
@@ -14545,12 +14557,21 @@
             <a:noFill/>
           </a:ln>
         </p:spPr>
+        <p:style>
+          <a:lnRef idx="0"/>
+          <a:fillRef idx="0"/>
+          <a:effectRef idx="0"/>
+          <a:fontRef idx="minor"/>
+        </p:style>
         <p:txBody>
           <a:bodyPr lIns="0" rIns="0" tIns="0" bIns="0">
             <a:normAutofit/>
           </a:bodyPr>
           <a:p>
-            <a:pPr marL="432000" indent="-324000">
+            <a:pPr marL="432000" indent="-323280">
+              <a:lnSpc>
+                <a:spcPct val="100000"/>
+              </a:lnSpc>
               <a:spcBef>
                 <a:spcPts val="1417"/>
               </a:spcBef>
@@ -14563,7 +14584,11 @@
             </a:pPr>
             <a:r>
               <a:rPr b="0" lang="en-US" sz="3200" spc="-1" strike="noStrike">
-                <a:latin typeface="Arial"/>
+                <a:solidFill>
+                  <a:srgbClr val="000000"/>
+                </a:solidFill>
+                <a:latin typeface="Arial"/>
+                <a:ea typeface="DejaVu Sans"/>
               </a:rPr>
               <a:t>リポジトリに「圧縮ファイル」、「ツリー」、「コミット」ファイルを作成することで、データを保持している</a:t>
             </a:r>
@@ -14572,7 +14597,10 @@
             </a:endParaRPr>
           </a:p>
           <a:p>
-            <a:pPr marL="432000" indent="-324000">
+            <a:pPr marL="432000" indent="-323280">
+              <a:lnSpc>
+                <a:spcPct val="100000"/>
+              </a:lnSpc>
               <a:spcBef>
                 <a:spcPts val="1417"/>
               </a:spcBef>
@@ -14585,7 +14613,11 @@
             </a:pPr>
             <a:r>
               <a:rPr b="0" lang="en-US" sz="3200" spc="-1" strike="noStrike">
-                <a:latin typeface="Arial"/>
+                <a:solidFill>
+                  <a:srgbClr val="000000"/>
+                </a:solidFill>
+                <a:latin typeface="Arial"/>
+                <a:ea typeface="DejaVu Sans"/>
               </a:rPr>
               <a:t>コミットが親コミットを持つことで変更履歴をたどることができる</a:t>
             </a:r>
@@ -14594,7 +14626,10 @@
             </a:endParaRPr>
           </a:p>
           <a:p>
-            <a:pPr marL="432000" indent="-324000">
+            <a:pPr marL="432000" indent="-323280">
+              <a:lnSpc>
+                <a:spcPct val="100000"/>
+              </a:lnSpc>
               <a:spcBef>
                 <a:spcPts val="1417"/>
               </a:spcBef>
@@ -14607,13 +14642,21 @@
             </a:pPr>
             <a:r>
               <a:rPr b="0" lang="en-US" sz="3200" spc="-1" strike="noStrike">
-                <a:latin typeface="Arial"/>
+                <a:solidFill>
+                  <a:srgbClr val="000000"/>
+                </a:solidFill>
+                <a:latin typeface="Arial"/>
+                <a:ea typeface="DejaVu Sans"/>
               </a:rPr>
               <a:t>Git</a:t>
             </a:r>
             <a:r>
               <a:rPr b="0" lang="en-US" sz="3200" spc="-1" strike="noStrike">
-                <a:latin typeface="Arial"/>
+                <a:solidFill>
+                  <a:srgbClr val="000000"/>
+                </a:solidFill>
+                <a:latin typeface="Arial"/>
+                <a:ea typeface="DejaVu Sans"/>
               </a:rPr>
               <a:t>の本質はデータを圧縮して、スナップショットで保存している</a:t>
             </a:r>
@@ -14622,7 +14665,10 @@
             </a:endParaRPr>
           </a:p>
           <a:p>
-            <a:pPr marL="432000" indent="-324000">
+            <a:pPr marL="432000" indent="-323280">
+              <a:lnSpc>
+                <a:spcPct val="100000"/>
+              </a:lnSpc>
               <a:spcBef>
                 <a:spcPts val="1417"/>
               </a:spcBef>
@@ -14635,17 +14681,670 @@
             </a:pPr>
             <a:r>
               <a:rPr b="0" lang="en-US" sz="3200" spc="-1" strike="noStrike">
-                <a:latin typeface="Arial"/>
+                <a:solidFill>
+                  <a:srgbClr val="000000"/>
+                </a:solidFill>
+                <a:latin typeface="Arial"/>
+                <a:ea typeface="DejaVu Sans"/>
               </a:rPr>
               <a:t>Git</a:t>
             </a:r>
             <a:r>
               <a:rPr b="0" lang="en-US" sz="3200" spc="-1" strike="noStrike">
-                <a:latin typeface="Arial"/>
+                <a:solidFill>
+                  <a:srgbClr val="000000"/>
+                </a:solidFill>
+                <a:latin typeface="Arial"/>
+                <a:ea typeface="DejaVu Sans"/>
               </a:rPr>
               <a:t>のコマンドは、そのデータに対して色々な操作を行っている</a:t>
             </a:r>
             <a:endParaRPr b="0" lang="en-US" sz="3200" spc="-1" strike="noStrike">
+              <a:latin typeface="Arial"/>
+            </a:endParaRPr>
+          </a:p>
+        </p:txBody>
+      </p:sp>
+    </p:spTree>
+  </p:cSld>
+  <mc:AlternateContent>
+    <mc:Choice Requires="p14">
+      <p:transition spd="slow" p14:dur="2000"/>
+    </mc:Choice>
+    <mc:Fallback>
+      <p:transition spd="slow"/>
+    </mc:Fallback>
+  </mc:AlternateContent>
+</p:sld>
+</file>
+
+<file path=ppt/slides/slide16.xml><?xml version="1.0" encoding="utf-8"?>
+<p:sld xmlns:a="http://schemas.openxmlformats.org/drawingml/2006/main" xmlns:p="http://schemas.openxmlformats.org/presentationml/2006/main" xmlns:r="http://schemas.openxmlformats.org/officeDocument/2006/relationships" xmlns:p14="http://schemas.microsoft.com/office/powerpoint/2010/main" xmlns:p15="http://schemas.microsoft.com/office/powerpoint/2012/main" xmlns:mc="http://schemas.openxmlformats.org/markup-compatibility/2006">
+  <p:cSld>
+    <p:spTree>
+      <p:nvGrpSpPr>
+        <p:cNvPr id="1" name=""/>
+        <p:cNvGrpSpPr/>
+        <p:nvPr/>
+      </p:nvGrpSpPr>
+      <p:grpSpPr>
+        <a:xfrm>
+          <a:off x="0" y="0"/>
+          <a:ext cx="0" cy="0"/>
+          <a:chOff x="0" y="0"/>
+          <a:chExt cx="0" cy="0"/>
+        </a:xfrm>
+      </p:grpSpPr>
+      <p:sp>
+        <p:nvSpPr>
+          <p:cNvPr id="327" name="CustomShape 1"/>
+          <p:cNvSpPr/>
+          <p:nvPr/>
+        </p:nvSpPr>
+        <p:spPr>
+          <a:xfrm>
+            <a:off x="504000" y="596520"/>
+            <a:ext cx="9070200" cy="670680"/>
+          </a:xfrm>
+          <a:prstGeom prst="rect">
+            <a:avLst/>
+          </a:prstGeom>
+          <a:noFill/>
+          <a:ln>
+            <a:noFill/>
+          </a:ln>
+        </p:spPr>
+        <p:style>
+          <a:lnRef idx="0"/>
+          <a:fillRef idx="0"/>
+          <a:effectRef idx="0"/>
+          <a:fontRef idx="minor"/>
+        </p:style>
+        <p:txBody>
+          <a:bodyPr lIns="0" rIns="0" tIns="0" bIns="0" anchor="ctr">
+            <a:spAutoFit/>
+          </a:bodyPr>
+          <a:p>
+            <a:pPr algn="ctr">
+              <a:lnSpc>
+                <a:spcPct val="100000"/>
+              </a:lnSpc>
+            </a:pPr>
+            <a:r>
+              <a:rPr b="0" lang="en-US" sz="4400" spc="-1" strike="noStrike">
+                <a:solidFill>
+                  <a:srgbClr val="000000"/>
+                </a:solidFill>
+                <a:latin typeface="Arial"/>
+                <a:ea typeface="DejaVu Sans"/>
+              </a:rPr>
+              <a:t>Git push</a:t>
+            </a:r>
+            <a:r>
+              <a:rPr b="0" lang="en-US" sz="4400" spc="-1" strike="noStrike">
+                <a:solidFill>
+                  <a:srgbClr val="000000"/>
+                </a:solidFill>
+                <a:latin typeface="Arial"/>
+                <a:ea typeface="DejaVu Sans"/>
+              </a:rPr>
+              <a:t>について</a:t>
+            </a:r>
+            <a:endParaRPr b="0" lang="en-US" sz="4400" spc="-1" strike="noStrike">
+              <a:latin typeface="Arial"/>
+            </a:endParaRPr>
+          </a:p>
+        </p:txBody>
+      </p:sp>
+      <p:sp>
+        <p:nvSpPr>
+          <p:cNvPr id="328" name="CustomShape 2"/>
+          <p:cNvSpPr/>
+          <p:nvPr/>
+        </p:nvSpPr>
+        <p:spPr>
+          <a:xfrm>
+            <a:off x="504000" y="1768680"/>
+            <a:ext cx="8999280" cy="4382280"/>
+          </a:xfrm>
+          <a:prstGeom prst="rect">
+            <a:avLst/>
+          </a:prstGeom>
+          <a:noFill/>
+          <a:ln>
+            <a:noFill/>
+          </a:ln>
+        </p:spPr>
+        <p:style>
+          <a:lnRef idx="0"/>
+          <a:fillRef idx="0"/>
+          <a:effectRef idx="0"/>
+          <a:fontRef idx="minor"/>
+        </p:style>
+      </p:sp>
+      <p:sp>
+        <p:nvSpPr>
+          <p:cNvPr id="329" name="CustomShape 3"/>
+          <p:cNvSpPr/>
+          <p:nvPr/>
+        </p:nvSpPr>
+        <p:spPr>
+          <a:xfrm>
+            <a:off x="2448000" y="1601640"/>
+            <a:ext cx="5472000" cy="486360"/>
+          </a:xfrm>
+          <a:prstGeom prst="rect">
+            <a:avLst/>
+          </a:prstGeom>
+          <a:noFill/>
+          <a:ln>
+            <a:noFill/>
+          </a:ln>
+        </p:spPr>
+        <p:style>
+          <a:lnRef idx="0"/>
+          <a:fillRef idx="0"/>
+          <a:effectRef idx="0"/>
+          <a:fontRef idx="minor"/>
+        </p:style>
+        <p:txBody>
+          <a:bodyPr lIns="90000" rIns="90000" tIns="45000" bIns="45000">
+            <a:spAutoFit/>
+          </a:bodyPr>
+          <a:p>
+            <a:pPr>
+              <a:lnSpc>
+                <a:spcPct val="100000"/>
+              </a:lnSpc>
+            </a:pPr>
+            <a:r>
+              <a:rPr b="0" lang="en-US" sz="2600" spc="-1" strike="noStrike">
+                <a:latin typeface="Arial"/>
+              </a:rPr>
+              <a:t>リモートリポジトリへ変更を登録する</a:t>
+            </a:r>
+            <a:endParaRPr b="0" lang="en-US" sz="2600" spc="-1" strike="noStrike">
+              <a:latin typeface="Arial"/>
+            </a:endParaRPr>
+          </a:p>
+        </p:txBody>
+      </p:sp>
+      <p:pic>
+        <p:nvPicPr>
+          <p:cNvPr id="330" name="" descr=""/>
+          <p:cNvPicPr/>
+          <p:nvPr/>
+        </p:nvPicPr>
+        <p:blipFill>
+          <a:blip r:embed="rId1"/>
+          <a:stretch/>
+        </p:blipFill>
+        <p:spPr>
+          <a:xfrm>
+            <a:off x="1861200" y="2418840"/>
+            <a:ext cx="6634440" cy="4204800"/>
+          </a:xfrm>
+          <a:prstGeom prst="rect">
+            <a:avLst/>
+          </a:prstGeom>
+          <a:ln>
+            <a:noFill/>
+          </a:ln>
+        </p:spPr>
+      </p:pic>
+    </p:spTree>
+  </p:cSld>
+  <mc:AlternateContent>
+    <mc:Choice Requires="p14">
+      <p:transition spd="slow" p14:dur="2000"/>
+    </mc:Choice>
+    <mc:Fallback>
+      <p:transition spd="slow"/>
+    </mc:Fallback>
+  </mc:AlternateContent>
+</p:sld>
+</file>
+
+<file path=ppt/slides/slide17.xml><?xml version="1.0" encoding="utf-8"?>
+<p:sld xmlns:a="http://schemas.openxmlformats.org/drawingml/2006/main" xmlns:p="http://schemas.openxmlformats.org/presentationml/2006/main" xmlns:r="http://schemas.openxmlformats.org/officeDocument/2006/relationships" xmlns:p14="http://schemas.microsoft.com/office/powerpoint/2010/main" xmlns:p15="http://schemas.microsoft.com/office/powerpoint/2012/main" xmlns:mc="http://schemas.openxmlformats.org/markup-compatibility/2006">
+  <p:cSld>
+    <p:spTree>
+      <p:nvGrpSpPr>
+        <p:cNvPr id="1" name=""/>
+        <p:cNvGrpSpPr/>
+        <p:nvPr/>
+      </p:nvGrpSpPr>
+      <p:grpSpPr>
+        <a:xfrm>
+          <a:off x="0" y="0"/>
+          <a:ext cx="0" cy="0"/>
+          <a:chOff x="0" y="0"/>
+          <a:chExt cx="0" cy="0"/>
+        </a:xfrm>
+      </p:grpSpPr>
+      <p:sp>
+        <p:nvSpPr>
+          <p:cNvPr id="331" name="CustomShape 1"/>
+          <p:cNvSpPr/>
+          <p:nvPr/>
+        </p:nvSpPr>
+        <p:spPr>
+          <a:xfrm>
+            <a:off x="504000" y="596520"/>
+            <a:ext cx="9070200" cy="670680"/>
+          </a:xfrm>
+          <a:prstGeom prst="rect">
+            <a:avLst/>
+          </a:prstGeom>
+          <a:noFill/>
+          <a:ln>
+            <a:noFill/>
+          </a:ln>
+        </p:spPr>
+        <p:style>
+          <a:lnRef idx="0"/>
+          <a:fillRef idx="0"/>
+          <a:effectRef idx="0"/>
+          <a:fontRef idx="minor"/>
+        </p:style>
+        <p:txBody>
+          <a:bodyPr lIns="0" rIns="0" tIns="0" bIns="0" anchor="ctr">
+            <a:spAutoFit/>
+          </a:bodyPr>
+          <a:p>
+            <a:pPr algn="ctr">
+              <a:lnSpc>
+                <a:spcPct val="100000"/>
+              </a:lnSpc>
+            </a:pPr>
+            <a:r>
+              <a:rPr b="0" lang="en-US" sz="4400" spc="-1" strike="noStrike">
+                <a:solidFill>
+                  <a:srgbClr val="000000"/>
+                </a:solidFill>
+                <a:latin typeface="Arial"/>
+                <a:ea typeface="DejaVu Sans"/>
+              </a:rPr>
+              <a:t>ブランチとマージについて</a:t>
+            </a:r>
+            <a:endParaRPr b="0" lang="en-US" sz="4400" spc="-1" strike="noStrike">
+              <a:latin typeface="Arial"/>
+            </a:endParaRPr>
+          </a:p>
+        </p:txBody>
+      </p:sp>
+      <p:sp>
+        <p:nvSpPr>
+          <p:cNvPr id="332" name="CustomShape 2"/>
+          <p:cNvSpPr/>
+          <p:nvPr/>
+        </p:nvSpPr>
+        <p:spPr>
+          <a:xfrm>
+            <a:off x="504000" y="1768680"/>
+            <a:ext cx="8999280" cy="4382280"/>
+          </a:xfrm>
+          <a:prstGeom prst="rect">
+            <a:avLst/>
+          </a:prstGeom>
+          <a:noFill/>
+          <a:ln>
+            <a:noFill/>
+          </a:ln>
+        </p:spPr>
+        <p:style>
+          <a:lnRef idx="0"/>
+          <a:fillRef idx="0"/>
+          <a:effectRef idx="0"/>
+          <a:fontRef idx="minor"/>
+        </p:style>
+      </p:sp>
+      <p:sp>
+        <p:nvSpPr>
+          <p:cNvPr id="333" name="TextShape 3"/>
+          <p:cNvSpPr txBox="1"/>
+          <p:nvPr/>
+        </p:nvSpPr>
+        <p:spPr>
+          <a:xfrm>
+            <a:off x="2520000" y="3384000"/>
+            <a:ext cx="4896000" cy="1082880"/>
+          </a:xfrm>
+          <a:prstGeom prst="rect">
+            <a:avLst/>
+          </a:prstGeom>
+          <a:noFill/>
+          <a:ln>
+            <a:noFill/>
+          </a:ln>
+        </p:spPr>
+        <p:txBody>
+          <a:bodyPr lIns="90000" rIns="90000" tIns="45000" bIns="45000">
+            <a:spAutoFit/>
+          </a:bodyPr>
+          <a:p>
+            <a:pPr algn="ctr"/>
+            <a:r>
+              <a:rPr b="0" lang="en-US" sz="2600" spc="-1" strike="noStrike">
+                <a:latin typeface="Arial"/>
+              </a:rPr>
+              <a:t>並行して複数機能を</a:t>
+            </a:r>
+            <a:endParaRPr b="0" lang="en-US" sz="2600" spc="-1" strike="noStrike">
+              <a:latin typeface="Arial"/>
+            </a:endParaRPr>
+          </a:p>
+          <a:p>
+            <a:pPr algn="ctr"/>
+            <a:r>
+              <a:rPr b="0" lang="en-US" sz="2600" spc="-1" strike="noStrike">
+                <a:latin typeface="Arial"/>
+              </a:rPr>
+              <a:t>開発するためにあるのがブランチ</a:t>
+            </a:r>
+            <a:endParaRPr b="0" lang="en-US" sz="2600" spc="-1" strike="noStrike">
+              <a:latin typeface="Arial"/>
+            </a:endParaRPr>
+          </a:p>
+        </p:txBody>
+      </p:sp>
+    </p:spTree>
+  </p:cSld>
+  <mc:AlternateContent>
+    <mc:Choice Requires="p14">
+      <p:transition spd="slow" p14:dur="2000"/>
+    </mc:Choice>
+    <mc:Fallback>
+      <p:transition spd="slow"/>
+    </mc:Fallback>
+  </mc:AlternateContent>
+</p:sld>
+</file>
+
+<file path=ppt/slides/slide18.xml><?xml version="1.0" encoding="utf-8"?>
+<p:sld xmlns:a="http://schemas.openxmlformats.org/drawingml/2006/main" xmlns:p="http://schemas.openxmlformats.org/presentationml/2006/main" xmlns:r="http://schemas.openxmlformats.org/officeDocument/2006/relationships" xmlns:p14="http://schemas.microsoft.com/office/powerpoint/2010/main" xmlns:p15="http://schemas.microsoft.com/office/powerpoint/2012/main" xmlns:mc="http://schemas.openxmlformats.org/markup-compatibility/2006">
+  <p:cSld>
+    <p:spTree>
+      <p:nvGrpSpPr>
+        <p:cNvPr id="1" name=""/>
+        <p:cNvGrpSpPr/>
+        <p:nvPr/>
+      </p:nvGrpSpPr>
+      <p:grpSpPr>
+        <a:xfrm>
+          <a:off x="0" y="0"/>
+          <a:ext cx="0" cy="0"/>
+          <a:chOff x="0" y="0"/>
+          <a:chExt cx="0" cy="0"/>
+        </a:xfrm>
+      </p:grpSpPr>
+      <p:sp>
+        <p:nvSpPr>
+          <p:cNvPr id="334" name="TextShape 1"/>
+          <p:cNvSpPr txBox="1"/>
+          <p:nvPr/>
+        </p:nvSpPr>
+        <p:spPr>
+          <a:xfrm>
+            <a:off x="0" y="261720"/>
+            <a:ext cx="9718200" cy="1341000"/>
+          </a:xfrm>
+          <a:prstGeom prst="rect">
+            <a:avLst/>
+          </a:prstGeom>
+          <a:noFill/>
+          <a:ln>
+            <a:noFill/>
+          </a:ln>
+        </p:spPr>
+        <p:txBody>
+          <a:bodyPr lIns="0" rIns="0" tIns="0" bIns="0" anchor="ctr">
+            <a:spAutoFit/>
+          </a:bodyPr>
+          <a:p>
+            <a:pPr algn="ctr"/>
+            <a:r>
+              <a:rPr b="0" lang="en-US" sz="4000" spc="-1" strike="noStrike">
+                <a:latin typeface="Arial"/>
+              </a:rPr>
+              <a:t>ブランチは分岐して開発していく為のもの</a:t>
+            </a:r>
+            <a:endParaRPr b="0" lang="en-US" sz="4000" spc="-1" strike="noStrike">
+              <a:latin typeface="Arial"/>
+            </a:endParaRPr>
+          </a:p>
+        </p:txBody>
+      </p:sp>
+      <p:sp>
+        <p:nvSpPr>
+          <p:cNvPr id="335" name="Line 2"/>
+          <p:cNvSpPr/>
+          <p:nvPr/>
+        </p:nvSpPr>
+        <p:spPr>
+          <a:xfrm>
+            <a:off x="1800000" y="4104000"/>
+            <a:ext cx="6048000" cy="0"/>
+          </a:xfrm>
+          <a:prstGeom prst="line">
+            <a:avLst/>
+          </a:prstGeom>
+          <a:ln w="38160">
+            <a:solidFill>
+              <a:srgbClr val="3465a4"/>
+            </a:solidFill>
+            <a:round/>
+            <a:tailEnd len="med" type="triangle" w="med"/>
+          </a:ln>
+        </p:spPr>
+        <p:style>
+          <a:lnRef idx="0"/>
+          <a:fillRef idx="0"/>
+          <a:effectRef idx="0"/>
+          <a:fontRef idx="minor"/>
+        </p:style>
+      </p:sp>
+      <p:sp>
+        <p:nvSpPr>
+          <p:cNvPr id="336" name="CustomShape 3"/>
+          <p:cNvSpPr/>
+          <p:nvPr/>
+        </p:nvSpPr>
+        <p:spPr>
+          <a:xfrm>
+            <a:off x="3960000" y="3960000"/>
+            <a:ext cx="288000" cy="288000"/>
+          </a:xfrm>
+          <a:prstGeom prst="flowChartConnector">
+            <a:avLst/>
+          </a:prstGeom>
+          <a:solidFill>
+            <a:srgbClr val="77bc65"/>
+          </a:solidFill>
+          <a:ln>
+            <a:solidFill>
+              <a:srgbClr val="3faf46"/>
+            </a:solidFill>
+          </a:ln>
+        </p:spPr>
+        <p:style>
+          <a:lnRef idx="0"/>
+          <a:fillRef idx="0"/>
+          <a:effectRef idx="0"/>
+          <a:fontRef idx="minor"/>
+        </p:style>
+      </p:sp>
+      <p:sp>
+        <p:nvSpPr>
+          <p:cNvPr id="337" name="CustomShape 4"/>
+          <p:cNvSpPr/>
+          <p:nvPr/>
+        </p:nvSpPr>
+        <p:spPr>
+          <a:xfrm>
+            <a:off x="1584000" y="3960000"/>
+            <a:ext cx="288000" cy="288000"/>
+          </a:xfrm>
+          <a:prstGeom prst="flowChartConnector">
+            <a:avLst/>
+          </a:prstGeom>
+          <a:solidFill>
+            <a:srgbClr val="729fcf"/>
+          </a:solidFill>
+          <a:ln>
+            <a:solidFill>
+              <a:srgbClr val="3faf46"/>
+            </a:solidFill>
+          </a:ln>
+        </p:spPr>
+        <p:style>
+          <a:lnRef idx="0"/>
+          <a:fillRef idx="0"/>
+          <a:effectRef idx="0"/>
+          <a:fontRef idx="minor"/>
+        </p:style>
+      </p:sp>
+      <p:sp>
+        <p:nvSpPr>
+          <p:cNvPr id="338" name="CustomShape 5"/>
+          <p:cNvSpPr/>
+          <p:nvPr/>
+        </p:nvSpPr>
+        <p:spPr>
+          <a:xfrm>
+            <a:off x="6264000" y="3960000"/>
+            <a:ext cx="288000" cy="288000"/>
+          </a:xfrm>
+          <a:prstGeom prst="flowChartConnector">
+            <a:avLst/>
+          </a:prstGeom>
+          <a:solidFill>
+            <a:srgbClr val="e16173"/>
+          </a:solidFill>
+          <a:ln>
+            <a:solidFill>
+              <a:srgbClr val="3faf46"/>
+            </a:solidFill>
+          </a:ln>
+        </p:spPr>
+        <p:style>
+          <a:lnRef idx="0"/>
+          <a:fillRef idx="0"/>
+          <a:effectRef idx="0"/>
+          <a:fontRef idx="minor"/>
+        </p:style>
+      </p:sp>
+      <p:cxnSp>
+        <p:nvCxnSpPr>
+          <p:cNvPr id="339" name="Line 6"/>
+          <p:cNvCxnSpPr/>
+          <p:nvPr/>
+        </p:nvCxnSpPr>
+        <p:spPr>
+          <a:xfrm>
+            <a:off x="0" y="0"/>
+            <a:ext cx="360" cy="360"/>
+          </a:xfrm>
+          <a:prstGeom prst="line">
+            <a:avLst/>
+          </a:prstGeom>
+          <a:ln w="19080">
+            <a:solidFill>
+              <a:srgbClr val="77bc65"/>
+            </a:solidFill>
+            <a:round/>
+          </a:ln>
+        </p:spPr>
+      </p:cxnSp>
+      <p:cxnSp>
+        <p:nvCxnSpPr>
+          <p:cNvPr id="340" name="Line 7"/>
+          <p:cNvCxnSpPr/>
+          <p:nvPr/>
+        </p:nvCxnSpPr>
+        <p:spPr>
+          <a:xfrm>
+            <a:off x="0" y="0"/>
+            <a:ext cx="360" cy="360"/>
+          </a:xfrm>
+          <a:prstGeom prst="line">
+            <a:avLst/>
+          </a:prstGeom>
+          <a:ln w="19080">
+            <a:solidFill>
+              <a:srgbClr val="ec9ba4"/>
+            </a:solidFill>
+            <a:round/>
+          </a:ln>
+        </p:spPr>
+      </p:cxnSp>
+      <p:sp>
+        <p:nvSpPr>
+          <p:cNvPr id="341" name="TextShape 8"/>
+          <p:cNvSpPr txBox="1"/>
+          <p:nvPr/>
+        </p:nvSpPr>
+        <p:spPr>
+          <a:xfrm>
+            <a:off x="2088000" y="5153040"/>
+            <a:ext cx="1728000" cy="318960"/>
+          </a:xfrm>
+          <a:prstGeom prst="rect">
+            <a:avLst/>
+          </a:prstGeom>
+          <a:noFill/>
+          <a:ln>
+            <a:noFill/>
+          </a:ln>
+        </p:spPr>
+        <p:txBody>
+          <a:bodyPr lIns="90000" rIns="90000" tIns="45000" bIns="45000">
+            <a:spAutoFit/>
+          </a:bodyPr>
+          <a:p>
+            <a:r>
+              <a:rPr b="0" lang="en-US" sz="1800" spc="-1" strike="noStrike">
+                <a:latin typeface="Arial"/>
+              </a:rPr>
+              <a:t>ヘッダーの修正</a:t>
+            </a:r>
+            <a:endParaRPr b="0" lang="en-US" sz="1800" spc="-1" strike="noStrike">
+              <a:latin typeface="Arial"/>
+            </a:endParaRPr>
+          </a:p>
+        </p:txBody>
+      </p:sp>
+      <p:sp>
+        <p:nvSpPr>
+          <p:cNvPr id="342" name="TextShape 9"/>
+          <p:cNvSpPr txBox="1"/>
+          <p:nvPr/>
+        </p:nvSpPr>
+        <p:spPr>
+          <a:xfrm>
+            <a:off x="3384000" y="2376000"/>
+            <a:ext cx="1728000" cy="318960"/>
+          </a:xfrm>
+          <a:prstGeom prst="rect">
+            <a:avLst/>
+          </a:prstGeom>
+          <a:noFill/>
+          <a:ln>
+            <a:noFill/>
+          </a:ln>
+        </p:spPr>
+        <p:txBody>
+          <a:bodyPr lIns="90000" rIns="90000" tIns="45000" bIns="45000">
+            <a:spAutoFit/>
+          </a:bodyPr>
+          <a:p>
+            <a:r>
+              <a:rPr b="0" lang="en-US" sz="1800" spc="-1" strike="noStrike">
+                <a:latin typeface="Arial"/>
+              </a:rPr>
+              <a:t>ボタンの追加</a:t>
+            </a:r>
+            <a:endParaRPr b="0" lang="en-US" sz="1800" spc="-1" strike="noStrike">
               <a:latin typeface="Arial"/>
             </a:endParaRPr>
           </a:p>
@@ -14690,7 +15389,7 @@
         <p:spPr>
           <a:xfrm>
             <a:off x="504000" y="596520"/>
-            <a:ext cx="9070560" cy="669960"/>
+            <a:ext cx="9069840" cy="669600"/>
           </a:xfrm>
           <a:prstGeom prst="rect">
             <a:avLst/>
@@ -14741,7 +15440,7 @@
         <p:spPr>
           <a:xfrm>
             <a:off x="504000" y="1944000"/>
-            <a:ext cx="9070560" cy="4207320"/>
+            <a:ext cx="9069840" cy="4206600"/>
           </a:xfrm>
           <a:prstGeom prst="rect">
             <a:avLst/>
@@ -14762,7 +15461,7 @@
             <a:normAutofit/>
           </a:bodyPr>
           <a:p>
-            <a:pPr marL="432000" indent="-322560">
+            <a:pPr marL="432000" indent="-321840">
               <a:lnSpc>
                 <a:spcPct val="100000"/>
               </a:lnSpc>
@@ -14801,7 +15500,7 @@
             </a:endParaRPr>
           </a:p>
           <a:p>
-            <a:pPr marL="432000" indent="-322560">
+            <a:pPr marL="432000" indent="-321840">
               <a:lnSpc>
                 <a:spcPct val="100000"/>
               </a:lnSpc>
@@ -14840,7 +15539,7 @@
             </a:endParaRPr>
           </a:p>
           <a:p>
-            <a:pPr marL="432000" indent="-322560">
+            <a:pPr marL="432000" indent="-321840">
               <a:lnSpc>
                 <a:spcPct val="100000"/>
               </a:lnSpc>
@@ -14919,7 +15618,7 @@
         <p:spPr>
           <a:xfrm>
             <a:off x="360000" y="360000"/>
-            <a:ext cx="9357840" cy="897840"/>
+            <a:ext cx="9357120" cy="897120"/>
           </a:xfrm>
           <a:prstGeom prst="rect">
             <a:avLst/>
@@ -14980,7 +15679,7 @@
         <p:spPr>
           <a:xfrm>
             <a:off x="360000" y="1980000"/>
-            <a:ext cx="9069840" cy="1041840"/>
+            <a:ext cx="9069120" cy="1041120"/>
           </a:xfrm>
           <a:prstGeom prst="rect">
             <a:avLst/>
@@ -15044,7 +15743,7 @@
         <p:spPr>
           <a:xfrm>
             <a:off x="2088000" y="4032000"/>
-            <a:ext cx="5664960" cy="363960"/>
+            <a:ext cx="5664240" cy="363960"/>
           </a:xfrm>
           <a:prstGeom prst="rect">
             <a:avLst/>
@@ -15125,7 +15824,7 @@
         <p:spPr>
           <a:xfrm>
             <a:off x="360000" y="360000"/>
-            <a:ext cx="9357840" cy="897840"/>
+            <a:ext cx="9357120" cy="897120"/>
           </a:xfrm>
           <a:prstGeom prst="rect">
             <a:avLst/>
@@ -15190,7 +15889,7 @@
         <p:spPr>
           <a:xfrm>
             <a:off x="864000" y="2880000"/>
-            <a:ext cx="4043880" cy="3669840"/>
+            <a:ext cx="4043160" cy="3669120"/>
           </a:xfrm>
           <a:prstGeom prst="rect">
             <a:avLst/>
@@ -15213,7 +15912,7 @@
         <p:spPr>
           <a:xfrm>
             <a:off x="4925160" y="2880000"/>
-            <a:ext cx="4073400" cy="3702240"/>
+            <a:ext cx="4072680" cy="3701520"/>
           </a:xfrm>
           <a:prstGeom prst="rect">
             <a:avLst/>
@@ -15232,7 +15931,7 @@
         <p:spPr>
           <a:xfrm>
             <a:off x="1584000" y="1800000"/>
-            <a:ext cx="6405840" cy="485640"/>
+            <a:ext cx="6405120" cy="485640"/>
           </a:xfrm>
           <a:prstGeom prst="rect">
             <a:avLst/>
@@ -15323,7 +16022,7 @@
         <p:spPr>
           <a:xfrm>
             <a:off x="360000" y="360000"/>
-            <a:ext cx="9357840" cy="897840"/>
+            <a:ext cx="9357120" cy="897120"/>
           </a:xfrm>
           <a:prstGeom prst="rect">
             <a:avLst/>
@@ -15384,7 +16083,7 @@
         <p:spPr>
           <a:xfrm>
             <a:off x="1584000" y="1800000"/>
-            <a:ext cx="6405840" cy="485640"/>
+            <a:ext cx="6405120" cy="485640"/>
           </a:xfrm>
           <a:prstGeom prst="rect">
             <a:avLst/>
@@ -15449,7 +16148,7 @@
         <p:spPr>
           <a:xfrm>
             <a:off x="864000" y="2808000"/>
-            <a:ext cx="4111560" cy="3742200"/>
+            <a:ext cx="4110840" cy="3741480"/>
           </a:xfrm>
           <a:prstGeom prst="rect">
             <a:avLst/>
@@ -15472,7 +16171,7 @@
         <p:spPr>
           <a:xfrm>
             <a:off x="5040000" y="2808000"/>
-            <a:ext cx="4134960" cy="3755520"/>
+            <a:ext cx="4134240" cy="3754800"/>
           </a:xfrm>
           <a:prstGeom prst="rect">
             <a:avLst/>
@@ -15521,7 +16220,7 @@
         <p:spPr>
           <a:xfrm>
             <a:off x="360000" y="360000"/>
-            <a:ext cx="9357840" cy="897840"/>
+            <a:ext cx="9357120" cy="897120"/>
           </a:xfrm>
           <a:prstGeom prst="rect">
             <a:avLst/>
@@ -15582,7 +16281,7 @@
         <p:spPr>
           <a:xfrm>
             <a:off x="360000" y="1980000"/>
-            <a:ext cx="9069840" cy="1041840"/>
+            <a:ext cx="9069120" cy="1041120"/>
           </a:xfrm>
           <a:prstGeom prst="rect">
             <a:avLst/>
@@ -15646,7 +16345,7 @@
         <p:spPr>
           <a:xfrm>
             <a:off x="1080000" y="4176000"/>
-            <a:ext cx="2302560" cy="1510560"/>
+            <a:ext cx="2301840" cy="1509840"/>
           </a:xfrm>
           <a:prstGeom prst="can">
             <a:avLst>
@@ -15703,7 +16402,7 @@
         <p:spPr>
           <a:xfrm>
             <a:off x="1872000" y="3672000"/>
-            <a:ext cx="502560" cy="363960"/>
+            <a:ext cx="501840" cy="363960"/>
           </a:xfrm>
           <a:prstGeom prst="rect">
             <a:avLst/>
@@ -15754,7 +16453,7 @@
         <p:spPr>
           <a:xfrm>
             <a:off x="3456000" y="3600000"/>
-            <a:ext cx="646560" cy="934560"/>
+            <a:ext cx="645840" cy="933840"/>
           </a:xfrm>
           <a:prstGeom prst="smileyFace">
             <a:avLst>
@@ -15786,7 +16485,7 @@
         <p:spPr>
           <a:xfrm>
             <a:off x="4104000" y="4824000"/>
-            <a:ext cx="1942560" cy="358560"/>
+            <a:ext cx="1941840" cy="357840"/>
           </a:xfrm>
           <a:custGeom>
             <a:avLst/>
@@ -15847,7 +16546,7 @@
         <p:spPr>
           <a:xfrm>
             <a:off x="4032000" y="4176000"/>
-            <a:ext cx="2374560" cy="363960"/>
+            <a:ext cx="2373840" cy="363960"/>
           </a:xfrm>
           <a:prstGeom prst="rect">
             <a:avLst/>
@@ -15898,7 +16597,7 @@
         <p:spPr>
           <a:xfrm>
             <a:off x="7056000" y="3888000"/>
-            <a:ext cx="1510560" cy="1798560"/>
+            <a:ext cx="1509840" cy="1797840"/>
           </a:xfrm>
           <a:prstGeom prst="flowChartPunchedCard">
             <a:avLst/>
@@ -15983,7 +16682,7 @@
         <p:spPr>
           <a:xfrm>
             <a:off x="504000" y="596520"/>
-            <a:ext cx="9070560" cy="669960"/>
+            <a:ext cx="9069840" cy="669600"/>
           </a:xfrm>
           <a:prstGeom prst="rect">
             <a:avLst/>
@@ -16048,7 +16747,7 @@
         <p:spPr>
           <a:xfrm>
             <a:off x="503640" y="1947960"/>
-            <a:ext cx="4425480" cy="4023720"/>
+            <a:ext cx="4424760" cy="4023000"/>
           </a:xfrm>
           <a:prstGeom prst="rect">
             <a:avLst/>
@@ -16071,7 +16770,7 @@
         <p:spPr>
           <a:xfrm>
             <a:off x="5152320" y="1950120"/>
-            <a:ext cx="4425480" cy="4019400"/>
+            <a:ext cx="4424760" cy="4018680"/>
           </a:xfrm>
           <a:prstGeom prst="rect">
             <a:avLst/>
@@ -16120,7 +16819,7 @@
         <p:spPr>
           <a:xfrm>
             <a:off x="504000" y="596520"/>
-            <a:ext cx="9070560" cy="669960"/>
+            <a:ext cx="9069840" cy="669600"/>
           </a:xfrm>
           <a:prstGeom prst="rect">
             <a:avLst/>
@@ -16185,7 +16884,7 @@
         <p:spPr>
           <a:xfrm>
             <a:off x="503640" y="1939320"/>
-            <a:ext cx="4425480" cy="4041360"/>
+            <a:ext cx="4424760" cy="4040640"/>
           </a:xfrm>
           <a:prstGeom prst="rect">
             <a:avLst/>
@@ -16208,7 +16907,7 @@
         <p:spPr>
           <a:xfrm>
             <a:off x="5152320" y="1941480"/>
-            <a:ext cx="4425480" cy="4037040"/>
+            <a:ext cx="4424760" cy="4036320"/>
           </a:xfrm>
           <a:prstGeom prst="rect">
             <a:avLst/>
@@ -16257,7 +16956,7 @@
         <p:spPr>
           <a:xfrm>
             <a:off x="504000" y="596520"/>
-            <a:ext cx="9070920" cy="670320"/>
+            <a:ext cx="9070200" cy="669600"/>
           </a:xfrm>
           <a:prstGeom prst="rect">
             <a:avLst/>
@@ -16318,7 +17017,7 @@
         <p:spPr>
           <a:xfrm>
             <a:off x="504000" y="1768680"/>
-            <a:ext cx="8638920" cy="4383000"/>
+            <a:ext cx="8638200" cy="4382280"/>
           </a:xfrm>
           <a:prstGeom prst="rect">
             <a:avLst/>
@@ -16339,7 +17038,7 @@
             <a:normAutofit/>
           </a:bodyPr>
           <a:p>
-            <a:pPr marL="432000" indent="-322920">
+            <a:pPr marL="432000" indent="-322200">
               <a:lnSpc>
                 <a:spcPct val="100000"/>
               </a:lnSpc>
@@ -16428,7 +17127,7 @@
             </a:endParaRPr>
           </a:p>
           <a:p>
-            <a:pPr marL="432000" indent="-322920">
+            <a:pPr marL="432000" indent="-322200">
               <a:lnSpc>
                 <a:spcPct val="100000"/>
               </a:lnSpc>
@@ -16477,7 +17176,7 @@
             </a:endParaRPr>
           </a:p>
           <a:p>
-            <a:pPr marL="432000" indent="-322920">
+            <a:pPr marL="432000" indent="-322200">
               <a:lnSpc>
                 <a:spcPct val="100000"/>
               </a:lnSpc>
@@ -16536,7 +17235,7 @@
             </a:endParaRPr>
           </a:p>
           <a:p>
-            <a:pPr marL="432000" indent="-322920">
+            <a:pPr marL="432000" indent="-322200">
               <a:lnSpc>
                 <a:spcPct val="100000"/>
               </a:lnSpc>
@@ -16595,7 +17294,7 @@
             </a:endParaRPr>
           </a:p>
           <a:p>
-            <a:pPr marL="432000" indent="-322920">
+            <a:pPr marL="432000" indent="-322200">
               <a:lnSpc>
                 <a:spcPct val="100000"/>
               </a:lnSpc>
@@ -16654,7 +17353,7 @@
             </a:endParaRPr>
           </a:p>
           <a:p>
-            <a:pPr marL="432000" indent="-322920">
+            <a:pPr marL="432000" indent="-322200">
               <a:lnSpc>
                 <a:spcPct val="100000"/>
               </a:lnSpc>

--- a/資料/発表資料.pptx
+++ b/資料/発表資料.pptx
@@ -26,6 +26,10 @@
     <p:sldId id="268" r:id="rId19"/>
     <p:sldId id="269" r:id="rId20"/>
     <p:sldId id="270" r:id="rId21"/>
+    <p:sldId id="271" r:id="rId22"/>
+    <p:sldId id="272" r:id="rId23"/>
+    <p:sldId id="273" r:id="rId24"/>
+    <p:sldId id="274" r:id="rId25"/>
   </p:sldIdLst>
   <p:sldSz cx="10080625" cy="7559675"/>
   <p:notesSz cx="7559675" cy="10691812"/>
@@ -256,7 +260,7 @@
           </a:bodyPr>
           <a:p>
             <a:pPr algn="r"/>
-            <a:fld id="{7666F1A1-2FB3-4586-AEC5-A45057453E6E}" type="slidenum">
+            <a:fld id="{F250C099-0FDB-4A74-B68D-0BCE00EBE316}" type="slidenum">
               <a:rPr b="0" lang="en-US" sz="1400" spc="-1" strike="noStrike">
                 <a:latin typeface="Times New Roman"/>
               </a:rPr>
@@ -293,7 +297,7 @@
       </p:grpSpPr>
       <p:sp>
         <p:nvSpPr>
-          <p:cNvPr id="327" name="PlaceHolder 1"/>
+          <p:cNvPr id="376" name="PlaceHolder 1"/>
           <p:cNvSpPr>
             <a:spLocks noGrp="1"/>
           </p:cNvSpPr>
@@ -304,16 +308,16 @@
         <p:spPr>
           <a:xfrm>
             <a:off x="1107000" y="812520"/>
-            <a:ext cx="5343120" cy="4006800"/>
-          </a:xfrm>
-          <a:prstGeom prst="rect">
-            <a:avLst/>
-          </a:prstGeom>
-        </p:spPr>
-      </p:sp>
-      <p:sp>
-        <p:nvSpPr>
-          <p:cNvPr id="328" name="PlaceHolder 2"/>
+            <a:ext cx="5342760" cy="4006440"/>
+          </a:xfrm>
+          <a:prstGeom prst="rect">
+            <a:avLst/>
+          </a:prstGeom>
+        </p:spPr>
+      </p:sp>
+      <p:sp>
+        <p:nvSpPr>
+          <p:cNvPr id="377" name="PlaceHolder 2"/>
           <p:cNvSpPr>
             <a:spLocks noGrp="1"/>
           </p:cNvSpPr>
@@ -324,7 +328,7 @@
         <p:spPr>
           <a:xfrm>
             <a:off x="756000" y="5078520"/>
-            <a:ext cx="6045480" cy="4811040"/>
+            <a:ext cx="6045120" cy="4811040"/>
           </a:xfrm>
           <a:prstGeom prst="rect">
             <a:avLst/>
@@ -335,7 +339,7 @@
             <a:spAutoFit/>
           </a:bodyPr>
           <a:p>
-            <a:pPr marL="216000" indent="-214200">
+            <a:pPr marL="216000" indent="-213840">
               <a:lnSpc>
                 <a:spcPct val="100000"/>
               </a:lnSpc>
@@ -351,7 +355,7 @@
             </a:endParaRPr>
           </a:p>
           <a:p>
-            <a:pPr marL="216000" indent="-214200">
+            <a:pPr marL="216000" indent="-213840">
               <a:lnSpc>
                 <a:spcPct val="100000"/>
               </a:lnSpc>
@@ -361,7 +365,7 @@
             </a:endParaRPr>
           </a:p>
           <a:p>
-            <a:pPr marL="216000" indent="-214200">
+            <a:pPr marL="216000" indent="-213840">
               <a:lnSpc>
                 <a:spcPct val="100000"/>
               </a:lnSpc>
@@ -377,7 +381,7 @@
             </a:endParaRPr>
           </a:p>
           <a:p>
-            <a:pPr marL="216000" indent="-214200">
+            <a:pPr marL="216000" indent="-213840">
               <a:lnSpc>
                 <a:spcPct val="100000"/>
               </a:lnSpc>
@@ -411,7 +415,7 @@
             </a:endParaRPr>
           </a:p>
           <a:p>
-            <a:pPr marL="216000" indent="-214200">
+            <a:pPr marL="216000" indent="-213840">
               <a:lnSpc>
                 <a:spcPct val="100000"/>
               </a:lnSpc>
@@ -446,7 +450,7 @@
       </p:grpSpPr>
       <p:sp>
         <p:nvSpPr>
-          <p:cNvPr id="329" name="PlaceHolder 1"/>
+          <p:cNvPr id="378" name="PlaceHolder 1"/>
           <p:cNvSpPr>
             <a:spLocks noGrp="1"/>
           </p:cNvSpPr>
@@ -457,16 +461,16 @@
         <p:spPr>
           <a:xfrm>
             <a:off x="1107000" y="812520"/>
-            <a:ext cx="5343120" cy="4006800"/>
-          </a:xfrm>
-          <a:prstGeom prst="rect">
-            <a:avLst/>
-          </a:prstGeom>
-        </p:spPr>
-      </p:sp>
-      <p:sp>
-        <p:nvSpPr>
-          <p:cNvPr id="330" name="PlaceHolder 2"/>
+            <a:ext cx="5342760" cy="4006440"/>
+          </a:xfrm>
+          <a:prstGeom prst="rect">
+            <a:avLst/>
+          </a:prstGeom>
+        </p:spPr>
+      </p:sp>
+      <p:sp>
+        <p:nvSpPr>
+          <p:cNvPr id="379" name="PlaceHolder 2"/>
           <p:cNvSpPr>
             <a:spLocks noGrp="1"/>
           </p:cNvSpPr>
@@ -477,7 +481,7 @@
         <p:spPr>
           <a:xfrm>
             <a:off x="756000" y="5078520"/>
-            <a:ext cx="6045480" cy="4811040"/>
+            <a:ext cx="6045120" cy="4811040"/>
           </a:xfrm>
           <a:prstGeom prst="rect">
             <a:avLst/>
@@ -488,7 +492,7 @@
             <a:spAutoFit/>
           </a:bodyPr>
           <a:p>
-            <a:pPr marL="216000" indent="-214200">
+            <a:pPr marL="216000" indent="-213840">
               <a:lnSpc>
                 <a:spcPct val="100000"/>
               </a:lnSpc>
@@ -504,7 +508,7 @@
             </a:endParaRPr>
           </a:p>
           <a:p>
-            <a:pPr marL="216000" indent="-214200">
+            <a:pPr marL="216000" indent="-213840">
               <a:lnSpc>
                 <a:spcPct val="100000"/>
               </a:lnSpc>
@@ -514,7 +518,7 @@
             </a:endParaRPr>
           </a:p>
           <a:p>
-            <a:pPr marL="216000" indent="-214200">
+            <a:pPr marL="216000" indent="-213840">
               <a:lnSpc>
                 <a:spcPct val="100000"/>
               </a:lnSpc>
@@ -530,7 +534,7 @@
             </a:endParaRPr>
           </a:p>
           <a:p>
-            <a:pPr marL="216000" indent="-214200">
+            <a:pPr marL="216000" indent="-213840">
               <a:lnSpc>
                 <a:spcPct val="100000"/>
               </a:lnSpc>
@@ -564,7 +568,7 @@
             </a:endParaRPr>
           </a:p>
           <a:p>
-            <a:pPr marL="216000" indent="-214200">
+            <a:pPr marL="216000" indent="-213840">
               <a:lnSpc>
                 <a:spcPct val="100000"/>
               </a:lnSpc>
@@ -632,7 +636,7 @@
         <p:spPr>
           <a:xfrm>
             <a:off x="504000" y="261720"/>
-            <a:ext cx="9070920" cy="1341000"/>
+            <a:ext cx="9070560" cy="1341000"/>
           </a:xfrm>
           <a:prstGeom prst="rect">
             <a:avLst/>
@@ -663,7 +667,7 @@
         <p:spPr>
           <a:xfrm>
             <a:off x="504000" y="1768680"/>
-            <a:ext cx="1053360" cy="2090520"/>
+            <a:ext cx="513360" cy="2090160"/>
           </a:xfrm>
           <a:prstGeom prst="rect">
             <a:avLst/>
@@ -671,7 +675,7 @@
         </p:spPr>
         <p:txBody>
           <a:bodyPr lIns="0" rIns="0" tIns="0" bIns="0">
-            <a:normAutofit fontScale="27000"/>
+            <a:normAutofit fontScale="24000"/>
           </a:bodyPr>
           <a:p>
             <a:endParaRPr b="0" lang="en-US" sz="3200" spc="-1" strike="noStrike">
@@ -692,8 +696,8 @@
         </p:nvSpPr>
         <p:spPr>
           <a:xfrm>
-            <a:off x="504000" y="4058280"/>
-            <a:ext cx="1053360" cy="2090520"/>
+            <a:off x="504000" y="4057920"/>
+            <a:ext cx="513360" cy="2090160"/>
           </a:xfrm>
           <a:prstGeom prst="rect">
             <a:avLst/>
@@ -701,7 +705,7 @@
         </p:spPr>
         <p:txBody>
           <a:bodyPr lIns="0" rIns="0" tIns="0" bIns="0">
-            <a:normAutofit fontScale="27000"/>
+            <a:normAutofit fontScale="24000"/>
           </a:bodyPr>
           <a:p>
             <a:endParaRPr b="0" lang="en-US" sz="3200" spc="-1" strike="noStrike">
@@ -745,7 +749,7 @@
         <p:spPr>
           <a:xfrm>
             <a:off x="504000" y="261720"/>
-            <a:ext cx="9070920" cy="1341000"/>
+            <a:ext cx="9070560" cy="1341000"/>
           </a:xfrm>
           <a:prstGeom prst="rect">
             <a:avLst/>
@@ -776,7 +780,7 @@
         <p:spPr>
           <a:xfrm>
             <a:off x="504000" y="1768680"/>
-            <a:ext cx="513720" cy="2090520"/>
+            <a:ext cx="250200" cy="2090160"/>
           </a:xfrm>
           <a:prstGeom prst="rect">
             <a:avLst/>
@@ -805,8 +809,8 @@
         </p:nvSpPr>
         <p:spPr>
           <a:xfrm>
-            <a:off x="1043640" y="1768680"/>
-            <a:ext cx="513720" cy="2090520"/>
+            <a:off x="767160" y="1768680"/>
+            <a:ext cx="250200" cy="2090160"/>
           </a:xfrm>
           <a:prstGeom prst="rect">
             <a:avLst/>
@@ -835,8 +839,8 @@
         </p:nvSpPr>
         <p:spPr>
           <a:xfrm>
-            <a:off x="504000" y="4058280"/>
-            <a:ext cx="513720" cy="2090520"/>
+            <a:off x="504000" y="4057920"/>
+            <a:ext cx="250200" cy="2090160"/>
           </a:xfrm>
           <a:prstGeom prst="rect">
             <a:avLst/>
@@ -865,8 +869,8 @@
         </p:nvSpPr>
         <p:spPr>
           <a:xfrm>
-            <a:off x="1043640" y="4058280"/>
-            <a:ext cx="513720" cy="2090520"/>
+            <a:off x="767160" y="4057920"/>
+            <a:ext cx="250200" cy="2090160"/>
           </a:xfrm>
           <a:prstGeom prst="rect">
             <a:avLst/>
@@ -918,7 +922,7 @@
         <p:spPr>
           <a:xfrm>
             <a:off x="504000" y="261720"/>
-            <a:ext cx="9070920" cy="1341000"/>
+            <a:ext cx="9070560" cy="1341000"/>
           </a:xfrm>
           <a:prstGeom prst="rect">
             <a:avLst/>
@@ -949,7 +953,7 @@
         <p:spPr>
           <a:xfrm>
             <a:off x="504000" y="1768680"/>
-            <a:ext cx="338760" cy="2090520"/>
+            <a:ext cx="164880" cy="2090160"/>
           </a:xfrm>
           <a:prstGeom prst="rect">
             <a:avLst/>
@@ -978,8 +982,8 @@
         </p:nvSpPr>
         <p:spPr>
           <a:xfrm>
-            <a:off x="860040" y="1768680"/>
-            <a:ext cx="338760" cy="2090520"/>
+            <a:off x="677520" y="1768680"/>
+            <a:ext cx="164880" cy="2090160"/>
           </a:xfrm>
           <a:prstGeom prst="rect">
             <a:avLst/>
@@ -1008,8 +1012,8 @@
         </p:nvSpPr>
         <p:spPr>
           <a:xfrm>
-            <a:off x="1216080" y="1768680"/>
-            <a:ext cx="338760" cy="2090520"/>
+            <a:off x="851040" y="1768680"/>
+            <a:ext cx="164880" cy="2090160"/>
           </a:xfrm>
           <a:prstGeom prst="rect">
             <a:avLst/>
@@ -1038,8 +1042,8 @@
         </p:nvSpPr>
         <p:spPr>
           <a:xfrm>
-            <a:off x="504000" y="4058280"/>
-            <a:ext cx="338760" cy="2090520"/>
+            <a:off x="504000" y="4057920"/>
+            <a:ext cx="164880" cy="2090160"/>
           </a:xfrm>
           <a:prstGeom prst="rect">
             <a:avLst/>
@@ -1068,8 +1072,8 @@
         </p:nvSpPr>
         <p:spPr>
           <a:xfrm>
-            <a:off x="860040" y="4058280"/>
-            <a:ext cx="338760" cy="2090520"/>
+            <a:off x="677520" y="4057920"/>
+            <a:ext cx="164880" cy="2090160"/>
           </a:xfrm>
           <a:prstGeom prst="rect">
             <a:avLst/>
@@ -1098,8 +1102,8 @@
         </p:nvSpPr>
         <p:spPr>
           <a:xfrm>
-            <a:off x="1216080" y="4058280"/>
-            <a:ext cx="338760" cy="2090520"/>
+            <a:off x="851040" y="4057920"/>
+            <a:ext cx="164880" cy="2090160"/>
           </a:xfrm>
           <a:prstGeom prst="rect">
             <a:avLst/>
@@ -1173,7 +1177,7 @@
         <p:spPr>
           <a:xfrm>
             <a:off x="504000" y="261720"/>
-            <a:ext cx="9070920" cy="1341000"/>
+            <a:ext cx="9070560" cy="1341000"/>
           </a:xfrm>
           <a:prstGeom prst="rect">
             <a:avLst/>
@@ -1203,8 +1207,8 @@
         </p:nvSpPr>
         <p:spPr>
           <a:xfrm>
-            <a:off x="504000" y="1768680"/>
-            <a:ext cx="1053360" cy="4383000"/>
+            <a:off x="504000" y="1315800"/>
+            <a:ext cx="513360" cy="5288760"/>
           </a:xfrm>
           <a:prstGeom prst="rect">
             <a:avLst/>
@@ -1257,7 +1261,7 @@
         <p:spPr>
           <a:xfrm>
             <a:off x="504000" y="261720"/>
-            <a:ext cx="9070920" cy="1341000"/>
+            <a:ext cx="9070560" cy="1341000"/>
           </a:xfrm>
           <a:prstGeom prst="rect">
             <a:avLst/>
@@ -1288,7 +1292,7 @@
         <p:spPr>
           <a:xfrm>
             <a:off x="504000" y="1768680"/>
-            <a:ext cx="1053360" cy="4383000"/>
+            <a:ext cx="513360" cy="4382640"/>
           </a:xfrm>
           <a:prstGeom prst="rect">
             <a:avLst/>
@@ -1296,7 +1300,7 @@
         </p:spPr>
         <p:txBody>
           <a:bodyPr lIns="0" rIns="0" tIns="0" bIns="0">
-            <a:normAutofit fontScale="84000"/>
+            <a:normAutofit fontScale="74000"/>
           </a:bodyPr>
           <a:p>
             <a:endParaRPr b="0" lang="en-US" sz="3200" spc="-1" strike="noStrike">
@@ -1340,7 +1344,7 @@
         <p:spPr>
           <a:xfrm>
             <a:off x="504000" y="261720"/>
-            <a:ext cx="9070920" cy="1341000"/>
+            <a:ext cx="9070560" cy="1341000"/>
           </a:xfrm>
           <a:prstGeom prst="rect">
             <a:avLst/>
@@ -1371,7 +1375,7 @@
         <p:spPr>
           <a:xfrm>
             <a:off x="504000" y="1768680"/>
-            <a:ext cx="513720" cy="4383000"/>
+            <a:ext cx="250200" cy="4382640"/>
           </a:xfrm>
           <a:prstGeom prst="rect">
             <a:avLst/>
@@ -1400,8 +1404,8 @@
         </p:nvSpPr>
         <p:spPr>
           <a:xfrm>
-            <a:off x="1043640" y="1768680"/>
-            <a:ext cx="513720" cy="4383000"/>
+            <a:off x="767160" y="1768680"/>
+            <a:ext cx="250200" cy="4382640"/>
           </a:xfrm>
           <a:prstGeom prst="rect">
             <a:avLst/>
@@ -1453,7 +1457,7 @@
         <p:spPr>
           <a:xfrm>
             <a:off x="504000" y="261720"/>
-            <a:ext cx="9070920" cy="1341000"/>
+            <a:ext cx="9070560" cy="1341000"/>
           </a:xfrm>
           <a:prstGeom prst="rect">
             <a:avLst/>
@@ -1506,7 +1510,7 @@
         <p:spPr>
           <a:xfrm>
             <a:off x="504000" y="261720"/>
-            <a:ext cx="9070920" cy="6217560"/>
+            <a:ext cx="9070560" cy="6217560"/>
           </a:xfrm>
           <a:prstGeom prst="rect">
             <a:avLst/>
@@ -1559,7 +1563,7 @@
         <p:spPr>
           <a:xfrm>
             <a:off x="504000" y="261720"/>
-            <a:ext cx="9070920" cy="1341000"/>
+            <a:ext cx="9070560" cy="1341000"/>
           </a:xfrm>
           <a:prstGeom prst="rect">
             <a:avLst/>
@@ -1590,7 +1594,7 @@
         <p:spPr>
           <a:xfrm>
             <a:off x="504000" y="1768680"/>
-            <a:ext cx="513720" cy="2090520"/>
+            <a:ext cx="250200" cy="2090160"/>
           </a:xfrm>
           <a:prstGeom prst="rect">
             <a:avLst/>
@@ -1619,8 +1623,8 @@
         </p:nvSpPr>
         <p:spPr>
           <a:xfrm>
-            <a:off x="1043640" y="1768680"/>
-            <a:ext cx="513720" cy="4383000"/>
+            <a:off x="767160" y="1768680"/>
+            <a:ext cx="250200" cy="4382640"/>
           </a:xfrm>
           <a:prstGeom prst="rect">
             <a:avLst/>
@@ -1649,8 +1653,8 @@
         </p:nvSpPr>
         <p:spPr>
           <a:xfrm>
-            <a:off x="504000" y="4058280"/>
-            <a:ext cx="513720" cy="2090520"/>
+            <a:off x="504000" y="4057920"/>
+            <a:ext cx="250200" cy="2090160"/>
           </a:xfrm>
           <a:prstGeom prst="rect">
             <a:avLst/>
@@ -1702,7 +1706,7 @@
         <p:spPr>
           <a:xfrm>
             <a:off x="504000" y="261720"/>
-            <a:ext cx="9070920" cy="1341000"/>
+            <a:ext cx="9070560" cy="1341000"/>
           </a:xfrm>
           <a:prstGeom prst="rect">
             <a:avLst/>
@@ -1732,8 +1736,8 @@
         </p:nvSpPr>
         <p:spPr>
           <a:xfrm>
-            <a:off x="504000" y="1768680"/>
-            <a:ext cx="1053360" cy="4383000"/>
+            <a:off x="504000" y="1315800"/>
+            <a:ext cx="513360" cy="5288760"/>
           </a:xfrm>
           <a:prstGeom prst="rect">
             <a:avLst/>
@@ -1786,7 +1790,7 @@
         <p:spPr>
           <a:xfrm>
             <a:off x="504000" y="261720"/>
-            <a:ext cx="9070920" cy="1341000"/>
+            <a:ext cx="9070560" cy="1341000"/>
           </a:xfrm>
           <a:prstGeom prst="rect">
             <a:avLst/>
@@ -1817,7 +1821,7 @@
         <p:spPr>
           <a:xfrm>
             <a:off x="504000" y="1768680"/>
-            <a:ext cx="513720" cy="4383000"/>
+            <a:ext cx="250200" cy="4382640"/>
           </a:xfrm>
           <a:prstGeom prst="rect">
             <a:avLst/>
@@ -1846,8 +1850,8 @@
         </p:nvSpPr>
         <p:spPr>
           <a:xfrm>
-            <a:off x="1043640" y="1768680"/>
-            <a:ext cx="513720" cy="2090520"/>
+            <a:off x="767160" y="1768680"/>
+            <a:ext cx="250200" cy="2090160"/>
           </a:xfrm>
           <a:prstGeom prst="rect">
             <a:avLst/>
@@ -1876,8 +1880,8 @@
         </p:nvSpPr>
         <p:spPr>
           <a:xfrm>
-            <a:off x="1043640" y="4058280"/>
-            <a:ext cx="513720" cy="2090520"/>
+            <a:off x="767160" y="4057920"/>
+            <a:ext cx="250200" cy="2090160"/>
           </a:xfrm>
           <a:prstGeom prst="rect">
             <a:avLst/>
@@ -1929,7 +1933,7 @@
         <p:spPr>
           <a:xfrm>
             <a:off x="504000" y="261720"/>
-            <a:ext cx="9070920" cy="1341000"/>
+            <a:ext cx="9070560" cy="1341000"/>
           </a:xfrm>
           <a:prstGeom prst="rect">
             <a:avLst/>
@@ -1960,7 +1964,7 @@
         <p:spPr>
           <a:xfrm>
             <a:off x="504000" y="1768680"/>
-            <a:ext cx="513720" cy="2090520"/>
+            <a:ext cx="250200" cy="2090160"/>
           </a:xfrm>
           <a:prstGeom prst="rect">
             <a:avLst/>
@@ -1989,8 +1993,8 @@
         </p:nvSpPr>
         <p:spPr>
           <a:xfrm>
-            <a:off x="1043640" y="1768680"/>
-            <a:ext cx="513720" cy="2090520"/>
+            <a:off x="767160" y="1768680"/>
+            <a:ext cx="250200" cy="2090160"/>
           </a:xfrm>
           <a:prstGeom prst="rect">
             <a:avLst/>
@@ -2019,8 +2023,8 @@
         </p:nvSpPr>
         <p:spPr>
           <a:xfrm>
-            <a:off x="504000" y="4058280"/>
-            <a:ext cx="1053360" cy="2090520"/>
+            <a:off x="504000" y="4057920"/>
+            <a:ext cx="513360" cy="2090160"/>
           </a:xfrm>
           <a:prstGeom prst="rect">
             <a:avLst/>
@@ -2028,7 +2032,7 @@
         </p:spPr>
         <p:txBody>
           <a:bodyPr lIns="0" rIns="0" tIns="0" bIns="0">
-            <a:normAutofit fontScale="27000"/>
+            <a:normAutofit fontScale="24000"/>
           </a:bodyPr>
           <a:p>
             <a:endParaRPr b="0" lang="en-US" sz="3200" spc="-1" strike="noStrike">
@@ -2072,7 +2076,7 @@
         <p:spPr>
           <a:xfrm>
             <a:off x="504000" y="261720"/>
-            <a:ext cx="9070920" cy="1341000"/>
+            <a:ext cx="9070560" cy="1341000"/>
           </a:xfrm>
           <a:prstGeom prst="rect">
             <a:avLst/>
@@ -2103,7 +2107,7 @@
         <p:spPr>
           <a:xfrm>
             <a:off x="504000" y="1768680"/>
-            <a:ext cx="1053360" cy="2090520"/>
+            <a:ext cx="513360" cy="2090160"/>
           </a:xfrm>
           <a:prstGeom prst="rect">
             <a:avLst/>
@@ -2111,7 +2115,7 @@
         </p:spPr>
         <p:txBody>
           <a:bodyPr lIns="0" rIns="0" tIns="0" bIns="0">
-            <a:normAutofit fontScale="27000"/>
+            <a:normAutofit fontScale="24000"/>
           </a:bodyPr>
           <a:p>
             <a:endParaRPr b="0" lang="en-US" sz="3200" spc="-1" strike="noStrike">
@@ -2132,8 +2136,8 @@
         </p:nvSpPr>
         <p:spPr>
           <a:xfrm>
-            <a:off x="504000" y="4058280"/>
-            <a:ext cx="1053360" cy="2090520"/>
+            <a:off x="504000" y="4057920"/>
+            <a:ext cx="513360" cy="2090160"/>
           </a:xfrm>
           <a:prstGeom prst="rect">
             <a:avLst/>
@@ -2141,7 +2145,7 @@
         </p:spPr>
         <p:txBody>
           <a:bodyPr lIns="0" rIns="0" tIns="0" bIns="0">
-            <a:normAutofit fontScale="27000"/>
+            <a:normAutofit fontScale="24000"/>
           </a:bodyPr>
           <a:p>
             <a:endParaRPr b="0" lang="en-US" sz="3200" spc="-1" strike="noStrike">
@@ -2185,7 +2189,7 @@
         <p:spPr>
           <a:xfrm>
             <a:off x="504000" y="261720"/>
-            <a:ext cx="9070920" cy="1341000"/>
+            <a:ext cx="9070560" cy="1341000"/>
           </a:xfrm>
           <a:prstGeom prst="rect">
             <a:avLst/>
@@ -2216,7 +2220,7 @@
         <p:spPr>
           <a:xfrm>
             <a:off x="504000" y="1768680"/>
-            <a:ext cx="513720" cy="2090520"/>
+            <a:ext cx="250200" cy="2090160"/>
           </a:xfrm>
           <a:prstGeom prst="rect">
             <a:avLst/>
@@ -2245,8 +2249,8 @@
         </p:nvSpPr>
         <p:spPr>
           <a:xfrm>
-            <a:off x="1043640" y="1768680"/>
-            <a:ext cx="513720" cy="2090520"/>
+            <a:off x="767160" y="1768680"/>
+            <a:ext cx="250200" cy="2090160"/>
           </a:xfrm>
           <a:prstGeom prst="rect">
             <a:avLst/>
@@ -2275,8 +2279,8 @@
         </p:nvSpPr>
         <p:spPr>
           <a:xfrm>
-            <a:off x="504000" y="4058280"/>
-            <a:ext cx="513720" cy="2090520"/>
+            <a:off x="504000" y="4057920"/>
+            <a:ext cx="250200" cy="2090160"/>
           </a:xfrm>
           <a:prstGeom prst="rect">
             <a:avLst/>
@@ -2305,8 +2309,8 @@
         </p:nvSpPr>
         <p:spPr>
           <a:xfrm>
-            <a:off x="1043640" y="4058280"/>
-            <a:ext cx="513720" cy="2090520"/>
+            <a:off x="767160" y="4057920"/>
+            <a:ext cx="250200" cy="2090160"/>
           </a:xfrm>
           <a:prstGeom prst="rect">
             <a:avLst/>
@@ -2358,7 +2362,7 @@
         <p:spPr>
           <a:xfrm>
             <a:off x="504000" y="261720"/>
-            <a:ext cx="9070920" cy="1341000"/>
+            <a:ext cx="9070560" cy="1341000"/>
           </a:xfrm>
           <a:prstGeom prst="rect">
             <a:avLst/>
@@ -2389,7 +2393,7 @@
         <p:spPr>
           <a:xfrm>
             <a:off x="504000" y="1768680"/>
-            <a:ext cx="338760" cy="2090520"/>
+            <a:ext cx="164880" cy="2090160"/>
           </a:xfrm>
           <a:prstGeom prst="rect">
             <a:avLst/>
@@ -2418,8 +2422,8 @@
         </p:nvSpPr>
         <p:spPr>
           <a:xfrm>
-            <a:off x="860040" y="1768680"/>
-            <a:ext cx="338760" cy="2090520"/>
+            <a:off x="677520" y="1768680"/>
+            <a:ext cx="164880" cy="2090160"/>
           </a:xfrm>
           <a:prstGeom prst="rect">
             <a:avLst/>
@@ -2448,8 +2452,8 @@
         </p:nvSpPr>
         <p:spPr>
           <a:xfrm>
-            <a:off x="1216080" y="1768680"/>
-            <a:ext cx="338760" cy="2090520"/>
+            <a:off x="851040" y="1768680"/>
+            <a:ext cx="164880" cy="2090160"/>
           </a:xfrm>
           <a:prstGeom prst="rect">
             <a:avLst/>
@@ -2478,8 +2482,8 @@
         </p:nvSpPr>
         <p:spPr>
           <a:xfrm>
-            <a:off x="504000" y="4058280"/>
-            <a:ext cx="338760" cy="2090520"/>
+            <a:off x="504000" y="4057920"/>
+            <a:ext cx="164880" cy="2090160"/>
           </a:xfrm>
           <a:prstGeom prst="rect">
             <a:avLst/>
@@ -2508,8 +2512,8 @@
         </p:nvSpPr>
         <p:spPr>
           <a:xfrm>
-            <a:off x="860040" y="4058280"/>
-            <a:ext cx="338760" cy="2090520"/>
+            <a:off x="677520" y="4057920"/>
+            <a:ext cx="164880" cy="2090160"/>
           </a:xfrm>
           <a:prstGeom prst="rect">
             <a:avLst/>
@@ -2538,8 +2542,8 @@
         </p:nvSpPr>
         <p:spPr>
           <a:xfrm>
-            <a:off x="1216080" y="4058280"/>
-            <a:ext cx="338760" cy="2090520"/>
+            <a:off x="851040" y="4057920"/>
+            <a:ext cx="164880" cy="2090160"/>
           </a:xfrm>
           <a:prstGeom prst="rect">
             <a:avLst/>
@@ -2613,7 +2617,7 @@
         <p:spPr>
           <a:xfrm>
             <a:off x="504000" y="261720"/>
-            <a:ext cx="9070920" cy="1341000"/>
+            <a:ext cx="9070560" cy="1341000"/>
           </a:xfrm>
           <a:prstGeom prst="rect">
             <a:avLst/>
@@ -2643,8 +2647,8 @@
         </p:nvSpPr>
         <p:spPr>
           <a:xfrm>
-            <a:off x="504000" y="1768680"/>
-            <a:ext cx="1053360" cy="4383000"/>
+            <a:off x="504000" y="1315800"/>
+            <a:ext cx="513360" cy="5288760"/>
           </a:xfrm>
           <a:prstGeom prst="rect">
             <a:avLst/>
@@ -2697,7 +2701,7 @@
         <p:spPr>
           <a:xfrm>
             <a:off x="504000" y="261720"/>
-            <a:ext cx="9070920" cy="1341000"/>
+            <a:ext cx="9070560" cy="1341000"/>
           </a:xfrm>
           <a:prstGeom prst="rect">
             <a:avLst/>
@@ -2728,7 +2732,7 @@
         <p:spPr>
           <a:xfrm>
             <a:off x="504000" y="1768680"/>
-            <a:ext cx="1053360" cy="4383000"/>
+            <a:ext cx="513360" cy="4382640"/>
           </a:xfrm>
           <a:prstGeom prst="rect">
             <a:avLst/>
@@ -2736,7 +2740,7 @@
         </p:spPr>
         <p:txBody>
           <a:bodyPr lIns="0" rIns="0" tIns="0" bIns="0">
-            <a:normAutofit fontScale="84000"/>
+            <a:normAutofit fontScale="74000"/>
           </a:bodyPr>
           <a:p>
             <a:endParaRPr b="0" lang="en-US" sz="3200" spc="-1" strike="noStrike">
@@ -2780,7 +2784,7 @@
         <p:spPr>
           <a:xfrm>
             <a:off x="504000" y="261720"/>
-            <a:ext cx="9070920" cy="1341000"/>
+            <a:ext cx="9070560" cy="1341000"/>
           </a:xfrm>
           <a:prstGeom prst="rect">
             <a:avLst/>
@@ -2811,7 +2815,7 @@
         <p:spPr>
           <a:xfrm>
             <a:off x="504000" y="1768680"/>
-            <a:ext cx="513720" cy="4383000"/>
+            <a:ext cx="250200" cy="4382640"/>
           </a:xfrm>
           <a:prstGeom prst="rect">
             <a:avLst/>
@@ -2840,8 +2844,8 @@
         </p:nvSpPr>
         <p:spPr>
           <a:xfrm>
-            <a:off x="1043640" y="1768680"/>
-            <a:ext cx="513720" cy="4383000"/>
+            <a:off x="767160" y="1768680"/>
+            <a:ext cx="250200" cy="4382640"/>
           </a:xfrm>
           <a:prstGeom prst="rect">
             <a:avLst/>
@@ -2893,7 +2897,7 @@
         <p:spPr>
           <a:xfrm>
             <a:off x="504000" y="261720"/>
-            <a:ext cx="9070920" cy="1341000"/>
+            <a:ext cx="9070560" cy="1341000"/>
           </a:xfrm>
           <a:prstGeom prst="rect">
             <a:avLst/>
@@ -2946,7 +2950,7 @@
         <p:spPr>
           <a:xfrm>
             <a:off x="504000" y="261720"/>
-            <a:ext cx="9070920" cy="1341000"/>
+            <a:ext cx="9070560" cy="1341000"/>
           </a:xfrm>
           <a:prstGeom prst="rect">
             <a:avLst/>
@@ -2977,7 +2981,7 @@
         <p:spPr>
           <a:xfrm>
             <a:off x="504000" y="1768680"/>
-            <a:ext cx="1053360" cy="4383000"/>
+            <a:ext cx="513360" cy="4382640"/>
           </a:xfrm>
           <a:prstGeom prst="rect">
             <a:avLst/>
@@ -2985,7 +2989,7 @@
         </p:spPr>
         <p:txBody>
           <a:bodyPr lIns="0" rIns="0" tIns="0" bIns="0">
-            <a:normAutofit fontScale="84000"/>
+            <a:normAutofit fontScale="74000"/>
           </a:bodyPr>
           <a:p>
             <a:endParaRPr b="0" lang="en-US" sz="3200" spc="-1" strike="noStrike">
@@ -3029,7 +3033,7 @@
         <p:spPr>
           <a:xfrm>
             <a:off x="504000" y="261720"/>
-            <a:ext cx="9070920" cy="6217560"/>
+            <a:ext cx="9070560" cy="6217560"/>
           </a:xfrm>
           <a:prstGeom prst="rect">
             <a:avLst/>
@@ -3082,7 +3086,7 @@
         <p:spPr>
           <a:xfrm>
             <a:off x="504000" y="261720"/>
-            <a:ext cx="9070920" cy="1341000"/>
+            <a:ext cx="9070560" cy="1341000"/>
           </a:xfrm>
           <a:prstGeom prst="rect">
             <a:avLst/>
@@ -3113,7 +3117,7 @@
         <p:spPr>
           <a:xfrm>
             <a:off x="504000" y="1768680"/>
-            <a:ext cx="513720" cy="2090520"/>
+            <a:ext cx="250200" cy="2090160"/>
           </a:xfrm>
           <a:prstGeom prst="rect">
             <a:avLst/>
@@ -3142,8 +3146,8 @@
         </p:nvSpPr>
         <p:spPr>
           <a:xfrm>
-            <a:off x="1043640" y="1768680"/>
-            <a:ext cx="513720" cy="4383000"/>
+            <a:off x="767160" y="1768680"/>
+            <a:ext cx="250200" cy="4382640"/>
           </a:xfrm>
           <a:prstGeom prst="rect">
             <a:avLst/>
@@ -3172,8 +3176,8 @@
         </p:nvSpPr>
         <p:spPr>
           <a:xfrm>
-            <a:off x="504000" y="4058280"/>
-            <a:ext cx="513720" cy="2090520"/>
+            <a:off x="504000" y="4057920"/>
+            <a:ext cx="250200" cy="2090160"/>
           </a:xfrm>
           <a:prstGeom prst="rect">
             <a:avLst/>
@@ -3225,7 +3229,7 @@
         <p:spPr>
           <a:xfrm>
             <a:off x="504000" y="261720"/>
-            <a:ext cx="9070920" cy="1341000"/>
+            <a:ext cx="9070560" cy="1341000"/>
           </a:xfrm>
           <a:prstGeom prst="rect">
             <a:avLst/>
@@ -3256,7 +3260,7 @@
         <p:spPr>
           <a:xfrm>
             <a:off x="504000" y="1768680"/>
-            <a:ext cx="513720" cy="4383000"/>
+            <a:ext cx="250200" cy="4382640"/>
           </a:xfrm>
           <a:prstGeom prst="rect">
             <a:avLst/>
@@ -3285,8 +3289,8 @@
         </p:nvSpPr>
         <p:spPr>
           <a:xfrm>
-            <a:off x="1043640" y="1768680"/>
-            <a:ext cx="513720" cy="2090520"/>
+            <a:off x="767160" y="1768680"/>
+            <a:ext cx="250200" cy="2090160"/>
           </a:xfrm>
           <a:prstGeom prst="rect">
             <a:avLst/>
@@ -3315,8 +3319,8 @@
         </p:nvSpPr>
         <p:spPr>
           <a:xfrm>
-            <a:off x="1043640" y="4058280"/>
-            <a:ext cx="513720" cy="2090520"/>
+            <a:off x="767160" y="4057920"/>
+            <a:ext cx="250200" cy="2090160"/>
           </a:xfrm>
           <a:prstGeom prst="rect">
             <a:avLst/>
@@ -3368,7 +3372,7 @@
         <p:spPr>
           <a:xfrm>
             <a:off x="504000" y="261720"/>
-            <a:ext cx="9070920" cy="1341000"/>
+            <a:ext cx="9070560" cy="1341000"/>
           </a:xfrm>
           <a:prstGeom prst="rect">
             <a:avLst/>
@@ -3399,7 +3403,7 @@
         <p:spPr>
           <a:xfrm>
             <a:off x="504000" y="1768680"/>
-            <a:ext cx="513720" cy="2090520"/>
+            <a:ext cx="250200" cy="2090160"/>
           </a:xfrm>
           <a:prstGeom prst="rect">
             <a:avLst/>
@@ -3428,8 +3432,8 @@
         </p:nvSpPr>
         <p:spPr>
           <a:xfrm>
-            <a:off x="1043640" y="1768680"/>
-            <a:ext cx="513720" cy="2090520"/>
+            <a:off x="767160" y="1768680"/>
+            <a:ext cx="250200" cy="2090160"/>
           </a:xfrm>
           <a:prstGeom prst="rect">
             <a:avLst/>
@@ -3458,8 +3462,8 @@
         </p:nvSpPr>
         <p:spPr>
           <a:xfrm>
-            <a:off x="504000" y="4058280"/>
-            <a:ext cx="1053360" cy="2090520"/>
+            <a:off x="504000" y="4057920"/>
+            <a:ext cx="513360" cy="2090160"/>
           </a:xfrm>
           <a:prstGeom prst="rect">
             <a:avLst/>
@@ -3467,7 +3471,7 @@
         </p:spPr>
         <p:txBody>
           <a:bodyPr lIns="0" rIns="0" tIns="0" bIns="0">
-            <a:normAutofit fontScale="27000"/>
+            <a:normAutofit fontScale="24000"/>
           </a:bodyPr>
           <a:p>
             <a:endParaRPr b="0" lang="en-US" sz="3200" spc="-1" strike="noStrike">
@@ -3511,7 +3515,7 @@
         <p:spPr>
           <a:xfrm>
             <a:off x="504000" y="261720"/>
-            <a:ext cx="9070920" cy="1341000"/>
+            <a:ext cx="9070560" cy="1341000"/>
           </a:xfrm>
           <a:prstGeom prst="rect">
             <a:avLst/>
@@ -3542,7 +3546,7 @@
         <p:spPr>
           <a:xfrm>
             <a:off x="504000" y="1768680"/>
-            <a:ext cx="1053360" cy="2090520"/>
+            <a:ext cx="513360" cy="2090160"/>
           </a:xfrm>
           <a:prstGeom prst="rect">
             <a:avLst/>
@@ -3550,7 +3554,7 @@
         </p:spPr>
         <p:txBody>
           <a:bodyPr lIns="0" rIns="0" tIns="0" bIns="0">
-            <a:normAutofit fontScale="27000"/>
+            <a:normAutofit fontScale="24000"/>
           </a:bodyPr>
           <a:p>
             <a:endParaRPr b="0" lang="en-US" sz="3200" spc="-1" strike="noStrike">
@@ -3571,8 +3575,8 @@
         </p:nvSpPr>
         <p:spPr>
           <a:xfrm>
-            <a:off x="504000" y="4058280"/>
-            <a:ext cx="1053360" cy="2090520"/>
+            <a:off x="504000" y="4057920"/>
+            <a:ext cx="513360" cy="2090160"/>
           </a:xfrm>
           <a:prstGeom prst="rect">
             <a:avLst/>
@@ -3580,7 +3584,7 @@
         </p:spPr>
         <p:txBody>
           <a:bodyPr lIns="0" rIns="0" tIns="0" bIns="0">
-            <a:normAutofit fontScale="27000"/>
+            <a:normAutofit fontScale="24000"/>
           </a:bodyPr>
           <a:p>
             <a:endParaRPr b="0" lang="en-US" sz="3200" spc="-1" strike="noStrike">
@@ -3624,7 +3628,7 @@
         <p:spPr>
           <a:xfrm>
             <a:off x="504000" y="261720"/>
-            <a:ext cx="9070920" cy="1341000"/>
+            <a:ext cx="9070560" cy="1341000"/>
           </a:xfrm>
           <a:prstGeom prst="rect">
             <a:avLst/>
@@ -3655,7 +3659,7 @@
         <p:spPr>
           <a:xfrm>
             <a:off x="504000" y="1768680"/>
-            <a:ext cx="513720" cy="2090520"/>
+            <a:ext cx="250200" cy="2090160"/>
           </a:xfrm>
           <a:prstGeom prst="rect">
             <a:avLst/>
@@ -3684,8 +3688,8 @@
         </p:nvSpPr>
         <p:spPr>
           <a:xfrm>
-            <a:off x="1043640" y="1768680"/>
-            <a:ext cx="513720" cy="2090520"/>
+            <a:off x="767160" y="1768680"/>
+            <a:ext cx="250200" cy="2090160"/>
           </a:xfrm>
           <a:prstGeom prst="rect">
             <a:avLst/>
@@ -3714,8 +3718,8 @@
         </p:nvSpPr>
         <p:spPr>
           <a:xfrm>
-            <a:off x="504000" y="4058280"/>
-            <a:ext cx="513720" cy="2090520"/>
+            <a:off x="504000" y="4057920"/>
+            <a:ext cx="250200" cy="2090160"/>
           </a:xfrm>
           <a:prstGeom prst="rect">
             <a:avLst/>
@@ -3744,8 +3748,8 @@
         </p:nvSpPr>
         <p:spPr>
           <a:xfrm>
-            <a:off x="1043640" y="4058280"/>
-            <a:ext cx="513720" cy="2090520"/>
+            <a:off x="767160" y="4057920"/>
+            <a:ext cx="250200" cy="2090160"/>
           </a:xfrm>
           <a:prstGeom prst="rect">
             <a:avLst/>
@@ -3797,7 +3801,7 @@
         <p:spPr>
           <a:xfrm>
             <a:off x="504000" y="261720"/>
-            <a:ext cx="9070920" cy="1341000"/>
+            <a:ext cx="9070560" cy="1341000"/>
           </a:xfrm>
           <a:prstGeom prst="rect">
             <a:avLst/>
@@ -3828,7 +3832,7 @@
         <p:spPr>
           <a:xfrm>
             <a:off x="504000" y="1768680"/>
-            <a:ext cx="338760" cy="2090520"/>
+            <a:ext cx="164880" cy="2090160"/>
           </a:xfrm>
           <a:prstGeom prst="rect">
             <a:avLst/>
@@ -3857,8 +3861,8 @@
         </p:nvSpPr>
         <p:spPr>
           <a:xfrm>
-            <a:off x="860040" y="1768680"/>
-            <a:ext cx="338760" cy="2090520"/>
+            <a:off x="677520" y="1768680"/>
+            <a:ext cx="164880" cy="2090160"/>
           </a:xfrm>
           <a:prstGeom prst="rect">
             <a:avLst/>
@@ -3887,8 +3891,8 @@
         </p:nvSpPr>
         <p:spPr>
           <a:xfrm>
-            <a:off x="1216080" y="1768680"/>
-            <a:ext cx="338760" cy="2090520"/>
+            <a:off x="851040" y="1768680"/>
+            <a:ext cx="164880" cy="2090160"/>
           </a:xfrm>
           <a:prstGeom prst="rect">
             <a:avLst/>
@@ -3917,8 +3921,8 @@
         </p:nvSpPr>
         <p:spPr>
           <a:xfrm>
-            <a:off x="504000" y="4058280"/>
-            <a:ext cx="338760" cy="2090520"/>
+            <a:off x="504000" y="4057920"/>
+            <a:ext cx="164880" cy="2090160"/>
           </a:xfrm>
           <a:prstGeom prst="rect">
             <a:avLst/>
@@ -3947,8 +3951,8 @@
         </p:nvSpPr>
         <p:spPr>
           <a:xfrm>
-            <a:off x="860040" y="4058280"/>
-            <a:ext cx="338760" cy="2090520"/>
+            <a:off x="677520" y="4057920"/>
+            <a:ext cx="164880" cy="2090160"/>
           </a:xfrm>
           <a:prstGeom prst="rect">
             <a:avLst/>
@@ -3977,8 +3981,8 @@
         </p:nvSpPr>
         <p:spPr>
           <a:xfrm>
-            <a:off x="1216080" y="4058280"/>
-            <a:ext cx="338760" cy="2090520"/>
+            <a:off x="851040" y="4057920"/>
+            <a:ext cx="164880" cy="2090160"/>
           </a:xfrm>
           <a:prstGeom prst="rect">
             <a:avLst/>
@@ -4052,7 +4056,7 @@
         <p:spPr>
           <a:xfrm>
             <a:off x="504000" y="261720"/>
-            <a:ext cx="9070920" cy="1341000"/>
+            <a:ext cx="9070560" cy="1341000"/>
           </a:xfrm>
           <a:prstGeom prst="rect">
             <a:avLst/>
@@ -4082,8 +4086,8 @@
         </p:nvSpPr>
         <p:spPr>
           <a:xfrm>
-            <a:off x="504000" y="1768680"/>
-            <a:ext cx="1053360" cy="4383000"/>
+            <a:off x="504000" y="1315800"/>
+            <a:ext cx="513360" cy="5288760"/>
           </a:xfrm>
           <a:prstGeom prst="rect">
             <a:avLst/>
@@ -4136,7 +4140,7 @@
         <p:spPr>
           <a:xfrm>
             <a:off x="504000" y="261720"/>
-            <a:ext cx="9070920" cy="1341000"/>
+            <a:ext cx="9070560" cy="1341000"/>
           </a:xfrm>
           <a:prstGeom prst="rect">
             <a:avLst/>
@@ -4167,7 +4171,7 @@
         <p:spPr>
           <a:xfrm>
             <a:off x="504000" y="1768680"/>
-            <a:ext cx="1053360" cy="4383000"/>
+            <a:ext cx="513360" cy="4382640"/>
           </a:xfrm>
           <a:prstGeom prst="rect">
             <a:avLst/>
@@ -4175,7 +4179,7 @@
         </p:spPr>
         <p:txBody>
           <a:bodyPr lIns="0" rIns="0" tIns="0" bIns="0">
-            <a:normAutofit fontScale="84000"/>
+            <a:normAutofit fontScale="74000"/>
           </a:bodyPr>
           <a:p>
             <a:endParaRPr b="0" lang="en-US" sz="3200" spc="-1" strike="noStrike">
@@ -4219,7 +4223,7 @@
         <p:spPr>
           <a:xfrm>
             <a:off x="504000" y="261720"/>
-            <a:ext cx="9070920" cy="1341000"/>
+            <a:ext cx="9070560" cy="1341000"/>
           </a:xfrm>
           <a:prstGeom prst="rect">
             <a:avLst/>
@@ -4250,7 +4254,7 @@
         <p:spPr>
           <a:xfrm>
             <a:off x="504000" y="1768680"/>
-            <a:ext cx="513720" cy="4383000"/>
+            <a:ext cx="250200" cy="4382640"/>
           </a:xfrm>
           <a:prstGeom prst="rect">
             <a:avLst/>
@@ -4279,8 +4283,8 @@
         </p:nvSpPr>
         <p:spPr>
           <a:xfrm>
-            <a:off x="1043640" y="1768680"/>
-            <a:ext cx="513720" cy="4383000"/>
+            <a:off x="767160" y="1768680"/>
+            <a:ext cx="250200" cy="4382640"/>
           </a:xfrm>
           <a:prstGeom prst="rect">
             <a:avLst/>
@@ -4332,7 +4336,7 @@
         <p:spPr>
           <a:xfrm>
             <a:off x="504000" y="261720"/>
-            <a:ext cx="9070920" cy="1341000"/>
+            <a:ext cx="9070560" cy="1341000"/>
           </a:xfrm>
           <a:prstGeom prst="rect">
             <a:avLst/>
@@ -4363,7 +4367,7 @@
         <p:spPr>
           <a:xfrm>
             <a:off x="504000" y="1768680"/>
-            <a:ext cx="513720" cy="4383000"/>
+            <a:ext cx="250200" cy="4382640"/>
           </a:xfrm>
           <a:prstGeom prst="rect">
             <a:avLst/>
@@ -4392,8 +4396,8 @@
         </p:nvSpPr>
         <p:spPr>
           <a:xfrm>
-            <a:off x="1043640" y="1768680"/>
-            <a:ext cx="513720" cy="4383000"/>
+            <a:off x="767160" y="1768680"/>
+            <a:ext cx="250200" cy="4382640"/>
           </a:xfrm>
           <a:prstGeom prst="rect">
             <a:avLst/>
@@ -4445,7 +4449,7 @@
         <p:spPr>
           <a:xfrm>
             <a:off x="504000" y="261720"/>
-            <a:ext cx="9070920" cy="1341000"/>
+            <a:ext cx="9070560" cy="1341000"/>
           </a:xfrm>
           <a:prstGeom prst="rect">
             <a:avLst/>
@@ -4498,7 +4502,7 @@
         <p:spPr>
           <a:xfrm>
             <a:off x="504000" y="261720"/>
-            <a:ext cx="9070920" cy="6217560"/>
+            <a:ext cx="9070560" cy="6217560"/>
           </a:xfrm>
           <a:prstGeom prst="rect">
             <a:avLst/>
@@ -4551,7 +4555,7 @@
         <p:spPr>
           <a:xfrm>
             <a:off x="504000" y="261720"/>
-            <a:ext cx="9070920" cy="1341000"/>
+            <a:ext cx="9070560" cy="1341000"/>
           </a:xfrm>
           <a:prstGeom prst="rect">
             <a:avLst/>
@@ -4582,7 +4586,7 @@
         <p:spPr>
           <a:xfrm>
             <a:off x="504000" y="1768680"/>
-            <a:ext cx="513720" cy="2090520"/>
+            <a:ext cx="250200" cy="2090160"/>
           </a:xfrm>
           <a:prstGeom prst="rect">
             <a:avLst/>
@@ -4611,8 +4615,8 @@
         </p:nvSpPr>
         <p:spPr>
           <a:xfrm>
-            <a:off x="1043640" y="1768680"/>
-            <a:ext cx="513720" cy="4383000"/>
+            <a:off x="767160" y="1768680"/>
+            <a:ext cx="250200" cy="4382640"/>
           </a:xfrm>
           <a:prstGeom prst="rect">
             <a:avLst/>
@@ -4641,8 +4645,8 @@
         </p:nvSpPr>
         <p:spPr>
           <a:xfrm>
-            <a:off x="504000" y="4058280"/>
-            <a:ext cx="513720" cy="2090520"/>
+            <a:off x="504000" y="4057920"/>
+            <a:ext cx="250200" cy="2090160"/>
           </a:xfrm>
           <a:prstGeom prst="rect">
             <a:avLst/>
@@ -4694,7 +4698,7 @@
         <p:spPr>
           <a:xfrm>
             <a:off x="504000" y="261720"/>
-            <a:ext cx="9070920" cy="1341000"/>
+            <a:ext cx="9070560" cy="1341000"/>
           </a:xfrm>
           <a:prstGeom prst="rect">
             <a:avLst/>
@@ -4725,7 +4729,7 @@
         <p:spPr>
           <a:xfrm>
             <a:off x="504000" y="1768680"/>
-            <a:ext cx="513720" cy="4383000"/>
+            <a:ext cx="250200" cy="4382640"/>
           </a:xfrm>
           <a:prstGeom prst="rect">
             <a:avLst/>
@@ -4754,8 +4758,8 @@
         </p:nvSpPr>
         <p:spPr>
           <a:xfrm>
-            <a:off x="1043640" y="1768680"/>
-            <a:ext cx="513720" cy="2090520"/>
+            <a:off x="767160" y="1768680"/>
+            <a:ext cx="250200" cy="2090160"/>
           </a:xfrm>
           <a:prstGeom prst="rect">
             <a:avLst/>
@@ -4784,8 +4788,8 @@
         </p:nvSpPr>
         <p:spPr>
           <a:xfrm>
-            <a:off x="1043640" y="4058280"/>
-            <a:ext cx="513720" cy="2090520"/>
+            <a:off x="767160" y="4057920"/>
+            <a:ext cx="250200" cy="2090160"/>
           </a:xfrm>
           <a:prstGeom prst="rect">
             <a:avLst/>
@@ -4837,7 +4841,7 @@
         <p:spPr>
           <a:xfrm>
             <a:off x="504000" y="261720"/>
-            <a:ext cx="9070920" cy="1341000"/>
+            <a:ext cx="9070560" cy="1341000"/>
           </a:xfrm>
           <a:prstGeom prst="rect">
             <a:avLst/>
@@ -4868,7 +4872,7 @@
         <p:spPr>
           <a:xfrm>
             <a:off x="504000" y="1768680"/>
-            <a:ext cx="513720" cy="2090520"/>
+            <a:ext cx="250200" cy="2090160"/>
           </a:xfrm>
           <a:prstGeom prst="rect">
             <a:avLst/>
@@ -4897,8 +4901,8 @@
         </p:nvSpPr>
         <p:spPr>
           <a:xfrm>
-            <a:off x="1043640" y="1768680"/>
-            <a:ext cx="513720" cy="2090520"/>
+            <a:off x="767160" y="1768680"/>
+            <a:ext cx="250200" cy="2090160"/>
           </a:xfrm>
           <a:prstGeom prst="rect">
             <a:avLst/>
@@ -4927,8 +4931,8 @@
         </p:nvSpPr>
         <p:spPr>
           <a:xfrm>
-            <a:off x="504000" y="4058280"/>
-            <a:ext cx="1053360" cy="2090520"/>
+            <a:off x="504000" y="4057920"/>
+            <a:ext cx="513360" cy="2090160"/>
           </a:xfrm>
           <a:prstGeom prst="rect">
             <a:avLst/>
@@ -4936,7 +4940,7 @@
         </p:spPr>
         <p:txBody>
           <a:bodyPr lIns="0" rIns="0" tIns="0" bIns="0">
-            <a:normAutofit fontScale="27000"/>
+            <a:normAutofit fontScale="24000"/>
           </a:bodyPr>
           <a:p>
             <a:endParaRPr b="0" lang="en-US" sz="3200" spc="-1" strike="noStrike">
@@ -4980,7 +4984,7 @@
         <p:spPr>
           <a:xfrm>
             <a:off x="504000" y="261720"/>
-            <a:ext cx="9070920" cy="1341000"/>
+            <a:ext cx="9070560" cy="1341000"/>
           </a:xfrm>
           <a:prstGeom prst="rect">
             <a:avLst/>
@@ -5011,7 +5015,7 @@
         <p:spPr>
           <a:xfrm>
             <a:off x="504000" y="1768680"/>
-            <a:ext cx="1053360" cy="2090520"/>
+            <a:ext cx="513360" cy="2090160"/>
           </a:xfrm>
           <a:prstGeom prst="rect">
             <a:avLst/>
@@ -5019,7 +5023,7 @@
         </p:spPr>
         <p:txBody>
           <a:bodyPr lIns="0" rIns="0" tIns="0" bIns="0">
-            <a:normAutofit fontScale="27000"/>
+            <a:normAutofit fontScale="24000"/>
           </a:bodyPr>
           <a:p>
             <a:endParaRPr b="0" lang="en-US" sz="3200" spc="-1" strike="noStrike">
@@ -5040,8 +5044,8 @@
         </p:nvSpPr>
         <p:spPr>
           <a:xfrm>
-            <a:off x="504000" y="4058280"/>
-            <a:ext cx="1053360" cy="2090520"/>
+            <a:off x="504000" y="4057920"/>
+            <a:ext cx="513360" cy="2090160"/>
           </a:xfrm>
           <a:prstGeom prst="rect">
             <a:avLst/>
@@ -5049,7 +5053,7 @@
         </p:spPr>
         <p:txBody>
           <a:bodyPr lIns="0" rIns="0" tIns="0" bIns="0">
-            <a:normAutofit fontScale="27000"/>
+            <a:normAutofit fontScale="24000"/>
           </a:bodyPr>
           <a:p>
             <a:endParaRPr b="0" lang="en-US" sz="3200" spc="-1" strike="noStrike">
@@ -5093,7 +5097,7 @@
         <p:spPr>
           <a:xfrm>
             <a:off x="504000" y="261720"/>
-            <a:ext cx="9070920" cy="1341000"/>
+            <a:ext cx="9070560" cy="1341000"/>
           </a:xfrm>
           <a:prstGeom prst="rect">
             <a:avLst/>
@@ -5124,7 +5128,7 @@
         <p:spPr>
           <a:xfrm>
             <a:off x="504000" y="1768680"/>
-            <a:ext cx="513720" cy="2090520"/>
+            <a:ext cx="250200" cy="2090160"/>
           </a:xfrm>
           <a:prstGeom prst="rect">
             <a:avLst/>
@@ -5153,8 +5157,8 @@
         </p:nvSpPr>
         <p:spPr>
           <a:xfrm>
-            <a:off x="1043640" y="1768680"/>
-            <a:ext cx="513720" cy="2090520"/>
+            <a:off x="767160" y="1768680"/>
+            <a:ext cx="250200" cy="2090160"/>
           </a:xfrm>
           <a:prstGeom prst="rect">
             <a:avLst/>
@@ -5183,8 +5187,8 @@
         </p:nvSpPr>
         <p:spPr>
           <a:xfrm>
-            <a:off x="504000" y="4058280"/>
-            <a:ext cx="513720" cy="2090520"/>
+            <a:off x="504000" y="4057920"/>
+            <a:ext cx="250200" cy="2090160"/>
           </a:xfrm>
           <a:prstGeom prst="rect">
             <a:avLst/>
@@ -5213,8 +5217,8 @@
         </p:nvSpPr>
         <p:spPr>
           <a:xfrm>
-            <a:off x="1043640" y="4058280"/>
-            <a:ext cx="513720" cy="2090520"/>
+            <a:off x="767160" y="4057920"/>
+            <a:ext cx="250200" cy="2090160"/>
           </a:xfrm>
           <a:prstGeom prst="rect">
             <a:avLst/>
@@ -5266,7 +5270,7 @@
         <p:spPr>
           <a:xfrm>
             <a:off x="504000" y="261720"/>
-            <a:ext cx="9070920" cy="1341000"/>
+            <a:ext cx="9070560" cy="1341000"/>
           </a:xfrm>
           <a:prstGeom prst="rect">
             <a:avLst/>
@@ -5297,7 +5301,7 @@
         <p:spPr>
           <a:xfrm>
             <a:off x="504000" y="1768680"/>
-            <a:ext cx="338760" cy="2090520"/>
+            <a:ext cx="164880" cy="2090160"/>
           </a:xfrm>
           <a:prstGeom prst="rect">
             <a:avLst/>
@@ -5326,8 +5330,8 @@
         </p:nvSpPr>
         <p:spPr>
           <a:xfrm>
-            <a:off x="860040" y="1768680"/>
-            <a:ext cx="338760" cy="2090520"/>
+            <a:off x="677520" y="1768680"/>
+            <a:ext cx="164880" cy="2090160"/>
           </a:xfrm>
           <a:prstGeom prst="rect">
             <a:avLst/>
@@ -5356,8 +5360,8 @@
         </p:nvSpPr>
         <p:spPr>
           <a:xfrm>
-            <a:off x="1216080" y="1768680"/>
-            <a:ext cx="338760" cy="2090520"/>
+            <a:off x="851040" y="1768680"/>
+            <a:ext cx="164880" cy="2090160"/>
           </a:xfrm>
           <a:prstGeom prst="rect">
             <a:avLst/>
@@ -5386,8 +5390,8 @@
         </p:nvSpPr>
         <p:spPr>
           <a:xfrm>
-            <a:off x="504000" y="4058280"/>
-            <a:ext cx="338760" cy="2090520"/>
+            <a:off x="504000" y="4057920"/>
+            <a:ext cx="164880" cy="2090160"/>
           </a:xfrm>
           <a:prstGeom prst="rect">
             <a:avLst/>
@@ -5416,8 +5420,8 @@
         </p:nvSpPr>
         <p:spPr>
           <a:xfrm>
-            <a:off x="860040" y="4058280"/>
-            <a:ext cx="338760" cy="2090520"/>
+            <a:off x="677520" y="4057920"/>
+            <a:ext cx="164880" cy="2090160"/>
           </a:xfrm>
           <a:prstGeom prst="rect">
             <a:avLst/>
@@ -5446,8 +5450,8 @@
         </p:nvSpPr>
         <p:spPr>
           <a:xfrm>
-            <a:off x="1216080" y="4058280"/>
-            <a:ext cx="338760" cy="2090520"/>
+            <a:off x="851040" y="4057920"/>
+            <a:ext cx="164880" cy="2090160"/>
           </a:xfrm>
           <a:prstGeom prst="rect">
             <a:avLst/>
@@ -5499,7 +5503,7 @@
         <p:spPr>
           <a:xfrm>
             <a:off x="504000" y="261720"/>
-            <a:ext cx="9070920" cy="1341000"/>
+            <a:ext cx="9070560" cy="1341000"/>
           </a:xfrm>
           <a:prstGeom prst="rect">
             <a:avLst/>
@@ -5552,7 +5556,7 @@
         <p:spPr>
           <a:xfrm>
             <a:off x="504000" y="261720"/>
-            <a:ext cx="9070920" cy="6217560"/>
+            <a:ext cx="9070560" cy="6217560"/>
           </a:xfrm>
           <a:prstGeom prst="rect">
             <a:avLst/>
@@ -5605,7 +5609,7 @@
         <p:spPr>
           <a:xfrm>
             <a:off x="504000" y="261720"/>
-            <a:ext cx="9070920" cy="1341000"/>
+            <a:ext cx="9070560" cy="1341000"/>
           </a:xfrm>
           <a:prstGeom prst="rect">
             <a:avLst/>
@@ -5636,7 +5640,7 @@
         <p:spPr>
           <a:xfrm>
             <a:off x="504000" y="1768680"/>
-            <a:ext cx="513720" cy="2090520"/>
+            <a:ext cx="250200" cy="2090160"/>
           </a:xfrm>
           <a:prstGeom prst="rect">
             <a:avLst/>
@@ -5665,8 +5669,8 @@
         </p:nvSpPr>
         <p:spPr>
           <a:xfrm>
-            <a:off x="1043640" y="1768680"/>
-            <a:ext cx="513720" cy="4383000"/>
+            <a:off x="767160" y="1768680"/>
+            <a:ext cx="250200" cy="4382640"/>
           </a:xfrm>
           <a:prstGeom prst="rect">
             <a:avLst/>
@@ -5695,8 +5699,8 @@
         </p:nvSpPr>
         <p:spPr>
           <a:xfrm>
-            <a:off x="504000" y="4058280"/>
-            <a:ext cx="513720" cy="2090520"/>
+            <a:off x="504000" y="4057920"/>
+            <a:ext cx="250200" cy="2090160"/>
           </a:xfrm>
           <a:prstGeom prst="rect">
             <a:avLst/>
@@ -5748,7 +5752,7 @@
         <p:spPr>
           <a:xfrm>
             <a:off x="504000" y="261720"/>
-            <a:ext cx="9070920" cy="1341000"/>
+            <a:ext cx="9070560" cy="1341000"/>
           </a:xfrm>
           <a:prstGeom prst="rect">
             <a:avLst/>
@@ -5779,7 +5783,7 @@
         <p:spPr>
           <a:xfrm>
             <a:off x="504000" y="1768680"/>
-            <a:ext cx="513720" cy="4383000"/>
+            <a:ext cx="250200" cy="4382640"/>
           </a:xfrm>
           <a:prstGeom prst="rect">
             <a:avLst/>
@@ -5808,8 +5812,8 @@
         </p:nvSpPr>
         <p:spPr>
           <a:xfrm>
-            <a:off x="1043640" y="1768680"/>
-            <a:ext cx="513720" cy="2090520"/>
+            <a:off x="767160" y="1768680"/>
+            <a:ext cx="250200" cy="2090160"/>
           </a:xfrm>
           <a:prstGeom prst="rect">
             <a:avLst/>
@@ -5838,8 +5842,8 @@
         </p:nvSpPr>
         <p:spPr>
           <a:xfrm>
-            <a:off x="1043640" y="4058280"/>
-            <a:ext cx="513720" cy="2090520"/>
+            <a:off x="767160" y="4057920"/>
+            <a:ext cx="250200" cy="2090160"/>
           </a:xfrm>
           <a:prstGeom prst="rect">
             <a:avLst/>
@@ -5891,7 +5895,7 @@
         <p:spPr>
           <a:xfrm>
             <a:off x="504000" y="261720"/>
-            <a:ext cx="9070920" cy="1341000"/>
+            <a:ext cx="9070560" cy="1341000"/>
           </a:xfrm>
           <a:prstGeom prst="rect">
             <a:avLst/>
@@ -5922,7 +5926,7 @@
         <p:spPr>
           <a:xfrm>
             <a:off x="504000" y="1768680"/>
-            <a:ext cx="513720" cy="2090520"/>
+            <a:ext cx="250200" cy="2090160"/>
           </a:xfrm>
           <a:prstGeom prst="rect">
             <a:avLst/>
@@ -5951,8 +5955,8 @@
         </p:nvSpPr>
         <p:spPr>
           <a:xfrm>
-            <a:off x="1043640" y="1768680"/>
-            <a:ext cx="513720" cy="2090520"/>
+            <a:off x="767160" y="1768680"/>
+            <a:ext cx="250200" cy="2090160"/>
           </a:xfrm>
           <a:prstGeom prst="rect">
             <a:avLst/>
@@ -5981,8 +5985,8 @@
         </p:nvSpPr>
         <p:spPr>
           <a:xfrm>
-            <a:off x="504000" y="4058280"/>
-            <a:ext cx="1053360" cy="2090520"/>
+            <a:off x="504000" y="4057920"/>
+            <a:ext cx="513360" cy="2090160"/>
           </a:xfrm>
           <a:prstGeom prst="rect">
             <a:avLst/>
@@ -5990,7 +5994,7 @@
         </p:spPr>
         <p:txBody>
           <a:bodyPr lIns="0" rIns="0" tIns="0" bIns="0">
-            <a:normAutofit fontScale="27000"/>
+            <a:normAutofit fontScale="24000"/>
           </a:bodyPr>
           <a:p>
             <a:endParaRPr b="0" lang="en-US" sz="3200" spc="-1" strike="noStrike">
@@ -6030,7 +6034,7 @@
         <p:spPr>
           <a:xfrm>
             <a:off x="0" y="3150000"/>
-            <a:ext cx="9717840" cy="1257840"/>
+            <a:ext cx="9717480" cy="1257480"/>
           </a:xfrm>
           <a:prstGeom prst="rect">
             <a:avLst/>
@@ -6347,7 +6351,7 @@
         <p:spPr>
           <a:xfrm>
             <a:off x="0" y="180000"/>
-            <a:ext cx="9717840" cy="1257840"/>
+            <a:ext cx="9717480" cy="1257480"/>
           </a:xfrm>
           <a:prstGeom prst="rect">
             <a:avLst/>
@@ -6375,7 +6379,7 @@
         <p:spPr>
           <a:xfrm>
             <a:off x="7560000" y="6840000"/>
-            <a:ext cx="2517840" cy="537840"/>
+            <a:ext cx="2517480" cy="537480"/>
           </a:xfrm>
           <a:prstGeom prst="rect">
             <a:avLst/>
@@ -6403,7 +6407,7 @@
         <p:spPr>
           <a:xfrm>
             <a:off x="900000" y="6840000"/>
-            <a:ext cx="6477840" cy="537840"/>
+            <a:ext cx="6477480" cy="537480"/>
           </a:xfrm>
           <a:prstGeom prst="rect">
             <a:avLst/>
@@ -6431,7 +6435,7 @@
         <p:spPr>
           <a:xfrm>
             <a:off x="180000" y="6840000"/>
-            <a:ext cx="537840" cy="537840"/>
+            <a:ext cx="537480" cy="537480"/>
           </a:xfrm>
           <a:prstGeom prst="rect">
             <a:avLst/>
@@ -6461,7 +6465,7 @@
         <p:spPr>
           <a:xfrm>
             <a:off x="504000" y="261720"/>
-            <a:ext cx="9070920" cy="1341000"/>
+            <a:ext cx="9070560" cy="1341000"/>
           </a:xfrm>
           <a:prstGeom prst="rect">
             <a:avLst/>
@@ -6497,7 +6501,7 @@
         <p:spPr>
           <a:xfrm>
             <a:off x="504000" y="1768680"/>
-            <a:ext cx="1053360" cy="4383000"/>
+            <a:ext cx="513360" cy="4382640"/>
           </a:xfrm>
           <a:prstGeom prst="rect">
             <a:avLst/>
@@ -6711,8 +6715,8 @@
         </p:nvSpPr>
         <p:spPr>
           <a:xfrm>
-            <a:off x="1610640" y="1768680"/>
-            <a:ext cx="1053360" cy="4383000"/>
+            <a:off x="1043640" y="1768680"/>
+            <a:ext cx="513360" cy="4382640"/>
           </a:xfrm>
           <a:prstGeom prst="rect">
             <a:avLst/>
@@ -6960,7 +6964,7 @@
         <p:spPr>
           <a:xfrm>
             <a:off x="0" y="180000"/>
-            <a:ext cx="9717840" cy="1257840"/>
+            <a:ext cx="9717480" cy="1257480"/>
           </a:xfrm>
           <a:prstGeom prst="rect">
             <a:avLst/>
@@ -6988,7 +6992,7 @@
         <p:spPr>
           <a:xfrm>
             <a:off x="7560000" y="6840000"/>
-            <a:ext cx="2517840" cy="537840"/>
+            <a:ext cx="2517480" cy="537480"/>
           </a:xfrm>
           <a:prstGeom prst="rect">
             <a:avLst/>
@@ -7016,7 +7020,7 @@
         <p:spPr>
           <a:xfrm>
             <a:off x="900000" y="6840000"/>
-            <a:ext cx="6477840" cy="537840"/>
+            <a:ext cx="6477480" cy="537480"/>
           </a:xfrm>
           <a:prstGeom prst="rect">
             <a:avLst/>
@@ -7044,7 +7048,7 @@
         <p:spPr>
           <a:xfrm>
             <a:off x="180000" y="6840000"/>
-            <a:ext cx="537840" cy="537840"/>
+            <a:ext cx="537480" cy="537480"/>
           </a:xfrm>
           <a:prstGeom prst="rect">
             <a:avLst/>
@@ -7359,7 +7363,7 @@
         <p:spPr>
           <a:xfrm>
             <a:off x="0" y="180000"/>
-            <a:ext cx="9717840" cy="1257840"/>
+            <a:ext cx="9717480" cy="1257480"/>
           </a:xfrm>
           <a:prstGeom prst="rect">
             <a:avLst/>
@@ -7387,7 +7391,7 @@
         <p:spPr>
           <a:xfrm>
             <a:off x="7560000" y="6840000"/>
-            <a:ext cx="2517840" cy="537840"/>
+            <a:ext cx="2517480" cy="537480"/>
           </a:xfrm>
           <a:prstGeom prst="rect">
             <a:avLst/>
@@ -7415,7 +7419,7 @@
         <p:spPr>
           <a:xfrm>
             <a:off x="900000" y="6840000"/>
-            <a:ext cx="6477840" cy="537840"/>
+            <a:ext cx="6477480" cy="537480"/>
           </a:xfrm>
           <a:prstGeom prst="rect">
             <a:avLst/>
@@ -7443,7 +7447,7 @@
         <p:spPr>
           <a:xfrm>
             <a:off x="180000" y="6840000"/>
-            <a:ext cx="537840" cy="537840"/>
+            <a:ext cx="537480" cy="537480"/>
           </a:xfrm>
           <a:prstGeom prst="rect">
             <a:avLst/>
@@ -7473,7 +7477,7 @@
         <p:spPr>
           <a:xfrm>
             <a:off x="504000" y="261720"/>
-            <a:ext cx="9070920" cy="1341000"/>
+            <a:ext cx="9070560" cy="1341000"/>
           </a:xfrm>
           <a:prstGeom prst="rect">
             <a:avLst/>
@@ -7509,7 +7513,7 @@
         <p:spPr>
           <a:xfrm>
             <a:off x="504000" y="1768680"/>
-            <a:ext cx="1053360" cy="4383000"/>
+            <a:ext cx="513360" cy="4382640"/>
           </a:xfrm>
           <a:prstGeom prst="rect">
             <a:avLst/>
@@ -7723,8 +7727,8 @@
         </p:nvSpPr>
         <p:spPr>
           <a:xfrm>
-            <a:off x="1610640" y="1768680"/>
-            <a:ext cx="1053360" cy="4383000"/>
+            <a:off x="1043640" y="1768680"/>
+            <a:ext cx="513360" cy="4382640"/>
           </a:xfrm>
           <a:prstGeom prst="rect">
             <a:avLst/>
@@ -7972,7 +7976,7 @@
         <p:spPr>
           <a:xfrm>
             <a:off x="360000" y="3330000"/>
-            <a:ext cx="9357840" cy="897840"/>
+            <a:ext cx="9357480" cy="897480"/>
           </a:xfrm>
           <a:prstGeom prst="rect">
             <a:avLst/>
@@ -8033,7 +8037,7 @@
         <p:spPr>
           <a:xfrm>
             <a:off x="540000" y="4680000"/>
-            <a:ext cx="9177840" cy="2517840"/>
+            <a:ext cx="9177480" cy="2517480"/>
           </a:xfrm>
           <a:prstGeom prst="rect">
             <a:avLst/>
@@ -8122,9 +8126,9 @@
           <p:nvPr/>
         </p:nvSpPr>
         <p:spPr>
-          <a:xfrm rot="21586200">
-            <a:off x="6770520" y="4673880"/>
-            <a:ext cx="3015000" cy="1943640"/>
+          <a:xfrm>
+            <a:off x="6264000" y="2016000"/>
+            <a:ext cx="3024000" cy="1656000"/>
           </a:xfrm>
           <a:prstGeom prst="rect">
             <a:avLst/>
@@ -8153,9 +8157,9 @@
           <p:nvPr/>
         </p:nvSpPr>
         <p:spPr>
-          <a:xfrm>
-            <a:off x="504000" y="2952000"/>
-            <a:ext cx="5902920" cy="3742920"/>
+          <a:xfrm rot="21586200">
+            <a:off x="6770160" y="4673880"/>
+            <a:ext cx="3014640" cy="1943280"/>
           </a:xfrm>
           <a:prstGeom prst="rect">
             <a:avLst/>
@@ -8185,15 +8189,20 @@
         </p:nvSpPr>
         <p:spPr>
           <a:xfrm>
-            <a:off x="504000" y="596520"/>
-            <a:ext cx="9070920" cy="670320"/>
-          </a:xfrm>
-          <a:prstGeom prst="rect">
-            <a:avLst/>
-          </a:prstGeom>
-          <a:noFill/>
-          <a:ln>
-            <a:noFill/>
+            <a:off x="504000" y="2952000"/>
+            <a:ext cx="5902560" cy="3742560"/>
+          </a:xfrm>
+          <a:prstGeom prst="rect">
+            <a:avLst/>
+          </a:prstGeom>
+          <a:solidFill>
+            <a:srgbClr val="afd095"/>
+          </a:solidFill>
+          <a:ln w="72000">
+            <a:solidFill>
+              <a:srgbClr val="3465a4"/>
+            </a:solidFill>
+            <a:round/>
           </a:ln>
         </p:spPr>
         <p:style>
@@ -8202,6 +8211,32 @@
           <a:effectRef idx="0"/>
           <a:fontRef idx="minor"/>
         </p:style>
+      </p:sp>
+      <p:sp>
+        <p:nvSpPr>
+          <p:cNvPr id="207" name="CustomShape 4"/>
+          <p:cNvSpPr/>
+          <p:nvPr/>
+        </p:nvSpPr>
+        <p:spPr>
+          <a:xfrm>
+            <a:off x="504000" y="596520"/>
+            <a:ext cx="9070560" cy="669960"/>
+          </a:xfrm>
+          <a:prstGeom prst="rect">
+            <a:avLst/>
+          </a:prstGeom>
+          <a:noFill/>
+          <a:ln>
+            <a:noFill/>
+          </a:ln>
+        </p:spPr>
+        <p:style>
+          <a:lnRef idx="0"/>
+          <a:fillRef idx="0"/>
+          <a:effectRef idx="0"/>
+          <a:fontRef idx="minor"/>
+        </p:style>
         <p:txBody>
           <a:bodyPr lIns="0" rIns="0" tIns="0" bIns="0" anchor="ctr">
             <a:spAutoFit/>
@@ -8250,14 +8285,14 @@
       </p:sp>
       <p:sp>
         <p:nvSpPr>
-          <p:cNvPr id="207" name="CustomShape 4"/>
+          <p:cNvPr id="208" name="CustomShape 5"/>
           <p:cNvSpPr/>
           <p:nvPr/>
         </p:nvSpPr>
         <p:spPr>
           <a:xfrm>
             <a:off x="1080000" y="4824000"/>
-            <a:ext cx="934920" cy="1294920"/>
+            <a:ext cx="934560" cy="1294560"/>
           </a:xfrm>
           <a:prstGeom prst="foldedCorner">
             <a:avLst>
@@ -8282,14 +8317,14 @@
       </p:sp>
       <p:sp>
         <p:nvSpPr>
-          <p:cNvPr id="208" name="CustomShape 5"/>
+          <p:cNvPr id="209" name="CustomShape 6"/>
           <p:cNvSpPr/>
           <p:nvPr/>
         </p:nvSpPr>
         <p:spPr>
           <a:xfrm>
             <a:off x="2016000" y="5873040"/>
-            <a:ext cx="1385280" cy="363960"/>
+            <a:ext cx="1384920" cy="363960"/>
           </a:xfrm>
           <a:prstGeom prst="rect">
             <a:avLst/>
@@ -8333,7 +8368,7 @@
       </p:sp>
       <p:sp>
         <p:nvSpPr>
-          <p:cNvPr id="209" name="Line 6"/>
+          <p:cNvPr id="210" name="Line 7"/>
           <p:cNvSpPr/>
           <p:nvPr/>
         </p:nvSpPr>
@@ -8361,7 +8396,7 @@
       </p:sp>
       <p:sp>
         <p:nvSpPr>
-          <p:cNvPr id="210" name="Line 7"/>
+          <p:cNvPr id="211" name="Line 8"/>
           <p:cNvSpPr/>
           <p:nvPr/>
         </p:nvSpPr>
@@ -8389,14 +8424,14 @@
       </p:sp>
       <p:sp>
         <p:nvSpPr>
-          <p:cNvPr id="211" name="CustomShape 8"/>
+          <p:cNvPr id="212" name="CustomShape 9"/>
           <p:cNvSpPr/>
           <p:nvPr/>
         </p:nvSpPr>
         <p:spPr>
           <a:xfrm>
             <a:off x="665280" y="3600000"/>
-            <a:ext cx="2285640" cy="363960"/>
+            <a:ext cx="2285280" cy="363960"/>
           </a:xfrm>
           <a:prstGeom prst="rect">
             <a:avLst/>
@@ -8440,14 +8475,14 @@
       </p:sp>
       <p:sp>
         <p:nvSpPr>
-          <p:cNvPr id="212" name="CustomShape 9"/>
+          <p:cNvPr id="213" name="CustomShape 10"/>
           <p:cNvSpPr/>
           <p:nvPr/>
         </p:nvSpPr>
         <p:spPr>
           <a:xfrm>
             <a:off x="3137040" y="4909680"/>
-            <a:ext cx="2189880" cy="363960"/>
+            <a:ext cx="2189520" cy="363960"/>
           </a:xfrm>
           <a:prstGeom prst="rect">
             <a:avLst/>
@@ -8501,14 +8536,14 @@
       </p:sp>
       <p:sp>
         <p:nvSpPr>
-          <p:cNvPr id="213" name="CustomShape 10"/>
+          <p:cNvPr id="214" name="CustomShape 11"/>
           <p:cNvSpPr/>
           <p:nvPr/>
         </p:nvSpPr>
         <p:spPr>
           <a:xfrm>
             <a:off x="3600000" y="3600000"/>
-            <a:ext cx="1366920" cy="718920"/>
+            <a:ext cx="1366560" cy="718560"/>
           </a:xfrm>
           <a:prstGeom prst="flowChartMagneticDisk">
             <a:avLst/>
@@ -8531,14 +8566,14 @@
       </p:sp>
       <p:sp>
         <p:nvSpPr>
-          <p:cNvPr id="214" name="CustomShape 11"/>
+          <p:cNvPr id="215" name="CustomShape 12"/>
           <p:cNvSpPr/>
           <p:nvPr/>
         </p:nvSpPr>
         <p:spPr>
           <a:xfrm>
             <a:off x="3312000" y="3209040"/>
-            <a:ext cx="1950480" cy="363960"/>
+            <a:ext cx="1950120" cy="363960"/>
           </a:xfrm>
           <a:prstGeom prst="rect">
             <a:avLst/>
@@ -8582,14 +8617,14 @@
       </p:sp>
       <p:sp>
         <p:nvSpPr>
-          <p:cNvPr id="215" name="CustomShape 12"/>
+          <p:cNvPr id="216" name="CustomShape 13"/>
           <p:cNvSpPr/>
           <p:nvPr/>
         </p:nvSpPr>
         <p:spPr>
           <a:xfrm>
             <a:off x="792000" y="2808000"/>
-            <a:ext cx="1222920" cy="502920"/>
+            <a:ext cx="1222560" cy="502560"/>
           </a:xfrm>
           <a:prstGeom prst="rect">
             <a:avLst/>
@@ -8637,7 +8672,7 @@
       </p:sp>
       <p:sp>
         <p:nvSpPr>
-          <p:cNvPr id="216" name="Line 13"/>
+          <p:cNvPr id="217" name="Line 14"/>
           <p:cNvSpPr/>
           <p:nvPr/>
         </p:nvSpPr>
@@ -8665,7 +8700,7 @@
       </p:sp>
       <p:sp>
         <p:nvSpPr>
-          <p:cNvPr id="217" name="Line 14"/>
+          <p:cNvPr id="218" name="Line 15"/>
           <p:cNvSpPr/>
           <p:nvPr/>
         </p:nvSpPr>
@@ -8693,14 +8728,14 @@
       </p:sp>
       <p:sp>
         <p:nvSpPr>
-          <p:cNvPr id="218" name="CustomShape 15"/>
+          <p:cNvPr id="219" name="CustomShape 16"/>
           <p:cNvSpPr/>
           <p:nvPr/>
         </p:nvSpPr>
         <p:spPr>
           <a:xfrm>
             <a:off x="6696000" y="2304000"/>
-            <a:ext cx="1942920" cy="718920"/>
+            <a:ext cx="1942560" cy="718560"/>
           </a:xfrm>
           <a:prstGeom prst="flowChartMagneticDisk">
             <a:avLst/>
@@ -8723,14 +8758,14 @@
       </p:sp>
       <p:sp>
         <p:nvSpPr>
-          <p:cNvPr id="219" name="CustomShape 16"/>
+          <p:cNvPr id="220" name="CustomShape 17"/>
           <p:cNvSpPr/>
           <p:nvPr/>
         </p:nvSpPr>
         <p:spPr>
           <a:xfrm>
             <a:off x="6730560" y="1985040"/>
-            <a:ext cx="1836360" cy="363960"/>
+            <a:ext cx="1836000" cy="363960"/>
           </a:xfrm>
           <a:prstGeom prst="rect">
             <a:avLst/>
@@ -8774,14 +8809,14 @@
       </p:sp>
       <p:sp>
         <p:nvSpPr>
-          <p:cNvPr id="220" name="CustomShape 17"/>
+          <p:cNvPr id="221" name="CustomShape 18"/>
           <p:cNvSpPr/>
           <p:nvPr/>
         </p:nvSpPr>
         <p:spPr>
           <a:xfrm>
             <a:off x="8856000" y="5688000"/>
-            <a:ext cx="574920" cy="790920"/>
+            <a:ext cx="574560" cy="790560"/>
           </a:xfrm>
           <a:prstGeom prst="foldedCorner">
             <a:avLst>
@@ -8806,14 +8841,14 @@
       </p:sp>
       <p:sp>
         <p:nvSpPr>
-          <p:cNvPr id="221" name="CustomShape 18"/>
+          <p:cNvPr id="222" name="CustomShape 19"/>
           <p:cNvSpPr/>
           <p:nvPr/>
         </p:nvSpPr>
         <p:spPr>
           <a:xfrm>
             <a:off x="7488000" y="4824000"/>
-            <a:ext cx="862920" cy="502920"/>
+            <a:ext cx="862560" cy="502560"/>
           </a:xfrm>
           <a:prstGeom prst="flowChartMagneticDisk">
             <a:avLst/>
@@ -8836,7 +8871,7 @@
       </p:sp>
       <p:sp>
         <p:nvSpPr>
-          <p:cNvPr id="222" name="Line 19"/>
+          <p:cNvPr id="223" name="Line 20"/>
           <p:cNvSpPr/>
           <p:nvPr/>
         </p:nvSpPr>
@@ -8864,7 +8899,7 @@
       </p:sp>
       <p:sp>
         <p:nvSpPr>
-          <p:cNvPr id="223" name="Line 20"/>
+          <p:cNvPr id="224" name="Line 21"/>
           <p:cNvSpPr/>
           <p:nvPr/>
         </p:nvSpPr>
@@ -8892,7 +8927,7 @@
       </p:sp>
       <p:sp>
         <p:nvSpPr>
-          <p:cNvPr id="224" name="Line 21"/>
+          <p:cNvPr id="225" name="Line 22"/>
           <p:cNvSpPr/>
           <p:nvPr/>
         </p:nvSpPr>
@@ -8920,7 +8955,7 @@
       </p:sp>
       <p:sp>
         <p:nvSpPr>
-          <p:cNvPr id="225" name="Line 22"/>
+          <p:cNvPr id="226" name="Line 23"/>
           <p:cNvSpPr/>
           <p:nvPr/>
         </p:nvSpPr>
@@ -8948,14 +8983,14 @@
       </p:sp>
       <p:sp>
         <p:nvSpPr>
-          <p:cNvPr id="226" name="CustomShape 23"/>
+          <p:cNvPr id="227" name="CustomShape 24"/>
           <p:cNvSpPr/>
           <p:nvPr/>
         </p:nvSpPr>
         <p:spPr>
           <a:xfrm>
             <a:off x="8496000" y="4392000"/>
-            <a:ext cx="1222920" cy="502920"/>
+            <a:ext cx="1222560" cy="502560"/>
           </a:xfrm>
           <a:prstGeom prst="rect">
             <a:avLst/>
@@ -8994,6 +9029,81 @@
                 <a:ea typeface="DejaVu Sans"/>
               </a:rPr>
               <a:t>ローカル’</a:t>
+            </a:r>
+            <a:endParaRPr b="0" lang="en-US" sz="1800" spc="-1" strike="noStrike">
+              <a:latin typeface="Arial"/>
+            </a:endParaRPr>
+          </a:p>
+        </p:txBody>
+      </p:sp>
+      <p:sp>
+        <p:nvSpPr>
+          <p:cNvPr id="228" name="CustomShape 25"/>
+          <p:cNvSpPr/>
+          <p:nvPr/>
+        </p:nvSpPr>
+        <p:spPr>
+          <a:xfrm>
+            <a:off x="4681440" y="1729440"/>
+            <a:ext cx="1942560" cy="502560"/>
+          </a:xfrm>
+          <a:prstGeom prst="rect">
+            <a:avLst/>
+          </a:prstGeom>
+          <a:solidFill>
+            <a:srgbClr val="729fcf"/>
+          </a:solidFill>
+          <a:ln>
+            <a:solidFill>
+              <a:srgbClr val="3465a4"/>
+            </a:solidFill>
+          </a:ln>
+        </p:spPr>
+        <p:style>
+          <a:lnRef idx="0"/>
+          <a:fillRef idx="0"/>
+          <a:effectRef idx="0"/>
+          <a:fontRef idx="minor"/>
+        </p:style>
+        <p:txBody>
+          <a:bodyPr wrap="none" lIns="90000" rIns="90000" tIns="45000" bIns="45000" anchor="ctr">
+            <a:noAutofit/>
+          </a:bodyPr>
+          <a:p>
+            <a:pPr algn="ctr">
+              <a:lnSpc>
+                <a:spcPct val="100000"/>
+              </a:lnSpc>
+            </a:pPr>
+            <a:r>
+              <a:rPr b="0" lang="en-US" sz="1800" spc="-1" strike="noStrike">
+                <a:solidFill>
+                  <a:srgbClr val="000000"/>
+                </a:solidFill>
+                <a:latin typeface="Arial"/>
+                <a:ea typeface="DejaVu Sans"/>
+              </a:rPr>
+              <a:t>リモート（</a:t>
+            </a:r>
+            <a:r>
+              <a:rPr b="0" lang="en-US" sz="1800" spc="-1" strike="noStrike">
+                <a:solidFill>
+                  <a:srgbClr val="000000"/>
+                </a:solidFill>
+                <a:latin typeface="Arial"/>
+                <a:ea typeface="DejaVu Sans"/>
+              </a:rPr>
+              <a:t>git hub</a:t>
+            </a:r>
+            <a:r>
+              <a:rPr b="0" lang="en-US" sz="1800" spc="-1" strike="noStrike">
+                <a:solidFill>
+                  <a:srgbClr val="000000"/>
+                </a:solidFill>
+                <a:latin typeface="Arial"/>
+                <a:ea typeface="DejaVu Sans"/>
+              </a:rPr>
+              <a:t>）</a:t>
             </a:r>
             <a:endParaRPr b="0" lang="en-US" sz="1800" spc="-1" strike="noStrike">
               <a:latin typeface="Arial"/>
@@ -9033,14 +9143,14 @@
       </p:grpSpPr>
       <p:sp>
         <p:nvSpPr>
-          <p:cNvPr id="227" name="CustomShape 1"/>
+          <p:cNvPr id="229" name="CustomShape 1"/>
           <p:cNvSpPr/>
           <p:nvPr/>
         </p:nvSpPr>
         <p:spPr>
           <a:xfrm>
             <a:off x="504000" y="383040"/>
-            <a:ext cx="9070920" cy="1097280"/>
+            <a:ext cx="9070560" cy="1096920"/>
           </a:xfrm>
           <a:prstGeom prst="rect">
             <a:avLst/>
@@ -9115,7 +9225,7 @@
       </p:sp>
       <p:pic>
         <p:nvPicPr>
-          <p:cNvPr id="228" name="" descr=""/>
+          <p:cNvPr id="230" name="" descr=""/>
           <p:cNvPicPr/>
           <p:nvPr/>
         </p:nvPicPr>
@@ -9126,7 +9236,7 @@
         <p:spPr>
           <a:xfrm>
             <a:off x="504000" y="1881000"/>
-            <a:ext cx="9317880" cy="4453920"/>
+            <a:ext cx="9317520" cy="4453560"/>
           </a:xfrm>
           <a:prstGeom prst="rect">
             <a:avLst/>
@@ -9138,14 +9248,14 @@
       </p:pic>
       <p:sp>
         <p:nvSpPr>
-          <p:cNvPr id="229" name="CustomShape 2"/>
+          <p:cNvPr id="231" name="CustomShape 2"/>
           <p:cNvSpPr/>
           <p:nvPr/>
         </p:nvSpPr>
         <p:spPr>
           <a:xfrm>
             <a:off x="2520000" y="4896000"/>
-            <a:ext cx="790920" cy="1078920"/>
+            <a:ext cx="790560" cy="1078560"/>
           </a:xfrm>
           <a:prstGeom prst="flowChartPunchedCard">
             <a:avLst/>
@@ -9168,14 +9278,14 @@
       </p:sp>
       <p:sp>
         <p:nvSpPr>
-          <p:cNvPr id="230" name="CustomShape 3"/>
+          <p:cNvPr id="232" name="CustomShape 3"/>
           <p:cNvSpPr/>
           <p:nvPr/>
         </p:nvSpPr>
         <p:spPr>
           <a:xfrm>
             <a:off x="3816000" y="5112000"/>
-            <a:ext cx="2709360" cy="363960"/>
+            <a:ext cx="2709000" cy="363960"/>
           </a:xfrm>
           <a:prstGeom prst="rect">
             <a:avLst/>
@@ -9219,14 +9329,14 @@
       </p:sp>
       <p:sp>
         <p:nvSpPr>
-          <p:cNvPr id="231" name="CustomShape 4"/>
+          <p:cNvPr id="233" name="CustomShape 4"/>
           <p:cNvSpPr/>
           <p:nvPr/>
         </p:nvSpPr>
         <p:spPr>
           <a:xfrm>
             <a:off x="2029680" y="6017040"/>
-            <a:ext cx="1641240" cy="363960"/>
+            <a:ext cx="1640880" cy="363960"/>
           </a:xfrm>
           <a:prstGeom prst="rect">
             <a:avLst/>
@@ -9270,14 +9380,14 @@
       </p:sp>
       <p:sp>
         <p:nvSpPr>
-          <p:cNvPr id="232" name="CustomShape 5"/>
+          <p:cNvPr id="234" name="CustomShape 5"/>
           <p:cNvSpPr/>
           <p:nvPr/>
         </p:nvSpPr>
         <p:spPr>
           <a:xfrm>
             <a:off x="4248000" y="3528000"/>
-            <a:ext cx="1366920" cy="790920"/>
+            <a:ext cx="1366560" cy="790560"/>
           </a:xfrm>
           <a:prstGeom prst="flowChartMagneticDisk">
             <a:avLst/>
@@ -9300,14 +9410,14 @@
       </p:sp>
       <p:sp>
         <p:nvSpPr>
-          <p:cNvPr id="233" name="CustomShape 6"/>
+          <p:cNvPr id="235" name="CustomShape 6"/>
           <p:cNvSpPr/>
           <p:nvPr/>
         </p:nvSpPr>
         <p:spPr>
           <a:xfrm>
             <a:off x="2971080" y="3312000"/>
-            <a:ext cx="1131840" cy="638280"/>
+            <a:ext cx="1131480" cy="638280"/>
           </a:xfrm>
           <a:prstGeom prst="rect">
             <a:avLst/>
@@ -9381,14 +9491,14 @@
       </p:sp>
       <p:sp>
         <p:nvSpPr>
-          <p:cNvPr id="234" name="CustomShape 7"/>
+          <p:cNvPr id="236" name="CustomShape 7"/>
           <p:cNvSpPr/>
           <p:nvPr/>
         </p:nvSpPr>
         <p:spPr>
           <a:xfrm>
             <a:off x="5857560" y="3528000"/>
-            <a:ext cx="2355840" cy="363960"/>
+            <a:ext cx="2355480" cy="363960"/>
           </a:xfrm>
           <a:prstGeom prst="rect">
             <a:avLst/>
@@ -9432,7 +9542,7 @@
       </p:sp>
       <p:sp>
         <p:nvSpPr>
-          <p:cNvPr id="235" name="Line 8"/>
+          <p:cNvPr id="237" name="Line 8"/>
           <p:cNvSpPr/>
           <p:nvPr/>
         </p:nvSpPr>
@@ -9460,7 +9570,7 @@
       </p:sp>
       <p:sp>
         <p:nvSpPr>
-          <p:cNvPr id="236" name="Line 9"/>
+          <p:cNvPr id="238" name="Line 9"/>
           <p:cNvSpPr/>
           <p:nvPr/>
         </p:nvSpPr>
@@ -9488,14 +9598,14 @@
       </p:sp>
       <p:sp>
         <p:nvSpPr>
-          <p:cNvPr id="237" name="CustomShape 10"/>
+          <p:cNvPr id="239" name="CustomShape 10"/>
           <p:cNvSpPr/>
           <p:nvPr/>
         </p:nvSpPr>
         <p:spPr>
           <a:xfrm>
             <a:off x="6408000" y="2088000"/>
-            <a:ext cx="1294920" cy="718920"/>
+            <a:ext cx="1294560" cy="718560"/>
           </a:xfrm>
           <a:prstGeom prst="can">
             <a:avLst>
@@ -9520,14 +9630,14 @@
       </p:sp>
       <p:sp>
         <p:nvSpPr>
-          <p:cNvPr id="238" name="CustomShape 11"/>
+          <p:cNvPr id="240" name="CustomShape 11"/>
           <p:cNvSpPr/>
           <p:nvPr/>
         </p:nvSpPr>
         <p:spPr>
           <a:xfrm>
             <a:off x="4752000" y="2088000"/>
-            <a:ext cx="1272240" cy="912600"/>
+            <a:ext cx="1271880" cy="912600"/>
           </a:xfrm>
           <a:prstGeom prst="rect">
             <a:avLst/>
@@ -9631,14 +9741,14 @@
       </p:grpSpPr>
       <p:sp>
         <p:nvSpPr>
-          <p:cNvPr id="239" name="CustomShape 1"/>
+          <p:cNvPr id="241" name="CustomShape 1"/>
           <p:cNvSpPr/>
           <p:nvPr/>
         </p:nvSpPr>
         <p:spPr>
           <a:xfrm>
             <a:off x="504000" y="596520"/>
-            <a:ext cx="9070920" cy="670320"/>
+            <a:ext cx="9070560" cy="669960"/>
           </a:xfrm>
           <a:prstGeom prst="rect">
             <a:avLst/>
@@ -9692,7 +9802,7 @@
       </p:sp>
       <p:pic>
         <p:nvPicPr>
-          <p:cNvPr id="240" name="" descr=""/>
+          <p:cNvPr id="242" name="" descr=""/>
           <p:cNvPicPr/>
           <p:nvPr/>
         </p:nvPicPr>
@@ -9703,7 +9813,7 @@
         <p:spPr>
           <a:xfrm>
             <a:off x="504000" y="1881000"/>
-            <a:ext cx="9142920" cy="4453920"/>
+            <a:ext cx="9142560" cy="4453560"/>
           </a:xfrm>
           <a:prstGeom prst="rect">
             <a:avLst/>
@@ -9715,14 +9825,14 @@
       </p:pic>
       <p:sp>
         <p:nvSpPr>
-          <p:cNvPr id="241" name="CustomShape 2"/>
+          <p:cNvPr id="243" name="CustomShape 2"/>
           <p:cNvSpPr/>
           <p:nvPr/>
         </p:nvSpPr>
         <p:spPr>
           <a:xfrm>
             <a:off x="864000" y="5400000"/>
-            <a:ext cx="646920" cy="790920"/>
+            <a:ext cx="646560" cy="790560"/>
           </a:xfrm>
           <a:prstGeom prst="flowChartPunchedCard">
             <a:avLst/>
@@ -9745,14 +9855,14 @@
       </p:sp>
       <p:sp>
         <p:nvSpPr>
-          <p:cNvPr id="242" name="CustomShape 3"/>
+          <p:cNvPr id="244" name="CustomShape 3"/>
           <p:cNvSpPr/>
           <p:nvPr/>
         </p:nvSpPr>
         <p:spPr>
           <a:xfrm>
             <a:off x="720000" y="3960000"/>
-            <a:ext cx="863280" cy="431280"/>
+            <a:ext cx="862920" cy="430920"/>
           </a:xfrm>
           <a:prstGeom prst="can">
             <a:avLst>
@@ -9777,14 +9887,14 @@
       </p:sp>
       <p:sp>
         <p:nvSpPr>
-          <p:cNvPr id="243" name="CustomShape 4"/>
+          <p:cNvPr id="245" name="CustomShape 4"/>
           <p:cNvSpPr/>
           <p:nvPr/>
         </p:nvSpPr>
         <p:spPr>
           <a:xfrm>
             <a:off x="720000" y="2520000"/>
-            <a:ext cx="863280" cy="431280"/>
+            <a:ext cx="862920" cy="430920"/>
           </a:xfrm>
           <a:prstGeom prst="can">
             <a:avLst>
@@ -9809,14 +9919,14 @@
       </p:sp>
       <p:sp>
         <p:nvSpPr>
-          <p:cNvPr id="244" name="CustomShape 5"/>
+          <p:cNvPr id="246" name="CustomShape 5"/>
           <p:cNvSpPr/>
           <p:nvPr/>
         </p:nvSpPr>
         <p:spPr>
           <a:xfrm>
             <a:off x="2160000" y="5616000"/>
-            <a:ext cx="1295280" cy="363960"/>
+            <a:ext cx="1294920" cy="363960"/>
           </a:xfrm>
           <a:prstGeom prst="rect">
             <a:avLst/>
@@ -9860,7 +9970,7 @@
       </p:sp>
       <p:sp>
         <p:nvSpPr>
-          <p:cNvPr id="245" name="Line 6"/>
+          <p:cNvPr id="247" name="Line 6"/>
           <p:cNvSpPr/>
           <p:nvPr/>
         </p:nvSpPr>
@@ -9888,14 +9998,14 @@
       </p:sp>
       <p:sp>
         <p:nvSpPr>
-          <p:cNvPr id="246" name="CustomShape 7"/>
+          <p:cNvPr id="248" name="CustomShape 7"/>
           <p:cNvSpPr/>
           <p:nvPr/>
         </p:nvSpPr>
         <p:spPr>
           <a:xfrm>
             <a:off x="1872000" y="2016000"/>
-            <a:ext cx="1799280" cy="1007280"/>
+            <a:ext cx="1798920" cy="1006920"/>
           </a:xfrm>
           <a:prstGeom prst="rect">
             <a:avLst/>
@@ -9993,14 +10103,14 @@
       </p:sp>
       <p:sp>
         <p:nvSpPr>
-          <p:cNvPr id="247" name="CustomShape 8"/>
+          <p:cNvPr id="249" name="CustomShape 8"/>
           <p:cNvSpPr/>
           <p:nvPr/>
         </p:nvSpPr>
         <p:spPr>
           <a:xfrm>
             <a:off x="2016000" y="1584360"/>
-            <a:ext cx="1510920" cy="502920"/>
+            <a:ext cx="1510560" cy="502560"/>
           </a:xfrm>
           <a:prstGeom prst="rect">
             <a:avLst/>
@@ -10058,14 +10168,14 @@
       </p:sp>
       <p:sp>
         <p:nvSpPr>
-          <p:cNvPr id="248" name="CustomShape 9"/>
+          <p:cNvPr id="250" name="CustomShape 9"/>
           <p:cNvSpPr/>
           <p:nvPr/>
         </p:nvSpPr>
         <p:spPr>
           <a:xfrm>
             <a:off x="3960000" y="2016000"/>
-            <a:ext cx="2735280" cy="1007280"/>
+            <a:ext cx="2734920" cy="1006920"/>
           </a:xfrm>
           <a:prstGeom prst="rect">
             <a:avLst/>
@@ -10163,14 +10273,14 @@
       </p:sp>
       <p:sp>
         <p:nvSpPr>
-          <p:cNvPr id="249" name="CustomShape 10"/>
+          <p:cNvPr id="251" name="CustomShape 10"/>
           <p:cNvSpPr/>
           <p:nvPr/>
         </p:nvSpPr>
         <p:spPr>
           <a:xfrm>
             <a:off x="4536360" y="1584360"/>
-            <a:ext cx="1510920" cy="502920"/>
+            <a:ext cx="1510560" cy="502560"/>
           </a:xfrm>
           <a:prstGeom prst="rect">
             <a:avLst/>
@@ -10218,7 +10328,7 @@
       </p:sp>
       <p:sp>
         <p:nvSpPr>
-          <p:cNvPr id="250" name="Line 11"/>
+          <p:cNvPr id="252" name="Line 11"/>
           <p:cNvSpPr/>
           <p:nvPr/>
         </p:nvSpPr>
@@ -10246,14 +10356,14 @@
       </p:sp>
       <p:sp>
         <p:nvSpPr>
-          <p:cNvPr id="251" name="CustomShape 12"/>
+          <p:cNvPr id="253" name="CustomShape 12"/>
           <p:cNvSpPr/>
           <p:nvPr/>
         </p:nvSpPr>
         <p:spPr>
           <a:xfrm>
             <a:off x="3672000" y="3960000"/>
-            <a:ext cx="2735280" cy="575280"/>
+            <a:ext cx="2734920" cy="574920"/>
           </a:xfrm>
           <a:prstGeom prst="rect">
             <a:avLst/>
@@ -10321,14 +10431,14 @@
       </p:sp>
       <p:sp>
         <p:nvSpPr>
-          <p:cNvPr id="252" name="CustomShape 13"/>
+          <p:cNvPr id="254" name="CustomShape 13"/>
           <p:cNvSpPr/>
           <p:nvPr/>
         </p:nvSpPr>
         <p:spPr>
           <a:xfrm>
             <a:off x="4320360" y="3528360"/>
-            <a:ext cx="1510920" cy="502920"/>
+            <a:ext cx="1510560" cy="502560"/>
           </a:xfrm>
           <a:prstGeom prst="rect">
             <a:avLst/>
@@ -10376,7 +10486,7 @@
       </p:sp>
       <p:sp>
         <p:nvSpPr>
-          <p:cNvPr id="253" name="Line 14"/>
+          <p:cNvPr id="255" name="Line 14"/>
           <p:cNvSpPr/>
           <p:nvPr/>
         </p:nvSpPr>
@@ -10404,14 +10514,14 @@
       </p:sp>
       <p:sp>
         <p:nvSpPr>
-          <p:cNvPr id="254" name="CustomShape 15"/>
+          <p:cNvPr id="256" name="CustomShape 15"/>
           <p:cNvSpPr/>
           <p:nvPr/>
         </p:nvSpPr>
         <p:spPr>
           <a:xfrm>
             <a:off x="6264000" y="3456000"/>
-            <a:ext cx="1295280" cy="363960"/>
+            <a:ext cx="1294920" cy="363960"/>
           </a:xfrm>
           <a:prstGeom prst="rect">
             <a:avLst/>
@@ -10455,14 +10565,14 @@
       </p:sp>
       <p:sp>
         <p:nvSpPr>
-          <p:cNvPr id="255" name="CustomShape 16"/>
+          <p:cNvPr id="257" name="CustomShape 16"/>
           <p:cNvSpPr/>
           <p:nvPr/>
         </p:nvSpPr>
         <p:spPr>
           <a:xfrm>
             <a:off x="6912000" y="1944000"/>
-            <a:ext cx="2447640" cy="1151640"/>
+            <a:ext cx="2447280" cy="1151280"/>
           </a:xfrm>
           <a:prstGeom prst="rect">
             <a:avLst/>
@@ -10570,14 +10680,14 @@
       </p:sp>
       <p:sp>
         <p:nvSpPr>
-          <p:cNvPr id="256" name="CustomShape 17"/>
+          <p:cNvPr id="258" name="CustomShape 17"/>
           <p:cNvSpPr/>
           <p:nvPr/>
         </p:nvSpPr>
         <p:spPr>
           <a:xfrm>
             <a:off x="2520000" y="3888000"/>
-            <a:ext cx="1295280" cy="363960"/>
+            <a:ext cx="1294920" cy="363960"/>
           </a:xfrm>
           <a:prstGeom prst="rect">
             <a:avLst/>
@@ -10621,14 +10731,14 @@
       </p:sp>
       <p:sp>
         <p:nvSpPr>
-          <p:cNvPr id="257" name="CustomShape 18"/>
+          <p:cNvPr id="259" name="CustomShape 18"/>
           <p:cNvSpPr/>
           <p:nvPr/>
         </p:nvSpPr>
         <p:spPr>
           <a:xfrm>
             <a:off x="2448000" y="3672000"/>
-            <a:ext cx="431280" cy="363960"/>
+            <a:ext cx="430920" cy="363960"/>
           </a:xfrm>
           <a:prstGeom prst="rect">
             <a:avLst/>
@@ -10672,14 +10782,14 @@
       </p:sp>
       <p:sp>
         <p:nvSpPr>
-          <p:cNvPr id="258" name="CustomShape 19"/>
+          <p:cNvPr id="260" name="CustomShape 19"/>
           <p:cNvSpPr/>
           <p:nvPr/>
         </p:nvSpPr>
         <p:spPr>
           <a:xfrm>
             <a:off x="3312000" y="3168000"/>
-            <a:ext cx="575280" cy="425160"/>
+            <a:ext cx="574920" cy="424800"/>
           </a:xfrm>
           <a:prstGeom prst="rect">
             <a:avLst/>
@@ -10733,14 +10843,14 @@
       </p:sp>
       <p:sp>
         <p:nvSpPr>
-          <p:cNvPr id="259" name="CustomShape 20"/>
+          <p:cNvPr id="261" name="CustomShape 20"/>
           <p:cNvSpPr/>
           <p:nvPr/>
         </p:nvSpPr>
         <p:spPr>
           <a:xfrm>
             <a:off x="6336000" y="3168000"/>
-            <a:ext cx="431280" cy="363960"/>
+            <a:ext cx="430920" cy="363960"/>
           </a:xfrm>
           <a:prstGeom prst="rect">
             <a:avLst/>
@@ -10784,14 +10894,14 @@
       </p:sp>
       <p:sp>
         <p:nvSpPr>
-          <p:cNvPr id="260" name="CustomShape 21"/>
+          <p:cNvPr id="262" name="CustomShape 21"/>
           <p:cNvSpPr/>
           <p:nvPr/>
         </p:nvSpPr>
         <p:spPr>
           <a:xfrm>
             <a:off x="6048000" y="2232000"/>
-            <a:ext cx="575280" cy="425160"/>
+            <a:ext cx="574920" cy="424800"/>
           </a:xfrm>
           <a:prstGeom prst="rect">
             <a:avLst/>
@@ -10845,14 +10955,14 @@
       </p:sp>
       <p:sp>
         <p:nvSpPr>
-          <p:cNvPr id="261" name="CustomShape 22"/>
+          <p:cNvPr id="263" name="CustomShape 22"/>
           <p:cNvSpPr/>
           <p:nvPr/>
         </p:nvSpPr>
         <p:spPr>
           <a:xfrm>
             <a:off x="7848360" y="1584360"/>
-            <a:ext cx="1510920" cy="502920"/>
+            <a:ext cx="1510560" cy="502560"/>
           </a:xfrm>
           <a:prstGeom prst="rect">
             <a:avLst/>
@@ -10930,14 +11040,14 @@
       </p:grpSpPr>
       <p:sp>
         <p:nvSpPr>
-          <p:cNvPr id="262" name="CustomShape 1"/>
+          <p:cNvPr id="264" name="CustomShape 1"/>
           <p:cNvSpPr/>
           <p:nvPr/>
         </p:nvSpPr>
         <p:spPr>
           <a:xfrm>
             <a:off x="504000" y="596520"/>
-            <a:ext cx="9070920" cy="670320"/>
+            <a:ext cx="9070560" cy="669960"/>
           </a:xfrm>
           <a:prstGeom prst="rect">
             <a:avLst/>
@@ -10981,7 +11091,7 @@
       </p:sp>
       <p:pic>
         <p:nvPicPr>
-          <p:cNvPr id="263" name="" descr=""/>
+          <p:cNvPr id="265" name="" descr=""/>
           <p:cNvPicPr/>
           <p:nvPr/>
         </p:nvPicPr>
@@ -10992,7 +11102,7 @@
         <p:spPr>
           <a:xfrm>
             <a:off x="432000" y="1846080"/>
-            <a:ext cx="9214920" cy="4488840"/>
+            <a:ext cx="9214560" cy="4488480"/>
           </a:xfrm>
           <a:prstGeom prst="rect">
             <a:avLst/>
@@ -11004,14 +11114,14 @@
       </p:pic>
       <p:sp>
         <p:nvSpPr>
-          <p:cNvPr id="264" name="CustomShape 2"/>
+          <p:cNvPr id="266" name="CustomShape 2"/>
           <p:cNvSpPr/>
           <p:nvPr/>
         </p:nvSpPr>
         <p:spPr>
           <a:xfrm>
             <a:off x="864000" y="5400000"/>
-            <a:ext cx="646920" cy="790920"/>
+            <a:ext cx="646560" cy="790560"/>
           </a:xfrm>
           <a:prstGeom prst="flowChartPunchedCard">
             <a:avLst/>
@@ -11034,14 +11144,14 @@
       </p:sp>
       <p:sp>
         <p:nvSpPr>
-          <p:cNvPr id="265" name="CustomShape 3"/>
+          <p:cNvPr id="267" name="CustomShape 3"/>
           <p:cNvSpPr/>
           <p:nvPr/>
         </p:nvSpPr>
         <p:spPr>
           <a:xfrm>
             <a:off x="720000" y="3960000"/>
-            <a:ext cx="863280" cy="431280"/>
+            <a:ext cx="862920" cy="430920"/>
           </a:xfrm>
           <a:prstGeom prst="can">
             <a:avLst>
@@ -11066,14 +11176,14 @@
       </p:sp>
       <p:sp>
         <p:nvSpPr>
-          <p:cNvPr id="266" name="CustomShape 4"/>
+          <p:cNvPr id="268" name="CustomShape 4"/>
           <p:cNvSpPr/>
           <p:nvPr/>
         </p:nvSpPr>
         <p:spPr>
           <a:xfrm>
             <a:off x="720000" y="2520000"/>
-            <a:ext cx="863280" cy="431280"/>
+            <a:ext cx="862920" cy="430920"/>
           </a:xfrm>
           <a:prstGeom prst="can">
             <a:avLst>
@@ -11098,14 +11208,14 @@
       </p:sp>
       <p:sp>
         <p:nvSpPr>
-          <p:cNvPr id="267" name="CustomShape 5"/>
+          <p:cNvPr id="269" name="CustomShape 5"/>
           <p:cNvSpPr/>
           <p:nvPr/>
         </p:nvSpPr>
         <p:spPr>
           <a:xfrm>
             <a:off x="3960000" y="5612040"/>
-            <a:ext cx="1295280" cy="363960"/>
+            <a:ext cx="1294920" cy="363960"/>
           </a:xfrm>
           <a:prstGeom prst="rect">
             <a:avLst/>
@@ -11149,7 +11259,7 @@
       </p:sp>
       <p:sp>
         <p:nvSpPr>
-          <p:cNvPr id="268" name="Line 6"/>
+          <p:cNvPr id="270" name="Line 6"/>
           <p:cNvSpPr/>
           <p:nvPr/>
         </p:nvSpPr>
@@ -11177,14 +11287,14 @@
       </p:sp>
       <p:sp>
         <p:nvSpPr>
-          <p:cNvPr id="269" name="CustomShape 7"/>
+          <p:cNvPr id="271" name="CustomShape 7"/>
           <p:cNvSpPr/>
           <p:nvPr/>
         </p:nvSpPr>
         <p:spPr>
           <a:xfrm>
             <a:off x="1656000" y="2736000"/>
-            <a:ext cx="2087640" cy="359640"/>
+            <a:ext cx="2087280" cy="359280"/>
           </a:xfrm>
           <a:prstGeom prst="rect">
             <a:avLst/>
@@ -11242,14 +11352,14 @@
       </p:sp>
       <p:sp>
         <p:nvSpPr>
-          <p:cNvPr id="270" name="CustomShape 8"/>
+          <p:cNvPr id="272" name="CustomShape 8"/>
           <p:cNvSpPr/>
           <p:nvPr/>
         </p:nvSpPr>
         <p:spPr>
           <a:xfrm>
             <a:off x="1800000" y="2448000"/>
-            <a:ext cx="1510920" cy="358920"/>
+            <a:ext cx="1510560" cy="358560"/>
           </a:xfrm>
           <a:prstGeom prst="rect">
             <a:avLst/>
@@ -11307,14 +11417,14 @@
       </p:sp>
       <p:sp>
         <p:nvSpPr>
-          <p:cNvPr id="271" name="CustomShape 9"/>
+          <p:cNvPr id="273" name="CustomShape 9"/>
           <p:cNvSpPr/>
           <p:nvPr/>
         </p:nvSpPr>
         <p:spPr>
           <a:xfrm>
             <a:off x="3960000" y="2592000"/>
-            <a:ext cx="2735280" cy="647280"/>
+            <a:ext cx="2734920" cy="646920"/>
           </a:xfrm>
           <a:prstGeom prst="rect">
             <a:avLst/>
@@ -11422,14 +11532,14 @@
       </p:sp>
       <p:sp>
         <p:nvSpPr>
-          <p:cNvPr id="272" name="CustomShape 10"/>
+          <p:cNvPr id="274" name="CustomShape 10"/>
           <p:cNvSpPr/>
           <p:nvPr/>
         </p:nvSpPr>
         <p:spPr>
           <a:xfrm>
             <a:off x="4608720" y="2304720"/>
-            <a:ext cx="1438920" cy="358920"/>
+            <a:ext cx="1438560" cy="358560"/>
           </a:xfrm>
           <a:prstGeom prst="rect">
             <a:avLst/>
@@ -11487,7 +11597,7 @@
       </p:sp>
       <p:sp>
         <p:nvSpPr>
-          <p:cNvPr id="273" name="Line 11"/>
+          <p:cNvPr id="275" name="Line 11"/>
           <p:cNvSpPr/>
           <p:nvPr/>
         </p:nvSpPr>
@@ -11515,14 +11625,14 @@
       </p:sp>
       <p:sp>
         <p:nvSpPr>
-          <p:cNvPr id="274" name="CustomShape 12"/>
+          <p:cNvPr id="276" name="CustomShape 12"/>
           <p:cNvSpPr/>
           <p:nvPr/>
         </p:nvSpPr>
         <p:spPr>
           <a:xfrm>
             <a:off x="3672000" y="3960000"/>
-            <a:ext cx="2735280" cy="647640"/>
+            <a:ext cx="2734920" cy="647280"/>
           </a:xfrm>
           <a:prstGeom prst="rect">
             <a:avLst/>
@@ -11630,14 +11740,14 @@
       </p:sp>
       <p:sp>
         <p:nvSpPr>
-          <p:cNvPr id="275" name="CustomShape 13"/>
+          <p:cNvPr id="277" name="CustomShape 13"/>
           <p:cNvSpPr/>
           <p:nvPr/>
         </p:nvSpPr>
         <p:spPr>
           <a:xfrm>
             <a:off x="4320360" y="3600360"/>
-            <a:ext cx="1510920" cy="431280"/>
+            <a:ext cx="1510560" cy="430920"/>
           </a:xfrm>
           <a:prstGeom prst="rect">
             <a:avLst/>
@@ -11685,7 +11795,7 @@
       </p:sp>
       <p:sp>
         <p:nvSpPr>
-          <p:cNvPr id="276" name="Line 14"/>
+          <p:cNvPr id="278" name="Line 14"/>
           <p:cNvSpPr/>
           <p:nvPr/>
         </p:nvSpPr>
@@ -11713,14 +11823,14 @@
       </p:sp>
       <p:sp>
         <p:nvSpPr>
-          <p:cNvPr id="277" name="CustomShape 15"/>
+          <p:cNvPr id="279" name="CustomShape 15"/>
           <p:cNvSpPr/>
           <p:nvPr/>
         </p:nvSpPr>
         <p:spPr>
           <a:xfrm>
             <a:off x="6264000" y="3600000"/>
-            <a:ext cx="1295280" cy="363960"/>
+            <a:ext cx="1294920" cy="363960"/>
           </a:xfrm>
           <a:prstGeom prst="rect">
             <a:avLst/>
@@ -11764,14 +11874,14 @@
       </p:sp>
       <p:sp>
         <p:nvSpPr>
-          <p:cNvPr id="278" name="CustomShape 16"/>
+          <p:cNvPr id="280" name="CustomShape 16"/>
           <p:cNvSpPr/>
           <p:nvPr/>
         </p:nvSpPr>
         <p:spPr>
           <a:xfrm>
             <a:off x="6912000" y="1944000"/>
-            <a:ext cx="2447640" cy="1367640"/>
+            <a:ext cx="2447280" cy="1367280"/>
           </a:xfrm>
           <a:prstGeom prst="rect">
             <a:avLst/>
@@ -11919,14 +12029,14 @@
       </p:sp>
       <p:sp>
         <p:nvSpPr>
-          <p:cNvPr id="279" name="CustomShape 17"/>
+          <p:cNvPr id="281" name="CustomShape 17"/>
           <p:cNvSpPr/>
           <p:nvPr/>
         </p:nvSpPr>
         <p:spPr>
           <a:xfrm>
             <a:off x="2520000" y="3888000"/>
-            <a:ext cx="1295280" cy="363960"/>
+            <a:ext cx="1294920" cy="363960"/>
           </a:xfrm>
           <a:prstGeom prst="rect">
             <a:avLst/>
@@ -11970,14 +12080,14 @@
       </p:sp>
       <p:sp>
         <p:nvSpPr>
-          <p:cNvPr id="280" name="CustomShape 18"/>
+          <p:cNvPr id="282" name="CustomShape 18"/>
           <p:cNvSpPr/>
           <p:nvPr/>
         </p:nvSpPr>
         <p:spPr>
           <a:xfrm>
             <a:off x="2448000" y="3672000"/>
-            <a:ext cx="431280" cy="363960"/>
+            <a:ext cx="430920" cy="363960"/>
           </a:xfrm>
           <a:prstGeom prst="rect">
             <a:avLst/>
@@ -12021,14 +12131,14 @@
       </p:sp>
       <p:sp>
         <p:nvSpPr>
-          <p:cNvPr id="281" name="CustomShape 19"/>
+          <p:cNvPr id="283" name="CustomShape 19"/>
           <p:cNvSpPr/>
           <p:nvPr/>
         </p:nvSpPr>
         <p:spPr>
           <a:xfrm>
             <a:off x="3312000" y="3168000"/>
-            <a:ext cx="575280" cy="425160"/>
+            <a:ext cx="574920" cy="424800"/>
           </a:xfrm>
           <a:prstGeom prst="rect">
             <a:avLst/>
@@ -12082,14 +12192,14 @@
       </p:sp>
       <p:sp>
         <p:nvSpPr>
-          <p:cNvPr id="282" name="CustomShape 20"/>
+          <p:cNvPr id="284" name="CustomShape 20"/>
           <p:cNvSpPr/>
           <p:nvPr/>
         </p:nvSpPr>
         <p:spPr>
           <a:xfrm>
             <a:off x="6264360" y="3384000"/>
-            <a:ext cx="431280" cy="363960"/>
+            <a:ext cx="430920" cy="363960"/>
           </a:xfrm>
           <a:prstGeom prst="rect">
             <a:avLst/>
@@ -12133,14 +12243,14 @@
       </p:sp>
       <p:sp>
         <p:nvSpPr>
-          <p:cNvPr id="283" name="CustomShape 21"/>
+          <p:cNvPr id="285" name="CustomShape 21"/>
           <p:cNvSpPr/>
           <p:nvPr/>
         </p:nvSpPr>
         <p:spPr>
           <a:xfrm>
             <a:off x="6336360" y="2376000"/>
-            <a:ext cx="647280" cy="425160"/>
+            <a:ext cx="646920" cy="424800"/>
           </a:xfrm>
           <a:prstGeom prst="rect">
             <a:avLst/>
@@ -12194,14 +12304,14 @@
       </p:sp>
       <p:sp>
         <p:nvSpPr>
-          <p:cNvPr id="284" name="CustomShape 22"/>
+          <p:cNvPr id="286" name="CustomShape 22"/>
           <p:cNvSpPr/>
           <p:nvPr/>
         </p:nvSpPr>
         <p:spPr>
           <a:xfrm>
             <a:off x="8064720" y="1584000"/>
-            <a:ext cx="1510920" cy="502920"/>
+            <a:ext cx="1510560" cy="502560"/>
           </a:xfrm>
           <a:prstGeom prst="rect">
             <a:avLst/>
@@ -12249,14 +12359,14 @@
       </p:sp>
       <p:sp>
         <p:nvSpPr>
-          <p:cNvPr id="285" name="CustomShape 23"/>
+          <p:cNvPr id="287" name="CustomShape 23"/>
           <p:cNvSpPr/>
           <p:nvPr/>
         </p:nvSpPr>
         <p:spPr>
           <a:xfrm>
             <a:off x="1872000" y="1881000"/>
-            <a:ext cx="1367640" cy="286920"/>
+            <a:ext cx="1367280" cy="286560"/>
           </a:xfrm>
           <a:prstGeom prst="rect">
             <a:avLst/>
@@ -12314,14 +12424,14 @@
       </p:sp>
       <p:sp>
         <p:nvSpPr>
-          <p:cNvPr id="286" name="CustomShape 24"/>
+          <p:cNvPr id="288" name="CustomShape 24"/>
           <p:cNvSpPr/>
           <p:nvPr/>
         </p:nvSpPr>
         <p:spPr>
           <a:xfrm>
             <a:off x="3672000" y="1846080"/>
-            <a:ext cx="1367640" cy="286920"/>
+            <a:ext cx="1367280" cy="286560"/>
           </a:xfrm>
           <a:prstGeom prst="rect">
             <a:avLst/>
@@ -12369,14 +12479,14 @@
       </p:sp>
       <p:sp>
         <p:nvSpPr>
-          <p:cNvPr id="287" name="CustomShape 25"/>
+          <p:cNvPr id="289" name="CustomShape 25"/>
           <p:cNvSpPr/>
           <p:nvPr/>
         </p:nvSpPr>
         <p:spPr>
           <a:xfrm>
             <a:off x="5184000" y="1846080"/>
-            <a:ext cx="1367640" cy="286920"/>
+            <a:ext cx="1367280" cy="286560"/>
           </a:xfrm>
           <a:prstGeom prst="rect">
             <a:avLst/>
@@ -12424,7 +12534,7 @@
       </p:sp>
       <p:sp>
         <p:nvSpPr>
-          <p:cNvPr id="288" name="Line 26"/>
+          <p:cNvPr id="290" name="Line 26"/>
           <p:cNvSpPr/>
           <p:nvPr/>
         </p:nvSpPr>
@@ -12452,7 +12562,7 @@
       </p:sp>
       <p:sp>
         <p:nvSpPr>
-          <p:cNvPr id="289" name="Line 27"/>
+          <p:cNvPr id="291" name="Line 27"/>
           <p:cNvSpPr/>
           <p:nvPr/>
         </p:nvSpPr>
@@ -12480,14 +12590,14 @@
       </p:sp>
       <p:sp>
         <p:nvSpPr>
-          <p:cNvPr id="290" name="CustomShape 28"/>
+          <p:cNvPr id="292" name="CustomShape 28"/>
           <p:cNvSpPr/>
           <p:nvPr/>
         </p:nvSpPr>
         <p:spPr>
           <a:xfrm>
             <a:off x="2160000" y="5616000"/>
-            <a:ext cx="1511640" cy="364320"/>
+            <a:ext cx="1511280" cy="363960"/>
           </a:xfrm>
           <a:prstGeom prst="rect">
             <a:avLst/>
@@ -12561,14 +12671,14 @@
       </p:grpSpPr>
       <p:sp>
         <p:nvSpPr>
-          <p:cNvPr id="291" name="CustomShape 1"/>
+          <p:cNvPr id="293" name="CustomShape 1"/>
           <p:cNvSpPr/>
           <p:nvPr/>
         </p:nvSpPr>
         <p:spPr>
           <a:xfrm>
             <a:off x="504000" y="596520"/>
-            <a:ext cx="9070920" cy="670320"/>
+            <a:ext cx="9070560" cy="669960"/>
           </a:xfrm>
           <a:prstGeom prst="rect">
             <a:avLst/>
@@ -12612,7 +12722,7 @@
       </p:sp>
       <p:pic>
         <p:nvPicPr>
-          <p:cNvPr id="292" name="" descr=""/>
+          <p:cNvPr id="294" name="" descr=""/>
           <p:cNvPicPr/>
           <p:nvPr/>
         </p:nvPicPr>
@@ -12623,7 +12733,7 @@
         <p:spPr>
           <a:xfrm>
             <a:off x="432000" y="1846080"/>
-            <a:ext cx="9214920" cy="4488840"/>
+            <a:ext cx="9214560" cy="4488480"/>
           </a:xfrm>
           <a:prstGeom prst="rect">
             <a:avLst/>
@@ -12635,14 +12745,14 @@
       </p:pic>
       <p:sp>
         <p:nvSpPr>
-          <p:cNvPr id="293" name="CustomShape 2"/>
+          <p:cNvPr id="295" name="CustomShape 2"/>
           <p:cNvSpPr/>
           <p:nvPr/>
         </p:nvSpPr>
         <p:spPr>
           <a:xfrm>
             <a:off x="864000" y="5400000"/>
-            <a:ext cx="646920" cy="790920"/>
+            <a:ext cx="646560" cy="790560"/>
           </a:xfrm>
           <a:prstGeom prst="flowChartPunchedCard">
             <a:avLst/>
@@ -12665,14 +12775,14 @@
       </p:sp>
       <p:sp>
         <p:nvSpPr>
-          <p:cNvPr id="294" name="CustomShape 3"/>
+          <p:cNvPr id="296" name="CustomShape 3"/>
           <p:cNvSpPr/>
           <p:nvPr/>
         </p:nvSpPr>
         <p:spPr>
           <a:xfrm>
             <a:off x="720000" y="3960000"/>
-            <a:ext cx="863280" cy="431280"/>
+            <a:ext cx="862920" cy="430920"/>
           </a:xfrm>
           <a:prstGeom prst="can">
             <a:avLst>
@@ -12697,14 +12807,14 @@
       </p:sp>
       <p:sp>
         <p:nvSpPr>
-          <p:cNvPr id="295" name="CustomShape 4"/>
+          <p:cNvPr id="297" name="CustomShape 4"/>
           <p:cNvSpPr/>
           <p:nvPr/>
         </p:nvSpPr>
         <p:spPr>
           <a:xfrm>
             <a:off x="720000" y="2520000"/>
-            <a:ext cx="863280" cy="431280"/>
+            <a:ext cx="862920" cy="430920"/>
           </a:xfrm>
           <a:prstGeom prst="can">
             <a:avLst>
@@ -12729,14 +12839,14 @@
       </p:sp>
       <p:sp>
         <p:nvSpPr>
-          <p:cNvPr id="296" name="CustomShape 5"/>
+          <p:cNvPr id="298" name="CustomShape 5"/>
           <p:cNvSpPr/>
           <p:nvPr/>
         </p:nvSpPr>
         <p:spPr>
           <a:xfrm>
             <a:off x="3960000" y="5612040"/>
-            <a:ext cx="1295280" cy="363960"/>
+            <a:ext cx="1294920" cy="363960"/>
           </a:xfrm>
           <a:prstGeom prst="rect">
             <a:avLst/>
@@ -12780,7 +12890,7 @@
       </p:sp>
       <p:sp>
         <p:nvSpPr>
-          <p:cNvPr id="297" name="Line 6"/>
+          <p:cNvPr id="299" name="Line 6"/>
           <p:cNvSpPr/>
           <p:nvPr/>
         </p:nvSpPr>
@@ -12808,14 +12918,14 @@
       </p:sp>
       <p:sp>
         <p:nvSpPr>
-          <p:cNvPr id="298" name="CustomShape 7"/>
+          <p:cNvPr id="300" name="CustomShape 7"/>
           <p:cNvSpPr/>
           <p:nvPr/>
         </p:nvSpPr>
         <p:spPr>
           <a:xfrm>
             <a:off x="1521720" y="2736000"/>
-            <a:ext cx="2150280" cy="432000"/>
+            <a:ext cx="2149920" cy="431640"/>
           </a:xfrm>
           <a:prstGeom prst="rect">
             <a:avLst/>
@@ -12866,24 +12976,21 @@
               <a:t>の圧縮</a:t>
             </a:r>
             <a:endParaRPr b="0" lang="en-US" sz="1800" spc="-1" strike="noStrike">
-              <a:solidFill>
-                <a:srgbClr val="c9211e"/>
-              </a:solidFill>
-              <a:latin typeface="Arial"/>
-            </a:endParaRPr>
-          </a:p>
-        </p:txBody>
-      </p:sp>
-      <p:sp>
-        <p:nvSpPr>
-          <p:cNvPr id="299" name="CustomShape 8"/>
+              <a:latin typeface="Arial"/>
+            </a:endParaRPr>
+          </a:p>
+        </p:txBody>
+      </p:sp>
+      <p:sp>
+        <p:nvSpPr>
+          <p:cNvPr id="301" name="CustomShape 8"/>
           <p:cNvSpPr/>
           <p:nvPr/>
         </p:nvSpPr>
         <p:spPr>
           <a:xfrm>
             <a:off x="2664000" y="2016000"/>
-            <a:ext cx="792000" cy="288000"/>
+            <a:ext cx="791640" cy="287640"/>
           </a:xfrm>
           <a:prstGeom prst="rect">
             <a:avLst/>
@@ -12941,14 +13048,14 @@
       </p:sp>
       <p:sp>
         <p:nvSpPr>
-          <p:cNvPr id="300" name="CustomShape 9"/>
+          <p:cNvPr id="302" name="CustomShape 9"/>
           <p:cNvSpPr/>
           <p:nvPr/>
         </p:nvSpPr>
         <p:spPr>
           <a:xfrm>
             <a:off x="3960000" y="2592000"/>
-            <a:ext cx="2735280" cy="647280"/>
+            <a:ext cx="2734920" cy="646920"/>
           </a:xfrm>
           <a:prstGeom prst="rect">
             <a:avLst/>
@@ -13056,7 +13163,7 @@
       </p:sp>
       <p:sp>
         <p:nvSpPr>
-          <p:cNvPr id="301" name="Line 10"/>
+          <p:cNvPr id="303" name="Line 10"/>
           <p:cNvSpPr/>
           <p:nvPr/>
         </p:nvSpPr>
@@ -13084,14 +13191,14 @@
       </p:sp>
       <p:sp>
         <p:nvSpPr>
-          <p:cNvPr id="302" name="CustomShape 11"/>
+          <p:cNvPr id="304" name="CustomShape 11"/>
           <p:cNvSpPr/>
           <p:nvPr/>
         </p:nvSpPr>
         <p:spPr>
           <a:xfrm>
             <a:off x="3672000" y="3960000"/>
-            <a:ext cx="2735280" cy="647640"/>
+            <a:ext cx="2734920" cy="647280"/>
           </a:xfrm>
           <a:prstGeom prst="rect">
             <a:avLst/>
@@ -13199,14 +13306,14 @@
       </p:sp>
       <p:sp>
         <p:nvSpPr>
-          <p:cNvPr id="303" name="CustomShape 12"/>
+          <p:cNvPr id="305" name="CustomShape 12"/>
           <p:cNvSpPr/>
           <p:nvPr/>
         </p:nvSpPr>
         <p:spPr>
           <a:xfrm>
             <a:off x="4320360" y="3600360"/>
-            <a:ext cx="1510920" cy="431280"/>
+            <a:ext cx="1510560" cy="430920"/>
           </a:xfrm>
           <a:prstGeom prst="rect">
             <a:avLst/>
@@ -13254,7 +13361,7 @@
       </p:sp>
       <p:sp>
         <p:nvSpPr>
-          <p:cNvPr id="304" name="Line 13"/>
+          <p:cNvPr id="306" name="Line 13"/>
           <p:cNvSpPr/>
           <p:nvPr/>
         </p:nvSpPr>
@@ -13282,14 +13389,14 @@
       </p:sp>
       <p:sp>
         <p:nvSpPr>
-          <p:cNvPr id="305" name="CustomShape 14"/>
+          <p:cNvPr id="307" name="CustomShape 14"/>
           <p:cNvSpPr/>
           <p:nvPr/>
         </p:nvSpPr>
         <p:spPr>
           <a:xfrm>
             <a:off x="6264000" y="3600000"/>
-            <a:ext cx="1295280" cy="363960"/>
+            <a:ext cx="1294920" cy="363960"/>
           </a:xfrm>
           <a:prstGeom prst="rect">
             <a:avLst/>
@@ -13333,14 +13440,14 @@
       </p:sp>
       <p:sp>
         <p:nvSpPr>
-          <p:cNvPr id="306" name="CustomShape 15"/>
+          <p:cNvPr id="308" name="CustomShape 15"/>
           <p:cNvSpPr/>
           <p:nvPr/>
         </p:nvSpPr>
         <p:spPr>
           <a:xfrm>
             <a:off x="6912000" y="1944000"/>
-            <a:ext cx="2447640" cy="1367640"/>
+            <a:ext cx="2447280" cy="1367280"/>
           </a:xfrm>
           <a:prstGeom prst="rect">
             <a:avLst/>
@@ -13488,14 +13595,14 @@
       </p:sp>
       <p:sp>
         <p:nvSpPr>
-          <p:cNvPr id="307" name="CustomShape 16"/>
+          <p:cNvPr id="309" name="CustomShape 16"/>
           <p:cNvSpPr/>
           <p:nvPr/>
         </p:nvSpPr>
         <p:spPr>
           <a:xfrm>
             <a:off x="2547720" y="3888000"/>
-            <a:ext cx="1267560" cy="363960"/>
+            <a:ext cx="1267200" cy="363960"/>
           </a:xfrm>
           <a:prstGeom prst="rect">
             <a:avLst/>
@@ -13539,14 +13646,14 @@
       </p:sp>
       <p:sp>
         <p:nvSpPr>
-          <p:cNvPr id="308" name="CustomShape 17"/>
+          <p:cNvPr id="310" name="CustomShape 17"/>
           <p:cNvSpPr/>
           <p:nvPr/>
         </p:nvSpPr>
         <p:spPr>
           <a:xfrm>
             <a:off x="2448000" y="3672000"/>
-            <a:ext cx="431280" cy="363960"/>
+            <a:ext cx="430920" cy="363960"/>
           </a:xfrm>
           <a:prstGeom prst="rect">
             <a:avLst/>
@@ -13590,14 +13697,14 @@
       </p:sp>
       <p:sp>
         <p:nvSpPr>
-          <p:cNvPr id="309" name="CustomShape 18"/>
+          <p:cNvPr id="311" name="CustomShape 18"/>
           <p:cNvSpPr/>
           <p:nvPr/>
         </p:nvSpPr>
         <p:spPr>
           <a:xfrm>
             <a:off x="3312000" y="3168000"/>
-            <a:ext cx="575280" cy="425160"/>
+            <a:ext cx="574920" cy="424800"/>
           </a:xfrm>
           <a:prstGeom prst="rect">
             <a:avLst/>
@@ -13651,14 +13758,14 @@
       </p:sp>
       <p:sp>
         <p:nvSpPr>
-          <p:cNvPr id="310" name="CustomShape 19"/>
+          <p:cNvPr id="312" name="CustomShape 19"/>
           <p:cNvSpPr/>
           <p:nvPr/>
         </p:nvSpPr>
         <p:spPr>
           <a:xfrm>
             <a:off x="6264360" y="3384000"/>
-            <a:ext cx="431280" cy="363960"/>
+            <a:ext cx="430920" cy="363960"/>
           </a:xfrm>
           <a:prstGeom prst="rect">
             <a:avLst/>
@@ -13702,14 +13809,14 @@
       </p:sp>
       <p:sp>
         <p:nvSpPr>
-          <p:cNvPr id="311" name="CustomShape 20"/>
+          <p:cNvPr id="313" name="CustomShape 20"/>
           <p:cNvSpPr/>
           <p:nvPr/>
         </p:nvSpPr>
         <p:spPr>
           <a:xfrm>
             <a:off x="6336360" y="2376000"/>
-            <a:ext cx="647280" cy="425160"/>
+            <a:ext cx="646920" cy="424800"/>
           </a:xfrm>
           <a:prstGeom prst="rect">
             <a:avLst/>
@@ -13763,14 +13870,14 @@
       </p:sp>
       <p:sp>
         <p:nvSpPr>
-          <p:cNvPr id="312" name="CustomShape 21"/>
+          <p:cNvPr id="314" name="CustomShape 21"/>
           <p:cNvSpPr/>
           <p:nvPr/>
         </p:nvSpPr>
         <p:spPr>
           <a:xfrm>
             <a:off x="8064720" y="1584000"/>
-            <a:ext cx="1510920" cy="502920"/>
+            <a:ext cx="1510560" cy="502560"/>
           </a:xfrm>
           <a:prstGeom prst="rect">
             <a:avLst/>
@@ -13828,14 +13935,14 @@
       </p:sp>
       <p:sp>
         <p:nvSpPr>
-          <p:cNvPr id="313" name="CustomShape 22"/>
+          <p:cNvPr id="315" name="CustomShape 22"/>
           <p:cNvSpPr/>
           <p:nvPr/>
         </p:nvSpPr>
         <p:spPr>
           <a:xfrm>
             <a:off x="1800000" y="2017080"/>
-            <a:ext cx="720000" cy="286920"/>
+            <a:ext cx="719640" cy="286560"/>
           </a:xfrm>
           <a:prstGeom prst="rect">
             <a:avLst/>
@@ -13893,14 +14000,14 @@
       </p:sp>
       <p:sp>
         <p:nvSpPr>
-          <p:cNvPr id="314" name="CustomShape 23"/>
+          <p:cNvPr id="316" name="CustomShape 23"/>
           <p:cNvSpPr/>
           <p:nvPr/>
         </p:nvSpPr>
         <p:spPr>
           <a:xfrm>
             <a:off x="3672000" y="1657080"/>
-            <a:ext cx="720000" cy="286920"/>
+            <a:ext cx="719640" cy="286560"/>
           </a:xfrm>
           <a:prstGeom prst="rect">
             <a:avLst/>
@@ -13948,14 +14055,14 @@
       </p:sp>
       <p:sp>
         <p:nvSpPr>
-          <p:cNvPr id="315" name="CustomShape 24"/>
+          <p:cNvPr id="317" name="CustomShape 24"/>
           <p:cNvSpPr/>
           <p:nvPr/>
         </p:nvSpPr>
         <p:spPr>
           <a:xfrm>
             <a:off x="5184000" y="1657080"/>
-            <a:ext cx="1367640" cy="286920"/>
+            <a:ext cx="1367280" cy="286560"/>
           </a:xfrm>
           <a:prstGeom prst="rect">
             <a:avLst/>
@@ -14003,7 +14110,7 @@
       </p:sp>
       <p:sp>
         <p:nvSpPr>
-          <p:cNvPr id="316" name="Line 25"/>
+          <p:cNvPr id="318" name="Line 25"/>
           <p:cNvSpPr/>
           <p:nvPr/>
         </p:nvSpPr>
@@ -14031,7 +14138,7 @@
       </p:sp>
       <p:sp>
         <p:nvSpPr>
-          <p:cNvPr id="317" name="Line 26"/>
+          <p:cNvPr id="319" name="Line 26"/>
           <p:cNvSpPr/>
           <p:nvPr/>
         </p:nvSpPr>
@@ -14059,14 +14166,14 @@
       </p:sp>
       <p:sp>
         <p:nvSpPr>
-          <p:cNvPr id="318" name="CustomShape 27"/>
+          <p:cNvPr id="320" name="CustomShape 27"/>
           <p:cNvSpPr/>
           <p:nvPr/>
         </p:nvSpPr>
         <p:spPr>
           <a:xfrm>
             <a:off x="2160000" y="5467680"/>
-            <a:ext cx="1511640" cy="364320"/>
+            <a:ext cx="1511280" cy="363960"/>
           </a:xfrm>
           <a:prstGeom prst="rect">
             <a:avLst/>
@@ -14103,24 +14210,21 @@
               <a:t>Index2.html</a:t>
             </a:r>
             <a:endParaRPr b="0" lang="en-US" sz="1800" spc="-1" strike="noStrike">
-              <a:solidFill>
-                <a:srgbClr val="000000"/>
-              </a:solidFill>
-              <a:latin typeface="Arial"/>
-            </a:endParaRPr>
-          </a:p>
-        </p:txBody>
-      </p:sp>
-      <p:sp>
-        <p:nvSpPr>
-          <p:cNvPr id="319" name="CustomShape 28"/>
+              <a:latin typeface="Arial"/>
+            </a:endParaRPr>
+          </a:p>
+        </p:txBody>
+      </p:sp>
+      <p:sp>
+        <p:nvSpPr>
+          <p:cNvPr id="321" name="CustomShape 28"/>
           <p:cNvSpPr/>
           <p:nvPr/>
         </p:nvSpPr>
         <p:spPr>
           <a:xfrm>
             <a:off x="2088000" y="5688000"/>
-            <a:ext cx="1511640" cy="364680"/>
+            <a:ext cx="1511280" cy="364320"/>
           </a:xfrm>
           <a:prstGeom prst="rect">
             <a:avLst/>
@@ -14156,25 +14260,22 @@
               </a:rPr>
               <a:t>ファイルの変更</a:t>
             </a:r>
-            <a:endParaRPr b="1" lang="en-US" sz="1800" spc="-1" strike="noStrike">
-              <a:solidFill>
-                <a:srgbClr val="c9211e"/>
-              </a:solidFill>
-              <a:latin typeface="Arial"/>
-            </a:endParaRPr>
-          </a:p>
-        </p:txBody>
-      </p:sp>
-      <p:sp>
-        <p:nvSpPr>
-          <p:cNvPr id="320" name="CustomShape 29"/>
+            <a:endParaRPr b="0" lang="en-US" sz="1800" spc="-1" strike="noStrike">
+              <a:latin typeface="Arial"/>
+            </a:endParaRPr>
+          </a:p>
+        </p:txBody>
+      </p:sp>
+      <p:sp>
+        <p:nvSpPr>
+          <p:cNvPr id="322" name="CustomShape 29"/>
           <p:cNvSpPr/>
           <p:nvPr/>
         </p:nvSpPr>
         <p:spPr>
           <a:xfrm>
             <a:off x="1872000" y="2448000"/>
-            <a:ext cx="1440000" cy="360000"/>
+            <a:ext cx="1439640" cy="359640"/>
           </a:xfrm>
           <a:prstGeom prst="rect">
             <a:avLst/>
@@ -14232,14 +14333,14 @@
       </p:sp>
       <p:sp>
         <p:nvSpPr>
-          <p:cNvPr id="321" name="CustomShape 30"/>
+          <p:cNvPr id="323" name="CustomShape 30"/>
           <p:cNvSpPr/>
           <p:nvPr/>
         </p:nvSpPr>
         <p:spPr>
           <a:xfrm>
             <a:off x="4392000" y="1657080"/>
-            <a:ext cx="720000" cy="286920"/>
+            <a:ext cx="719640" cy="286560"/>
           </a:xfrm>
           <a:prstGeom prst="rect">
             <a:avLst/>
@@ -14297,14 +14398,14 @@
       </p:sp>
       <p:sp>
         <p:nvSpPr>
-          <p:cNvPr id="322" name="CustomShape 31"/>
+          <p:cNvPr id="324" name="CustomShape 31"/>
           <p:cNvSpPr/>
           <p:nvPr/>
         </p:nvSpPr>
         <p:spPr>
           <a:xfrm>
             <a:off x="5184000" y="2233080"/>
-            <a:ext cx="1367640" cy="286920"/>
+            <a:ext cx="1367280" cy="286560"/>
           </a:xfrm>
           <a:prstGeom prst="rect">
             <a:avLst/>
@@ -14362,7 +14463,7 @@
       </p:sp>
       <p:sp>
         <p:nvSpPr>
-          <p:cNvPr id="323" name="Line 32"/>
+          <p:cNvPr id="325" name="Line 32"/>
           <p:cNvSpPr/>
           <p:nvPr/>
         </p:nvSpPr>
@@ -14390,14 +14491,14 @@
       </p:sp>
       <p:sp>
         <p:nvSpPr>
-          <p:cNvPr id="324" name="CustomShape 33"/>
+          <p:cNvPr id="326" name="CustomShape 33"/>
           <p:cNvSpPr/>
           <p:nvPr/>
         </p:nvSpPr>
         <p:spPr>
           <a:xfrm>
             <a:off x="3600000" y="2304000"/>
-            <a:ext cx="1440000" cy="360000"/>
+            <a:ext cx="1439640" cy="359640"/>
           </a:xfrm>
           <a:prstGeom prst="rect">
             <a:avLst/>
@@ -14485,14 +14586,14 @@
       </p:grpSpPr>
       <p:sp>
         <p:nvSpPr>
-          <p:cNvPr id="325" name="TextShape 1"/>
-          <p:cNvSpPr txBox="1"/>
-          <p:nvPr/>
-        </p:nvSpPr>
-        <p:spPr>
-          <a:xfrm>
-            <a:off x="504000" y="261720"/>
-            <a:ext cx="9070920" cy="1341000"/>
+          <p:cNvPr id="327" name="CustomShape 1"/>
+          <p:cNvSpPr/>
+          <p:nvPr/>
+        </p:nvSpPr>
+        <p:spPr>
+          <a:xfrm>
+            <a:off x="504000" y="596520"/>
+            <a:ext cx="9070560" cy="671040"/>
           </a:xfrm>
           <a:prstGeom prst="rect">
             <a:avLst/>
@@ -14502,12 +14603,22 @@
             <a:noFill/>
           </a:ln>
         </p:spPr>
+        <p:style>
+          <a:lnRef idx="0"/>
+          <a:fillRef idx="0"/>
+          <a:effectRef idx="0"/>
+          <a:fontRef idx="minor"/>
+        </p:style>
         <p:txBody>
           <a:bodyPr lIns="0" rIns="0" tIns="0" bIns="0" anchor="ctr">
             <a:spAutoFit/>
           </a:bodyPr>
           <a:p>
-            <a:pPr algn="ctr"/>
+            <a:pPr algn="ctr">
+              <a:lnSpc>
+                <a:spcPct val="100000"/>
+              </a:lnSpc>
+            </a:pPr>
             <a:r>
               <a:rPr b="0" lang="en-US" sz="4400" spc="-1" strike="noStrike">
                 <a:latin typeface="Arial"/>
@@ -14528,14 +14639,14 @@
       </p:sp>
       <p:sp>
         <p:nvSpPr>
-          <p:cNvPr id="326" name="TextShape 2"/>
-          <p:cNvSpPr txBox="1"/>
+          <p:cNvPr id="328" name="CustomShape 2"/>
+          <p:cNvSpPr/>
           <p:nvPr/>
         </p:nvSpPr>
         <p:spPr>
           <a:xfrm>
             <a:off x="504000" y="1768680"/>
-            <a:ext cx="9000000" cy="4383000"/>
+            <a:ext cx="8999640" cy="4382640"/>
           </a:xfrm>
           <a:prstGeom prst="rect">
             <a:avLst/>
@@ -14545,12 +14656,21 @@
             <a:noFill/>
           </a:ln>
         </p:spPr>
+        <p:style>
+          <a:lnRef idx="0"/>
+          <a:fillRef idx="0"/>
+          <a:effectRef idx="0"/>
+          <a:fontRef idx="minor"/>
+        </p:style>
         <p:txBody>
           <a:bodyPr lIns="0" rIns="0" tIns="0" bIns="0">
             <a:normAutofit/>
           </a:bodyPr>
           <a:p>
-            <a:pPr marL="432000" indent="-324000">
+            <a:pPr marL="432000" indent="-323640">
+              <a:lnSpc>
+                <a:spcPct val="100000"/>
+              </a:lnSpc>
               <a:spcBef>
                 <a:spcPts val="1417"/>
               </a:spcBef>
@@ -14572,7 +14692,10 @@
             </a:endParaRPr>
           </a:p>
           <a:p>
-            <a:pPr marL="432000" indent="-324000">
+            <a:pPr marL="432000" indent="-323640">
+              <a:lnSpc>
+                <a:spcPct val="100000"/>
+              </a:lnSpc>
               <a:spcBef>
                 <a:spcPts val="1417"/>
               </a:spcBef>
@@ -14594,7 +14717,10 @@
             </a:endParaRPr>
           </a:p>
           <a:p>
-            <a:pPr marL="432000" indent="-324000">
+            <a:pPr marL="432000" indent="-323640">
+              <a:lnSpc>
+                <a:spcPct val="100000"/>
+              </a:lnSpc>
               <a:spcBef>
                 <a:spcPts val="1417"/>
               </a:spcBef>
@@ -14622,7 +14748,10 @@
             </a:endParaRPr>
           </a:p>
           <a:p>
-            <a:pPr marL="432000" indent="-324000">
+            <a:pPr marL="432000" indent="-323640">
+              <a:lnSpc>
+                <a:spcPct val="100000"/>
+              </a:lnSpc>
               <a:spcBef>
                 <a:spcPts val="1417"/>
               </a:spcBef>
@@ -14650,6 +14779,2072 @@
             </a:endParaRPr>
           </a:p>
         </p:txBody>
+      </p:sp>
+    </p:spTree>
+  </p:cSld>
+  <mc:AlternateContent>
+    <mc:Choice Requires="p14">
+      <p:transition spd="slow" p14:dur="2000"/>
+    </mc:Choice>
+    <mc:Fallback>
+      <p:transition spd="slow"/>
+    </mc:Fallback>
+  </mc:AlternateContent>
+</p:sld>
+</file>
+
+<file path=ppt/slides/slide16.xml><?xml version="1.0" encoding="utf-8"?>
+<p:sld xmlns:a="http://schemas.openxmlformats.org/drawingml/2006/main" xmlns:p="http://schemas.openxmlformats.org/presentationml/2006/main" xmlns:r="http://schemas.openxmlformats.org/officeDocument/2006/relationships" xmlns:p14="http://schemas.microsoft.com/office/powerpoint/2010/main" xmlns:p15="http://schemas.microsoft.com/office/powerpoint/2012/main" xmlns:mc="http://schemas.openxmlformats.org/markup-compatibility/2006">
+  <p:cSld>
+    <p:spTree>
+      <p:nvGrpSpPr>
+        <p:cNvPr id="1" name=""/>
+        <p:cNvGrpSpPr/>
+        <p:nvPr/>
+      </p:nvGrpSpPr>
+      <p:grpSpPr>
+        <a:xfrm>
+          <a:off x="0" y="0"/>
+          <a:ext cx="0" cy="0"/>
+          <a:chOff x="0" y="0"/>
+          <a:chExt cx="0" cy="0"/>
+        </a:xfrm>
+      </p:grpSpPr>
+      <p:sp>
+        <p:nvSpPr>
+          <p:cNvPr id="329" name="TextShape 1"/>
+          <p:cNvSpPr txBox="1"/>
+          <p:nvPr/>
+        </p:nvSpPr>
+        <p:spPr>
+          <a:xfrm>
+            <a:off x="504000" y="261720"/>
+            <a:ext cx="9070560" cy="1341000"/>
+          </a:xfrm>
+          <a:prstGeom prst="rect">
+            <a:avLst/>
+          </a:prstGeom>
+          <a:noFill/>
+          <a:ln>
+            <a:noFill/>
+          </a:ln>
+        </p:spPr>
+        <p:txBody>
+          <a:bodyPr lIns="0" rIns="0" tIns="0" bIns="0" anchor="ctr">
+            <a:spAutoFit/>
+          </a:bodyPr>
+          <a:p>
+            <a:pPr algn="ctr"/>
+            <a:r>
+              <a:rPr b="0" lang="en-US" sz="4400" spc="-1" strike="noStrike">
+                <a:latin typeface="Arial"/>
+              </a:rPr>
+              <a:t>リモートリポジトリへ</a:t>
+            </a:r>
+            <a:r>
+              <a:rPr b="0" lang="en-US" sz="4400" spc="-1" strike="noStrike">
+                <a:latin typeface="Arial"/>
+              </a:rPr>
+              <a:t>push</a:t>
+            </a:r>
+            <a:endParaRPr b="0" lang="en-US" sz="4400" spc="-1" strike="noStrike">
+              <a:latin typeface="Arial"/>
+            </a:endParaRPr>
+          </a:p>
+        </p:txBody>
+      </p:sp>
+      <p:pic>
+        <p:nvPicPr>
+          <p:cNvPr id="330" name="" descr=""/>
+          <p:cNvPicPr/>
+          <p:nvPr/>
+        </p:nvPicPr>
+        <p:blipFill>
+          <a:blip r:embed="rId1"/>
+          <a:stretch/>
+        </p:blipFill>
+        <p:spPr>
+          <a:xfrm>
+            <a:off x="2095200" y="2952000"/>
+            <a:ext cx="5824800" cy="3271320"/>
+          </a:xfrm>
+          <a:prstGeom prst="rect">
+            <a:avLst/>
+          </a:prstGeom>
+          <a:ln>
+            <a:noFill/>
+          </a:ln>
+        </p:spPr>
+      </p:pic>
+    </p:spTree>
+  </p:cSld>
+  <mc:AlternateContent>
+    <mc:Choice Requires="p14">
+      <p:transition spd="slow" p14:dur="2000"/>
+    </mc:Choice>
+    <mc:Fallback>
+      <p:transition spd="slow"/>
+    </mc:Fallback>
+  </mc:AlternateContent>
+</p:sld>
+</file>
+
+<file path=ppt/slides/slide17.xml><?xml version="1.0" encoding="utf-8"?>
+<p:sld xmlns:a="http://schemas.openxmlformats.org/drawingml/2006/main" xmlns:p="http://schemas.openxmlformats.org/presentationml/2006/main" xmlns:r="http://schemas.openxmlformats.org/officeDocument/2006/relationships" xmlns:p14="http://schemas.microsoft.com/office/powerpoint/2010/main" xmlns:p15="http://schemas.microsoft.com/office/powerpoint/2012/main" xmlns:mc="http://schemas.openxmlformats.org/markup-compatibility/2006">
+  <p:cSld>
+    <p:spTree>
+      <p:nvGrpSpPr>
+        <p:cNvPr id="1" name=""/>
+        <p:cNvGrpSpPr/>
+        <p:nvPr/>
+      </p:nvGrpSpPr>
+      <p:grpSpPr>
+        <a:xfrm>
+          <a:off x="0" y="0"/>
+          <a:ext cx="0" cy="0"/>
+          <a:chOff x="0" y="0"/>
+          <a:chExt cx="0" cy="0"/>
+        </a:xfrm>
+      </p:grpSpPr>
+      <p:sp>
+        <p:nvSpPr>
+          <p:cNvPr id="331" name="TextShape 1"/>
+          <p:cNvSpPr txBox="1"/>
+          <p:nvPr/>
+        </p:nvSpPr>
+        <p:spPr>
+          <a:xfrm>
+            <a:off x="504000" y="261720"/>
+            <a:ext cx="9070560" cy="1341000"/>
+          </a:xfrm>
+          <a:prstGeom prst="rect">
+            <a:avLst/>
+          </a:prstGeom>
+          <a:noFill/>
+          <a:ln>
+            <a:noFill/>
+          </a:ln>
+        </p:spPr>
+        <p:txBody>
+          <a:bodyPr lIns="0" rIns="0" tIns="0" bIns="0" anchor="ctr">
+            <a:spAutoFit/>
+          </a:bodyPr>
+          <a:p>
+            <a:pPr algn="ctr"/>
+            <a:r>
+              <a:rPr b="0" lang="en-US" sz="4400" spc="-1" strike="noStrike">
+                <a:latin typeface="Arial"/>
+              </a:rPr>
+              <a:t>リモートからローカルレポジトリへ</a:t>
+            </a:r>
+            <a:endParaRPr b="0" lang="en-US" sz="4400" spc="-1" strike="noStrike">
+              <a:latin typeface="Arial"/>
+            </a:endParaRPr>
+          </a:p>
+        </p:txBody>
+      </p:sp>
+      <p:sp>
+        <p:nvSpPr>
+          <p:cNvPr id="332" name="CustomShape 2"/>
+          <p:cNvSpPr/>
+          <p:nvPr/>
+        </p:nvSpPr>
+        <p:spPr>
+          <a:xfrm>
+            <a:off x="6246360" y="2034000"/>
+            <a:ext cx="3024000" cy="1656000"/>
+          </a:xfrm>
+          <a:prstGeom prst="rect">
+            <a:avLst/>
+          </a:prstGeom>
+          <a:solidFill>
+            <a:srgbClr val="afd095"/>
+          </a:solidFill>
+          <a:ln w="72000">
+            <a:solidFill>
+              <a:srgbClr val="3465a4"/>
+            </a:solidFill>
+            <a:round/>
+          </a:ln>
+        </p:spPr>
+        <p:style>
+          <a:lnRef idx="0"/>
+          <a:fillRef idx="0"/>
+          <a:effectRef idx="0"/>
+          <a:fontRef idx="minor"/>
+        </p:style>
+      </p:sp>
+      <p:sp>
+        <p:nvSpPr>
+          <p:cNvPr id="333" name="CustomShape 3"/>
+          <p:cNvSpPr/>
+          <p:nvPr/>
+        </p:nvSpPr>
+        <p:spPr>
+          <a:xfrm>
+            <a:off x="486360" y="2970000"/>
+            <a:ext cx="5902560" cy="3742560"/>
+          </a:xfrm>
+          <a:prstGeom prst="rect">
+            <a:avLst/>
+          </a:prstGeom>
+          <a:solidFill>
+            <a:srgbClr val="afd095"/>
+          </a:solidFill>
+          <a:ln w="72000">
+            <a:solidFill>
+              <a:srgbClr val="3465a4"/>
+            </a:solidFill>
+            <a:round/>
+          </a:ln>
+        </p:spPr>
+        <p:style>
+          <a:lnRef idx="0"/>
+          <a:fillRef idx="0"/>
+          <a:effectRef idx="0"/>
+          <a:fontRef idx="minor"/>
+        </p:style>
+      </p:sp>
+      <p:sp>
+        <p:nvSpPr>
+          <p:cNvPr id="334" name="CustomShape 4"/>
+          <p:cNvSpPr/>
+          <p:nvPr/>
+        </p:nvSpPr>
+        <p:spPr>
+          <a:xfrm>
+            <a:off x="1062360" y="4842000"/>
+            <a:ext cx="934560" cy="1294560"/>
+          </a:xfrm>
+          <a:prstGeom prst="foldedCorner">
+            <a:avLst>
+              <a:gd name="adj" fmla="val 12500"/>
+            </a:avLst>
+          </a:prstGeom>
+          <a:solidFill>
+            <a:srgbClr val="729fcf"/>
+          </a:solidFill>
+          <a:ln>
+            <a:solidFill>
+              <a:srgbClr val="3465a4"/>
+            </a:solidFill>
+          </a:ln>
+        </p:spPr>
+        <p:style>
+          <a:lnRef idx="0"/>
+          <a:fillRef idx="0"/>
+          <a:effectRef idx="0"/>
+          <a:fontRef idx="minor"/>
+        </p:style>
+      </p:sp>
+      <p:sp>
+        <p:nvSpPr>
+          <p:cNvPr id="335" name="CustomShape 5"/>
+          <p:cNvSpPr/>
+          <p:nvPr/>
+        </p:nvSpPr>
+        <p:spPr>
+          <a:xfrm>
+            <a:off x="1998360" y="5891040"/>
+            <a:ext cx="1384920" cy="363960"/>
+          </a:xfrm>
+          <a:prstGeom prst="rect">
+            <a:avLst/>
+          </a:prstGeom>
+          <a:noFill/>
+          <a:ln>
+            <a:noFill/>
+          </a:ln>
+        </p:spPr>
+        <p:style>
+          <a:lnRef idx="0"/>
+          <a:fillRef idx="0"/>
+          <a:effectRef idx="0"/>
+          <a:fontRef idx="minor"/>
+        </p:style>
+        <p:txBody>
+          <a:bodyPr lIns="90000" rIns="90000" tIns="45000" bIns="45000">
+            <a:spAutoFit/>
+          </a:bodyPr>
+          <a:p>
+            <a:pPr>
+              <a:lnSpc>
+                <a:spcPct val="100000"/>
+              </a:lnSpc>
+            </a:pPr>
+            <a:r>
+              <a:rPr b="0" lang="en-US" sz="1800" spc="-1" strike="noStrike">
+                <a:solidFill>
+                  <a:srgbClr val="000000"/>
+                </a:solidFill>
+                <a:latin typeface="Arial"/>
+                <a:ea typeface="DejaVu Sans"/>
+              </a:rPr>
+              <a:t>ワークツリー</a:t>
+            </a:r>
+            <a:endParaRPr b="0" lang="en-US" sz="1800" spc="-1" strike="noStrike">
+              <a:latin typeface="Arial"/>
+            </a:endParaRPr>
+          </a:p>
+        </p:txBody>
+      </p:sp>
+      <p:sp>
+        <p:nvSpPr>
+          <p:cNvPr id="336" name="Line 6"/>
+          <p:cNvSpPr/>
+          <p:nvPr/>
+        </p:nvSpPr>
+        <p:spPr>
+          <a:xfrm flipV="1">
+            <a:off x="2214360" y="3762000"/>
+            <a:ext cx="1152000" cy="792000"/>
+          </a:xfrm>
+          <a:prstGeom prst="line">
+            <a:avLst/>
+          </a:prstGeom>
+          <a:ln>
+            <a:solidFill>
+              <a:srgbClr val="3465a4"/>
+            </a:solidFill>
+            <a:tailEnd len="med" type="triangle" w="med"/>
+          </a:ln>
+        </p:spPr>
+        <p:style>
+          <a:lnRef idx="0"/>
+          <a:fillRef idx="0"/>
+          <a:effectRef idx="0"/>
+          <a:fontRef idx="minor"/>
+        </p:style>
+      </p:sp>
+      <p:sp>
+        <p:nvSpPr>
+          <p:cNvPr id="337" name="Line 7"/>
+          <p:cNvSpPr/>
+          <p:nvPr/>
+        </p:nvSpPr>
+        <p:spPr>
+          <a:xfrm flipH="1">
+            <a:off x="2574360" y="4554000"/>
+            <a:ext cx="1080000" cy="792000"/>
+          </a:xfrm>
+          <a:prstGeom prst="line">
+            <a:avLst/>
+          </a:prstGeom>
+          <a:ln>
+            <a:solidFill>
+              <a:srgbClr val="3465a4"/>
+            </a:solidFill>
+            <a:tailEnd len="med" type="triangle" w="med"/>
+          </a:ln>
+        </p:spPr>
+        <p:style>
+          <a:lnRef idx="0"/>
+          <a:fillRef idx="0"/>
+          <a:effectRef idx="0"/>
+          <a:fontRef idx="minor"/>
+        </p:style>
+      </p:sp>
+      <p:sp>
+        <p:nvSpPr>
+          <p:cNvPr id="338" name="CustomShape 8"/>
+          <p:cNvSpPr/>
+          <p:nvPr/>
+        </p:nvSpPr>
+        <p:spPr>
+          <a:xfrm>
+            <a:off x="647640" y="3618000"/>
+            <a:ext cx="2285280" cy="363960"/>
+          </a:xfrm>
+          <a:prstGeom prst="rect">
+            <a:avLst/>
+          </a:prstGeom>
+          <a:noFill/>
+          <a:ln>
+            <a:noFill/>
+          </a:ln>
+        </p:spPr>
+        <p:style>
+          <a:lnRef idx="0"/>
+          <a:fillRef idx="0"/>
+          <a:effectRef idx="0"/>
+          <a:fontRef idx="minor"/>
+        </p:style>
+        <p:txBody>
+          <a:bodyPr lIns="90000" rIns="90000" tIns="45000" bIns="45000">
+            <a:spAutoFit/>
+          </a:bodyPr>
+          <a:p>
+            <a:pPr>
+              <a:lnSpc>
+                <a:spcPct val="100000"/>
+              </a:lnSpc>
+            </a:pPr>
+            <a:r>
+              <a:rPr b="0" lang="en-US" sz="1800" spc="-1" strike="noStrike">
+                <a:solidFill>
+                  <a:srgbClr val="000000"/>
+                </a:solidFill>
+                <a:latin typeface="Arial"/>
+                <a:ea typeface="DejaVu Sans"/>
+              </a:rPr>
+              <a:t>スナップショットを記録</a:t>
+            </a:r>
+            <a:endParaRPr b="0" lang="en-US" sz="1800" spc="-1" strike="noStrike">
+              <a:latin typeface="Arial"/>
+            </a:endParaRPr>
+          </a:p>
+        </p:txBody>
+      </p:sp>
+      <p:sp>
+        <p:nvSpPr>
+          <p:cNvPr id="339" name="CustomShape 9"/>
+          <p:cNvSpPr/>
+          <p:nvPr/>
+        </p:nvSpPr>
+        <p:spPr>
+          <a:xfrm>
+            <a:off x="3119400" y="4927680"/>
+            <a:ext cx="2189520" cy="363960"/>
+          </a:xfrm>
+          <a:prstGeom prst="rect">
+            <a:avLst/>
+          </a:prstGeom>
+          <a:noFill/>
+          <a:ln>
+            <a:noFill/>
+          </a:ln>
+        </p:spPr>
+        <p:style>
+          <a:lnRef idx="0"/>
+          <a:fillRef idx="0"/>
+          <a:effectRef idx="0"/>
+          <a:fontRef idx="minor"/>
+        </p:style>
+        <p:txBody>
+          <a:bodyPr lIns="90000" rIns="90000" tIns="45000" bIns="45000">
+            <a:spAutoFit/>
+          </a:bodyPr>
+          <a:p>
+            <a:pPr>
+              <a:lnSpc>
+                <a:spcPct val="100000"/>
+              </a:lnSpc>
+            </a:pPr>
+            <a:r>
+              <a:rPr b="0" lang="en-US" sz="1800" spc="-1" strike="noStrike">
+                <a:solidFill>
+                  <a:srgbClr val="000000"/>
+                </a:solidFill>
+                <a:latin typeface="Arial"/>
+                <a:ea typeface="DejaVu Sans"/>
+              </a:rPr>
+              <a:t>Github</a:t>
+            </a:r>
+            <a:r>
+              <a:rPr b="0" lang="en-US" sz="1800" spc="-1" strike="noStrike">
+                <a:solidFill>
+                  <a:srgbClr val="000000"/>
+                </a:solidFill>
+                <a:latin typeface="Arial"/>
+                <a:ea typeface="DejaVu Sans"/>
+              </a:rPr>
+              <a:t>の記録を反映</a:t>
+            </a:r>
+            <a:endParaRPr b="0" lang="en-US" sz="1800" spc="-1" strike="noStrike">
+              <a:latin typeface="Arial"/>
+            </a:endParaRPr>
+          </a:p>
+        </p:txBody>
+      </p:sp>
+      <p:sp>
+        <p:nvSpPr>
+          <p:cNvPr id="340" name="CustomShape 10"/>
+          <p:cNvSpPr/>
+          <p:nvPr/>
+        </p:nvSpPr>
+        <p:spPr>
+          <a:xfrm>
+            <a:off x="3582360" y="3618000"/>
+            <a:ext cx="1366560" cy="718560"/>
+          </a:xfrm>
+          <a:prstGeom prst="flowChartMagneticDisk">
+            <a:avLst/>
+          </a:prstGeom>
+          <a:solidFill>
+            <a:srgbClr val="729fcf"/>
+          </a:solidFill>
+          <a:ln>
+            <a:solidFill>
+              <a:srgbClr val="3465a4"/>
+            </a:solidFill>
+          </a:ln>
+        </p:spPr>
+        <p:style>
+          <a:lnRef idx="0"/>
+          <a:fillRef idx="0"/>
+          <a:effectRef idx="0"/>
+          <a:fontRef idx="minor"/>
+        </p:style>
+      </p:sp>
+      <p:sp>
+        <p:nvSpPr>
+          <p:cNvPr id="341" name="CustomShape 11"/>
+          <p:cNvSpPr/>
+          <p:nvPr/>
+        </p:nvSpPr>
+        <p:spPr>
+          <a:xfrm>
+            <a:off x="3294360" y="3227040"/>
+            <a:ext cx="1950120" cy="363960"/>
+          </a:xfrm>
+          <a:prstGeom prst="rect">
+            <a:avLst/>
+          </a:prstGeom>
+          <a:noFill/>
+          <a:ln>
+            <a:noFill/>
+          </a:ln>
+        </p:spPr>
+        <p:style>
+          <a:lnRef idx="0"/>
+          <a:fillRef idx="0"/>
+          <a:effectRef idx="0"/>
+          <a:fontRef idx="minor"/>
+        </p:style>
+        <p:txBody>
+          <a:bodyPr lIns="90000" rIns="90000" tIns="45000" bIns="45000">
+            <a:spAutoFit/>
+          </a:bodyPr>
+          <a:p>
+            <a:pPr>
+              <a:lnSpc>
+                <a:spcPct val="100000"/>
+              </a:lnSpc>
+            </a:pPr>
+            <a:r>
+              <a:rPr b="0" lang="en-US" sz="1800" spc="-1" strike="noStrike">
+                <a:solidFill>
+                  <a:srgbClr val="000000"/>
+                </a:solidFill>
+                <a:latin typeface="Arial"/>
+                <a:ea typeface="DejaVu Sans"/>
+              </a:rPr>
+              <a:t>ローカルレポジトリ</a:t>
+            </a:r>
+            <a:endParaRPr b="0" lang="en-US" sz="1800" spc="-1" strike="noStrike">
+              <a:latin typeface="Arial"/>
+            </a:endParaRPr>
+          </a:p>
+        </p:txBody>
+      </p:sp>
+      <p:sp>
+        <p:nvSpPr>
+          <p:cNvPr id="342" name="CustomShape 12"/>
+          <p:cNvSpPr/>
+          <p:nvPr/>
+        </p:nvSpPr>
+        <p:spPr>
+          <a:xfrm>
+            <a:off x="774360" y="2826000"/>
+            <a:ext cx="1222560" cy="502560"/>
+          </a:xfrm>
+          <a:prstGeom prst="rect">
+            <a:avLst/>
+          </a:prstGeom>
+          <a:solidFill>
+            <a:srgbClr val="729fcf"/>
+          </a:solidFill>
+          <a:ln>
+            <a:solidFill>
+              <a:srgbClr val="3465a4"/>
+            </a:solidFill>
+          </a:ln>
+        </p:spPr>
+        <p:style>
+          <a:lnRef idx="0"/>
+          <a:fillRef idx="0"/>
+          <a:effectRef idx="0"/>
+          <a:fontRef idx="minor"/>
+        </p:style>
+        <p:txBody>
+          <a:bodyPr wrap="none" lIns="90000" rIns="90000" tIns="45000" bIns="45000" anchor="ctr">
+            <a:noAutofit/>
+          </a:bodyPr>
+          <a:p>
+            <a:pPr algn="ctr">
+              <a:lnSpc>
+                <a:spcPct val="100000"/>
+              </a:lnSpc>
+            </a:pPr>
+            <a:r>
+              <a:rPr b="0" lang="en-US" sz="1800" spc="-1" strike="noStrike">
+                <a:solidFill>
+                  <a:srgbClr val="000000"/>
+                </a:solidFill>
+                <a:latin typeface="Arial"/>
+                <a:ea typeface="DejaVu Sans"/>
+              </a:rPr>
+              <a:t>ローカル</a:t>
+            </a:r>
+            <a:endParaRPr b="0" lang="en-US" sz="1800" spc="-1" strike="noStrike">
+              <a:latin typeface="Arial"/>
+            </a:endParaRPr>
+          </a:p>
+        </p:txBody>
+      </p:sp>
+      <p:sp>
+        <p:nvSpPr>
+          <p:cNvPr id="343" name="Line 13"/>
+          <p:cNvSpPr/>
+          <p:nvPr/>
+        </p:nvSpPr>
+        <p:spPr>
+          <a:xfrm flipV="1">
+            <a:off x="4590360" y="2610000"/>
+            <a:ext cx="1584000" cy="504000"/>
+          </a:xfrm>
+          <a:prstGeom prst="line">
+            <a:avLst/>
+          </a:prstGeom>
+          <a:ln>
+            <a:solidFill>
+              <a:srgbClr val="3465a4"/>
+            </a:solidFill>
+            <a:tailEnd len="med" type="triangle" w="med"/>
+          </a:ln>
+        </p:spPr>
+        <p:style>
+          <a:lnRef idx="0"/>
+          <a:fillRef idx="0"/>
+          <a:effectRef idx="0"/>
+          <a:fontRef idx="minor"/>
+        </p:style>
+      </p:sp>
+      <p:sp>
+        <p:nvSpPr>
+          <p:cNvPr id="344" name="Line 14"/>
+          <p:cNvSpPr/>
+          <p:nvPr/>
+        </p:nvSpPr>
+        <p:spPr>
+          <a:xfrm flipH="1">
+            <a:off x="5238360" y="3258000"/>
+            <a:ext cx="1584000" cy="504000"/>
+          </a:xfrm>
+          <a:prstGeom prst="line">
+            <a:avLst/>
+          </a:prstGeom>
+          <a:ln>
+            <a:solidFill>
+              <a:srgbClr val="3465a4"/>
+            </a:solidFill>
+            <a:tailEnd len="med" type="triangle" w="med"/>
+          </a:ln>
+        </p:spPr>
+        <p:style>
+          <a:lnRef idx="0"/>
+          <a:fillRef idx="0"/>
+          <a:effectRef idx="0"/>
+          <a:fontRef idx="minor"/>
+        </p:style>
+      </p:sp>
+      <p:sp>
+        <p:nvSpPr>
+          <p:cNvPr id="345" name="CustomShape 15"/>
+          <p:cNvSpPr/>
+          <p:nvPr/>
+        </p:nvSpPr>
+        <p:spPr>
+          <a:xfrm>
+            <a:off x="6678360" y="2322000"/>
+            <a:ext cx="1942560" cy="718560"/>
+          </a:xfrm>
+          <a:prstGeom prst="flowChartMagneticDisk">
+            <a:avLst/>
+          </a:prstGeom>
+          <a:solidFill>
+            <a:srgbClr val="729fcf"/>
+          </a:solidFill>
+          <a:ln>
+            <a:solidFill>
+              <a:srgbClr val="3465a4"/>
+            </a:solidFill>
+          </a:ln>
+        </p:spPr>
+        <p:style>
+          <a:lnRef idx="0"/>
+          <a:fillRef idx="0"/>
+          <a:effectRef idx="0"/>
+          <a:fontRef idx="minor"/>
+        </p:style>
+      </p:sp>
+      <p:sp>
+        <p:nvSpPr>
+          <p:cNvPr id="346" name="CustomShape 16"/>
+          <p:cNvSpPr/>
+          <p:nvPr/>
+        </p:nvSpPr>
+        <p:spPr>
+          <a:xfrm>
+            <a:off x="6712920" y="2003040"/>
+            <a:ext cx="1836000" cy="363960"/>
+          </a:xfrm>
+          <a:prstGeom prst="rect">
+            <a:avLst/>
+          </a:prstGeom>
+          <a:noFill/>
+          <a:ln>
+            <a:noFill/>
+          </a:ln>
+        </p:spPr>
+        <p:style>
+          <a:lnRef idx="0"/>
+          <a:fillRef idx="0"/>
+          <a:effectRef idx="0"/>
+          <a:fontRef idx="minor"/>
+        </p:style>
+        <p:txBody>
+          <a:bodyPr lIns="90000" rIns="90000" tIns="45000" bIns="45000">
+            <a:spAutoFit/>
+          </a:bodyPr>
+          <a:p>
+            <a:pPr>
+              <a:lnSpc>
+                <a:spcPct val="100000"/>
+              </a:lnSpc>
+            </a:pPr>
+            <a:r>
+              <a:rPr b="0" lang="en-US" sz="1800" spc="-1" strike="noStrike">
+                <a:solidFill>
+                  <a:srgbClr val="000000"/>
+                </a:solidFill>
+                <a:latin typeface="Arial"/>
+                <a:ea typeface="DejaVu Sans"/>
+              </a:rPr>
+              <a:t>リモートリポジトリ</a:t>
+            </a:r>
+            <a:endParaRPr b="0" lang="en-US" sz="1800" spc="-1" strike="noStrike">
+              <a:latin typeface="Arial"/>
+            </a:endParaRPr>
+          </a:p>
+        </p:txBody>
+      </p:sp>
+      <p:sp>
+        <p:nvSpPr>
+          <p:cNvPr id="347" name="CustomShape 17"/>
+          <p:cNvSpPr/>
+          <p:nvPr/>
+        </p:nvSpPr>
+        <p:spPr>
+          <a:xfrm>
+            <a:off x="4663800" y="1747440"/>
+            <a:ext cx="1942560" cy="502560"/>
+          </a:xfrm>
+          <a:prstGeom prst="rect">
+            <a:avLst/>
+          </a:prstGeom>
+          <a:solidFill>
+            <a:srgbClr val="729fcf"/>
+          </a:solidFill>
+          <a:ln>
+            <a:solidFill>
+              <a:srgbClr val="3465a4"/>
+            </a:solidFill>
+          </a:ln>
+        </p:spPr>
+        <p:style>
+          <a:lnRef idx="0"/>
+          <a:fillRef idx="0"/>
+          <a:effectRef idx="0"/>
+          <a:fontRef idx="minor"/>
+        </p:style>
+        <p:txBody>
+          <a:bodyPr wrap="none" lIns="90000" rIns="90000" tIns="45000" bIns="45000" anchor="ctr">
+            <a:noAutofit/>
+          </a:bodyPr>
+          <a:p>
+            <a:pPr algn="ctr">
+              <a:lnSpc>
+                <a:spcPct val="100000"/>
+              </a:lnSpc>
+            </a:pPr>
+            <a:r>
+              <a:rPr b="0" lang="en-US" sz="1800" spc="-1" strike="noStrike">
+                <a:solidFill>
+                  <a:srgbClr val="000000"/>
+                </a:solidFill>
+                <a:latin typeface="Arial"/>
+                <a:ea typeface="DejaVu Sans"/>
+              </a:rPr>
+              <a:t>リモート（</a:t>
+            </a:r>
+            <a:r>
+              <a:rPr b="0" lang="en-US" sz="1800" spc="-1" strike="noStrike">
+                <a:solidFill>
+                  <a:srgbClr val="000000"/>
+                </a:solidFill>
+                <a:latin typeface="Arial"/>
+                <a:ea typeface="DejaVu Sans"/>
+              </a:rPr>
+              <a:t>git hub</a:t>
+            </a:r>
+            <a:r>
+              <a:rPr b="0" lang="en-US" sz="1800" spc="-1" strike="noStrike">
+                <a:solidFill>
+                  <a:srgbClr val="000000"/>
+                </a:solidFill>
+                <a:latin typeface="Arial"/>
+                <a:ea typeface="DejaVu Sans"/>
+              </a:rPr>
+              <a:t>）</a:t>
+            </a:r>
+            <a:endParaRPr b="0" lang="en-US" sz="1800" spc="-1" strike="noStrike">
+              <a:latin typeface="Arial"/>
+            </a:endParaRPr>
+          </a:p>
+        </p:txBody>
+      </p:sp>
+    </p:spTree>
+  </p:cSld>
+  <mc:AlternateContent>
+    <mc:Choice Requires="p14">
+      <p:transition spd="slow" p14:dur="2000"/>
+    </mc:Choice>
+    <mc:Fallback>
+      <p:transition spd="slow"/>
+    </mc:Fallback>
+  </mc:AlternateContent>
+</p:sld>
+</file>
+
+<file path=ppt/slides/slide18.xml><?xml version="1.0" encoding="utf-8"?>
+<p:sld xmlns:a="http://schemas.openxmlformats.org/drawingml/2006/main" xmlns:p="http://schemas.openxmlformats.org/presentationml/2006/main" xmlns:r="http://schemas.openxmlformats.org/officeDocument/2006/relationships" xmlns:p14="http://schemas.microsoft.com/office/powerpoint/2010/main" xmlns:p15="http://schemas.microsoft.com/office/powerpoint/2012/main" xmlns:mc="http://schemas.openxmlformats.org/markup-compatibility/2006">
+  <p:cSld>
+    <p:spTree>
+      <p:nvGrpSpPr>
+        <p:cNvPr id="1" name=""/>
+        <p:cNvGrpSpPr/>
+        <p:nvPr/>
+      </p:nvGrpSpPr>
+      <p:grpSpPr>
+        <a:xfrm>
+          <a:off x="0" y="0"/>
+          <a:ext cx="0" cy="0"/>
+          <a:chOff x="0" y="0"/>
+          <a:chExt cx="0" cy="0"/>
+        </a:xfrm>
+      </p:grpSpPr>
+      <p:sp>
+        <p:nvSpPr>
+          <p:cNvPr id="348" name="TextShape 1"/>
+          <p:cNvSpPr txBox="1"/>
+          <p:nvPr/>
+        </p:nvSpPr>
+        <p:spPr>
+          <a:xfrm>
+            <a:off x="504000" y="261720"/>
+            <a:ext cx="9070560" cy="1341000"/>
+          </a:xfrm>
+          <a:prstGeom prst="rect">
+            <a:avLst/>
+          </a:prstGeom>
+          <a:noFill/>
+          <a:ln>
+            <a:noFill/>
+          </a:ln>
+        </p:spPr>
+        <p:txBody>
+          <a:bodyPr lIns="0" rIns="0" tIns="0" bIns="0" anchor="ctr">
+            <a:spAutoFit/>
+          </a:bodyPr>
+          <a:p>
+            <a:pPr algn="ctr"/>
+            <a:r>
+              <a:rPr b="0" lang="en-US" sz="4400" spc="-1" strike="noStrike">
+                <a:latin typeface="Arial"/>
+              </a:rPr>
+              <a:t>Git fetch</a:t>
+            </a:r>
+            <a:endParaRPr b="0" lang="en-US" sz="4400" spc="-1" strike="noStrike">
+              <a:latin typeface="Arial"/>
+            </a:endParaRPr>
+          </a:p>
+        </p:txBody>
+      </p:sp>
+      <p:sp>
+        <p:nvSpPr>
+          <p:cNvPr id="349" name="CustomShape 2"/>
+          <p:cNvSpPr/>
+          <p:nvPr/>
+        </p:nvSpPr>
+        <p:spPr>
+          <a:xfrm>
+            <a:off x="6246360" y="2052000"/>
+            <a:ext cx="3024000" cy="1656000"/>
+          </a:xfrm>
+          <a:prstGeom prst="rect">
+            <a:avLst/>
+          </a:prstGeom>
+          <a:solidFill>
+            <a:srgbClr val="afd095"/>
+          </a:solidFill>
+          <a:ln w="72000">
+            <a:solidFill>
+              <a:srgbClr val="3465a4"/>
+            </a:solidFill>
+            <a:round/>
+          </a:ln>
+        </p:spPr>
+        <p:style>
+          <a:lnRef idx="0"/>
+          <a:fillRef idx="0"/>
+          <a:effectRef idx="0"/>
+          <a:fontRef idx="minor"/>
+        </p:style>
+      </p:sp>
+      <p:sp>
+        <p:nvSpPr>
+          <p:cNvPr id="350" name="CustomShape 3"/>
+          <p:cNvSpPr/>
+          <p:nvPr/>
+        </p:nvSpPr>
+        <p:spPr>
+          <a:xfrm>
+            <a:off x="486360" y="2988000"/>
+            <a:ext cx="5902560" cy="3742560"/>
+          </a:xfrm>
+          <a:prstGeom prst="rect">
+            <a:avLst/>
+          </a:prstGeom>
+          <a:solidFill>
+            <a:srgbClr val="afd095"/>
+          </a:solidFill>
+          <a:ln w="72000">
+            <a:solidFill>
+              <a:srgbClr val="3465a4"/>
+            </a:solidFill>
+            <a:round/>
+          </a:ln>
+        </p:spPr>
+        <p:style>
+          <a:lnRef idx="0"/>
+          <a:fillRef idx="0"/>
+          <a:effectRef idx="0"/>
+          <a:fontRef idx="minor"/>
+        </p:style>
+      </p:sp>
+      <p:sp>
+        <p:nvSpPr>
+          <p:cNvPr id="351" name="CustomShape 4"/>
+          <p:cNvSpPr/>
+          <p:nvPr/>
+        </p:nvSpPr>
+        <p:spPr>
+          <a:xfrm>
+            <a:off x="1062360" y="4860000"/>
+            <a:ext cx="934560" cy="1294560"/>
+          </a:xfrm>
+          <a:prstGeom prst="foldedCorner">
+            <a:avLst>
+              <a:gd name="adj" fmla="val 12500"/>
+            </a:avLst>
+          </a:prstGeom>
+          <a:solidFill>
+            <a:srgbClr val="729fcf"/>
+          </a:solidFill>
+          <a:ln>
+            <a:solidFill>
+              <a:srgbClr val="3465a4"/>
+            </a:solidFill>
+          </a:ln>
+        </p:spPr>
+        <p:style>
+          <a:lnRef idx="0"/>
+          <a:fillRef idx="0"/>
+          <a:effectRef idx="0"/>
+          <a:fontRef idx="minor"/>
+        </p:style>
+      </p:sp>
+      <p:sp>
+        <p:nvSpPr>
+          <p:cNvPr id="352" name="CustomShape 5"/>
+          <p:cNvSpPr/>
+          <p:nvPr/>
+        </p:nvSpPr>
+        <p:spPr>
+          <a:xfrm>
+            <a:off x="1998360" y="5909040"/>
+            <a:ext cx="1384920" cy="363960"/>
+          </a:xfrm>
+          <a:prstGeom prst="rect">
+            <a:avLst/>
+          </a:prstGeom>
+          <a:noFill/>
+          <a:ln>
+            <a:noFill/>
+          </a:ln>
+        </p:spPr>
+        <p:style>
+          <a:lnRef idx="0"/>
+          <a:fillRef idx="0"/>
+          <a:effectRef idx="0"/>
+          <a:fontRef idx="minor"/>
+        </p:style>
+        <p:txBody>
+          <a:bodyPr lIns="90000" rIns="90000" tIns="45000" bIns="45000">
+            <a:spAutoFit/>
+          </a:bodyPr>
+          <a:p>
+            <a:pPr>
+              <a:lnSpc>
+                <a:spcPct val="100000"/>
+              </a:lnSpc>
+            </a:pPr>
+            <a:r>
+              <a:rPr b="0" lang="en-US" sz="1800" spc="-1" strike="noStrike">
+                <a:solidFill>
+                  <a:srgbClr val="000000"/>
+                </a:solidFill>
+                <a:latin typeface="Arial"/>
+                <a:ea typeface="DejaVu Sans"/>
+              </a:rPr>
+              <a:t>ワークツリー</a:t>
+            </a:r>
+            <a:endParaRPr b="0" lang="en-US" sz="1800" spc="-1" strike="noStrike">
+              <a:latin typeface="Arial"/>
+            </a:endParaRPr>
+          </a:p>
+        </p:txBody>
+      </p:sp>
+      <p:sp>
+        <p:nvSpPr>
+          <p:cNvPr id="353" name="Line 6"/>
+          <p:cNvSpPr/>
+          <p:nvPr/>
+        </p:nvSpPr>
+        <p:spPr>
+          <a:xfrm flipH="1">
+            <a:off x="2304000" y="4752000"/>
+            <a:ext cx="1080000" cy="792000"/>
+          </a:xfrm>
+          <a:prstGeom prst="line">
+            <a:avLst/>
+          </a:prstGeom>
+          <a:ln>
+            <a:solidFill>
+              <a:srgbClr val="3465a4"/>
+            </a:solidFill>
+            <a:tailEnd len="med" type="triangle" w="med"/>
+          </a:ln>
+        </p:spPr>
+        <p:style>
+          <a:lnRef idx="0"/>
+          <a:fillRef idx="0"/>
+          <a:effectRef idx="0"/>
+          <a:fontRef idx="minor"/>
+        </p:style>
+      </p:sp>
+      <p:sp>
+        <p:nvSpPr>
+          <p:cNvPr id="354" name="CustomShape 7"/>
+          <p:cNvSpPr/>
+          <p:nvPr/>
+        </p:nvSpPr>
+        <p:spPr>
+          <a:xfrm>
+            <a:off x="3119400" y="4945680"/>
+            <a:ext cx="2189520" cy="363960"/>
+          </a:xfrm>
+          <a:prstGeom prst="rect">
+            <a:avLst/>
+          </a:prstGeom>
+          <a:noFill/>
+          <a:ln>
+            <a:noFill/>
+          </a:ln>
+        </p:spPr>
+        <p:style>
+          <a:lnRef idx="0"/>
+          <a:fillRef idx="0"/>
+          <a:effectRef idx="0"/>
+          <a:fontRef idx="minor"/>
+        </p:style>
+      </p:sp>
+      <p:sp>
+        <p:nvSpPr>
+          <p:cNvPr id="355" name="CustomShape 8"/>
+          <p:cNvSpPr/>
+          <p:nvPr/>
+        </p:nvSpPr>
+        <p:spPr>
+          <a:xfrm>
+            <a:off x="3006360" y="3564000"/>
+            <a:ext cx="2249640" cy="1476000"/>
+          </a:xfrm>
+          <a:prstGeom prst="flowChartMagneticDisk">
+            <a:avLst/>
+          </a:prstGeom>
+          <a:solidFill>
+            <a:srgbClr val="729fcf"/>
+          </a:solidFill>
+          <a:ln>
+            <a:solidFill>
+              <a:srgbClr val="3465a4"/>
+            </a:solidFill>
+          </a:ln>
+        </p:spPr>
+        <p:style>
+          <a:lnRef idx="0"/>
+          <a:fillRef idx="0"/>
+          <a:effectRef idx="0"/>
+          <a:fontRef idx="minor"/>
+        </p:style>
+        <p:txBody>
+          <a:bodyPr lIns="90000" rIns="90000" tIns="45000" bIns="45000">
+            <a:noAutofit/>
+          </a:bodyPr>
+          <a:p>
+            <a:pPr algn="ctr"/>
+            <a:r>
+              <a:rPr b="0" lang="en-US" sz="1800" spc="-1" strike="noStrike">
+                <a:latin typeface="Arial"/>
+              </a:rPr>
+              <a:t>origin/master</a:t>
+            </a:r>
+            <a:endParaRPr b="0" lang="en-US" sz="1800" spc="-1" strike="noStrike">
+              <a:latin typeface="Arial"/>
+            </a:endParaRPr>
+          </a:p>
+          <a:p>
+            <a:endParaRPr b="0" lang="en-US" sz="1800" spc="-1" strike="noStrike">
+              <a:latin typeface="Arial"/>
+            </a:endParaRPr>
+          </a:p>
+          <a:p>
+            <a:pPr algn="ctr"/>
+            <a:r>
+              <a:rPr b="0" lang="en-US" sz="1800" spc="-1" strike="noStrike">
+                <a:latin typeface="Arial"/>
+              </a:rPr>
+              <a:t>master</a:t>
+            </a:r>
+            <a:endParaRPr b="0" lang="en-US" sz="1800" spc="-1" strike="noStrike">
+              <a:latin typeface="Arial"/>
+            </a:endParaRPr>
+          </a:p>
+        </p:txBody>
+      </p:sp>
+      <p:sp>
+        <p:nvSpPr>
+          <p:cNvPr id="356" name="CustomShape 9"/>
+          <p:cNvSpPr/>
+          <p:nvPr/>
+        </p:nvSpPr>
+        <p:spPr>
+          <a:xfrm>
+            <a:off x="3294360" y="3245040"/>
+            <a:ext cx="1950120" cy="363960"/>
+          </a:xfrm>
+          <a:prstGeom prst="rect">
+            <a:avLst/>
+          </a:prstGeom>
+          <a:noFill/>
+          <a:ln>
+            <a:noFill/>
+          </a:ln>
+        </p:spPr>
+        <p:style>
+          <a:lnRef idx="0"/>
+          <a:fillRef idx="0"/>
+          <a:effectRef idx="0"/>
+          <a:fontRef idx="minor"/>
+        </p:style>
+        <p:txBody>
+          <a:bodyPr lIns="90000" rIns="90000" tIns="45000" bIns="45000">
+            <a:spAutoFit/>
+          </a:bodyPr>
+          <a:p>
+            <a:pPr>
+              <a:lnSpc>
+                <a:spcPct val="100000"/>
+              </a:lnSpc>
+            </a:pPr>
+            <a:r>
+              <a:rPr b="0" lang="en-US" sz="1800" spc="-1" strike="noStrike">
+                <a:solidFill>
+                  <a:srgbClr val="000000"/>
+                </a:solidFill>
+                <a:latin typeface="Arial"/>
+                <a:ea typeface="DejaVu Sans"/>
+              </a:rPr>
+              <a:t>ローカルレポジトリ</a:t>
+            </a:r>
+            <a:endParaRPr b="0" lang="en-US" sz="1800" spc="-1" strike="noStrike">
+              <a:latin typeface="Arial"/>
+            </a:endParaRPr>
+          </a:p>
+        </p:txBody>
+      </p:sp>
+      <p:sp>
+        <p:nvSpPr>
+          <p:cNvPr id="357" name="CustomShape 10"/>
+          <p:cNvSpPr/>
+          <p:nvPr/>
+        </p:nvSpPr>
+        <p:spPr>
+          <a:xfrm>
+            <a:off x="774360" y="2844000"/>
+            <a:ext cx="1222560" cy="502560"/>
+          </a:xfrm>
+          <a:prstGeom prst="rect">
+            <a:avLst/>
+          </a:prstGeom>
+          <a:solidFill>
+            <a:srgbClr val="729fcf"/>
+          </a:solidFill>
+          <a:ln>
+            <a:solidFill>
+              <a:srgbClr val="3465a4"/>
+            </a:solidFill>
+          </a:ln>
+        </p:spPr>
+        <p:style>
+          <a:lnRef idx="0"/>
+          <a:fillRef idx="0"/>
+          <a:effectRef idx="0"/>
+          <a:fontRef idx="minor"/>
+        </p:style>
+        <p:txBody>
+          <a:bodyPr wrap="none" lIns="90000" rIns="90000" tIns="45000" bIns="45000" anchor="ctr">
+            <a:noAutofit/>
+          </a:bodyPr>
+          <a:p>
+            <a:pPr algn="ctr">
+              <a:lnSpc>
+                <a:spcPct val="100000"/>
+              </a:lnSpc>
+            </a:pPr>
+            <a:r>
+              <a:rPr b="0" lang="en-US" sz="1800" spc="-1" strike="noStrike">
+                <a:solidFill>
+                  <a:srgbClr val="000000"/>
+                </a:solidFill>
+                <a:latin typeface="Arial"/>
+                <a:ea typeface="DejaVu Sans"/>
+              </a:rPr>
+              <a:t>ローカル</a:t>
+            </a:r>
+            <a:endParaRPr b="0" lang="en-US" sz="1800" spc="-1" strike="noStrike">
+              <a:latin typeface="Arial"/>
+            </a:endParaRPr>
+          </a:p>
+        </p:txBody>
+      </p:sp>
+      <p:sp>
+        <p:nvSpPr>
+          <p:cNvPr id="358" name="Line 11"/>
+          <p:cNvSpPr/>
+          <p:nvPr/>
+        </p:nvSpPr>
+        <p:spPr>
+          <a:xfrm flipH="1">
+            <a:off x="4824000" y="3276000"/>
+            <a:ext cx="1998360" cy="900000"/>
+          </a:xfrm>
+          <a:prstGeom prst="line">
+            <a:avLst/>
+          </a:prstGeom>
+          <a:ln w="12600">
+            <a:solidFill>
+              <a:srgbClr val="ff0000"/>
+            </a:solidFill>
+            <a:round/>
+            <a:tailEnd len="med" type="triangle" w="med"/>
+          </a:ln>
+        </p:spPr>
+        <p:style>
+          <a:lnRef idx="0"/>
+          <a:fillRef idx="0"/>
+          <a:effectRef idx="0"/>
+          <a:fontRef idx="minor"/>
+        </p:style>
+      </p:sp>
+      <p:sp>
+        <p:nvSpPr>
+          <p:cNvPr id="359" name="CustomShape 12"/>
+          <p:cNvSpPr/>
+          <p:nvPr/>
+        </p:nvSpPr>
+        <p:spPr>
+          <a:xfrm>
+            <a:off x="6678360" y="2340000"/>
+            <a:ext cx="1942560" cy="718560"/>
+          </a:xfrm>
+          <a:prstGeom prst="flowChartMagneticDisk">
+            <a:avLst/>
+          </a:prstGeom>
+          <a:solidFill>
+            <a:srgbClr val="729fcf"/>
+          </a:solidFill>
+          <a:ln>
+            <a:solidFill>
+              <a:srgbClr val="3465a4"/>
+            </a:solidFill>
+          </a:ln>
+        </p:spPr>
+        <p:style>
+          <a:lnRef idx="0"/>
+          <a:fillRef idx="0"/>
+          <a:effectRef idx="0"/>
+          <a:fontRef idx="minor"/>
+        </p:style>
+      </p:sp>
+      <p:sp>
+        <p:nvSpPr>
+          <p:cNvPr id="360" name="CustomShape 13"/>
+          <p:cNvSpPr/>
+          <p:nvPr/>
+        </p:nvSpPr>
+        <p:spPr>
+          <a:xfrm>
+            <a:off x="6712920" y="2021040"/>
+            <a:ext cx="1836000" cy="363960"/>
+          </a:xfrm>
+          <a:prstGeom prst="rect">
+            <a:avLst/>
+          </a:prstGeom>
+          <a:noFill/>
+          <a:ln>
+            <a:noFill/>
+          </a:ln>
+        </p:spPr>
+        <p:style>
+          <a:lnRef idx="0"/>
+          <a:fillRef idx="0"/>
+          <a:effectRef idx="0"/>
+          <a:fontRef idx="minor"/>
+        </p:style>
+        <p:txBody>
+          <a:bodyPr lIns="90000" rIns="90000" tIns="45000" bIns="45000">
+            <a:spAutoFit/>
+          </a:bodyPr>
+          <a:p>
+            <a:pPr>
+              <a:lnSpc>
+                <a:spcPct val="100000"/>
+              </a:lnSpc>
+            </a:pPr>
+            <a:r>
+              <a:rPr b="0" lang="en-US" sz="1800" spc="-1" strike="noStrike">
+                <a:solidFill>
+                  <a:srgbClr val="000000"/>
+                </a:solidFill>
+                <a:latin typeface="Arial"/>
+                <a:ea typeface="DejaVu Sans"/>
+              </a:rPr>
+              <a:t>リモートリポジトリ</a:t>
+            </a:r>
+            <a:endParaRPr b="0" lang="en-US" sz="1800" spc="-1" strike="noStrike">
+              <a:latin typeface="Arial"/>
+            </a:endParaRPr>
+          </a:p>
+        </p:txBody>
+      </p:sp>
+      <p:sp>
+        <p:nvSpPr>
+          <p:cNvPr id="361" name="CustomShape 14"/>
+          <p:cNvSpPr/>
+          <p:nvPr/>
+        </p:nvSpPr>
+        <p:spPr>
+          <a:xfrm>
+            <a:off x="4663800" y="1765440"/>
+            <a:ext cx="1942560" cy="502560"/>
+          </a:xfrm>
+          <a:prstGeom prst="rect">
+            <a:avLst/>
+          </a:prstGeom>
+          <a:solidFill>
+            <a:srgbClr val="729fcf"/>
+          </a:solidFill>
+          <a:ln>
+            <a:solidFill>
+              <a:srgbClr val="3465a4"/>
+            </a:solidFill>
+          </a:ln>
+        </p:spPr>
+        <p:style>
+          <a:lnRef idx="0"/>
+          <a:fillRef idx="0"/>
+          <a:effectRef idx="0"/>
+          <a:fontRef idx="minor"/>
+        </p:style>
+        <p:txBody>
+          <a:bodyPr wrap="none" lIns="90000" rIns="90000" tIns="45000" bIns="45000" anchor="ctr">
+            <a:noAutofit/>
+          </a:bodyPr>
+          <a:p>
+            <a:pPr algn="ctr">
+              <a:lnSpc>
+                <a:spcPct val="100000"/>
+              </a:lnSpc>
+            </a:pPr>
+            <a:r>
+              <a:rPr b="0" lang="en-US" sz="1800" spc="-1" strike="noStrike">
+                <a:solidFill>
+                  <a:srgbClr val="000000"/>
+                </a:solidFill>
+                <a:latin typeface="Arial"/>
+                <a:ea typeface="DejaVu Sans"/>
+              </a:rPr>
+              <a:t>リモート（</a:t>
+            </a:r>
+            <a:r>
+              <a:rPr b="0" lang="en-US" sz="1800" spc="-1" strike="noStrike">
+                <a:solidFill>
+                  <a:srgbClr val="000000"/>
+                </a:solidFill>
+                <a:latin typeface="Arial"/>
+                <a:ea typeface="DejaVu Sans"/>
+              </a:rPr>
+              <a:t>git hub</a:t>
+            </a:r>
+            <a:r>
+              <a:rPr b="0" lang="en-US" sz="1800" spc="-1" strike="noStrike">
+                <a:solidFill>
+                  <a:srgbClr val="000000"/>
+                </a:solidFill>
+                <a:latin typeface="Arial"/>
+                <a:ea typeface="DejaVu Sans"/>
+              </a:rPr>
+              <a:t>）</a:t>
+            </a:r>
+            <a:endParaRPr b="0" lang="en-US" sz="1800" spc="-1" strike="noStrike">
+              <a:latin typeface="Arial"/>
+            </a:endParaRPr>
+          </a:p>
+        </p:txBody>
+      </p:sp>
+    </p:spTree>
+  </p:cSld>
+  <mc:AlternateContent>
+    <mc:Choice Requires="p14">
+      <p:transition spd="slow" p14:dur="2000"/>
+    </mc:Choice>
+    <mc:Fallback>
+      <p:transition spd="slow"/>
+    </mc:Fallback>
+  </mc:AlternateContent>
+</p:sld>
+</file>
+
+<file path=ppt/slides/slide19.xml><?xml version="1.0" encoding="utf-8"?>
+<p:sld xmlns:a="http://schemas.openxmlformats.org/drawingml/2006/main" xmlns:p="http://schemas.openxmlformats.org/presentationml/2006/main" xmlns:r="http://schemas.openxmlformats.org/officeDocument/2006/relationships" xmlns:p14="http://schemas.microsoft.com/office/powerpoint/2010/main" xmlns:p15="http://schemas.microsoft.com/office/powerpoint/2012/main" xmlns:mc="http://schemas.openxmlformats.org/markup-compatibility/2006">
+  <p:cSld>
+    <p:spTree>
+      <p:nvGrpSpPr>
+        <p:cNvPr id="1" name=""/>
+        <p:cNvGrpSpPr/>
+        <p:nvPr/>
+      </p:nvGrpSpPr>
+      <p:grpSpPr>
+        <a:xfrm>
+          <a:off x="0" y="0"/>
+          <a:ext cx="0" cy="0"/>
+          <a:chOff x="0" y="0"/>
+          <a:chExt cx="0" cy="0"/>
+        </a:xfrm>
+      </p:grpSpPr>
+      <p:sp>
+        <p:nvSpPr>
+          <p:cNvPr id="362" name="TextShape 1"/>
+          <p:cNvSpPr txBox="1"/>
+          <p:nvPr/>
+        </p:nvSpPr>
+        <p:spPr>
+          <a:xfrm>
+            <a:off x="504000" y="261720"/>
+            <a:ext cx="9070560" cy="1341000"/>
+          </a:xfrm>
+          <a:prstGeom prst="rect">
+            <a:avLst/>
+          </a:prstGeom>
+          <a:noFill/>
+          <a:ln>
+            <a:noFill/>
+          </a:ln>
+        </p:spPr>
+        <p:txBody>
+          <a:bodyPr lIns="0" rIns="0" tIns="0" bIns="0" anchor="ctr">
+            <a:spAutoFit/>
+          </a:bodyPr>
+          <a:p>
+            <a:pPr algn="ctr"/>
+            <a:r>
+              <a:rPr b="0" lang="en-US" sz="4400" spc="-1" strike="noStrike">
+                <a:latin typeface="Arial"/>
+              </a:rPr>
+              <a:t>Git merge</a:t>
+            </a:r>
+            <a:endParaRPr b="0" lang="en-US" sz="4400" spc="-1" strike="noStrike">
+              <a:latin typeface="Arial"/>
+            </a:endParaRPr>
+          </a:p>
+        </p:txBody>
+      </p:sp>
+      <p:sp>
+        <p:nvSpPr>
+          <p:cNvPr id="363" name="CustomShape 2"/>
+          <p:cNvSpPr/>
+          <p:nvPr/>
+        </p:nvSpPr>
+        <p:spPr>
+          <a:xfrm>
+            <a:off x="6246360" y="2070000"/>
+            <a:ext cx="3024000" cy="1656000"/>
+          </a:xfrm>
+          <a:prstGeom prst="rect">
+            <a:avLst/>
+          </a:prstGeom>
+          <a:solidFill>
+            <a:srgbClr val="afd095"/>
+          </a:solidFill>
+          <a:ln w="72000">
+            <a:solidFill>
+              <a:srgbClr val="3465a4"/>
+            </a:solidFill>
+            <a:round/>
+          </a:ln>
+        </p:spPr>
+        <p:style>
+          <a:lnRef idx="0"/>
+          <a:fillRef idx="0"/>
+          <a:effectRef idx="0"/>
+          <a:fontRef idx="minor"/>
+        </p:style>
+      </p:sp>
+      <p:sp>
+        <p:nvSpPr>
+          <p:cNvPr id="364" name="CustomShape 3"/>
+          <p:cNvSpPr/>
+          <p:nvPr/>
+        </p:nvSpPr>
+        <p:spPr>
+          <a:xfrm>
+            <a:off x="486360" y="3006000"/>
+            <a:ext cx="5902560" cy="3742560"/>
+          </a:xfrm>
+          <a:prstGeom prst="rect">
+            <a:avLst/>
+          </a:prstGeom>
+          <a:solidFill>
+            <a:srgbClr val="afd095"/>
+          </a:solidFill>
+          <a:ln w="72000">
+            <a:solidFill>
+              <a:srgbClr val="3465a4"/>
+            </a:solidFill>
+            <a:round/>
+          </a:ln>
+        </p:spPr>
+        <p:style>
+          <a:lnRef idx="0"/>
+          <a:fillRef idx="0"/>
+          <a:effectRef idx="0"/>
+          <a:fontRef idx="minor"/>
+        </p:style>
+      </p:sp>
+      <p:sp>
+        <p:nvSpPr>
+          <p:cNvPr id="365" name="CustomShape 4"/>
+          <p:cNvSpPr/>
+          <p:nvPr/>
+        </p:nvSpPr>
+        <p:spPr>
+          <a:xfrm>
+            <a:off x="1062360" y="4878000"/>
+            <a:ext cx="934560" cy="1294560"/>
+          </a:xfrm>
+          <a:prstGeom prst="foldedCorner">
+            <a:avLst>
+              <a:gd name="adj" fmla="val 12500"/>
+            </a:avLst>
+          </a:prstGeom>
+          <a:solidFill>
+            <a:srgbClr val="729fcf"/>
+          </a:solidFill>
+          <a:ln>
+            <a:solidFill>
+              <a:srgbClr val="3465a4"/>
+            </a:solidFill>
+          </a:ln>
+        </p:spPr>
+        <p:style>
+          <a:lnRef idx="0"/>
+          <a:fillRef idx="0"/>
+          <a:effectRef idx="0"/>
+          <a:fontRef idx="minor"/>
+        </p:style>
+      </p:sp>
+      <p:sp>
+        <p:nvSpPr>
+          <p:cNvPr id="366" name="CustomShape 5"/>
+          <p:cNvSpPr/>
+          <p:nvPr/>
+        </p:nvSpPr>
+        <p:spPr>
+          <a:xfrm>
+            <a:off x="1998360" y="5927040"/>
+            <a:ext cx="1384920" cy="363960"/>
+          </a:xfrm>
+          <a:prstGeom prst="rect">
+            <a:avLst/>
+          </a:prstGeom>
+          <a:noFill/>
+          <a:ln>
+            <a:noFill/>
+          </a:ln>
+        </p:spPr>
+        <p:style>
+          <a:lnRef idx="0"/>
+          <a:fillRef idx="0"/>
+          <a:effectRef idx="0"/>
+          <a:fontRef idx="minor"/>
+        </p:style>
+        <p:txBody>
+          <a:bodyPr lIns="90000" rIns="90000" tIns="45000" bIns="45000">
+            <a:spAutoFit/>
+          </a:bodyPr>
+          <a:p>
+            <a:pPr>
+              <a:lnSpc>
+                <a:spcPct val="100000"/>
+              </a:lnSpc>
+            </a:pPr>
+            <a:r>
+              <a:rPr b="0" lang="en-US" sz="1800" spc="-1" strike="noStrike">
+                <a:solidFill>
+                  <a:srgbClr val="000000"/>
+                </a:solidFill>
+                <a:latin typeface="Arial"/>
+                <a:ea typeface="DejaVu Sans"/>
+              </a:rPr>
+              <a:t>ワークツリー</a:t>
+            </a:r>
+            <a:endParaRPr b="0" lang="en-US" sz="1800" spc="-1" strike="noStrike">
+              <a:latin typeface="Arial"/>
+            </a:endParaRPr>
+          </a:p>
+        </p:txBody>
+      </p:sp>
+      <p:sp>
+        <p:nvSpPr>
+          <p:cNvPr id="367" name="CustomShape 6"/>
+          <p:cNvSpPr/>
+          <p:nvPr/>
+        </p:nvSpPr>
+        <p:spPr>
+          <a:xfrm>
+            <a:off x="3119400" y="4963680"/>
+            <a:ext cx="2189520" cy="363960"/>
+          </a:xfrm>
+          <a:prstGeom prst="rect">
+            <a:avLst/>
+          </a:prstGeom>
+          <a:noFill/>
+          <a:ln>
+            <a:noFill/>
+          </a:ln>
+        </p:spPr>
+        <p:style>
+          <a:lnRef idx="0"/>
+          <a:fillRef idx="0"/>
+          <a:effectRef idx="0"/>
+          <a:fontRef idx="minor"/>
+        </p:style>
+      </p:sp>
+      <p:sp>
+        <p:nvSpPr>
+          <p:cNvPr id="368" name="CustomShape 7"/>
+          <p:cNvSpPr/>
+          <p:nvPr/>
+        </p:nvSpPr>
+        <p:spPr>
+          <a:xfrm>
+            <a:off x="3006360" y="3582000"/>
+            <a:ext cx="2249640" cy="1476000"/>
+          </a:xfrm>
+          <a:prstGeom prst="flowChartMagneticDisk">
+            <a:avLst/>
+          </a:prstGeom>
+          <a:solidFill>
+            <a:srgbClr val="729fcf"/>
+          </a:solidFill>
+          <a:ln>
+            <a:solidFill>
+              <a:srgbClr val="3465a4"/>
+            </a:solidFill>
+          </a:ln>
+        </p:spPr>
+        <p:style>
+          <a:lnRef idx="0"/>
+          <a:fillRef idx="0"/>
+          <a:effectRef idx="0"/>
+          <a:fontRef idx="minor"/>
+        </p:style>
+        <p:txBody>
+          <a:bodyPr lIns="90000" rIns="90000" tIns="45000" bIns="45000">
+            <a:noAutofit/>
+          </a:bodyPr>
+          <a:p>
+            <a:pPr algn="ctr"/>
+            <a:r>
+              <a:rPr b="0" lang="en-US" sz="1800" spc="-1" strike="noStrike">
+                <a:latin typeface="Arial"/>
+              </a:rPr>
+              <a:t>origin/master</a:t>
+            </a:r>
+            <a:endParaRPr b="0" lang="en-US" sz="1800" spc="-1" strike="noStrike">
+              <a:latin typeface="Arial"/>
+            </a:endParaRPr>
+          </a:p>
+          <a:p>
+            <a:endParaRPr b="0" lang="en-US" sz="1800" spc="-1" strike="noStrike">
+              <a:latin typeface="Arial"/>
+            </a:endParaRPr>
+          </a:p>
+          <a:p>
+            <a:pPr algn="ctr"/>
+            <a:r>
+              <a:rPr b="0" lang="en-US" sz="1800" spc="-1" strike="noStrike">
+                <a:latin typeface="Arial"/>
+              </a:rPr>
+              <a:t>master</a:t>
+            </a:r>
+            <a:endParaRPr b="0" lang="en-US" sz="1800" spc="-1" strike="noStrike">
+              <a:latin typeface="Arial"/>
+            </a:endParaRPr>
+          </a:p>
+        </p:txBody>
+      </p:sp>
+      <p:sp>
+        <p:nvSpPr>
+          <p:cNvPr id="369" name="CustomShape 8"/>
+          <p:cNvSpPr/>
+          <p:nvPr/>
+        </p:nvSpPr>
+        <p:spPr>
+          <a:xfrm>
+            <a:off x="3294360" y="3263040"/>
+            <a:ext cx="1950120" cy="363960"/>
+          </a:xfrm>
+          <a:prstGeom prst="rect">
+            <a:avLst/>
+          </a:prstGeom>
+          <a:noFill/>
+          <a:ln>
+            <a:noFill/>
+          </a:ln>
+        </p:spPr>
+        <p:style>
+          <a:lnRef idx="0"/>
+          <a:fillRef idx="0"/>
+          <a:effectRef idx="0"/>
+          <a:fontRef idx="minor"/>
+        </p:style>
+        <p:txBody>
+          <a:bodyPr lIns="90000" rIns="90000" tIns="45000" bIns="45000">
+            <a:spAutoFit/>
+          </a:bodyPr>
+          <a:p>
+            <a:pPr>
+              <a:lnSpc>
+                <a:spcPct val="100000"/>
+              </a:lnSpc>
+            </a:pPr>
+            <a:r>
+              <a:rPr b="0" lang="en-US" sz="1800" spc="-1" strike="noStrike">
+                <a:solidFill>
+                  <a:srgbClr val="000000"/>
+                </a:solidFill>
+                <a:latin typeface="Arial"/>
+                <a:ea typeface="DejaVu Sans"/>
+              </a:rPr>
+              <a:t>ローカルレポジトリ</a:t>
+            </a:r>
+            <a:endParaRPr b="0" lang="en-US" sz="1800" spc="-1" strike="noStrike">
+              <a:latin typeface="Arial"/>
+            </a:endParaRPr>
+          </a:p>
+        </p:txBody>
+      </p:sp>
+      <p:sp>
+        <p:nvSpPr>
+          <p:cNvPr id="370" name="CustomShape 9"/>
+          <p:cNvSpPr/>
+          <p:nvPr/>
+        </p:nvSpPr>
+        <p:spPr>
+          <a:xfrm>
+            <a:off x="774360" y="2862000"/>
+            <a:ext cx="1222560" cy="502560"/>
+          </a:xfrm>
+          <a:prstGeom prst="rect">
+            <a:avLst/>
+          </a:prstGeom>
+          <a:solidFill>
+            <a:srgbClr val="729fcf"/>
+          </a:solidFill>
+          <a:ln>
+            <a:solidFill>
+              <a:srgbClr val="3465a4"/>
+            </a:solidFill>
+          </a:ln>
+        </p:spPr>
+        <p:style>
+          <a:lnRef idx="0"/>
+          <a:fillRef idx="0"/>
+          <a:effectRef idx="0"/>
+          <a:fontRef idx="minor"/>
+        </p:style>
+        <p:txBody>
+          <a:bodyPr wrap="none" lIns="90000" rIns="90000" tIns="45000" bIns="45000" anchor="ctr">
+            <a:noAutofit/>
+          </a:bodyPr>
+          <a:p>
+            <a:pPr algn="ctr">
+              <a:lnSpc>
+                <a:spcPct val="100000"/>
+              </a:lnSpc>
+            </a:pPr>
+            <a:r>
+              <a:rPr b="0" lang="en-US" sz="1800" spc="-1" strike="noStrike">
+                <a:solidFill>
+                  <a:srgbClr val="000000"/>
+                </a:solidFill>
+                <a:latin typeface="Arial"/>
+                <a:ea typeface="DejaVu Sans"/>
+              </a:rPr>
+              <a:t>ローカル</a:t>
+            </a:r>
+            <a:endParaRPr b="0" lang="en-US" sz="1800" spc="-1" strike="noStrike">
+              <a:latin typeface="Arial"/>
+            </a:endParaRPr>
+          </a:p>
+        </p:txBody>
+      </p:sp>
+      <p:sp>
+        <p:nvSpPr>
+          <p:cNvPr id="371" name="Line 10"/>
+          <p:cNvSpPr/>
+          <p:nvPr/>
+        </p:nvSpPr>
+        <p:spPr>
+          <a:xfrm flipH="1">
+            <a:off x="4824000" y="3294000"/>
+            <a:ext cx="1998360" cy="900000"/>
+          </a:xfrm>
+          <a:prstGeom prst="line">
+            <a:avLst/>
+          </a:prstGeom>
+          <a:ln w="12600">
+            <a:solidFill>
+              <a:srgbClr val="5983b0"/>
+            </a:solidFill>
+            <a:round/>
+            <a:tailEnd len="med" type="triangle" w="med"/>
+          </a:ln>
+        </p:spPr>
+        <p:style>
+          <a:lnRef idx="0"/>
+          <a:fillRef idx="0"/>
+          <a:effectRef idx="0"/>
+          <a:fontRef idx="minor"/>
+        </p:style>
+      </p:sp>
+      <p:sp>
+        <p:nvSpPr>
+          <p:cNvPr id="372" name="CustomShape 11"/>
+          <p:cNvSpPr/>
+          <p:nvPr/>
+        </p:nvSpPr>
+        <p:spPr>
+          <a:xfrm>
+            <a:off x="6678360" y="2358000"/>
+            <a:ext cx="1942560" cy="718560"/>
+          </a:xfrm>
+          <a:prstGeom prst="flowChartMagneticDisk">
+            <a:avLst/>
+          </a:prstGeom>
+          <a:solidFill>
+            <a:srgbClr val="729fcf"/>
+          </a:solidFill>
+          <a:ln>
+            <a:solidFill>
+              <a:srgbClr val="3465a4"/>
+            </a:solidFill>
+          </a:ln>
+        </p:spPr>
+        <p:style>
+          <a:lnRef idx="0"/>
+          <a:fillRef idx="0"/>
+          <a:effectRef idx="0"/>
+          <a:fontRef idx="minor"/>
+        </p:style>
+      </p:sp>
+      <p:sp>
+        <p:nvSpPr>
+          <p:cNvPr id="373" name="CustomShape 12"/>
+          <p:cNvSpPr/>
+          <p:nvPr/>
+        </p:nvSpPr>
+        <p:spPr>
+          <a:xfrm>
+            <a:off x="6712920" y="2039040"/>
+            <a:ext cx="1836000" cy="363960"/>
+          </a:xfrm>
+          <a:prstGeom prst="rect">
+            <a:avLst/>
+          </a:prstGeom>
+          <a:noFill/>
+          <a:ln>
+            <a:noFill/>
+          </a:ln>
+        </p:spPr>
+        <p:style>
+          <a:lnRef idx="0"/>
+          <a:fillRef idx="0"/>
+          <a:effectRef idx="0"/>
+          <a:fontRef idx="minor"/>
+        </p:style>
+        <p:txBody>
+          <a:bodyPr lIns="90000" rIns="90000" tIns="45000" bIns="45000">
+            <a:spAutoFit/>
+          </a:bodyPr>
+          <a:p>
+            <a:pPr>
+              <a:lnSpc>
+                <a:spcPct val="100000"/>
+              </a:lnSpc>
+            </a:pPr>
+            <a:r>
+              <a:rPr b="0" lang="en-US" sz="1800" spc="-1" strike="noStrike">
+                <a:solidFill>
+                  <a:srgbClr val="000000"/>
+                </a:solidFill>
+                <a:latin typeface="Arial"/>
+                <a:ea typeface="DejaVu Sans"/>
+              </a:rPr>
+              <a:t>リモートリポジトリ</a:t>
+            </a:r>
+            <a:endParaRPr b="0" lang="en-US" sz="1800" spc="-1" strike="noStrike">
+              <a:latin typeface="Arial"/>
+            </a:endParaRPr>
+          </a:p>
+        </p:txBody>
+      </p:sp>
+      <p:sp>
+        <p:nvSpPr>
+          <p:cNvPr id="374" name="CustomShape 13"/>
+          <p:cNvSpPr/>
+          <p:nvPr/>
+        </p:nvSpPr>
+        <p:spPr>
+          <a:xfrm>
+            <a:off x="4663800" y="1783440"/>
+            <a:ext cx="1942560" cy="502560"/>
+          </a:xfrm>
+          <a:prstGeom prst="rect">
+            <a:avLst/>
+          </a:prstGeom>
+          <a:solidFill>
+            <a:srgbClr val="729fcf"/>
+          </a:solidFill>
+          <a:ln>
+            <a:solidFill>
+              <a:srgbClr val="3465a4"/>
+            </a:solidFill>
+          </a:ln>
+        </p:spPr>
+        <p:style>
+          <a:lnRef idx="0"/>
+          <a:fillRef idx="0"/>
+          <a:effectRef idx="0"/>
+          <a:fontRef idx="minor"/>
+        </p:style>
+        <p:txBody>
+          <a:bodyPr wrap="none" lIns="90000" rIns="90000" tIns="45000" bIns="45000" anchor="ctr">
+            <a:noAutofit/>
+          </a:bodyPr>
+          <a:p>
+            <a:pPr algn="ctr">
+              <a:lnSpc>
+                <a:spcPct val="100000"/>
+              </a:lnSpc>
+            </a:pPr>
+            <a:r>
+              <a:rPr b="0" lang="en-US" sz="1800" spc="-1" strike="noStrike">
+                <a:solidFill>
+                  <a:srgbClr val="000000"/>
+                </a:solidFill>
+                <a:latin typeface="Arial"/>
+                <a:ea typeface="DejaVu Sans"/>
+              </a:rPr>
+              <a:t>リモート（</a:t>
+            </a:r>
+            <a:r>
+              <a:rPr b="0" lang="en-US" sz="1800" spc="-1" strike="noStrike">
+                <a:solidFill>
+                  <a:srgbClr val="000000"/>
+                </a:solidFill>
+                <a:latin typeface="Arial"/>
+                <a:ea typeface="DejaVu Sans"/>
+              </a:rPr>
+              <a:t>git hub</a:t>
+            </a:r>
+            <a:r>
+              <a:rPr b="0" lang="en-US" sz="1800" spc="-1" strike="noStrike">
+                <a:solidFill>
+                  <a:srgbClr val="000000"/>
+                </a:solidFill>
+                <a:latin typeface="Arial"/>
+                <a:ea typeface="DejaVu Sans"/>
+              </a:rPr>
+              <a:t>）</a:t>
+            </a:r>
+            <a:endParaRPr b="0" lang="en-US" sz="1800" spc="-1" strike="noStrike">
+              <a:latin typeface="Arial"/>
+            </a:endParaRPr>
+          </a:p>
+        </p:txBody>
+      </p:sp>
+      <p:sp>
+        <p:nvSpPr>
+          <p:cNvPr id="375" name="Line 14"/>
+          <p:cNvSpPr/>
+          <p:nvPr/>
+        </p:nvSpPr>
+        <p:spPr>
+          <a:xfrm flipH="1">
+            <a:off x="2160000" y="4824000"/>
+            <a:ext cx="1512000" cy="864000"/>
+          </a:xfrm>
+          <a:prstGeom prst="line">
+            <a:avLst/>
+          </a:prstGeom>
+          <a:ln>
+            <a:solidFill>
+              <a:srgbClr val="ff0000"/>
+            </a:solidFill>
+            <a:tailEnd len="med" type="triangle" w="med"/>
+          </a:ln>
+        </p:spPr>
+        <p:style>
+          <a:lnRef idx="0"/>
+          <a:fillRef idx="0"/>
+          <a:effectRef idx="0"/>
+          <a:fontRef idx="minor"/>
+        </p:style>
       </p:sp>
     </p:spTree>
   </p:cSld>
@@ -14690,7 +16885,7 @@
         <p:spPr>
           <a:xfrm>
             <a:off x="504000" y="596520"/>
-            <a:ext cx="9070560" cy="669960"/>
+            <a:ext cx="9070200" cy="669600"/>
           </a:xfrm>
           <a:prstGeom prst="rect">
             <a:avLst/>
@@ -14741,7 +16936,7 @@
         <p:spPr>
           <a:xfrm>
             <a:off x="504000" y="1944000"/>
-            <a:ext cx="9070560" cy="4207320"/>
+            <a:ext cx="9070200" cy="4206960"/>
           </a:xfrm>
           <a:prstGeom prst="rect">
             <a:avLst/>
@@ -14762,7 +16957,7 @@
             <a:normAutofit/>
           </a:bodyPr>
           <a:p>
-            <a:pPr marL="432000" indent="-322560">
+            <a:pPr marL="432000" indent="-322200">
               <a:lnSpc>
                 <a:spcPct val="100000"/>
               </a:lnSpc>
@@ -14801,7 +16996,7 @@
             </a:endParaRPr>
           </a:p>
           <a:p>
-            <a:pPr marL="432000" indent="-322560">
+            <a:pPr marL="432000" indent="-322200">
               <a:lnSpc>
                 <a:spcPct val="100000"/>
               </a:lnSpc>
@@ -14840,7 +17035,7 @@
             </a:endParaRPr>
           </a:p>
           <a:p>
-            <a:pPr marL="432000" indent="-322560">
+            <a:pPr marL="432000" indent="-322200">
               <a:lnSpc>
                 <a:spcPct val="100000"/>
               </a:lnSpc>
@@ -14919,7 +17114,7 @@
         <p:spPr>
           <a:xfrm>
             <a:off x="360000" y="360000"/>
-            <a:ext cx="9357840" cy="897840"/>
+            <a:ext cx="9357480" cy="897480"/>
           </a:xfrm>
           <a:prstGeom prst="rect">
             <a:avLst/>
@@ -14980,7 +17175,7 @@
         <p:spPr>
           <a:xfrm>
             <a:off x="360000" y="1980000"/>
-            <a:ext cx="9069840" cy="1041840"/>
+            <a:ext cx="9069480" cy="1041480"/>
           </a:xfrm>
           <a:prstGeom prst="rect">
             <a:avLst/>
@@ -15044,7 +17239,7 @@
         <p:spPr>
           <a:xfrm>
             <a:off x="2088000" y="4032000"/>
-            <a:ext cx="5664960" cy="363960"/>
+            <a:ext cx="5664600" cy="363960"/>
           </a:xfrm>
           <a:prstGeom prst="rect">
             <a:avLst/>
@@ -15125,7 +17320,7 @@
         <p:spPr>
           <a:xfrm>
             <a:off x="360000" y="360000"/>
-            <a:ext cx="9357840" cy="897840"/>
+            <a:ext cx="9357480" cy="897480"/>
           </a:xfrm>
           <a:prstGeom prst="rect">
             <a:avLst/>
@@ -15190,7 +17385,7 @@
         <p:spPr>
           <a:xfrm>
             <a:off x="864000" y="2880000"/>
-            <a:ext cx="4043880" cy="3669840"/>
+            <a:ext cx="4043520" cy="3669480"/>
           </a:xfrm>
           <a:prstGeom prst="rect">
             <a:avLst/>
@@ -15213,7 +17408,7 @@
         <p:spPr>
           <a:xfrm>
             <a:off x="4925160" y="2880000"/>
-            <a:ext cx="4073400" cy="3702240"/>
+            <a:ext cx="4073040" cy="3701880"/>
           </a:xfrm>
           <a:prstGeom prst="rect">
             <a:avLst/>
@@ -15232,7 +17427,7 @@
         <p:spPr>
           <a:xfrm>
             <a:off x="1584000" y="1800000"/>
-            <a:ext cx="6405840" cy="485640"/>
+            <a:ext cx="6405480" cy="485640"/>
           </a:xfrm>
           <a:prstGeom prst="rect">
             <a:avLst/>
@@ -15323,7 +17518,7 @@
         <p:spPr>
           <a:xfrm>
             <a:off x="360000" y="360000"/>
-            <a:ext cx="9357840" cy="897840"/>
+            <a:ext cx="9357480" cy="897480"/>
           </a:xfrm>
           <a:prstGeom prst="rect">
             <a:avLst/>
@@ -15384,7 +17579,7 @@
         <p:spPr>
           <a:xfrm>
             <a:off x="1584000" y="1800000"/>
-            <a:ext cx="6405840" cy="485640"/>
+            <a:ext cx="6405480" cy="485640"/>
           </a:xfrm>
           <a:prstGeom prst="rect">
             <a:avLst/>
@@ -15449,7 +17644,7 @@
         <p:spPr>
           <a:xfrm>
             <a:off x="864000" y="2808000"/>
-            <a:ext cx="4111560" cy="3742200"/>
+            <a:ext cx="4111200" cy="3741840"/>
           </a:xfrm>
           <a:prstGeom prst="rect">
             <a:avLst/>
@@ -15472,7 +17667,7 @@
         <p:spPr>
           <a:xfrm>
             <a:off x="5040000" y="2808000"/>
-            <a:ext cx="4134960" cy="3755520"/>
+            <a:ext cx="4134600" cy="3755160"/>
           </a:xfrm>
           <a:prstGeom prst="rect">
             <a:avLst/>
@@ -15521,7 +17716,7 @@
         <p:spPr>
           <a:xfrm>
             <a:off x="360000" y="360000"/>
-            <a:ext cx="9357840" cy="897840"/>
+            <a:ext cx="9357480" cy="897480"/>
           </a:xfrm>
           <a:prstGeom prst="rect">
             <a:avLst/>
@@ -15582,7 +17777,7 @@
         <p:spPr>
           <a:xfrm>
             <a:off x="360000" y="1980000"/>
-            <a:ext cx="9069840" cy="1041840"/>
+            <a:ext cx="9069480" cy="1041480"/>
           </a:xfrm>
           <a:prstGeom prst="rect">
             <a:avLst/>
@@ -15646,7 +17841,7 @@
         <p:spPr>
           <a:xfrm>
             <a:off x="1080000" y="4176000"/>
-            <a:ext cx="2302560" cy="1510560"/>
+            <a:ext cx="2302200" cy="1510200"/>
           </a:xfrm>
           <a:prstGeom prst="can">
             <a:avLst>
@@ -15703,7 +17898,7 @@
         <p:spPr>
           <a:xfrm>
             <a:off x="1872000" y="3672000"/>
-            <a:ext cx="502560" cy="363960"/>
+            <a:ext cx="502200" cy="363960"/>
           </a:xfrm>
           <a:prstGeom prst="rect">
             <a:avLst/>
@@ -15754,7 +17949,7 @@
         <p:spPr>
           <a:xfrm>
             <a:off x="3456000" y="3600000"/>
-            <a:ext cx="646560" cy="934560"/>
+            <a:ext cx="646200" cy="934200"/>
           </a:xfrm>
           <a:prstGeom prst="smileyFace">
             <a:avLst>
@@ -15786,7 +17981,7 @@
         <p:spPr>
           <a:xfrm>
             <a:off x="4104000" y="4824000"/>
-            <a:ext cx="1942560" cy="358560"/>
+            <a:ext cx="1942200" cy="358200"/>
           </a:xfrm>
           <a:custGeom>
             <a:avLst/>
@@ -15847,7 +18042,7 @@
         <p:spPr>
           <a:xfrm>
             <a:off x="4032000" y="4176000"/>
-            <a:ext cx="2374560" cy="363960"/>
+            <a:ext cx="2374200" cy="363960"/>
           </a:xfrm>
           <a:prstGeom prst="rect">
             <a:avLst/>
@@ -15898,7 +18093,7 @@
         <p:spPr>
           <a:xfrm>
             <a:off x="7056000" y="3888000"/>
-            <a:ext cx="1510560" cy="1798560"/>
+            <a:ext cx="1510200" cy="1798200"/>
           </a:xfrm>
           <a:prstGeom prst="flowChartPunchedCard">
             <a:avLst/>
@@ -15983,7 +18178,7 @@
         <p:spPr>
           <a:xfrm>
             <a:off x="504000" y="596520"/>
-            <a:ext cx="9070560" cy="669960"/>
+            <a:ext cx="9070200" cy="669600"/>
           </a:xfrm>
           <a:prstGeom prst="rect">
             <a:avLst/>
@@ -16048,7 +18243,7 @@
         <p:spPr>
           <a:xfrm>
             <a:off x="503640" y="1947960"/>
-            <a:ext cx="4425480" cy="4023720"/>
+            <a:ext cx="4425120" cy="4023360"/>
           </a:xfrm>
           <a:prstGeom prst="rect">
             <a:avLst/>
@@ -16071,7 +18266,7 @@
         <p:spPr>
           <a:xfrm>
             <a:off x="5152320" y="1950120"/>
-            <a:ext cx="4425480" cy="4019400"/>
+            <a:ext cx="4425120" cy="4019040"/>
           </a:xfrm>
           <a:prstGeom prst="rect">
             <a:avLst/>
@@ -16120,7 +18315,7 @@
         <p:spPr>
           <a:xfrm>
             <a:off x="504000" y="596520"/>
-            <a:ext cx="9070560" cy="669960"/>
+            <a:ext cx="9070200" cy="669600"/>
           </a:xfrm>
           <a:prstGeom prst="rect">
             <a:avLst/>
@@ -16185,7 +18380,7 @@
         <p:spPr>
           <a:xfrm>
             <a:off x="503640" y="1939320"/>
-            <a:ext cx="4425480" cy="4041360"/>
+            <a:ext cx="4425120" cy="4041000"/>
           </a:xfrm>
           <a:prstGeom prst="rect">
             <a:avLst/>
@@ -16208,7 +18403,7 @@
         <p:spPr>
           <a:xfrm>
             <a:off x="5152320" y="1941480"/>
-            <a:ext cx="4425480" cy="4037040"/>
+            <a:ext cx="4425120" cy="4036680"/>
           </a:xfrm>
           <a:prstGeom prst="rect">
             <a:avLst/>
@@ -16257,7 +18452,7 @@
         <p:spPr>
           <a:xfrm>
             <a:off x="504000" y="596520"/>
-            <a:ext cx="9070920" cy="670320"/>
+            <a:ext cx="9070560" cy="669960"/>
           </a:xfrm>
           <a:prstGeom prst="rect">
             <a:avLst/>
@@ -16318,7 +18513,7 @@
         <p:spPr>
           <a:xfrm>
             <a:off x="504000" y="1768680"/>
-            <a:ext cx="8638920" cy="4383000"/>
+            <a:ext cx="8638560" cy="4382640"/>
           </a:xfrm>
           <a:prstGeom prst="rect">
             <a:avLst/>
@@ -16339,7 +18534,7 @@
             <a:normAutofit/>
           </a:bodyPr>
           <a:p>
-            <a:pPr marL="432000" indent="-322920">
+            <a:pPr marL="432000" indent="-322560">
               <a:lnSpc>
                 <a:spcPct val="100000"/>
               </a:lnSpc>
@@ -16428,7 +18623,7 @@
             </a:endParaRPr>
           </a:p>
           <a:p>
-            <a:pPr marL="432000" indent="-322920">
+            <a:pPr marL="432000" indent="-322560">
               <a:lnSpc>
                 <a:spcPct val="100000"/>
               </a:lnSpc>
@@ -16477,7 +18672,7 @@
             </a:endParaRPr>
           </a:p>
           <a:p>
-            <a:pPr marL="432000" indent="-322920">
+            <a:pPr marL="432000" indent="-322560">
               <a:lnSpc>
                 <a:spcPct val="100000"/>
               </a:lnSpc>
@@ -16536,7 +18731,7 @@
             </a:endParaRPr>
           </a:p>
           <a:p>
-            <a:pPr marL="432000" indent="-322920">
+            <a:pPr marL="432000" indent="-322560">
               <a:lnSpc>
                 <a:spcPct val="100000"/>
               </a:lnSpc>
@@ -16595,7 +18790,7 @@
             </a:endParaRPr>
           </a:p>
           <a:p>
-            <a:pPr marL="432000" indent="-322920">
+            <a:pPr marL="432000" indent="-322560">
               <a:lnSpc>
                 <a:spcPct val="100000"/>
               </a:lnSpc>
@@ -16654,7 +18849,7 @@
             </a:endParaRPr>
           </a:p>
           <a:p>
-            <a:pPr marL="432000" indent="-322920">
+            <a:pPr marL="432000" indent="-322560">
               <a:lnSpc>
                 <a:spcPct val="100000"/>
               </a:lnSpc>
